--- a/docs/19_시스템구성도/시스템구성도.pptx
+++ b/docs/19_시스템구성도/시스템구성도.pptx
@@ -108,6 +108,11 @@
       </a:defRPr>
     </a:lvl9pPr>
   </p:defaultTextStyle>
+  <p:extLst>
+    <p:ext uri="{EFAFB233-063F-42B5-8137-9DF3F51BA10A}">
+      <p15:sldGuideLst xmlns:p15="http://schemas.microsoft.com/office/powerpoint/2012/main"/>
+    </p:ext>
+  </p:extLst>
 </p:presentation>
 </file>
 
@@ -258,7 +263,7 @@
           <a:p>
             <a:fld id="{070BE896-19B4-41A3-AD2A-66BCADC2ABD9}" type="datetimeFigureOut">
               <a:rPr lang="ko-KR" altLang="en-US" smtClean="0"/>
-              <a:t>2019-01-15</a:t>
+              <a:t>2019-01-16</a:t>
             </a:fld>
             <a:endParaRPr lang="ko-KR" altLang="en-US"/>
           </a:p>
@@ -456,7 +461,7 @@
           <a:p>
             <a:fld id="{070BE896-19B4-41A3-AD2A-66BCADC2ABD9}" type="datetimeFigureOut">
               <a:rPr lang="ko-KR" altLang="en-US" smtClean="0"/>
-              <a:t>2019-01-15</a:t>
+              <a:t>2019-01-16</a:t>
             </a:fld>
             <a:endParaRPr lang="ko-KR" altLang="en-US"/>
           </a:p>
@@ -664,7 +669,7 @@
           <a:p>
             <a:fld id="{070BE896-19B4-41A3-AD2A-66BCADC2ABD9}" type="datetimeFigureOut">
               <a:rPr lang="ko-KR" altLang="en-US" smtClean="0"/>
-              <a:t>2019-01-15</a:t>
+              <a:t>2019-01-16</a:t>
             </a:fld>
             <a:endParaRPr lang="ko-KR" altLang="en-US"/>
           </a:p>
@@ -862,7 +867,7 @@
           <a:p>
             <a:fld id="{070BE896-19B4-41A3-AD2A-66BCADC2ABD9}" type="datetimeFigureOut">
               <a:rPr lang="ko-KR" altLang="en-US" smtClean="0"/>
-              <a:t>2019-01-15</a:t>
+              <a:t>2019-01-16</a:t>
             </a:fld>
             <a:endParaRPr lang="ko-KR" altLang="en-US"/>
           </a:p>
@@ -1137,7 +1142,7 @@
           <a:p>
             <a:fld id="{070BE896-19B4-41A3-AD2A-66BCADC2ABD9}" type="datetimeFigureOut">
               <a:rPr lang="ko-KR" altLang="en-US" smtClean="0"/>
-              <a:t>2019-01-15</a:t>
+              <a:t>2019-01-16</a:t>
             </a:fld>
             <a:endParaRPr lang="ko-KR" altLang="en-US"/>
           </a:p>
@@ -1402,7 +1407,7 @@
           <a:p>
             <a:fld id="{070BE896-19B4-41A3-AD2A-66BCADC2ABD9}" type="datetimeFigureOut">
               <a:rPr lang="ko-KR" altLang="en-US" smtClean="0"/>
-              <a:t>2019-01-15</a:t>
+              <a:t>2019-01-16</a:t>
             </a:fld>
             <a:endParaRPr lang="ko-KR" altLang="en-US"/>
           </a:p>
@@ -1814,7 +1819,7 @@
           <a:p>
             <a:fld id="{070BE896-19B4-41A3-AD2A-66BCADC2ABD9}" type="datetimeFigureOut">
               <a:rPr lang="ko-KR" altLang="en-US" smtClean="0"/>
-              <a:t>2019-01-15</a:t>
+              <a:t>2019-01-16</a:t>
             </a:fld>
             <a:endParaRPr lang="ko-KR" altLang="en-US"/>
           </a:p>
@@ -1955,7 +1960,7 @@
           <a:p>
             <a:fld id="{070BE896-19B4-41A3-AD2A-66BCADC2ABD9}" type="datetimeFigureOut">
               <a:rPr lang="ko-KR" altLang="en-US" smtClean="0"/>
-              <a:t>2019-01-15</a:t>
+              <a:t>2019-01-16</a:t>
             </a:fld>
             <a:endParaRPr lang="ko-KR" altLang="en-US"/>
           </a:p>
@@ -2068,7 +2073,7 @@
           <a:p>
             <a:fld id="{070BE896-19B4-41A3-AD2A-66BCADC2ABD9}" type="datetimeFigureOut">
               <a:rPr lang="ko-KR" altLang="en-US" smtClean="0"/>
-              <a:t>2019-01-15</a:t>
+              <a:t>2019-01-16</a:t>
             </a:fld>
             <a:endParaRPr lang="ko-KR" altLang="en-US"/>
           </a:p>
@@ -2379,7 +2384,7 @@
           <a:p>
             <a:fld id="{070BE896-19B4-41A3-AD2A-66BCADC2ABD9}" type="datetimeFigureOut">
               <a:rPr lang="ko-KR" altLang="en-US" smtClean="0"/>
-              <a:t>2019-01-15</a:t>
+              <a:t>2019-01-16</a:t>
             </a:fld>
             <a:endParaRPr lang="ko-KR" altLang="en-US"/>
           </a:p>
@@ -2667,7 +2672,7 @@
           <a:p>
             <a:fld id="{070BE896-19B4-41A3-AD2A-66BCADC2ABD9}" type="datetimeFigureOut">
               <a:rPr lang="ko-KR" altLang="en-US" smtClean="0"/>
-              <a:t>2019-01-15</a:t>
+              <a:t>2019-01-16</a:t>
             </a:fld>
             <a:endParaRPr lang="ko-KR" altLang="en-US"/>
           </a:p>
@@ -2908,7 +2913,7 @@
           <a:p>
             <a:fld id="{070BE896-19B4-41A3-AD2A-66BCADC2ABD9}" type="datetimeFigureOut">
               <a:rPr lang="ko-KR" altLang="en-US" smtClean="0"/>
-              <a:t>2019-01-15</a:t>
+              <a:t>2019-01-16</a:t>
             </a:fld>
             <a:endParaRPr lang="ko-KR" altLang="en-US"/>
           </a:p>
@@ -7063,6 +7068,174 @@
           </a:p>
         </p:txBody>
       </p:sp>
+      <p:sp>
+        <p:nvSpPr>
+          <p:cNvPr id="55" name="자유형: 도형 54">
+            <a:extLst>
+              <a:ext uri="{FF2B5EF4-FFF2-40B4-BE49-F238E27FC236}">
+                <a16:creationId xmlns:a16="http://schemas.microsoft.com/office/drawing/2014/main" id="{EFB928AD-5335-42ED-8618-A4D97C7B24C4}"/>
+              </a:ext>
+            </a:extLst>
+          </p:cNvPr>
+          <p:cNvSpPr/>
+          <p:nvPr/>
+        </p:nvSpPr>
+        <p:spPr>
+          <a:xfrm>
+            <a:off x="1305363" y="1207420"/>
+            <a:ext cx="4656406" cy="5359791"/>
+          </a:xfrm>
+          <a:custGeom>
+            <a:avLst/>
+            <a:gdLst>
+              <a:gd name="connsiteX0" fmla="*/ 42203 w 4656406"/>
+              <a:gd name="connsiteY0" fmla="*/ 0 h 5359791"/>
+              <a:gd name="connsiteX1" fmla="*/ 0 w 4656406"/>
+              <a:gd name="connsiteY1" fmla="*/ 5359791 h 5359791"/>
+              <a:gd name="connsiteX2" fmla="*/ 4600135 w 4656406"/>
+              <a:gd name="connsiteY2" fmla="*/ 5331656 h 5359791"/>
+              <a:gd name="connsiteX3" fmla="*/ 4656406 w 4656406"/>
+              <a:gd name="connsiteY3" fmla="*/ 1364566 h 5359791"/>
+              <a:gd name="connsiteX4" fmla="*/ 2321169 w 4656406"/>
+              <a:gd name="connsiteY4" fmla="*/ 1406770 h 5359791"/>
+              <a:gd name="connsiteX5" fmla="*/ 2335237 w 4656406"/>
+              <a:gd name="connsiteY5" fmla="*/ 70339 h 5359791"/>
+              <a:gd name="connsiteX6" fmla="*/ 70339 w 4656406"/>
+              <a:gd name="connsiteY6" fmla="*/ 56271 h 5359791"/>
+              <a:gd name="connsiteX7" fmla="*/ 42203 w 4656406"/>
+              <a:gd name="connsiteY7" fmla="*/ 0 h 5359791"/>
+            </a:gdLst>
+            <a:ahLst/>
+            <a:cxnLst>
+              <a:cxn ang="0">
+                <a:pos x="connsiteX0" y="connsiteY0"/>
+              </a:cxn>
+              <a:cxn ang="0">
+                <a:pos x="connsiteX1" y="connsiteY1"/>
+              </a:cxn>
+              <a:cxn ang="0">
+                <a:pos x="connsiteX2" y="connsiteY2"/>
+              </a:cxn>
+              <a:cxn ang="0">
+                <a:pos x="connsiteX3" y="connsiteY3"/>
+              </a:cxn>
+              <a:cxn ang="0">
+                <a:pos x="connsiteX4" y="connsiteY4"/>
+              </a:cxn>
+              <a:cxn ang="0">
+                <a:pos x="connsiteX5" y="connsiteY5"/>
+              </a:cxn>
+              <a:cxn ang="0">
+                <a:pos x="connsiteX6" y="connsiteY6"/>
+              </a:cxn>
+              <a:cxn ang="0">
+                <a:pos x="connsiteX7" y="connsiteY7"/>
+              </a:cxn>
+            </a:cxnLst>
+            <a:rect l="l" t="t" r="r" b="b"/>
+            <a:pathLst>
+              <a:path w="4656406" h="5359791">
+                <a:moveTo>
+                  <a:pt x="42203" y="0"/>
+                </a:moveTo>
+                <a:lnTo>
+                  <a:pt x="0" y="5359791"/>
+                </a:lnTo>
+                <a:lnTo>
+                  <a:pt x="4600135" y="5331656"/>
+                </a:lnTo>
+                <a:lnTo>
+                  <a:pt x="4656406" y="1364566"/>
+                </a:lnTo>
+                <a:lnTo>
+                  <a:pt x="2321169" y="1406770"/>
+                </a:lnTo>
+                <a:lnTo>
+                  <a:pt x="2335237" y="70339"/>
+                </a:lnTo>
+                <a:lnTo>
+                  <a:pt x="70339" y="56271"/>
+                </a:lnTo>
+                <a:lnTo>
+                  <a:pt x="42203" y="0"/>
+                </a:lnTo>
+                <a:close/>
+              </a:path>
+            </a:pathLst>
+          </a:custGeom>
+          <a:noFill/>
+          <a:ln>
+            <a:solidFill>
+              <a:schemeClr val="accent2">
+                <a:lumMod val="75000"/>
+              </a:schemeClr>
+            </a:solidFill>
+          </a:ln>
+        </p:spPr>
+        <p:style>
+          <a:lnRef idx="2">
+            <a:schemeClr val="accent6"/>
+          </a:lnRef>
+          <a:fillRef idx="1">
+            <a:schemeClr val="lt1"/>
+          </a:fillRef>
+          <a:effectRef idx="0">
+            <a:schemeClr val="accent6"/>
+          </a:effectRef>
+          <a:fontRef idx="minor">
+            <a:schemeClr val="dk1"/>
+          </a:fontRef>
+        </p:style>
+        <p:txBody>
+          <a:bodyPr rtlCol="0" anchor="ctr"/>
+          <a:lstStyle/>
+          <a:p>
+            <a:pPr algn="ctr"/>
+            <a:endParaRPr lang="ko-KR" altLang="en-US" dirty="0"/>
+          </a:p>
+        </p:txBody>
+      </p:sp>
+      <p:sp>
+        <p:nvSpPr>
+          <p:cNvPr id="5" name="TextBox 4">
+            <a:extLst>
+              <a:ext uri="{FF2B5EF4-FFF2-40B4-BE49-F238E27FC236}">
+                <a16:creationId xmlns:a16="http://schemas.microsoft.com/office/drawing/2014/main" id="{02F9E025-71C9-438C-BEDC-F2EC2535E69F}"/>
+              </a:ext>
+            </a:extLst>
+          </p:cNvPr>
+          <p:cNvSpPr txBox="1"/>
+          <p:nvPr/>
+        </p:nvSpPr>
+        <p:spPr>
+          <a:xfrm>
+            <a:off x="905640" y="851286"/>
+            <a:ext cx="1182238" cy="461665"/>
+          </a:xfrm>
+          <a:prstGeom prst="rect">
+            <a:avLst/>
+          </a:prstGeom>
+          <a:noFill/>
+        </p:spPr>
+        <p:txBody>
+          <a:bodyPr wrap="square" rtlCol="0">
+            <a:spAutoFit/>
+          </a:bodyPr>
+          <a:lstStyle/>
+          <a:p>
+            <a:r>
+              <a:rPr lang="en-US" altLang="ko-KR" sz="1200" dirty="0"/>
+              <a:t>RDBMS DB </a:t>
+            </a:r>
+          </a:p>
+          <a:p>
+            <a:r>
+              <a:rPr lang="ko-KR" altLang="en-US" sz="1200" dirty="0"/>
+              <a:t>커넥션시스템</a:t>
+            </a:r>
+          </a:p>
+        </p:txBody>
+      </p:sp>
     </p:spTree>
     <p:extLst>
       <p:ext uri="{BB962C8B-B14F-4D97-AF65-F5344CB8AC3E}">

--- a/docs/19_시스템구성도/시스템구성도.pptx
+++ b/docs/19_시스템구성도/시스템구성도.pptx
@@ -9,7 +9,8 @@
     <p:sldId id="257" r:id="rId3"/>
     <p:sldId id="260" r:id="rId4"/>
     <p:sldId id="261" r:id="rId5"/>
-    <p:sldId id="262" r:id="rId6"/>
+    <p:sldId id="263" r:id="rId6"/>
+    <p:sldId id="262" r:id="rId7"/>
   </p:sldIdLst>
   <p:sldSz cx="12192000" cy="6858000"/>
   <p:notesSz cx="6858000" cy="9144000"/>
@@ -263,7 +264,7 @@
           <a:p>
             <a:fld id="{070BE896-19B4-41A3-AD2A-66BCADC2ABD9}" type="datetimeFigureOut">
               <a:rPr lang="ko-KR" altLang="en-US" smtClean="0"/>
-              <a:t>2019-01-16</a:t>
+              <a:t>2019-01-18</a:t>
             </a:fld>
             <a:endParaRPr lang="ko-KR" altLang="en-US"/>
           </a:p>
@@ -461,7 +462,7 @@
           <a:p>
             <a:fld id="{070BE896-19B4-41A3-AD2A-66BCADC2ABD9}" type="datetimeFigureOut">
               <a:rPr lang="ko-KR" altLang="en-US" smtClean="0"/>
-              <a:t>2019-01-16</a:t>
+              <a:t>2019-01-18</a:t>
             </a:fld>
             <a:endParaRPr lang="ko-KR" altLang="en-US"/>
           </a:p>
@@ -669,7 +670,7 @@
           <a:p>
             <a:fld id="{070BE896-19B4-41A3-AD2A-66BCADC2ABD9}" type="datetimeFigureOut">
               <a:rPr lang="ko-KR" altLang="en-US" smtClean="0"/>
-              <a:t>2019-01-16</a:t>
+              <a:t>2019-01-18</a:t>
             </a:fld>
             <a:endParaRPr lang="ko-KR" altLang="en-US"/>
           </a:p>
@@ -867,7 +868,7 @@
           <a:p>
             <a:fld id="{070BE896-19B4-41A3-AD2A-66BCADC2ABD9}" type="datetimeFigureOut">
               <a:rPr lang="ko-KR" altLang="en-US" smtClean="0"/>
-              <a:t>2019-01-16</a:t>
+              <a:t>2019-01-18</a:t>
             </a:fld>
             <a:endParaRPr lang="ko-KR" altLang="en-US"/>
           </a:p>
@@ -1142,7 +1143,7 @@
           <a:p>
             <a:fld id="{070BE896-19B4-41A3-AD2A-66BCADC2ABD9}" type="datetimeFigureOut">
               <a:rPr lang="ko-KR" altLang="en-US" smtClean="0"/>
-              <a:t>2019-01-16</a:t>
+              <a:t>2019-01-18</a:t>
             </a:fld>
             <a:endParaRPr lang="ko-KR" altLang="en-US"/>
           </a:p>
@@ -1407,7 +1408,7 @@
           <a:p>
             <a:fld id="{070BE896-19B4-41A3-AD2A-66BCADC2ABD9}" type="datetimeFigureOut">
               <a:rPr lang="ko-KR" altLang="en-US" smtClean="0"/>
-              <a:t>2019-01-16</a:t>
+              <a:t>2019-01-18</a:t>
             </a:fld>
             <a:endParaRPr lang="ko-KR" altLang="en-US"/>
           </a:p>
@@ -1819,7 +1820,7 @@
           <a:p>
             <a:fld id="{070BE896-19B4-41A3-AD2A-66BCADC2ABD9}" type="datetimeFigureOut">
               <a:rPr lang="ko-KR" altLang="en-US" smtClean="0"/>
-              <a:t>2019-01-16</a:t>
+              <a:t>2019-01-18</a:t>
             </a:fld>
             <a:endParaRPr lang="ko-KR" altLang="en-US"/>
           </a:p>
@@ -1960,7 +1961,7 @@
           <a:p>
             <a:fld id="{070BE896-19B4-41A3-AD2A-66BCADC2ABD9}" type="datetimeFigureOut">
               <a:rPr lang="ko-KR" altLang="en-US" smtClean="0"/>
-              <a:t>2019-01-16</a:t>
+              <a:t>2019-01-18</a:t>
             </a:fld>
             <a:endParaRPr lang="ko-KR" altLang="en-US"/>
           </a:p>
@@ -2073,7 +2074,7 @@
           <a:p>
             <a:fld id="{070BE896-19B4-41A3-AD2A-66BCADC2ABD9}" type="datetimeFigureOut">
               <a:rPr lang="ko-KR" altLang="en-US" smtClean="0"/>
-              <a:t>2019-01-16</a:t>
+              <a:t>2019-01-18</a:t>
             </a:fld>
             <a:endParaRPr lang="ko-KR" altLang="en-US"/>
           </a:p>
@@ -2384,7 +2385,7 @@
           <a:p>
             <a:fld id="{070BE896-19B4-41A3-AD2A-66BCADC2ABD9}" type="datetimeFigureOut">
               <a:rPr lang="ko-KR" altLang="en-US" smtClean="0"/>
-              <a:t>2019-01-16</a:t>
+              <a:t>2019-01-18</a:t>
             </a:fld>
             <a:endParaRPr lang="ko-KR" altLang="en-US"/>
           </a:p>
@@ -2672,7 +2673,7 @@
           <a:p>
             <a:fld id="{070BE896-19B4-41A3-AD2A-66BCADC2ABD9}" type="datetimeFigureOut">
               <a:rPr lang="ko-KR" altLang="en-US" smtClean="0"/>
-              <a:t>2019-01-16</a:t>
+              <a:t>2019-01-18</a:t>
             </a:fld>
             <a:endParaRPr lang="ko-KR" altLang="en-US"/>
           </a:p>
@@ -2913,7 +2914,7 @@
           <a:p>
             <a:fld id="{070BE896-19B4-41A3-AD2A-66BCADC2ABD9}" type="datetimeFigureOut">
               <a:rPr lang="ko-KR" altLang="en-US" smtClean="0"/>
-              <a:t>2019-01-16</a:t>
+              <a:t>2019-01-18</a:t>
             </a:fld>
             <a:endParaRPr lang="ko-KR" altLang="en-US"/>
           </a:p>
@@ -10670,6 +10671,2219 @@
         <p:spPr>
           <a:xfrm>
             <a:off x="202878" y="180250"/>
+            <a:ext cx="2916183" cy="369332"/>
+          </a:xfrm>
+          <a:prstGeom prst="rect">
+            <a:avLst/>
+          </a:prstGeom>
+        </p:spPr>
+        <p:txBody>
+          <a:bodyPr wrap="none">
+            <a:spAutoFit/>
+          </a:bodyPr>
+          <a:lstStyle/>
+          <a:p>
+            <a:r>
+              <a:rPr lang="en-US" altLang="ko-KR" dirty="0"/>
+              <a:t>2. </a:t>
+            </a:r>
+            <a:r>
+              <a:rPr lang="ko-KR" altLang="en-US" dirty="0"/>
+              <a:t>소프트웨어 구조에 따라</a:t>
+            </a:r>
+            <a:endParaRPr lang="en-US" altLang="ko-KR" dirty="0"/>
+          </a:p>
+        </p:txBody>
+      </p:sp>
+      <p:cxnSp>
+        <p:nvCxnSpPr>
+          <p:cNvPr id="35" name="직선 연결선 34">
+            <a:extLst>
+              <a:ext uri="{FF2B5EF4-FFF2-40B4-BE49-F238E27FC236}">
+                <a16:creationId xmlns:a16="http://schemas.microsoft.com/office/drawing/2014/main" id="{DF73BCFB-B9BE-43D5-B0FA-D634C9F9E7C4}"/>
+              </a:ext>
+            </a:extLst>
+          </p:cNvPr>
+          <p:cNvCxnSpPr/>
+          <p:nvPr/>
+        </p:nvCxnSpPr>
+        <p:spPr>
+          <a:xfrm>
+            <a:off x="98393" y="581186"/>
+            <a:ext cx="3258105" cy="0"/>
+          </a:xfrm>
+          <a:prstGeom prst="line">
+            <a:avLst/>
+          </a:prstGeom>
+        </p:spPr>
+        <p:style>
+          <a:lnRef idx="1">
+            <a:schemeClr val="accent1"/>
+          </a:lnRef>
+          <a:fillRef idx="0">
+            <a:schemeClr val="accent1"/>
+          </a:fillRef>
+          <a:effectRef idx="0">
+            <a:schemeClr val="accent1"/>
+          </a:effectRef>
+          <a:fontRef idx="minor">
+            <a:schemeClr val="tx1"/>
+          </a:fontRef>
+        </p:style>
+      </p:cxnSp>
+      <p:sp>
+        <p:nvSpPr>
+          <p:cNvPr id="2" name="TextBox 1">
+            <a:extLst>
+              <a:ext uri="{FF2B5EF4-FFF2-40B4-BE49-F238E27FC236}">
+                <a16:creationId xmlns:a16="http://schemas.microsoft.com/office/drawing/2014/main" id="{CC1FC585-30A1-4FCB-B3C8-42C0347FABE0}"/>
+              </a:ext>
+            </a:extLst>
+          </p:cNvPr>
+          <p:cNvSpPr txBox="1"/>
+          <p:nvPr/>
+        </p:nvSpPr>
+        <p:spPr>
+          <a:xfrm>
+            <a:off x="3499474" y="5539228"/>
+            <a:ext cx="669877" cy="646331"/>
+          </a:xfrm>
+          <a:prstGeom prst="rect">
+            <a:avLst/>
+          </a:prstGeom>
+          <a:noFill/>
+        </p:spPr>
+        <p:txBody>
+          <a:bodyPr wrap="square" rtlCol="0">
+            <a:spAutoFit/>
+          </a:bodyPr>
+          <a:lstStyle/>
+          <a:p>
+            <a:r>
+              <a:rPr lang="en-US" altLang="ko-KR" sz="1200" dirty="0">
+                <a:solidFill>
+                  <a:schemeClr val="accent5">
+                    <a:lumMod val="75000"/>
+                  </a:schemeClr>
+                </a:solidFill>
+              </a:rPr>
+              <a:t>Python,</a:t>
+            </a:r>
+          </a:p>
+          <a:p>
+            <a:r>
+              <a:rPr lang="en-US" altLang="ko-KR" sz="1200" dirty="0">
+                <a:solidFill>
+                  <a:schemeClr val="accent5">
+                    <a:lumMod val="75000"/>
+                  </a:schemeClr>
+                </a:solidFill>
+              </a:rPr>
+              <a:t>SQL Query</a:t>
+            </a:r>
+            <a:endParaRPr lang="ko-KR" altLang="en-US" sz="1200" dirty="0">
+              <a:solidFill>
+                <a:schemeClr val="accent5">
+                  <a:lumMod val="75000"/>
+                </a:schemeClr>
+              </a:solidFill>
+            </a:endParaRPr>
+          </a:p>
+        </p:txBody>
+      </p:sp>
+      <p:sp>
+        <p:nvSpPr>
+          <p:cNvPr id="30" name="TextBox 29">
+            <a:extLst>
+              <a:ext uri="{FF2B5EF4-FFF2-40B4-BE49-F238E27FC236}">
+                <a16:creationId xmlns:a16="http://schemas.microsoft.com/office/drawing/2014/main" id="{91AE1C03-B6E7-43DF-958F-5DC053FD3A7B}"/>
+              </a:ext>
+            </a:extLst>
+          </p:cNvPr>
+          <p:cNvSpPr txBox="1"/>
+          <p:nvPr/>
+        </p:nvSpPr>
+        <p:spPr>
+          <a:xfrm>
+            <a:off x="2797206" y="3331203"/>
+            <a:ext cx="1091214" cy="523220"/>
+          </a:xfrm>
+          <a:prstGeom prst="rect">
+            <a:avLst/>
+          </a:prstGeom>
+          <a:noFill/>
+        </p:spPr>
+        <p:txBody>
+          <a:bodyPr wrap="square" rtlCol="0">
+            <a:spAutoFit/>
+          </a:bodyPr>
+          <a:lstStyle/>
+          <a:p>
+            <a:r>
+              <a:rPr lang="en-US" altLang="ko-KR" sz="1400" dirty="0">
+                <a:solidFill>
+                  <a:schemeClr val="accent5">
+                    <a:lumMod val="75000"/>
+                  </a:schemeClr>
+                </a:solidFill>
+              </a:rPr>
+              <a:t>Python,</a:t>
+            </a:r>
+          </a:p>
+          <a:p>
+            <a:r>
+              <a:rPr lang="en-US" altLang="ko-KR" sz="1400" dirty="0">
+                <a:solidFill>
+                  <a:schemeClr val="accent5">
+                    <a:lumMod val="75000"/>
+                  </a:schemeClr>
+                </a:solidFill>
+              </a:rPr>
+              <a:t>SQL Query</a:t>
+            </a:r>
+            <a:endParaRPr lang="ko-KR" altLang="en-US" sz="1400" dirty="0">
+              <a:solidFill>
+                <a:schemeClr val="accent5">
+                  <a:lumMod val="75000"/>
+                </a:schemeClr>
+              </a:solidFill>
+            </a:endParaRPr>
+          </a:p>
+        </p:txBody>
+      </p:sp>
+      <p:sp>
+        <p:nvSpPr>
+          <p:cNvPr id="34" name="TextBox 33">
+            <a:extLst>
+              <a:ext uri="{FF2B5EF4-FFF2-40B4-BE49-F238E27FC236}">
+                <a16:creationId xmlns:a16="http://schemas.microsoft.com/office/drawing/2014/main" id="{82FB7C2D-F8AB-463E-A458-3100C240C5BB}"/>
+              </a:ext>
+            </a:extLst>
+          </p:cNvPr>
+          <p:cNvSpPr txBox="1"/>
+          <p:nvPr/>
+        </p:nvSpPr>
+        <p:spPr>
+          <a:xfrm>
+            <a:off x="5870125" y="5632045"/>
+            <a:ext cx="669877" cy="830997"/>
+          </a:xfrm>
+          <a:prstGeom prst="rect">
+            <a:avLst/>
+          </a:prstGeom>
+          <a:noFill/>
+        </p:spPr>
+        <p:txBody>
+          <a:bodyPr wrap="square" rtlCol="0">
+            <a:spAutoFit/>
+          </a:bodyPr>
+          <a:lstStyle/>
+          <a:p>
+            <a:r>
+              <a:rPr lang="en-US" altLang="ko-KR" sz="1200" dirty="0" err="1">
+                <a:solidFill>
+                  <a:schemeClr val="accent5">
+                    <a:lumMod val="75000"/>
+                  </a:schemeClr>
+                </a:solidFill>
+              </a:rPr>
+              <a:t>Pythonpickle</a:t>
+            </a:r>
+            <a:endParaRPr lang="en-US" altLang="ko-KR" sz="1200" dirty="0">
+              <a:solidFill>
+                <a:schemeClr val="accent5">
+                  <a:lumMod val="75000"/>
+                </a:schemeClr>
+              </a:solidFill>
+            </a:endParaRPr>
+          </a:p>
+          <a:p>
+            <a:r>
+              <a:rPr lang="en-US" altLang="ko-KR" sz="1200" dirty="0">
+                <a:solidFill>
+                  <a:schemeClr val="accent5">
+                    <a:lumMod val="75000"/>
+                  </a:schemeClr>
+                </a:solidFill>
+              </a:rPr>
+              <a:t>File system</a:t>
+            </a:r>
+          </a:p>
+        </p:txBody>
+      </p:sp>
+      <p:sp>
+        <p:nvSpPr>
+          <p:cNvPr id="36" name="TextBox 35">
+            <a:extLst>
+              <a:ext uri="{FF2B5EF4-FFF2-40B4-BE49-F238E27FC236}">
+                <a16:creationId xmlns:a16="http://schemas.microsoft.com/office/drawing/2014/main" id="{8153D64F-A9CA-4FA7-993B-D9652C865869}"/>
+              </a:ext>
+            </a:extLst>
+          </p:cNvPr>
+          <p:cNvSpPr txBox="1"/>
+          <p:nvPr/>
+        </p:nvSpPr>
+        <p:spPr>
+          <a:xfrm>
+            <a:off x="8170476" y="5533947"/>
+            <a:ext cx="669877" cy="646331"/>
+          </a:xfrm>
+          <a:prstGeom prst="rect">
+            <a:avLst/>
+          </a:prstGeom>
+          <a:noFill/>
+        </p:spPr>
+        <p:txBody>
+          <a:bodyPr wrap="square" rtlCol="0">
+            <a:spAutoFit/>
+          </a:bodyPr>
+          <a:lstStyle/>
+          <a:p>
+            <a:r>
+              <a:rPr lang="en-US" altLang="ko-KR" sz="1200" dirty="0">
+                <a:solidFill>
+                  <a:schemeClr val="accent5">
+                    <a:lumMod val="75000"/>
+                  </a:schemeClr>
+                </a:solidFill>
+              </a:rPr>
+              <a:t>Python</a:t>
+            </a:r>
+          </a:p>
+          <a:p>
+            <a:r>
+              <a:rPr lang="en-US" altLang="ko-KR" sz="1200" dirty="0">
+                <a:solidFill>
+                  <a:schemeClr val="accent5">
+                    <a:lumMod val="75000"/>
+                  </a:schemeClr>
+                </a:solidFill>
+              </a:rPr>
+              <a:t>File open</a:t>
+            </a:r>
+          </a:p>
+        </p:txBody>
+      </p:sp>
+      <p:sp>
+        <p:nvSpPr>
+          <p:cNvPr id="37" name="TextBox 36">
+            <a:extLst>
+              <a:ext uri="{FF2B5EF4-FFF2-40B4-BE49-F238E27FC236}">
+                <a16:creationId xmlns:a16="http://schemas.microsoft.com/office/drawing/2014/main" id="{132DB1A9-653B-4BF8-83D9-9A1109A405FF}"/>
+              </a:ext>
+            </a:extLst>
+          </p:cNvPr>
+          <p:cNvSpPr txBox="1"/>
+          <p:nvPr/>
+        </p:nvSpPr>
+        <p:spPr>
+          <a:xfrm>
+            <a:off x="9799261" y="3589855"/>
+            <a:ext cx="669877" cy="646331"/>
+          </a:xfrm>
+          <a:prstGeom prst="rect">
+            <a:avLst/>
+          </a:prstGeom>
+          <a:noFill/>
+        </p:spPr>
+        <p:txBody>
+          <a:bodyPr wrap="square" rtlCol="0">
+            <a:spAutoFit/>
+          </a:bodyPr>
+          <a:lstStyle/>
+          <a:p>
+            <a:r>
+              <a:rPr lang="en-US" altLang="ko-KR" sz="1200" dirty="0">
+                <a:solidFill>
+                  <a:schemeClr val="accent5">
+                    <a:lumMod val="75000"/>
+                  </a:schemeClr>
+                </a:solidFill>
+              </a:rPr>
+              <a:t>Json,</a:t>
+            </a:r>
+          </a:p>
+          <a:p>
+            <a:r>
+              <a:rPr lang="en-US" altLang="ko-KR" sz="1200" dirty="0" err="1">
+                <a:solidFill>
+                  <a:schemeClr val="accent5">
+                    <a:lumMod val="75000"/>
+                  </a:schemeClr>
+                </a:solidFill>
+              </a:rPr>
+              <a:t>NoSQLQuery</a:t>
+            </a:r>
+            <a:endParaRPr lang="en-US" altLang="ko-KR" sz="1200" dirty="0">
+              <a:solidFill>
+                <a:schemeClr val="accent5">
+                  <a:lumMod val="75000"/>
+                </a:schemeClr>
+              </a:solidFill>
+            </a:endParaRPr>
+          </a:p>
+        </p:txBody>
+      </p:sp>
+      <p:sp>
+        <p:nvSpPr>
+          <p:cNvPr id="38" name="TextBox 37">
+            <a:extLst>
+              <a:ext uri="{FF2B5EF4-FFF2-40B4-BE49-F238E27FC236}">
+                <a16:creationId xmlns:a16="http://schemas.microsoft.com/office/drawing/2014/main" id="{277DFB0C-AD8A-43FC-A36B-AE17443EB0E4}"/>
+              </a:ext>
+            </a:extLst>
+          </p:cNvPr>
+          <p:cNvSpPr txBox="1"/>
+          <p:nvPr/>
+        </p:nvSpPr>
+        <p:spPr>
+          <a:xfrm>
+            <a:off x="8216642" y="1622894"/>
+            <a:ext cx="669877" cy="461665"/>
+          </a:xfrm>
+          <a:prstGeom prst="rect">
+            <a:avLst/>
+          </a:prstGeom>
+          <a:noFill/>
+        </p:spPr>
+        <p:txBody>
+          <a:bodyPr wrap="square" rtlCol="0">
+            <a:spAutoFit/>
+          </a:bodyPr>
+          <a:lstStyle/>
+          <a:p>
+            <a:r>
+              <a:rPr lang="en-US" altLang="ko-KR" sz="1200" dirty="0">
+                <a:solidFill>
+                  <a:schemeClr val="accent5">
+                    <a:lumMod val="75000"/>
+                  </a:schemeClr>
+                </a:solidFill>
+              </a:rPr>
+              <a:t>REST API</a:t>
+            </a:r>
+          </a:p>
+        </p:txBody>
+      </p:sp>
+      <p:sp>
+        <p:nvSpPr>
+          <p:cNvPr id="39" name="TextBox 38">
+            <a:extLst>
+              <a:ext uri="{FF2B5EF4-FFF2-40B4-BE49-F238E27FC236}">
+                <a16:creationId xmlns:a16="http://schemas.microsoft.com/office/drawing/2014/main" id="{0F7FA6A3-4FA7-4D63-BEDE-5CE0FBD92CF8}"/>
+              </a:ext>
+            </a:extLst>
+          </p:cNvPr>
+          <p:cNvSpPr txBox="1"/>
+          <p:nvPr/>
+        </p:nvSpPr>
+        <p:spPr>
+          <a:xfrm>
+            <a:off x="6508377" y="1230814"/>
+            <a:ext cx="669877" cy="276999"/>
+          </a:xfrm>
+          <a:prstGeom prst="rect">
+            <a:avLst/>
+          </a:prstGeom>
+          <a:noFill/>
+        </p:spPr>
+        <p:txBody>
+          <a:bodyPr wrap="square" rtlCol="0">
+            <a:spAutoFit/>
+          </a:bodyPr>
+          <a:lstStyle/>
+          <a:p>
+            <a:r>
+              <a:rPr lang="en-US" altLang="ko-KR" sz="1200" dirty="0">
+                <a:solidFill>
+                  <a:schemeClr val="accent5">
+                    <a:lumMod val="75000"/>
+                  </a:schemeClr>
+                </a:solidFill>
+              </a:rPr>
+              <a:t>HTTP</a:t>
+            </a:r>
+          </a:p>
+        </p:txBody>
+      </p:sp>
+      <p:sp>
+        <p:nvSpPr>
+          <p:cNvPr id="40" name="TextBox 39">
+            <a:extLst>
+              <a:ext uri="{FF2B5EF4-FFF2-40B4-BE49-F238E27FC236}">
+                <a16:creationId xmlns:a16="http://schemas.microsoft.com/office/drawing/2014/main" id="{07D8BC62-F171-4CC8-9D0A-268ADFC11F90}"/>
+              </a:ext>
+            </a:extLst>
+          </p:cNvPr>
+          <p:cNvSpPr txBox="1"/>
+          <p:nvPr/>
+        </p:nvSpPr>
+        <p:spPr>
+          <a:xfrm>
+            <a:off x="3650837" y="1013111"/>
+            <a:ext cx="1091214" cy="461665"/>
+          </a:xfrm>
+          <a:prstGeom prst="rect">
+            <a:avLst/>
+          </a:prstGeom>
+          <a:noFill/>
+        </p:spPr>
+        <p:txBody>
+          <a:bodyPr wrap="square" rtlCol="0">
+            <a:spAutoFit/>
+          </a:bodyPr>
+          <a:lstStyle/>
+          <a:p>
+            <a:r>
+              <a:rPr lang="en-US" altLang="ko-KR" sz="1200" dirty="0">
+                <a:solidFill>
+                  <a:schemeClr val="accent5">
+                    <a:lumMod val="75000"/>
+                  </a:schemeClr>
+                </a:solidFill>
+              </a:rPr>
+              <a:t>Twitch API,</a:t>
+            </a:r>
+          </a:p>
+          <a:p>
+            <a:r>
+              <a:rPr lang="en-US" altLang="ko-KR" sz="1200" dirty="0">
+                <a:solidFill>
+                  <a:schemeClr val="accent5">
+                    <a:lumMod val="75000"/>
+                  </a:schemeClr>
+                </a:solidFill>
+              </a:rPr>
+              <a:t>Chatty</a:t>
+            </a:r>
+          </a:p>
+        </p:txBody>
+      </p:sp>
+      <p:sp>
+        <p:nvSpPr>
+          <p:cNvPr id="41" name="순서도: 처리 40">
+            <a:extLst>
+              <a:ext uri="{FF2B5EF4-FFF2-40B4-BE49-F238E27FC236}">
+                <a16:creationId xmlns:a16="http://schemas.microsoft.com/office/drawing/2014/main" id="{EA2403B7-85B6-468D-80E0-55EB61F32F96}"/>
+              </a:ext>
+            </a:extLst>
+          </p:cNvPr>
+          <p:cNvSpPr/>
+          <p:nvPr/>
+        </p:nvSpPr>
+        <p:spPr>
+          <a:xfrm>
+            <a:off x="4314403" y="2902937"/>
+            <a:ext cx="1570375" cy="1121584"/>
+          </a:xfrm>
+          <a:prstGeom prst="flowChartProcess">
+            <a:avLst/>
+          </a:prstGeom>
+          <a:ln/>
+        </p:spPr>
+        <p:style>
+          <a:lnRef idx="1">
+            <a:schemeClr val="accent3"/>
+          </a:lnRef>
+          <a:fillRef idx="2">
+            <a:schemeClr val="accent3"/>
+          </a:fillRef>
+          <a:effectRef idx="1">
+            <a:schemeClr val="accent3"/>
+          </a:effectRef>
+          <a:fontRef idx="minor">
+            <a:schemeClr val="dk1"/>
+          </a:fontRef>
+        </p:style>
+        <p:txBody>
+          <a:bodyPr rtlCol="0" anchor="ctr"/>
+          <a:lstStyle/>
+          <a:p>
+            <a:pPr algn="ctr"/>
+            <a:endParaRPr lang="ko-KR" altLang="en-US" dirty="0"/>
+          </a:p>
+        </p:txBody>
+      </p:sp>
+      <p:sp>
+        <p:nvSpPr>
+          <p:cNvPr id="42" name="TextBox 41">
+            <a:extLst>
+              <a:ext uri="{FF2B5EF4-FFF2-40B4-BE49-F238E27FC236}">
+                <a16:creationId xmlns:a16="http://schemas.microsoft.com/office/drawing/2014/main" id="{D88F05BA-5698-49F1-8C6B-4AD530582A7C}"/>
+              </a:ext>
+            </a:extLst>
+          </p:cNvPr>
+          <p:cNvSpPr txBox="1"/>
+          <p:nvPr/>
+        </p:nvSpPr>
+        <p:spPr>
+          <a:xfrm>
+            <a:off x="4309575" y="3078069"/>
+            <a:ext cx="1575204" cy="738664"/>
+          </a:xfrm>
+          <a:prstGeom prst="rect">
+            <a:avLst/>
+          </a:prstGeom>
+          <a:noFill/>
+        </p:spPr>
+        <p:txBody>
+          <a:bodyPr wrap="square" rtlCol="0">
+            <a:spAutoFit/>
+          </a:bodyPr>
+          <a:lstStyle/>
+          <a:p>
+            <a:r>
+              <a:rPr lang="ko-KR" altLang="en-US" sz="1400" dirty="0"/>
+              <a:t>메타데이터</a:t>
+            </a:r>
+            <a:endParaRPr lang="en-US" altLang="ko-KR" sz="1400" dirty="0"/>
+          </a:p>
+          <a:p>
+            <a:r>
+              <a:rPr lang="ko-KR" altLang="en-US" sz="1400" dirty="0" err="1"/>
+              <a:t>전처리</a:t>
+            </a:r>
+            <a:endParaRPr lang="en-US" altLang="ko-KR" sz="1400" dirty="0"/>
+          </a:p>
+          <a:p>
+            <a:r>
+              <a:rPr lang="ko-KR" altLang="en-US" sz="1400" dirty="0"/>
+              <a:t>시스템</a:t>
+            </a:r>
+            <a:endParaRPr lang="en-US" altLang="ko-KR" sz="1400" dirty="0"/>
+          </a:p>
+        </p:txBody>
+      </p:sp>
+      <p:sp>
+        <p:nvSpPr>
+          <p:cNvPr id="43" name="화살표: 아래쪽 42">
+            <a:extLst>
+              <a:ext uri="{FF2B5EF4-FFF2-40B4-BE49-F238E27FC236}">
+                <a16:creationId xmlns:a16="http://schemas.microsoft.com/office/drawing/2014/main" id="{763086F3-2C38-4D97-A7E8-EC8D350A66D6}"/>
+              </a:ext>
+            </a:extLst>
+          </p:cNvPr>
+          <p:cNvSpPr/>
+          <p:nvPr/>
+        </p:nvSpPr>
+        <p:spPr>
+          <a:xfrm rot="14236012">
+            <a:off x="3746050" y="3762705"/>
+            <a:ext cx="435006" cy="448323"/>
+          </a:xfrm>
+          <a:prstGeom prst="downArrow">
+            <a:avLst/>
+          </a:prstGeom>
+        </p:spPr>
+        <p:style>
+          <a:lnRef idx="3">
+            <a:schemeClr val="lt1"/>
+          </a:lnRef>
+          <a:fillRef idx="1">
+            <a:schemeClr val="accent6"/>
+          </a:fillRef>
+          <a:effectRef idx="1">
+            <a:schemeClr val="accent6"/>
+          </a:effectRef>
+          <a:fontRef idx="minor">
+            <a:schemeClr val="lt1"/>
+          </a:fontRef>
+        </p:style>
+        <p:txBody>
+          <a:bodyPr rtlCol="0" anchor="ctr"/>
+          <a:lstStyle/>
+          <a:p>
+            <a:pPr algn="ctr"/>
+            <a:endParaRPr lang="ko-KR" altLang="en-US"/>
+          </a:p>
+        </p:txBody>
+      </p:sp>
+      <p:sp>
+        <p:nvSpPr>
+          <p:cNvPr id="44" name="TextBox 43">
+            <a:extLst>
+              <a:ext uri="{FF2B5EF4-FFF2-40B4-BE49-F238E27FC236}">
+                <a16:creationId xmlns:a16="http://schemas.microsoft.com/office/drawing/2014/main" id="{DC53ECFB-17BB-4D25-82D7-58E57E55B67D}"/>
+              </a:ext>
+            </a:extLst>
+          </p:cNvPr>
+          <p:cNvSpPr txBox="1"/>
+          <p:nvPr/>
+        </p:nvSpPr>
+        <p:spPr>
+          <a:xfrm>
+            <a:off x="3872810" y="4117363"/>
+            <a:ext cx="669877" cy="600164"/>
+          </a:xfrm>
+          <a:prstGeom prst="rect">
+            <a:avLst/>
+          </a:prstGeom>
+          <a:noFill/>
+        </p:spPr>
+        <p:txBody>
+          <a:bodyPr wrap="square" rtlCol="0">
+            <a:spAutoFit/>
+          </a:bodyPr>
+          <a:lstStyle/>
+          <a:p>
+            <a:r>
+              <a:rPr lang="en-US" altLang="ko-KR" sz="1100" dirty="0">
+                <a:solidFill>
+                  <a:schemeClr val="accent5">
+                    <a:lumMod val="75000"/>
+                  </a:schemeClr>
+                </a:solidFill>
+              </a:rPr>
+              <a:t>Python,</a:t>
+            </a:r>
+          </a:p>
+          <a:p>
+            <a:r>
+              <a:rPr lang="en-US" altLang="ko-KR" sz="1100" dirty="0">
+                <a:solidFill>
+                  <a:schemeClr val="accent5">
+                    <a:lumMod val="75000"/>
+                  </a:schemeClr>
+                </a:solidFill>
+              </a:rPr>
+              <a:t>SQL Query</a:t>
+            </a:r>
+            <a:endParaRPr lang="ko-KR" altLang="en-US" sz="1100" dirty="0">
+              <a:solidFill>
+                <a:schemeClr val="accent5">
+                  <a:lumMod val="75000"/>
+                </a:schemeClr>
+              </a:solidFill>
+            </a:endParaRPr>
+          </a:p>
+        </p:txBody>
+      </p:sp>
+      <p:sp>
+        <p:nvSpPr>
+          <p:cNvPr id="45" name="화살표: 아래쪽 44">
+            <a:extLst>
+              <a:ext uri="{FF2B5EF4-FFF2-40B4-BE49-F238E27FC236}">
+                <a16:creationId xmlns:a16="http://schemas.microsoft.com/office/drawing/2014/main" id="{34938E81-D82C-468D-8CAE-41B1E987079D}"/>
+              </a:ext>
+            </a:extLst>
+          </p:cNvPr>
+          <p:cNvSpPr/>
+          <p:nvPr/>
+        </p:nvSpPr>
+        <p:spPr>
+          <a:xfrm rot="15803666">
+            <a:off x="7125910" y="2142384"/>
+            <a:ext cx="435006" cy="2512945"/>
+          </a:xfrm>
+          <a:prstGeom prst="downArrow">
+            <a:avLst/>
+          </a:prstGeom>
+        </p:spPr>
+        <p:style>
+          <a:lnRef idx="3">
+            <a:schemeClr val="lt1"/>
+          </a:lnRef>
+          <a:fillRef idx="1">
+            <a:schemeClr val="accent6"/>
+          </a:fillRef>
+          <a:effectRef idx="1">
+            <a:schemeClr val="accent6"/>
+          </a:effectRef>
+          <a:fontRef idx="minor">
+            <a:schemeClr val="lt1"/>
+          </a:fontRef>
+        </p:style>
+        <p:txBody>
+          <a:bodyPr rtlCol="0" anchor="ctr"/>
+          <a:lstStyle/>
+          <a:p>
+            <a:pPr algn="ctr"/>
+            <a:endParaRPr lang="ko-KR" altLang="en-US" dirty="0"/>
+          </a:p>
+        </p:txBody>
+      </p:sp>
+      <p:sp>
+        <p:nvSpPr>
+          <p:cNvPr id="46" name="화살표: 아래쪽 45">
+            <a:extLst>
+              <a:ext uri="{FF2B5EF4-FFF2-40B4-BE49-F238E27FC236}">
+                <a16:creationId xmlns:a16="http://schemas.microsoft.com/office/drawing/2014/main" id="{6FBAD97F-D558-40E2-9FB4-860F81931903}"/>
+              </a:ext>
+            </a:extLst>
+          </p:cNvPr>
+          <p:cNvSpPr/>
+          <p:nvPr/>
+        </p:nvSpPr>
+        <p:spPr>
+          <a:xfrm rot="14236012">
+            <a:off x="10769767" y="46744"/>
+            <a:ext cx="435006" cy="448323"/>
+          </a:xfrm>
+          <a:prstGeom prst="downArrow">
+            <a:avLst/>
+          </a:prstGeom>
+        </p:spPr>
+        <p:style>
+          <a:lnRef idx="3">
+            <a:schemeClr val="lt1"/>
+          </a:lnRef>
+          <a:fillRef idx="1">
+            <a:schemeClr val="accent6"/>
+          </a:fillRef>
+          <a:effectRef idx="1">
+            <a:schemeClr val="accent6"/>
+          </a:effectRef>
+          <a:fontRef idx="minor">
+            <a:schemeClr val="lt1"/>
+          </a:fontRef>
+        </p:style>
+        <p:txBody>
+          <a:bodyPr rtlCol="0" anchor="ctr"/>
+          <a:lstStyle/>
+          <a:p>
+            <a:pPr algn="ctr"/>
+            <a:endParaRPr lang="ko-KR" altLang="en-US"/>
+          </a:p>
+        </p:txBody>
+      </p:sp>
+      <p:sp>
+        <p:nvSpPr>
+          <p:cNvPr id="47" name="화살표: 아래쪽 46">
+            <a:extLst>
+              <a:ext uri="{FF2B5EF4-FFF2-40B4-BE49-F238E27FC236}">
+                <a16:creationId xmlns:a16="http://schemas.microsoft.com/office/drawing/2014/main" id="{A17F015E-5734-4EC8-B901-B7E27E9F35A1}"/>
+              </a:ext>
+            </a:extLst>
+          </p:cNvPr>
+          <p:cNvSpPr/>
+          <p:nvPr/>
+        </p:nvSpPr>
+        <p:spPr>
+          <a:xfrm rot="14236012">
+            <a:off x="10769768" y="728431"/>
+            <a:ext cx="435006" cy="448323"/>
+          </a:xfrm>
+          <a:prstGeom prst="downArrow">
+            <a:avLst/>
+          </a:prstGeom>
+        </p:spPr>
+        <p:style>
+          <a:lnRef idx="3">
+            <a:schemeClr val="lt1"/>
+          </a:lnRef>
+          <a:fillRef idx="1">
+            <a:schemeClr val="dk1"/>
+          </a:fillRef>
+          <a:effectRef idx="1">
+            <a:schemeClr val="dk1"/>
+          </a:effectRef>
+          <a:fontRef idx="minor">
+            <a:schemeClr val="lt1"/>
+          </a:fontRef>
+        </p:style>
+        <p:txBody>
+          <a:bodyPr rtlCol="0" anchor="ctr"/>
+          <a:lstStyle/>
+          <a:p>
+            <a:pPr algn="ctr"/>
+            <a:endParaRPr lang="ko-KR" altLang="en-US" dirty="0"/>
+          </a:p>
+        </p:txBody>
+      </p:sp>
+      <p:sp>
+        <p:nvSpPr>
+          <p:cNvPr id="3" name="TextBox 2">
+            <a:extLst>
+              <a:ext uri="{FF2B5EF4-FFF2-40B4-BE49-F238E27FC236}">
+                <a16:creationId xmlns:a16="http://schemas.microsoft.com/office/drawing/2014/main" id="{6F46CE10-A2C1-49FF-853A-139659AE987B}"/>
+              </a:ext>
+            </a:extLst>
+          </p:cNvPr>
+          <p:cNvSpPr txBox="1"/>
+          <p:nvPr/>
+        </p:nvSpPr>
+        <p:spPr>
+          <a:xfrm>
+            <a:off x="11150353" y="40072"/>
+            <a:ext cx="1041647" cy="461665"/>
+          </a:xfrm>
+          <a:prstGeom prst="rect">
+            <a:avLst/>
+          </a:prstGeom>
+          <a:noFill/>
+        </p:spPr>
+        <p:txBody>
+          <a:bodyPr wrap="square" rtlCol="0">
+            <a:spAutoFit/>
+          </a:bodyPr>
+          <a:lstStyle/>
+          <a:p>
+            <a:r>
+              <a:rPr lang="ko-KR" altLang="en-US" sz="1200" dirty="0"/>
+              <a:t>시각화용 </a:t>
+            </a:r>
+            <a:r>
+              <a:rPr lang="en-US" altLang="ko-KR" sz="1200" dirty="0"/>
+              <a:t>Meta data</a:t>
+            </a:r>
+          </a:p>
+        </p:txBody>
+      </p:sp>
+      <p:sp>
+        <p:nvSpPr>
+          <p:cNvPr id="48" name="TextBox 47">
+            <a:extLst>
+              <a:ext uri="{FF2B5EF4-FFF2-40B4-BE49-F238E27FC236}">
+                <a16:creationId xmlns:a16="http://schemas.microsoft.com/office/drawing/2014/main" id="{6FFEFEBC-9704-4D3E-AA19-F5A0453824C7}"/>
+              </a:ext>
+            </a:extLst>
+          </p:cNvPr>
+          <p:cNvSpPr txBox="1"/>
+          <p:nvPr/>
+        </p:nvSpPr>
+        <p:spPr>
+          <a:xfrm>
+            <a:off x="11150352" y="600868"/>
+            <a:ext cx="1041647" cy="830997"/>
+          </a:xfrm>
+          <a:prstGeom prst="rect">
+            <a:avLst/>
+          </a:prstGeom>
+          <a:noFill/>
+        </p:spPr>
+        <p:txBody>
+          <a:bodyPr wrap="square" rtlCol="0">
+            <a:spAutoFit/>
+          </a:bodyPr>
+          <a:lstStyle/>
+          <a:p>
+            <a:r>
+              <a:rPr lang="ko-KR" altLang="en-US" sz="1200" dirty="0"/>
+              <a:t>분석</a:t>
+            </a:r>
+            <a:r>
+              <a:rPr lang="en-US" altLang="ko-KR" sz="1200" dirty="0"/>
+              <a:t> </a:t>
+            </a:r>
+            <a:r>
+              <a:rPr lang="ko-KR" altLang="en-US" sz="1200" dirty="0"/>
+              <a:t>데이터</a:t>
+            </a:r>
+            <a:endParaRPr lang="en-US" altLang="ko-KR" sz="1200" dirty="0"/>
+          </a:p>
+          <a:p>
+            <a:pPr marL="171450" indent="-171450">
+              <a:buFontTx/>
+              <a:buChar char="-"/>
+            </a:pPr>
+            <a:r>
+              <a:rPr lang="ko-KR" altLang="en-US" sz="1200" dirty="0"/>
+              <a:t>채팅</a:t>
+            </a:r>
+            <a:endParaRPr lang="en-US" altLang="ko-KR" sz="1200" dirty="0"/>
+          </a:p>
+          <a:p>
+            <a:pPr marL="171450" indent="-171450">
+              <a:buFontTx/>
+              <a:buChar char="-"/>
+            </a:pPr>
+            <a:r>
+              <a:rPr lang="en-US" altLang="ko-KR" sz="1200" dirty="0"/>
+              <a:t>Stream</a:t>
+            </a:r>
+            <a:r>
+              <a:rPr lang="ko-KR" altLang="en-US" sz="1200" dirty="0"/>
+              <a:t> </a:t>
+            </a:r>
+            <a:r>
+              <a:rPr lang="en-US" altLang="ko-KR" sz="1200" dirty="0"/>
+              <a:t>data</a:t>
+            </a:r>
+            <a:endParaRPr lang="ko-KR" altLang="en-US" sz="1200" dirty="0"/>
+          </a:p>
+        </p:txBody>
+      </p:sp>
+      <p:sp>
+        <p:nvSpPr>
+          <p:cNvPr id="49" name="TextBox 48">
+            <a:extLst>
+              <a:ext uri="{FF2B5EF4-FFF2-40B4-BE49-F238E27FC236}">
+                <a16:creationId xmlns:a16="http://schemas.microsoft.com/office/drawing/2014/main" id="{358B94BC-D98A-469A-84A4-3EBF298AE5F0}"/>
+              </a:ext>
+            </a:extLst>
+          </p:cNvPr>
+          <p:cNvSpPr txBox="1"/>
+          <p:nvPr/>
+        </p:nvSpPr>
+        <p:spPr>
+          <a:xfrm>
+            <a:off x="6944385" y="3589855"/>
+            <a:ext cx="669877" cy="646331"/>
+          </a:xfrm>
+          <a:prstGeom prst="rect">
+            <a:avLst/>
+          </a:prstGeom>
+          <a:noFill/>
+        </p:spPr>
+        <p:txBody>
+          <a:bodyPr wrap="square" rtlCol="0">
+            <a:spAutoFit/>
+          </a:bodyPr>
+          <a:lstStyle/>
+          <a:p>
+            <a:r>
+              <a:rPr lang="en-US" altLang="ko-KR" sz="1200" dirty="0">
+                <a:solidFill>
+                  <a:schemeClr val="accent5">
+                    <a:lumMod val="75000"/>
+                  </a:schemeClr>
+                </a:solidFill>
+              </a:rPr>
+              <a:t>Json,</a:t>
+            </a:r>
+          </a:p>
+          <a:p>
+            <a:r>
+              <a:rPr lang="en-US" altLang="ko-KR" sz="1200" dirty="0" err="1">
+                <a:solidFill>
+                  <a:schemeClr val="accent5">
+                    <a:lumMod val="75000"/>
+                  </a:schemeClr>
+                </a:solidFill>
+              </a:rPr>
+              <a:t>NoSQLQuery</a:t>
+            </a:r>
+            <a:endParaRPr lang="en-US" altLang="ko-KR" sz="1200" dirty="0">
+              <a:solidFill>
+                <a:schemeClr val="accent5">
+                  <a:lumMod val="75000"/>
+                </a:schemeClr>
+              </a:solidFill>
+            </a:endParaRPr>
+          </a:p>
+        </p:txBody>
+      </p:sp>
+    </p:spTree>
+    <p:extLst>
+      <p:ext uri="{BB962C8B-B14F-4D97-AF65-F5344CB8AC3E}">
+        <p14:creationId xmlns:p14="http://schemas.microsoft.com/office/powerpoint/2010/main" val="2494754067"/>
+      </p:ext>
+    </p:extLst>
+  </p:cSld>
+  <p:clrMapOvr>
+    <a:masterClrMapping/>
+  </p:clrMapOvr>
+</p:sld>
+</file>
+
+<file path=ppt/slides/slide6.xml><?xml version="1.0" encoding="utf-8"?>
+<p:sld xmlns:a="http://schemas.openxmlformats.org/drawingml/2006/main" xmlns:r="http://schemas.openxmlformats.org/officeDocument/2006/relationships" xmlns:p="http://schemas.openxmlformats.org/presentationml/2006/main">
+  <p:cSld>
+    <p:spTree>
+      <p:nvGrpSpPr>
+        <p:cNvPr id="1" name=""/>
+        <p:cNvGrpSpPr/>
+        <p:nvPr/>
+      </p:nvGrpSpPr>
+      <p:grpSpPr>
+        <a:xfrm>
+          <a:off x="0" y="0"/>
+          <a:ext cx="0" cy="0"/>
+          <a:chOff x="0" y="0"/>
+          <a:chExt cx="0" cy="0"/>
+        </a:xfrm>
+      </p:grpSpPr>
+      <p:sp>
+        <p:nvSpPr>
+          <p:cNvPr id="8" name="순서도: 처리 7">
+            <a:extLst>
+              <a:ext uri="{FF2B5EF4-FFF2-40B4-BE49-F238E27FC236}">
+                <a16:creationId xmlns:a16="http://schemas.microsoft.com/office/drawing/2014/main" id="{D1F93629-A9C5-4668-BA0E-D311CB46C77E}"/>
+              </a:ext>
+            </a:extLst>
+          </p:cNvPr>
+          <p:cNvSpPr/>
+          <p:nvPr/>
+        </p:nvSpPr>
+        <p:spPr>
+          <a:xfrm>
+            <a:off x="1737604" y="1388133"/>
+            <a:ext cx="1775534" cy="1855434"/>
+          </a:xfrm>
+          <a:prstGeom prst="flowChartProcess">
+            <a:avLst/>
+          </a:prstGeom>
+          <a:ln/>
+        </p:spPr>
+        <p:style>
+          <a:lnRef idx="1">
+            <a:schemeClr val="accent3"/>
+          </a:lnRef>
+          <a:fillRef idx="2">
+            <a:schemeClr val="accent3"/>
+          </a:fillRef>
+          <a:effectRef idx="1">
+            <a:schemeClr val="accent3"/>
+          </a:effectRef>
+          <a:fontRef idx="minor">
+            <a:schemeClr val="dk1"/>
+          </a:fontRef>
+        </p:style>
+        <p:txBody>
+          <a:bodyPr rtlCol="0" anchor="ctr"/>
+          <a:lstStyle/>
+          <a:p>
+            <a:pPr algn="ctr"/>
+            <a:endParaRPr lang="ko-KR" altLang="en-US" dirty="0"/>
+          </a:p>
+        </p:txBody>
+      </p:sp>
+      <p:pic>
+        <p:nvPicPr>
+          <p:cNvPr id="1026" name="Picture 2" descr="í¸ìì¹ì ëí ì´ë¯¸ì§ ê²ìê²°ê³¼">
+            <a:extLst>
+              <a:ext uri="{FF2B5EF4-FFF2-40B4-BE49-F238E27FC236}">
+                <a16:creationId xmlns:a16="http://schemas.microsoft.com/office/drawing/2014/main" id="{0CF2EE97-92C1-4E6F-BF0D-AB612461053A}"/>
+              </a:ext>
+            </a:extLst>
+          </p:cNvPr>
+          <p:cNvPicPr>
+            <a:picLocks noChangeAspect="1" noChangeArrowheads="1"/>
+          </p:cNvPicPr>
+          <p:nvPr/>
+        </p:nvPicPr>
+        <p:blipFill>
+          <a:blip r:embed="rId2">
+            <a:extLst>
+              <a:ext uri="{28A0092B-C50C-407E-A947-70E740481C1C}">
+                <a14:useLocalDpi xmlns:a14="http://schemas.microsoft.com/office/drawing/2010/main" val="0"/>
+              </a:ext>
+            </a:extLst>
+          </a:blip>
+          <a:srcRect/>
+          <a:stretch>
+            <a:fillRect/>
+          </a:stretch>
+        </p:blipFill>
+        <p:spPr bwMode="auto">
+          <a:xfrm>
+            <a:off x="4391012" y="231508"/>
+            <a:ext cx="1570375" cy="931842"/>
+          </a:xfrm>
+          <a:prstGeom prst="rect">
+            <a:avLst/>
+          </a:prstGeom>
+          <a:noFill/>
+          <a:extLst>
+            <a:ext uri="{909E8E84-426E-40DD-AFC4-6F175D3DCCD1}">
+              <a14:hiddenFill xmlns:a14="http://schemas.microsoft.com/office/drawing/2010/main">
+                <a:solidFill>
+                  <a:srgbClr val="FFFFFF"/>
+                </a:solidFill>
+              </a14:hiddenFill>
+            </a:ext>
+          </a:extLst>
+        </p:spPr>
+      </p:pic>
+      <p:sp>
+        <p:nvSpPr>
+          <p:cNvPr id="9" name="TextBox 8">
+            <a:extLst>
+              <a:ext uri="{FF2B5EF4-FFF2-40B4-BE49-F238E27FC236}">
+                <a16:creationId xmlns:a16="http://schemas.microsoft.com/office/drawing/2014/main" id="{A5894C39-C20F-4152-A926-BDCDEBC9EFDC}"/>
+              </a:ext>
+            </a:extLst>
+          </p:cNvPr>
+          <p:cNvSpPr txBox="1"/>
+          <p:nvPr/>
+        </p:nvSpPr>
+        <p:spPr>
+          <a:xfrm>
+            <a:off x="4469939" y="1196799"/>
+            <a:ext cx="1491448" cy="646331"/>
+          </a:xfrm>
+          <a:prstGeom prst="rect">
+            <a:avLst/>
+          </a:prstGeom>
+          <a:noFill/>
+        </p:spPr>
+        <p:txBody>
+          <a:bodyPr wrap="square" rtlCol="0">
+            <a:spAutoFit/>
+          </a:bodyPr>
+          <a:lstStyle/>
+          <a:p>
+            <a:r>
+              <a:rPr lang="ko-KR" altLang="en-US" dirty="0"/>
+              <a:t>스트리밍</a:t>
+            </a:r>
+            <a:endParaRPr lang="en-US" altLang="ko-KR" dirty="0"/>
+          </a:p>
+          <a:p>
+            <a:r>
+              <a:rPr lang="ko-KR" altLang="en-US" dirty="0"/>
+              <a:t>데이터 발생</a:t>
+            </a:r>
+          </a:p>
+        </p:txBody>
+      </p:sp>
+      <p:sp>
+        <p:nvSpPr>
+          <p:cNvPr id="11" name="TextBox 10">
+            <a:extLst>
+              <a:ext uri="{FF2B5EF4-FFF2-40B4-BE49-F238E27FC236}">
+                <a16:creationId xmlns:a16="http://schemas.microsoft.com/office/drawing/2014/main" id="{DE1422A8-457D-4418-A6EB-734F26006B6E}"/>
+              </a:ext>
+            </a:extLst>
+          </p:cNvPr>
+          <p:cNvSpPr txBox="1"/>
+          <p:nvPr/>
+        </p:nvSpPr>
+        <p:spPr>
+          <a:xfrm>
+            <a:off x="1714942" y="1835315"/>
+            <a:ext cx="1993003" cy="984885"/>
+          </a:xfrm>
+          <a:prstGeom prst="rect">
+            <a:avLst/>
+          </a:prstGeom>
+          <a:noFill/>
+        </p:spPr>
+        <p:txBody>
+          <a:bodyPr wrap="square" rtlCol="0">
+            <a:spAutoFit/>
+          </a:bodyPr>
+          <a:lstStyle/>
+          <a:p>
+            <a:r>
+              <a:rPr lang="ko-KR" altLang="en-US" sz="1600" dirty="0"/>
+              <a:t>데이터수집 시스템</a:t>
+            </a:r>
+            <a:endParaRPr lang="en-US" altLang="ko-KR" dirty="0"/>
+          </a:p>
+          <a:p>
+            <a:r>
+              <a:rPr lang="en-US" altLang="ko-KR" sz="1400" dirty="0"/>
+              <a:t>(Chatty,</a:t>
+            </a:r>
+          </a:p>
+          <a:p>
+            <a:r>
+              <a:rPr lang="en-US" altLang="ko-KR" sz="1400" dirty="0"/>
+              <a:t>Twitch </a:t>
+            </a:r>
+          </a:p>
+          <a:p>
+            <a:r>
+              <a:rPr lang="en-US" altLang="ko-KR" sz="1400" dirty="0"/>
+              <a:t>API request)</a:t>
+            </a:r>
+          </a:p>
+        </p:txBody>
+      </p:sp>
+      <p:sp>
+        <p:nvSpPr>
+          <p:cNvPr id="12" name="순서도: 처리 11">
+            <a:extLst>
+              <a:ext uri="{FF2B5EF4-FFF2-40B4-BE49-F238E27FC236}">
+                <a16:creationId xmlns:a16="http://schemas.microsoft.com/office/drawing/2014/main" id="{E406DE63-494F-40F7-AC6B-A4F15927CF2D}"/>
+              </a:ext>
+            </a:extLst>
+          </p:cNvPr>
+          <p:cNvSpPr/>
+          <p:nvPr/>
+        </p:nvSpPr>
+        <p:spPr>
+          <a:xfrm>
+            <a:off x="4264149" y="5027228"/>
+            <a:ext cx="1570375" cy="1158331"/>
+          </a:xfrm>
+          <a:prstGeom prst="flowChartProcess">
+            <a:avLst/>
+          </a:prstGeom>
+          <a:ln/>
+        </p:spPr>
+        <p:style>
+          <a:lnRef idx="1">
+            <a:schemeClr val="accent3"/>
+          </a:lnRef>
+          <a:fillRef idx="2">
+            <a:schemeClr val="accent3"/>
+          </a:fillRef>
+          <a:effectRef idx="1">
+            <a:schemeClr val="accent3"/>
+          </a:effectRef>
+          <a:fontRef idx="minor">
+            <a:schemeClr val="dk1"/>
+          </a:fontRef>
+        </p:style>
+        <p:txBody>
+          <a:bodyPr rtlCol="0" anchor="ctr"/>
+          <a:lstStyle/>
+          <a:p>
+            <a:pPr algn="ctr"/>
+            <a:endParaRPr lang="ko-KR" altLang="en-US" dirty="0"/>
+          </a:p>
+        </p:txBody>
+      </p:sp>
+      <p:sp>
+        <p:nvSpPr>
+          <p:cNvPr id="10" name="순서도: 자기 디스크 9">
+            <a:extLst>
+              <a:ext uri="{FF2B5EF4-FFF2-40B4-BE49-F238E27FC236}">
+                <a16:creationId xmlns:a16="http://schemas.microsoft.com/office/drawing/2014/main" id="{0F900185-E95C-4A89-9096-B7882CC682C6}"/>
+              </a:ext>
+            </a:extLst>
+          </p:cNvPr>
+          <p:cNvSpPr/>
+          <p:nvPr/>
+        </p:nvSpPr>
+        <p:spPr>
+          <a:xfrm>
+            <a:off x="1727446" y="3877323"/>
+            <a:ext cx="1775534" cy="2130641"/>
+          </a:xfrm>
+          <a:prstGeom prst="flowChartMagneticDisk">
+            <a:avLst/>
+          </a:prstGeom>
+        </p:spPr>
+        <p:style>
+          <a:lnRef idx="3">
+            <a:schemeClr val="lt1"/>
+          </a:lnRef>
+          <a:fillRef idx="1">
+            <a:schemeClr val="accent3"/>
+          </a:fillRef>
+          <a:effectRef idx="1">
+            <a:schemeClr val="accent3"/>
+          </a:effectRef>
+          <a:fontRef idx="minor">
+            <a:schemeClr val="lt1"/>
+          </a:fontRef>
+        </p:style>
+        <p:txBody>
+          <a:bodyPr rtlCol="0" anchor="ctr"/>
+          <a:lstStyle/>
+          <a:p>
+            <a:pPr algn="ctr"/>
+            <a:endParaRPr lang="ko-KR" altLang="en-US"/>
+          </a:p>
+        </p:txBody>
+      </p:sp>
+      <p:sp>
+        <p:nvSpPr>
+          <p:cNvPr id="15" name="TextBox 14">
+            <a:extLst>
+              <a:ext uri="{FF2B5EF4-FFF2-40B4-BE49-F238E27FC236}">
+                <a16:creationId xmlns:a16="http://schemas.microsoft.com/office/drawing/2014/main" id="{40386C45-3AC1-4B1D-B4C6-B685061B1AC0}"/>
+              </a:ext>
+            </a:extLst>
+          </p:cNvPr>
+          <p:cNvSpPr txBox="1"/>
+          <p:nvPr/>
+        </p:nvSpPr>
+        <p:spPr>
+          <a:xfrm>
+            <a:off x="1777014" y="4684269"/>
+            <a:ext cx="1775534" cy="861774"/>
+          </a:xfrm>
+          <a:prstGeom prst="rect">
+            <a:avLst/>
+          </a:prstGeom>
+          <a:noFill/>
+        </p:spPr>
+        <p:txBody>
+          <a:bodyPr wrap="square" rtlCol="0">
+            <a:spAutoFit/>
+          </a:bodyPr>
+          <a:lstStyle/>
+          <a:p>
+            <a:r>
+              <a:rPr lang="en-US" altLang="ko-KR" dirty="0"/>
+              <a:t>Low</a:t>
+            </a:r>
+            <a:r>
+              <a:rPr lang="ko-KR" altLang="en-US" dirty="0"/>
+              <a:t> </a:t>
+            </a:r>
+            <a:r>
+              <a:rPr lang="en-US" altLang="ko-KR" dirty="0"/>
+              <a:t>Data</a:t>
+            </a:r>
+          </a:p>
+          <a:p>
+            <a:r>
+              <a:rPr lang="en-US" altLang="ko-KR" dirty="0"/>
+              <a:t>Database</a:t>
+            </a:r>
+          </a:p>
+          <a:p>
+            <a:r>
+              <a:rPr lang="en-US" altLang="ko-KR" sz="1400" dirty="0"/>
+              <a:t>(</a:t>
+            </a:r>
+            <a:r>
+              <a:rPr lang="en-US" altLang="ko-KR" sz="1400" dirty="0" err="1"/>
+              <a:t>RDMBS_MariaDB</a:t>
+            </a:r>
+            <a:r>
+              <a:rPr lang="en-US" altLang="ko-KR" sz="1400" dirty="0"/>
+              <a:t>)</a:t>
+            </a:r>
+          </a:p>
+        </p:txBody>
+      </p:sp>
+      <p:sp>
+        <p:nvSpPr>
+          <p:cNvPr id="14" name="화살표: 아래쪽 13">
+            <a:extLst>
+              <a:ext uri="{FF2B5EF4-FFF2-40B4-BE49-F238E27FC236}">
+                <a16:creationId xmlns:a16="http://schemas.microsoft.com/office/drawing/2014/main" id="{4B205031-7BDC-43CC-A368-F56532618B23}"/>
+              </a:ext>
+            </a:extLst>
+          </p:cNvPr>
+          <p:cNvSpPr/>
+          <p:nvPr/>
+        </p:nvSpPr>
+        <p:spPr>
+          <a:xfrm>
+            <a:off x="2397710" y="3356741"/>
+            <a:ext cx="435006" cy="448323"/>
+          </a:xfrm>
+          <a:prstGeom prst="downArrow">
+            <a:avLst/>
+          </a:prstGeom>
+        </p:spPr>
+        <p:style>
+          <a:lnRef idx="3">
+            <a:schemeClr val="lt1"/>
+          </a:lnRef>
+          <a:fillRef idx="1">
+            <a:schemeClr val="dk1"/>
+          </a:fillRef>
+          <a:effectRef idx="1">
+            <a:schemeClr val="dk1"/>
+          </a:effectRef>
+          <a:fontRef idx="minor">
+            <a:schemeClr val="lt1"/>
+          </a:fontRef>
+        </p:style>
+        <p:txBody>
+          <a:bodyPr rtlCol="0" anchor="ctr"/>
+          <a:lstStyle/>
+          <a:p>
+            <a:pPr algn="ctr"/>
+            <a:endParaRPr lang="ko-KR" altLang="en-US"/>
+          </a:p>
+        </p:txBody>
+      </p:sp>
+      <p:sp>
+        <p:nvSpPr>
+          <p:cNvPr id="17" name="화살표: 아래쪽 16">
+            <a:extLst>
+              <a:ext uri="{FF2B5EF4-FFF2-40B4-BE49-F238E27FC236}">
+                <a16:creationId xmlns:a16="http://schemas.microsoft.com/office/drawing/2014/main" id="{751821A0-236B-4A62-B641-742825FFF526}"/>
+              </a:ext>
+            </a:extLst>
+          </p:cNvPr>
+          <p:cNvSpPr/>
+          <p:nvPr/>
+        </p:nvSpPr>
+        <p:spPr>
+          <a:xfrm rot="3371226">
+            <a:off x="3866225" y="1554941"/>
+            <a:ext cx="435006" cy="448323"/>
+          </a:xfrm>
+          <a:prstGeom prst="downArrow">
+            <a:avLst/>
+          </a:prstGeom>
+        </p:spPr>
+        <p:style>
+          <a:lnRef idx="3">
+            <a:schemeClr val="lt1"/>
+          </a:lnRef>
+          <a:fillRef idx="1">
+            <a:schemeClr val="dk1"/>
+          </a:fillRef>
+          <a:effectRef idx="1">
+            <a:schemeClr val="dk1"/>
+          </a:effectRef>
+          <a:fontRef idx="minor">
+            <a:schemeClr val="lt1"/>
+          </a:fontRef>
+        </p:style>
+        <p:txBody>
+          <a:bodyPr rtlCol="0" anchor="ctr"/>
+          <a:lstStyle/>
+          <a:p>
+            <a:pPr algn="ctr"/>
+            <a:endParaRPr lang="ko-KR" altLang="en-US"/>
+          </a:p>
+        </p:txBody>
+      </p:sp>
+      <p:sp>
+        <p:nvSpPr>
+          <p:cNvPr id="18" name="화살표: 아래쪽 17">
+            <a:extLst>
+              <a:ext uri="{FF2B5EF4-FFF2-40B4-BE49-F238E27FC236}">
+                <a16:creationId xmlns:a16="http://schemas.microsoft.com/office/drawing/2014/main" id="{AF229895-AEFC-4A8A-84FA-C3B2B191AD83}"/>
+              </a:ext>
+            </a:extLst>
+          </p:cNvPr>
+          <p:cNvSpPr/>
+          <p:nvPr/>
+        </p:nvSpPr>
+        <p:spPr>
+          <a:xfrm rot="16200000">
+            <a:off x="3684510" y="5104378"/>
+            <a:ext cx="435006" cy="448323"/>
+          </a:xfrm>
+          <a:prstGeom prst="downArrow">
+            <a:avLst/>
+          </a:prstGeom>
+        </p:spPr>
+        <p:style>
+          <a:lnRef idx="3">
+            <a:schemeClr val="lt1"/>
+          </a:lnRef>
+          <a:fillRef idx="1">
+            <a:schemeClr val="dk1"/>
+          </a:fillRef>
+          <a:effectRef idx="1">
+            <a:schemeClr val="dk1"/>
+          </a:effectRef>
+          <a:fontRef idx="minor">
+            <a:schemeClr val="lt1"/>
+          </a:fontRef>
+        </p:style>
+        <p:txBody>
+          <a:bodyPr rtlCol="0" anchor="ctr"/>
+          <a:lstStyle/>
+          <a:p>
+            <a:pPr algn="ctr"/>
+            <a:endParaRPr lang="ko-KR" altLang="en-US"/>
+          </a:p>
+        </p:txBody>
+      </p:sp>
+      <p:sp>
+        <p:nvSpPr>
+          <p:cNvPr id="19" name="TextBox 18">
+            <a:extLst>
+              <a:ext uri="{FF2B5EF4-FFF2-40B4-BE49-F238E27FC236}">
+                <a16:creationId xmlns:a16="http://schemas.microsoft.com/office/drawing/2014/main" id="{78250E31-E356-407D-9F9E-7D13B5CCDA6B}"/>
+              </a:ext>
+            </a:extLst>
+          </p:cNvPr>
+          <p:cNvSpPr txBox="1"/>
+          <p:nvPr/>
+        </p:nvSpPr>
+        <p:spPr>
+          <a:xfrm>
+            <a:off x="4259321" y="5187493"/>
+            <a:ext cx="1575204" cy="892552"/>
+          </a:xfrm>
+          <a:prstGeom prst="rect">
+            <a:avLst/>
+          </a:prstGeom>
+          <a:noFill/>
+        </p:spPr>
+        <p:txBody>
+          <a:bodyPr wrap="square" rtlCol="0">
+            <a:spAutoFit/>
+          </a:bodyPr>
+          <a:lstStyle/>
+          <a:p>
+            <a:r>
+              <a:rPr lang="ko-KR" altLang="en-US" sz="1600" dirty="0" err="1"/>
+              <a:t>전처리</a:t>
+            </a:r>
+            <a:r>
+              <a:rPr lang="ko-KR" altLang="en-US" sz="1600" dirty="0"/>
+              <a:t> 시스템</a:t>
+            </a:r>
+            <a:endParaRPr lang="en-US" altLang="ko-KR" sz="1600" dirty="0"/>
+          </a:p>
+          <a:p>
+            <a:r>
+              <a:rPr lang="en-US" altLang="ko-KR" sz="1200" dirty="0"/>
+              <a:t>(</a:t>
+            </a:r>
+            <a:r>
+              <a:rPr lang="ko-KR" altLang="en-US" sz="1200" dirty="0"/>
+              <a:t>형태소 분석기</a:t>
+            </a:r>
+            <a:r>
+              <a:rPr lang="en-US" altLang="ko-KR" sz="1200" dirty="0"/>
+              <a:t>,</a:t>
+            </a:r>
+          </a:p>
+          <a:p>
+            <a:r>
+              <a:rPr lang="en-US" altLang="ko-KR" sz="1200" dirty="0"/>
+              <a:t>Pandas</a:t>
+            </a:r>
+          </a:p>
+          <a:p>
+            <a:r>
+              <a:rPr lang="ko-KR" altLang="en-US" sz="1200" dirty="0"/>
+              <a:t>데이터 프레임</a:t>
+            </a:r>
+            <a:r>
+              <a:rPr lang="en-US" altLang="ko-KR" sz="1200" dirty="0"/>
+              <a:t>)</a:t>
+            </a:r>
+            <a:endParaRPr lang="en-US" altLang="ko-KR" sz="1400" dirty="0"/>
+          </a:p>
+        </p:txBody>
+      </p:sp>
+      <p:sp>
+        <p:nvSpPr>
+          <p:cNvPr id="20" name="순서도: 자기 디스크 19">
+            <a:extLst>
+              <a:ext uri="{FF2B5EF4-FFF2-40B4-BE49-F238E27FC236}">
+                <a16:creationId xmlns:a16="http://schemas.microsoft.com/office/drawing/2014/main" id="{77FA884B-18F1-4FF7-81E9-4538231BA8D8}"/>
+              </a:ext>
+            </a:extLst>
+          </p:cNvPr>
+          <p:cNvSpPr/>
+          <p:nvPr/>
+        </p:nvSpPr>
+        <p:spPr>
+          <a:xfrm>
+            <a:off x="6525326" y="4731648"/>
+            <a:ext cx="1570375" cy="1590550"/>
+          </a:xfrm>
+          <a:prstGeom prst="flowChartMagneticDisk">
+            <a:avLst/>
+          </a:prstGeom>
+        </p:spPr>
+        <p:style>
+          <a:lnRef idx="3">
+            <a:schemeClr val="lt1"/>
+          </a:lnRef>
+          <a:fillRef idx="1">
+            <a:schemeClr val="accent3"/>
+          </a:fillRef>
+          <a:effectRef idx="1">
+            <a:schemeClr val="accent3"/>
+          </a:effectRef>
+          <a:fontRef idx="minor">
+            <a:schemeClr val="lt1"/>
+          </a:fontRef>
+        </p:style>
+        <p:txBody>
+          <a:bodyPr rtlCol="0" anchor="ctr"/>
+          <a:lstStyle/>
+          <a:p>
+            <a:pPr algn="ctr"/>
+            <a:endParaRPr lang="ko-KR" altLang="en-US" dirty="0"/>
+          </a:p>
+        </p:txBody>
+      </p:sp>
+      <p:sp>
+        <p:nvSpPr>
+          <p:cNvPr id="21" name="TextBox 20">
+            <a:extLst>
+              <a:ext uri="{FF2B5EF4-FFF2-40B4-BE49-F238E27FC236}">
+                <a16:creationId xmlns:a16="http://schemas.microsoft.com/office/drawing/2014/main" id="{83F4AD10-CC05-4880-BC29-746B366061E8}"/>
+              </a:ext>
+            </a:extLst>
+          </p:cNvPr>
+          <p:cNvSpPr txBox="1"/>
+          <p:nvPr/>
+        </p:nvSpPr>
+        <p:spPr>
+          <a:xfrm>
+            <a:off x="6570066" y="5109986"/>
+            <a:ext cx="1570375" cy="1200329"/>
+          </a:xfrm>
+          <a:prstGeom prst="rect">
+            <a:avLst/>
+          </a:prstGeom>
+          <a:noFill/>
+        </p:spPr>
+        <p:txBody>
+          <a:bodyPr wrap="square" rtlCol="0">
+            <a:spAutoFit/>
+          </a:bodyPr>
+          <a:lstStyle/>
+          <a:p>
+            <a:r>
+              <a:rPr lang="en-US" altLang="ko-KR" dirty="0"/>
+              <a:t>Pre-processed Database</a:t>
+            </a:r>
+          </a:p>
+          <a:p>
+            <a:r>
+              <a:rPr lang="en-US" altLang="ko-KR" sz="1600" dirty="0"/>
+              <a:t>(file)</a:t>
+            </a:r>
+            <a:endParaRPr lang="en-US" altLang="ko-KR" dirty="0"/>
+          </a:p>
+        </p:txBody>
+      </p:sp>
+      <p:sp>
+        <p:nvSpPr>
+          <p:cNvPr id="22" name="화살표: 아래쪽 21">
+            <a:extLst>
+              <a:ext uri="{FF2B5EF4-FFF2-40B4-BE49-F238E27FC236}">
+                <a16:creationId xmlns:a16="http://schemas.microsoft.com/office/drawing/2014/main" id="{19140C2A-4A3C-49B8-87EB-A2A67F98781F}"/>
+              </a:ext>
+            </a:extLst>
+          </p:cNvPr>
+          <p:cNvSpPr/>
+          <p:nvPr/>
+        </p:nvSpPr>
+        <p:spPr>
+          <a:xfrm rot="16200000">
+            <a:off x="5990917" y="5190380"/>
+            <a:ext cx="435006" cy="448323"/>
+          </a:xfrm>
+          <a:prstGeom prst="downArrow">
+            <a:avLst/>
+          </a:prstGeom>
+        </p:spPr>
+        <p:style>
+          <a:lnRef idx="3">
+            <a:schemeClr val="lt1"/>
+          </a:lnRef>
+          <a:fillRef idx="1">
+            <a:schemeClr val="dk1"/>
+          </a:fillRef>
+          <a:effectRef idx="1">
+            <a:schemeClr val="dk1"/>
+          </a:effectRef>
+          <a:fontRef idx="minor">
+            <a:schemeClr val="lt1"/>
+          </a:fontRef>
+        </p:style>
+        <p:txBody>
+          <a:bodyPr rtlCol="0" anchor="ctr"/>
+          <a:lstStyle/>
+          <a:p>
+            <a:pPr algn="ctr"/>
+            <a:endParaRPr lang="ko-KR" altLang="en-US"/>
+          </a:p>
+        </p:txBody>
+      </p:sp>
+      <p:sp>
+        <p:nvSpPr>
+          <p:cNvPr id="23" name="순서도: 처리 22">
+            <a:extLst>
+              <a:ext uri="{FF2B5EF4-FFF2-40B4-BE49-F238E27FC236}">
+                <a16:creationId xmlns:a16="http://schemas.microsoft.com/office/drawing/2014/main" id="{895917F6-341E-45B0-944D-936D9CDC090E}"/>
+              </a:ext>
+            </a:extLst>
+          </p:cNvPr>
+          <p:cNvSpPr/>
+          <p:nvPr/>
+        </p:nvSpPr>
+        <p:spPr>
+          <a:xfrm>
+            <a:off x="8791023" y="4456340"/>
+            <a:ext cx="1570375" cy="1845882"/>
+          </a:xfrm>
+          <a:prstGeom prst="flowChartProcess">
+            <a:avLst/>
+          </a:prstGeom>
+          <a:ln/>
+        </p:spPr>
+        <p:style>
+          <a:lnRef idx="1">
+            <a:schemeClr val="accent3"/>
+          </a:lnRef>
+          <a:fillRef idx="2">
+            <a:schemeClr val="accent3"/>
+          </a:fillRef>
+          <a:effectRef idx="1">
+            <a:schemeClr val="accent3"/>
+          </a:effectRef>
+          <a:fontRef idx="minor">
+            <a:schemeClr val="dk1"/>
+          </a:fontRef>
+        </p:style>
+        <p:txBody>
+          <a:bodyPr rtlCol="0" anchor="ctr"/>
+          <a:lstStyle/>
+          <a:p>
+            <a:pPr algn="ctr"/>
+            <a:endParaRPr lang="ko-KR" altLang="en-US" dirty="0"/>
+          </a:p>
+        </p:txBody>
+      </p:sp>
+      <p:sp>
+        <p:nvSpPr>
+          <p:cNvPr id="24" name="화살표: 아래쪽 23">
+            <a:extLst>
+              <a:ext uri="{FF2B5EF4-FFF2-40B4-BE49-F238E27FC236}">
+                <a16:creationId xmlns:a16="http://schemas.microsoft.com/office/drawing/2014/main" id="{E01A83EB-2854-4602-B157-83853CC5BF4A}"/>
+              </a:ext>
+            </a:extLst>
+          </p:cNvPr>
+          <p:cNvSpPr/>
+          <p:nvPr/>
+        </p:nvSpPr>
+        <p:spPr>
+          <a:xfrm rot="16200000">
+            <a:off x="8259878" y="5104920"/>
+            <a:ext cx="435006" cy="448323"/>
+          </a:xfrm>
+          <a:prstGeom prst="downArrow">
+            <a:avLst/>
+          </a:prstGeom>
+        </p:spPr>
+        <p:style>
+          <a:lnRef idx="3">
+            <a:schemeClr val="lt1"/>
+          </a:lnRef>
+          <a:fillRef idx="1">
+            <a:schemeClr val="dk1"/>
+          </a:fillRef>
+          <a:effectRef idx="1">
+            <a:schemeClr val="dk1"/>
+          </a:effectRef>
+          <a:fontRef idx="minor">
+            <a:schemeClr val="lt1"/>
+          </a:fontRef>
+        </p:style>
+        <p:txBody>
+          <a:bodyPr rtlCol="0" anchor="ctr"/>
+          <a:lstStyle/>
+          <a:p>
+            <a:pPr algn="ctr"/>
+            <a:endParaRPr lang="ko-KR" altLang="en-US"/>
+          </a:p>
+        </p:txBody>
+      </p:sp>
+      <p:sp>
+        <p:nvSpPr>
+          <p:cNvPr id="25" name="TextBox 24">
+            <a:extLst>
+              <a:ext uri="{FF2B5EF4-FFF2-40B4-BE49-F238E27FC236}">
+                <a16:creationId xmlns:a16="http://schemas.microsoft.com/office/drawing/2014/main" id="{F14AB434-34A2-42FB-917A-C7F4B6FC3B21}"/>
+              </a:ext>
+            </a:extLst>
+          </p:cNvPr>
+          <p:cNvSpPr txBox="1"/>
+          <p:nvPr/>
+        </p:nvSpPr>
+        <p:spPr>
+          <a:xfrm>
+            <a:off x="8791023" y="5025472"/>
+            <a:ext cx="1570375" cy="923330"/>
+          </a:xfrm>
+          <a:prstGeom prst="rect">
+            <a:avLst/>
+          </a:prstGeom>
+          <a:noFill/>
+        </p:spPr>
+        <p:txBody>
+          <a:bodyPr wrap="square" rtlCol="0">
+            <a:spAutoFit/>
+          </a:bodyPr>
+          <a:lstStyle/>
+          <a:p>
+            <a:r>
+              <a:rPr lang="ko-KR" altLang="en-US" sz="2000" dirty="0" err="1"/>
+              <a:t>편집점</a:t>
+            </a:r>
+            <a:r>
+              <a:rPr lang="ko-KR" altLang="en-US" sz="2000" dirty="0"/>
+              <a:t> 분석</a:t>
+            </a:r>
+            <a:endParaRPr lang="en-US" altLang="ko-KR" sz="2000" dirty="0"/>
+          </a:p>
+          <a:p>
+            <a:r>
+              <a:rPr lang="ko-KR" altLang="en-US" sz="2000" dirty="0"/>
+              <a:t>시스템</a:t>
+            </a:r>
+            <a:endParaRPr lang="en-US" altLang="ko-KR" sz="2000" dirty="0"/>
+          </a:p>
+          <a:p>
+            <a:r>
+              <a:rPr lang="en-US" altLang="ko-KR" sz="1200" dirty="0"/>
+              <a:t>(</a:t>
+            </a:r>
+            <a:r>
+              <a:rPr lang="en-US" altLang="ko-KR" sz="1200" dirty="0" err="1"/>
+              <a:t>sklearn</a:t>
+            </a:r>
+            <a:r>
+              <a:rPr lang="en-US" altLang="ko-KR" sz="1200" dirty="0"/>
+              <a:t>, pandas)</a:t>
+            </a:r>
+            <a:endParaRPr lang="en-US" altLang="ko-KR" sz="1400" dirty="0"/>
+          </a:p>
+        </p:txBody>
+      </p:sp>
+      <p:sp>
+        <p:nvSpPr>
+          <p:cNvPr id="26" name="순서도: 자기 디스크 25">
+            <a:extLst>
+              <a:ext uri="{FF2B5EF4-FFF2-40B4-BE49-F238E27FC236}">
+                <a16:creationId xmlns:a16="http://schemas.microsoft.com/office/drawing/2014/main" id="{1D0894D5-7DF6-4C6D-8F43-B14A7CE2F18A}"/>
+              </a:ext>
+            </a:extLst>
+          </p:cNvPr>
+          <p:cNvSpPr/>
+          <p:nvPr/>
+        </p:nvSpPr>
+        <p:spPr>
+          <a:xfrm>
+            <a:off x="8771479" y="1964780"/>
+            <a:ext cx="1570375" cy="1590550"/>
+          </a:xfrm>
+          <a:prstGeom prst="flowChartMagneticDisk">
+            <a:avLst/>
+          </a:prstGeom>
+        </p:spPr>
+        <p:style>
+          <a:lnRef idx="3">
+            <a:schemeClr val="lt1"/>
+          </a:lnRef>
+          <a:fillRef idx="1">
+            <a:schemeClr val="accent3"/>
+          </a:fillRef>
+          <a:effectRef idx="1">
+            <a:schemeClr val="accent3"/>
+          </a:effectRef>
+          <a:fontRef idx="minor">
+            <a:schemeClr val="lt1"/>
+          </a:fontRef>
+        </p:style>
+        <p:txBody>
+          <a:bodyPr rtlCol="0" anchor="ctr"/>
+          <a:lstStyle/>
+          <a:p>
+            <a:pPr algn="ctr"/>
+            <a:endParaRPr lang="ko-KR" altLang="en-US"/>
+          </a:p>
+        </p:txBody>
+      </p:sp>
+      <p:sp>
+        <p:nvSpPr>
+          <p:cNvPr id="27" name="TextBox 26">
+            <a:extLst>
+              <a:ext uri="{FF2B5EF4-FFF2-40B4-BE49-F238E27FC236}">
+                <a16:creationId xmlns:a16="http://schemas.microsoft.com/office/drawing/2014/main" id="{EFAA18CD-6BB7-4CF8-ACF9-AB948F42425B}"/>
+              </a:ext>
+            </a:extLst>
+          </p:cNvPr>
+          <p:cNvSpPr txBox="1"/>
+          <p:nvPr/>
+        </p:nvSpPr>
+        <p:spPr>
+          <a:xfrm>
+            <a:off x="8942963" y="2499234"/>
+            <a:ext cx="1221969" cy="892552"/>
+          </a:xfrm>
+          <a:prstGeom prst="rect">
+            <a:avLst/>
+          </a:prstGeom>
+          <a:noFill/>
+        </p:spPr>
+        <p:txBody>
+          <a:bodyPr wrap="square" rtlCol="0">
+            <a:spAutoFit/>
+          </a:bodyPr>
+          <a:lstStyle/>
+          <a:p>
+            <a:r>
+              <a:rPr lang="en-US" altLang="ko-KR" dirty="0" err="1"/>
+              <a:t>Analized</a:t>
+            </a:r>
+            <a:endParaRPr lang="en-US" altLang="ko-KR" dirty="0"/>
+          </a:p>
+          <a:p>
+            <a:r>
+              <a:rPr lang="en-US" altLang="ko-KR" dirty="0"/>
+              <a:t>Database</a:t>
+            </a:r>
+          </a:p>
+          <a:p>
+            <a:r>
+              <a:rPr lang="en-US" altLang="ko-KR" sz="1600" dirty="0"/>
+              <a:t>(file)</a:t>
+            </a:r>
+            <a:endParaRPr lang="en-US" altLang="ko-KR" dirty="0"/>
+          </a:p>
+        </p:txBody>
+      </p:sp>
+      <p:sp>
+        <p:nvSpPr>
+          <p:cNvPr id="28" name="화살표: 아래쪽 27">
+            <a:extLst>
+              <a:ext uri="{FF2B5EF4-FFF2-40B4-BE49-F238E27FC236}">
+                <a16:creationId xmlns:a16="http://schemas.microsoft.com/office/drawing/2014/main" id="{97E752E8-AB8C-4D64-BA0B-15B4479927A9}"/>
+              </a:ext>
+            </a:extLst>
+          </p:cNvPr>
+          <p:cNvSpPr/>
+          <p:nvPr/>
+        </p:nvSpPr>
+        <p:spPr>
+          <a:xfrm rot="10800000">
+            <a:off x="9343747" y="3719389"/>
+            <a:ext cx="435006" cy="448323"/>
+          </a:xfrm>
+          <a:prstGeom prst="downArrow">
+            <a:avLst/>
+          </a:prstGeom>
+        </p:spPr>
+        <p:style>
+          <a:lnRef idx="3">
+            <a:schemeClr val="lt1"/>
+          </a:lnRef>
+          <a:fillRef idx="1">
+            <a:schemeClr val="dk1"/>
+          </a:fillRef>
+          <a:effectRef idx="1">
+            <a:schemeClr val="dk1"/>
+          </a:effectRef>
+          <a:fontRef idx="minor">
+            <a:schemeClr val="lt1"/>
+          </a:fontRef>
+        </p:style>
+        <p:txBody>
+          <a:bodyPr rtlCol="0" anchor="ctr"/>
+          <a:lstStyle/>
+          <a:p>
+            <a:pPr algn="ctr"/>
+            <a:endParaRPr lang="ko-KR" altLang="en-US"/>
+          </a:p>
+        </p:txBody>
+      </p:sp>
+      <p:sp>
+        <p:nvSpPr>
+          <p:cNvPr id="29" name="순서도: 처리 28">
+            <a:extLst>
+              <a:ext uri="{FF2B5EF4-FFF2-40B4-BE49-F238E27FC236}">
+                <a16:creationId xmlns:a16="http://schemas.microsoft.com/office/drawing/2014/main" id="{9E7D8332-A71B-4AE2-8A17-180958CA02E2}"/>
+              </a:ext>
+            </a:extLst>
+          </p:cNvPr>
+          <p:cNvSpPr/>
+          <p:nvPr/>
+        </p:nvSpPr>
+        <p:spPr>
+          <a:xfrm>
+            <a:off x="6553117" y="1798562"/>
+            <a:ext cx="1570375" cy="984885"/>
+          </a:xfrm>
+          <a:prstGeom prst="flowChartProcess">
+            <a:avLst/>
+          </a:prstGeom>
+          <a:ln/>
+        </p:spPr>
+        <p:style>
+          <a:lnRef idx="1">
+            <a:schemeClr val="accent3"/>
+          </a:lnRef>
+          <a:fillRef idx="2">
+            <a:schemeClr val="accent3"/>
+          </a:fillRef>
+          <a:effectRef idx="1">
+            <a:schemeClr val="accent3"/>
+          </a:effectRef>
+          <a:fontRef idx="minor">
+            <a:schemeClr val="dk1"/>
+          </a:fontRef>
+        </p:style>
+        <p:txBody>
+          <a:bodyPr rtlCol="0" anchor="ctr"/>
+          <a:lstStyle/>
+          <a:p>
+            <a:pPr algn="ctr"/>
+            <a:endParaRPr lang="ko-KR" altLang="en-US" dirty="0"/>
+          </a:p>
+        </p:txBody>
+      </p:sp>
+      <p:sp>
+        <p:nvSpPr>
+          <p:cNvPr id="31" name="TextBox 30">
+            <a:extLst>
+              <a:ext uri="{FF2B5EF4-FFF2-40B4-BE49-F238E27FC236}">
+                <a16:creationId xmlns:a16="http://schemas.microsoft.com/office/drawing/2014/main" id="{3693725E-AD92-4601-87CB-84305DC07637}"/>
+              </a:ext>
+            </a:extLst>
+          </p:cNvPr>
+          <p:cNvSpPr txBox="1"/>
+          <p:nvPr/>
+        </p:nvSpPr>
+        <p:spPr>
+          <a:xfrm>
+            <a:off x="6591254" y="2143063"/>
+            <a:ext cx="1554608" cy="400110"/>
+          </a:xfrm>
+          <a:prstGeom prst="rect">
+            <a:avLst/>
+          </a:prstGeom>
+          <a:noFill/>
+        </p:spPr>
+        <p:txBody>
+          <a:bodyPr wrap="square" rtlCol="0">
+            <a:spAutoFit/>
+          </a:bodyPr>
+          <a:lstStyle/>
+          <a:p>
+            <a:r>
+              <a:rPr lang="en-US" altLang="ko-KR" sz="2000" dirty="0"/>
+              <a:t>Web server</a:t>
+            </a:r>
+          </a:p>
+        </p:txBody>
+      </p:sp>
+      <p:sp>
+        <p:nvSpPr>
+          <p:cNvPr id="32" name="화살표: 아래쪽 31">
+            <a:extLst>
+              <a:ext uri="{FF2B5EF4-FFF2-40B4-BE49-F238E27FC236}">
+                <a16:creationId xmlns:a16="http://schemas.microsoft.com/office/drawing/2014/main" id="{A5020E18-50FC-4EA7-BC7B-1B6C3FED9EA0}"/>
+              </a:ext>
+            </a:extLst>
+          </p:cNvPr>
+          <p:cNvSpPr/>
+          <p:nvPr/>
+        </p:nvSpPr>
+        <p:spPr>
+          <a:xfrm rot="6073866">
+            <a:off x="8229982" y="2168042"/>
+            <a:ext cx="435006" cy="448323"/>
+          </a:xfrm>
+          <a:prstGeom prst="downArrow">
+            <a:avLst/>
+          </a:prstGeom>
+        </p:spPr>
+        <p:style>
+          <a:lnRef idx="3">
+            <a:schemeClr val="lt1"/>
+          </a:lnRef>
+          <a:fillRef idx="1">
+            <a:schemeClr val="dk1"/>
+          </a:fillRef>
+          <a:effectRef idx="1">
+            <a:schemeClr val="dk1"/>
+          </a:effectRef>
+          <a:fontRef idx="minor">
+            <a:schemeClr val="lt1"/>
+          </a:fontRef>
+        </p:style>
+        <p:txBody>
+          <a:bodyPr rtlCol="0" anchor="ctr"/>
+          <a:lstStyle/>
+          <a:p>
+            <a:pPr algn="ctr"/>
+            <a:endParaRPr lang="ko-KR" altLang="en-US"/>
+          </a:p>
+        </p:txBody>
+      </p:sp>
+      <p:sp>
+        <p:nvSpPr>
+          <p:cNvPr id="33" name="화살표: 아래쪽 32">
+            <a:extLst>
+              <a:ext uri="{FF2B5EF4-FFF2-40B4-BE49-F238E27FC236}">
+                <a16:creationId xmlns:a16="http://schemas.microsoft.com/office/drawing/2014/main" id="{0AAEDD56-882A-4206-BF0A-C6EE2EE67A5D}"/>
+              </a:ext>
+            </a:extLst>
+          </p:cNvPr>
+          <p:cNvSpPr/>
+          <p:nvPr/>
+        </p:nvSpPr>
+        <p:spPr>
+          <a:xfrm rot="10800000">
+            <a:off x="7076061" y="1145153"/>
+            <a:ext cx="435006" cy="448323"/>
+          </a:xfrm>
+          <a:prstGeom prst="downArrow">
+            <a:avLst/>
+          </a:prstGeom>
+        </p:spPr>
+        <p:style>
+          <a:lnRef idx="3">
+            <a:schemeClr val="lt1"/>
+          </a:lnRef>
+          <a:fillRef idx="1">
+            <a:schemeClr val="dk1"/>
+          </a:fillRef>
+          <a:effectRef idx="1">
+            <a:schemeClr val="dk1"/>
+          </a:effectRef>
+          <a:fontRef idx="minor">
+            <a:schemeClr val="lt1"/>
+          </a:fontRef>
+        </p:style>
+        <p:txBody>
+          <a:bodyPr rtlCol="0" anchor="ctr"/>
+          <a:lstStyle/>
+          <a:p>
+            <a:pPr algn="ctr"/>
+            <a:endParaRPr lang="ko-KR" altLang="en-US"/>
+          </a:p>
+        </p:txBody>
+      </p:sp>
+      <p:pic>
+        <p:nvPicPr>
+          <p:cNvPr id="1028" name="Picture 4" descr="clientì ëí ì´ë¯¸ì§ ê²ìê²°ê³¼">
+            <a:extLst>
+              <a:ext uri="{FF2B5EF4-FFF2-40B4-BE49-F238E27FC236}">
+                <a16:creationId xmlns:a16="http://schemas.microsoft.com/office/drawing/2014/main" id="{8BF7ADDE-5CF4-49E9-AA57-49C6BF2AB45B}"/>
+              </a:ext>
+            </a:extLst>
+          </p:cNvPr>
+          <p:cNvPicPr>
+            <a:picLocks noChangeAspect="1" noChangeArrowheads="1"/>
+          </p:cNvPicPr>
+          <p:nvPr/>
+        </p:nvPicPr>
+        <p:blipFill>
+          <a:blip r:embed="rId3">
+            <a:extLst>
+              <a:ext uri="{28A0092B-C50C-407E-A947-70E740481C1C}">
+                <a14:useLocalDpi xmlns:a14="http://schemas.microsoft.com/office/drawing/2010/main" val="0"/>
+              </a:ext>
+            </a:extLst>
+          </a:blip>
+          <a:srcRect/>
+          <a:stretch>
+            <a:fillRect/>
+          </a:stretch>
+        </p:blipFill>
+        <p:spPr bwMode="auto">
+          <a:xfrm>
+            <a:off x="6790341" y="345466"/>
+            <a:ext cx="943188" cy="787804"/>
+          </a:xfrm>
+          <a:prstGeom prst="rect">
+            <a:avLst/>
+          </a:prstGeom>
+          <a:noFill/>
+          <a:extLst>
+            <a:ext uri="{909E8E84-426E-40DD-AFC4-6F175D3DCCD1}">
+              <a14:hiddenFill xmlns:a14="http://schemas.microsoft.com/office/drawing/2010/main">
+                <a:solidFill>
+                  <a:srgbClr val="FFFFFF"/>
+                </a:solidFill>
+              </a14:hiddenFill>
+            </a:ext>
+          </a:extLst>
+        </p:spPr>
+      </p:pic>
+      <p:sp>
+        <p:nvSpPr>
+          <p:cNvPr id="16" name="직사각형 15">
+            <a:extLst>
+              <a:ext uri="{FF2B5EF4-FFF2-40B4-BE49-F238E27FC236}">
+                <a16:creationId xmlns:a16="http://schemas.microsoft.com/office/drawing/2014/main" id="{3422E850-8580-445E-BDC2-0026F49B394D}"/>
+              </a:ext>
+            </a:extLst>
+          </p:cNvPr>
+          <p:cNvSpPr/>
+          <p:nvPr/>
+        </p:nvSpPr>
+        <p:spPr>
+          <a:xfrm>
+            <a:off x="202878" y="180250"/>
             <a:ext cx="2685351" cy="369332"/>
           </a:xfrm>
           <a:prstGeom prst="rect">

--- a/docs/19_시스템구성도/시스템구성도.pptx
+++ b/docs/19_시스템구성도/시스템구성도.pptx
@@ -4,13 +4,15 @@
   <p:sldMasterIdLst>
     <p:sldMasterId id="2147483648" r:id="rId1"/>
   </p:sldMasterIdLst>
+  <p:notesMasterIdLst>
+    <p:notesMasterId r:id="rId7"/>
+  </p:notesMasterIdLst>
   <p:sldIdLst>
     <p:sldId id="256" r:id="rId2"/>
-    <p:sldId id="257" r:id="rId3"/>
-    <p:sldId id="260" r:id="rId4"/>
+    <p:sldId id="260" r:id="rId3"/>
+    <p:sldId id="263" r:id="rId4"/>
     <p:sldId id="261" r:id="rId5"/>
-    <p:sldId id="263" r:id="rId6"/>
-    <p:sldId id="262" r:id="rId7"/>
+    <p:sldId id="262" r:id="rId6"/>
   </p:sldIdLst>
   <p:sldSz cx="12192000" cy="6858000"/>
   <p:notesSz cx="6858000" cy="9144000"/>
@@ -117,6 +119,439 @@
 </p:presentation>
 </file>
 
+<file path=ppt/notesMasters/notesMaster1.xml><?xml version="1.0" encoding="utf-8"?>
+<p:notesMaster xmlns:a="http://schemas.openxmlformats.org/drawingml/2006/main" xmlns:r="http://schemas.openxmlformats.org/officeDocument/2006/relationships" xmlns:p="http://schemas.openxmlformats.org/presentationml/2006/main">
+  <p:cSld>
+    <p:bg>
+      <p:bgRef idx="1001">
+        <a:schemeClr val="bg1"/>
+      </p:bgRef>
+    </p:bg>
+    <p:spTree>
+      <p:nvGrpSpPr>
+        <p:cNvPr id="1" name=""/>
+        <p:cNvGrpSpPr/>
+        <p:nvPr/>
+      </p:nvGrpSpPr>
+      <p:grpSpPr>
+        <a:xfrm>
+          <a:off x="0" y="0"/>
+          <a:ext cx="0" cy="0"/>
+          <a:chOff x="0" y="0"/>
+          <a:chExt cx="0" cy="0"/>
+        </a:xfrm>
+      </p:grpSpPr>
+      <p:sp>
+        <p:nvSpPr>
+          <p:cNvPr id="2" name="머리글 개체 틀 1"/>
+          <p:cNvSpPr>
+            <a:spLocks noGrp="1"/>
+          </p:cNvSpPr>
+          <p:nvPr>
+            <p:ph type="hdr" sz="quarter"/>
+          </p:nvPr>
+        </p:nvSpPr>
+        <p:spPr>
+          <a:xfrm>
+            <a:off x="0" y="0"/>
+            <a:ext cx="2971800" cy="458788"/>
+          </a:xfrm>
+          <a:prstGeom prst="rect">
+            <a:avLst/>
+          </a:prstGeom>
+        </p:spPr>
+        <p:txBody>
+          <a:bodyPr vert="horz" lIns="91440" tIns="45720" rIns="91440" bIns="45720" rtlCol="0"/>
+          <a:lstStyle>
+            <a:lvl1pPr algn="l">
+              <a:defRPr sz="1200"/>
+            </a:lvl1pPr>
+          </a:lstStyle>
+          <a:p>
+            <a:endParaRPr lang="ko-KR" altLang="en-US"/>
+          </a:p>
+        </p:txBody>
+      </p:sp>
+      <p:sp>
+        <p:nvSpPr>
+          <p:cNvPr id="3" name="날짜 개체 틀 2"/>
+          <p:cNvSpPr>
+            <a:spLocks noGrp="1"/>
+          </p:cNvSpPr>
+          <p:nvPr>
+            <p:ph type="dt" idx="1"/>
+          </p:nvPr>
+        </p:nvSpPr>
+        <p:spPr>
+          <a:xfrm>
+            <a:off x="3884613" y="0"/>
+            <a:ext cx="2971800" cy="458788"/>
+          </a:xfrm>
+          <a:prstGeom prst="rect">
+            <a:avLst/>
+          </a:prstGeom>
+        </p:spPr>
+        <p:txBody>
+          <a:bodyPr vert="horz" lIns="91440" tIns="45720" rIns="91440" bIns="45720" rtlCol="0"/>
+          <a:lstStyle>
+            <a:lvl1pPr algn="r">
+              <a:defRPr sz="1200"/>
+            </a:lvl1pPr>
+          </a:lstStyle>
+          <a:p>
+            <a:fld id="{66A26083-4C73-4DB3-A639-2BE4F374B714}" type="datetimeFigureOut">
+              <a:rPr lang="ko-KR" altLang="en-US" smtClean="0"/>
+              <a:t>2019-01-19</a:t>
+            </a:fld>
+            <a:endParaRPr lang="ko-KR" altLang="en-US"/>
+          </a:p>
+        </p:txBody>
+      </p:sp>
+      <p:sp>
+        <p:nvSpPr>
+          <p:cNvPr id="4" name="슬라이드 이미지 개체 틀 3"/>
+          <p:cNvSpPr>
+            <a:spLocks noGrp="1" noRot="1" noChangeAspect="1"/>
+          </p:cNvSpPr>
+          <p:nvPr>
+            <p:ph type="sldImg" idx="2"/>
+          </p:nvPr>
+        </p:nvSpPr>
+        <p:spPr>
+          <a:xfrm>
+            <a:off x="685800" y="1143000"/>
+            <a:ext cx="5486400" cy="3086100"/>
+          </a:xfrm>
+          <a:prstGeom prst="rect">
+            <a:avLst/>
+          </a:prstGeom>
+          <a:noFill/>
+          <a:ln w="12700">
+            <a:solidFill>
+              <a:prstClr val="black"/>
+            </a:solidFill>
+          </a:ln>
+        </p:spPr>
+        <p:txBody>
+          <a:bodyPr vert="horz" lIns="91440" tIns="45720" rIns="91440" bIns="45720" rtlCol="0" anchor="ctr"/>
+          <a:lstStyle/>
+          <a:p>
+            <a:endParaRPr lang="ko-KR" altLang="en-US"/>
+          </a:p>
+        </p:txBody>
+      </p:sp>
+      <p:sp>
+        <p:nvSpPr>
+          <p:cNvPr id="5" name="슬라이드 노트 개체 틀 4"/>
+          <p:cNvSpPr>
+            <a:spLocks noGrp="1"/>
+          </p:cNvSpPr>
+          <p:nvPr>
+            <p:ph type="body" sz="quarter" idx="3"/>
+          </p:nvPr>
+        </p:nvSpPr>
+        <p:spPr>
+          <a:xfrm>
+            <a:off x="685800" y="4400550"/>
+            <a:ext cx="5486400" cy="3600450"/>
+          </a:xfrm>
+          <a:prstGeom prst="rect">
+            <a:avLst/>
+          </a:prstGeom>
+        </p:spPr>
+        <p:txBody>
+          <a:bodyPr vert="horz" lIns="91440" tIns="45720" rIns="91440" bIns="45720" rtlCol="0"/>
+          <a:lstStyle/>
+          <a:p>
+            <a:pPr lvl="0"/>
+            <a:r>
+              <a:rPr lang="ko-KR" altLang="en-US"/>
+              <a:t>마스터 텍스트 스타일 편집</a:t>
+            </a:r>
+          </a:p>
+          <a:p>
+            <a:pPr lvl="1"/>
+            <a:r>
+              <a:rPr lang="ko-KR" altLang="en-US"/>
+              <a:t>둘째 수준</a:t>
+            </a:r>
+          </a:p>
+          <a:p>
+            <a:pPr lvl="2"/>
+            <a:r>
+              <a:rPr lang="ko-KR" altLang="en-US"/>
+              <a:t>셋째 수준</a:t>
+            </a:r>
+          </a:p>
+          <a:p>
+            <a:pPr lvl="3"/>
+            <a:r>
+              <a:rPr lang="ko-KR" altLang="en-US"/>
+              <a:t>넷째 수준</a:t>
+            </a:r>
+          </a:p>
+          <a:p>
+            <a:pPr lvl="4"/>
+            <a:r>
+              <a:rPr lang="ko-KR" altLang="en-US"/>
+              <a:t>다섯째 수준</a:t>
+            </a:r>
+          </a:p>
+        </p:txBody>
+      </p:sp>
+      <p:sp>
+        <p:nvSpPr>
+          <p:cNvPr id="6" name="바닥글 개체 틀 5"/>
+          <p:cNvSpPr>
+            <a:spLocks noGrp="1"/>
+          </p:cNvSpPr>
+          <p:nvPr>
+            <p:ph type="ftr" sz="quarter" idx="4"/>
+          </p:nvPr>
+        </p:nvSpPr>
+        <p:spPr>
+          <a:xfrm>
+            <a:off x="0" y="8685213"/>
+            <a:ext cx="2971800" cy="458787"/>
+          </a:xfrm>
+          <a:prstGeom prst="rect">
+            <a:avLst/>
+          </a:prstGeom>
+        </p:spPr>
+        <p:txBody>
+          <a:bodyPr vert="horz" lIns="91440" tIns="45720" rIns="91440" bIns="45720" rtlCol="0" anchor="b"/>
+          <a:lstStyle>
+            <a:lvl1pPr algn="l">
+              <a:defRPr sz="1200"/>
+            </a:lvl1pPr>
+          </a:lstStyle>
+          <a:p>
+            <a:endParaRPr lang="ko-KR" altLang="en-US"/>
+          </a:p>
+        </p:txBody>
+      </p:sp>
+      <p:sp>
+        <p:nvSpPr>
+          <p:cNvPr id="7" name="슬라이드 번호 개체 틀 6"/>
+          <p:cNvSpPr>
+            <a:spLocks noGrp="1"/>
+          </p:cNvSpPr>
+          <p:nvPr>
+            <p:ph type="sldNum" sz="quarter" idx="5"/>
+          </p:nvPr>
+        </p:nvSpPr>
+        <p:spPr>
+          <a:xfrm>
+            <a:off x="3884613" y="8685213"/>
+            <a:ext cx="2971800" cy="458787"/>
+          </a:xfrm>
+          <a:prstGeom prst="rect">
+            <a:avLst/>
+          </a:prstGeom>
+        </p:spPr>
+        <p:txBody>
+          <a:bodyPr vert="horz" lIns="91440" tIns="45720" rIns="91440" bIns="45720" rtlCol="0" anchor="b"/>
+          <a:lstStyle>
+            <a:lvl1pPr algn="r">
+              <a:defRPr sz="1200"/>
+            </a:lvl1pPr>
+          </a:lstStyle>
+          <a:p>
+            <a:fld id="{DA81260D-32F2-46B3-900A-C10C3A7D41C7}" type="slidenum">
+              <a:rPr lang="ko-KR" altLang="en-US" smtClean="0"/>
+              <a:t>‹#›</a:t>
+            </a:fld>
+            <a:endParaRPr lang="ko-KR" altLang="en-US"/>
+          </a:p>
+        </p:txBody>
+      </p:sp>
+    </p:spTree>
+    <p:extLst>
+      <p:ext uri="{BB962C8B-B14F-4D97-AF65-F5344CB8AC3E}">
+        <p14:creationId xmlns:p14="http://schemas.microsoft.com/office/powerpoint/2010/main" val="3471805361"/>
+      </p:ext>
+    </p:extLst>
+  </p:cSld>
+  <p:clrMap bg1="lt1" tx1="dk1" bg2="lt2" tx2="dk2" accent1="accent1" accent2="accent2" accent3="accent3" accent4="accent4" accent5="accent5" accent6="accent6" hlink="hlink" folHlink="folHlink"/>
+  <p:notesStyle>
+    <a:lvl1pPr marL="0" algn="l" defTabSz="914400" rtl="0" eaLnBrk="1" latinLnBrk="1" hangingPunct="1">
+      <a:defRPr sz="1200" kern="1200">
+        <a:solidFill>
+          <a:schemeClr val="tx1"/>
+        </a:solidFill>
+        <a:latin typeface="+mn-lt"/>
+        <a:ea typeface="+mn-ea"/>
+        <a:cs typeface="+mn-cs"/>
+      </a:defRPr>
+    </a:lvl1pPr>
+    <a:lvl2pPr marL="457200" algn="l" defTabSz="914400" rtl="0" eaLnBrk="1" latinLnBrk="1" hangingPunct="1">
+      <a:defRPr sz="1200" kern="1200">
+        <a:solidFill>
+          <a:schemeClr val="tx1"/>
+        </a:solidFill>
+        <a:latin typeface="+mn-lt"/>
+        <a:ea typeface="+mn-ea"/>
+        <a:cs typeface="+mn-cs"/>
+      </a:defRPr>
+    </a:lvl2pPr>
+    <a:lvl3pPr marL="914400" algn="l" defTabSz="914400" rtl="0" eaLnBrk="1" latinLnBrk="1" hangingPunct="1">
+      <a:defRPr sz="1200" kern="1200">
+        <a:solidFill>
+          <a:schemeClr val="tx1"/>
+        </a:solidFill>
+        <a:latin typeface="+mn-lt"/>
+        <a:ea typeface="+mn-ea"/>
+        <a:cs typeface="+mn-cs"/>
+      </a:defRPr>
+    </a:lvl3pPr>
+    <a:lvl4pPr marL="1371600" algn="l" defTabSz="914400" rtl="0" eaLnBrk="1" latinLnBrk="1" hangingPunct="1">
+      <a:defRPr sz="1200" kern="1200">
+        <a:solidFill>
+          <a:schemeClr val="tx1"/>
+        </a:solidFill>
+        <a:latin typeface="+mn-lt"/>
+        <a:ea typeface="+mn-ea"/>
+        <a:cs typeface="+mn-cs"/>
+      </a:defRPr>
+    </a:lvl4pPr>
+    <a:lvl5pPr marL="1828800" algn="l" defTabSz="914400" rtl="0" eaLnBrk="1" latinLnBrk="1" hangingPunct="1">
+      <a:defRPr sz="1200" kern="1200">
+        <a:solidFill>
+          <a:schemeClr val="tx1"/>
+        </a:solidFill>
+        <a:latin typeface="+mn-lt"/>
+        <a:ea typeface="+mn-ea"/>
+        <a:cs typeface="+mn-cs"/>
+      </a:defRPr>
+    </a:lvl5pPr>
+    <a:lvl6pPr marL="2286000" algn="l" defTabSz="914400" rtl="0" eaLnBrk="1" latinLnBrk="1" hangingPunct="1">
+      <a:defRPr sz="1200" kern="1200">
+        <a:solidFill>
+          <a:schemeClr val="tx1"/>
+        </a:solidFill>
+        <a:latin typeface="+mn-lt"/>
+        <a:ea typeface="+mn-ea"/>
+        <a:cs typeface="+mn-cs"/>
+      </a:defRPr>
+    </a:lvl6pPr>
+    <a:lvl7pPr marL="2743200" algn="l" defTabSz="914400" rtl="0" eaLnBrk="1" latinLnBrk="1" hangingPunct="1">
+      <a:defRPr sz="1200" kern="1200">
+        <a:solidFill>
+          <a:schemeClr val="tx1"/>
+        </a:solidFill>
+        <a:latin typeface="+mn-lt"/>
+        <a:ea typeface="+mn-ea"/>
+        <a:cs typeface="+mn-cs"/>
+      </a:defRPr>
+    </a:lvl7pPr>
+    <a:lvl8pPr marL="3200400" algn="l" defTabSz="914400" rtl="0" eaLnBrk="1" latinLnBrk="1" hangingPunct="1">
+      <a:defRPr sz="1200" kern="1200">
+        <a:solidFill>
+          <a:schemeClr val="tx1"/>
+        </a:solidFill>
+        <a:latin typeface="+mn-lt"/>
+        <a:ea typeface="+mn-ea"/>
+        <a:cs typeface="+mn-cs"/>
+      </a:defRPr>
+    </a:lvl8pPr>
+    <a:lvl9pPr marL="3657600" algn="l" defTabSz="914400" rtl="0" eaLnBrk="1" latinLnBrk="1" hangingPunct="1">
+      <a:defRPr sz="1200" kern="1200">
+        <a:solidFill>
+          <a:schemeClr val="tx1"/>
+        </a:solidFill>
+        <a:latin typeface="+mn-lt"/>
+        <a:ea typeface="+mn-ea"/>
+        <a:cs typeface="+mn-cs"/>
+      </a:defRPr>
+    </a:lvl9pPr>
+  </p:notesStyle>
+</p:notesMaster>
+</file>
+
+<file path=ppt/notesSlides/notesSlide1.xml><?xml version="1.0" encoding="utf-8"?>
+<p:notes xmlns:a="http://schemas.openxmlformats.org/drawingml/2006/main" xmlns:r="http://schemas.openxmlformats.org/officeDocument/2006/relationships" xmlns:p="http://schemas.openxmlformats.org/presentationml/2006/main">
+  <p:cSld>
+    <p:spTree>
+      <p:nvGrpSpPr>
+        <p:cNvPr id="1" name=""/>
+        <p:cNvGrpSpPr/>
+        <p:nvPr/>
+      </p:nvGrpSpPr>
+      <p:grpSpPr>
+        <a:xfrm>
+          <a:off x="0" y="0"/>
+          <a:ext cx="0" cy="0"/>
+          <a:chOff x="0" y="0"/>
+          <a:chExt cx="0" cy="0"/>
+        </a:xfrm>
+      </p:grpSpPr>
+      <p:sp>
+        <p:nvSpPr>
+          <p:cNvPr id="2" name="슬라이드 이미지 개체 틀 1"/>
+          <p:cNvSpPr>
+            <a:spLocks noGrp="1" noRot="1" noChangeAspect="1"/>
+          </p:cNvSpPr>
+          <p:nvPr>
+            <p:ph type="sldImg"/>
+          </p:nvPr>
+        </p:nvSpPr>
+        <p:spPr/>
+      </p:sp>
+      <p:sp>
+        <p:nvSpPr>
+          <p:cNvPr id="3" name="슬라이드 노트 개체 틀 2"/>
+          <p:cNvSpPr>
+            <a:spLocks noGrp="1"/>
+          </p:cNvSpPr>
+          <p:nvPr>
+            <p:ph type="body" idx="1"/>
+          </p:nvPr>
+        </p:nvSpPr>
+        <p:spPr/>
+        <p:txBody>
+          <a:bodyPr/>
+          <a:lstStyle/>
+          <a:p>
+            <a:endParaRPr lang="ko-KR" altLang="en-US" dirty="0"/>
+          </a:p>
+        </p:txBody>
+      </p:sp>
+      <p:sp>
+        <p:nvSpPr>
+          <p:cNvPr id="4" name="슬라이드 번호 개체 틀 3"/>
+          <p:cNvSpPr>
+            <a:spLocks noGrp="1"/>
+          </p:cNvSpPr>
+          <p:nvPr>
+            <p:ph type="sldNum" sz="quarter" idx="5"/>
+          </p:nvPr>
+        </p:nvSpPr>
+        <p:spPr/>
+        <p:txBody>
+          <a:bodyPr/>
+          <a:lstStyle/>
+          <a:p>
+            <a:fld id="{DA81260D-32F2-46B3-900A-C10C3A7D41C7}" type="slidenum">
+              <a:rPr lang="ko-KR" altLang="en-US" smtClean="0"/>
+              <a:t>3</a:t>
+            </a:fld>
+            <a:endParaRPr lang="ko-KR" altLang="en-US"/>
+          </a:p>
+        </p:txBody>
+      </p:sp>
+    </p:spTree>
+    <p:extLst>
+      <p:ext uri="{BB962C8B-B14F-4D97-AF65-F5344CB8AC3E}">
+        <p14:creationId xmlns:p14="http://schemas.microsoft.com/office/powerpoint/2010/main" val="123737059"/>
+      </p:ext>
+    </p:extLst>
+  </p:cSld>
+  <p:clrMapOvr>
+    <a:masterClrMapping/>
+  </p:clrMapOvr>
+</p:notes>
+</file>
+
 <file path=ppt/slideLayouts/slideLayout1.xml><?xml version="1.0" encoding="utf-8"?>
 <p:sldLayout xmlns:a="http://schemas.openxmlformats.org/drawingml/2006/main" xmlns:r="http://schemas.openxmlformats.org/officeDocument/2006/relationships" xmlns:p="http://schemas.openxmlformats.org/presentationml/2006/main" type="title" preserve="1">
   <p:cSld name="제목 슬라이드">
@@ -264,7 +699,7 @@
           <a:p>
             <a:fld id="{070BE896-19B4-41A3-AD2A-66BCADC2ABD9}" type="datetimeFigureOut">
               <a:rPr lang="ko-KR" altLang="en-US" smtClean="0"/>
-              <a:t>2019-01-18</a:t>
+              <a:t>2019-01-19</a:t>
             </a:fld>
             <a:endParaRPr lang="ko-KR" altLang="en-US"/>
           </a:p>
@@ -462,7 +897,7 @@
           <a:p>
             <a:fld id="{070BE896-19B4-41A3-AD2A-66BCADC2ABD9}" type="datetimeFigureOut">
               <a:rPr lang="ko-KR" altLang="en-US" smtClean="0"/>
-              <a:t>2019-01-18</a:t>
+              <a:t>2019-01-19</a:t>
             </a:fld>
             <a:endParaRPr lang="ko-KR" altLang="en-US"/>
           </a:p>
@@ -670,7 +1105,7 @@
           <a:p>
             <a:fld id="{070BE896-19B4-41A3-AD2A-66BCADC2ABD9}" type="datetimeFigureOut">
               <a:rPr lang="ko-KR" altLang="en-US" smtClean="0"/>
-              <a:t>2019-01-18</a:t>
+              <a:t>2019-01-19</a:t>
             </a:fld>
             <a:endParaRPr lang="ko-KR" altLang="en-US"/>
           </a:p>
@@ -868,7 +1303,7 @@
           <a:p>
             <a:fld id="{070BE896-19B4-41A3-AD2A-66BCADC2ABD9}" type="datetimeFigureOut">
               <a:rPr lang="ko-KR" altLang="en-US" smtClean="0"/>
-              <a:t>2019-01-18</a:t>
+              <a:t>2019-01-19</a:t>
             </a:fld>
             <a:endParaRPr lang="ko-KR" altLang="en-US"/>
           </a:p>
@@ -1143,7 +1578,7 @@
           <a:p>
             <a:fld id="{070BE896-19B4-41A3-AD2A-66BCADC2ABD9}" type="datetimeFigureOut">
               <a:rPr lang="ko-KR" altLang="en-US" smtClean="0"/>
-              <a:t>2019-01-18</a:t>
+              <a:t>2019-01-19</a:t>
             </a:fld>
             <a:endParaRPr lang="ko-KR" altLang="en-US"/>
           </a:p>
@@ -1408,7 +1843,7 @@
           <a:p>
             <a:fld id="{070BE896-19B4-41A3-AD2A-66BCADC2ABD9}" type="datetimeFigureOut">
               <a:rPr lang="ko-KR" altLang="en-US" smtClean="0"/>
-              <a:t>2019-01-18</a:t>
+              <a:t>2019-01-19</a:t>
             </a:fld>
             <a:endParaRPr lang="ko-KR" altLang="en-US"/>
           </a:p>
@@ -1820,7 +2255,7 @@
           <a:p>
             <a:fld id="{070BE896-19B4-41A3-AD2A-66BCADC2ABD9}" type="datetimeFigureOut">
               <a:rPr lang="ko-KR" altLang="en-US" smtClean="0"/>
-              <a:t>2019-01-18</a:t>
+              <a:t>2019-01-19</a:t>
             </a:fld>
             <a:endParaRPr lang="ko-KR" altLang="en-US"/>
           </a:p>
@@ -1961,7 +2396,7 @@
           <a:p>
             <a:fld id="{070BE896-19B4-41A3-AD2A-66BCADC2ABD9}" type="datetimeFigureOut">
               <a:rPr lang="ko-KR" altLang="en-US" smtClean="0"/>
-              <a:t>2019-01-18</a:t>
+              <a:t>2019-01-19</a:t>
             </a:fld>
             <a:endParaRPr lang="ko-KR" altLang="en-US"/>
           </a:p>
@@ -2074,7 +2509,7 @@
           <a:p>
             <a:fld id="{070BE896-19B4-41A3-AD2A-66BCADC2ABD9}" type="datetimeFigureOut">
               <a:rPr lang="ko-KR" altLang="en-US" smtClean="0"/>
-              <a:t>2019-01-18</a:t>
+              <a:t>2019-01-19</a:t>
             </a:fld>
             <a:endParaRPr lang="ko-KR" altLang="en-US"/>
           </a:p>
@@ -2385,7 +2820,7 @@
           <a:p>
             <a:fld id="{070BE896-19B4-41A3-AD2A-66BCADC2ABD9}" type="datetimeFigureOut">
               <a:rPr lang="ko-KR" altLang="en-US" smtClean="0"/>
-              <a:t>2019-01-18</a:t>
+              <a:t>2019-01-19</a:t>
             </a:fld>
             <a:endParaRPr lang="ko-KR" altLang="en-US"/>
           </a:p>
@@ -2673,7 +3108,7 @@
           <a:p>
             <a:fld id="{070BE896-19B4-41A3-AD2A-66BCADC2ABD9}" type="datetimeFigureOut">
               <a:rPr lang="ko-KR" altLang="en-US" smtClean="0"/>
-              <a:t>2019-01-18</a:t>
+              <a:t>2019-01-19</a:t>
             </a:fld>
             <a:endParaRPr lang="ko-KR" altLang="en-US"/>
           </a:p>
@@ -2914,7 +3349,7 @@
           <a:p>
             <a:fld id="{070BE896-19B4-41A3-AD2A-66BCADC2ABD9}" type="datetimeFigureOut">
               <a:rPr lang="ko-KR" altLang="en-US" smtClean="0"/>
-              <a:t>2019-01-18</a:t>
+              <a:t>2019-01-19</a:t>
             </a:fld>
             <a:endParaRPr lang="ko-KR" altLang="en-US"/>
           </a:p>
@@ -3566,8 +4001,8 @@
         </p:nvSpPr>
         <p:spPr>
           <a:xfrm>
-            <a:off x="1998536" y="1722162"/>
-            <a:ext cx="1356730" cy="1231106"/>
+            <a:off x="1714942" y="1835315"/>
+            <a:ext cx="1993003" cy="984885"/>
           </a:xfrm>
           <a:prstGeom prst="rect">
             <a:avLst/>
@@ -3582,15 +4017,9 @@
           <a:p>
             <a:r>
               <a:rPr lang="ko-KR" altLang="en-US" sz="1600" dirty="0"/>
-              <a:t>데이터수집</a:t>
-            </a:r>
-            <a:endParaRPr lang="en-US" altLang="ko-KR" sz="1600" dirty="0"/>
-          </a:p>
-          <a:p>
-            <a:r>
-              <a:rPr lang="ko-KR" altLang="en-US" sz="1600" dirty="0"/>
-              <a:t>시스템</a:t>
-            </a:r>
+              <a:t>데이터수집 시스템</a:t>
+            </a:r>
+            <a:endParaRPr lang="en-US" altLang="ko-KR" dirty="0"/>
           </a:p>
           <a:p>
             <a:r>
@@ -3626,8 +4055,8 @@
         </p:nvSpPr>
         <p:spPr>
           <a:xfrm>
-            <a:off x="4245275" y="4084492"/>
-            <a:ext cx="1570375" cy="1845882"/>
+            <a:off x="4264149" y="5027228"/>
+            <a:ext cx="1570375" cy="1158331"/>
           </a:xfrm>
           <a:prstGeom prst="flowChartProcess">
             <a:avLst/>
@@ -3866,7 +4295,7 @@
         </p:nvSpPr>
         <p:spPr>
           <a:xfrm rot="16200000">
-            <a:off x="3710866" y="4783272"/>
+            <a:off x="3684510" y="5104378"/>
             <a:ext cx="435006" cy="448323"/>
           </a:xfrm>
           <a:prstGeom prst="downArrow">
@@ -3910,8 +4339,8 @@
         </p:nvSpPr>
         <p:spPr>
           <a:xfrm>
-            <a:off x="4326809" y="4668880"/>
-            <a:ext cx="1488841" cy="892552"/>
+            <a:off x="4259321" y="5187493"/>
+            <a:ext cx="1575204" cy="892552"/>
           </a:xfrm>
           <a:prstGeom prst="rect">
             <a:avLst/>
@@ -3941,7 +4370,7 @@
             </a:r>
             <a:r>
               <a:rPr lang="ko-KR" altLang="en-US" sz="1200" dirty="0"/>
-              <a:t>형태소 분석</a:t>
+              <a:t>형태소 분석기</a:t>
             </a:r>
             <a:r>
               <a:rPr lang="en-US" altLang="ko-KR" sz="1200" dirty="0"/>
@@ -3981,7 +4410,7 @@
         </p:nvSpPr>
         <p:spPr>
           <a:xfrm>
-            <a:off x="6508377" y="4273714"/>
+            <a:off x="6525326" y="4731648"/>
             <a:ext cx="1570375" cy="1590550"/>
           </a:xfrm>
           <a:prstGeom prst="flowChartMagneticDisk">
@@ -4025,7 +4454,7 @@
         </p:nvSpPr>
         <p:spPr>
           <a:xfrm>
-            <a:off x="6553117" y="4652052"/>
+            <a:off x="6570066" y="5109986"/>
             <a:ext cx="1570375" cy="1200329"/>
           </a:xfrm>
           <a:prstGeom prst="rect">
@@ -4067,7 +4496,7 @@
         </p:nvSpPr>
         <p:spPr>
           <a:xfrm rot="16200000">
-            <a:off x="5973968" y="4732446"/>
+            <a:off x="5990917" y="5190380"/>
             <a:ext cx="435006" cy="448323"/>
           </a:xfrm>
           <a:prstGeom prst="downArrow">
@@ -4111,7 +4540,7 @@
         </p:nvSpPr>
         <p:spPr>
           <a:xfrm>
-            <a:off x="8771479" y="4084492"/>
+            <a:off x="8853164" y="4456340"/>
             <a:ext cx="1570375" cy="1845882"/>
           </a:xfrm>
           <a:prstGeom prst="flowChartProcess">
@@ -4156,7 +4585,7 @@
         </p:nvSpPr>
         <p:spPr>
           <a:xfrm rot="16200000">
-            <a:off x="8240334" y="4733072"/>
+            <a:off x="8259878" y="5104920"/>
             <a:ext cx="435006" cy="448323"/>
           </a:xfrm>
           <a:prstGeom prst="downArrow">
@@ -4200,8 +4629,8 @@
         </p:nvSpPr>
         <p:spPr>
           <a:xfrm>
-            <a:off x="8771479" y="4653624"/>
-            <a:ext cx="1570375" cy="923330"/>
+            <a:off x="9018683" y="4786877"/>
+            <a:ext cx="1392046" cy="1200329"/>
           </a:xfrm>
           <a:prstGeom prst="rect">
             <a:avLst/>
@@ -4218,9 +4647,12 @@
               <a:rPr lang="ko-KR" altLang="en-US" sz="2000" dirty="0" err="1"/>
               <a:t>편집점</a:t>
             </a:r>
+            <a:endParaRPr lang="en-US" altLang="ko-KR" sz="2000" dirty="0"/>
+          </a:p>
+          <a:p>
             <a:r>
               <a:rPr lang="ko-KR" altLang="en-US" sz="2000" dirty="0"/>
-              <a:t> 분석</a:t>
+              <a:t>분석</a:t>
             </a:r>
             <a:endParaRPr lang="en-US" altLang="ko-KR" sz="2000" dirty="0"/>
           </a:p>
@@ -4262,7 +4694,7 @@
         </p:nvSpPr>
         <p:spPr>
           <a:xfrm>
-            <a:off x="8771479" y="1964780"/>
+            <a:off x="8840353" y="1312387"/>
             <a:ext cx="1570375" cy="1590550"/>
           </a:xfrm>
           <a:prstGeom prst="flowChartMagneticDisk">
@@ -4306,8 +4738,8 @@
         </p:nvSpPr>
         <p:spPr>
           <a:xfrm>
-            <a:off x="8816219" y="2343118"/>
-            <a:ext cx="1570375" cy="1138773"/>
+            <a:off x="9011837" y="1846841"/>
+            <a:ext cx="1221969" cy="892552"/>
           </a:xfrm>
           <a:prstGeom prst="rect">
             <a:avLst/>
@@ -4335,7 +4767,7 @@
           <a:p>
             <a:r>
               <a:rPr lang="en-US" altLang="ko-KR" sz="1600" dirty="0"/>
-              <a:t>(MongoDB / Redis)</a:t>
+              <a:t>(file)</a:t>
             </a:r>
             <a:endParaRPr lang="en-US" altLang="ko-KR" dirty="0"/>
           </a:p>
@@ -4355,7 +4787,7 @@
         </p:nvSpPr>
         <p:spPr>
           <a:xfrm rot="10800000">
-            <a:off x="9339163" y="3602700"/>
+            <a:off x="9408297" y="3955064"/>
             <a:ext cx="435006" cy="448323"/>
           </a:xfrm>
           <a:prstGeom prst="downArrow">
@@ -4478,1290 +4910,6 @@
           <p:nvPr/>
         </p:nvSpPr>
         <p:spPr>
-          <a:xfrm rot="6073866">
-            <a:off x="8229982" y="2168042"/>
-            <a:ext cx="435006" cy="448323"/>
-          </a:xfrm>
-          <a:prstGeom prst="downArrow">
-            <a:avLst/>
-          </a:prstGeom>
-        </p:spPr>
-        <p:style>
-          <a:lnRef idx="3">
-            <a:schemeClr val="lt1"/>
-          </a:lnRef>
-          <a:fillRef idx="1">
-            <a:schemeClr val="dk1"/>
-          </a:fillRef>
-          <a:effectRef idx="1">
-            <a:schemeClr val="dk1"/>
-          </a:effectRef>
-          <a:fontRef idx="minor">
-            <a:schemeClr val="lt1"/>
-          </a:fontRef>
-        </p:style>
-        <p:txBody>
-          <a:bodyPr rtlCol="0" anchor="ctr"/>
-          <a:lstStyle/>
-          <a:p>
-            <a:pPr algn="ctr"/>
-            <a:endParaRPr lang="ko-KR" altLang="en-US"/>
-          </a:p>
-        </p:txBody>
-      </p:sp>
-      <p:sp>
-        <p:nvSpPr>
-          <p:cNvPr id="33" name="화살표: 아래쪽 32">
-            <a:extLst>
-              <a:ext uri="{FF2B5EF4-FFF2-40B4-BE49-F238E27FC236}">
-                <a16:creationId xmlns:a16="http://schemas.microsoft.com/office/drawing/2014/main" id="{0AAEDD56-882A-4206-BF0A-C6EE2EE67A5D}"/>
-              </a:ext>
-            </a:extLst>
-          </p:cNvPr>
-          <p:cNvSpPr/>
-          <p:nvPr/>
-        </p:nvSpPr>
-        <p:spPr>
-          <a:xfrm rot="10800000">
-            <a:off x="7076061" y="1145153"/>
-            <a:ext cx="435006" cy="448323"/>
-          </a:xfrm>
-          <a:prstGeom prst="downArrow">
-            <a:avLst/>
-          </a:prstGeom>
-        </p:spPr>
-        <p:style>
-          <a:lnRef idx="3">
-            <a:schemeClr val="lt1"/>
-          </a:lnRef>
-          <a:fillRef idx="1">
-            <a:schemeClr val="dk1"/>
-          </a:fillRef>
-          <a:effectRef idx="1">
-            <a:schemeClr val="dk1"/>
-          </a:effectRef>
-          <a:fontRef idx="minor">
-            <a:schemeClr val="lt1"/>
-          </a:fontRef>
-        </p:style>
-        <p:txBody>
-          <a:bodyPr rtlCol="0" anchor="ctr"/>
-          <a:lstStyle/>
-          <a:p>
-            <a:pPr algn="ctr"/>
-            <a:endParaRPr lang="ko-KR" altLang="en-US"/>
-          </a:p>
-        </p:txBody>
-      </p:sp>
-      <p:pic>
-        <p:nvPicPr>
-          <p:cNvPr id="1028" name="Picture 4" descr="clientì ëí ì´ë¯¸ì§ ê²ìê²°ê³¼">
-            <a:extLst>
-              <a:ext uri="{FF2B5EF4-FFF2-40B4-BE49-F238E27FC236}">
-                <a16:creationId xmlns:a16="http://schemas.microsoft.com/office/drawing/2014/main" id="{8BF7ADDE-5CF4-49E9-AA57-49C6BF2AB45B}"/>
-              </a:ext>
-            </a:extLst>
-          </p:cNvPr>
-          <p:cNvPicPr>
-            <a:picLocks noChangeAspect="1" noChangeArrowheads="1"/>
-          </p:cNvPicPr>
-          <p:nvPr/>
-        </p:nvPicPr>
-        <p:blipFill>
-          <a:blip r:embed="rId3">
-            <a:extLst>
-              <a:ext uri="{28A0092B-C50C-407E-A947-70E740481C1C}">
-                <a14:useLocalDpi xmlns:a14="http://schemas.microsoft.com/office/drawing/2010/main" val="0"/>
-              </a:ext>
-            </a:extLst>
-          </a:blip>
-          <a:srcRect/>
-          <a:stretch>
-            <a:fillRect/>
-          </a:stretch>
-        </p:blipFill>
-        <p:spPr bwMode="auto">
-          <a:xfrm>
-            <a:off x="6790341" y="345466"/>
-            <a:ext cx="943188" cy="787804"/>
-          </a:xfrm>
-          <a:prstGeom prst="rect">
-            <a:avLst/>
-          </a:prstGeom>
-          <a:noFill/>
-          <a:extLst>
-            <a:ext uri="{909E8E84-426E-40DD-AFC4-6F175D3DCCD1}">
-              <a14:hiddenFill xmlns:a14="http://schemas.microsoft.com/office/drawing/2010/main">
-                <a:solidFill>
-                  <a:srgbClr val="FFFFFF"/>
-                </a:solidFill>
-              </a14:hiddenFill>
-            </a:ext>
-          </a:extLst>
-        </p:spPr>
-      </p:pic>
-      <p:sp>
-        <p:nvSpPr>
-          <p:cNvPr id="16" name="직사각형 15">
-            <a:extLst>
-              <a:ext uri="{FF2B5EF4-FFF2-40B4-BE49-F238E27FC236}">
-                <a16:creationId xmlns:a16="http://schemas.microsoft.com/office/drawing/2014/main" id="{3422E850-8580-445E-BDC2-0026F49B394D}"/>
-              </a:ext>
-            </a:extLst>
-          </p:cNvPr>
-          <p:cNvSpPr/>
-          <p:nvPr/>
-        </p:nvSpPr>
-        <p:spPr>
-          <a:xfrm>
-            <a:off x="202878" y="180250"/>
-            <a:ext cx="2454518" cy="369332"/>
-          </a:xfrm>
-          <a:prstGeom prst="rect">
-            <a:avLst/>
-          </a:prstGeom>
-        </p:spPr>
-        <p:txBody>
-          <a:bodyPr wrap="none">
-            <a:spAutoFit/>
-          </a:bodyPr>
-          <a:lstStyle/>
-          <a:p>
-            <a:r>
-              <a:rPr lang="en-US" altLang="ko-KR" dirty="0"/>
-              <a:t>1. </a:t>
-            </a:r>
-            <a:r>
-              <a:rPr lang="ko-KR" altLang="en-US" dirty="0"/>
-              <a:t>데이터 흐름에 따라</a:t>
-            </a:r>
-            <a:endParaRPr lang="en-US" altLang="ko-KR" dirty="0"/>
-          </a:p>
-        </p:txBody>
-      </p:sp>
-      <p:cxnSp>
-        <p:nvCxnSpPr>
-          <p:cNvPr id="35" name="직선 연결선 34">
-            <a:extLst>
-              <a:ext uri="{FF2B5EF4-FFF2-40B4-BE49-F238E27FC236}">
-                <a16:creationId xmlns:a16="http://schemas.microsoft.com/office/drawing/2014/main" id="{DF73BCFB-B9BE-43D5-B0FA-D634C9F9E7C4}"/>
-              </a:ext>
-            </a:extLst>
-          </p:cNvPr>
-          <p:cNvCxnSpPr/>
-          <p:nvPr/>
-        </p:nvCxnSpPr>
-        <p:spPr>
-          <a:xfrm>
-            <a:off x="98393" y="581186"/>
-            <a:ext cx="3258105" cy="0"/>
-          </a:xfrm>
-          <a:prstGeom prst="line">
-            <a:avLst/>
-          </a:prstGeom>
-        </p:spPr>
-        <p:style>
-          <a:lnRef idx="1">
-            <a:schemeClr val="accent1"/>
-          </a:lnRef>
-          <a:fillRef idx="0">
-            <a:schemeClr val="accent1"/>
-          </a:fillRef>
-          <a:effectRef idx="0">
-            <a:schemeClr val="accent1"/>
-          </a:effectRef>
-          <a:fontRef idx="minor">
-            <a:schemeClr val="tx1"/>
-          </a:fontRef>
-        </p:style>
-      </p:cxnSp>
-    </p:spTree>
-    <p:extLst>
-      <p:ext uri="{BB962C8B-B14F-4D97-AF65-F5344CB8AC3E}">
-        <p14:creationId xmlns:p14="http://schemas.microsoft.com/office/powerpoint/2010/main" val="1132973560"/>
-      </p:ext>
-    </p:extLst>
-  </p:cSld>
-  <p:clrMapOvr>
-    <a:masterClrMapping/>
-  </p:clrMapOvr>
-</p:sld>
-</file>
-
-<file path=ppt/slides/slide3.xml><?xml version="1.0" encoding="utf-8"?>
-<p:sld xmlns:a="http://schemas.openxmlformats.org/drawingml/2006/main" xmlns:r="http://schemas.openxmlformats.org/officeDocument/2006/relationships" xmlns:p="http://schemas.openxmlformats.org/presentationml/2006/main">
-  <p:cSld>
-    <p:spTree>
-      <p:nvGrpSpPr>
-        <p:cNvPr id="1" name=""/>
-        <p:cNvGrpSpPr/>
-        <p:nvPr/>
-      </p:nvGrpSpPr>
-      <p:grpSpPr>
-        <a:xfrm>
-          <a:off x="0" y="0"/>
-          <a:ext cx="0" cy="0"/>
-          <a:chOff x="0" y="0"/>
-          <a:chExt cx="0" cy="0"/>
-        </a:xfrm>
-      </p:grpSpPr>
-      <p:sp>
-        <p:nvSpPr>
-          <p:cNvPr id="8" name="순서도: 처리 7">
-            <a:extLst>
-              <a:ext uri="{FF2B5EF4-FFF2-40B4-BE49-F238E27FC236}">
-                <a16:creationId xmlns:a16="http://schemas.microsoft.com/office/drawing/2014/main" id="{D1F93629-A9C5-4668-BA0E-D311CB46C77E}"/>
-              </a:ext>
-            </a:extLst>
-          </p:cNvPr>
-          <p:cNvSpPr/>
-          <p:nvPr/>
-        </p:nvSpPr>
-        <p:spPr>
-          <a:xfrm>
-            <a:off x="1737604" y="1388133"/>
-            <a:ext cx="1775534" cy="1855434"/>
-          </a:xfrm>
-          <a:prstGeom prst="flowChartProcess">
-            <a:avLst/>
-          </a:prstGeom>
-          <a:ln/>
-        </p:spPr>
-        <p:style>
-          <a:lnRef idx="1">
-            <a:schemeClr val="accent3"/>
-          </a:lnRef>
-          <a:fillRef idx="2">
-            <a:schemeClr val="accent3"/>
-          </a:fillRef>
-          <a:effectRef idx="1">
-            <a:schemeClr val="accent3"/>
-          </a:effectRef>
-          <a:fontRef idx="minor">
-            <a:schemeClr val="dk1"/>
-          </a:fontRef>
-        </p:style>
-        <p:txBody>
-          <a:bodyPr rtlCol="0" anchor="ctr"/>
-          <a:lstStyle/>
-          <a:p>
-            <a:pPr algn="ctr"/>
-            <a:endParaRPr lang="ko-KR" altLang="en-US" dirty="0"/>
-          </a:p>
-        </p:txBody>
-      </p:sp>
-      <p:pic>
-        <p:nvPicPr>
-          <p:cNvPr id="1026" name="Picture 2" descr="í¸ìì¹ì ëí ì´ë¯¸ì§ ê²ìê²°ê³¼">
-            <a:extLst>
-              <a:ext uri="{FF2B5EF4-FFF2-40B4-BE49-F238E27FC236}">
-                <a16:creationId xmlns:a16="http://schemas.microsoft.com/office/drawing/2014/main" id="{0CF2EE97-92C1-4E6F-BF0D-AB612461053A}"/>
-              </a:ext>
-            </a:extLst>
-          </p:cNvPr>
-          <p:cNvPicPr>
-            <a:picLocks noChangeAspect="1" noChangeArrowheads="1"/>
-          </p:cNvPicPr>
-          <p:nvPr/>
-        </p:nvPicPr>
-        <p:blipFill>
-          <a:blip r:embed="rId2">
-            <a:extLst>
-              <a:ext uri="{28A0092B-C50C-407E-A947-70E740481C1C}">
-                <a14:useLocalDpi xmlns:a14="http://schemas.microsoft.com/office/drawing/2010/main" val="0"/>
-              </a:ext>
-            </a:extLst>
-          </a:blip>
-          <a:srcRect/>
-          <a:stretch>
-            <a:fillRect/>
-          </a:stretch>
-        </p:blipFill>
-        <p:spPr bwMode="auto">
-          <a:xfrm>
-            <a:off x="4391012" y="231508"/>
-            <a:ext cx="1570375" cy="931842"/>
-          </a:xfrm>
-          <a:prstGeom prst="rect">
-            <a:avLst/>
-          </a:prstGeom>
-          <a:noFill/>
-          <a:extLst>
-            <a:ext uri="{909E8E84-426E-40DD-AFC4-6F175D3DCCD1}">
-              <a14:hiddenFill xmlns:a14="http://schemas.microsoft.com/office/drawing/2010/main">
-                <a:solidFill>
-                  <a:srgbClr val="FFFFFF"/>
-                </a:solidFill>
-              </a14:hiddenFill>
-            </a:ext>
-          </a:extLst>
-        </p:spPr>
-      </p:pic>
-      <p:sp>
-        <p:nvSpPr>
-          <p:cNvPr id="9" name="TextBox 8">
-            <a:extLst>
-              <a:ext uri="{FF2B5EF4-FFF2-40B4-BE49-F238E27FC236}">
-                <a16:creationId xmlns:a16="http://schemas.microsoft.com/office/drawing/2014/main" id="{A5894C39-C20F-4152-A926-BDCDEBC9EFDC}"/>
-              </a:ext>
-            </a:extLst>
-          </p:cNvPr>
-          <p:cNvSpPr txBox="1"/>
-          <p:nvPr/>
-        </p:nvSpPr>
-        <p:spPr>
-          <a:xfrm>
-            <a:off x="4469939" y="1196799"/>
-            <a:ext cx="1491448" cy="646331"/>
-          </a:xfrm>
-          <a:prstGeom prst="rect">
-            <a:avLst/>
-          </a:prstGeom>
-          <a:noFill/>
-        </p:spPr>
-        <p:txBody>
-          <a:bodyPr wrap="square" rtlCol="0">
-            <a:spAutoFit/>
-          </a:bodyPr>
-          <a:lstStyle/>
-          <a:p>
-            <a:r>
-              <a:rPr lang="ko-KR" altLang="en-US" dirty="0"/>
-              <a:t>스트리밍</a:t>
-            </a:r>
-            <a:endParaRPr lang="en-US" altLang="ko-KR" dirty="0"/>
-          </a:p>
-          <a:p>
-            <a:r>
-              <a:rPr lang="ko-KR" altLang="en-US" dirty="0"/>
-              <a:t>데이터 발생</a:t>
-            </a:r>
-          </a:p>
-        </p:txBody>
-      </p:sp>
-      <p:sp>
-        <p:nvSpPr>
-          <p:cNvPr id="11" name="TextBox 10">
-            <a:extLst>
-              <a:ext uri="{FF2B5EF4-FFF2-40B4-BE49-F238E27FC236}">
-                <a16:creationId xmlns:a16="http://schemas.microsoft.com/office/drawing/2014/main" id="{DE1422A8-457D-4418-A6EB-734F26006B6E}"/>
-              </a:ext>
-            </a:extLst>
-          </p:cNvPr>
-          <p:cNvSpPr txBox="1"/>
-          <p:nvPr/>
-        </p:nvSpPr>
-        <p:spPr>
-          <a:xfrm>
-            <a:off x="1714942" y="1835315"/>
-            <a:ext cx="1993003" cy="984885"/>
-          </a:xfrm>
-          <a:prstGeom prst="rect">
-            <a:avLst/>
-          </a:prstGeom>
-          <a:noFill/>
-        </p:spPr>
-        <p:txBody>
-          <a:bodyPr wrap="square" rtlCol="0">
-            <a:spAutoFit/>
-          </a:bodyPr>
-          <a:lstStyle/>
-          <a:p>
-            <a:r>
-              <a:rPr lang="ko-KR" altLang="en-US" sz="1600" dirty="0"/>
-              <a:t>데이터수집 시스템</a:t>
-            </a:r>
-            <a:endParaRPr lang="en-US" altLang="ko-KR" dirty="0"/>
-          </a:p>
-          <a:p>
-            <a:r>
-              <a:rPr lang="en-US" altLang="ko-KR" sz="1400" dirty="0"/>
-              <a:t>(Chatty,</a:t>
-            </a:r>
-          </a:p>
-          <a:p>
-            <a:r>
-              <a:rPr lang="en-US" altLang="ko-KR" sz="1400" dirty="0"/>
-              <a:t>Twitch </a:t>
-            </a:r>
-          </a:p>
-          <a:p>
-            <a:r>
-              <a:rPr lang="en-US" altLang="ko-KR" sz="1400" dirty="0"/>
-              <a:t>API request)</a:t>
-            </a:r>
-          </a:p>
-        </p:txBody>
-      </p:sp>
-      <p:sp>
-        <p:nvSpPr>
-          <p:cNvPr id="12" name="순서도: 처리 11">
-            <a:extLst>
-              <a:ext uri="{FF2B5EF4-FFF2-40B4-BE49-F238E27FC236}">
-                <a16:creationId xmlns:a16="http://schemas.microsoft.com/office/drawing/2014/main" id="{E406DE63-494F-40F7-AC6B-A4F15927CF2D}"/>
-              </a:ext>
-            </a:extLst>
-          </p:cNvPr>
-          <p:cNvSpPr/>
-          <p:nvPr/>
-        </p:nvSpPr>
-        <p:spPr>
-          <a:xfrm>
-            <a:off x="4264149" y="5027228"/>
-            <a:ext cx="1570375" cy="1158331"/>
-          </a:xfrm>
-          <a:prstGeom prst="flowChartProcess">
-            <a:avLst/>
-          </a:prstGeom>
-          <a:ln/>
-        </p:spPr>
-        <p:style>
-          <a:lnRef idx="1">
-            <a:schemeClr val="accent3"/>
-          </a:lnRef>
-          <a:fillRef idx="2">
-            <a:schemeClr val="accent3"/>
-          </a:fillRef>
-          <a:effectRef idx="1">
-            <a:schemeClr val="accent3"/>
-          </a:effectRef>
-          <a:fontRef idx="minor">
-            <a:schemeClr val="dk1"/>
-          </a:fontRef>
-        </p:style>
-        <p:txBody>
-          <a:bodyPr rtlCol="0" anchor="ctr"/>
-          <a:lstStyle/>
-          <a:p>
-            <a:pPr algn="ctr"/>
-            <a:endParaRPr lang="ko-KR" altLang="en-US" dirty="0"/>
-          </a:p>
-        </p:txBody>
-      </p:sp>
-      <p:sp>
-        <p:nvSpPr>
-          <p:cNvPr id="10" name="순서도: 자기 디스크 9">
-            <a:extLst>
-              <a:ext uri="{FF2B5EF4-FFF2-40B4-BE49-F238E27FC236}">
-                <a16:creationId xmlns:a16="http://schemas.microsoft.com/office/drawing/2014/main" id="{0F900185-E95C-4A89-9096-B7882CC682C6}"/>
-              </a:ext>
-            </a:extLst>
-          </p:cNvPr>
-          <p:cNvSpPr/>
-          <p:nvPr/>
-        </p:nvSpPr>
-        <p:spPr>
-          <a:xfrm>
-            <a:off x="1727446" y="3877323"/>
-            <a:ext cx="1775534" cy="2130641"/>
-          </a:xfrm>
-          <a:prstGeom prst="flowChartMagneticDisk">
-            <a:avLst/>
-          </a:prstGeom>
-        </p:spPr>
-        <p:style>
-          <a:lnRef idx="3">
-            <a:schemeClr val="lt1"/>
-          </a:lnRef>
-          <a:fillRef idx="1">
-            <a:schemeClr val="accent3"/>
-          </a:fillRef>
-          <a:effectRef idx="1">
-            <a:schemeClr val="accent3"/>
-          </a:effectRef>
-          <a:fontRef idx="minor">
-            <a:schemeClr val="lt1"/>
-          </a:fontRef>
-        </p:style>
-        <p:txBody>
-          <a:bodyPr rtlCol="0" anchor="ctr"/>
-          <a:lstStyle/>
-          <a:p>
-            <a:pPr algn="ctr"/>
-            <a:endParaRPr lang="ko-KR" altLang="en-US"/>
-          </a:p>
-        </p:txBody>
-      </p:sp>
-      <p:sp>
-        <p:nvSpPr>
-          <p:cNvPr id="15" name="TextBox 14">
-            <a:extLst>
-              <a:ext uri="{FF2B5EF4-FFF2-40B4-BE49-F238E27FC236}">
-                <a16:creationId xmlns:a16="http://schemas.microsoft.com/office/drawing/2014/main" id="{40386C45-3AC1-4B1D-B4C6-B685061B1AC0}"/>
-              </a:ext>
-            </a:extLst>
-          </p:cNvPr>
-          <p:cNvSpPr txBox="1"/>
-          <p:nvPr/>
-        </p:nvSpPr>
-        <p:spPr>
-          <a:xfrm>
-            <a:off x="1777014" y="4684269"/>
-            <a:ext cx="1775534" cy="861774"/>
-          </a:xfrm>
-          <a:prstGeom prst="rect">
-            <a:avLst/>
-          </a:prstGeom>
-          <a:noFill/>
-        </p:spPr>
-        <p:txBody>
-          <a:bodyPr wrap="square" rtlCol="0">
-            <a:spAutoFit/>
-          </a:bodyPr>
-          <a:lstStyle/>
-          <a:p>
-            <a:r>
-              <a:rPr lang="en-US" altLang="ko-KR" dirty="0"/>
-              <a:t>Low</a:t>
-            </a:r>
-            <a:r>
-              <a:rPr lang="ko-KR" altLang="en-US" dirty="0"/>
-              <a:t> </a:t>
-            </a:r>
-            <a:r>
-              <a:rPr lang="en-US" altLang="ko-KR" dirty="0"/>
-              <a:t>Data</a:t>
-            </a:r>
-          </a:p>
-          <a:p>
-            <a:r>
-              <a:rPr lang="en-US" altLang="ko-KR" dirty="0"/>
-              <a:t>Database</a:t>
-            </a:r>
-          </a:p>
-          <a:p>
-            <a:r>
-              <a:rPr lang="en-US" altLang="ko-KR" sz="1400" dirty="0"/>
-              <a:t>(</a:t>
-            </a:r>
-            <a:r>
-              <a:rPr lang="en-US" altLang="ko-KR" sz="1400" dirty="0" err="1"/>
-              <a:t>RDMBS_MariaDB</a:t>
-            </a:r>
-            <a:r>
-              <a:rPr lang="en-US" altLang="ko-KR" sz="1400" dirty="0"/>
-              <a:t>)</a:t>
-            </a:r>
-          </a:p>
-        </p:txBody>
-      </p:sp>
-      <p:sp>
-        <p:nvSpPr>
-          <p:cNvPr id="14" name="화살표: 아래쪽 13">
-            <a:extLst>
-              <a:ext uri="{FF2B5EF4-FFF2-40B4-BE49-F238E27FC236}">
-                <a16:creationId xmlns:a16="http://schemas.microsoft.com/office/drawing/2014/main" id="{4B205031-7BDC-43CC-A368-F56532618B23}"/>
-              </a:ext>
-            </a:extLst>
-          </p:cNvPr>
-          <p:cNvSpPr/>
-          <p:nvPr/>
-        </p:nvSpPr>
-        <p:spPr>
-          <a:xfrm>
-            <a:off x="2397710" y="3356741"/>
-            <a:ext cx="435006" cy="448323"/>
-          </a:xfrm>
-          <a:prstGeom prst="downArrow">
-            <a:avLst/>
-          </a:prstGeom>
-        </p:spPr>
-        <p:style>
-          <a:lnRef idx="3">
-            <a:schemeClr val="lt1"/>
-          </a:lnRef>
-          <a:fillRef idx="1">
-            <a:schemeClr val="dk1"/>
-          </a:fillRef>
-          <a:effectRef idx="1">
-            <a:schemeClr val="dk1"/>
-          </a:effectRef>
-          <a:fontRef idx="minor">
-            <a:schemeClr val="lt1"/>
-          </a:fontRef>
-        </p:style>
-        <p:txBody>
-          <a:bodyPr rtlCol="0" anchor="ctr"/>
-          <a:lstStyle/>
-          <a:p>
-            <a:pPr algn="ctr"/>
-            <a:endParaRPr lang="ko-KR" altLang="en-US"/>
-          </a:p>
-        </p:txBody>
-      </p:sp>
-      <p:sp>
-        <p:nvSpPr>
-          <p:cNvPr id="17" name="화살표: 아래쪽 16">
-            <a:extLst>
-              <a:ext uri="{FF2B5EF4-FFF2-40B4-BE49-F238E27FC236}">
-                <a16:creationId xmlns:a16="http://schemas.microsoft.com/office/drawing/2014/main" id="{751821A0-236B-4A62-B641-742825FFF526}"/>
-              </a:ext>
-            </a:extLst>
-          </p:cNvPr>
-          <p:cNvSpPr/>
-          <p:nvPr/>
-        </p:nvSpPr>
-        <p:spPr>
-          <a:xfrm rot="3371226">
-            <a:off x="3866225" y="1554941"/>
-            <a:ext cx="435006" cy="448323"/>
-          </a:xfrm>
-          <a:prstGeom prst="downArrow">
-            <a:avLst/>
-          </a:prstGeom>
-        </p:spPr>
-        <p:style>
-          <a:lnRef idx="3">
-            <a:schemeClr val="lt1"/>
-          </a:lnRef>
-          <a:fillRef idx="1">
-            <a:schemeClr val="dk1"/>
-          </a:fillRef>
-          <a:effectRef idx="1">
-            <a:schemeClr val="dk1"/>
-          </a:effectRef>
-          <a:fontRef idx="minor">
-            <a:schemeClr val="lt1"/>
-          </a:fontRef>
-        </p:style>
-        <p:txBody>
-          <a:bodyPr rtlCol="0" anchor="ctr"/>
-          <a:lstStyle/>
-          <a:p>
-            <a:pPr algn="ctr"/>
-            <a:endParaRPr lang="ko-KR" altLang="en-US"/>
-          </a:p>
-        </p:txBody>
-      </p:sp>
-      <p:sp>
-        <p:nvSpPr>
-          <p:cNvPr id="18" name="화살표: 아래쪽 17">
-            <a:extLst>
-              <a:ext uri="{FF2B5EF4-FFF2-40B4-BE49-F238E27FC236}">
-                <a16:creationId xmlns:a16="http://schemas.microsoft.com/office/drawing/2014/main" id="{AF229895-AEFC-4A8A-84FA-C3B2B191AD83}"/>
-              </a:ext>
-            </a:extLst>
-          </p:cNvPr>
-          <p:cNvSpPr/>
-          <p:nvPr/>
-        </p:nvSpPr>
-        <p:spPr>
-          <a:xfrm rot="16200000">
-            <a:off x="3684510" y="5104378"/>
-            <a:ext cx="435006" cy="448323"/>
-          </a:xfrm>
-          <a:prstGeom prst="downArrow">
-            <a:avLst/>
-          </a:prstGeom>
-        </p:spPr>
-        <p:style>
-          <a:lnRef idx="3">
-            <a:schemeClr val="lt1"/>
-          </a:lnRef>
-          <a:fillRef idx="1">
-            <a:schemeClr val="dk1"/>
-          </a:fillRef>
-          <a:effectRef idx="1">
-            <a:schemeClr val="dk1"/>
-          </a:effectRef>
-          <a:fontRef idx="minor">
-            <a:schemeClr val="lt1"/>
-          </a:fontRef>
-        </p:style>
-        <p:txBody>
-          <a:bodyPr rtlCol="0" anchor="ctr"/>
-          <a:lstStyle/>
-          <a:p>
-            <a:pPr algn="ctr"/>
-            <a:endParaRPr lang="ko-KR" altLang="en-US"/>
-          </a:p>
-        </p:txBody>
-      </p:sp>
-      <p:sp>
-        <p:nvSpPr>
-          <p:cNvPr id="19" name="TextBox 18">
-            <a:extLst>
-              <a:ext uri="{FF2B5EF4-FFF2-40B4-BE49-F238E27FC236}">
-                <a16:creationId xmlns:a16="http://schemas.microsoft.com/office/drawing/2014/main" id="{78250E31-E356-407D-9F9E-7D13B5CCDA6B}"/>
-              </a:ext>
-            </a:extLst>
-          </p:cNvPr>
-          <p:cNvSpPr txBox="1"/>
-          <p:nvPr/>
-        </p:nvSpPr>
-        <p:spPr>
-          <a:xfrm>
-            <a:off x="4259321" y="5187493"/>
-            <a:ext cx="1575204" cy="892552"/>
-          </a:xfrm>
-          <a:prstGeom prst="rect">
-            <a:avLst/>
-          </a:prstGeom>
-          <a:noFill/>
-        </p:spPr>
-        <p:txBody>
-          <a:bodyPr wrap="square" rtlCol="0">
-            <a:spAutoFit/>
-          </a:bodyPr>
-          <a:lstStyle/>
-          <a:p>
-            <a:r>
-              <a:rPr lang="ko-KR" altLang="en-US" sz="1600" dirty="0" err="1"/>
-              <a:t>전처리</a:t>
-            </a:r>
-            <a:r>
-              <a:rPr lang="ko-KR" altLang="en-US" sz="1600" dirty="0"/>
-              <a:t> 시스템</a:t>
-            </a:r>
-            <a:endParaRPr lang="en-US" altLang="ko-KR" sz="1600" dirty="0"/>
-          </a:p>
-          <a:p>
-            <a:r>
-              <a:rPr lang="en-US" altLang="ko-KR" sz="1200" dirty="0"/>
-              <a:t>(</a:t>
-            </a:r>
-            <a:r>
-              <a:rPr lang="ko-KR" altLang="en-US" sz="1200" dirty="0"/>
-              <a:t>형태소 분석기</a:t>
-            </a:r>
-            <a:r>
-              <a:rPr lang="en-US" altLang="ko-KR" sz="1200" dirty="0"/>
-              <a:t>,</a:t>
-            </a:r>
-          </a:p>
-          <a:p>
-            <a:r>
-              <a:rPr lang="en-US" altLang="ko-KR" sz="1200" dirty="0"/>
-              <a:t>Pandas</a:t>
-            </a:r>
-          </a:p>
-          <a:p>
-            <a:r>
-              <a:rPr lang="ko-KR" altLang="en-US" sz="1200" dirty="0"/>
-              <a:t>데이터 프레임</a:t>
-            </a:r>
-            <a:r>
-              <a:rPr lang="en-US" altLang="ko-KR" sz="1200" dirty="0"/>
-              <a:t>)</a:t>
-            </a:r>
-            <a:endParaRPr lang="en-US" altLang="ko-KR" sz="1400" dirty="0"/>
-          </a:p>
-        </p:txBody>
-      </p:sp>
-      <p:sp>
-        <p:nvSpPr>
-          <p:cNvPr id="20" name="순서도: 자기 디스크 19">
-            <a:extLst>
-              <a:ext uri="{FF2B5EF4-FFF2-40B4-BE49-F238E27FC236}">
-                <a16:creationId xmlns:a16="http://schemas.microsoft.com/office/drawing/2014/main" id="{77FA884B-18F1-4FF7-81E9-4538231BA8D8}"/>
-              </a:ext>
-            </a:extLst>
-          </p:cNvPr>
-          <p:cNvSpPr/>
-          <p:nvPr/>
-        </p:nvSpPr>
-        <p:spPr>
-          <a:xfrm>
-            <a:off x="6525326" y="4731648"/>
-            <a:ext cx="1570375" cy="1590550"/>
-          </a:xfrm>
-          <a:prstGeom prst="flowChartMagneticDisk">
-            <a:avLst/>
-          </a:prstGeom>
-        </p:spPr>
-        <p:style>
-          <a:lnRef idx="3">
-            <a:schemeClr val="lt1"/>
-          </a:lnRef>
-          <a:fillRef idx="1">
-            <a:schemeClr val="accent3"/>
-          </a:fillRef>
-          <a:effectRef idx="1">
-            <a:schemeClr val="accent3"/>
-          </a:effectRef>
-          <a:fontRef idx="minor">
-            <a:schemeClr val="lt1"/>
-          </a:fontRef>
-        </p:style>
-        <p:txBody>
-          <a:bodyPr rtlCol="0" anchor="ctr"/>
-          <a:lstStyle/>
-          <a:p>
-            <a:pPr algn="ctr"/>
-            <a:endParaRPr lang="ko-KR" altLang="en-US" dirty="0"/>
-          </a:p>
-        </p:txBody>
-      </p:sp>
-      <p:sp>
-        <p:nvSpPr>
-          <p:cNvPr id="21" name="TextBox 20">
-            <a:extLst>
-              <a:ext uri="{FF2B5EF4-FFF2-40B4-BE49-F238E27FC236}">
-                <a16:creationId xmlns:a16="http://schemas.microsoft.com/office/drawing/2014/main" id="{83F4AD10-CC05-4880-BC29-746B366061E8}"/>
-              </a:ext>
-            </a:extLst>
-          </p:cNvPr>
-          <p:cNvSpPr txBox="1"/>
-          <p:nvPr/>
-        </p:nvSpPr>
-        <p:spPr>
-          <a:xfrm>
-            <a:off x="6570066" y="5109986"/>
-            <a:ext cx="1570375" cy="1200329"/>
-          </a:xfrm>
-          <a:prstGeom prst="rect">
-            <a:avLst/>
-          </a:prstGeom>
-          <a:noFill/>
-        </p:spPr>
-        <p:txBody>
-          <a:bodyPr wrap="square" rtlCol="0">
-            <a:spAutoFit/>
-          </a:bodyPr>
-          <a:lstStyle/>
-          <a:p>
-            <a:r>
-              <a:rPr lang="en-US" altLang="ko-KR" dirty="0"/>
-              <a:t>Pre-processed Database</a:t>
-            </a:r>
-          </a:p>
-          <a:p>
-            <a:r>
-              <a:rPr lang="en-US" altLang="ko-KR" sz="1600" dirty="0"/>
-              <a:t>(file)</a:t>
-            </a:r>
-            <a:endParaRPr lang="en-US" altLang="ko-KR" dirty="0"/>
-          </a:p>
-        </p:txBody>
-      </p:sp>
-      <p:sp>
-        <p:nvSpPr>
-          <p:cNvPr id="22" name="화살표: 아래쪽 21">
-            <a:extLst>
-              <a:ext uri="{FF2B5EF4-FFF2-40B4-BE49-F238E27FC236}">
-                <a16:creationId xmlns:a16="http://schemas.microsoft.com/office/drawing/2014/main" id="{19140C2A-4A3C-49B8-87EB-A2A67F98781F}"/>
-              </a:ext>
-            </a:extLst>
-          </p:cNvPr>
-          <p:cNvSpPr/>
-          <p:nvPr/>
-        </p:nvSpPr>
-        <p:spPr>
-          <a:xfrm rot="16200000">
-            <a:off x="5990917" y="5190380"/>
-            <a:ext cx="435006" cy="448323"/>
-          </a:xfrm>
-          <a:prstGeom prst="downArrow">
-            <a:avLst/>
-          </a:prstGeom>
-        </p:spPr>
-        <p:style>
-          <a:lnRef idx="3">
-            <a:schemeClr val="lt1"/>
-          </a:lnRef>
-          <a:fillRef idx="1">
-            <a:schemeClr val="dk1"/>
-          </a:fillRef>
-          <a:effectRef idx="1">
-            <a:schemeClr val="dk1"/>
-          </a:effectRef>
-          <a:fontRef idx="minor">
-            <a:schemeClr val="lt1"/>
-          </a:fontRef>
-        </p:style>
-        <p:txBody>
-          <a:bodyPr rtlCol="0" anchor="ctr"/>
-          <a:lstStyle/>
-          <a:p>
-            <a:pPr algn="ctr"/>
-            <a:endParaRPr lang="ko-KR" altLang="en-US"/>
-          </a:p>
-        </p:txBody>
-      </p:sp>
-      <p:sp>
-        <p:nvSpPr>
-          <p:cNvPr id="23" name="순서도: 처리 22">
-            <a:extLst>
-              <a:ext uri="{FF2B5EF4-FFF2-40B4-BE49-F238E27FC236}">
-                <a16:creationId xmlns:a16="http://schemas.microsoft.com/office/drawing/2014/main" id="{895917F6-341E-45B0-944D-936D9CDC090E}"/>
-              </a:ext>
-            </a:extLst>
-          </p:cNvPr>
-          <p:cNvSpPr/>
-          <p:nvPr/>
-        </p:nvSpPr>
-        <p:spPr>
-          <a:xfrm>
-            <a:off x="8853164" y="4456340"/>
-            <a:ext cx="1570375" cy="1845882"/>
-          </a:xfrm>
-          <a:prstGeom prst="flowChartProcess">
-            <a:avLst/>
-          </a:prstGeom>
-          <a:ln/>
-        </p:spPr>
-        <p:style>
-          <a:lnRef idx="1">
-            <a:schemeClr val="accent3"/>
-          </a:lnRef>
-          <a:fillRef idx="2">
-            <a:schemeClr val="accent3"/>
-          </a:fillRef>
-          <a:effectRef idx="1">
-            <a:schemeClr val="accent3"/>
-          </a:effectRef>
-          <a:fontRef idx="minor">
-            <a:schemeClr val="dk1"/>
-          </a:fontRef>
-        </p:style>
-        <p:txBody>
-          <a:bodyPr rtlCol="0" anchor="ctr"/>
-          <a:lstStyle/>
-          <a:p>
-            <a:pPr algn="ctr"/>
-            <a:endParaRPr lang="ko-KR" altLang="en-US" dirty="0"/>
-          </a:p>
-        </p:txBody>
-      </p:sp>
-      <p:sp>
-        <p:nvSpPr>
-          <p:cNvPr id="24" name="화살표: 아래쪽 23">
-            <a:extLst>
-              <a:ext uri="{FF2B5EF4-FFF2-40B4-BE49-F238E27FC236}">
-                <a16:creationId xmlns:a16="http://schemas.microsoft.com/office/drawing/2014/main" id="{E01A83EB-2854-4602-B157-83853CC5BF4A}"/>
-              </a:ext>
-            </a:extLst>
-          </p:cNvPr>
-          <p:cNvSpPr/>
-          <p:nvPr/>
-        </p:nvSpPr>
-        <p:spPr>
-          <a:xfrm rot="16200000">
-            <a:off x="8259878" y="5104920"/>
-            <a:ext cx="435006" cy="448323"/>
-          </a:xfrm>
-          <a:prstGeom prst="downArrow">
-            <a:avLst/>
-          </a:prstGeom>
-        </p:spPr>
-        <p:style>
-          <a:lnRef idx="3">
-            <a:schemeClr val="lt1"/>
-          </a:lnRef>
-          <a:fillRef idx="1">
-            <a:schemeClr val="dk1"/>
-          </a:fillRef>
-          <a:effectRef idx="1">
-            <a:schemeClr val="dk1"/>
-          </a:effectRef>
-          <a:fontRef idx="minor">
-            <a:schemeClr val="lt1"/>
-          </a:fontRef>
-        </p:style>
-        <p:txBody>
-          <a:bodyPr rtlCol="0" anchor="ctr"/>
-          <a:lstStyle/>
-          <a:p>
-            <a:pPr algn="ctr"/>
-            <a:endParaRPr lang="ko-KR" altLang="en-US"/>
-          </a:p>
-        </p:txBody>
-      </p:sp>
-      <p:sp>
-        <p:nvSpPr>
-          <p:cNvPr id="25" name="TextBox 24">
-            <a:extLst>
-              <a:ext uri="{FF2B5EF4-FFF2-40B4-BE49-F238E27FC236}">
-                <a16:creationId xmlns:a16="http://schemas.microsoft.com/office/drawing/2014/main" id="{F14AB434-34A2-42FB-917A-C7F4B6FC3B21}"/>
-              </a:ext>
-            </a:extLst>
-          </p:cNvPr>
-          <p:cNvSpPr txBox="1"/>
-          <p:nvPr/>
-        </p:nvSpPr>
-        <p:spPr>
-          <a:xfrm>
-            <a:off x="9018683" y="4786877"/>
-            <a:ext cx="1392046" cy="1200329"/>
-          </a:xfrm>
-          <a:prstGeom prst="rect">
-            <a:avLst/>
-          </a:prstGeom>
-          <a:noFill/>
-        </p:spPr>
-        <p:txBody>
-          <a:bodyPr wrap="square" rtlCol="0">
-            <a:spAutoFit/>
-          </a:bodyPr>
-          <a:lstStyle/>
-          <a:p>
-            <a:r>
-              <a:rPr lang="ko-KR" altLang="en-US" sz="2000" dirty="0" err="1"/>
-              <a:t>편집점</a:t>
-            </a:r>
-            <a:endParaRPr lang="en-US" altLang="ko-KR" sz="2000" dirty="0"/>
-          </a:p>
-          <a:p>
-            <a:r>
-              <a:rPr lang="ko-KR" altLang="en-US" sz="2000" dirty="0"/>
-              <a:t>분석</a:t>
-            </a:r>
-            <a:endParaRPr lang="en-US" altLang="ko-KR" sz="2000" dirty="0"/>
-          </a:p>
-          <a:p>
-            <a:r>
-              <a:rPr lang="ko-KR" altLang="en-US" sz="2000" dirty="0"/>
-              <a:t>시스템</a:t>
-            </a:r>
-            <a:endParaRPr lang="en-US" altLang="ko-KR" sz="2000" dirty="0"/>
-          </a:p>
-          <a:p>
-            <a:r>
-              <a:rPr lang="en-US" altLang="ko-KR" sz="1200" dirty="0"/>
-              <a:t>(</a:t>
-            </a:r>
-            <a:r>
-              <a:rPr lang="en-US" altLang="ko-KR" sz="1200" dirty="0" err="1"/>
-              <a:t>sklearn</a:t>
-            </a:r>
-            <a:r>
-              <a:rPr lang="en-US" altLang="ko-KR" sz="1200" dirty="0"/>
-              <a:t>, pandas)</a:t>
-            </a:r>
-            <a:endParaRPr lang="en-US" altLang="ko-KR" sz="1400" dirty="0"/>
-          </a:p>
-        </p:txBody>
-      </p:sp>
-      <p:sp>
-        <p:nvSpPr>
-          <p:cNvPr id="26" name="순서도: 자기 디스크 25">
-            <a:extLst>
-              <a:ext uri="{FF2B5EF4-FFF2-40B4-BE49-F238E27FC236}">
-                <a16:creationId xmlns:a16="http://schemas.microsoft.com/office/drawing/2014/main" id="{1D0894D5-7DF6-4C6D-8F43-B14A7CE2F18A}"/>
-              </a:ext>
-            </a:extLst>
-          </p:cNvPr>
-          <p:cNvSpPr/>
-          <p:nvPr/>
-        </p:nvSpPr>
-        <p:spPr>
-          <a:xfrm>
-            <a:off x="8840353" y="1312387"/>
-            <a:ext cx="1570375" cy="1590550"/>
-          </a:xfrm>
-          <a:prstGeom prst="flowChartMagneticDisk">
-            <a:avLst/>
-          </a:prstGeom>
-        </p:spPr>
-        <p:style>
-          <a:lnRef idx="3">
-            <a:schemeClr val="lt1"/>
-          </a:lnRef>
-          <a:fillRef idx="1">
-            <a:schemeClr val="accent3"/>
-          </a:fillRef>
-          <a:effectRef idx="1">
-            <a:schemeClr val="accent3"/>
-          </a:effectRef>
-          <a:fontRef idx="minor">
-            <a:schemeClr val="lt1"/>
-          </a:fontRef>
-        </p:style>
-        <p:txBody>
-          <a:bodyPr rtlCol="0" anchor="ctr"/>
-          <a:lstStyle/>
-          <a:p>
-            <a:pPr algn="ctr"/>
-            <a:endParaRPr lang="ko-KR" altLang="en-US"/>
-          </a:p>
-        </p:txBody>
-      </p:sp>
-      <p:sp>
-        <p:nvSpPr>
-          <p:cNvPr id="27" name="TextBox 26">
-            <a:extLst>
-              <a:ext uri="{FF2B5EF4-FFF2-40B4-BE49-F238E27FC236}">
-                <a16:creationId xmlns:a16="http://schemas.microsoft.com/office/drawing/2014/main" id="{EFAA18CD-6BB7-4CF8-ACF9-AB948F42425B}"/>
-              </a:ext>
-            </a:extLst>
-          </p:cNvPr>
-          <p:cNvSpPr txBox="1"/>
-          <p:nvPr/>
-        </p:nvSpPr>
-        <p:spPr>
-          <a:xfrm>
-            <a:off x="9011837" y="1846841"/>
-            <a:ext cx="1221969" cy="892552"/>
-          </a:xfrm>
-          <a:prstGeom prst="rect">
-            <a:avLst/>
-          </a:prstGeom>
-          <a:noFill/>
-        </p:spPr>
-        <p:txBody>
-          <a:bodyPr wrap="square" rtlCol="0">
-            <a:spAutoFit/>
-          </a:bodyPr>
-          <a:lstStyle/>
-          <a:p>
-            <a:r>
-              <a:rPr lang="en-US" altLang="ko-KR" dirty="0" err="1"/>
-              <a:t>Analized</a:t>
-            </a:r>
-            <a:endParaRPr lang="en-US" altLang="ko-KR" dirty="0"/>
-          </a:p>
-          <a:p>
-            <a:r>
-              <a:rPr lang="en-US" altLang="ko-KR" dirty="0"/>
-              <a:t>Database</a:t>
-            </a:r>
-          </a:p>
-          <a:p>
-            <a:r>
-              <a:rPr lang="en-US" altLang="ko-KR" sz="1600" dirty="0"/>
-              <a:t>(file)</a:t>
-            </a:r>
-            <a:endParaRPr lang="en-US" altLang="ko-KR" dirty="0"/>
-          </a:p>
-        </p:txBody>
-      </p:sp>
-      <p:sp>
-        <p:nvSpPr>
-          <p:cNvPr id="28" name="화살표: 아래쪽 27">
-            <a:extLst>
-              <a:ext uri="{FF2B5EF4-FFF2-40B4-BE49-F238E27FC236}">
-                <a16:creationId xmlns:a16="http://schemas.microsoft.com/office/drawing/2014/main" id="{97E752E8-AB8C-4D64-BA0B-15B4479927A9}"/>
-              </a:ext>
-            </a:extLst>
-          </p:cNvPr>
-          <p:cNvSpPr/>
-          <p:nvPr/>
-        </p:nvSpPr>
-        <p:spPr>
-          <a:xfrm rot="10800000">
-            <a:off x="9408297" y="3955064"/>
-            <a:ext cx="435006" cy="448323"/>
-          </a:xfrm>
-          <a:prstGeom prst="downArrow">
-            <a:avLst/>
-          </a:prstGeom>
-        </p:spPr>
-        <p:style>
-          <a:lnRef idx="3">
-            <a:schemeClr val="lt1"/>
-          </a:lnRef>
-          <a:fillRef idx="1">
-            <a:schemeClr val="dk1"/>
-          </a:fillRef>
-          <a:effectRef idx="1">
-            <a:schemeClr val="dk1"/>
-          </a:effectRef>
-          <a:fontRef idx="minor">
-            <a:schemeClr val="lt1"/>
-          </a:fontRef>
-        </p:style>
-        <p:txBody>
-          <a:bodyPr rtlCol="0" anchor="ctr"/>
-          <a:lstStyle/>
-          <a:p>
-            <a:pPr algn="ctr"/>
-            <a:endParaRPr lang="ko-KR" altLang="en-US"/>
-          </a:p>
-        </p:txBody>
-      </p:sp>
-      <p:sp>
-        <p:nvSpPr>
-          <p:cNvPr id="29" name="순서도: 처리 28">
-            <a:extLst>
-              <a:ext uri="{FF2B5EF4-FFF2-40B4-BE49-F238E27FC236}">
-                <a16:creationId xmlns:a16="http://schemas.microsoft.com/office/drawing/2014/main" id="{9E7D8332-A71B-4AE2-8A17-180958CA02E2}"/>
-              </a:ext>
-            </a:extLst>
-          </p:cNvPr>
-          <p:cNvSpPr/>
-          <p:nvPr/>
-        </p:nvSpPr>
-        <p:spPr>
-          <a:xfrm>
-            <a:off x="6553117" y="1798562"/>
-            <a:ext cx="1570375" cy="984885"/>
-          </a:xfrm>
-          <a:prstGeom prst="flowChartProcess">
-            <a:avLst/>
-          </a:prstGeom>
-          <a:ln/>
-        </p:spPr>
-        <p:style>
-          <a:lnRef idx="1">
-            <a:schemeClr val="accent3"/>
-          </a:lnRef>
-          <a:fillRef idx="2">
-            <a:schemeClr val="accent3"/>
-          </a:fillRef>
-          <a:effectRef idx="1">
-            <a:schemeClr val="accent3"/>
-          </a:effectRef>
-          <a:fontRef idx="minor">
-            <a:schemeClr val="dk1"/>
-          </a:fontRef>
-        </p:style>
-        <p:txBody>
-          <a:bodyPr rtlCol="0" anchor="ctr"/>
-          <a:lstStyle/>
-          <a:p>
-            <a:pPr algn="ctr"/>
-            <a:endParaRPr lang="ko-KR" altLang="en-US" dirty="0"/>
-          </a:p>
-        </p:txBody>
-      </p:sp>
-      <p:sp>
-        <p:nvSpPr>
-          <p:cNvPr id="31" name="TextBox 30">
-            <a:extLst>
-              <a:ext uri="{FF2B5EF4-FFF2-40B4-BE49-F238E27FC236}">
-                <a16:creationId xmlns:a16="http://schemas.microsoft.com/office/drawing/2014/main" id="{3693725E-AD92-4601-87CB-84305DC07637}"/>
-              </a:ext>
-            </a:extLst>
-          </p:cNvPr>
-          <p:cNvSpPr txBox="1"/>
-          <p:nvPr/>
-        </p:nvSpPr>
-        <p:spPr>
-          <a:xfrm>
-            <a:off x="6591254" y="2143063"/>
-            <a:ext cx="1554608" cy="400110"/>
-          </a:xfrm>
-          <a:prstGeom prst="rect">
-            <a:avLst/>
-          </a:prstGeom>
-          <a:noFill/>
-        </p:spPr>
-        <p:txBody>
-          <a:bodyPr wrap="square" rtlCol="0">
-            <a:spAutoFit/>
-          </a:bodyPr>
-          <a:lstStyle/>
-          <a:p>
-            <a:r>
-              <a:rPr lang="en-US" altLang="ko-KR" sz="2000" dirty="0"/>
-              <a:t>Web server</a:t>
-            </a:r>
-          </a:p>
-        </p:txBody>
-      </p:sp>
-      <p:sp>
-        <p:nvSpPr>
-          <p:cNvPr id="32" name="화살표: 아래쪽 31">
-            <a:extLst>
-              <a:ext uri="{FF2B5EF4-FFF2-40B4-BE49-F238E27FC236}">
-                <a16:creationId xmlns:a16="http://schemas.microsoft.com/office/drawing/2014/main" id="{A5020E18-50FC-4EA7-BC7B-1B6C3FED9EA0}"/>
-              </a:ext>
-            </a:extLst>
-          </p:cNvPr>
-          <p:cNvSpPr/>
-          <p:nvPr/>
-        </p:nvSpPr>
-        <p:spPr>
           <a:xfrm rot="5400000">
             <a:off x="8231250" y="2077901"/>
             <a:ext cx="435006" cy="448323"/>
@@ -5855,7 +5003,7 @@
         <p:spPr>
           <a:xfrm>
             <a:off x="202878" y="180250"/>
-            <a:ext cx="2454518" cy="369332"/>
+            <a:ext cx="4003019" cy="369332"/>
           </a:xfrm>
           <a:prstGeom prst="rect">
             <a:avLst/>
@@ -5873,7 +5021,7 @@
             </a:r>
             <a:r>
               <a:rPr lang="ko-KR" altLang="en-US" dirty="0"/>
-              <a:t>데이터 흐름에 따라</a:t>
+              <a:t>데이터 흐름에 따른 시스템 구성도</a:t>
             </a:r>
             <a:endParaRPr lang="en-US" altLang="ko-KR" dirty="0"/>
           </a:p>
@@ -7250,6 +6398,1634 @@
 </p:sld>
 </file>
 
+<file path=ppt/slides/slide3.xml><?xml version="1.0" encoding="utf-8"?>
+<p:sld xmlns:a="http://schemas.openxmlformats.org/drawingml/2006/main" xmlns:r="http://schemas.openxmlformats.org/officeDocument/2006/relationships" xmlns:p="http://schemas.openxmlformats.org/presentationml/2006/main">
+  <p:cSld>
+    <p:spTree>
+      <p:nvGrpSpPr>
+        <p:cNvPr id="1" name=""/>
+        <p:cNvGrpSpPr/>
+        <p:nvPr/>
+      </p:nvGrpSpPr>
+      <p:grpSpPr>
+        <a:xfrm>
+          <a:off x="0" y="0"/>
+          <a:ext cx="0" cy="0"/>
+          <a:chOff x="0" y="0"/>
+          <a:chExt cx="0" cy="0"/>
+        </a:xfrm>
+      </p:grpSpPr>
+      <p:sp>
+        <p:nvSpPr>
+          <p:cNvPr id="16" name="직사각형 15">
+            <a:extLst>
+              <a:ext uri="{FF2B5EF4-FFF2-40B4-BE49-F238E27FC236}">
+                <a16:creationId xmlns:a16="http://schemas.microsoft.com/office/drawing/2014/main" id="{3422E850-8580-445E-BDC2-0026F49B394D}"/>
+              </a:ext>
+            </a:extLst>
+          </p:cNvPr>
+          <p:cNvSpPr/>
+          <p:nvPr/>
+        </p:nvSpPr>
+        <p:spPr>
+          <a:xfrm>
+            <a:off x="202878" y="180250"/>
+            <a:ext cx="3541354" cy="369332"/>
+          </a:xfrm>
+          <a:prstGeom prst="rect">
+            <a:avLst/>
+          </a:prstGeom>
+        </p:spPr>
+        <p:txBody>
+          <a:bodyPr wrap="none">
+            <a:spAutoFit/>
+          </a:bodyPr>
+          <a:lstStyle/>
+          <a:p>
+            <a:r>
+              <a:rPr lang="en-US" altLang="ko-KR" dirty="0"/>
+              <a:t>2. </a:t>
+            </a:r>
+            <a:r>
+              <a:rPr lang="ko-KR" altLang="en-US" dirty="0"/>
+              <a:t>소프트웨어에 따른 기술 스택</a:t>
+            </a:r>
+            <a:endParaRPr lang="en-US" altLang="ko-KR" dirty="0"/>
+          </a:p>
+        </p:txBody>
+      </p:sp>
+      <p:cxnSp>
+        <p:nvCxnSpPr>
+          <p:cNvPr id="35" name="직선 연결선 34">
+            <a:extLst>
+              <a:ext uri="{FF2B5EF4-FFF2-40B4-BE49-F238E27FC236}">
+                <a16:creationId xmlns:a16="http://schemas.microsoft.com/office/drawing/2014/main" id="{DF73BCFB-B9BE-43D5-B0FA-D634C9F9E7C4}"/>
+              </a:ext>
+            </a:extLst>
+          </p:cNvPr>
+          <p:cNvCxnSpPr/>
+          <p:nvPr/>
+        </p:nvCxnSpPr>
+        <p:spPr>
+          <a:xfrm>
+            <a:off x="98393" y="581186"/>
+            <a:ext cx="3258105" cy="0"/>
+          </a:xfrm>
+          <a:prstGeom prst="line">
+            <a:avLst/>
+          </a:prstGeom>
+        </p:spPr>
+        <p:style>
+          <a:lnRef idx="1">
+            <a:schemeClr val="accent1"/>
+          </a:lnRef>
+          <a:fillRef idx="0">
+            <a:schemeClr val="accent1"/>
+          </a:fillRef>
+          <a:effectRef idx="0">
+            <a:schemeClr val="accent1"/>
+          </a:effectRef>
+          <a:fontRef idx="minor">
+            <a:schemeClr val="tx1"/>
+          </a:fontRef>
+        </p:style>
+      </p:cxnSp>
+      <p:sp>
+        <p:nvSpPr>
+          <p:cNvPr id="50" name="순서도: 처리 49">
+            <a:extLst>
+              <a:ext uri="{FF2B5EF4-FFF2-40B4-BE49-F238E27FC236}">
+                <a16:creationId xmlns:a16="http://schemas.microsoft.com/office/drawing/2014/main" id="{53D1D6DE-CCA0-454A-8A0E-93B85676FEB9}"/>
+              </a:ext>
+            </a:extLst>
+          </p:cNvPr>
+          <p:cNvSpPr/>
+          <p:nvPr/>
+        </p:nvSpPr>
+        <p:spPr>
+          <a:xfrm>
+            <a:off x="2389093" y="6125004"/>
+            <a:ext cx="4003020" cy="552746"/>
+          </a:xfrm>
+          <a:prstGeom prst="flowChartProcess">
+            <a:avLst/>
+          </a:prstGeom>
+          <a:noFill/>
+          <a:ln w="9525" cap="flat" cmpd="sng" algn="ctr">
+            <a:solidFill>
+              <a:schemeClr val="accent1"/>
+            </a:solidFill>
+            <a:prstDash val="solid"/>
+            <a:round/>
+            <a:headEnd type="none" w="med" len="med"/>
+            <a:tailEnd type="none" w="med" len="med"/>
+          </a:ln>
+        </p:spPr>
+        <p:style>
+          <a:lnRef idx="0">
+            <a:scrgbClr r="0" g="0" b="0"/>
+          </a:lnRef>
+          <a:fillRef idx="0">
+            <a:scrgbClr r="0" g="0" b="0"/>
+          </a:fillRef>
+          <a:effectRef idx="0">
+            <a:scrgbClr r="0" g="0" b="0"/>
+          </a:effectRef>
+          <a:fontRef idx="minor">
+            <a:schemeClr val="accent1"/>
+          </a:fontRef>
+        </p:style>
+        <p:txBody>
+          <a:bodyPr rtlCol="0" anchor="ctr"/>
+          <a:lstStyle/>
+          <a:p>
+            <a:pPr algn="ctr"/>
+            <a:r>
+              <a:rPr lang="en-US" altLang="ko-KR" dirty="0"/>
+              <a:t>AWS</a:t>
+            </a:r>
+            <a:endParaRPr lang="ko-KR" altLang="en-US" dirty="0"/>
+          </a:p>
+        </p:txBody>
+      </p:sp>
+      <p:sp>
+        <p:nvSpPr>
+          <p:cNvPr id="51" name="순서도: 처리 50">
+            <a:extLst>
+              <a:ext uri="{FF2B5EF4-FFF2-40B4-BE49-F238E27FC236}">
+                <a16:creationId xmlns:a16="http://schemas.microsoft.com/office/drawing/2014/main" id="{7CDCB462-32EC-4266-BC56-65CE07AAE532}"/>
+              </a:ext>
+            </a:extLst>
+          </p:cNvPr>
+          <p:cNvSpPr/>
+          <p:nvPr/>
+        </p:nvSpPr>
+        <p:spPr>
+          <a:xfrm>
+            <a:off x="205700" y="6125003"/>
+            <a:ext cx="1641546" cy="552746"/>
+          </a:xfrm>
+          <a:prstGeom prst="flowChartProcess">
+            <a:avLst/>
+          </a:prstGeom>
+          <a:solidFill>
+            <a:schemeClr val="accent1">
+              <a:alpha val="50000"/>
+            </a:schemeClr>
+          </a:solidFill>
+          <a:ln>
+            <a:noFill/>
+          </a:ln>
+        </p:spPr>
+        <p:style>
+          <a:lnRef idx="0">
+            <a:scrgbClr r="0" g="0" b="0"/>
+          </a:lnRef>
+          <a:fillRef idx="0">
+            <a:scrgbClr r="0" g="0" b="0"/>
+          </a:fillRef>
+          <a:effectRef idx="0">
+            <a:scrgbClr r="0" g="0" b="0"/>
+          </a:effectRef>
+          <a:fontRef idx="minor">
+            <a:schemeClr val="lt1"/>
+          </a:fontRef>
+        </p:style>
+        <p:txBody>
+          <a:bodyPr rtlCol="0" anchor="ctr"/>
+          <a:lstStyle/>
+          <a:p>
+            <a:pPr algn="ctr"/>
+            <a:r>
+              <a:rPr lang="en-US" altLang="ko-KR" dirty="0"/>
+              <a:t>infra</a:t>
+            </a:r>
+            <a:endParaRPr lang="ko-KR" altLang="en-US" dirty="0"/>
+          </a:p>
+        </p:txBody>
+      </p:sp>
+      <p:sp>
+        <p:nvSpPr>
+          <p:cNvPr id="52" name="순서도: 처리 51">
+            <a:extLst>
+              <a:ext uri="{FF2B5EF4-FFF2-40B4-BE49-F238E27FC236}">
+                <a16:creationId xmlns:a16="http://schemas.microsoft.com/office/drawing/2014/main" id="{600FBD1E-D3BA-45CA-95DB-56427759C72D}"/>
+              </a:ext>
+            </a:extLst>
+          </p:cNvPr>
+          <p:cNvSpPr/>
+          <p:nvPr/>
+        </p:nvSpPr>
+        <p:spPr>
+          <a:xfrm>
+            <a:off x="208038" y="2192768"/>
+            <a:ext cx="1641546" cy="552746"/>
+          </a:xfrm>
+          <a:prstGeom prst="flowChartProcess">
+            <a:avLst/>
+          </a:prstGeom>
+          <a:solidFill>
+            <a:schemeClr val="accent1">
+              <a:alpha val="50000"/>
+            </a:schemeClr>
+          </a:solidFill>
+          <a:ln>
+            <a:noFill/>
+          </a:ln>
+        </p:spPr>
+        <p:style>
+          <a:lnRef idx="0">
+            <a:scrgbClr r="0" g="0" b="0"/>
+          </a:lnRef>
+          <a:fillRef idx="0">
+            <a:scrgbClr r="0" g="0" b="0"/>
+          </a:fillRef>
+          <a:effectRef idx="0">
+            <a:scrgbClr r="0" g="0" b="0"/>
+          </a:effectRef>
+          <a:fontRef idx="minor">
+            <a:schemeClr val="lt1"/>
+          </a:fontRef>
+        </p:style>
+        <p:txBody>
+          <a:bodyPr rtlCol="0" anchor="ctr"/>
+          <a:lstStyle/>
+          <a:p>
+            <a:pPr algn="ctr"/>
+            <a:r>
+              <a:rPr lang="en-US" altLang="ko-KR" dirty="0"/>
+              <a:t>Logic</a:t>
+            </a:r>
+          </a:p>
+          <a:p>
+            <a:pPr algn="ctr"/>
+            <a:r>
+              <a:rPr lang="en-US" altLang="ko-KR" dirty="0"/>
+              <a:t>Application</a:t>
+            </a:r>
+            <a:endParaRPr lang="ko-KR" altLang="en-US" dirty="0"/>
+          </a:p>
+        </p:txBody>
+      </p:sp>
+      <p:sp>
+        <p:nvSpPr>
+          <p:cNvPr id="53" name="순서도: 처리 52">
+            <a:extLst>
+              <a:ext uri="{FF2B5EF4-FFF2-40B4-BE49-F238E27FC236}">
+                <a16:creationId xmlns:a16="http://schemas.microsoft.com/office/drawing/2014/main" id="{A29503D0-2801-4281-8F11-52B2468492B1}"/>
+              </a:ext>
+            </a:extLst>
+          </p:cNvPr>
+          <p:cNvSpPr/>
+          <p:nvPr/>
+        </p:nvSpPr>
+        <p:spPr>
+          <a:xfrm>
+            <a:off x="205458" y="3748194"/>
+            <a:ext cx="1641546" cy="552746"/>
+          </a:xfrm>
+          <a:prstGeom prst="flowChartProcess">
+            <a:avLst/>
+          </a:prstGeom>
+          <a:solidFill>
+            <a:schemeClr val="accent1">
+              <a:alpha val="50000"/>
+            </a:schemeClr>
+          </a:solidFill>
+          <a:ln>
+            <a:noFill/>
+          </a:ln>
+        </p:spPr>
+        <p:style>
+          <a:lnRef idx="0">
+            <a:scrgbClr r="0" g="0" b="0"/>
+          </a:lnRef>
+          <a:fillRef idx="0">
+            <a:scrgbClr r="0" g="0" b="0"/>
+          </a:fillRef>
+          <a:effectRef idx="0">
+            <a:scrgbClr r="0" g="0" b="0"/>
+          </a:effectRef>
+          <a:fontRef idx="minor">
+            <a:schemeClr val="lt1"/>
+          </a:fontRef>
+        </p:style>
+        <p:txBody>
+          <a:bodyPr rtlCol="0" anchor="ctr"/>
+          <a:lstStyle/>
+          <a:p>
+            <a:pPr algn="ctr"/>
+            <a:r>
+              <a:rPr lang="en-US" altLang="ko-KR" dirty="0"/>
+              <a:t>Configuration Management</a:t>
+            </a:r>
+            <a:endParaRPr lang="ko-KR" altLang="en-US" dirty="0"/>
+          </a:p>
+        </p:txBody>
+      </p:sp>
+      <p:sp>
+        <p:nvSpPr>
+          <p:cNvPr id="54" name="순서도: 처리 53">
+            <a:extLst>
+              <a:ext uri="{FF2B5EF4-FFF2-40B4-BE49-F238E27FC236}">
+                <a16:creationId xmlns:a16="http://schemas.microsoft.com/office/drawing/2014/main" id="{07BA4193-809A-4943-A82A-C7737E16DA19}"/>
+              </a:ext>
+            </a:extLst>
+          </p:cNvPr>
+          <p:cNvSpPr/>
+          <p:nvPr/>
+        </p:nvSpPr>
+        <p:spPr>
+          <a:xfrm>
+            <a:off x="205458" y="4584737"/>
+            <a:ext cx="1641546" cy="552746"/>
+          </a:xfrm>
+          <a:prstGeom prst="flowChartProcess">
+            <a:avLst/>
+          </a:prstGeom>
+          <a:solidFill>
+            <a:schemeClr val="accent1">
+              <a:alpha val="50000"/>
+            </a:schemeClr>
+          </a:solidFill>
+          <a:ln>
+            <a:noFill/>
+          </a:ln>
+        </p:spPr>
+        <p:style>
+          <a:lnRef idx="0">
+            <a:scrgbClr r="0" g="0" b="0"/>
+          </a:lnRef>
+          <a:fillRef idx="0">
+            <a:scrgbClr r="0" g="0" b="0"/>
+          </a:fillRef>
+          <a:effectRef idx="0">
+            <a:scrgbClr r="0" g="0" b="0"/>
+          </a:effectRef>
+          <a:fontRef idx="minor">
+            <a:schemeClr val="lt1"/>
+          </a:fontRef>
+        </p:style>
+        <p:txBody>
+          <a:bodyPr rtlCol="0" anchor="ctr"/>
+          <a:lstStyle/>
+          <a:p>
+            <a:pPr algn="ctr"/>
+            <a:r>
+              <a:rPr lang="en-US" altLang="ko-KR" dirty="0"/>
+              <a:t>Data store system</a:t>
+            </a:r>
+            <a:endParaRPr lang="ko-KR" altLang="en-US" dirty="0"/>
+          </a:p>
+        </p:txBody>
+      </p:sp>
+      <p:sp>
+        <p:nvSpPr>
+          <p:cNvPr id="55" name="순서도: 처리 54">
+            <a:extLst>
+              <a:ext uri="{FF2B5EF4-FFF2-40B4-BE49-F238E27FC236}">
+                <a16:creationId xmlns:a16="http://schemas.microsoft.com/office/drawing/2014/main" id="{E467B096-1286-41F0-AF98-4101001E6CB5}"/>
+              </a:ext>
+            </a:extLst>
+          </p:cNvPr>
+          <p:cNvSpPr/>
+          <p:nvPr/>
+        </p:nvSpPr>
+        <p:spPr>
+          <a:xfrm>
+            <a:off x="2386511" y="4582815"/>
+            <a:ext cx="4003020" cy="552746"/>
+          </a:xfrm>
+          <a:prstGeom prst="flowChartProcess">
+            <a:avLst/>
+          </a:prstGeom>
+          <a:noFill/>
+          <a:ln w="9525" cap="flat" cmpd="sng" algn="ctr">
+            <a:solidFill>
+              <a:schemeClr val="accent1"/>
+            </a:solidFill>
+            <a:prstDash val="solid"/>
+            <a:round/>
+            <a:headEnd type="none" w="med" len="med"/>
+            <a:tailEnd type="none" w="med" len="med"/>
+          </a:ln>
+        </p:spPr>
+        <p:style>
+          <a:lnRef idx="0">
+            <a:scrgbClr r="0" g="0" b="0"/>
+          </a:lnRef>
+          <a:fillRef idx="0">
+            <a:scrgbClr r="0" g="0" b="0"/>
+          </a:fillRef>
+          <a:effectRef idx="0">
+            <a:scrgbClr r="0" g="0" b="0"/>
+          </a:effectRef>
+          <a:fontRef idx="minor">
+            <a:schemeClr val="accent1"/>
+          </a:fontRef>
+        </p:style>
+        <p:txBody>
+          <a:bodyPr rtlCol="0" anchor="ctr"/>
+          <a:lstStyle/>
+          <a:p>
+            <a:pPr algn="ctr"/>
+            <a:r>
+              <a:rPr lang="en-US" altLang="ko-KR"/>
+              <a:t>Maria </a:t>
+            </a:r>
+            <a:r>
+              <a:rPr lang="en-US" altLang="ko-KR" dirty="0"/>
+              <a:t>DB, local file system</a:t>
+            </a:r>
+            <a:endParaRPr lang="ko-KR" altLang="en-US" dirty="0"/>
+          </a:p>
+        </p:txBody>
+      </p:sp>
+      <p:sp>
+        <p:nvSpPr>
+          <p:cNvPr id="56" name="순서도: 처리 55">
+            <a:extLst>
+              <a:ext uri="{FF2B5EF4-FFF2-40B4-BE49-F238E27FC236}">
+                <a16:creationId xmlns:a16="http://schemas.microsoft.com/office/drawing/2014/main" id="{ECA809B7-2D6A-4A4F-902B-8A1BB0C7444C}"/>
+              </a:ext>
+            </a:extLst>
+          </p:cNvPr>
+          <p:cNvSpPr/>
+          <p:nvPr/>
+        </p:nvSpPr>
+        <p:spPr>
+          <a:xfrm>
+            <a:off x="2389092" y="3783735"/>
+            <a:ext cx="4003020" cy="552746"/>
+          </a:xfrm>
+          <a:prstGeom prst="flowChartProcess">
+            <a:avLst/>
+          </a:prstGeom>
+          <a:noFill/>
+          <a:ln w="9525" cap="flat" cmpd="sng" algn="ctr">
+            <a:solidFill>
+              <a:schemeClr val="accent1"/>
+            </a:solidFill>
+            <a:prstDash val="solid"/>
+            <a:round/>
+            <a:headEnd type="none" w="med" len="med"/>
+            <a:tailEnd type="none" w="med" len="med"/>
+          </a:ln>
+        </p:spPr>
+        <p:style>
+          <a:lnRef idx="0">
+            <a:scrgbClr r="0" g="0" b="0"/>
+          </a:lnRef>
+          <a:fillRef idx="0">
+            <a:scrgbClr r="0" g="0" b="0"/>
+          </a:fillRef>
+          <a:effectRef idx="0">
+            <a:scrgbClr r="0" g="0" b="0"/>
+          </a:effectRef>
+          <a:fontRef idx="minor">
+            <a:schemeClr val="accent1"/>
+          </a:fontRef>
+        </p:style>
+        <p:txBody>
+          <a:bodyPr rtlCol="0" anchor="ctr"/>
+          <a:lstStyle/>
+          <a:p>
+            <a:pPr algn="ctr"/>
+            <a:r>
+              <a:rPr lang="en-US" altLang="ko-KR" dirty="0" err="1"/>
+              <a:t>Github</a:t>
+            </a:r>
+            <a:r>
+              <a:rPr lang="en-US" altLang="ko-KR" dirty="0"/>
+              <a:t>, Docker, </a:t>
+            </a:r>
+            <a:r>
+              <a:rPr lang="en-US" altLang="ko-KR" dirty="0" err="1"/>
+              <a:t>Sonarqube</a:t>
+            </a:r>
+            <a:r>
+              <a:rPr lang="en-US" altLang="ko-KR" dirty="0"/>
+              <a:t> </a:t>
+            </a:r>
+            <a:endParaRPr lang="ko-KR" altLang="en-US" dirty="0"/>
+          </a:p>
+        </p:txBody>
+      </p:sp>
+      <p:sp>
+        <p:nvSpPr>
+          <p:cNvPr id="57" name="순서도: 처리 56">
+            <a:extLst>
+              <a:ext uri="{FF2B5EF4-FFF2-40B4-BE49-F238E27FC236}">
+                <a16:creationId xmlns:a16="http://schemas.microsoft.com/office/drawing/2014/main" id="{75120F54-15B2-4F80-AD9B-059B7B8B08D4}"/>
+              </a:ext>
+            </a:extLst>
+          </p:cNvPr>
+          <p:cNvSpPr/>
+          <p:nvPr/>
+        </p:nvSpPr>
+        <p:spPr>
+          <a:xfrm>
+            <a:off x="2391671" y="2181323"/>
+            <a:ext cx="4003020" cy="552746"/>
+          </a:xfrm>
+          <a:prstGeom prst="flowChartProcess">
+            <a:avLst/>
+          </a:prstGeom>
+          <a:noFill/>
+          <a:ln w="9525" cap="flat" cmpd="sng" algn="ctr">
+            <a:solidFill>
+              <a:schemeClr val="accent1"/>
+            </a:solidFill>
+            <a:prstDash val="solid"/>
+            <a:round/>
+            <a:headEnd type="none" w="med" len="med"/>
+            <a:tailEnd type="none" w="med" len="med"/>
+          </a:ln>
+        </p:spPr>
+        <p:style>
+          <a:lnRef idx="0">
+            <a:scrgbClr r="0" g="0" b="0"/>
+          </a:lnRef>
+          <a:fillRef idx="0">
+            <a:scrgbClr r="0" g="0" b="0"/>
+          </a:fillRef>
+          <a:effectRef idx="0">
+            <a:scrgbClr r="0" g="0" b="0"/>
+          </a:effectRef>
+          <a:fontRef idx="minor">
+            <a:schemeClr val="accent1"/>
+          </a:fontRef>
+        </p:style>
+        <p:txBody>
+          <a:bodyPr rtlCol="0" anchor="ctr"/>
+          <a:lstStyle/>
+          <a:p>
+            <a:pPr algn="ctr"/>
+            <a:r>
+              <a:rPr lang="en-US" altLang="ko-KR" dirty="0"/>
+              <a:t>Python 3.6.8, Flask(jinja2)</a:t>
+            </a:r>
+            <a:endParaRPr lang="ko-KR" altLang="en-US" dirty="0"/>
+          </a:p>
+        </p:txBody>
+      </p:sp>
+      <p:sp>
+        <p:nvSpPr>
+          <p:cNvPr id="58" name="순서도: 처리 57">
+            <a:extLst>
+              <a:ext uri="{FF2B5EF4-FFF2-40B4-BE49-F238E27FC236}">
+                <a16:creationId xmlns:a16="http://schemas.microsoft.com/office/drawing/2014/main" id="{382AB3F8-904E-40C8-B659-7F4FFC524F26}"/>
+              </a:ext>
+            </a:extLst>
+          </p:cNvPr>
+          <p:cNvSpPr/>
+          <p:nvPr/>
+        </p:nvSpPr>
+        <p:spPr>
+          <a:xfrm>
+            <a:off x="205458" y="1393688"/>
+            <a:ext cx="1641546" cy="552746"/>
+          </a:xfrm>
+          <a:prstGeom prst="flowChartProcess">
+            <a:avLst/>
+          </a:prstGeom>
+          <a:solidFill>
+            <a:schemeClr val="accent1">
+              <a:alpha val="50000"/>
+            </a:schemeClr>
+          </a:solidFill>
+          <a:ln>
+            <a:noFill/>
+          </a:ln>
+        </p:spPr>
+        <p:style>
+          <a:lnRef idx="0">
+            <a:scrgbClr r="0" g="0" b="0"/>
+          </a:lnRef>
+          <a:fillRef idx="0">
+            <a:scrgbClr r="0" g="0" b="0"/>
+          </a:fillRef>
+          <a:effectRef idx="0">
+            <a:scrgbClr r="0" g="0" b="0"/>
+          </a:effectRef>
+          <a:fontRef idx="minor">
+            <a:schemeClr val="lt1"/>
+          </a:fontRef>
+        </p:style>
+        <p:txBody>
+          <a:bodyPr rtlCol="0" anchor="ctr"/>
+          <a:lstStyle/>
+          <a:p>
+            <a:pPr algn="ctr"/>
+            <a:r>
+              <a:rPr lang="en-US" altLang="ko-KR" dirty="0"/>
+              <a:t>View application</a:t>
+            </a:r>
+            <a:endParaRPr lang="ko-KR" altLang="en-US" dirty="0"/>
+          </a:p>
+        </p:txBody>
+      </p:sp>
+      <p:sp>
+        <p:nvSpPr>
+          <p:cNvPr id="59" name="순서도: 처리 58">
+            <a:extLst>
+              <a:ext uri="{FF2B5EF4-FFF2-40B4-BE49-F238E27FC236}">
+                <a16:creationId xmlns:a16="http://schemas.microsoft.com/office/drawing/2014/main" id="{0A053466-38BD-4173-841C-B000BCEAC304}"/>
+              </a:ext>
+            </a:extLst>
+          </p:cNvPr>
+          <p:cNvSpPr/>
+          <p:nvPr/>
+        </p:nvSpPr>
+        <p:spPr>
+          <a:xfrm>
+            <a:off x="2389091" y="1382243"/>
+            <a:ext cx="4003020" cy="552746"/>
+          </a:xfrm>
+          <a:prstGeom prst="flowChartProcess">
+            <a:avLst/>
+          </a:prstGeom>
+          <a:noFill/>
+          <a:ln w="9525" cap="flat" cmpd="sng" algn="ctr">
+            <a:solidFill>
+              <a:schemeClr val="accent1"/>
+            </a:solidFill>
+            <a:prstDash val="solid"/>
+            <a:round/>
+            <a:headEnd type="none" w="med" len="med"/>
+            <a:tailEnd type="none" w="med" len="med"/>
+          </a:ln>
+        </p:spPr>
+        <p:style>
+          <a:lnRef idx="0">
+            <a:scrgbClr r="0" g="0" b="0"/>
+          </a:lnRef>
+          <a:fillRef idx="0">
+            <a:scrgbClr r="0" g="0" b="0"/>
+          </a:fillRef>
+          <a:effectRef idx="0">
+            <a:scrgbClr r="0" g="0" b="0"/>
+          </a:effectRef>
+          <a:fontRef idx="minor">
+            <a:schemeClr val="accent1"/>
+          </a:fontRef>
+        </p:style>
+        <p:txBody>
+          <a:bodyPr rtlCol="0" anchor="ctr"/>
+          <a:lstStyle/>
+          <a:p>
+            <a:pPr algn="ctr"/>
+            <a:r>
+              <a:rPr lang="en-US" altLang="ko-KR" dirty="0"/>
+              <a:t>HTML5, CSS3, JavaScript</a:t>
+            </a:r>
+            <a:endParaRPr lang="ko-KR" altLang="en-US" dirty="0"/>
+          </a:p>
+        </p:txBody>
+      </p:sp>
+      <p:sp>
+        <p:nvSpPr>
+          <p:cNvPr id="66" name="순서도: 처리 65">
+            <a:extLst>
+              <a:ext uri="{FF2B5EF4-FFF2-40B4-BE49-F238E27FC236}">
+                <a16:creationId xmlns:a16="http://schemas.microsoft.com/office/drawing/2014/main" id="{D0BABF66-5160-47D2-BAE8-C5E18FD72231}"/>
+              </a:ext>
+            </a:extLst>
+          </p:cNvPr>
+          <p:cNvSpPr/>
+          <p:nvPr/>
+        </p:nvSpPr>
+        <p:spPr>
+          <a:xfrm>
+            <a:off x="205458" y="5341575"/>
+            <a:ext cx="1641546" cy="552746"/>
+          </a:xfrm>
+          <a:prstGeom prst="flowChartProcess">
+            <a:avLst/>
+          </a:prstGeom>
+          <a:solidFill>
+            <a:schemeClr val="accent1">
+              <a:alpha val="50000"/>
+            </a:schemeClr>
+          </a:solidFill>
+          <a:ln>
+            <a:noFill/>
+          </a:ln>
+        </p:spPr>
+        <p:style>
+          <a:lnRef idx="0">
+            <a:scrgbClr r="0" g="0" b="0"/>
+          </a:lnRef>
+          <a:fillRef idx="0">
+            <a:scrgbClr r="0" g="0" b="0"/>
+          </a:fillRef>
+          <a:effectRef idx="0">
+            <a:scrgbClr r="0" g="0" b="0"/>
+          </a:effectRef>
+          <a:fontRef idx="minor">
+            <a:schemeClr val="lt1"/>
+          </a:fontRef>
+        </p:style>
+        <p:txBody>
+          <a:bodyPr rtlCol="0" anchor="ctr"/>
+          <a:lstStyle/>
+          <a:p>
+            <a:pPr algn="ctr"/>
+            <a:r>
+              <a:rPr lang="en-US" altLang="ko-KR" dirty="0"/>
+              <a:t>OS</a:t>
+            </a:r>
+            <a:endParaRPr lang="ko-KR" altLang="en-US" dirty="0"/>
+          </a:p>
+        </p:txBody>
+      </p:sp>
+      <p:sp>
+        <p:nvSpPr>
+          <p:cNvPr id="67" name="순서도: 처리 66">
+            <a:extLst>
+              <a:ext uri="{FF2B5EF4-FFF2-40B4-BE49-F238E27FC236}">
+                <a16:creationId xmlns:a16="http://schemas.microsoft.com/office/drawing/2014/main" id="{F1DDC25C-63CC-49AE-B35E-E1CB959CA4B6}"/>
+              </a:ext>
+            </a:extLst>
+          </p:cNvPr>
+          <p:cNvSpPr/>
+          <p:nvPr/>
+        </p:nvSpPr>
+        <p:spPr>
+          <a:xfrm>
+            <a:off x="2386511" y="5339653"/>
+            <a:ext cx="4003020" cy="552746"/>
+          </a:xfrm>
+          <a:prstGeom prst="flowChartProcess">
+            <a:avLst/>
+          </a:prstGeom>
+          <a:noFill/>
+          <a:ln w="9525" cap="flat" cmpd="sng" algn="ctr">
+            <a:solidFill>
+              <a:schemeClr val="accent1"/>
+            </a:solidFill>
+            <a:prstDash val="solid"/>
+            <a:round/>
+            <a:headEnd type="none" w="med" len="med"/>
+            <a:tailEnd type="none" w="med" len="med"/>
+          </a:ln>
+        </p:spPr>
+        <p:style>
+          <a:lnRef idx="0">
+            <a:scrgbClr r="0" g="0" b="0"/>
+          </a:lnRef>
+          <a:fillRef idx="0">
+            <a:scrgbClr r="0" g="0" b="0"/>
+          </a:fillRef>
+          <a:effectRef idx="0">
+            <a:scrgbClr r="0" g="0" b="0"/>
+          </a:effectRef>
+          <a:fontRef idx="minor">
+            <a:schemeClr val="accent1"/>
+          </a:fontRef>
+        </p:style>
+        <p:txBody>
+          <a:bodyPr rtlCol="0" anchor="ctr"/>
+          <a:lstStyle/>
+          <a:p>
+            <a:pPr algn="ctr"/>
+            <a:r>
+              <a:rPr lang="en-US" altLang="ko-KR" dirty="0"/>
+              <a:t>Ubuntu 18.04</a:t>
+            </a:r>
+            <a:endParaRPr lang="ko-KR" altLang="en-US" dirty="0"/>
+          </a:p>
+        </p:txBody>
+      </p:sp>
+      <p:pic>
+        <p:nvPicPr>
+          <p:cNvPr id="5" name="Picture 2" descr="ê¹íë¸ì ëí ì´ë¯¸ì§ ê²ìê²°ê³¼">
+            <a:extLst>
+              <a:ext uri="{FF2B5EF4-FFF2-40B4-BE49-F238E27FC236}">
+                <a16:creationId xmlns:a16="http://schemas.microsoft.com/office/drawing/2014/main" id="{5E15C8AC-8E61-4025-BD28-A24BFFF74790}"/>
+              </a:ext>
+            </a:extLst>
+          </p:cNvPr>
+          <p:cNvPicPr>
+            <a:picLocks noChangeAspect="1" noChangeArrowheads="1"/>
+          </p:cNvPicPr>
+          <p:nvPr/>
+        </p:nvPicPr>
+        <p:blipFill>
+          <a:blip r:embed="rId3">
+            <a:extLst>
+              <a:ext uri="{28A0092B-C50C-407E-A947-70E740481C1C}">
+                <a14:useLocalDpi xmlns:a14="http://schemas.microsoft.com/office/drawing/2010/main" val="0"/>
+              </a:ext>
+            </a:extLst>
+          </a:blip>
+          <a:srcRect/>
+          <a:stretch>
+            <a:fillRect/>
+          </a:stretch>
+        </p:blipFill>
+        <p:spPr bwMode="auto">
+          <a:xfrm>
+            <a:off x="7061615" y="3748194"/>
+            <a:ext cx="1701456" cy="627095"/>
+          </a:xfrm>
+          <a:prstGeom prst="rect">
+            <a:avLst/>
+          </a:prstGeom>
+          <a:noFill/>
+          <a:extLst>
+            <a:ext uri="{909E8E84-426E-40DD-AFC4-6F175D3DCCD1}">
+              <a14:hiddenFill xmlns:a14="http://schemas.microsoft.com/office/drawing/2010/main">
+                <a:solidFill>
+                  <a:srgbClr val="FFFFFF"/>
+                </a:solidFill>
+              </a14:hiddenFill>
+            </a:ext>
+          </a:extLst>
+        </p:spPr>
+      </p:pic>
+      <p:pic>
+        <p:nvPicPr>
+          <p:cNvPr id="6" name="Picture 4" descr="ëì»¤ì ëí ì´ë¯¸ì§ ê²ìê²°ê³¼">
+            <a:extLst>
+              <a:ext uri="{FF2B5EF4-FFF2-40B4-BE49-F238E27FC236}">
+                <a16:creationId xmlns:a16="http://schemas.microsoft.com/office/drawing/2014/main" id="{0BECFD35-73D4-4CFC-875A-AA81D573D132}"/>
+              </a:ext>
+            </a:extLst>
+          </p:cNvPr>
+          <p:cNvPicPr>
+            <a:picLocks noChangeAspect="1" noChangeArrowheads="1"/>
+          </p:cNvPicPr>
+          <p:nvPr/>
+        </p:nvPicPr>
+        <p:blipFill>
+          <a:blip r:embed="rId4">
+            <a:extLst>
+              <a:ext uri="{28A0092B-C50C-407E-A947-70E740481C1C}">
+                <a14:useLocalDpi xmlns:a14="http://schemas.microsoft.com/office/drawing/2010/main" val="0"/>
+              </a:ext>
+            </a:extLst>
+          </a:blip>
+          <a:srcRect/>
+          <a:stretch>
+            <a:fillRect/>
+          </a:stretch>
+        </p:blipFill>
+        <p:spPr bwMode="auto">
+          <a:xfrm>
+            <a:off x="8981520" y="3579403"/>
+            <a:ext cx="1115072" cy="994859"/>
+          </a:xfrm>
+          <a:prstGeom prst="rect">
+            <a:avLst/>
+          </a:prstGeom>
+          <a:noFill/>
+          <a:extLst>
+            <a:ext uri="{909E8E84-426E-40DD-AFC4-6F175D3DCCD1}">
+              <a14:hiddenFill xmlns:a14="http://schemas.microsoft.com/office/drawing/2010/main">
+                <a:solidFill>
+                  <a:srgbClr val="FFFFFF"/>
+                </a:solidFill>
+              </a14:hiddenFill>
+            </a:ext>
+          </a:extLst>
+        </p:spPr>
+      </p:pic>
+      <p:pic>
+        <p:nvPicPr>
+          <p:cNvPr id="1030" name="Picture 6" descr="íì´ì¬ì ëí ì´ë¯¸ì§ ê²ìê²°ê³¼">
+            <a:extLst>
+              <a:ext uri="{FF2B5EF4-FFF2-40B4-BE49-F238E27FC236}">
+                <a16:creationId xmlns:a16="http://schemas.microsoft.com/office/drawing/2014/main" id="{70600DCF-9B81-4C98-9362-9797E5AC7B98}"/>
+              </a:ext>
+            </a:extLst>
+          </p:cNvPr>
+          <p:cNvPicPr>
+            <a:picLocks noChangeAspect="1" noChangeArrowheads="1"/>
+          </p:cNvPicPr>
+          <p:nvPr/>
+        </p:nvPicPr>
+        <p:blipFill>
+          <a:blip r:embed="rId5">
+            <a:extLst>
+              <a:ext uri="{28A0092B-C50C-407E-A947-70E740481C1C}">
+                <a14:useLocalDpi xmlns:a14="http://schemas.microsoft.com/office/drawing/2010/main" val="0"/>
+              </a:ext>
+            </a:extLst>
+          </a:blip>
+          <a:srcRect/>
+          <a:stretch>
+            <a:fillRect/>
+          </a:stretch>
+        </p:blipFill>
+        <p:spPr bwMode="auto">
+          <a:xfrm>
+            <a:off x="7056191" y="2389558"/>
+            <a:ext cx="1646719" cy="520775"/>
+          </a:xfrm>
+          <a:prstGeom prst="rect">
+            <a:avLst/>
+          </a:prstGeom>
+          <a:noFill/>
+          <a:extLst>
+            <a:ext uri="{909E8E84-426E-40DD-AFC4-6F175D3DCCD1}">
+              <a14:hiddenFill xmlns:a14="http://schemas.microsoft.com/office/drawing/2010/main">
+                <a:solidFill>
+                  <a:srgbClr val="FFFFFF"/>
+                </a:solidFill>
+              </a14:hiddenFill>
+            </a:ext>
+          </a:extLst>
+        </p:spPr>
+      </p:pic>
+      <p:pic>
+        <p:nvPicPr>
+          <p:cNvPr id="1032" name="Picture 8" descr="python flaskì ëí ì´ë¯¸ì§ ê²ìê²°ê³¼">
+            <a:extLst>
+              <a:ext uri="{FF2B5EF4-FFF2-40B4-BE49-F238E27FC236}">
+                <a16:creationId xmlns:a16="http://schemas.microsoft.com/office/drawing/2014/main" id="{5883540C-E88E-4DAB-99F8-5F0B2157C6C1}"/>
+              </a:ext>
+            </a:extLst>
+          </p:cNvPr>
+          <p:cNvPicPr>
+            <a:picLocks noChangeAspect="1" noChangeArrowheads="1"/>
+          </p:cNvPicPr>
+          <p:nvPr/>
+        </p:nvPicPr>
+        <p:blipFill>
+          <a:blip r:embed="rId6">
+            <a:extLst>
+              <a:ext uri="{28A0092B-C50C-407E-A947-70E740481C1C}">
+                <a14:useLocalDpi xmlns:a14="http://schemas.microsoft.com/office/drawing/2010/main" val="0"/>
+              </a:ext>
+            </a:extLst>
+          </a:blip>
+          <a:srcRect/>
+          <a:stretch>
+            <a:fillRect/>
+          </a:stretch>
+        </p:blipFill>
+        <p:spPr bwMode="auto">
+          <a:xfrm>
+            <a:off x="8763071" y="2269753"/>
+            <a:ext cx="1561528" cy="610988"/>
+          </a:xfrm>
+          <a:prstGeom prst="rect">
+            <a:avLst/>
+          </a:prstGeom>
+          <a:noFill/>
+          <a:extLst>
+            <a:ext uri="{909E8E84-426E-40DD-AFC4-6F175D3DCCD1}">
+              <a14:hiddenFill xmlns:a14="http://schemas.microsoft.com/office/drawing/2010/main">
+                <a:solidFill>
+                  <a:srgbClr val="FFFFFF"/>
+                </a:solidFill>
+              </a14:hiddenFill>
+            </a:ext>
+          </a:extLst>
+        </p:spPr>
+      </p:pic>
+      <p:pic>
+        <p:nvPicPr>
+          <p:cNvPr id="1034" name="Picture 10" descr="jinja2ì ëí ì´ë¯¸ì§ ê²ìê²°ê³¼">
+            <a:extLst>
+              <a:ext uri="{FF2B5EF4-FFF2-40B4-BE49-F238E27FC236}">
+                <a16:creationId xmlns:a16="http://schemas.microsoft.com/office/drawing/2014/main" id="{99C52153-42A6-4A00-8775-263B29F837C9}"/>
+              </a:ext>
+            </a:extLst>
+          </p:cNvPr>
+          <p:cNvPicPr>
+            <a:picLocks noChangeAspect="1" noChangeArrowheads="1"/>
+          </p:cNvPicPr>
+          <p:nvPr/>
+        </p:nvPicPr>
+        <p:blipFill>
+          <a:blip r:embed="rId7">
+            <a:extLst>
+              <a:ext uri="{28A0092B-C50C-407E-A947-70E740481C1C}">
+                <a14:useLocalDpi xmlns:a14="http://schemas.microsoft.com/office/drawing/2010/main" val="0"/>
+              </a:ext>
+            </a:extLst>
+          </a:blip>
+          <a:srcRect/>
+          <a:stretch>
+            <a:fillRect/>
+          </a:stretch>
+        </p:blipFill>
+        <p:spPr bwMode="auto">
+          <a:xfrm>
+            <a:off x="10591878" y="2192768"/>
+            <a:ext cx="1392084" cy="641513"/>
+          </a:xfrm>
+          <a:prstGeom prst="rect">
+            <a:avLst/>
+          </a:prstGeom>
+          <a:noFill/>
+          <a:extLst>
+            <a:ext uri="{909E8E84-426E-40DD-AFC4-6F175D3DCCD1}">
+              <a14:hiddenFill xmlns:a14="http://schemas.microsoft.com/office/drawing/2010/main">
+                <a:solidFill>
+                  <a:srgbClr val="FFFFFF"/>
+                </a:solidFill>
+              </a14:hiddenFill>
+            </a:ext>
+          </a:extLst>
+        </p:spPr>
+      </p:pic>
+      <p:pic>
+        <p:nvPicPr>
+          <p:cNvPr id="1036" name="Picture 12" descr="Nginxì ëí ì´ë¯¸ì§ ê²ìê²°ê³¼">
+            <a:extLst>
+              <a:ext uri="{FF2B5EF4-FFF2-40B4-BE49-F238E27FC236}">
+                <a16:creationId xmlns:a16="http://schemas.microsoft.com/office/drawing/2014/main" id="{45CE0ED7-E419-474E-B4B4-E2BF63946AA2}"/>
+              </a:ext>
+            </a:extLst>
+          </p:cNvPr>
+          <p:cNvPicPr>
+            <a:picLocks noChangeAspect="1" noChangeArrowheads="1"/>
+          </p:cNvPicPr>
+          <p:nvPr/>
+        </p:nvPicPr>
+        <p:blipFill>
+          <a:blip r:embed="rId8">
+            <a:extLst>
+              <a:ext uri="{28A0092B-C50C-407E-A947-70E740481C1C}">
+                <a14:useLocalDpi xmlns:a14="http://schemas.microsoft.com/office/drawing/2010/main" val="0"/>
+              </a:ext>
+            </a:extLst>
+          </a:blip>
+          <a:srcRect/>
+          <a:stretch>
+            <a:fillRect/>
+          </a:stretch>
+        </p:blipFill>
+        <p:spPr bwMode="auto">
+          <a:xfrm>
+            <a:off x="7151273" y="3192060"/>
+            <a:ext cx="1701455" cy="391389"/>
+          </a:xfrm>
+          <a:prstGeom prst="rect">
+            <a:avLst/>
+          </a:prstGeom>
+          <a:noFill/>
+          <a:extLst>
+            <a:ext uri="{909E8E84-426E-40DD-AFC4-6F175D3DCCD1}">
+              <a14:hiddenFill xmlns:a14="http://schemas.microsoft.com/office/drawing/2010/main">
+                <a:solidFill>
+                  <a:srgbClr val="FFFFFF"/>
+                </a:solidFill>
+              </a14:hiddenFill>
+            </a:ext>
+          </a:extLst>
+        </p:spPr>
+      </p:pic>
+      <p:sp>
+        <p:nvSpPr>
+          <p:cNvPr id="75" name="순서도: 처리 74">
+            <a:extLst>
+              <a:ext uri="{FF2B5EF4-FFF2-40B4-BE49-F238E27FC236}">
+                <a16:creationId xmlns:a16="http://schemas.microsoft.com/office/drawing/2014/main" id="{2D4D8B8F-BE02-478C-AC2B-1C796288C354}"/>
+              </a:ext>
+            </a:extLst>
+          </p:cNvPr>
+          <p:cNvSpPr/>
+          <p:nvPr/>
+        </p:nvSpPr>
+        <p:spPr>
+          <a:xfrm>
+            <a:off x="205458" y="2987355"/>
+            <a:ext cx="1641546" cy="552746"/>
+          </a:xfrm>
+          <a:prstGeom prst="flowChartProcess">
+            <a:avLst/>
+          </a:prstGeom>
+          <a:solidFill>
+            <a:schemeClr val="accent1">
+              <a:alpha val="50000"/>
+            </a:schemeClr>
+          </a:solidFill>
+          <a:ln>
+            <a:noFill/>
+          </a:ln>
+        </p:spPr>
+        <p:style>
+          <a:lnRef idx="0">
+            <a:scrgbClr r="0" g="0" b="0"/>
+          </a:lnRef>
+          <a:fillRef idx="0">
+            <a:scrgbClr r="0" g="0" b="0"/>
+          </a:fillRef>
+          <a:effectRef idx="0">
+            <a:scrgbClr r="0" g="0" b="0"/>
+          </a:effectRef>
+          <a:fontRef idx="minor">
+            <a:schemeClr val="lt1"/>
+          </a:fontRef>
+        </p:style>
+        <p:txBody>
+          <a:bodyPr rtlCol="0" anchor="ctr"/>
+          <a:lstStyle/>
+          <a:p>
+            <a:pPr algn="ctr"/>
+            <a:r>
+              <a:rPr lang="en-US" altLang="ko-KR" dirty="0"/>
+              <a:t>Web server</a:t>
+            </a:r>
+            <a:endParaRPr lang="ko-KR" altLang="en-US" dirty="0"/>
+          </a:p>
+        </p:txBody>
+      </p:sp>
+      <p:sp>
+        <p:nvSpPr>
+          <p:cNvPr id="76" name="순서도: 처리 75">
+            <a:extLst>
+              <a:ext uri="{FF2B5EF4-FFF2-40B4-BE49-F238E27FC236}">
+                <a16:creationId xmlns:a16="http://schemas.microsoft.com/office/drawing/2014/main" id="{8D8D0014-0AE6-4638-80D4-2403BF467E9C}"/>
+              </a:ext>
+            </a:extLst>
+          </p:cNvPr>
+          <p:cNvSpPr/>
+          <p:nvPr/>
+        </p:nvSpPr>
+        <p:spPr>
+          <a:xfrm>
+            <a:off x="2389091" y="2975910"/>
+            <a:ext cx="4003020" cy="552746"/>
+          </a:xfrm>
+          <a:prstGeom prst="flowChartProcess">
+            <a:avLst/>
+          </a:prstGeom>
+          <a:noFill/>
+          <a:ln w="9525" cap="flat" cmpd="sng" algn="ctr">
+            <a:solidFill>
+              <a:schemeClr val="accent1"/>
+            </a:solidFill>
+            <a:prstDash val="solid"/>
+            <a:round/>
+            <a:headEnd type="none" w="med" len="med"/>
+            <a:tailEnd type="none" w="med" len="med"/>
+          </a:ln>
+        </p:spPr>
+        <p:style>
+          <a:lnRef idx="0">
+            <a:scrgbClr r="0" g="0" b="0"/>
+          </a:lnRef>
+          <a:fillRef idx="0">
+            <a:scrgbClr r="0" g="0" b="0"/>
+          </a:fillRef>
+          <a:effectRef idx="0">
+            <a:scrgbClr r="0" g="0" b="0"/>
+          </a:effectRef>
+          <a:fontRef idx="minor">
+            <a:schemeClr val="accent1"/>
+          </a:fontRef>
+        </p:style>
+        <p:txBody>
+          <a:bodyPr rtlCol="0" anchor="ctr"/>
+          <a:lstStyle/>
+          <a:p>
+            <a:pPr algn="ctr"/>
+            <a:r>
+              <a:rPr lang="en-US" altLang="ko-KR" dirty="0"/>
+              <a:t>Nginx</a:t>
+            </a:r>
+            <a:endParaRPr lang="ko-KR" altLang="en-US" dirty="0"/>
+          </a:p>
+        </p:txBody>
+      </p:sp>
+      <p:pic>
+        <p:nvPicPr>
+          <p:cNvPr id="1042" name="Picture 18" descr="sonarqube logo pngì ëí ì´ë¯¸ì§ ê²ìê²°ê³¼">
+            <a:extLst>
+              <a:ext uri="{FF2B5EF4-FFF2-40B4-BE49-F238E27FC236}">
+                <a16:creationId xmlns:a16="http://schemas.microsoft.com/office/drawing/2014/main" id="{DF8CD08B-DBAE-4631-AB5E-A9236400966D}"/>
+              </a:ext>
+            </a:extLst>
+          </p:cNvPr>
+          <p:cNvPicPr>
+            <a:picLocks noChangeAspect="1" noChangeArrowheads="1"/>
+          </p:cNvPicPr>
+          <p:nvPr/>
+        </p:nvPicPr>
+        <p:blipFill>
+          <a:blip r:embed="rId9">
+            <a:extLst>
+              <a:ext uri="{28A0092B-C50C-407E-A947-70E740481C1C}">
+                <a14:useLocalDpi xmlns:a14="http://schemas.microsoft.com/office/drawing/2010/main" val="0"/>
+              </a:ext>
+            </a:extLst>
+          </a:blip>
+          <a:srcRect/>
+          <a:stretch>
+            <a:fillRect/>
+          </a:stretch>
+        </p:blipFill>
+        <p:spPr bwMode="auto">
+          <a:xfrm>
+            <a:off x="9802908" y="3591054"/>
+            <a:ext cx="2252476" cy="991761"/>
+          </a:xfrm>
+          <a:prstGeom prst="rect">
+            <a:avLst/>
+          </a:prstGeom>
+          <a:noFill/>
+          <a:extLst>
+            <a:ext uri="{909E8E84-426E-40DD-AFC4-6F175D3DCCD1}">
+              <a14:hiddenFill xmlns:a14="http://schemas.microsoft.com/office/drawing/2010/main">
+                <a:solidFill>
+                  <a:srgbClr val="FFFFFF"/>
+                </a:solidFill>
+              </a14:hiddenFill>
+            </a:ext>
+          </a:extLst>
+        </p:spPr>
+      </p:pic>
+      <p:pic>
+        <p:nvPicPr>
+          <p:cNvPr id="1044" name="Picture 20" descr="mariadb logo pngì ëí ì´ë¯¸ì§ ê²ìê²°ê³¼">
+            <a:extLst>
+              <a:ext uri="{FF2B5EF4-FFF2-40B4-BE49-F238E27FC236}">
+                <a16:creationId xmlns:a16="http://schemas.microsoft.com/office/drawing/2014/main" id="{79795D57-C07B-46CA-A9AA-CD0176AB9920}"/>
+              </a:ext>
+            </a:extLst>
+          </p:cNvPr>
+          <p:cNvPicPr>
+            <a:picLocks noChangeAspect="1" noChangeArrowheads="1"/>
+          </p:cNvPicPr>
+          <p:nvPr/>
+        </p:nvPicPr>
+        <p:blipFill>
+          <a:blip r:embed="rId10">
+            <a:extLst>
+              <a:ext uri="{28A0092B-C50C-407E-A947-70E740481C1C}">
+                <a14:useLocalDpi xmlns:a14="http://schemas.microsoft.com/office/drawing/2010/main" val="0"/>
+              </a:ext>
+            </a:extLst>
+          </a:blip>
+          <a:srcRect/>
+          <a:stretch>
+            <a:fillRect/>
+          </a:stretch>
+        </p:blipFill>
+        <p:spPr bwMode="auto">
+          <a:xfrm>
+            <a:off x="7064759" y="4375289"/>
+            <a:ext cx="1484380" cy="764019"/>
+          </a:xfrm>
+          <a:prstGeom prst="rect">
+            <a:avLst/>
+          </a:prstGeom>
+          <a:noFill/>
+          <a:extLst>
+            <a:ext uri="{909E8E84-426E-40DD-AFC4-6F175D3DCCD1}">
+              <a14:hiddenFill xmlns:a14="http://schemas.microsoft.com/office/drawing/2010/main">
+                <a:solidFill>
+                  <a:srgbClr val="FFFFFF"/>
+                </a:solidFill>
+              </a14:hiddenFill>
+            </a:ext>
+          </a:extLst>
+        </p:spPr>
+      </p:pic>
+      <p:pic>
+        <p:nvPicPr>
+          <p:cNvPr id="1048" name="Picture 24" descr="ubuntu 18.04 logo pngì ëí ì´ë¯¸ì§ ê²ìê²°ê³¼">
+            <a:extLst>
+              <a:ext uri="{FF2B5EF4-FFF2-40B4-BE49-F238E27FC236}">
+                <a16:creationId xmlns:a16="http://schemas.microsoft.com/office/drawing/2014/main" id="{88B49C08-0500-452A-9D8B-946FD146B166}"/>
+              </a:ext>
+            </a:extLst>
+          </p:cNvPr>
+          <p:cNvPicPr>
+            <a:picLocks noChangeAspect="1" noChangeArrowheads="1"/>
+          </p:cNvPicPr>
+          <p:nvPr/>
+        </p:nvPicPr>
+        <p:blipFill>
+          <a:blip r:embed="rId11">
+            <a:extLst>
+              <a:ext uri="{28A0092B-C50C-407E-A947-70E740481C1C}">
+                <a14:useLocalDpi xmlns:a14="http://schemas.microsoft.com/office/drawing/2010/main" val="0"/>
+              </a:ext>
+            </a:extLst>
+          </a:blip>
+          <a:srcRect/>
+          <a:stretch>
+            <a:fillRect/>
+          </a:stretch>
+        </p:blipFill>
+        <p:spPr bwMode="auto">
+          <a:xfrm>
+            <a:off x="7132016" y="5139308"/>
+            <a:ext cx="1484380" cy="1144078"/>
+          </a:xfrm>
+          <a:prstGeom prst="rect">
+            <a:avLst/>
+          </a:prstGeom>
+          <a:noFill/>
+          <a:extLst>
+            <a:ext uri="{909E8E84-426E-40DD-AFC4-6F175D3DCCD1}">
+              <a14:hiddenFill xmlns:a14="http://schemas.microsoft.com/office/drawing/2010/main">
+                <a:solidFill>
+                  <a:srgbClr val="FFFFFF"/>
+                </a:solidFill>
+              </a14:hiddenFill>
+            </a:ext>
+          </a:extLst>
+        </p:spPr>
+      </p:pic>
+      <p:pic>
+        <p:nvPicPr>
+          <p:cNvPr id="1052" name="Picture 28" descr="aws logo pngì ëí ì´ë¯¸ì§ ê²ìê²°ê³¼">
+            <a:extLst>
+              <a:ext uri="{FF2B5EF4-FFF2-40B4-BE49-F238E27FC236}">
+                <a16:creationId xmlns:a16="http://schemas.microsoft.com/office/drawing/2014/main" id="{2A7C3DA3-0BD1-444F-8E5D-C1E92C46079B}"/>
+              </a:ext>
+            </a:extLst>
+          </p:cNvPr>
+          <p:cNvPicPr>
+            <a:picLocks noChangeAspect="1" noChangeArrowheads="1"/>
+          </p:cNvPicPr>
+          <p:nvPr/>
+        </p:nvPicPr>
+        <p:blipFill>
+          <a:blip r:embed="rId12">
+            <a:extLst>
+              <a:ext uri="{28A0092B-C50C-407E-A947-70E740481C1C}">
+                <a14:useLocalDpi xmlns:a14="http://schemas.microsoft.com/office/drawing/2010/main" val="0"/>
+              </a:ext>
+            </a:extLst>
+          </a:blip>
+          <a:srcRect/>
+          <a:stretch>
+            <a:fillRect/>
+          </a:stretch>
+        </p:blipFill>
+        <p:spPr bwMode="auto">
+          <a:xfrm>
+            <a:off x="7359844" y="6175720"/>
+            <a:ext cx="923393" cy="552654"/>
+          </a:xfrm>
+          <a:prstGeom prst="rect">
+            <a:avLst/>
+          </a:prstGeom>
+          <a:noFill/>
+          <a:extLst>
+            <a:ext uri="{909E8E84-426E-40DD-AFC4-6F175D3DCCD1}">
+              <a14:hiddenFill xmlns:a14="http://schemas.microsoft.com/office/drawing/2010/main">
+                <a:solidFill>
+                  <a:srgbClr val="FFFFFF"/>
+                </a:solidFill>
+              </a14:hiddenFill>
+            </a:ext>
+          </a:extLst>
+        </p:spPr>
+      </p:pic>
+      <p:pic>
+        <p:nvPicPr>
+          <p:cNvPr id="1060" name="Picture 36" descr="html5 css3 logoì ëí ì´ë¯¸ì§ ê²ìê²°ê³¼">
+            <a:extLst>
+              <a:ext uri="{FF2B5EF4-FFF2-40B4-BE49-F238E27FC236}">
+                <a16:creationId xmlns:a16="http://schemas.microsoft.com/office/drawing/2014/main" id="{3A918932-556B-45E8-9D01-E1C695F1BEF2}"/>
+              </a:ext>
+            </a:extLst>
+          </p:cNvPr>
+          <p:cNvPicPr>
+            <a:picLocks noChangeAspect="1" noChangeArrowheads="1"/>
+          </p:cNvPicPr>
+          <p:nvPr/>
+        </p:nvPicPr>
+        <p:blipFill>
+          <a:blip r:embed="rId13">
+            <a:extLst>
+              <a:ext uri="{28A0092B-C50C-407E-A947-70E740481C1C}">
+                <a14:useLocalDpi xmlns:a14="http://schemas.microsoft.com/office/drawing/2010/main" val="0"/>
+              </a:ext>
+            </a:extLst>
+          </a:blip>
+          <a:srcRect/>
+          <a:stretch>
+            <a:fillRect/>
+          </a:stretch>
+        </p:blipFill>
+        <p:spPr bwMode="auto">
+          <a:xfrm>
+            <a:off x="7056192" y="1384241"/>
+            <a:ext cx="667382" cy="667382"/>
+          </a:xfrm>
+          <a:prstGeom prst="rect">
+            <a:avLst/>
+          </a:prstGeom>
+          <a:noFill/>
+          <a:extLst>
+            <a:ext uri="{909E8E84-426E-40DD-AFC4-6F175D3DCCD1}">
+              <a14:hiddenFill xmlns:a14="http://schemas.microsoft.com/office/drawing/2010/main">
+                <a:solidFill>
+                  <a:srgbClr val="FFFFFF"/>
+                </a:solidFill>
+              </a14:hiddenFill>
+            </a:ext>
+          </a:extLst>
+        </p:spPr>
+      </p:pic>
+      <p:sp>
+        <p:nvSpPr>
+          <p:cNvPr id="71" name="AutoShape 38" descr="html5 css3 logoì ëí ì´ë¯¸ì§ ê²ìê²°ê³¼">
+            <a:extLst>
+              <a:ext uri="{FF2B5EF4-FFF2-40B4-BE49-F238E27FC236}">
+                <a16:creationId xmlns:a16="http://schemas.microsoft.com/office/drawing/2014/main" id="{2F703413-49B2-4A66-ACEA-BF9A2B75D41B}"/>
+              </a:ext>
+            </a:extLst>
+          </p:cNvPr>
+          <p:cNvSpPr>
+            <a:spLocks noChangeAspect="1" noChangeArrowheads="1"/>
+          </p:cNvSpPr>
+          <p:nvPr/>
+        </p:nvSpPr>
+        <p:spPr bwMode="auto">
+          <a:xfrm>
+            <a:off x="5943600" y="3276600"/>
+            <a:ext cx="304800" cy="304800"/>
+          </a:xfrm>
+          <a:prstGeom prst="rect">
+            <a:avLst/>
+          </a:prstGeom>
+          <a:noFill/>
+          <a:extLst>
+            <a:ext uri="{909E8E84-426E-40DD-AFC4-6F175D3DCCD1}">
+              <a14:hiddenFill xmlns:a14="http://schemas.microsoft.com/office/drawing/2010/main">
+                <a:solidFill>
+                  <a:srgbClr val="FFFFFF"/>
+                </a:solidFill>
+              </a14:hiddenFill>
+            </a:ext>
+          </a:extLst>
+        </p:spPr>
+        <p:txBody>
+          <a:bodyPr vert="horz" wrap="square" lIns="91440" tIns="45720" rIns="91440" bIns="45720" numCol="1" anchor="t" anchorCtr="0" compatLnSpc="1">
+            <a:prstTxWarp prst="textNoShape">
+              <a:avLst/>
+            </a:prstTxWarp>
+          </a:bodyPr>
+          <a:lstStyle/>
+          <a:p>
+            <a:endParaRPr lang="ko-KR" altLang="en-US"/>
+          </a:p>
+        </p:txBody>
+      </p:sp>
+      <p:pic>
+        <p:nvPicPr>
+          <p:cNvPr id="1064" name="Picture 40" descr="html5 css3 logoì ëí ì´ë¯¸ì§ ê²ìê²°ê³¼">
+            <a:extLst>
+              <a:ext uri="{FF2B5EF4-FFF2-40B4-BE49-F238E27FC236}">
+                <a16:creationId xmlns:a16="http://schemas.microsoft.com/office/drawing/2014/main" id="{821AC7BE-1C2A-4319-9D73-7F1C6E0AE6C3}"/>
+              </a:ext>
+            </a:extLst>
+          </p:cNvPr>
+          <p:cNvPicPr>
+            <a:picLocks noChangeAspect="1" noChangeArrowheads="1"/>
+          </p:cNvPicPr>
+          <p:nvPr/>
+        </p:nvPicPr>
+        <p:blipFill>
+          <a:blip r:embed="rId14">
+            <a:extLst>
+              <a:ext uri="{28A0092B-C50C-407E-A947-70E740481C1C}">
+                <a14:useLocalDpi xmlns:a14="http://schemas.microsoft.com/office/drawing/2010/main" val="0"/>
+              </a:ext>
+            </a:extLst>
+          </a:blip>
+          <a:srcRect/>
+          <a:stretch>
+            <a:fillRect/>
+          </a:stretch>
+        </p:blipFill>
+        <p:spPr bwMode="auto">
+          <a:xfrm>
+            <a:off x="7875959" y="1382243"/>
+            <a:ext cx="493792" cy="692232"/>
+          </a:xfrm>
+          <a:prstGeom prst="rect">
+            <a:avLst/>
+          </a:prstGeom>
+          <a:noFill/>
+          <a:extLst>
+            <a:ext uri="{909E8E84-426E-40DD-AFC4-6F175D3DCCD1}">
+              <a14:hiddenFill xmlns:a14="http://schemas.microsoft.com/office/drawing/2010/main">
+                <a:solidFill>
+                  <a:srgbClr val="FFFFFF"/>
+                </a:solidFill>
+              </a14:hiddenFill>
+            </a:ext>
+          </a:extLst>
+        </p:spPr>
+      </p:pic>
+      <p:pic>
+        <p:nvPicPr>
+          <p:cNvPr id="1066" name="Picture 42" descr="javascript logo pngì ëí ì´ë¯¸ì§ ê²ìê²°ê³¼">
+            <a:extLst>
+              <a:ext uri="{FF2B5EF4-FFF2-40B4-BE49-F238E27FC236}">
+                <a16:creationId xmlns:a16="http://schemas.microsoft.com/office/drawing/2014/main" id="{9C484A0C-0AF9-4171-8744-AB4EDA3BF791}"/>
+              </a:ext>
+            </a:extLst>
+          </p:cNvPr>
+          <p:cNvPicPr>
+            <a:picLocks noChangeAspect="1" noChangeArrowheads="1"/>
+          </p:cNvPicPr>
+          <p:nvPr/>
+        </p:nvPicPr>
+        <p:blipFill>
+          <a:blip r:embed="rId15">
+            <a:extLst>
+              <a:ext uri="{28A0092B-C50C-407E-A947-70E740481C1C}">
+                <a14:useLocalDpi xmlns:a14="http://schemas.microsoft.com/office/drawing/2010/main" val="0"/>
+              </a:ext>
+            </a:extLst>
+          </a:blip>
+          <a:srcRect/>
+          <a:stretch>
+            <a:fillRect/>
+          </a:stretch>
+        </p:blipFill>
+        <p:spPr bwMode="auto">
+          <a:xfrm>
+            <a:off x="8522136" y="1369550"/>
+            <a:ext cx="759339" cy="759339"/>
+          </a:xfrm>
+          <a:prstGeom prst="rect">
+            <a:avLst/>
+          </a:prstGeom>
+          <a:noFill/>
+          <a:extLst>
+            <a:ext uri="{909E8E84-426E-40DD-AFC4-6F175D3DCCD1}">
+              <a14:hiddenFill xmlns:a14="http://schemas.microsoft.com/office/drawing/2010/main">
+                <a:solidFill>
+                  <a:srgbClr val="FFFFFF"/>
+                </a:solidFill>
+              </a14:hiddenFill>
+            </a:ext>
+          </a:extLst>
+        </p:spPr>
+      </p:pic>
+      <p:sp>
+        <p:nvSpPr>
+          <p:cNvPr id="72" name="TextBox 71">
+            <a:extLst>
+              <a:ext uri="{FF2B5EF4-FFF2-40B4-BE49-F238E27FC236}">
+                <a16:creationId xmlns:a16="http://schemas.microsoft.com/office/drawing/2014/main" id="{B713FB99-A9FE-47D7-8321-6E9FFE1BA448}"/>
+              </a:ext>
+            </a:extLst>
+          </p:cNvPr>
+          <p:cNvSpPr txBox="1"/>
+          <p:nvPr/>
+        </p:nvSpPr>
+        <p:spPr>
+          <a:xfrm>
+            <a:off x="9031550" y="6170543"/>
+            <a:ext cx="3160450" cy="461665"/>
+          </a:xfrm>
+          <a:prstGeom prst="rect">
+            <a:avLst/>
+          </a:prstGeom>
+          <a:noFill/>
+        </p:spPr>
+        <p:txBody>
+          <a:bodyPr wrap="square" rtlCol="0">
+            <a:spAutoFit/>
+          </a:bodyPr>
+          <a:lstStyle/>
+          <a:p>
+            <a:r>
+              <a:rPr lang="en-US" altLang="ko-KR" sz="1200" dirty="0" err="1"/>
+              <a:t>Github</a:t>
+            </a:r>
+            <a:r>
+              <a:rPr lang="en-US" altLang="ko-KR" sz="1200" dirty="0"/>
+              <a:t> </a:t>
+            </a:r>
+            <a:r>
+              <a:rPr lang="en-US" altLang="ko-KR" sz="1200" dirty="0">
+                <a:hlinkClick r:id="rId16"/>
+              </a:rPr>
+              <a:t>https://github.com/hwasurr/OnAD_project</a:t>
+            </a:r>
+            <a:endParaRPr lang="ko-KR" altLang="en-US" sz="1200" dirty="0"/>
+          </a:p>
+        </p:txBody>
+      </p:sp>
+    </p:spTree>
+    <p:extLst>
+      <p:ext uri="{BB962C8B-B14F-4D97-AF65-F5344CB8AC3E}">
+        <p14:creationId xmlns:p14="http://schemas.microsoft.com/office/powerpoint/2010/main" val="2494754067"/>
+      </p:ext>
+    </p:extLst>
+  </p:cSld>
+  <p:clrMapOvr>
+    <a:masterClrMapping/>
+  </p:clrMapOvr>
+</p:sld>
+</file>
+
 <file path=ppt/slides/slide4.xml><?xml version="1.0" encoding="utf-8"?>
 <p:sld xmlns:a="http://schemas.openxmlformats.org/drawingml/2006/main" xmlns:r="http://schemas.openxmlformats.org/officeDocument/2006/relationships" xmlns:p="http://schemas.openxmlformats.org/presentationml/2006/main">
   <p:cSld>
@@ -7267,57 +8043,12 @@
           <a:chExt cx="0" cy="0"/>
         </a:xfrm>
       </p:grpSpPr>
-      <p:sp>
-        <p:nvSpPr>
-          <p:cNvPr id="8" name="순서도: 처리 7">
-            <a:extLst>
-              <a:ext uri="{FF2B5EF4-FFF2-40B4-BE49-F238E27FC236}">
-                <a16:creationId xmlns:a16="http://schemas.microsoft.com/office/drawing/2014/main" id="{D1F93629-A9C5-4668-BA0E-D311CB46C77E}"/>
-              </a:ext>
-            </a:extLst>
-          </p:cNvPr>
-          <p:cNvSpPr/>
-          <p:nvPr/>
-        </p:nvSpPr>
-        <p:spPr>
-          <a:xfrm>
-            <a:off x="1737604" y="1388133"/>
-            <a:ext cx="1775534" cy="1855434"/>
-          </a:xfrm>
-          <a:prstGeom prst="flowChartProcess">
-            <a:avLst/>
-          </a:prstGeom>
-          <a:ln/>
-        </p:spPr>
-        <p:style>
-          <a:lnRef idx="1">
-            <a:schemeClr val="accent3"/>
-          </a:lnRef>
-          <a:fillRef idx="2">
-            <a:schemeClr val="accent3"/>
-          </a:fillRef>
-          <a:effectRef idx="1">
-            <a:schemeClr val="accent3"/>
-          </a:effectRef>
-          <a:fontRef idx="minor">
-            <a:schemeClr val="dk1"/>
-          </a:fontRef>
-        </p:style>
-        <p:txBody>
-          <a:bodyPr rtlCol="0" anchor="ctr"/>
-          <a:lstStyle/>
-          <a:p>
-            <a:pPr algn="ctr"/>
-            <a:endParaRPr lang="ko-KR" altLang="en-US" dirty="0"/>
-          </a:p>
-        </p:txBody>
-      </p:sp>
       <p:pic>
         <p:nvPicPr>
-          <p:cNvPr id="1026" name="Picture 2" descr="í¸ìì¹ì ëí ì´ë¯¸ì§ ê²ìê²°ê³¼">
-            <a:extLst>
-              <a:ext uri="{FF2B5EF4-FFF2-40B4-BE49-F238E27FC236}">
-                <a16:creationId xmlns:a16="http://schemas.microsoft.com/office/drawing/2014/main" id="{0CF2EE97-92C1-4E6F-BF0D-AB612461053A}"/>
+          <p:cNvPr id="2064" name="Picture 16" descr="Drawing of a whale">
+            <a:extLst>
+              <a:ext uri="{FF2B5EF4-FFF2-40B4-BE49-F238E27FC236}">
+                <a16:creationId xmlns:a16="http://schemas.microsoft.com/office/drawing/2014/main" id="{BB9EEBC1-6712-4820-A348-5CBB6099D6B9}"/>
               </a:ext>
             </a:extLst>
           </p:cNvPr>
@@ -7341,8 +8072,8 @@
         </p:blipFill>
         <p:spPr bwMode="auto">
           <a:xfrm>
-            <a:off x="4391012" y="231508"/>
-            <a:ext cx="1570375" cy="931842"/>
+            <a:off x="614736" y="1966805"/>
+            <a:ext cx="8774065" cy="4868846"/>
           </a:xfrm>
           <a:prstGeom prst="rect">
             <a:avLst/>
@@ -7361,106 +8092,10 @@
       </p:pic>
       <p:sp>
         <p:nvSpPr>
-          <p:cNvPr id="9" name="TextBox 8">
-            <a:extLst>
-              <a:ext uri="{FF2B5EF4-FFF2-40B4-BE49-F238E27FC236}">
-                <a16:creationId xmlns:a16="http://schemas.microsoft.com/office/drawing/2014/main" id="{A5894C39-C20F-4152-A926-BDCDEBC9EFDC}"/>
-              </a:ext>
-            </a:extLst>
-          </p:cNvPr>
-          <p:cNvSpPr txBox="1"/>
-          <p:nvPr/>
-        </p:nvSpPr>
-        <p:spPr>
-          <a:xfrm>
-            <a:off x="4469939" y="1196799"/>
-            <a:ext cx="1491448" cy="646331"/>
-          </a:xfrm>
-          <a:prstGeom prst="rect">
-            <a:avLst/>
-          </a:prstGeom>
-          <a:noFill/>
-        </p:spPr>
-        <p:txBody>
-          <a:bodyPr wrap="square" rtlCol="0">
-            <a:spAutoFit/>
-          </a:bodyPr>
-          <a:lstStyle/>
-          <a:p>
-            <a:r>
-              <a:rPr lang="ko-KR" altLang="en-US" dirty="0"/>
-              <a:t>스트리밍</a:t>
-            </a:r>
-            <a:endParaRPr lang="en-US" altLang="ko-KR" dirty="0"/>
-          </a:p>
-          <a:p>
-            <a:r>
-              <a:rPr lang="ko-KR" altLang="en-US" dirty="0"/>
-              <a:t>데이터 발생</a:t>
-            </a:r>
-          </a:p>
-        </p:txBody>
-      </p:sp>
-      <p:sp>
-        <p:nvSpPr>
-          <p:cNvPr id="11" name="TextBox 10">
-            <a:extLst>
-              <a:ext uri="{FF2B5EF4-FFF2-40B4-BE49-F238E27FC236}">
-                <a16:creationId xmlns:a16="http://schemas.microsoft.com/office/drawing/2014/main" id="{DE1422A8-457D-4418-A6EB-734F26006B6E}"/>
-              </a:ext>
-            </a:extLst>
-          </p:cNvPr>
-          <p:cNvSpPr txBox="1"/>
-          <p:nvPr/>
-        </p:nvSpPr>
-        <p:spPr>
-          <a:xfrm>
-            <a:off x="1714942" y="1835315"/>
-            <a:ext cx="1993003" cy="984885"/>
-          </a:xfrm>
-          <a:prstGeom prst="rect">
-            <a:avLst/>
-          </a:prstGeom>
-          <a:noFill/>
-        </p:spPr>
-        <p:txBody>
-          <a:bodyPr wrap="square" rtlCol="0">
-            <a:spAutoFit/>
-          </a:bodyPr>
-          <a:lstStyle/>
-          <a:p>
-            <a:r>
-              <a:rPr lang="ko-KR" altLang="en-US" sz="1600" dirty="0"/>
-              <a:t>데이터수집 시스템</a:t>
-            </a:r>
-            <a:endParaRPr lang="en-US" altLang="ko-KR" dirty="0"/>
-          </a:p>
-          <a:p>
-            <a:r>
-              <a:rPr lang="en-US" altLang="ko-KR" sz="1400" dirty="0"/>
-              <a:t>(Chatty,</a:t>
-            </a:r>
-          </a:p>
-          <a:p>
-            <a:r>
-              <a:rPr lang="en-US" altLang="ko-KR" sz="1400" dirty="0"/>
-              <a:t>Twitch </a:t>
-            </a:r>
-          </a:p>
-          <a:p>
-            <a:r>
-              <a:rPr lang="en-US" altLang="ko-KR" sz="1400" dirty="0"/>
-              <a:t>API request)</a:t>
-            </a:r>
-          </a:p>
-        </p:txBody>
-      </p:sp>
-      <p:sp>
-        <p:nvSpPr>
-          <p:cNvPr id="12" name="순서도: 처리 11">
-            <a:extLst>
-              <a:ext uri="{FF2B5EF4-FFF2-40B4-BE49-F238E27FC236}">
-                <a16:creationId xmlns:a16="http://schemas.microsoft.com/office/drawing/2014/main" id="{E406DE63-494F-40F7-AC6B-A4F15927CF2D}"/>
+          <p:cNvPr id="16" name="직사각형 15">
+            <a:extLst>
+              <a:ext uri="{FF2B5EF4-FFF2-40B4-BE49-F238E27FC236}">
+                <a16:creationId xmlns:a16="http://schemas.microsoft.com/office/drawing/2014/main" id="{3422E850-8580-445E-BDC2-0026F49B394D}"/>
               </a:ext>
             </a:extLst>
           </p:cNvPr>
@@ -7469,996 +8104,8 @@
         </p:nvSpPr>
         <p:spPr>
           <a:xfrm>
-            <a:off x="4264149" y="5027228"/>
-            <a:ext cx="1570375" cy="1158331"/>
-          </a:xfrm>
-          <a:prstGeom prst="flowChartProcess">
-            <a:avLst/>
-          </a:prstGeom>
-          <a:ln/>
-        </p:spPr>
-        <p:style>
-          <a:lnRef idx="1">
-            <a:schemeClr val="accent3"/>
-          </a:lnRef>
-          <a:fillRef idx="2">
-            <a:schemeClr val="accent3"/>
-          </a:fillRef>
-          <a:effectRef idx="1">
-            <a:schemeClr val="accent3"/>
-          </a:effectRef>
-          <a:fontRef idx="minor">
-            <a:schemeClr val="dk1"/>
-          </a:fontRef>
-        </p:style>
-        <p:txBody>
-          <a:bodyPr rtlCol="0" anchor="ctr"/>
-          <a:lstStyle/>
-          <a:p>
-            <a:pPr algn="ctr"/>
-            <a:endParaRPr lang="ko-KR" altLang="en-US" dirty="0"/>
-          </a:p>
-        </p:txBody>
-      </p:sp>
-      <p:sp>
-        <p:nvSpPr>
-          <p:cNvPr id="10" name="순서도: 자기 디스크 9">
-            <a:extLst>
-              <a:ext uri="{FF2B5EF4-FFF2-40B4-BE49-F238E27FC236}">
-                <a16:creationId xmlns:a16="http://schemas.microsoft.com/office/drawing/2014/main" id="{0F900185-E95C-4A89-9096-B7882CC682C6}"/>
-              </a:ext>
-            </a:extLst>
-          </p:cNvPr>
-          <p:cNvSpPr/>
-          <p:nvPr/>
-        </p:nvSpPr>
-        <p:spPr>
-          <a:xfrm>
-            <a:off x="1727446" y="3877323"/>
-            <a:ext cx="1775534" cy="2130641"/>
-          </a:xfrm>
-          <a:prstGeom prst="flowChartMagneticDisk">
-            <a:avLst/>
-          </a:prstGeom>
-        </p:spPr>
-        <p:style>
-          <a:lnRef idx="3">
-            <a:schemeClr val="lt1"/>
-          </a:lnRef>
-          <a:fillRef idx="1">
-            <a:schemeClr val="accent3"/>
-          </a:fillRef>
-          <a:effectRef idx="1">
-            <a:schemeClr val="accent3"/>
-          </a:effectRef>
-          <a:fontRef idx="minor">
-            <a:schemeClr val="lt1"/>
-          </a:fontRef>
-        </p:style>
-        <p:txBody>
-          <a:bodyPr rtlCol="0" anchor="ctr"/>
-          <a:lstStyle/>
-          <a:p>
-            <a:pPr algn="ctr"/>
-            <a:endParaRPr lang="ko-KR" altLang="en-US"/>
-          </a:p>
-        </p:txBody>
-      </p:sp>
-      <p:sp>
-        <p:nvSpPr>
-          <p:cNvPr id="15" name="TextBox 14">
-            <a:extLst>
-              <a:ext uri="{FF2B5EF4-FFF2-40B4-BE49-F238E27FC236}">
-                <a16:creationId xmlns:a16="http://schemas.microsoft.com/office/drawing/2014/main" id="{40386C45-3AC1-4B1D-B4C6-B685061B1AC0}"/>
-              </a:ext>
-            </a:extLst>
-          </p:cNvPr>
-          <p:cNvSpPr txBox="1"/>
-          <p:nvPr/>
-        </p:nvSpPr>
-        <p:spPr>
-          <a:xfrm>
-            <a:off x="1777014" y="4684269"/>
-            <a:ext cx="1775534" cy="861774"/>
-          </a:xfrm>
-          <a:prstGeom prst="rect">
-            <a:avLst/>
-          </a:prstGeom>
-          <a:noFill/>
-        </p:spPr>
-        <p:txBody>
-          <a:bodyPr wrap="square" rtlCol="0">
-            <a:spAutoFit/>
-          </a:bodyPr>
-          <a:lstStyle/>
-          <a:p>
-            <a:r>
-              <a:rPr lang="en-US" altLang="ko-KR" dirty="0"/>
-              <a:t>Low</a:t>
-            </a:r>
-            <a:r>
-              <a:rPr lang="ko-KR" altLang="en-US" dirty="0"/>
-              <a:t> </a:t>
-            </a:r>
-            <a:r>
-              <a:rPr lang="en-US" altLang="ko-KR" dirty="0"/>
-              <a:t>Data</a:t>
-            </a:r>
-          </a:p>
-          <a:p>
-            <a:r>
-              <a:rPr lang="en-US" altLang="ko-KR" dirty="0"/>
-              <a:t>Database</a:t>
-            </a:r>
-          </a:p>
-          <a:p>
-            <a:r>
-              <a:rPr lang="en-US" altLang="ko-KR" sz="1400" dirty="0"/>
-              <a:t>(</a:t>
-            </a:r>
-            <a:r>
-              <a:rPr lang="en-US" altLang="ko-KR" sz="1400" dirty="0" err="1"/>
-              <a:t>RDMBS_MariaDB</a:t>
-            </a:r>
-            <a:r>
-              <a:rPr lang="en-US" altLang="ko-KR" sz="1400" dirty="0"/>
-              <a:t>)</a:t>
-            </a:r>
-          </a:p>
-        </p:txBody>
-      </p:sp>
-      <p:sp>
-        <p:nvSpPr>
-          <p:cNvPr id="14" name="화살표: 아래쪽 13">
-            <a:extLst>
-              <a:ext uri="{FF2B5EF4-FFF2-40B4-BE49-F238E27FC236}">
-                <a16:creationId xmlns:a16="http://schemas.microsoft.com/office/drawing/2014/main" id="{4B205031-7BDC-43CC-A368-F56532618B23}"/>
-              </a:ext>
-            </a:extLst>
-          </p:cNvPr>
-          <p:cNvSpPr/>
-          <p:nvPr/>
-        </p:nvSpPr>
-        <p:spPr>
-          <a:xfrm>
-            <a:off x="2397710" y="3356741"/>
-            <a:ext cx="435006" cy="448323"/>
-          </a:xfrm>
-          <a:prstGeom prst="downArrow">
-            <a:avLst/>
-          </a:prstGeom>
-        </p:spPr>
-        <p:style>
-          <a:lnRef idx="3">
-            <a:schemeClr val="lt1"/>
-          </a:lnRef>
-          <a:fillRef idx="1">
-            <a:schemeClr val="dk1"/>
-          </a:fillRef>
-          <a:effectRef idx="1">
-            <a:schemeClr val="dk1"/>
-          </a:effectRef>
-          <a:fontRef idx="minor">
-            <a:schemeClr val="lt1"/>
-          </a:fontRef>
-        </p:style>
-        <p:txBody>
-          <a:bodyPr rtlCol="0" anchor="ctr"/>
-          <a:lstStyle/>
-          <a:p>
-            <a:pPr algn="ctr"/>
-            <a:endParaRPr lang="ko-KR" altLang="en-US"/>
-          </a:p>
-        </p:txBody>
-      </p:sp>
-      <p:sp>
-        <p:nvSpPr>
-          <p:cNvPr id="17" name="화살표: 아래쪽 16">
-            <a:extLst>
-              <a:ext uri="{FF2B5EF4-FFF2-40B4-BE49-F238E27FC236}">
-                <a16:creationId xmlns:a16="http://schemas.microsoft.com/office/drawing/2014/main" id="{751821A0-236B-4A62-B641-742825FFF526}"/>
-              </a:ext>
-            </a:extLst>
-          </p:cNvPr>
-          <p:cNvSpPr/>
-          <p:nvPr/>
-        </p:nvSpPr>
-        <p:spPr>
-          <a:xfrm rot="3371226">
-            <a:off x="3866225" y="1554941"/>
-            <a:ext cx="435006" cy="448323"/>
-          </a:xfrm>
-          <a:prstGeom prst="downArrow">
-            <a:avLst/>
-          </a:prstGeom>
-        </p:spPr>
-        <p:style>
-          <a:lnRef idx="3">
-            <a:schemeClr val="lt1"/>
-          </a:lnRef>
-          <a:fillRef idx="1">
-            <a:schemeClr val="dk1"/>
-          </a:fillRef>
-          <a:effectRef idx="1">
-            <a:schemeClr val="dk1"/>
-          </a:effectRef>
-          <a:fontRef idx="minor">
-            <a:schemeClr val="lt1"/>
-          </a:fontRef>
-        </p:style>
-        <p:txBody>
-          <a:bodyPr rtlCol="0" anchor="ctr"/>
-          <a:lstStyle/>
-          <a:p>
-            <a:pPr algn="ctr"/>
-            <a:endParaRPr lang="ko-KR" altLang="en-US"/>
-          </a:p>
-        </p:txBody>
-      </p:sp>
-      <p:sp>
-        <p:nvSpPr>
-          <p:cNvPr id="18" name="화살표: 아래쪽 17">
-            <a:extLst>
-              <a:ext uri="{FF2B5EF4-FFF2-40B4-BE49-F238E27FC236}">
-                <a16:creationId xmlns:a16="http://schemas.microsoft.com/office/drawing/2014/main" id="{AF229895-AEFC-4A8A-84FA-C3B2B191AD83}"/>
-              </a:ext>
-            </a:extLst>
-          </p:cNvPr>
-          <p:cNvSpPr/>
-          <p:nvPr/>
-        </p:nvSpPr>
-        <p:spPr>
-          <a:xfrm rot="16200000">
-            <a:off x="3684510" y="5104378"/>
-            <a:ext cx="435006" cy="448323"/>
-          </a:xfrm>
-          <a:prstGeom prst="downArrow">
-            <a:avLst/>
-          </a:prstGeom>
-        </p:spPr>
-        <p:style>
-          <a:lnRef idx="3">
-            <a:schemeClr val="lt1"/>
-          </a:lnRef>
-          <a:fillRef idx="1">
-            <a:schemeClr val="dk1"/>
-          </a:fillRef>
-          <a:effectRef idx="1">
-            <a:schemeClr val="dk1"/>
-          </a:effectRef>
-          <a:fontRef idx="minor">
-            <a:schemeClr val="lt1"/>
-          </a:fontRef>
-        </p:style>
-        <p:txBody>
-          <a:bodyPr rtlCol="0" anchor="ctr"/>
-          <a:lstStyle/>
-          <a:p>
-            <a:pPr algn="ctr"/>
-            <a:endParaRPr lang="ko-KR" altLang="en-US"/>
-          </a:p>
-        </p:txBody>
-      </p:sp>
-      <p:sp>
-        <p:nvSpPr>
-          <p:cNvPr id="19" name="TextBox 18">
-            <a:extLst>
-              <a:ext uri="{FF2B5EF4-FFF2-40B4-BE49-F238E27FC236}">
-                <a16:creationId xmlns:a16="http://schemas.microsoft.com/office/drawing/2014/main" id="{78250E31-E356-407D-9F9E-7D13B5CCDA6B}"/>
-              </a:ext>
-            </a:extLst>
-          </p:cNvPr>
-          <p:cNvSpPr txBox="1"/>
-          <p:nvPr/>
-        </p:nvSpPr>
-        <p:spPr>
-          <a:xfrm>
-            <a:off x="4259321" y="5187493"/>
-            <a:ext cx="1575204" cy="892552"/>
-          </a:xfrm>
-          <a:prstGeom prst="rect">
-            <a:avLst/>
-          </a:prstGeom>
-          <a:noFill/>
-        </p:spPr>
-        <p:txBody>
-          <a:bodyPr wrap="square" rtlCol="0">
-            <a:spAutoFit/>
-          </a:bodyPr>
-          <a:lstStyle/>
-          <a:p>
-            <a:r>
-              <a:rPr lang="ko-KR" altLang="en-US" sz="1600" dirty="0" err="1"/>
-              <a:t>전처리</a:t>
-            </a:r>
-            <a:r>
-              <a:rPr lang="ko-KR" altLang="en-US" sz="1600" dirty="0"/>
-              <a:t> 시스템</a:t>
-            </a:r>
-            <a:endParaRPr lang="en-US" altLang="ko-KR" sz="1600" dirty="0"/>
-          </a:p>
-          <a:p>
-            <a:r>
-              <a:rPr lang="en-US" altLang="ko-KR" sz="1200" dirty="0"/>
-              <a:t>(</a:t>
-            </a:r>
-            <a:r>
-              <a:rPr lang="ko-KR" altLang="en-US" sz="1200" dirty="0"/>
-              <a:t>형태소 분석기</a:t>
-            </a:r>
-            <a:r>
-              <a:rPr lang="en-US" altLang="ko-KR" sz="1200" dirty="0"/>
-              <a:t>,</a:t>
-            </a:r>
-          </a:p>
-          <a:p>
-            <a:r>
-              <a:rPr lang="en-US" altLang="ko-KR" sz="1200" dirty="0"/>
-              <a:t>Pandas</a:t>
-            </a:r>
-          </a:p>
-          <a:p>
-            <a:r>
-              <a:rPr lang="ko-KR" altLang="en-US" sz="1200" dirty="0"/>
-              <a:t>데이터 프레임</a:t>
-            </a:r>
-            <a:r>
-              <a:rPr lang="en-US" altLang="ko-KR" sz="1200" dirty="0"/>
-              <a:t>)</a:t>
-            </a:r>
-            <a:endParaRPr lang="en-US" altLang="ko-KR" sz="1400" dirty="0"/>
-          </a:p>
-        </p:txBody>
-      </p:sp>
-      <p:sp>
-        <p:nvSpPr>
-          <p:cNvPr id="20" name="순서도: 자기 디스크 19">
-            <a:extLst>
-              <a:ext uri="{FF2B5EF4-FFF2-40B4-BE49-F238E27FC236}">
-                <a16:creationId xmlns:a16="http://schemas.microsoft.com/office/drawing/2014/main" id="{77FA884B-18F1-4FF7-81E9-4538231BA8D8}"/>
-              </a:ext>
-            </a:extLst>
-          </p:cNvPr>
-          <p:cNvSpPr/>
-          <p:nvPr/>
-        </p:nvSpPr>
-        <p:spPr>
-          <a:xfrm>
-            <a:off x="6525326" y="4731648"/>
-            <a:ext cx="1570375" cy="1590550"/>
-          </a:xfrm>
-          <a:prstGeom prst="flowChartMagneticDisk">
-            <a:avLst/>
-          </a:prstGeom>
-        </p:spPr>
-        <p:style>
-          <a:lnRef idx="3">
-            <a:schemeClr val="lt1"/>
-          </a:lnRef>
-          <a:fillRef idx="1">
-            <a:schemeClr val="accent3"/>
-          </a:fillRef>
-          <a:effectRef idx="1">
-            <a:schemeClr val="accent3"/>
-          </a:effectRef>
-          <a:fontRef idx="minor">
-            <a:schemeClr val="lt1"/>
-          </a:fontRef>
-        </p:style>
-        <p:txBody>
-          <a:bodyPr rtlCol="0" anchor="ctr"/>
-          <a:lstStyle/>
-          <a:p>
-            <a:pPr algn="ctr"/>
-            <a:endParaRPr lang="ko-KR" altLang="en-US" dirty="0"/>
-          </a:p>
-        </p:txBody>
-      </p:sp>
-      <p:sp>
-        <p:nvSpPr>
-          <p:cNvPr id="21" name="TextBox 20">
-            <a:extLst>
-              <a:ext uri="{FF2B5EF4-FFF2-40B4-BE49-F238E27FC236}">
-                <a16:creationId xmlns:a16="http://schemas.microsoft.com/office/drawing/2014/main" id="{83F4AD10-CC05-4880-BC29-746B366061E8}"/>
-              </a:ext>
-            </a:extLst>
-          </p:cNvPr>
-          <p:cNvSpPr txBox="1"/>
-          <p:nvPr/>
-        </p:nvSpPr>
-        <p:spPr>
-          <a:xfrm>
-            <a:off x="6570066" y="5109986"/>
-            <a:ext cx="1570375" cy="1200329"/>
-          </a:xfrm>
-          <a:prstGeom prst="rect">
-            <a:avLst/>
-          </a:prstGeom>
-          <a:noFill/>
-        </p:spPr>
-        <p:txBody>
-          <a:bodyPr wrap="square" rtlCol="0">
-            <a:spAutoFit/>
-          </a:bodyPr>
-          <a:lstStyle/>
-          <a:p>
-            <a:r>
-              <a:rPr lang="en-US" altLang="ko-KR" dirty="0"/>
-              <a:t>Pre-processed Database</a:t>
-            </a:r>
-          </a:p>
-          <a:p>
-            <a:r>
-              <a:rPr lang="en-US" altLang="ko-KR" sz="1600" dirty="0"/>
-              <a:t>(file)</a:t>
-            </a:r>
-            <a:endParaRPr lang="en-US" altLang="ko-KR" dirty="0"/>
-          </a:p>
-        </p:txBody>
-      </p:sp>
-      <p:sp>
-        <p:nvSpPr>
-          <p:cNvPr id="22" name="화살표: 아래쪽 21">
-            <a:extLst>
-              <a:ext uri="{FF2B5EF4-FFF2-40B4-BE49-F238E27FC236}">
-                <a16:creationId xmlns:a16="http://schemas.microsoft.com/office/drawing/2014/main" id="{19140C2A-4A3C-49B8-87EB-A2A67F98781F}"/>
-              </a:ext>
-            </a:extLst>
-          </p:cNvPr>
-          <p:cNvSpPr/>
-          <p:nvPr/>
-        </p:nvSpPr>
-        <p:spPr>
-          <a:xfrm rot="16200000">
-            <a:off x="5990917" y="5190380"/>
-            <a:ext cx="435006" cy="448323"/>
-          </a:xfrm>
-          <a:prstGeom prst="downArrow">
-            <a:avLst/>
-          </a:prstGeom>
-        </p:spPr>
-        <p:style>
-          <a:lnRef idx="3">
-            <a:schemeClr val="lt1"/>
-          </a:lnRef>
-          <a:fillRef idx="1">
-            <a:schemeClr val="dk1"/>
-          </a:fillRef>
-          <a:effectRef idx="1">
-            <a:schemeClr val="dk1"/>
-          </a:effectRef>
-          <a:fontRef idx="minor">
-            <a:schemeClr val="lt1"/>
-          </a:fontRef>
-        </p:style>
-        <p:txBody>
-          <a:bodyPr rtlCol="0" anchor="ctr"/>
-          <a:lstStyle/>
-          <a:p>
-            <a:pPr algn="ctr"/>
-            <a:endParaRPr lang="ko-KR" altLang="en-US"/>
-          </a:p>
-        </p:txBody>
-      </p:sp>
-      <p:sp>
-        <p:nvSpPr>
-          <p:cNvPr id="23" name="순서도: 처리 22">
-            <a:extLst>
-              <a:ext uri="{FF2B5EF4-FFF2-40B4-BE49-F238E27FC236}">
-                <a16:creationId xmlns:a16="http://schemas.microsoft.com/office/drawing/2014/main" id="{895917F6-341E-45B0-944D-936D9CDC090E}"/>
-              </a:ext>
-            </a:extLst>
-          </p:cNvPr>
-          <p:cNvSpPr/>
-          <p:nvPr/>
-        </p:nvSpPr>
-        <p:spPr>
-          <a:xfrm>
-            <a:off x="8791023" y="4456340"/>
-            <a:ext cx="1570375" cy="1845882"/>
-          </a:xfrm>
-          <a:prstGeom prst="flowChartProcess">
-            <a:avLst/>
-          </a:prstGeom>
-          <a:ln/>
-        </p:spPr>
-        <p:style>
-          <a:lnRef idx="1">
-            <a:schemeClr val="accent3"/>
-          </a:lnRef>
-          <a:fillRef idx="2">
-            <a:schemeClr val="accent3"/>
-          </a:fillRef>
-          <a:effectRef idx="1">
-            <a:schemeClr val="accent3"/>
-          </a:effectRef>
-          <a:fontRef idx="minor">
-            <a:schemeClr val="dk1"/>
-          </a:fontRef>
-        </p:style>
-        <p:txBody>
-          <a:bodyPr rtlCol="0" anchor="ctr"/>
-          <a:lstStyle/>
-          <a:p>
-            <a:pPr algn="ctr"/>
-            <a:endParaRPr lang="ko-KR" altLang="en-US" dirty="0"/>
-          </a:p>
-        </p:txBody>
-      </p:sp>
-      <p:sp>
-        <p:nvSpPr>
-          <p:cNvPr id="24" name="화살표: 아래쪽 23">
-            <a:extLst>
-              <a:ext uri="{FF2B5EF4-FFF2-40B4-BE49-F238E27FC236}">
-                <a16:creationId xmlns:a16="http://schemas.microsoft.com/office/drawing/2014/main" id="{E01A83EB-2854-4602-B157-83853CC5BF4A}"/>
-              </a:ext>
-            </a:extLst>
-          </p:cNvPr>
-          <p:cNvSpPr/>
-          <p:nvPr/>
-        </p:nvSpPr>
-        <p:spPr>
-          <a:xfrm rot="16200000">
-            <a:off x="8259878" y="5104920"/>
-            <a:ext cx="435006" cy="448323"/>
-          </a:xfrm>
-          <a:prstGeom prst="downArrow">
-            <a:avLst/>
-          </a:prstGeom>
-        </p:spPr>
-        <p:style>
-          <a:lnRef idx="3">
-            <a:schemeClr val="lt1"/>
-          </a:lnRef>
-          <a:fillRef idx="1">
-            <a:schemeClr val="dk1"/>
-          </a:fillRef>
-          <a:effectRef idx="1">
-            <a:schemeClr val="dk1"/>
-          </a:effectRef>
-          <a:fontRef idx="minor">
-            <a:schemeClr val="lt1"/>
-          </a:fontRef>
-        </p:style>
-        <p:txBody>
-          <a:bodyPr rtlCol="0" anchor="ctr"/>
-          <a:lstStyle/>
-          <a:p>
-            <a:pPr algn="ctr"/>
-            <a:endParaRPr lang="ko-KR" altLang="en-US"/>
-          </a:p>
-        </p:txBody>
-      </p:sp>
-      <p:sp>
-        <p:nvSpPr>
-          <p:cNvPr id="25" name="TextBox 24">
-            <a:extLst>
-              <a:ext uri="{FF2B5EF4-FFF2-40B4-BE49-F238E27FC236}">
-                <a16:creationId xmlns:a16="http://schemas.microsoft.com/office/drawing/2014/main" id="{F14AB434-34A2-42FB-917A-C7F4B6FC3B21}"/>
-              </a:ext>
-            </a:extLst>
-          </p:cNvPr>
-          <p:cNvSpPr txBox="1"/>
-          <p:nvPr/>
-        </p:nvSpPr>
-        <p:spPr>
-          <a:xfrm>
-            <a:off x="8791023" y="5025472"/>
-            <a:ext cx="1570375" cy="923330"/>
-          </a:xfrm>
-          <a:prstGeom prst="rect">
-            <a:avLst/>
-          </a:prstGeom>
-          <a:noFill/>
-        </p:spPr>
-        <p:txBody>
-          <a:bodyPr wrap="square" rtlCol="0">
-            <a:spAutoFit/>
-          </a:bodyPr>
-          <a:lstStyle/>
-          <a:p>
-            <a:r>
-              <a:rPr lang="ko-KR" altLang="en-US" sz="2000" dirty="0" err="1"/>
-              <a:t>편집점</a:t>
-            </a:r>
-            <a:r>
-              <a:rPr lang="ko-KR" altLang="en-US" sz="2000" dirty="0"/>
-              <a:t> 분석</a:t>
-            </a:r>
-            <a:endParaRPr lang="en-US" altLang="ko-KR" sz="2000" dirty="0"/>
-          </a:p>
-          <a:p>
-            <a:r>
-              <a:rPr lang="ko-KR" altLang="en-US" sz="2000" dirty="0"/>
-              <a:t>시스템</a:t>
-            </a:r>
-            <a:endParaRPr lang="en-US" altLang="ko-KR" sz="2000" dirty="0"/>
-          </a:p>
-          <a:p>
-            <a:r>
-              <a:rPr lang="en-US" altLang="ko-KR" sz="1200" dirty="0"/>
-              <a:t>(</a:t>
-            </a:r>
-            <a:r>
-              <a:rPr lang="en-US" altLang="ko-KR" sz="1200" dirty="0" err="1"/>
-              <a:t>sklearn</a:t>
-            </a:r>
-            <a:r>
-              <a:rPr lang="en-US" altLang="ko-KR" sz="1200" dirty="0"/>
-              <a:t>, pandas)</a:t>
-            </a:r>
-            <a:endParaRPr lang="en-US" altLang="ko-KR" sz="1400" dirty="0"/>
-          </a:p>
-        </p:txBody>
-      </p:sp>
-      <p:sp>
-        <p:nvSpPr>
-          <p:cNvPr id="26" name="순서도: 자기 디스크 25">
-            <a:extLst>
-              <a:ext uri="{FF2B5EF4-FFF2-40B4-BE49-F238E27FC236}">
-                <a16:creationId xmlns:a16="http://schemas.microsoft.com/office/drawing/2014/main" id="{1D0894D5-7DF6-4C6D-8F43-B14A7CE2F18A}"/>
-              </a:ext>
-            </a:extLst>
-          </p:cNvPr>
-          <p:cNvSpPr/>
-          <p:nvPr/>
-        </p:nvSpPr>
-        <p:spPr>
-          <a:xfrm>
-            <a:off x="8771479" y="1964780"/>
-            <a:ext cx="1570375" cy="1590550"/>
-          </a:xfrm>
-          <a:prstGeom prst="flowChartMagneticDisk">
-            <a:avLst/>
-          </a:prstGeom>
-        </p:spPr>
-        <p:style>
-          <a:lnRef idx="3">
-            <a:schemeClr val="lt1"/>
-          </a:lnRef>
-          <a:fillRef idx="1">
-            <a:schemeClr val="accent3"/>
-          </a:fillRef>
-          <a:effectRef idx="1">
-            <a:schemeClr val="accent3"/>
-          </a:effectRef>
-          <a:fontRef idx="minor">
-            <a:schemeClr val="lt1"/>
-          </a:fontRef>
-        </p:style>
-        <p:txBody>
-          <a:bodyPr rtlCol="0" anchor="ctr"/>
-          <a:lstStyle/>
-          <a:p>
-            <a:pPr algn="ctr"/>
-            <a:endParaRPr lang="ko-KR" altLang="en-US"/>
-          </a:p>
-        </p:txBody>
-      </p:sp>
-      <p:sp>
-        <p:nvSpPr>
-          <p:cNvPr id="27" name="TextBox 26">
-            <a:extLst>
-              <a:ext uri="{FF2B5EF4-FFF2-40B4-BE49-F238E27FC236}">
-                <a16:creationId xmlns:a16="http://schemas.microsoft.com/office/drawing/2014/main" id="{EFAA18CD-6BB7-4CF8-ACF9-AB948F42425B}"/>
-              </a:ext>
-            </a:extLst>
-          </p:cNvPr>
-          <p:cNvSpPr txBox="1"/>
-          <p:nvPr/>
-        </p:nvSpPr>
-        <p:spPr>
-          <a:xfrm>
-            <a:off x="8942963" y="2499234"/>
-            <a:ext cx="1221969" cy="892552"/>
-          </a:xfrm>
-          <a:prstGeom prst="rect">
-            <a:avLst/>
-          </a:prstGeom>
-          <a:noFill/>
-        </p:spPr>
-        <p:txBody>
-          <a:bodyPr wrap="square" rtlCol="0">
-            <a:spAutoFit/>
-          </a:bodyPr>
-          <a:lstStyle/>
-          <a:p>
-            <a:r>
-              <a:rPr lang="en-US" altLang="ko-KR" dirty="0" err="1"/>
-              <a:t>Analized</a:t>
-            </a:r>
-            <a:endParaRPr lang="en-US" altLang="ko-KR" dirty="0"/>
-          </a:p>
-          <a:p>
-            <a:r>
-              <a:rPr lang="en-US" altLang="ko-KR" dirty="0"/>
-              <a:t>Database</a:t>
-            </a:r>
-          </a:p>
-          <a:p>
-            <a:r>
-              <a:rPr lang="en-US" altLang="ko-KR" sz="1600" dirty="0"/>
-              <a:t>(file)</a:t>
-            </a:r>
-            <a:endParaRPr lang="en-US" altLang="ko-KR" dirty="0"/>
-          </a:p>
-        </p:txBody>
-      </p:sp>
-      <p:sp>
-        <p:nvSpPr>
-          <p:cNvPr id="28" name="화살표: 아래쪽 27">
-            <a:extLst>
-              <a:ext uri="{FF2B5EF4-FFF2-40B4-BE49-F238E27FC236}">
-                <a16:creationId xmlns:a16="http://schemas.microsoft.com/office/drawing/2014/main" id="{97E752E8-AB8C-4D64-BA0B-15B4479927A9}"/>
-              </a:ext>
-            </a:extLst>
-          </p:cNvPr>
-          <p:cNvSpPr/>
-          <p:nvPr/>
-        </p:nvSpPr>
-        <p:spPr>
-          <a:xfrm rot="10800000">
-            <a:off x="9343747" y="3719389"/>
-            <a:ext cx="435006" cy="448323"/>
-          </a:xfrm>
-          <a:prstGeom prst="downArrow">
-            <a:avLst/>
-          </a:prstGeom>
-        </p:spPr>
-        <p:style>
-          <a:lnRef idx="3">
-            <a:schemeClr val="lt1"/>
-          </a:lnRef>
-          <a:fillRef idx="1">
-            <a:schemeClr val="dk1"/>
-          </a:fillRef>
-          <a:effectRef idx="1">
-            <a:schemeClr val="dk1"/>
-          </a:effectRef>
-          <a:fontRef idx="minor">
-            <a:schemeClr val="lt1"/>
-          </a:fontRef>
-        </p:style>
-        <p:txBody>
-          <a:bodyPr rtlCol="0" anchor="ctr"/>
-          <a:lstStyle/>
-          <a:p>
-            <a:pPr algn="ctr"/>
-            <a:endParaRPr lang="ko-KR" altLang="en-US"/>
-          </a:p>
-        </p:txBody>
-      </p:sp>
-      <p:sp>
-        <p:nvSpPr>
-          <p:cNvPr id="29" name="순서도: 처리 28">
-            <a:extLst>
-              <a:ext uri="{FF2B5EF4-FFF2-40B4-BE49-F238E27FC236}">
-                <a16:creationId xmlns:a16="http://schemas.microsoft.com/office/drawing/2014/main" id="{9E7D8332-A71B-4AE2-8A17-180958CA02E2}"/>
-              </a:ext>
-            </a:extLst>
-          </p:cNvPr>
-          <p:cNvSpPr/>
-          <p:nvPr/>
-        </p:nvSpPr>
-        <p:spPr>
-          <a:xfrm>
-            <a:off x="6553117" y="1798562"/>
-            <a:ext cx="1570375" cy="984885"/>
-          </a:xfrm>
-          <a:prstGeom prst="flowChartProcess">
-            <a:avLst/>
-          </a:prstGeom>
-          <a:ln/>
-        </p:spPr>
-        <p:style>
-          <a:lnRef idx="1">
-            <a:schemeClr val="accent3"/>
-          </a:lnRef>
-          <a:fillRef idx="2">
-            <a:schemeClr val="accent3"/>
-          </a:fillRef>
-          <a:effectRef idx="1">
-            <a:schemeClr val="accent3"/>
-          </a:effectRef>
-          <a:fontRef idx="minor">
-            <a:schemeClr val="dk1"/>
-          </a:fontRef>
-        </p:style>
-        <p:txBody>
-          <a:bodyPr rtlCol="0" anchor="ctr"/>
-          <a:lstStyle/>
-          <a:p>
-            <a:pPr algn="ctr"/>
-            <a:endParaRPr lang="ko-KR" altLang="en-US" dirty="0"/>
-          </a:p>
-        </p:txBody>
-      </p:sp>
-      <p:sp>
-        <p:nvSpPr>
-          <p:cNvPr id="31" name="TextBox 30">
-            <a:extLst>
-              <a:ext uri="{FF2B5EF4-FFF2-40B4-BE49-F238E27FC236}">
-                <a16:creationId xmlns:a16="http://schemas.microsoft.com/office/drawing/2014/main" id="{3693725E-AD92-4601-87CB-84305DC07637}"/>
-              </a:ext>
-            </a:extLst>
-          </p:cNvPr>
-          <p:cNvSpPr txBox="1"/>
-          <p:nvPr/>
-        </p:nvSpPr>
-        <p:spPr>
-          <a:xfrm>
-            <a:off x="6591254" y="2143063"/>
-            <a:ext cx="1554608" cy="400110"/>
-          </a:xfrm>
-          <a:prstGeom prst="rect">
-            <a:avLst/>
-          </a:prstGeom>
-          <a:noFill/>
-        </p:spPr>
-        <p:txBody>
-          <a:bodyPr wrap="square" rtlCol="0">
-            <a:spAutoFit/>
-          </a:bodyPr>
-          <a:lstStyle/>
-          <a:p>
-            <a:r>
-              <a:rPr lang="en-US" altLang="ko-KR" sz="2000" dirty="0"/>
-              <a:t>Web server</a:t>
-            </a:r>
-          </a:p>
-        </p:txBody>
-      </p:sp>
-      <p:sp>
-        <p:nvSpPr>
-          <p:cNvPr id="32" name="화살표: 아래쪽 31">
-            <a:extLst>
-              <a:ext uri="{FF2B5EF4-FFF2-40B4-BE49-F238E27FC236}">
-                <a16:creationId xmlns:a16="http://schemas.microsoft.com/office/drawing/2014/main" id="{A5020E18-50FC-4EA7-BC7B-1B6C3FED9EA0}"/>
-              </a:ext>
-            </a:extLst>
-          </p:cNvPr>
-          <p:cNvSpPr/>
-          <p:nvPr/>
-        </p:nvSpPr>
-        <p:spPr>
-          <a:xfrm rot="6073866">
-            <a:off x="8229982" y="2168042"/>
-            <a:ext cx="435006" cy="448323"/>
-          </a:xfrm>
-          <a:prstGeom prst="downArrow">
-            <a:avLst/>
-          </a:prstGeom>
-        </p:spPr>
-        <p:style>
-          <a:lnRef idx="3">
-            <a:schemeClr val="lt1"/>
-          </a:lnRef>
-          <a:fillRef idx="1">
-            <a:schemeClr val="dk1"/>
-          </a:fillRef>
-          <a:effectRef idx="1">
-            <a:schemeClr val="dk1"/>
-          </a:effectRef>
-          <a:fontRef idx="minor">
-            <a:schemeClr val="lt1"/>
-          </a:fontRef>
-        </p:style>
-        <p:txBody>
-          <a:bodyPr rtlCol="0" anchor="ctr"/>
-          <a:lstStyle/>
-          <a:p>
-            <a:pPr algn="ctr"/>
-            <a:endParaRPr lang="ko-KR" altLang="en-US"/>
-          </a:p>
-        </p:txBody>
-      </p:sp>
-      <p:sp>
-        <p:nvSpPr>
-          <p:cNvPr id="33" name="화살표: 아래쪽 32">
-            <a:extLst>
-              <a:ext uri="{FF2B5EF4-FFF2-40B4-BE49-F238E27FC236}">
-                <a16:creationId xmlns:a16="http://schemas.microsoft.com/office/drawing/2014/main" id="{0AAEDD56-882A-4206-BF0A-C6EE2EE67A5D}"/>
-              </a:ext>
-            </a:extLst>
-          </p:cNvPr>
-          <p:cNvSpPr/>
-          <p:nvPr/>
-        </p:nvSpPr>
-        <p:spPr>
-          <a:xfrm rot="10800000">
-            <a:off x="7076061" y="1145153"/>
-            <a:ext cx="435006" cy="448323"/>
-          </a:xfrm>
-          <a:prstGeom prst="downArrow">
-            <a:avLst/>
-          </a:prstGeom>
-        </p:spPr>
-        <p:style>
-          <a:lnRef idx="3">
-            <a:schemeClr val="lt1"/>
-          </a:lnRef>
-          <a:fillRef idx="1">
-            <a:schemeClr val="dk1"/>
-          </a:fillRef>
-          <a:effectRef idx="1">
-            <a:schemeClr val="dk1"/>
-          </a:effectRef>
-          <a:fontRef idx="minor">
-            <a:schemeClr val="lt1"/>
-          </a:fontRef>
-        </p:style>
-        <p:txBody>
-          <a:bodyPr rtlCol="0" anchor="ctr"/>
-          <a:lstStyle/>
-          <a:p>
-            <a:pPr algn="ctr"/>
-            <a:endParaRPr lang="ko-KR" altLang="en-US"/>
-          </a:p>
-        </p:txBody>
-      </p:sp>
-      <p:pic>
-        <p:nvPicPr>
-          <p:cNvPr id="1028" name="Picture 4" descr="clientì ëí ì´ë¯¸ì§ ê²ìê²°ê³¼">
-            <a:extLst>
-              <a:ext uri="{FF2B5EF4-FFF2-40B4-BE49-F238E27FC236}">
-                <a16:creationId xmlns:a16="http://schemas.microsoft.com/office/drawing/2014/main" id="{8BF7ADDE-5CF4-49E9-AA57-49C6BF2AB45B}"/>
-              </a:ext>
-            </a:extLst>
-          </p:cNvPr>
-          <p:cNvPicPr>
-            <a:picLocks noChangeAspect="1" noChangeArrowheads="1"/>
-          </p:cNvPicPr>
-          <p:nvPr/>
-        </p:nvPicPr>
-        <p:blipFill>
-          <a:blip r:embed="rId3">
-            <a:extLst>
-              <a:ext uri="{28A0092B-C50C-407E-A947-70E740481C1C}">
-                <a14:useLocalDpi xmlns:a14="http://schemas.microsoft.com/office/drawing/2010/main" val="0"/>
-              </a:ext>
-            </a:extLst>
-          </a:blip>
-          <a:srcRect/>
-          <a:stretch>
-            <a:fillRect/>
-          </a:stretch>
-        </p:blipFill>
-        <p:spPr bwMode="auto">
-          <a:xfrm>
-            <a:off x="6790341" y="345466"/>
-            <a:ext cx="943188" cy="787804"/>
-          </a:xfrm>
-          <a:prstGeom prst="rect">
-            <a:avLst/>
-          </a:prstGeom>
-          <a:noFill/>
-          <a:extLst>
-            <a:ext uri="{909E8E84-426E-40DD-AFC4-6F175D3DCCD1}">
-              <a14:hiddenFill xmlns:a14="http://schemas.microsoft.com/office/drawing/2010/main">
-                <a:solidFill>
-                  <a:srgbClr val="FFFFFF"/>
-                </a:solidFill>
-              </a14:hiddenFill>
-            </a:ext>
-          </a:extLst>
-        </p:spPr>
-      </p:pic>
-      <p:sp>
-        <p:nvSpPr>
-          <p:cNvPr id="16" name="직사각형 15">
-            <a:extLst>
-              <a:ext uri="{FF2B5EF4-FFF2-40B4-BE49-F238E27FC236}">
-                <a16:creationId xmlns:a16="http://schemas.microsoft.com/office/drawing/2014/main" id="{3422E850-8580-445E-BDC2-0026F49B394D}"/>
-              </a:ext>
-            </a:extLst>
-          </p:cNvPr>
-          <p:cNvSpPr/>
-          <p:nvPr/>
-        </p:nvSpPr>
-        <p:spPr>
-          <a:xfrm>
             <a:off x="202878" y="180250"/>
-            <a:ext cx="2685351" cy="369332"/>
+            <a:ext cx="3228769" cy="369332"/>
           </a:xfrm>
           <a:prstGeom prst="rect">
             <a:avLst/>
@@ -8475,8 +8122,12 @@
               <a:t>2. </a:t>
             </a:r>
             <a:r>
+              <a:rPr lang="ko-KR" altLang="en-US" dirty="0" err="1"/>
+              <a:t>도커</a:t>
+            </a:r>
+            <a:r>
               <a:rPr lang="ko-KR" altLang="en-US" dirty="0"/>
-              <a:t>하드웨어 구조에 따라</a:t>
+              <a:t> 컨테이너 구조에 따라</a:t>
             </a:r>
             <a:endParaRPr lang="en-US" altLang="ko-KR" dirty="0"/>
           </a:p>
@@ -8491,7 +8142,9 @@
               </a:ext>
             </a:extLst>
           </p:cNvPr>
-          <p:cNvCxnSpPr/>
+          <p:cNvCxnSpPr>
+            <a:cxnSpLocks/>
+          </p:cNvCxnSpPr>
           <p:nvPr/>
         </p:nvCxnSpPr>
         <p:spPr>
@@ -8518,12 +8171,773 @@
           </a:fontRef>
         </p:style>
       </p:cxnSp>
-      <p:sp>
-        <p:nvSpPr>
-          <p:cNvPr id="2" name="TextBox 1">
-            <a:extLst>
-              <a:ext uri="{FF2B5EF4-FFF2-40B4-BE49-F238E27FC236}">
-                <a16:creationId xmlns:a16="http://schemas.microsoft.com/office/drawing/2014/main" id="{CC1FC585-30A1-4FCB-B3C8-42C0347FABE0}"/>
+      <p:pic>
+        <p:nvPicPr>
+          <p:cNvPr id="2052" name="Picture 4" descr="ìë² ìì´ì½ pngì ëí ì´ë¯¸ì§ ê²ìê²°ê³¼">
+            <a:extLst>
+              <a:ext uri="{FF2B5EF4-FFF2-40B4-BE49-F238E27FC236}">
+                <a16:creationId xmlns:a16="http://schemas.microsoft.com/office/drawing/2014/main" id="{8BB7995F-4420-469C-897E-01D20C3105ED}"/>
+              </a:ext>
+            </a:extLst>
+          </p:cNvPr>
+          <p:cNvPicPr>
+            <a:picLocks noChangeAspect="1" noChangeArrowheads="1"/>
+          </p:cNvPicPr>
+          <p:nvPr/>
+        </p:nvPicPr>
+        <p:blipFill>
+          <a:blip r:embed="rId3">
+            <a:extLst>
+              <a:ext uri="{28A0092B-C50C-407E-A947-70E740481C1C}">
+                <a14:useLocalDpi xmlns:a14="http://schemas.microsoft.com/office/drawing/2010/main" val="0"/>
+              </a:ext>
+            </a:extLst>
+          </a:blip>
+          <a:srcRect/>
+          <a:stretch>
+            <a:fillRect/>
+          </a:stretch>
+        </p:blipFill>
+        <p:spPr bwMode="auto">
+          <a:xfrm>
+            <a:off x="3954966" y="-664060"/>
+            <a:ext cx="1170984" cy="1804997"/>
+          </a:xfrm>
+          <a:prstGeom prst="rect">
+            <a:avLst/>
+          </a:prstGeom>
+          <a:noFill/>
+          <a:extLst>
+            <a:ext uri="{909E8E84-426E-40DD-AFC4-6F175D3DCCD1}">
+              <a14:hiddenFill xmlns:a14="http://schemas.microsoft.com/office/drawing/2010/main">
+                <a:solidFill>
+                  <a:srgbClr val="FFFFFF"/>
+                </a:solidFill>
+              </a14:hiddenFill>
+            </a:ext>
+          </a:extLst>
+        </p:spPr>
+      </p:pic>
+      <p:pic>
+        <p:nvPicPr>
+          <p:cNvPr id="2058" name="Picture 10" descr="kubernetesì ëí ì´ë¯¸ì§ ê²ìê²°ê³¼">
+            <a:extLst>
+              <a:ext uri="{FF2B5EF4-FFF2-40B4-BE49-F238E27FC236}">
+                <a16:creationId xmlns:a16="http://schemas.microsoft.com/office/drawing/2014/main" id="{32BBE486-A67B-4CE8-B2CE-1CA1665F9973}"/>
+              </a:ext>
+            </a:extLst>
+          </p:cNvPr>
+          <p:cNvPicPr>
+            <a:picLocks noChangeAspect="1" noChangeArrowheads="1"/>
+          </p:cNvPicPr>
+          <p:nvPr/>
+        </p:nvPicPr>
+        <p:blipFill>
+          <a:blip r:embed="rId4">
+            <a:extLst>
+              <a:ext uri="{28A0092B-C50C-407E-A947-70E740481C1C}">
+                <a14:useLocalDpi xmlns:a14="http://schemas.microsoft.com/office/drawing/2010/main" val="0"/>
+              </a:ext>
+            </a:extLst>
+          </a:blip>
+          <a:srcRect/>
+          <a:stretch>
+            <a:fillRect/>
+          </a:stretch>
+        </p:blipFill>
+        <p:spPr bwMode="auto">
+          <a:xfrm>
+            <a:off x="8691267" y="174619"/>
+            <a:ext cx="2249010" cy="485821"/>
+          </a:xfrm>
+          <a:prstGeom prst="rect">
+            <a:avLst/>
+          </a:prstGeom>
+          <a:noFill/>
+          <a:extLst>
+            <a:ext uri="{909E8E84-426E-40DD-AFC4-6F175D3DCCD1}">
+              <a14:hiddenFill xmlns:a14="http://schemas.microsoft.com/office/drawing/2010/main">
+                <a:solidFill>
+                  <a:srgbClr val="FFFFFF"/>
+                </a:solidFill>
+              </a14:hiddenFill>
+            </a:ext>
+          </a:extLst>
+        </p:spPr>
+      </p:pic>
+      <p:sp>
+        <p:nvSpPr>
+          <p:cNvPr id="56" name="순서도: 처리 55">
+            <a:extLst>
+              <a:ext uri="{FF2B5EF4-FFF2-40B4-BE49-F238E27FC236}">
+                <a16:creationId xmlns:a16="http://schemas.microsoft.com/office/drawing/2014/main" id="{359E20C4-86FD-4DFB-8F33-0DDD1E721E01}"/>
+              </a:ext>
+            </a:extLst>
+          </p:cNvPr>
+          <p:cNvSpPr/>
+          <p:nvPr/>
+        </p:nvSpPr>
+        <p:spPr>
+          <a:xfrm>
+            <a:off x="8683269" y="823347"/>
+            <a:ext cx="3340084" cy="821287"/>
+          </a:xfrm>
+          <a:prstGeom prst="flowChartProcess">
+            <a:avLst/>
+          </a:prstGeom>
+          <a:noFill/>
+          <a:ln w="9525" cap="flat" cmpd="sng" algn="ctr">
+            <a:solidFill>
+              <a:schemeClr val="accent1"/>
+            </a:solidFill>
+            <a:prstDash val="solid"/>
+            <a:round/>
+            <a:headEnd type="none" w="med" len="med"/>
+            <a:tailEnd type="none" w="med" len="med"/>
+          </a:ln>
+        </p:spPr>
+        <p:style>
+          <a:lnRef idx="0">
+            <a:scrgbClr r="0" g="0" b="0"/>
+          </a:lnRef>
+          <a:fillRef idx="0">
+            <a:scrgbClr r="0" g="0" b="0"/>
+          </a:fillRef>
+          <a:effectRef idx="0">
+            <a:scrgbClr r="0" g="0" b="0"/>
+          </a:effectRef>
+          <a:fontRef idx="minor">
+            <a:schemeClr val="accent1"/>
+          </a:fontRef>
+        </p:style>
+        <p:txBody>
+          <a:bodyPr rtlCol="0" anchor="ctr"/>
+          <a:lstStyle/>
+          <a:p>
+            <a:pPr algn="ctr"/>
+            <a:r>
+              <a:rPr lang="ko-KR" altLang="en-US" dirty="0"/>
+              <a:t>향후 </a:t>
+            </a:r>
+            <a:r>
+              <a:rPr lang="en-US" altLang="ko-KR" dirty="0" err="1"/>
+              <a:t>kubernetes</a:t>
+            </a:r>
+            <a:r>
+              <a:rPr lang="ko-KR" altLang="en-US" dirty="0"/>
+              <a:t>를 이용한 </a:t>
+            </a:r>
+            <a:r>
+              <a:rPr lang="en-US" altLang="ko-KR" dirty="0"/>
+              <a:t>micro service </a:t>
+            </a:r>
+            <a:r>
+              <a:rPr lang="ko-KR" altLang="en-US" dirty="0"/>
+              <a:t>운영 </a:t>
+            </a:r>
+            <a:r>
+              <a:rPr lang="ko-KR" altLang="en-US" dirty="0" err="1"/>
+              <a:t>계획중</a:t>
+            </a:r>
+            <a:endParaRPr lang="ko-KR" altLang="en-US" dirty="0"/>
+          </a:p>
+        </p:txBody>
+      </p:sp>
+      <p:pic>
+        <p:nvPicPr>
+          <p:cNvPr id="57" name="Picture 4" descr="ìë² ìì´ì½ pngì ëí ì´ë¯¸ì§ ê²ìê²°ê³¼">
+            <a:extLst>
+              <a:ext uri="{FF2B5EF4-FFF2-40B4-BE49-F238E27FC236}">
+                <a16:creationId xmlns:a16="http://schemas.microsoft.com/office/drawing/2014/main" id="{73707B4D-BCD8-41DD-928B-F253994AAFF3}"/>
+              </a:ext>
+            </a:extLst>
+          </p:cNvPr>
+          <p:cNvPicPr>
+            <a:picLocks noChangeAspect="1" noChangeArrowheads="1"/>
+          </p:cNvPicPr>
+          <p:nvPr/>
+        </p:nvPicPr>
+        <p:blipFill>
+          <a:blip r:embed="rId3">
+            <a:extLst>
+              <a:ext uri="{28A0092B-C50C-407E-A947-70E740481C1C}">
+                <a14:useLocalDpi xmlns:a14="http://schemas.microsoft.com/office/drawing/2010/main" val="0"/>
+              </a:ext>
+            </a:extLst>
+          </a:blip>
+          <a:srcRect/>
+          <a:stretch>
+            <a:fillRect/>
+          </a:stretch>
+        </p:blipFill>
+        <p:spPr bwMode="auto">
+          <a:xfrm>
+            <a:off x="5282562" y="-642074"/>
+            <a:ext cx="1170984" cy="1804997"/>
+          </a:xfrm>
+          <a:prstGeom prst="rect">
+            <a:avLst/>
+          </a:prstGeom>
+          <a:noFill/>
+          <a:extLst>
+            <a:ext uri="{909E8E84-426E-40DD-AFC4-6F175D3DCCD1}">
+              <a14:hiddenFill xmlns:a14="http://schemas.microsoft.com/office/drawing/2010/main">
+                <a:solidFill>
+                  <a:srgbClr val="FFFFFF"/>
+                </a:solidFill>
+              </a14:hiddenFill>
+            </a:ext>
+          </a:extLst>
+        </p:spPr>
+      </p:pic>
+      <p:pic>
+        <p:nvPicPr>
+          <p:cNvPr id="71" name="Picture 12" descr="docker container icon pngì ëí ì´ë¯¸ì§ ê²ìê²°ê³¼">
+            <a:extLst>
+              <a:ext uri="{FF2B5EF4-FFF2-40B4-BE49-F238E27FC236}">
+                <a16:creationId xmlns:a16="http://schemas.microsoft.com/office/drawing/2014/main" id="{C6CC9D87-2FD0-43FA-ACF0-513EAD52B9FA}"/>
+              </a:ext>
+            </a:extLst>
+          </p:cNvPr>
+          <p:cNvPicPr>
+            <a:picLocks noChangeAspect="1" noChangeArrowheads="1"/>
+          </p:cNvPicPr>
+          <p:nvPr/>
+        </p:nvPicPr>
+        <p:blipFill>
+          <a:blip r:embed="rId5">
+            <a:extLst>
+              <a:ext uri="{BEBA8EAE-BF5A-486C-A8C5-ECC9F3942E4B}">
+                <a14:imgProps xmlns:a14="http://schemas.microsoft.com/office/drawing/2010/main">
+                  <a14:imgLayer r:embed="rId6">
+                    <a14:imgEffect>
+                      <a14:backgroundRemoval t="10000" b="90000" l="3429" r="92000">
+                        <a14:foregroundMark x1="14286" y1="26000" x2="9143" y2="73143"/>
+                        <a14:foregroundMark x1="7429" y1="74286" x2="7429" y2="31714"/>
+                        <a14:foregroundMark x1="8571" y1="28286" x2="5143" y2="72571"/>
+                        <a14:foregroundMark x1="5143" y1="72571" x2="4571" y2="74000"/>
+                        <a14:foregroundMark x1="10000" y1="30286" x2="27714" y2="12571"/>
+                        <a14:foregroundMark x1="27429" y1="14571" x2="90857" y2="19429"/>
+                        <a14:foregroundMark x1="66000" y1="78286" x2="71429" y2="76000"/>
+                        <a14:foregroundMark x1="76286" y1="73143" x2="68571" y2="77429"/>
+                        <a14:foregroundMark x1="88000" y1="18286" x2="91143" y2="18857"/>
+                        <a14:foregroundMark x1="90286" y1="20000" x2="92000" y2="62000"/>
+                        <a14:foregroundMark x1="29143" y1="14571" x2="24286" y2="14857"/>
+                        <a14:foregroundMark x1="7714" y1="28857" x2="5429" y2="75429"/>
+                        <a14:foregroundMark x1="7143" y1="75143" x2="52286" y2="76571"/>
+                        <a14:foregroundMark x1="52286" y1="76571" x2="93714" y2="60286"/>
+                        <a14:foregroundMark x1="93714" y1="60286" x2="85714" y2="16571"/>
+                        <a14:foregroundMark x1="85714" y1="16571" x2="40286" y2="13429"/>
+                        <a14:foregroundMark x1="40286" y1="13429" x2="3429" y2="38857"/>
+                        <a14:foregroundMark x1="3429" y1="38857" x2="5714" y2="76571"/>
+                        <a14:foregroundMark x1="59714" y1="80571" x2="65714" y2="80286"/>
+                        <a14:backgroundMark x1="9143" y1="80571" x2="55143" y2="83143"/>
+                        <a14:backgroundMark x1="78488" y1="75486" x2="90857" y2="71429"/>
+                        <a14:backgroundMark x1="55143" y1="83143" x2="58883" y2="81916"/>
+                      </a14:backgroundRemoval>
+                    </a14:imgEffect>
+                  </a14:imgLayer>
+                </a14:imgProps>
+              </a:ext>
+              <a:ext uri="{28A0092B-C50C-407E-A947-70E740481C1C}">
+                <a14:useLocalDpi xmlns:a14="http://schemas.microsoft.com/office/drawing/2010/main" val="0"/>
+              </a:ext>
+            </a:extLst>
+          </a:blip>
+          <a:srcRect/>
+          <a:stretch>
+            <a:fillRect/>
+          </a:stretch>
+        </p:blipFill>
+        <p:spPr bwMode="auto">
+          <a:xfrm>
+            <a:off x="1259305" y="2016405"/>
+            <a:ext cx="2513539" cy="2513539"/>
+          </a:xfrm>
+          <a:prstGeom prst="rect">
+            <a:avLst/>
+          </a:prstGeom>
+          <a:noFill/>
+          <a:extLst>
+            <a:ext uri="{909E8E84-426E-40DD-AFC4-6F175D3DCCD1}">
+              <a14:hiddenFill xmlns:a14="http://schemas.microsoft.com/office/drawing/2010/main">
+                <a:solidFill>
+                  <a:srgbClr val="FFFFFF"/>
+                </a:solidFill>
+              </a14:hiddenFill>
+            </a:ext>
+          </a:extLst>
+        </p:spPr>
+      </p:pic>
+      <p:pic>
+        <p:nvPicPr>
+          <p:cNvPr id="70" name="Picture 12" descr="docker container icon pngì ëí ì´ë¯¸ì§ ê²ìê²°ê³¼">
+            <a:extLst>
+              <a:ext uri="{FF2B5EF4-FFF2-40B4-BE49-F238E27FC236}">
+                <a16:creationId xmlns:a16="http://schemas.microsoft.com/office/drawing/2014/main" id="{BD2855BA-85BE-43BB-8315-DE14BC804388}"/>
+              </a:ext>
+            </a:extLst>
+          </p:cNvPr>
+          <p:cNvPicPr>
+            <a:picLocks noChangeAspect="1" noChangeArrowheads="1"/>
+          </p:cNvPicPr>
+          <p:nvPr/>
+        </p:nvPicPr>
+        <p:blipFill>
+          <a:blip r:embed="rId5">
+            <a:extLst>
+              <a:ext uri="{BEBA8EAE-BF5A-486C-A8C5-ECC9F3942E4B}">
+                <a14:imgProps xmlns:a14="http://schemas.microsoft.com/office/drawing/2010/main">
+                  <a14:imgLayer r:embed="rId6">
+                    <a14:imgEffect>
+                      <a14:backgroundRemoval t="10000" b="90000" l="3429" r="92000">
+                        <a14:foregroundMark x1="14286" y1="26000" x2="9143" y2="73143"/>
+                        <a14:foregroundMark x1="7429" y1="74286" x2="7429" y2="31714"/>
+                        <a14:foregroundMark x1="8571" y1="28286" x2="5143" y2="72571"/>
+                        <a14:foregroundMark x1="5143" y1="72571" x2="4571" y2="74000"/>
+                        <a14:foregroundMark x1="10000" y1="30286" x2="27714" y2="12571"/>
+                        <a14:foregroundMark x1="27429" y1="14571" x2="90857" y2="19429"/>
+                        <a14:foregroundMark x1="66000" y1="78286" x2="71429" y2="76000"/>
+                        <a14:foregroundMark x1="76286" y1="73143" x2="68571" y2="77429"/>
+                        <a14:foregroundMark x1="88000" y1="18286" x2="91143" y2="18857"/>
+                        <a14:foregroundMark x1="90286" y1="20000" x2="92000" y2="62000"/>
+                        <a14:foregroundMark x1="29143" y1="14571" x2="24286" y2="14857"/>
+                        <a14:foregroundMark x1="7714" y1="28857" x2="5429" y2="75429"/>
+                        <a14:foregroundMark x1="7143" y1="75143" x2="52286" y2="76571"/>
+                        <a14:foregroundMark x1="52286" y1="76571" x2="93714" y2="60286"/>
+                        <a14:foregroundMark x1="93714" y1="60286" x2="85714" y2="16571"/>
+                        <a14:foregroundMark x1="85714" y1="16571" x2="40286" y2="13429"/>
+                        <a14:foregroundMark x1="40286" y1="13429" x2="3429" y2="38857"/>
+                        <a14:foregroundMark x1="3429" y1="38857" x2="5714" y2="76571"/>
+                        <a14:foregroundMark x1="59714" y1="80571" x2="65714" y2="80286"/>
+                        <a14:backgroundMark x1="9143" y1="80571" x2="55143" y2="83143"/>
+                        <a14:backgroundMark x1="78488" y1="75486" x2="90857" y2="71429"/>
+                        <a14:backgroundMark x1="55143" y1="83143" x2="58883" y2="81916"/>
+                      </a14:backgroundRemoval>
+                    </a14:imgEffect>
+                  </a14:imgLayer>
+                </a14:imgProps>
+              </a:ext>
+              <a:ext uri="{28A0092B-C50C-407E-A947-70E740481C1C}">
+                <a14:useLocalDpi xmlns:a14="http://schemas.microsoft.com/office/drawing/2010/main" val="0"/>
+              </a:ext>
+            </a:extLst>
+          </a:blip>
+          <a:srcRect/>
+          <a:stretch>
+            <a:fillRect/>
+          </a:stretch>
+        </p:blipFill>
+        <p:spPr bwMode="auto">
+          <a:xfrm>
+            <a:off x="1232205" y="811407"/>
+            <a:ext cx="2513538" cy="2513538"/>
+          </a:xfrm>
+          <a:prstGeom prst="rect">
+            <a:avLst/>
+          </a:prstGeom>
+          <a:noFill/>
+          <a:extLst>
+            <a:ext uri="{909E8E84-426E-40DD-AFC4-6F175D3DCCD1}">
+              <a14:hiddenFill xmlns:a14="http://schemas.microsoft.com/office/drawing/2010/main">
+                <a:solidFill>
+                  <a:srgbClr val="FFFFFF"/>
+                </a:solidFill>
+              </a14:hiddenFill>
+            </a:ext>
+          </a:extLst>
+        </p:spPr>
+      </p:pic>
+      <p:pic>
+        <p:nvPicPr>
+          <p:cNvPr id="75" name="Picture 12" descr="docker container icon pngì ëí ì´ë¯¸ì§ ê²ìê²°ê³¼">
+            <a:extLst>
+              <a:ext uri="{FF2B5EF4-FFF2-40B4-BE49-F238E27FC236}">
+                <a16:creationId xmlns:a16="http://schemas.microsoft.com/office/drawing/2014/main" id="{00B87A18-96AA-4CC9-A214-1F82CF2B7430}"/>
+              </a:ext>
+            </a:extLst>
+          </p:cNvPr>
+          <p:cNvPicPr>
+            <a:picLocks noChangeAspect="1" noChangeArrowheads="1"/>
+          </p:cNvPicPr>
+          <p:nvPr/>
+        </p:nvPicPr>
+        <p:blipFill>
+          <a:blip r:embed="rId5">
+            <a:extLst>
+              <a:ext uri="{BEBA8EAE-BF5A-486C-A8C5-ECC9F3942E4B}">
+                <a14:imgProps xmlns:a14="http://schemas.microsoft.com/office/drawing/2010/main">
+                  <a14:imgLayer r:embed="rId6">
+                    <a14:imgEffect>
+                      <a14:backgroundRemoval t="10000" b="90000" l="3429" r="92000">
+                        <a14:foregroundMark x1="14286" y1="26000" x2="9143" y2="73143"/>
+                        <a14:foregroundMark x1="7429" y1="74286" x2="7429" y2="31714"/>
+                        <a14:foregroundMark x1="8571" y1="28286" x2="5143" y2="72571"/>
+                        <a14:foregroundMark x1="5143" y1="72571" x2="4571" y2="74000"/>
+                        <a14:foregroundMark x1="10000" y1="30286" x2="27714" y2="12571"/>
+                        <a14:foregroundMark x1="27429" y1="14571" x2="90857" y2="19429"/>
+                        <a14:foregroundMark x1="66000" y1="78286" x2="71429" y2="76000"/>
+                        <a14:foregroundMark x1="76286" y1="73143" x2="68571" y2="77429"/>
+                        <a14:foregroundMark x1="88000" y1="18286" x2="91143" y2="18857"/>
+                        <a14:foregroundMark x1="90286" y1="20000" x2="92000" y2="62000"/>
+                        <a14:foregroundMark x1="29143" y1="14571" x2="24286" y2="14857"/>
+                        <a14:foregroundMark x1="7714" y1="28857" x2="5429" y2="75429"/>
+                        <a14:foregroundMark x1="7143" y1="75143" x2="52286" y2="76571"/>
+                        <a14:foregroundMark x1="52286" y1="76571" x2="93714" y2="60286"/>
+                        <a14:foregroundMark x1="93714" y1="60286" x2="85714" y2="16571"/>
+                        <a14:foregroundMark x1="85714" y1="16571" x2="40286" y2="13429"/>
+                        <a14:foregroundMark x1="40286" y1="13429" x2="3429" y2="38857"/>
+                        <a14:foregroundMark x1="3429" y1="38857" x2="5714" y2="76571"/>
+                        <a14:foregroundMark x1="59714" y1="80571" x2="65714" y2="80286"/>
+                        <a14:backgroundMark x1="9143" y1="80571" x2="55143" y2="83143"/>
+                        <a14:backgroundMark x1="78488" y1="75486" x2="90857" y2="71429"/>
+                        <a14:backgroundMark x1="55143" y1="83143" x2="58883" y2="81916"/>
+                      </a14:backgroundRemoval>
+                    </a14:imgEffect>
+                  </a14:imgLayer>
+                </a14:imgProps>
+              </a:ext>
+              <a:ext uri="{28A0092B-C50C-407E-A947-70E740481C1C}">
+                <a14:useLocalDpi xmlns:a14="http://schemas.microsoft.com/office/drawing/2010/main" val="0"/>
+              </a:ext>
+            </a:extLst>
+          </a:blip>
+          <a:srcRect/>
+          <a:stretch>
+            <a:fillRect/>
+          </a:stretch>
+        </p:blipFill>
+        <p:spPr bwMode="auto">
+          <a:xfrm>
+            <a:off x="3097630" y="2130705"/>
+            <a:ext cx="2513539" cy="2513539"/>
+          </a:xfrm>
+          <a:prstGeom prst="rect">
+            <a:avLst/>
+          </a:prstGeom>
+          <a:noFill/>
+          <a:extLst>
+            <a:ext uri="{909E8E84-426E-40DD-AFC4-6F175D3DCCD1}">
+              <a14:hiddenFill xmlns:a14="http://schemas.microsoft.com/office/drawing/2010/main">
+                <a:solidFill>
+                  <a:srgbClr val="FFFFFF"/>
+                </a:solidFill>
+              </a14:hiddenFill>
+            </a:ext>
+          </a:extLst>
+        </p:spPr>
+      </p:pic>
+      <p:pic>
+        <p:nvPicPr>
+          <p:cNvPr id="76" name="Picture 12" descr="docker container icon pngì ëí ì´ë¯¸ì§ ê²ìê²°ê³¼">
+            <a:extLst>
+              <a:ext uri="{FF2B5EF4-FFF2-40B4-BE49-F238E27FC236}">
+                <a16:creationId xmlns:a16="http://schemas.microsoft.com/office/drawing/2014/main" id="{755BDEC6-BDA8-468C-ABF1-102546009A7E}"/>
+              </a:ext>
+            </a:extLst>
+          </p:cNvPr>
+          <p:cNvPicPr>
+            <a:picLocks noChangeAspect="1" noChangeArrowheads="1"/>
+          </p:cNvPicPr>
+          <p:nvPr/>
+        </p:nvPicPr>
+        <p:blipFill>
+          <a:blip r:embed="rId5">
+            <a:extLst>
+              <a:ext uri="{BEBA8EAE-BF5A-486C-A8C5-ECC9F3942E4B}">
+                <a14:imgProps xmlns:a14="http://schemas.microsoft.com/office/drawing/2010/main">
+                  <a14:imgLayer r:embed="rId6">
+                    <a14:imgEffect>
+                      <a14:backgroundRemoval t="10000" b="90000" l="3429" r="92000">
+                        <a14:foregroundMark x1="14286" y1="26000" x2="9143" y2="73143"/>
+                        <a14:foregroundMark x1="7429" y1="74286" x2="7429" y2="31714"/>
+                        <a14:foregroundMark x1="8571" y1="28286" x2="5143" y2="72571"/>
+                        <a14:foregroundMark x1="5143" y1="72571" x2="4571" y2="74000"/>
+                        <a14:foregroundMark x1="10000" y1="30286" x2="27714" y2="12571"/>
+                        <a14:foregroundMark x1="27429" y1="14571" x2="90857" y2="19429"/>
+                        <a14:foregroundMark x1="66000" y1="78286" x2="71429" y2="76000"/>
+                        <a14:foregroundMark x1="76286" y1="73143" x2="68571" y2="77429"/>
+                        <a14:foregroundMark x1="88000" y1="18286" x2="91143" y2="18857"/>
+                        <a14:foregroundMark x1="90286" y1="20000" x2="92000" y2="62000"/>
+                        <a14:foregroundMark x1="29143" y1="14571" x2="24286" y2="14857"/>
+                        <a14:foregroundMark x1="7714" y1="28857" x2="5429" y2="75429"/>
+                        <a14:foregroundMark x1="7143" y1="75143" x2="52286" y2="76571"/>
+                        <a14:foregroundMark x1="52286" y1="76571" x2="93714" y2="60286"/>
+                        <a14:foregroundMark x1="93714" y1="60286" x2="85714" y2="16571"/>
+                        <a14:foregroundMark x1="85714" y1="16571" x2="40286" y2="13429"/>
+                        <a14:foregroundMark x1="40286" y1="13429" x2="3429" y2="38857"/>
+                        <a14:foregroundMark x1="3429" y1="38857" x2="5714" y2="76571"/>
+                        <a14:foregroundMark x1="59714" y1="80571" x2="65714" y2="80286"/>
+                        <a14:backgroundMark x1="9143" y1="80571" x2="55143" y2="83143"/>
+                        <a14:backgroundMark x1="78488" y1="75486" x2="90857" y2="71429"/>
+                        <a14:backgroundMark x1="55143" y1="83143" x2="58883" y2="81916"/>
+                      </a14:backgroundRemoval>
+                    </a14:imgEffect>
+                  </a14:imgLayer>
+                </a14:imgProps>
+              </a:ext>
+              <a:ext uri="{28A0092B-C50C-407E-A947-70E740481C1C}">
+                <a14:useLocalDpi xmlns:a14="http://schemas.microsoft.com/office/drawing/2010/main" val="0"/>
+              </a:ext>
+            </a:extLst>
+          </a:blip>
+          <a:srcRect/>
+          <a:stretch>
+            <a:fillRect/>
+          </a:stretch>
+        </p:blipFill>
+        <p:spPr bwMode="auto">
+          <a:xfrm>
+            <a:off x="3070530" y="925707"/>
+            <a:ext cx="2513538" cy="2513538"/>
+          </a:xfrm>
+          <a:prstGeom prst="rect">
+            <a:avLst/>
+          </a:prstGeom>
+          <a:noFill/>
+          <a:extLst>
+            <a:ext uri="{909E8E84-426E-40DD-AFC4-6F175D3DCCD1}">
+              <a14:hiddenFill xmlns:a14="http://schemas.microsoft.com/office/drawing/2010/main">
+                <a:solidFill>
+                  <a:srgbClr val="FFFFFF"/>
+                </a:solidFill>
+              </a14:hiddenFill>
+            </a:ext>
+          </a:extLst>
+        </p:spPr>
+      </p:pic>
+      <p:pic>
+        <p:nvPicPr>
+          <p:cNvPr id="77" name="Picture 12" descr="docker container icon pngì ëí ì´ë¯¸ì§ ê²ìê²°ê³¼">
+            <a:extLst>
+              <a:ext uri="{FF2B5EF4-FFF2-40B4-BE49-F238E27FC236}">
+                <a16:creationId xmlns:a16="http://schemas.microsoft.com/office/drawing/2014/main" id="{290B7244-3F67-455B-9BE5-D3861292B31F}"/>
+              </a:ext>
+            </a:extLst>
+          </p:cNvPr>
+          <p:cNvPicPr>
+            <a:picLocks noChangeAspect="1" noChangeArrowheads="1"/>
+          </p:cNvPicPr>
+          <p:nvPr/>
+        </p:nvPicPr>
+        <p:blipFill>
+          <a:blip r:embed="rId5">
+            <a:extLst>
+              <a:ext uri="{BEBA8EAE-BF5A-486C-A8C5-ECC9F3942E4B}">
+                <a14:imgProps xmlns:a14="http://schemas.microsoft.com/office/drawing/2010/main">
+                  <a14:imgLayer r:embed="rId6">
+                    <a14:imgEffect>
+                      <a14:backgroundRemoval t="10000" b="90000" l="3429" r="92000">
+                        <a14:foregroundMark x1="14286" y1="26000" x2="9143" y2="73143"/>
+                        <a14:foregroundMark x1="7429" y1="74286" x2="7429" y2="31714"/>
+                        <a14:foregroundMark x1="8571" y1="28286" x2="5143" y2="72571"/>
+                        <a14:foregroundMark x1="5143" y1="72571" x2="4571" y2="74000"/>
+                        <a14:foregroundMark x1="10000" y1="30286" x2="27714" y2="12571"/>
+                        <a14:foregroundMark x1="27429" y1="14571" x2="90857" y2="19429"/>
+                        <a14:foregroundMark x1="66000" y1="78286" x2="71429" y2="76000"/>
+                        <a14:foregroundMark x1="76286" y1="73143" x2="68571" y2="77429"/>
+                        <a14:foregroundMark x1="88000" y1="18286" x2="91143" y2="18857"/>
+                        <a14:foregroundMark x1="90286" y1="20000" x2="92000" y2="62000"/>
+                        <a14:foregroundMark x1="29143" y1="14571" x2="24286" y2="14857"/>
+                        <a14:foregroundMark x1="7714" y1="28857" x2="5429" y2="75429"/>
+                        <a14:foregroundMark x1="7143" y1="75143" x2="52286" y2="76571"/>
+                        <a14:foregroundMark x1="52286" y1="76571" x2="93714" y2="60286"/>
+                        <a14:foregroundMark x1="93714" y1="60286" x2="85714" y2="16571"/>
+                        <a14:foregroundMark x1="85714" y1="16571" x2="40286" y2="13429"/>
+                        <a14:foregroundMark x1="40286" y1="13429" x2="3429" y2="38857"/>
+                        <a14:foregroundMark x1="3429" y1="38857" x2="5714" y2="76571"/>
+                        <a14:foregroundMark x1="59714" y1="80571" x2="65714" y2="80286"/>
+                        <a14:backgroundMark x1="9143" y1="80571" x2="55143" y2="83143"/>
+                        <a14:backgroundMark x1="78488" y1="75486" x2="90857" y2="71429"/>
+                        <a14:backgroundMark x1="55143" y1="83143" x2="58883" y2="81916"/>
+                      </a14:backgroundRemoval>
+                    </a14:imgEffect>
+                  </a14:imgLayer>
+                </a14:imgProps>
+              </a:ext>
+              <a:ext uri="{28A0092B-C50C-407E-A947-70E740481C1C}">
+                <a14:useLocalDpi xmlns:a14="http://schemas.microsoft.com/office/drawing/2010/main" val="0"/>
+              </a:ext>
+            </a:extLst>
+          </a:blip>
+          <a:srcRect/>
+          <a:stretch>
+            <a:fillRect/>
+          </a:stretch>
+        </p:blipFill>
+        <p:spPr bwMode="auto">
+          <a:xfrm>
+            <a:off x="4883007" y="2254621"/>
+            <a:ext cx="2513539" cy="2513539"/>
+          </a:xfrm>
+          <a:prstGeom prst="rect">
+            <a:avLst/>
+          </a:prstGeom>
+          <a:noFill/>
+          <a:extLst>
+            <a:ext uri="{909E8E84-426E-40DD-AFC4-6F175D3DCCD1}">
+              <a14:hiddenFill xmlns:a14="http://schemas.microsoft.com/office/drawing/2010/main">
+                <a:solidFill>
+                  <a:srgbClr val="FFFFFF"/>
+                </a:solidFill>
+              </a14:hiddenFill>
+            </a:ext>
+          </a:extLst>
+        </p:spPr>
+      </p:pic>
+      <p:pic>
+        <p:nvPicPr>
+          <p:cNvPr id="78" name="Picture 12" descr="docker container icon pngì ëí ì´ë¯¸ì§ ê²ìê²°ê³¼">
+            <a:extLst>
+              <a:ext uri="{FF2B5EF4-FFF2-40B4-BE49-F238E27FC236}">
+                <a16:creationId xmlns:a16="http://schemas.microsoft.com/office/drawing/2014/main" id="{3419CFDD-AFDB-48C4-B029-A7FBEE492B62}"/>
+              </a:ext>
+            </a:extLst>
+          </p:cNvPr>
+          <p:cNvPicPr>
+            <a:picLocks noChangeAspect="1" noChangeArrowheads="1"/>
+          </p:cNvPicPr>
+          <p:nvPr/>
+        </p:nvPicPr>
+        <p:blipFill>
+          <a:blip r:embed="rId5">
+            <a:extLst>
+              <a:ext uri="{BEBA8EAE-BF5A-486C-A8C5-ECC9F3942E4B}">
+                <a14:imgProps xmlns:a14="http://schemas.microsoft.com/office/drawing/2010/main">
+                  <a14:imgLayer r:embed="rId6">
+                    <a14:imgEffect>
+                      <a14:backgroundRemoval t="10000" b="90000" l="3429" r="92000">
+                        <a14:foregroundMark x1="14286" y1="26000" x2="9143" y2="73143"/>
+                        <a14:foregroundMark x1="7429" y1="74286" x2="7429" y2="31714"/>
+                        <a14:foregroundMark x1="8571" y1="28286" x2="5143" y2="72571"/>
+                        <a14:foregroundMark x1="5143" y1="72571" x2="4571" y2="74000"/>
+                        <a14:foregroundMark x1="10000" y1="30286" x2="27714" y2="12571"/>
+                        <a14:foregroundMark x1="27429" y1="14571" x2="90857" y2="19429"/>
+                        <a14:foregroundMark x1="66000" y1="78286" x2="71429" y2="76000"/>
+                        <a14:foregroundMark x1="76286" y1="73143" x2="68571" y2="77429"/>
+                        <a14:foregroundMark x1="88000" y1="18286" x2="91143" y2="18857"/>
+                        <a14:foregroundMark x1="90286" y1="20000" x2="92000" y2="62000"/>
+                        <a14:foregroundMark x1="29143" y1="14571" x2="24286" y2="14857"/>
+                        <a14:foregroundMark x1="7714" y1="28857" x2="5429" y2="75429"/>
+                        <a14:foregroundMark x1="7143" y1="75143" x2="52286" y2="76571"/>
+                        <a14:foregroundMark x1="52286" y1="76571" x2="93714" y2="60286"/>
+                        <a14:foregroundMark x1="93714" y1="60286" x2="85714" y2="16571"/>
+                        <a14:foregroundMark x1="85714" y1="16571" x2="40286" y2="13429"/>
+                        <a14:foregroundMark x1="40286" y1="13429" x2="3429" y2="38857"/>
+                        <a14:foregroundMark x1="3429" y1="38857" x2="5714" y2="76571"/>
+                        <a14:foregroundMark x1="59714" y1="80571" x2="65714" y2="80286"/>
+                        <a14:backgroundMark x1="9143" y1="80571" x2="55143" y2="83143"/>
+                        <a14:backgroundMark x1="78488" y1="75486" x2="90857" y2="71429"/>
+                        <a14:backgroundMark x1="55143" y1="83143" x2="58883" y2="81916"/>
+                      </a14:backgroundRemoval>
+                    </a14:imgEffect>
+                  </a14:imgLayer>
+                </a14:imgProps>
+              </a:ext>
+              <a:ext uri="{28A0092B-C50C-407E-A947-70E740481C1C}">
+                <a14:useLocalDpi xmlns:a14="http://schemas.microsoft.com/office/drawing/2010/main" val="0"/>
+              </a:ext>
+            </a:extLst>
+          </a:blip>
+          <a:srcRect/>
+          <a:stretch>
+            <a:fillRect/>
+          </a:stretch>
+        </p:blipFill>
+        <p:spPr bwMode="auto">
+          <a:xfrm>
+            <a:off x="4855907" y="1049623"/>
+            <a:ext cx="2513538" cy="2513538"/>
+          </a:xfrm>
+          <a:prstGeom prst="rect">
+            <a:avLst/>
+          </a:prstGeom>
+          <a:noFill/>
+          <a:extLst>
+            <a:ext uri="{909E8E84-426E-40DD-AFC4-6F175D3DCCD1}">
+              <a14:hiddenFill xmlns:a14="http://schemas.microsoft.com/office/drawing/2010/main">
+                <a:solidFill>
+                  <a:srgbClr val="FFFFFF"/>
+                </a:solidFill>
+              </a14:hiddenFill>
+            </a:ext>
+          </a:extLst>
+        </p:spPr>
+      </p:pic>
+      <p:pic>
+        <p:nvPicPr>
+          <p:cNvPr id="81" name="Picture 5">
+            <a:extLst>
+              <a:ext uri="{FF2B5EF4-FFF2-40B4-BE49-F238E27FC236}">
+                <a16:creationId xmlns:a16="http://schemas.microsoft.com/office/drawing/2014/main" id="{51AEE046-08A0-4969-8028-4AD99C8B86E1}"/>
+              </a:ext>
+            </a:extLst>
+          </p:cNvPr>
+          <p:cNvPicPr>
+            <a:picLocks noChangeAspect="1" noChangeArrowheads="1"/>
+          </p:cNvPicPr>
+          <p:nvPr/>
+        </p:nvPicPr>
+        <p:blipFill rotWithShape="1">
+          <a:blip r:embed="rId7">
+            <a:clrChange>
+              <a:clrFrom>
+                <a:srgbClr val="FFFFFF"/>
+              </a:clrFrom>
+              <a:clrTo>
+                <a:srgbClr val="FFFFFF">
+                  <a:alpha val="0"/>
+                </a:srgbClr>
+              </a:clrTo>
+            </a:clrChange>
+            <a:extLst>
+              <a:ext uri="{28A0092B-C50C-407E-A947-70E740481C1C}">
+                <a14:useLocalDpi xmlns:a14="http://schemas.microsoft.com/office/drawing/2010/main" val="0"/>
+              </a:ext>
+            </a:extLst>
+          </a:blip>
+          <a:srcRect l="17358" t="1190" r="18741" b="8589"/>
+          <a:stretch/>
+        </p:blipFill>
+        <p:spPr bwMode="auto">
+          <a:xfrm>
+            <a:off x="2747507" y="3779491"/>
+            <a:ext cx="2391865" cy="2615869"/>
+          </a:xfrm>
+          <a:prstGeom prst="rect">
+            <a:avLst/>
+          </a:prstGeom>
+          <a:noFill/>
+          <a:ln>
+            <a:noFill/>
+          </a:ln>
+          <a:extLst>
+            <a:ext uri="{909E8E84-426E-40DD-AFC4-6F175D3DCCD1}">
+              <a14:hiddenFill xmlns:a14="http://schemas.microsoft.com/office/drawing/2010/main">
+                <a:solidFill>
+                  <a:schemeClr val="accent1"/>
+                </a:solidFill>
+              </a14:hiddenFill>
+            </a:ext>
+            <a:ext uri="{91240B29-F687-4F45-9708-019B960494DF}">
+              <a14:hiddenLine xmlns:a14="http://schemas.microsoft.com/office/drawing/2010/main" w="9525">
+                <a:solidFill>
+                  <a:schemeClr val="tx1"/>
+                </a:solidFill>
+                <a:miter lim="800000"/>
+                <a:headEnd/>
+                <a:tailEnd/>
+              </a14:hiddenLine>
+            </a:ext>
+          </a:extLst>
+        </p:spPr>
+      </p:pic>
+      <p:sp>
+        <p:nvSpPr>
+          <p:cNvPr id="6" name="TextBox 5">
+            <a:extLst>
+              <a:ext uri="{FF2B5EF4-FFF2-40B4-BE49-F238E27FC236}">
+                <a16:creationId xmlns:a16="http://schemas.microsoft.com/office/drawing/2014/main" id="{F0D1998D-5BB7-4CFB-ACAB-A667C9771A0B}"/>
               </a:ext>
             </a:extLst>
           </p:cNvPr>
@@ -8532,8 +8946,8 @@
         </p:nvSpPr>
         <p:spPr>
           <a:xfrm>
-            <a:off x="3499474" y="5539228"/>
-            <a:ext cx="669877" cy="646331"/>
+            <a:off x="5070145" y="3195503"/>
+            <a:ext cx="1517461" cy="830997"/>
           </a:xfrm>
           <a:prstGeom prst="rect">
             <a:avLst/>
@@ -8546,44 +8960,40 @@
           </a:bodyPr>
           <a:lstStyle/>
           <a:p>
-            <a:r>
-              <a:rPr lang="en-US" altLang="ko-KR" sz="1200" dirty="0">
+            <a:pPr algn="ctr"/>
+            <a:r>
+              <a:rPr lang="ko-KR" altLang="en-US" sz="2400" dirty="0">
                 <a:solidFill>
-                  <a:schemeClr val="accent5">
-                    <a:lumMod val="75000"/>
-                  </a:schemeClr>
+                  <a:schemeClr val="bg1"/>
                 </a:solidFill>
               </a:rPr>
-              <a:t>Python,</a:t>
-            </a:r>
-          </a:p>
-          <a:p>
-            <a:r>
-              <a:rPr lang="en-US" altLang="ko-KR" sz="1200" dirty="0">
+              <a:t>데이터</a:t>
+            </a:r>
+            <a:endParaRPr lang="en-US" altLang="ko-KR" sz="2400" dirty="0">
+              <a:solidFill>
+                <a:schemeClr val="bg1"/>
+              </a:solidFill>
+            </a:endParaRPr>
+          </a:p>
+          <a:p>
+            <a:pPr algn="ctr"/>
+            <a:r>
+              <a:rPr lang="ko-KR" altLang="en-US" sz="2400" dirty="0">
                 <a:solidFill>
-                  <a:schemeClr val="accent5">
-                    <a:lumMod val="75000"/>
-                  </a:schemeClr>
+                  <a:schemeClr val="bg1"/>
                 </a:solidFill>
               </a:rPr>
-              <a:t>SQL Query</a:t>
-            </a:r>
-            <a:endParaRPr lang="ko-KR" altLang="en-US" sz="1200" dirty="0">
-              <a:solidFill>
-                <a:schemeClr val="accent5">
-                  <a:lumMod val="75000"/>
-                </a:schemeClr>
-              </a:solidFill>
-            </a:endParaRPr>
-          </a:p>
-        </p:txBody>
-      </p:sp>
-      <p:sp>
-        <p:nvSpPr>
-          <p:cNvPr id="30" name="TextBox 29">
-            <a:extLst>
-              <a:ext uri="{FF2B5EF4-FFF2-40B4-BE49-F238E27FC236}">
-                <a16:creationId xmlns:a16="http://schemas.microsoft.com/office/drawing/2014/main" id="{91AE1C03-B6E7-43DF-958F-5DC053FD3A7B}"/>
+              <a:t>통합 서버</a:t>
+            </a:r>
+          </a:p>
+        </p:txBody>
+      </p:sp>
+      <p:sp>
+        <p:nvSpPr>
+          <p:cNvPr id="84" name="TextBox 83">
+            <a:extLst>
+              <a:ext uri="{FF2B5EF4-FFF2-40B4-BE49-F238E27FC236}">
+                <a16:creationId xmlns:a16="http://schemas.microsoft.com/office/drawing/2014/main" id="{A75B0086-F932-4AFC-9C44-86E315685957}"/>
               </a:ext>
             </a:extLst>
           </p:cNvPr>
@@ -8592,8 +9002,8 @@
         </p:nvSpPr>
         <p:spPr>
           <a:xfrm>
-            <a:off x="2797206" y="3331203"/>
-            <a:ext cx="1091214" cy="523220"/>
+            <a:off x="1359459" y="2978389"/>
+            <a:ext cx="1517461" cy="707886"/>
           </a:xfrm>
           <a:prstGeom prst="rect">
             <a:avLst/>
@@ -8606,44 +9016,32 @@
           </a:bodyPr>
           <a:lstStyle/>
           <a:p>
-            <a:r>
-              <a:rPr lang="en-US" altLang="ko-KR" sz="1400" dirty="0">
+            <a:pPr algn="ctr"/>
+            <a:r>
+              <a:rPr lang="en-US" altLang="ko-KR" sz="2000" dirty="0">
                 <a:solidFill>
-                  <a:schemeClr val="accent5">
-                    <a:lumMod val="75000"/>
-                  </a:schemeClr>
+                  <a:schemeClr val="bg1"/>
                 </a:solidFill>
               </a:rPr>
-              <a:t>Python,</a:t>
-            </a:r>
-          </a:p>
-          <a:p>
-            <a:r>
-              <a:rPr lang="en-US" altLang="ko-KR" sz="1400" dirty="0">
+              <a:t>1</a:t>
+            </a:r>
+            <a:r>
+              <a:rPr lang="ko-KR" altLang="en-US" sz="2000" dirty="0">
                 <a:solidFill>
-                  <a:schemeClr val="accent5">
-                    <a:lumMod val="75000"/>
-                  </a:schemeClr>
+                  <a:schemeClr val="bg1"/>
                 </a:solidFill>
               </a:rPr>
-              <a:t>SQL Query</a:t>
-            </a:r>
-            <a:endParaRPr lang="ko-KR" altLang="en-US" sz="1400" dirty="0">
-              <a:solidFill>
-                <a:schemeClr val="accent5">
-                  <a:lumMod val="75000"/>
-                </a:schemeClr>
-              </a:solidFill>
-            </a:endParaRPr>
-          </a:p>
-        </p:txBody>
-      </p:sp>
-      <p:sp>
-        <p:nvSpPr>
-          <p:cNvPr id="34" name="TextBox 33">
-            <a:extLst>
-              <a:ext uri="{FF2B5EF4-FFF2-40B4-BE49-F238E27FC236}">
-                <a16:creationId xmlns:a16="http://schemas.microsoft.com/office/drawing/2014/main" id="{82FB7C2D-F8AB-463E-A458-3100C240C5BB}"/>
+              <a:t>차 전처리서버</a:t>
+            </a:r>
+          </a:p>
+        </p:txBody>
+      </p:sp>
+      <p:sp>
+        <p:nvSpPr>
+          <p:cNvPr id="85" name="TextBox 84">
+            <a:extLst>
+              <a:ext uri="{FF2B5EF4-FFF2-40B4-BE49-F238E27FC236}">
+                <a16:creationId xmlns:a16="http://schemas.microsoft.com/office/drawing/2014/main" id="{73225285-C3F9-4272-BC0B-99BAFDC7B02F}"/>
               </a:ext>
             </a:extLst>
           </p:cNvPr>
@@ -8652,8 +9050,8 @@
         </p:nvSpPr>
         <p:spPr>
           <a:xfrm>
-            <a:off x="5870125" y="5632045"/>
-            <a:ext cx="669877" cy="830997"/>
+            <a:off x="3216392" y="2149261"/>
+            <a:ext cx="1517461" cy="461665"/>
           </a:xfrm>
           <a:prstGeom prst="rect">
             <a:avLst/>
@@ -8666,44 +9064,29 @@
           </a:bodyPr>
           <a:lstStyle/>
           <a:p>
-            <a:r>
-              <a:rPr lang="en-US" altLang="ko-KR" sz="1200" dirty="0" err="1">
+            <a:pPr algn="ctr"/>
+            <a:r>
+              <a:rPr lang="ko-KR" altLang="en-US" sz="2400">
                 <a:solidFill>
-                  <a:schemeClr val="accent5">
-                    <a:lumMod val="75000"/>
-                  </a:schemeClr>
+                  <a:schemeClr val="bg1"/>
                 </a:solidFill>
               </a:rPr>
-              <a:t>Pythonpickle</a:t>
-            </a:r>
-            <a:endParaRPr lang="en-US" altLang="ko-KR" sz="1200" dirty="0">
+              <a:t>웹 서버</a:t>
+            </a:r>
+            <a:endParaRPr lang="ko-KR" altLang="en-US" sz="2400" dirty="0">
               <a:solidFill>
-                <a:schemeClr val="accent5">
-                  <a:lumMod val="75000"/>
-                </a:schemeClr>
+                <a:schemeClr val="bg1"/>
               </a:solidFill>
             </a:endParaRPr>
           </a:p>
-          <a:p>
-            <a:r>
-              <a:rPr lang="en-US" altLang="ko-KR" sz="1200" dirty="0">
-                <a:solidFill>
-                  <a:schemeClr val="accent5">
-                    <a:lumMod val="75000"/>
-                  </a:schemeClr>
-                </a:solidFill>
-              </a:rPr>
-              <a:t>File system</a:t>
-            </a:r>
-          </a:p>
-        </p:txBody>
-      </p:sp>
-      <p:sp>
-        <p:nvSpPr>
-          <p:cNvPr id="36" name="TextBox 35">
-            <a:extLst>
-              <a:ext uri="{FF2B5EF4-FFF2-40B4-BE49-F238E27FC236}">
-                <a16:creationId xmlns:a16="http://schemas.microsoft.com/office/drawing/2014/main" id="{8153D64F-A9CA-4FA7-993B-D9652C865869}"/>
+        </p:txBody>
+      </p:sp>
+      <p:sp>
+        <p:nvSpPr>
+          <p:cNvPr id="86" name="TextBox 85">
+            <a:extLst>
+              <a:ext uri="{FF2B5EF4-FFF2-40B4-BE49-F238E27FC236}">
+                <a16:creationId xmlns:a16="http://schemas.microsoft.com/office/drawing/2014/main" id="{C4E0026A-691E-472B-A8DC-19F7E03A7F71}"/>
               </a:ext>
             </a:extLst>
           </p:cNvPr>
@@ -8712,8 +9095,8 @@
         </p:nvSpPr>
         <p:spPr>
           <a:xfrm>
-            <a:off x="8170476" y="5533947"/>
-            <a:ext cx="669877" cy="646331"/>
+            <a:off x="3228352" y="3038941"/>
+            <a:ext cx="1517461" cy="707886"/>
           </a:xfrm>
           <a:prstGeom prst="rect">
             <a:avLst/>
@@ -8726,37 +9109,56 @@
           </a:bodyPr>
           <a:lstStyle/>
           <a:p>
-            <a:r>
-              <a:rPr lang="en-US" altLang="ko-KR" sz="1200" dirty="0">
+            <a:pPr algn="ctr"/>
+            <a:r>
+              <a:rPr lang="en-US" altLang="ko-KR" sz="2000" dirty="0">
                 <a:solidFill>
-                  <a:schemeClr val="accent5">
-                    <a:lumMod val="75000"/>
-                  </a:schemeClr>
+                  <a:schemeClr val="bg1"/>
                 </a:solidFill>
               </a:rPr>
-              <a:t>Python</a:t>
-            </a:r>
-          </a:p>
-          <a:p>
-            <a:r>
-              <a:rPr lang="en-US" altLang="ko-KR" sz="1200" dirty="0">
+              <a:t>2</a:t>
+            </a:r>
+            <a:r>
+              <a:rPr lang="ko-KR" altLang="en-US" sz="2000" dirty="0">
                 <a:solidFill>
-                  <a:schemeClr val="accent5">
-                    <a:lumMod val="75000"/>
-                  </a:schemeClr>
+                  <a:schemeClr val="bg1"/>
                 </a:solidFill>
               </a:rPr>
-              <a:t>File open</a:t>
-            </a:r>
-          </a:p>
-        </p:txBody>
-      </p:sp>
-      <p:sp>
-        <p:nvSpPr>
-          <p:cNvPr id="37" name="TextBox 36">
-            <a:extLst>
-              <a:ext uri="{FF2B5EF4-FFF2-40B4-BE49-F238E27FC236}">
-                <a16:creationId xmlns:a16="http://schemas.microsoft.com/office/drawing/2014/main" id="{132DB1A9-653B-4BF8-83D9-9A1109A405FF}"/>
+              <a:t>차 </a:t>
+            </a:r>
+            <a:r>
+              <a:rPr lang="ko-KR" altLang="en-US" sz="2000" dirty="0" err="1">
+                <a:solidFill>
+                  <a:schemeClr val="bg1"/>
+                </a:solidFill>
+              </a:rPr>
+              <a:t>전처리</a:t>
+            </a:r>
+            <a:endParaRPr lang="en-US" altLang="ko-KR" sz="2000" dirty="0">
+              <a:solidFill>
+                <a:schemeClr val="bg1"/>
+              </a:solidFill>
+            </a:endParaRPr>
+          </a:p>
+          <a:p>
+            <a:pPr algn="ctr"/>
+            <a:r>
+              <a:rPr lang="ko-KR" altLang="en-US" sz="2000" dirty="0">
+                <a:solidFill>
+                  <a:schemeClr val="bg1"/>
+                </a:solidFill>
+              </a:rPr>
+              <a:t>서버</a:t>
+            </a:r>
+          </a:p>
+        </p:txBody>
+      </p:sp>
+      <p:sp>
+        <p:nvSpPr>
+          <p:cNvPr id="87" name="TextBox 86">
+            <a:extLst>
+              <a:ext uri="{FF2B5EF4-FFF2-40B4-BE49-F238E27FC236}">
+                <a16:creationId xmlns:a16="http://schemas.microsoft.com/office/drawing/2014/main" id="{F1F18520-0195-49B7-897D-8983D6AED362}"/>
               </a:ext>
             </a:extLst>
           </p:cNvPr>
@@ -8765,8 +9167,8 @@
         </p:nvSpPr>
         <p:spPr>
           <a:xfrm>
-            <a:off x="9799261" y="3589855"/>
-            <a:ext cx="669877" cy="646331"/>
+            <a:off x="5001769" y="2130705"/>
+            <a:ext cx="1606165" cy="707886"/>
           </a:xfrm>
           <a:prstGeom prst="rect">
             <a:avLst/>
@@ -8779,33 +9181,18 @@
           </a:bodyPr>
           <a:lstStyle/>
           <a:p>
-            <a:r>
-              <a:rPr lang="en-US" altLang="ko-KR" sz="1200" dirty="0">
+            <a:pPr algn="ctr"/>
+            <a:r>
+              <a:rPr lang="ko-KR" altLang="en-US" sz="2000" dirty="0" err="1">
                 <a:solidFill>
-                  <a:schemeClr val="accent5">
-                    <a:lumMod val="75000"/>
-                  </a:schemeClr>
+                  <a:schemeClr val="bg1"/>
                 </a:solidFill>
               </a:rPr>
-              <a:t>Json,</a:t>
-            </a:r>
-          </a:p>
-          <a:p>
-            <a:r>
-              <a:rPr lang="en-US" altLang="ko-KR" sz="1200" dirty="0" err="1">
-                <a:solidFill>
-                  <a:schemeClr val="accent5">
-                    <a:lumMod val="75000"/>
-                  </a:schemeClr>
-                </a:solidFill>
-              </a:rPr>
-              <a:t>NoSQLQuery</a:t>
-            </a:r>
-            <a:endParaRPr lang="en-US" altLang="ko-KR" sz="1200" dirty="0">
+              <a:t>통합데이터호스팅서버</a:t>
+            </a:r>
+            <a:endParaRPr lang="ko-KR" altLang="en-US" sz="2000" dirty="0">
               <a:solidFill>
-                <a:schemeClr val="accent5">
-                  <a:lumMod val="75000"/>
-                </a:schemeClr>
+                <a:schemeClr val="bg1"/>
               </a:solidFill>
             </a:endParaRPr>
           </a:p>
@@ -8813,10 +9200,10 @@
       </p:sp>
       <p:sp>
         <p:nvSpPr>
-          <p:cNvPr id="38" name="TextBox 37">
-            <a:extLst>
-              <a:ext uri="{FF2B5EF4-FFF2-40B4-BE49-F238E27FC236}">
-                <a16:creationId xmlns:a16="http://schemas.microsoft.com/office/drawing/2014/main" id="{277DFB0C-AD8A-43FC-A36B-AE17443EB0E4}"/>
+          <p:cNvPr id="88" name="TextBox 87">
+            <a:extLst>
+              <a:ext uri="{FF2B5EF4-FFF2-40B4-BE49-F238E27FC236}">
+                <a16:creationId xmlns:a16="http://schemas.microsoft.com/office/drawing/2014/main" id="{42492ED9-A642-4FA2-9D0D-CD8B191C127E}"/>
               </a:ext>
             </a:extLst>
           </p:cNvPr>
@@ -8825,8 +9212,8 @@
         </p:nvSpPr>
         <p:spPr>
           <a:xfrm>
-            <a:off x="8216642" y="1622894"/>
-            <a:ext cx="669877" cy="461665"/>
+            <a:off x="1359458" y="1773390"/>
+            <a:ext cx="1517461" cy="830997"/>
           </a:xfrm>
           <a:prstGeom prst="rect">
             <a:avLst/>
@@ -8839,614 +9226,31 @@
           </a:bodyPr>
           <a:lstStyle/>
           <a:p>
-            <a:r>
-              <a:rPr lang="en-US" altLang="ko-KR" sz="1200" dirty="0">
+            <a:pPr algn="ctr"/>
+            <a:r>
+              <a:rPr lang="ko-KR" altLang="en-US" sz="2400" dirty="0">
                 <a:solidFill>
-                  <a:schemeClr val="accent5">
-                    <a:lumMod val="75000"/>
-                  </a:schemeClr>
+                  <a:schemeClr val="bg1"/>
                 </a:solidFill>
               </a:rPr>
-              <a:t>REST API</a:t>
-            </a:r>
-          </a:p>
-        </p:txBody>
-      </p:sp>
-      <p:sp>
-        <p:nvSpPr>
-          <p:cNvPr id="39" name="TextBox 38">
-            <a:extLst>
-              <a:ext uri="{FF2B5EF4-FFF2-40B4-BE49-F238E27FC236}">
-                <a16:creationId xmlns:a16="http://schemas.microsoft.com/office/drawing/2014/main" id="{0F7FA6A3-4FA7-4D63-BEDE-5CE0FBD92CF8}"/>
-              </a:ext>
-            </a:extLst>
-          </p:cNvPr>
-          <p:cNvSpPr txBox="1"/>
-          <p:nvPr/>
-        </p:nvSpPr>
-        <p:spPr>
-          <a:xfrm>
-            <a:off x="6508377" y="1230814"/>
-            <a:ext cx="669877" cy="276999"/>
-          </a:xfrm>
-          <a:prstGeom prst="rect">
-            <a:avLst/>
-          </a:prstGeom>
-          <a:noFill/>
-        </p:spPr>
-        <p:txBody>
-          <a:bodyPr wrap="square" rtlCol="0">
-            <a:spAutoFit/>
-          </a:bodyPr>
-          <a:lstStyle/>
-          <a:p>
-            <a:r>
-              <a:rPr lang="en-US" altLang="ko-KR" sz="1200" dirty="0">
+              <a:t>수집기</a:t>
+            </a:r>
+            <a:endParaRPr lang="en-US" altLang="ko-KR" sz="2400" dirty="0">
+              <a:solidFill>
+                <a:schemeClr val="bg1"/>
+              </a:solidFill>
+            </a:endParaRPr>
+          </a:p>
+          <a:p>
+            <a:pPr algn="ctr"/>
+            <a:r>
+              <a:rPr lang="ko-KR" altLang="en-US" sz="2400" dirty="0">
                 <a:solidFill>
-                  <a:schemeClr val="accent5">
-                    <a:lumMod val="75000"/>
-                  </a:schemeClr>
+                  <a:schemeClr val="bg1"/>
                 </a:solidFill>
               </a:rPr>
-              <a:t>HTTP</a:t>
-            </a:r>
-          </a:p>
-        </p:txBody>
-      </p:sp>
-      <p:sp>
-        <p:nvSpPr>
-          <p:cNvPr id="40" name="TextBox 39">
-            <a:extLst>
-              <a:ext uri="{FF2B5EF4-FFF2-40B4-BE49-F238E27FC236}">
-                <a16:creationId xmlns:a16="http://schemas.microsoft.com/office/drawing/2014/main" id="{07D8BC62-F171-4CC8-9D0A-268ADFC11F90}"/>
-              </a:ext>
-            </a:extLst>
-          </p:cNvPr>
-          <p:cNvSpPr txBox="1"/>
-          <p:nvPr/>
-        </p:nvSpPr>
-        <p:spPr>
-          <a:xfrm>
-            <a:off x="3650837" y="1013111"/>
-            <a:ext cx="1091214" cy="461665"/>
-          </a:xfrm>
-          <a:prstGeom prst="rect">
-            <a:avLst/>
-          </a:prstGeom>
-          <a:noFill/>
-        </p:spPr>
-        <p:txBody>
-          <a:bodyPr wrap="square" rtlCol="0">
-            <a:spAutoFit/>
-          </a:bodyPr>
-          <a:lstStyle/>
-          <a:p>
-            <a:r>
-              <a:rPr lang="en-US" altLang="ko-KR" sz="1200" dirty="0">
-                <a:solidFill>
-                  <a:schemeClr val="accent5">
-                    <a:lumMod val="75000"/>
-                  </a:schemeClr>
-                </a:solidFill>
-              </a:rPr>
-              <a:t>Twitch API,</a:t>
-            </a:r>
-          </a:p>
-          <a:p>
-            <a:r>
-              <a:rPr lang="en-US" altLang="ko-KR" sz="1200" dirty="0">
-                <a:solidFill>
-                  <a:schemeClr val="accent5">
-                    <a:lumMod val="75000"/>
-                  </a:schemeClr>
-                </a:solidFill>
-              </a:rPr>
-              <a:t>Chatty</a:t>
-            </a:r>
-          </a:p>
-        </p:txBody>
-      </p:sp>
-      <p:sp>
-        <p:nvSpPr>
-          <p:cNvPr id="41" name="순서도: 처리 40">
-            <a:extLst>
-              <a:ext uri="{FF2B5EF4-FFF2-40B4-BE49-F238E27FC236}">
-                <a16:creationId xmlns:a16="http://schemas.microsoft.com/office/drawing/2014/main" id="{EA2403B7-85B6-468D-80E0-55EB61F32F96}"/>
-              </a:ext>
-            </a:extLst>
-          </p:cNvPr>
-          <p:cNvSpPr/>
-          <p:nvPr/>
-        </p:nvSpPr>
-        <p:spPr>
-          <a:xfrm>
-            <a:off x="4314403" y="2902937"/>
-            <a:ext cx="1570375" cy="1121584"/>
-          </a:xfrm>
-          <a:prstGeom prst="flowChartProcess">
-            <a:avLst/>
-          </a:prstGeom>
-          <a:ln/>
-        </p:spPr>
-        <p:style>
-          <a:lnRef idx="1">
-            <a:schemeClr val="accent3"/>
-          </a:lnRef>
-          <a:fillRef idx="2">
-            <a:schemeClr val="accent3"/>
-          </a:fillRef>
-          <a:effectRef idx="1">
-            <a:schemeClr val="accent3"/>
-          </a:effectRef>
-          <a:fontRef idx="minor">
-            <a:schemeClr val="dk1"/>
-          </a:fontRef>
-        </p:style>
-        <p:txBody>
-          <a:bodyPr rtlCol="0" anchor="ctr"/>
-          <a:lstStyle/>
-          <a:p>
-            <a:pPr algn="ctr"/>
-            <a:endParaRPr lang="ko-KR" altLang="en-US" dirty="0"/>
-          </a:p>
-        </p:txBody>
-      </p:sp>
-      <p:sp>
-        <p:nvSpPr>
-          <p:cNvPr id="42" name="TextBox 41">
-            <a:extLst>
-              <a:ext uri="{FF2B5EF4-FFF2-40B4-BE49-F238E27FC236}">
-                <a16:creationId xmlns:a16="http://schemas.microsoft.com/office/drawing/2014/main" id="{D88F05BA-5698-49F1-8C6B-4AD530582A7C}"/>
-              </a:ext>
-            </a:extLst>
-          </p:cNvPr>
-          <p:cNvSpPr txBox="1"/>
-          <p:nvPr/>
-        </p:nvSpPr>
-        <p:spPr>
-          <a:xfrm>
-            <a:off x="4309575" y="3078069"/>
-            <a:ext cx="1575204" cy="738664"/>
-          </a:xfrm>
-          <a:prstGeom prst="rect">
-            <a:avLst/>
-          </a:prstGeom>
-          <a:noFill/>
-        </p:spPr>
-        <p:txBody>
-          <a:bodyPr wrap="square" rtlCol="0">
-            <a:spAutoFit/>
-          </a:bodyPr>
-          <a:lstStyle/>
-          <a:p>
-            <a:r>
-              <a:rPr lang="ko-KR" altLang="en-US" sz="1400" dirty="0"/>
-              <a:t>메타데이터</a:t>
-            </a:r>
-            <a:endParaRPr lang="en-US" altLang="ko-KR" sz="1400" dirty="0"/>
-          </a:p>
-          <a:p>
-            <a:r>
-              <a:rPr lang="ko-KR" altLang="en-US" sz="1400" dirty="0" err="1"/>
-              <a:t>전처리</a:t>
-            </a:r>
-            <a:endParaRPr lang="en-US" altLang="ko-KR" sz="1400" dirty="0"/>
-          </a:p>
-          <a:p>
-            <a:r>
-              <a:rPr lang="ko-KR" altLang="en-US" sz="1400" dirty="0"/>
-              <a:t>시스템</a:t>
-            </a:r>
-            <a:endParaRPr lang="en-US" altLang="ko-KR" sz="1400" dirty="0"/>
-          </a:p>
-        </p:txBody>
-      </p:sp>
-      <p:sp>
-        <p:nvSpPr>
-          <p:cNvPr id="43" name="화살표: 아래쪽 42">
-            <a:extLst>
-              <a:ext uri="{FF2B5EF4-FFF2-40B4-BE49-F238E27FC236}">
-                <a16:creationId xmlns:a16="http://schemas.microsoft.com/office/drawing/2014/main" id="{763086F3-2C38-4D97-A7E8-EC8D350A66D6}"/>
-              </a:ext>
-            </a:extLst>
-          </p:cNvPr>
-          <p:cNvSpPr/>
-          <p:nvPr/>
-        </p:nvSpPr>
-        <p:spPr>
-          <a:xfrm rot="14236012">
-            <a:off x="3746050" y="3762705"/>
-            <a:ext cx="435006" cy="448323"/>
-          </a:xfrm>
-          <a:prstGeom prst="downArrow">
-            <a:avLst/>
-          </a:prstGeom>
-        </p:spPr>
-        <p:style>
-          <a:lnRef idx="3">
-            <a:schemeClr val="lt1"/>
-          </a:lnRef>
-          <a:fillRef idx="1">
-            <a:schemeClr val="accent6"/>
-          </a:fillRef>
-          <a:effectRef idx="1">
-            <a:schemeClr val="accent6"/>
-          </a:effectRef>
-          <a:fontRef idx="minor">
-            <a:schemeClr val="lt1"/>
-          </a:fontRef>
-        </p:style>
-        <p:txBody>
-          <a:bodyPr rtlCol="0" anchor="ctr"/>
-          <a:lstStyle/>
-          <a:p>
-            <a:pPr algn="ctr"/>
-            <a:endParaRPr lang="ko-KR" altLang="en-US"/>
-          </a:p>
-        </p:txBody>
-      </p:sp>
-      <p:sp>
-        <p:nvSpPr>
-          <p:cNvPr id="44" name="TextBox 43">
-            <a:extLst>
-              <a:ext uri="{FF2B5EF4-FFF2-40B4-BE49-F238E27FC236}">
-                <a16:creationId xmlns:a16="http://schemas.microsoft.com/office/drawing/2014/main" id="{DC53ECFB-17BB-4D25-82D7-58E57E55B67D}"/>
-              </a:ext>
-            </a:extLst>
-          </p:cNvPr>
-          <p:cNvSpPr txBox="1"/>
-          <p:nvPr/>
-        </p:nvSpPr>
-        <p:spPr>
-          <a:xfrm>
-            <a:off x="3872810" y="4117363"/>
-            <a:ext cx="669877" cy="600164"/>
-          </a:xfrm>
-          <a:prstGeom prst="rect">
-            <a:avLst/>
-          </a:prstGeom>
-          <a:noFill/>
-        </p:spPr>
-        <p:txBody>
-          <a:bodyPr wrap="square" rtlCol="0">
-            <a:spAutoFit/>
-          </a:bodyPr>
-          <a:lstStyle/>
-          <a:p>
-            <a:r>
-              <a:rPr lang="en-US" altLang="ko-KR" sz="1100" dirty="0">
-                <a:solidFill>
-                  <a:schemeClr val="accent5">
-                    <a:lumMod val="75000"/>
-                  </a:schemeClr>
-                </a:solidFill>
-              </a:rPr>
-              <a:t>Python,</a:t>
-            </a:r>
-          </a:p>
-          <a:p>
-            <a:r>
-              <a:rPr lang="en-US" altLang="ko-KR" sz="1100" dirty="0">
-                <a:solidFill>
-                  <a:schemeClr val="accent5">
-                    <a:lumMod val="75000"/>
-                  </a:schemeClr>
-                </a:solidFill>
-              </a:rPr>
-              <a:t>SQL Query</a:t>
-            </a:r>
-            <a:endParaRPr lang="ko-KR" altLang="en-US" sz="1100" dirty="0">
-              <a:solidFill>
-                <a:schemeClr val="accent5">
-                  <a:lumMod val="75000"/>
-                </a:schemeClr>
-              </a:solidFill>
-            </a:endParaRPr>
-          </a:p>
-        </p:txBody>
-      </p:sp>
-      <p:sp>
-        <p:nvSpPr>
-          <p:cNvPr id="45" name="화살표: 아래쪽 44">
-            <a:extLst>
-              <a:ext uri="{FF2B5EF4-FFF2-40B4-BE49-F238E27FC236}">
-                <a16:creationId xmlns:a16="http://schemas.microsoft.com/office/drawing/2014/main" id="{34938E81-D82C-468D-8CAE-41B1E987079D}"/>
-              </a:ext>
-            </a:extLst>
-          </p:cNvPr>
-          <p:cNvSpPr/>
-          <p:nvPr/>
-        </p:nvSpPr>
-        <p:spPr>
-          <a:xfrm rot="15803666">
-            <a:off x="7125910" y="2142384"/>
-            <a:ext cx="435006" cy="2512945"/>
-          </a:xfrm>
-          <a:prstGeom prst="downArrow">
-            <a:avLst/>
-          </a:prstGeom>
-        </p:spPr>
-        <p:style>
-          <a:lnRef idx="3">
-            <a:schemeClr val="lt1"/>
-          </a:lnRef>
-          <a:fillRef idx="1">
-            <a:schemeClr val="accent6"/>
-          </a:fillRef>
-          <a:effectRef idx="1">
-            <a:schemeClr val="accent6"/>
-          </a:effectRef>
-          <a:fontRef idx="minor">
-            <a:schemeClr val="lt1"/>
-          </a:fontRef>
-        </p:style>
-        <p:txBody>
-          <a:bodyPr rtlCol="0" anchor="ctr"/>
-          <a:lstStyle/>
-          <a:p>
-            <a:pPr algn="ctr"/>
-            <a:endParaRPr lang="ko-KR" altLang="en-US" dirty="0"/>
-          </a:p>
-        </p:txBody>
-      </p:sp>
-      <p:sp>
-        <p:nvSpPr>
-          <p:cNvPr id="46" name="화살표: 아래쪽 45">
-            <a:extLst>
-              <a:ext uri="{FF2B5EF4-FFF2-40B4-BE49-F238E27FC236}">
-                <a16:creationId xmlns:a16="http://schemas.microsoft.com/office/drawing/2014/main" id="{6FBAD97F-D558-40E2-9FB4-860F81931903}"/>
-              </a:ext>
-            </a:extLst>
-          </p:cNvPr>
-          <p:cNvSpPr/>
-          <p:nvPr/>
-        </p:nvSpPr>
-        <p:spPr>
-          <a:xfrm rot="14236012">
-            <a:off x="10769767" y="46744"/>
-            <a:ext cx="435006" cy="448323"/>
-          </a:xfrm>
-          <a:prstGeom prst="downArrow">
-            <a:avLst/>
-          </a:prstGeom>
-        </p:spPr>
-        <p:style>
-          <a:lnRef idx="3">
-            <a:schemeClr val="lt1"/>
-          </a:lnRef>
-          <a:fillRef idx="1">
-            <a:schemeClr val="accent6"/>
-          </a:fillRef>
-          <a:effectRef idx="1">
-            <a:schemeClr val="accent6"/>
-          </a:effectRef>
-          <a:fontRef idx="minor">
-            <a:schemeClr val="lt1"/>
-          </a:fontRef>
-        </p:style>
-        <p:txBody>
-          <a:bodyPr rtlCol="0" anchor="ctr"/>
-          <a:lstStyle/>
-          <a:p>
-            <a:pPr algn="ctr"/>
-            <a:endParaRPr lang="ko-KR" altLang="en-US"/>
-          </a:p>
-        </p:txBody>
-      </p:sp>
-      <p:sp>
-        <p:nvSpPr>
-          <p:cNvPr id="47" name="화살표: 아래쪽 46">
-            <a:extLst>
-              <a:ext uri="{FF2B5EF4-FFF2-40B4-BE49-F238E27FC236}">
-                <a16:creationId xmlns:a16="http://schemas.microsoft.com/office/drawing/2014/main" id="{A17F015E-5734-4EC8-B901-B7E27E9F35A1}"/>
-              </a:ext>
-            </a:extLst>
-          </p:cNvPr>
-          <p:cNvSpPr/>
-          <p:nvPr/>
-        </p:nvSpPr>
-        <p:spPr>
-          <a:xfrm rot="14236012">
-            <a:off x="10769768" y="728431"/>
-            <a:ext cx="435006" cy="448323"/>
-          </a:xfrm>
-          <a:prstGeom prst="downArrow">
-            <a:avLst/>
-          </a:prstGeom>
-        </p:spPr>
-        <p:style>
-          <a:lnRef idx="3">
-            <a:schemeClr val="lt1"/>
-          </a:lnRef>
-          <a:fillRef idx="1">
-            <a:schemeClr val="dk1"/>
-          </a:fillRef>
-          <a:effectRef idx="1">
-            <a:schemeClr val="dk1"/>
-          </a:effectRef>
-          <a:fontRef idx="minor">
-            <a:schemeClr val="lt1"/>
-          </a:fontRef>
-        </p:style>
-        <p:txBody>
-          <a:bodyPr rtlCol="0" anchor="ctr"/>
-          <a:lstStyle/>
-          <a:p>
-            <a:pPr algn="ctr"/>
-            <a:endParaRPr lang="ko-KR" altLang="en-US" dirty="0"/>
-          </a:p>
-        </p:txBody>
-      </p:sp>
-      <p:sp>
-        <p:nvSpPr>
-          <p:cNvPr id="3" name="TextBox 2">
-            <a:extLst>
-              <a:ext uri="{FF2B5EF4-FFF2-40B4-BE49-F238E27FC236}">
-                <a16:creationId xmlns:a16="http://schemas.microsoft.com/office/drawing/2014/main" id="{6F46CE10-A2C1-49FF-853A-139659AE987B}"/>
-              </a:ext>
-            </a:extLst>
-          </p:cNvPr>
-          <p:cNvSpPr txBox="1"/>
-          <p:nvPr/>
-        </p:nvSpPr>
-        <p:spPr>
-          <a:xfrm>
-            <a:off x="11150353" y="40072"/>
-            <a:ext cx="1041647" cy="461665"/>
-          </a:xfrm>
-          <a:prstGeom prst="rect">
-            <a:avLst/>
-          </a:prstGeom>
-          <a:noFill/>
-        </p:spPr>
-        <p:txBody>
-          <a:bodyPr wrap="square" rtlCol="0">
-            <a:spAutoFit/>
-          </a:bodyPr>
-          <a:lstStyle/>
-          <a:p>
-            <a:r>
-              <a:rPr lang="ko-KR" altLang="en-US" sz="1200" dirty="0"/>
-              <a:t>시각화용 </a:t>
-            </a:r>
-            <a:r>
-              <a:rPr lang="en-US" altLang="ko-KR" sz="1200" dirty="0"/>
-              <a:t>Meta data</a:t>
-            </a:r>
-          </a:p>
-        </p:txBody>
-      </p:sp>
-      <p:sp>
-        <p:nvSpPr>
-          <p:cNvPr id="48" name="TextBox 47">
-            <a:extLst>
-              <a:ext uri="{FF2B5EF4-FFF2-40B4-BE49-F238E27FC236}">
-                <a16:creationId xmlns:a16="http://schemas.microsoft.com/office/drawing/2014/main" id="{6FFEFEBC-9704-4D3E-AA19-F5A0453824C7}"/>
-              </a:ext>
-            </a:extLst>
-          </p:cNvPr>
-          <p:cNvSpPr txBox="1"/>
-          <p:nvPr/>
-        </p:nvSpPr>
-        <p:spPr>
-          <a:xfrm>
-            <a:off x="11150352" y="600868"/>
-            <a:ext cx="1041647" cy="830997"/>
-          </a:xfrm>
-          <a:prstGeom prst="rect">
-            <a:avLst/>
-          </a:prstGeom>
-          <a:noFill/>
-        </p:spPr>
-        <p:txBody>
-          <a:bodyPr wrap="square" rtlCol="0">
-            <a:spAutoFit/>
-          </a:bodyPr>
-          <a:lstStyle/>
-          <a:p>
-            <a:r>
-              <a:rPr lang="ko-KR" altLang="en-US" sz="1200" dirty="0"/>
-              <a:t>분석</a:t>
-            </a:r>
-            <a:r>
-              <a:rPr lang="en-US" altLang="ko-KR" sz="1200" dirty="0"/>
-              <a:t> </a:t>
-            </a:r>
-            <a:r>
-              <a:rPr lang="ko-KR" altLang="en-US" sz="1200" dirty="0"/>
-              <a:t>데이터</a:t>
-            </a:r>
-            <a:endParaRPr lang="en-US" altLang="ko-KR" sz="1200" dirty="0"/>
-          </a:p>
-          <a:p>
-            <a:pPr marL="171450" indent="-171450">
-              <a:buFontTx/>
-              <a:buChar char="-"/>
-            </a:pPr>
-            <a:r>
-              <a:rPr lang="ko-KR" altLang="en-US" sz="1200" dirty="0"/>
-              <a:t>채팅</a:t>
-            </a:r>
-            <a:endParaRPr lang="en-US" altLang="ko-KR" sz="1200" dirty="0"/>
-          </a:p>
-          <a:p>
-            <a:pPr marL="171450" indent="-171450">
-              <a:buFontTx/>
-              <a:buChar char="-"/>
-            </a:pPr>
-            <a:r>
-              <a:rPr lang="en-US" altLang="ko-KR" sz="1200" dirty="0"/>
-              <a:t>Stream</a:t>
-            </a:r>
-            <a:r>
-              <a:rPr lang="ko-KR" altLang="en-US" sz="1200" dirty="0"/>
-              <a:t> </a:t>
-            </a:r>
-            <a:r>
-              <a:rPr lang="en-US" altLang="ko-KR" sz="1200" dirty="0"/>
-              <a:t>data</a:t>
-            </a:r>
-            <a:endParaRPr lang="ko-KR" altLang="en-US" sz="1200" dirty="0"/>
-          </a:p>
-        </p:txBody>
-      </p:sp>
-      <p:sp>
-        <p:nvSpPr>
-          <p:cNvPr id="49" name="TextBox 48">
-            <a:extLst>
-              <a:ext uri="{FF2B5EF4-FFF2-40B4-BE49-F238E27FC236}">
-                <a16:creationId xmlns:a16="http://schemas.microsoft.com/office/drawing/2014/main" id="{358B94BC-D98A-469A-84A4-3EBF298AE5F0}"/>
-              </a:ext>
-            </a:extLst>
-          </p:cNvPr>
-          <p:cNvSpPr txBox="1"/>
-          <p:nvPr/>
-        </p:nvSpPr>
-        <p:spPr>
-          <a:xfrm>
-            <a:off x="6944385" y="3589855"/>
-            <a:ext cx="669877" cy="646331"/>
-          </a:xfrm>
-          <a:prstGeom prst="rect">
-            <a:avLst/>
-          </a:prstGeom>
-          <a:noFill/>
-        </p:spPr>
-        <p:txBody>
-          <a:bodyPr wrap="square" rtlCol="0">
-            <a:spAutoFit/>
-          </a:bodyPr>
-          <a:lstStyle/>
-          <a:p>
-            <a:r>
-              <a:rPr lang="en-US" altLang="ko-KR" sz="1200" dirty="0">
-                <a:solidFill>
-                  <a:schemeClr val="accent5">
-                    <a:lumMod val="75000"/>
-                  </a:schemeClr>
-                </a:solidFill>
-              </a:rPr>
-              <a:t>Json,</a:t>
-            </a:r>
-          </a:p>
-          <a:p>
-            <a:r>
-              <a:rPr lang="en-US" altLang="ko-KR" sz="1200" dirty="0" err="1">
-                <a:solidFill>
-                  <a:schemeClr val="accent5">
-                    <a:lumMod val="75000"/>
-                  </a:schemeClr>
-                </a:solidFill>
-              </a:rPr>
-              <a:t>NoSQLQuery</a:t>
-            </a:r>
-            <a:endParaRPr lang="en-US" altLang="ko-KR" sz="1200" dirty="0">
-              <a:solidFill>
-                <a:schemeClr val="accent5">
-                  <a:lumMod val="75000"/>
-                </a:schemeClr>
-              </a:solidFill>
-            </a:endParaRPr>
+              <a:t>서버</a:t>
+            </a:r>
           </a:p>
         </p:txBody>
       </p:sp>
@@ -9464,2219 +9268,6 @@
 </file>
 
 <file path=ppt/slides/slide5.xml><?xml version="1.0" encoding="utf-8"?>
-<p:sld xmlns:a="http://schemas.openxmlformats.org/drawingml/2006/main" xmlns:r="http://schemas.openxmlformats.org/officeDocument/2006/relationships" xmlns:p="http://schemas.openxmlformats.org/presentationml/2006/main">
-  <p:cSld>
-    <p:spTree>
-      <p:nvGrpSpPr>
-        <p:cNvPr id="1" name=""/>
-        <p:cNvGrpSpPr/>
-        <p:nvPr/>
-      </p:nvGrpSpPr>
-      <p:grpSpPr>
-        <a:xfrm>
-          <a:off x="0" y="0"/>
-          <a:ext cx="0" cy="0"/>
-          <a:chOff x="0" y="0"/>
-          <a:chExt cx="0" cy="0"/>
-        </a:xfrm>
-      </p:grpSpPr>
-      <p:sp>
-        <p:nvSpPr>
-          <p:cNvPr id="8" name="순서도: 처리 7">
-            <a:extLst>
-              <a:ext uri="{FF2B5EF4-FFF2-40B4-BE49-F238E27FC236}">
-                <a16:creationId xmlns:a16="http://schemas.microsoft.com/office/drawing/2014/main" id="{D1F93629-A9C5-4668-BA0E-D311CB46C77E}"/>
-              </a:ext>
-            </a:extLst>
-          </p:cNvPr>
-          <p:cNvSpPr/>
-          <p:nvPr/>
-        </p:nvSpPr>
-        <p:spPr>
-          <a:xfrm>
-            <a:off x="1737604" y="1388133"/>
-            <a:ext cx="1775534" cy="1855434"/>
-          </a:xfrm>
-          <a:prstGeom prst="flowChartProcess">
-            <a:avLst/>
-          </a:prstGeom>
-          <a:ln/>
-        </p:spPr>
-        <p:style>
-          <a:lnRef idx="1">
-            <a:schemeClr val="accent3"/>
-          </a:lnRef>
-          <a:fillRef idx="2">
-            <a:schemeClr val="accent3"/>
-          </a:fillRef>
-          <a:effectRef idx="1">
-            <a:schemeClr val="accent3"/>
-          </a:effectRef>
-          <a:fontRef idx="minor">
-            <a:schemeClr val="dk1"/>
-          </a:fontRef>
-        </p:style>
-        <p:txBody>
-          <a:bodyPr rtlCol="0" anchor="ctr"/>
-          <a:lstStyle/>
-          <a:p>
-            <a:pPr algn="ctr"/>
-            <a:endParaRPr lang="ko-KR" altLang="en-US" dirty="0"/>
-          </a:p>
-        </p:txBody>
-      </p:sp>
-      <p:pic>
-        <p:nvPicPr>
-          <p:cNvPr id="1026" name="Picture 2" descr="í¸ìì¹ì ëí ì´ë¯¸ì§ ê²ìê²°ê³¼">
-            <a:extLst>
-              <a:ext uri="{FF2B5EF4-FFF2-40B4-BE49-F238E27FC236}">
-                <a16:creationId xmlns:a16="http://schemas.microsoft.com/office/drawing/2014/main" id="{0CF2EE97-92C1-4E6F-BF0D-AB612461053A}"/>
-              </a:ext>
-            </a:extLst>
-          </p:cNvPr>
-          <p:cNvPicPr>
-            <a:picLocks noChangeAspect="1" noChangeArrowheads="1"/>
-          </p:cNvPicPr>
-          <p:nvPr/>
-        </p:nvPicPr>
-        <p:blipFill>
-          <a:blip r:embed="rId2">
-            <a:extLst>
-              <a:ext uri="{28A0092B-C50C-407E-A947-70E740481C1C}">
-                <a14:useLocalDpi xmlns:a14="http://schemas.microsoft.com/office/drawing/2010/main" val="0"/>
-              </a:ext>
-            </a:extLst>
-          </a:blip>
-          <a:srcRect/>
-          <a:stretch>
-            <a:fillRect/>
-          </a:stretch>
-        </p:blipFill>
-        <p:spPr bwMode="auto">
-          <a:xfrm>
-            <a:off x="4391012" y="231508"/>
-            <a:ext cx="1570375" cy="931842"/>
-          </a:xfrm>
-          <a:prstGeom prst="rect">
-            <a:avLst/>
-          </a:prstGeom>
-          <a:noFill/>
-          <a:extLst>
-            <a:ext uri="{909E8E84-426E-40DD-AFC4-6F175D3DCCD1}">
-              <a14:hiddenFill xmlns:a14="http://schemas.microsoft.com/office/drawing/2010/main">
-                <a:solidFill>
-                  <a:srgbClr val="FFFFFF"/>
-                </a:solidFill>
-              </a14:hiddenFill>
-            </a:ext>
-          </a:extLst>
-        </p:spPr>
-      </p:pic>
-      <p:sp>
-        <p:nvSpPr>
-          <p:cNvPr id="9" name="TextBox 8">
-            <a:extLst>
-              <a:ext uri="{FF2B5EF4-FFF2-40B4-BE49-F238E27FC236}">
-                <a16:creationId xmlns:a16="http://schemas.microsoft.com/office/drawing/2014/main" id="{A5894C39-C20F-4152-A926-BDCDEBC9EFDC}"/>
-              </a:ext>
-            </a:extLst>
-          </p:cNvPr>
-          <p:cNvSpPr txBox="1"/>
-          <p:nvPr/>
-        </p:nvSpPr>
-        <p:spPr>
-          <a:xfrm>
-            <a:off x="4469939" y="1196799"/>
-            <a:ext cx="1491448" cy="646331"/>
-          </a:xfrm>
-          <a:prstGeom prst="rect">
-            <a:avLst/>
-          </a:prstGeom>
-          <a:noFill/>
-        </p:spPr>
-        <p:txBody>
-          <a:bodyPr wrap="square" rtlCol="0">
-            <a:spAutoFit/>
-          </a:bodyPr>
-          <a:lstStyle/>
-          <a:p>
-            <a:r>
-              <a:rPr lang="ko-KR" altLang="en-US" dirty="0"/>
-              <a:t>스트리밍</a:t>
-            </a:r>
-            <a:endParaRPr lang="en-US" altLang="ko-KR" dirty="0"/>
-          </a:p>
-          <a:p>
-            <a:r>
-              <a:rPr lang="ko-KR" altLang="en-US" dirty="0"/>
-              <a:t>데이터 발생</a:t>
-            </a:r>
-          </a:p>
-        </p:txBody>
-      </p:sp>
-      <p:sp>
-        <p:nvSpPr>
-          <p:cNvPr id="11" name="TextBox 10">
-            <a:extLst>
-              <a:ext uri="{FF2B5EF4-FFF2-40B4-BE49-F238E27FC236}">
-                <a16:creationId xmlns:a16="http://schemas.microsoft.com/office/drawing/2014/main" id="{DE1422A8-457D-4418-A6EB-734F26006B6E}"/>
-              </a:ext>
-            </a:extLst>
-          </p:cNvPr>
-          <p:cNvSpPr txBox="1"/>
-          <p:nvPr/>
-        </p:nvSpPr>
-        <p:spPr>
-          <a:xfrm>
-            <a:off x="1714942" y="1835315"/>
-            <a:ext cx="1993003" cy="984885"/>
-          </a:xfrm>
-          <a:prstGeom prst="rect">
-            <a:avLst/>
-          </a:prstGeom>
-          <a:noFill/>
-        </p:spPr>
-        <p:txBody>
-          <a:bodyPr wrap="square" rtlCol="0">
-            <a:spAutoFit/>
-          </a:bodyPr>
-          <a:lstStyle/>
-          <a:p>
-            <a:r>
-              <a:rPr lang="ko-KR" altLang="en-US" sz="1600" dirty="0"/>
-              <a:t>데이터수집 시스템</a:t>
-            </a:r>
-            <a:endParaRPr lang="en-US" altLang="ko-KR" dirty="0"/>
-          </a:p>
-          <a:p>
-            <a:r>
-              <a:rPr lang="en-US" altLang="ko-KR" sz="1400" dirty="0"/>
-              <a:t>(Chatty,</a:t>
-            </a:r>
-          </a:p>
-          <a:p>
-            <a:r>
-              <a:rPr lang="en-US" altLang="ko-KR" sz="1400" dirty="0"/>
-              <a:t>Twitch </a:t>
-            </a:r>
-          </a:p>
-          <a:p>
-            <a:r>
-              <a:rPr lang="en-US" altLang="ko-KR" sz="1400" dirty="0"/>
-              <a:t>API request)</a:t>
-            </a:r>
-          </a:p>
-        </p:txBody>
-      </p:sp>
-      <p:sp>
-        <p:nvSpPr>
-          <p:cNvPr id="12" name="순서도: 처리 11">
-            <a:extLst>
-              <a:ext uri="{FF2B5EF4-FFF2-40B4-BE49-F238E27FC236}">
-                <a16:creationId xmlns:a16="http://schemas.microsoft.com/office/drawing/2014/main" id="{E406DE63-494F-40F7-AC6B-A4F15927CF2D}"/>
-              </a:ext>
-            </a:extLst>
-          </p:cNvPr>
-          <p:cNvSpPr/>
-          <p:nvPr/>
-        </p:nvSpPr>
-        <p:spPr>
-          <a:xfrm>
-            <a:off x="4264149" y="5027228"/>
-            <a:ext cx="1570375" cy="1158331"/>
-          </a:xfrm>
-          <a:prstGeom prst="flowChartProcess">
-            <a:avLst/>
-          </a:prstGeom>
-          <a:ln/>
-        </p:spPr>
-        <p:style>
-          <a:lnRef idx="1">
-            <a:schemeClr val="accent3"/>
-          </a:lnRef>
-          <a:fillRef idx="2">
-            <a:schemeClr val="accent3"/>
-          </a:fillRef>
-          <a:effectRef idx="1">
-            <a:schemeClr val="accent3"/>
-          </a:effectRef>
-          <a:fontRef idx="minor">
-            <a:schemeClr val="dk1"/>
-          </a:fontRef>
-        </p:style>
-        <p:txBody>
-          <a:bodyPr rtlCol="0" anchor="ctr"/>
-          <a:lstStyle/>
-          <a:p>
-            <a:pPr algn="ctr"/>
-            <a:endParaRPr lang="ko-KR" altLang="en-US" dirty="0"/>
-          </a:p>
-        </p:txBody>
-      </p:sp>
-      <p:sp>
-        <p:nvSpPr>
-          <p:cNvPr id="10" name="순서도: 자기 디스크 9">
-            <a:extLst>
-              <a:ext uri="{FF2B5EF4-FFF2-40B4-BE49-F238E27FC236}">
-                <a16:creationId xmlns:a16="http://schemas.microsoft.com/office/drawing/2014/main" id="{0F900185-E95C-4A89-9096-B7882CC682C6}"/>
-              </a:ext>
-            </a:extLst>
-          </p:cNvPr>
-          <p:cNvSpPr/>
-          <p:nvPr/>
-        </p:nvSpPr>
-        <p:spPr>
-          <a:xfrm>
-            <a:off x="1727446" y="3877323"/>
-            <a:ext cx="1775534" cy="2130641"/>
-          </a:xfrm>
-          <a:prstGeom prst="flowChartMagneticDisk">
-            <a:avLst/>
-          </a:prstGeom>
-        </p:spPr>
-        <p:style>
-          <a:lnRef idx="3">
-            <a:schemeClr val="lt1"/>
-          </a:lnRef>
-          <a:fillRef idx="1">
-            <a:schemeClr val="accent3"/>
-          </a:fillRef>
-          <a:effectRef idx="1">
-            <a:schemeClr val="accent3"/>
-          </a:effectRef>
-          <a:fontRef idx="minor">
-            <a:schemeClr val="lt1"/>
-          </a:fontRef>
-        </p:style>
-        <p:txBody>
-          <a:bodyPr rtlCol="0" anchor="ctr"/>
-          <a:lstStyle/>
-          <a:p>
-            <a:pPr algn="ctr"/>
-            <a:endParaRPr lang="ko-KR" altLang="en-US"/>
-          </a:p>
-        </p:txBody>
-      </p:sp>
-      <p:sp>
-        <p:nvSpPr>
-          <p:cNvPr id="15" name="TextBox 14">
-            <a:extLst>
-              <a:ext uri="{FF2B5EF4-FFF2-40B4-BE49-F238E27FC236}">
-                <a16:creationId xmlns:a16="http://schemas.microsoft.com/office/drawing/2014/main" id="{40386C45-3AC1-4B1D-B4C6-B685061B1AC0}"/>
-              </a:ext>
-            </a:extLst>
-          </p:cNvPr>
-          <p:cNvSpPr txBox="1"/>
-          <p:nvPr/>
-        </p:nvSpPr>
-        <p:spPr>
-          <a:xfrm>
-            <a:off x="1777014" y="4684269"/>
-            <a:ext cx="1775534" cy="861774"/>
-          </a:xfrm>
-          <a:prstGeom prst="rect">
-            <a:avLst/>
-          </a:prstGeom>
-          <a:noFill/>
-        </p:spPr>
-        <p:txBody>
-          <a:bodyPr wrap="square" rtlCol="0">
-            <a:spAutoFit/>
-          </a:bodyPr>
-          <a:lstStyle/>
-          <a:p>
-            <a:r>
-              <a:rPr lang="en-US" altLang="ko-KR" dirty="0"/>
-              <a:t>Low</a:t>
-            </a:r>
-            <a:r>
-              <a:rPr lang="ko-KR" altLang="en-US" dirty="0"/>
-              <a:t> </a:t>
-            </a:r>
-            <a:r>
-              <a:rPr lang="en-US" altLang="ko-KR" dirty="0"/>
-              <a:t>Data</a:t>
-            </a:r>
-          </a:p>
-          <a:p>
-            <a:r>
-              <a:rPr lang="en-US" altLang="ko-KR" dirty="0"/>
-              <a:t>Database</a:t>
-            </a:r>
-          </a:p>
-          <a:p>
-            <a:r>
-              <a:rPr lang="en-US" altLang="ko-KR" sz="1400" dirty="0"/>
-              <a:t>(</a:t>
-            </a:r>
-            <a:r>
-              <a:rPr lang="en-US" altLang="ko-KR" sz="1400" dirty="0" err="1"/>
-              <a:t>RDMBS_MariaDB</a:t>
-            </a:r>
-            <a:r>
-              <a:rPr lang="en-US" altLang="ko-KR" sz="1400" dirty="0"/>
-              <a:t>)</a:t>
-            </a:r>
-          </a:p>
-        </p:txBody>
-      </p:sp>
-      <p:sp>
-        <p:nvSpPr>
-          <p:cNvPr id="14" name="화살표: 아래쪽 13">
-            <a:extLst>
-              <a:ext uri="{FF2B5EF4-FFF2-40B4-BE49-F238E27FC236}">
-                <a16:creationId xmlns:a16="http://schemas.microsoft.com/office/drawing/2014/main" id="{4B205031-7BDC-43CC-A368-F56532618B23}"/>
-              </a:ext>
-            </a:extLst>
-          </p:cNvPr>
-          <p:cNvSpPr/>
-          <p:nvPr/>
-        </p:nvSpPr>
-        <p:spPr>
-          <a:xfrm>
-            <a:off x="2397710" y="3356741"/>
-            <a:ext cx="435006" cy="448323"/>
-          </a:xfrm>
-          <a:prstGeom prst="downArrow">
-            <a:avLst/>
-          </a:prstGeom>
-        </p:spPr>
-        <p:style>
-          <a:lnRef idx="3">
-            <a:schemeClr val="lt1"/>
-          </a:lnRef>
-          <a:fillRef idx="1">
-            <a:schemeClr val="dk1"/>
-          </a:fillRef>
-          <a:effectRef idx="1">
-            <a:schemeClr val="dk1"/>
-          </a:effectRef>
-          <a:fontRef idx="minor">
-            <a:schemeClr val="lt1"/>
-          </a:fontRef>
-        </p:style>
-        <p:txBody>
-          <a:bodyPr rtlCol="0" anchor="ctr"/>
-          <a:lstStyle/>
-          <a:p>
-            <a:pPr algn="ctr"/>
-            <a:endParaRPr lang="ko-KR" altLang="en-US"/>
-          </a:p>
-        </p:txBody>
-      </p:sp>
-      <p:sp>
-        <p:nvSpPr>
-          <p:cNvPr id="17" name="화살표: 아래쪽 16">
-            <a:extLst>
-              <a:ext uri="{FF2B5EF4-FFF2-40B4-BE49-F238E27FC236}">
-                <a16:creationId xmlns:a16="http://schemas.microsoft.com/office/drawing/2014/main" id="{751821A0-236B-4A62-B641-742825FFF526}"/>
-              </a:ext>
-            </a:extLst>
-          </p:cNvPr>
-          <p:cNvSpPr/>
-          <p:nvPr/>
-        </p:nvSpPr>
-        <p:spPr>
-          <a:xfrm rot="3371226">
-            <a:off x="3866225" y="1554941"/>
-            <a:ext cx="435006" cy="448323"/>
-          </a:xfrm>
-          <a:prstGeom prst="downArrow">
-            <a:avLst/>
-          </a:prstGeom>
-        </p:spPr>
-        <p:style>
-          <a:lnRef idx="3">
-            <a:schemeClr val="lt1"/>
-          </a:lnRef>
-          <a:fillRef idx="1">
-            <a:schemeClr val="dk1"/>
-          </a:fillRef>
-          <a:effectRef idx="1">
-            <a:schemeClr val="dk1"/>
-          </a:effectRef>
-          <a:fontRef idx="minor">
-            <a:schemeClr val="lt1"/>
-          </a:fontRef>
-        </p:style>
-        <p:txBody>
-          <a:bodyPr rtlCol="0" anchor="ctr"/>
-          <a:lstStyle/>
-          <a:p>
-            <a:pPr algn="ctr"/>
-            <a:endParaRPr lang="ko-KR" altLang="en-US"/>
-          </a:p>
-        </p:txBody>
-      </p:sp>
-      <p:sp>
-        <p:nvSpPr>
-          <p:cNvPr id="18" name="화살표: 아래쪽 17">
-            <a:extLst>
-              <a:ext uri="{FF2B5EF4-FFF2-40B4-BE49-F238E27FC236}">
-                <a16:creationId xmlns:a16="http://schemas.microsoft.com/office/drawing/2014/main" id="{AF229895-AEFC-4A8A-84FA-C3B2B191AD83}"/>
-              </a:ext>
-            </a:extLst>
-          </p:cNvPr>
-          <p:cNvSpPr/>
-          <p:nvPr/>
-        </p:nvSpPr>
-        <p:spPr>
-          <a:xfrm rot="16200000">
-            <a:off x="3684510" y="5104378"/>
-            <a:ext cx="435006" cy="448323"/>
-          </a:xfrm>
-          <a:prstGeom prst="downArrow">
-            <a:avLst/>
-          </a:prstGeom>
-        </p:spPr>
-        <p:style>
-          <a:lnRef idx="3">
-            <a:schemeClr val="lt1"/>
-          </a:lnRef>
-          <a:fillRef idx="1">
-            <a:schemeClr val="dk1"/>
-          </a:fillRef>
-          <a:effectRef idx="1">
-            <a:schemeClr val="dk1"/>
-          </a:effectRef>
-          <a:fontRef idx="minor">
-            <a:schemeClr val="lt1"/>
-          </a:fontRef>
-        </p:style>
-        <p:txBody>
-          <a:bodyPr rtlCol="0" anchor="ctr"/>
-          <a:lstStyle/>
-          <a:p>
-            <a:pPr algn="ctr"/>
-            <a:endParaRPr lang="ko-KR" altLang="en-US"/>
-          </a:p>
-        </p:txBody>
-      </p:sp>
-      <p:sp>
-        <p:nvSpPr>
-          <p:cNvPr id="19" name="TextBox 18">
-            <a:extLst>
-              <a:ext uri="{FF2B5EF4-FFF2-40B4-BE49-F238E27FC236}">
-                <a16:creationId xmlns:a16="http://schemas.microsoft.com/office/drawing/2014/main" id="{78250E31-E356-407D-9F9E-7D13B5CCDA6B}"/>
-              </a:ext>
-            </a:extLst>
-          </p:cNvPr>
-          <p:cNvSpPr txBox="1"/>
-          <p:nvPr/>
-        </p:nvSpPr>
-        <p:spPr>
-          <a:xfrm>
-            <a:off x="4259321" y="5187493"/>
-            <a:ext cx="1575204" cy="892552"/>
-          </a:xfrm>
-          <a:prstGeom prst="rect">
-            <a:avLst/>
-          </a:prstGeom>
-          <a:noFill/>
-        </p:spPr>
-        <p:txBody>
-          <a:bodyPr wrap="square" rtlCol="0">
-            <a:spAutoFit/>
-          </a:bodyPr>
-          <a:lstStyle/>
-          <a:p>
-            <a:r>
-              <a:rPr lang="ko-KR" altLang="en-US" sz="1600" dirty="0" err="1"/>
-              <a:t>전처리</a:t>
-            </a:r>
-            <a:r>
-              <a:rPr lang="ko-KR" altLang="en-US" sz="1600" dirty="0"/>
-              <a:t> 시스템</a:t>
-            </a:r>
-            <a:endParaRPr lang="en-US" altLang="ko-KR" sz="1600" dirty="0"/>
-          </a:p>
-          <a:p>
-            <a:r>
-              <a:rPr lang="en-US" altLang="ko-KR" sz="1200" dirty="0"/>
-              <a:t>(</a:t>
-            </a:r>
-            <a:r>
-              <a:rPr lang="ko-KR" altLang="en-US" sz="1200" dirty="0"/>
-              <a:t>형태소 분석기</a:t>
-            </a:r>
-            <a:r>
-              <a:rPr lang="en-US" altLang="ko-KR" sz="1200" dirty="0"/>
-              <a:t>,</a:t>
-            </a:r>
-          </a:p>
-          <a:p>
-            <a:r>
-              <a:rPr lang="en-US" altLang="ko-KR" sz="1200" dirty="0"/>
-              <a:t>Pandas</a:t>
-            </a:r>
-          </a:p>
-          <a:p>
-            <a:r>
-              <a:rPr lang="ko-KR" altLang="en-US" sz="1200" dirty="0"/>
-              <a:t>데이터 프레임</a:t>
-            </a:r>
-            <a:r>
-              <a:rPr lang="en-US" altLang="ko-KR" sz="1200" dirty="0"/>
-              <a:t>)</a:t>
-            </a:r>
-            <a:endParaRPr lang="en-US" altLang="ko-KR" sz="1400" dirty="0"/>
-          </a:p>
-        </p:txBody>
-      </p:sp>
-      <p:sp>
-        <p:nvSpPr>
-          <p:cNvPr id="20" name="순서도: 자기 디스크 19">
-            <a:extLst>
-              <a:ext uri="{FF2B5EF4-FFF2-40B4-BE49-F238E27FC236}">
-                <a16:creationId xmlns:a16="http://schemas.microsoft.com/office/drawing/2014/main" id="{77FA884B-18F1-4FF7-81E9-4538231BA8D8}"/>
-              </a:ext>
-            </a:extLst>
-          </p:cNvPr>
-          <p:cNvSpPr/>
-          <p:nvPr/>
-        </p:nvSpPr>
-        <p:spPr>
-          <a:xfrm>
-            <a:off x="6525326" y="4731648"/>
-            <a:ext cx="1570375" cy="1590550"/>
-          </a:xfrm>
-          <a:prstGeom prst="flowChartMagneticDisk">
-            <a:avLst/>
-          </a:prstGeom>
-        </p:spPr>
-        <p:style>
-          <a:lnRef idx="3">
-            <a:schemeClr val="lt1"/>
-          </a:lnRef>
-          <a:fillRef idx="1">
-            <a:schemeClr val="accent3"/>
-          </a:fillRef>
-          <a:effectRef idx="1">
-            <a:schemeClr val="accent3"/>
-          </a:effectRef>
-          <a:fontRef idx="minor">
-            <a:schemeClr val="lt1"/>
-          </a:fontRef>
-        </p:style>
-        <p:txBody>
-          <a:bodyPr rtlCol="0" anchor="ctr"/>
-          <a:lstStyle/>
-          <a:p>
-            <a:pPr algn="ctr"/>
-            <a:endParaRPr lang="ko-KR" altLang="en-US" dirty="0"/>
-          </a:p>
-        </p:txBody>
-      </p:sp>
-      <p:sp>
-        <p:nvSpPr>
-          <p:cNvPr id="21" name="TextBox 20">
-            <a:extLst>
-              <a:ext uri="{FF2B5EF4-FFF2-40B4-BE49-F238E27FC236}">
-                <a16:creationId xmlns:a16="http://schemas.microsoft.com/office/drawing/2014/main" id="{83F4AD10-CC05-4880-BC29-746B366061E8}"/>
-              </a:ext>
-            </a:extLst>
-          </p:cNvPr>
-          <p:cNvSpPr txBox="1"/>
-          <p:nvPr/>
-        </p:nvSpPr>
-        <p:spPr>
-          <a:xfrm>
-            <a:off x="6570066" y="5109986"/>
-            <a:ext cx="1570375" cy="1200329"/>
-          </a:xfrm>
-          <a:prstGeom prst="rect">
-            <a:avLst/>
-          </a:prstGeom>
-          <a:noFill/>
-        </p:spPr>
-        <p:txBody>
-          <a:bodyPr wrap="square" rtlCol="0">
-            <a:spAutoFit/>
-          </a:bodyPr>
-          <a:lstStyle/>
-          <a:p>
-            <a:r>
-              <a:rPr lang="en-US" altLang="ko-KR" dirty="0"/>
-              <a:t>Pre-processed Database</a:t>
-            </a:r>
-          </a:p>
-          <a:p>
-            <a:r>
-              <a:rPr lang="en-US" altLang="ko-KR" sz="1600" dirty="0"/>
-              <a:t>(file)</a:t>
-            </a:r>
-            <a:endParaRPr lang="en-US" altLang="ko-KR" dirty="0"/>
-          </a:p>
-        </p:txBody>
-      </p:sp>
-      <p:sp>
-        <p:nvSpPr>
-          <p:cNvPr id="22" name="화살표: 아래쪽 21">
-            <a:extLst>
-              <a:ext uri="{FF2B5EF4-FFF2-40B4-BE49-F238E27FC236}">
-                <a16:creationId xmlns:a16="http://schemas.microsoft.com/office/drawing/2014/main" id="{19140C2A-4A3C-49B8-87EB-A2A67F98781F}"/>
-              </a:ext>
-            </a:extLst>
-          </p:cNvPr>
-          <p:cNvSpPr/>
-          <p:nvPr/>
-        </p:nvSpPr>
-        <p:spPr>
-          <a:xfrm rot="16200000">
-            <a:off x="5990917" y="5190380"/>
-            <a:ext cx="435006" cy="448323"/>
-          </a:xfrm>
-          <a:prstGeom prst="downArrow">
-            <a:avLst/>
-          </a:prstGeom>
-        </p:spPr>
-        <p:style>
-          <a:lnRef idx="3">
-            <a:schemeClr val="lt1"/>
-          </a:lnRef>
-          <a:fillRef idx="1">
-            <a:schemeClr val="dk1"/>
-          </a:fillRef>
-          <a:effectRef idx="1">
-            <a:schemeClr val="dk1"/>
-          </a:effectRef>
-          <a:fontRef idx="minor">
-            <a:schemeClr val="lt1"/>
-          </a:fontRef>
-        </p:style>
-        <p:txBody>
-          <a:bodyPr rtlCol="0" anchor="ctr"/>
-          <a:lstStyle/>
-          <a:p>
-            <a:pPr algn="ctr"/>
-            <a:endParaRPr lang="ko-KR" altLang="en-US"/>
-          </a:p>
-        </p:txBody>
-      </p:sp>
-      <p:sp>
-        <p:nvSpPr>
-          <p:cNvPr id="23" name="순서도: 처리 22">
-            <a:extLst>
-              <a:ext uri="{FF2B5EF4-FFF2-40B4-BE49-F238E27FC236}">
-                <a16:creationId xmlns:a16="http://schemas.microsoft.com/office/drawing/2014/main" id="{895917F6-341E-45B0-944D-936D9CDC090E}"/>
-              </a:ext>
-            </a:extLst>
-          </p:cNvPr>
-          <p:cNvSpPr/>
-          <p:nvPr/>
-        </p:nvSpPr>
-        <p:spPr>
-          <a:xfrm>
-            <a:off x="8791023" y="4456340"/>
-            <a:ext cx="1570375" cy="1845882"/>
-          </a:xfrm>
-          <a:prstGeom prst="flowChartProcess">
-            <a:avLst/>
-          </a:prstGeom>
-          <a:ln/>
-        </p:spPr>
-        <p:style>
-          <a:lnRef idx="1">
-            <a:schemeClr val="accent3"/>
-          </a:lnRef>
-          <a:fillRef idx="2">
-            <a:schemeClr val="accent3"/>
-          </a:fillRef>
-          <a:effectRef idx="1">
-            <a:schemeClr val="accent3"/>
-          </a:effectRef>
-          <a:fontRef idx="minor">
-            <a:schemeClr val="dk1"/>
-          </a:fontRef>
-        </p:style>
-        <p:txBody>
-          <a:bodyPr rtlCol="0" anchor="ctr"/>
-          <a:lstStyle/>
-          <a:p>
-            <a:pPr algn="ctr"/>
-            <a:endParaRPr lang="ko-KR" altLang="en-US" dirty="0"/>
-          </a:p>
-        </p:txBody>
-      </p:sp>
-      <p:sp>
-        <p:nvSpPr>
-          <p:cNvPr id="24" name="화살표: 아래쪽 23">
-            <a:extLst>
-              <a:ext uri="{FF2B5EF4-FFF2-40B4-BE49-F238E27FC236}">
-                <a16:creationId xmlns:a16="http://schemas.microsoft.com/office/drawing/2014/main" id="{E01A83EB-2854-4602-B157-83853CC5BF4A}"/>
-              </a:ext>
-            </a:extLst>
-          </p:cNvPr>
-          <p:cNvSpPr/>
-          <p:nvPr/>
-        </p:nvSpPr>
-        <p:spPr>
-          <a:xfrm rot="16200000">
-            <a:off x="8259878" y="5104920"/>
-            <a:ext cx="435006" cy="448323"/>
-          </a:xfrm>
-          <a:prstGeom prst="downArrow">
-            <a:avLst/>
-          </a:prstGeom>
-        </p:spPr>
-        <p:style>
-          <a:lnRef idx="3">
-            <a:schemeClr val="lt1"/>
-          </a:lnRef>
-          <a:fillRef idx="1">
-            <a:schemeClr val="dk1"/>
-          </a:fillRef>
-          <a:effectRef idx="1">
-            <a:schemeClr val="dk1"/>
-          </a:effectRef>
-          <a:fontRef idx="minor">
-            <a:schemeClr val="lt1"/>
-          </a:fontRef>
-        </p:style>
-        <p:txBody>
-          <a:bodyPr rtlCol="0" anchor="ctr"/>
-          <a:lstStyle/>
-          <a:p>
-            <a:pPr algn="ctr"/>
-            <a:endParaRPr lang="ko-KR" altLang="en-US"/>
-          </a:p>
-        </p:txBody>
-      </p:sp>
-      <p:sp>
-        <p:nvSpPr>
-          <p:cNvPr id="25" name="TextBox 24">
-            <a:extLst>
-              <a:ext uri="{FF2B5EF4-FFF2-40B4-BE49-F238E27FC236}">
-                <a16:creationId xmlns:a16="http://schemas.microsoft.com/office/drawing/2014/main" id="{F14AB434-34A2-42FB-917A-C7F4B6FC3B21}"/>
-              </a:ext>
-            </a:extLst>
-          </p:cNvPr>
-          <p:cNvSpPr txBox="1"/>
-          <p:nvPr/>
-        </p:nvSpPr>
-        <p:spPr>
-          <a:xfrm>
-            <a:off x="8791023" y="5025472"/>
-            <a:ext cx="1570375" cy="923330"/>
-          </a:xfrm>
-          <a:prstGeom prst="rect">
-            <a:avLst/>
-          </a:prstGeom>
-          <a:noFill/>
-        </p:spPr>
-        <p:txBody>
-          <a:bodyPr wrap="square" rtlCol="0">
-            <a:spAutoFit/>
-          </a:bodyPr>
-          <a:lstStyle/>
-          <a:p>
-            <a:r>
-              <a:rPr lang="ko-KR" altLang="en-US" sz="2000" dirty="0" err="1"/>
-              <a:t>편집점</a:t>
-            </a:r>
-            <a:r>
-              <a:rPr lang="ko-KR" altLang="en-US" sz="2000" dirty="0"/>
-              <a:t> 분석</a:t>
-            </a:r>
-            <a:endParaRPr lang="en-US" altLang="ko-KR" sz="2000" dirty="0"/>
-          </a:p>
-          <a:p>
-            <a:r>
-              <a:rPr lang="ko-KR" altLang="en-US" sz="2000" dirty="0"/>
-              <a:t>시스템</a:t>
-            </a:r>
-            <a:endParaRPr lang="en-US" altLang="ko-KR" sz="2000" dirty="0"/>
-          </a:p>
-          <a:p>
-            <a:r>
-              <a:rPr lang="en-US" altLang="ko-KR" sz="1200" dirty="0"/>
-              <a:t>(</a:t>
-            </a:r>
-            <a:r>
-              <a:rPr lang="en-US" altLang="ko-KR" sz="1200" dirty="0" err="1"/>
-              <a:t>sklearn</a:t>
-            </a:r>
-            <a:r>
-              <a:rPr lang="en-US" altLang="ko-KR" sz="1200" dirty="0"/>
-              <a:t>, pandas)</a:t>
-            </a:r>
-            <a:endParaRPr lang="en-US" altLang="ko-KR" sz="1400" dirty="0"/>
-          </a:p>
-        </p:txBody>
-      </p:sp>
-      <p:sp>
-        <p:nvSpPr>
-          <p:cNvPr id="26" name="순서도: 자기 디스크 25">
-            <a:extLst>
-              <a:ext uri="{FF2B5EF4-FFF2-40B4-BE49-F238E27FC236}">
-                <a16:creationId xmlns:a16="http://schemas.microsoft.com/office/drawing/2014/main" id="{1D0894D5-7DF6-4C6D-8F43-B14A7CE2F18A}"/>
-              </a:ext>
-            </a:extLst>
-          </p:cNvPr>
-          <p:cNvSpPr/>
-          <p:nvPr/>
-        </p:nvSpPr>
-        <p:spPr>
-          <a:xfrm>
-            <a:off x="8771479" y="1964780"/>
-            <a:ext cx="1570375" cy="1590550"/>
-          </a:xfrm>
-          <a:prstGeom prst="flowChartMagneticDisk">
-            <a:avLst/>
-          </a:prstGeom>
-        </p:spPr>
-        <p:style>
-          <a:lnRef idx="3">
-            <a:schemeClr val="lt1"/>
-          </a:lnRef>
-          <a:fillRef idx="1">
-            <a:schemeClr val="accent3"/>
-          </a:fillRef>
-          <a:effectRef idx="1">
-            <a:schemeClr val="accent3"/>
-          </a:effectRef>
-          <a:fontRef idx="minor">
-            <a:schemeClr val="lt1"/>
-          </a:fontRef>
-        </p:style>
-        <p:txBody>
-          <a:bodyPr rtlCol="0" anchor="ctr"/>
-          <a:lstStyle/>
-          <a:p>
-            <a:pPr algn="ctr"/>
-            <a:endParaRPr lang="ko-KR" altLang="en-US"/>
-          </a:p>
-        </p:txBody>
-      </p:sp>
-      <p:sp>
-        <p:nvSpPr>
-          <p:cNvPr id="27" name="TextBox 26">
-            <a:extLst>
-              <a:ext uri="{FF2B5EF4-FFF2-40B4-BE49-F238E27FC236}">
-                <a16:creationId xmlns:a16="http://schemas.microsoft.com/office/drawing/2014/main" id="{EFAA18CD-6BB7-4CF8-ACF9-AB948F42425B}"/>
-              </a:ext>
-            </a:extLst>
-          </p:cNvPr>
-          <p:cNvSpPr txBox="1"/>
-          <p:nvPr/>
-        </p:nvSpPr>
-        <p:spPr>
-          <a:xfrm>
-            <a:off x="8942963" y="2499234"/>
-            <a:ext cx="1221969" cy="892552"/>
-          </a:xfrm>
-          <a:prstGeom prst="rect">
-            <a:avLst/>
-          </a:prstGeom>
-          <a:noFill/>
-        </p:spPr>
-        <p:txBody>
-          <a:bodyPr wrap="square" rtlCol="0">
-            <a:spAutoFit/>
-          </a:bodyPr>
-          <a:lstStyle/>
-          <a:p>
-            <a:r>
-              <a:rPr lang="en-US" altLang="ko-KR" dirty="0" err="1"/>
-              <a:t>Analized</a:t>
-            </a:r>
-            <a:endParaRPr lang="en-US" altLang="ko-KR" dirty="0"/>
-          </a:p>
-          <a:p>
-            <a:r>
-              <a:rPr lang="en-US" altLang="ko-KR" dirty="0"/>
-              <a:t>Database</a:t>
-            </a:r>
-          </a:p>
-          <a:p>
-            <a:r>
-              <a:rPr lang="en-US" altLang="ko-KR" sz="1600" dirty="0"/>
-              <a:t>(file)</a:t>
-            </a:r>
-            <a:endParaRPr lang="en-US" altLang="ko-KR" dirty="0"/>
-          </a:p>
-        </p:txBody>
-      </p:sp>
-      <p:sp>
-        <p:nvSpPr>
-          <p:cNvPr id="28" name="화살표: 아래쪽 27">
-            <a:extLst>
-              <a:ext uri="{FF2B5EF4-FFF2-40B4-BE49-F238E27FC236}">
-                <a16:creationId xmlns:a16="http://schemas.microsoft.com/office/drawing/2014/main" id="{97E752E8-AB8C-4D64-BA0B-15B4479927A9}"/>
-              </a:ext>
-            </a:extLst>
-          </p:cNvPr>
-          <p:cNvSpPr/>
-          <p:nvPr/>
-        </p:nvSpPr>
-        <p:spPr>
-          <a:xfrm rot="10800000">
-            <a:off x="9343747" y="3719389"/>
-            <a:ext cx="435006" cy="448323"/>
-          </a:xfrm>
-          <a:prstGeom prst="downArrow">
-            <a:avLst/>
-          </a:prstGeom>
-        </p:spPr>
-        <p:style>
-          <a:lnRef idx="3">
-            <a:schemeClr val="lt1"/>
-          </a:lnRef>
-          <a:fillRef idx="1">
-            <a:schemeClr val="dk1"/>
-          </a:fillRef>
-          <a:effectRef idx="1">
-            <a:schemeClr val="dk1"/>
-          </a:effectRef>
-          <a:fontRef idx="minor">
-            <a:schemeClr val="lt1"/>
-          </a:fontRef>
-        </p:style>
-        <p:txBody>
-          <a:bodyPr rtlCol="0" anchor="ctr"/>
-          <a:lstStyle/>
-          <a:p>
-            <a:pPr algn="ctr"/>
-            <a:endParaRPr lang="ko-KR" altLang="en-US"/>
-          </a:p>
-        </p:txBody>
-      </p:sp>
-      <p:sp>
-        <p:nvSpPr>
-          <p:cNvPr id="29" name="순서도: 처리 28">
-            <a:extLst>
-              <a:ext uri="{FF2B5EF4-FFF2-40B4-BE49-F238E27FC236}">
-                <a16:creationId xmlns:a16="http://schemas.microsoft.com/office/drawing/2014/main" id="{9E7D8332-A71B-4AE2-8A17-180958CA02E2}"/>
-              </a:ext>
-            </a:extLst>
-          </p:cNvPr>
-          <p:cNvSpPr/>
-          <p:nvPr/>
-        </p:nvSpPr>
-        <p:spPr>
-          <a:xfrm>
-            <a:off x="6553117" y="1798562"/>
-            <a:ext cx="1570375" cy="984885"/>
-          </a:xfrm>
-          <a:prstGeom prst="flowChartProcess">
-            <a:avLst/>
-          </a:prstGeom>
-          <a:ln/>
-        </p:spPr>
-        <p:style>
-          <a:lnRef idx="1">
-            <a:schemeClr val="accent3"/>
-          </a:lnRef>
-          <a:fillRef idx="2">
-            <a:schemeClr val="accent3"/>
-          </a:fillRef>
-          <a:effectRef idx="1">
-            <a:schemeClr val="accent3"/>
-          </a:effectRef>
-          <a:fontRef idx="minor">
-            <a:schemeClr val="dk1"/>
-          </a:fontRef>
-        </p:style>
-        <p:txBody>
-          <a:bodyPr rtlCol="0" anchor="ctr"/>
-          <a:lstStyle/>
-          <a:p>
-            <a:pPr algn="ctr"/>
-            <a:endParaRPr lang="ko-KR" altLang="en-US" dirty="0"/>
-          </a:p>
-        </p:txBody>
-      </p:sp>
-      <p:sp>
-        <p:nvSpPr>
-          <p:cNvPr id="31" name="TextBox 30">
-            <a:extLst>
-              <a:ext uri="{FF2B5EF4-FFF2-40B4-BE49-F238E27FC236}">
-                <a16:creationId xmlns:a16="http://schemas.microsoft.com/office/drawing/2014/main" id="{3693725E-AD92-4601-87CB-84305DC07637}"/>
-              </a:ext>
-            </a:extLst>
-          </p:cNvPr>
-          <p:cNvSpPr txBox="1"/>
-          <p:nvPr/>
-        </p:nvSpPr>
-        <p:spPr>
-          <a:xfrm>
-            <a:off x="6591254" y="2143063"/>
-            <a:ext cx="1554608" cy="400110"/>
-          </a:xfrm>
-          <a:prstGeom prst="rect">
-            <a:avLst/>
-          </a:prstGeom>
-          <a:noFill/>
-        </p:spPr>
-        <p:txBody>
-          <a:bodyPr wrap="square" rtlCol="0">
-            <a:spAutoFit/>
-          </a:bodyPr>
-          <a:lstStyle/>
-          <a:p>
-            <a:r>
-              <a:rPr lang="en-US" altLang="ko-KR" sz="2000" dirty="0"/>
-              <a:t>Web server</a:t>
-            </a:r>
-          </a:p>
-        </p:txBody>
-      </p:sp>
-      <p:sp>
-        <p:nvSpPr>
-          <p:cNvPr id="32" name="화살표: 아래쪽 31">
-            <a:extLst>
-              <a:ext uri="{FF2B5EF4-FFF2-40B4-BE49-F238E27FC236}">
-                <a16:creationId xmlns:a16="http://schemas.microsoft.com/office/drawing/2014/main" id="{A5020E18-50FC-4EA7-BC7B-1B6C3FED9EA0}"/>
-              </a:ext>
-            </a:extLst>
-          </p:cNvPr>
-          <p:cNvSpPr/>
-          <p:nvPr/>
-        </p:nvSpPr>
-        <p:spPr>
-          <a:xfrm rot="6073866">
-            <a:off x="8229982" y="2168042"/>
-            <a:ext cx="435006" cy="448323"/>
-          </a:xfrm>
-          <a:prstGeom prst="downArrow">
-            <a:avLst/>
-          </a:prstGeom>
-        </p:spPr>
-        <p:style>
-          <a:lnRef idx="3">
-            <a:schemeClr val="lt1"/>
-          </a:lnRef>
-          <a:fillRef idx="1">
-            <a:schemeClr val="dk1"/>
-          </a:fillRef>
-          <a:effectRef idx="1">
-            <a:schemeClr val="dk1"/>
-          </a:effectRef>
-          <a:fontRef idx="minor">
-            <a:schemeClr val="lt1"/>
-          </a:fontRef>
-        </p:style>
-        <p:txBody>
-          <a:bodyPr rtlCol="0" anchor="ctr"/>
-          <a:lstStyle/>
-          <a:p>
-            <a:pPr algn="ctr"/>
-            <a:endParaRPr lang="ko-KR" altLang="en-US"/>
-          </a:p>
-        </p:txBody>
-      </p:sp>
-      <p:sp>
-        <p:nvSpPr>
-          <p:cNvPr id="33" name="화살표: 아래쪽 32">
-            <a:extLst>
-              <a:ext uri="{FF2B5EF4-FFF2-40B4-BE49-F238E27FC236}">
-                <a16:creationId xmlns:a16="http://schemas.microsoft.com/office/drawing/2014/main" id="{0AAEDD56-882A-4206-BF0A-C6EE2EE67A5D}"/>
-              </a:ext>
-            </a:extLst>
-          </p:cNvPr>
-          <p:cNvSpPr/>
-          <p:nvPr/>
-        </p:nvSpPr>
-        <p:spPr>
-          <a:xfrm rot="10800000">
-            <a:off x="7076061" y="1145153"/>
-            <a:ext cx="435006" cy="448323"/>
-          </a:xfrm>
-          <a:prstGeom prst="downArrow">
-            <a:avLst/>
-          </a:prstGeom>
-        </p:spPr>
-        <p:style>
-          <a:lnRef idx="3">
-            <a:schemeClr val="lt1"/>
-          </a:lnRef>
-          <a:fillRef idx="1">
-            <a:schemeClr val="dk1"/>
-          </a:fillRef>
-          <a:effectRef idx="1">
-            <a:schemeClr val="dk1"/>
-          </a:effectRef>
-          <a:fontRef idx="minor">
-            <a:schemeClr val="lt1"/>
-          </a:fontRef>
-        </p:style>
-        <p:txBody>
-          <a:bodyPr rtlCol="0" anchor="ctr"/>
-          <a:lstStyle/>
-          <a:p>
-            <a:pPr algn="ctr"/>
-            <a:endParaRPr lang="ko-KR" altLang="en-US"/>
-          </a:p>
-        </p:txBody>
-      </p:sp>
-      <p:pic>
-        <p:nvPicPr>
-          <p:cNvPr id="1028" name="Picture 4" descr="clientì ëí ì´ë¯¸ì§ ê²ìê²°ê³¼">
-            <a:extLst>
-              <a:ext uri="{FF2B5EF4-FFF2-40B4-BE49-F238E27FC236}">
-                <a16:creationId xmlns:a16="http://schemas.microsoft.com/office/drawing/2014/main" id="{8BF7ADDE-5CF4-49E9-AA57-49C6BF2AB45B}"/>
-              </a:ext>
-            </a:extLst>
-          </p:cNvPr>
-          <p:cNvPicPr>
-            <a:picLocks noChangeAspect="1" noChangeArrowheads="1"/>
-          </p:cNvPicPr>
-          <p:nvPr/>
-        </p:nvPicPr>
-        <p:blipFill>
-          <a:blip r:embed="rId3">
-            <a:extLst>
-              <a:ext uri="{28A0092B-C50C-407E-A947-70E740481C1C}">
-                <a14:useLocalDpi xmlns:a14="http://schemas.microsoft.com/office/drawing/2010/main" val="0"/>
-              </a:ext>
-            </a:extLst>
-          </a:blip>
-          <a:srcRect/>
-          <a:stretch>
-            <a:fillRect/>
-          </a:stretch>
-        </p:blipFill>
-        <p:spPr bwMode="auto">
-          <a:xfrm>
-            <a:off x="6790341" y="345466"/>
-            <a:ext cx="943188" cy="787804"/>
-          </a:xfrm>
-          <a:prstGeom prst="rect">
-            <a:avLst/>
-          </a:prstGeom>
-          <a:noFill/>
-          <a:extLst>
-            <a:ext uri="{909E8E84-426E-40DD-AFC4-6F175D3DCCD1}">
-              <a14:hiddenFill xmlns:a14="http://schemas.microsoft.com/office/drawing/2010/main">
-                <a:solidFill>
-                  <a:srgbClr val="FFFFFF"/>
-                </a:solidFill>
-              </a14:hiddenFill>
-            </a:ext>
-          </a:extLst>
-        </p:spPr>
-      </p:pic>
-      <p:sp>
-        <p:nvSpPr>
-          <p:cNvPr id="16" name="직사각형 15">
-            <a:extLst>
-              <a:ext uri="{FF2B5EF4-FFF2-40B4-BE49-F238E27FC236}">
-                <a16:creationId xmlns:a16="http://schemas.microsoft.com/office/drawing/2014/main" id="{3422E850-8580-445E-BDC2-0026F49B394D}"/>
-              </a:ext>
-            </a:extLst>
-          </p:cNvPr>
-          <p:cNvSpPr/>
-          <p:nvPr/>
-        </p:nvSpPr>
-        <p:spPr>
-          <a:xfrm>
-            <a:off x="202878" y="180250"/>
-            <a:ext cx="2916183" cy="369332"/>
-          </a:xfrm>
-          <a:prstGeom prst="rect">
-            <a:avLst/>
-          </a:prstGeom>
-        </p:spPr>
-        <p:txBody>
-          <a:bodyPr wrap="none">
-            <a:spAutoFit/>
-          </a:bodyPr>
-          <a:lstStyle/>
-          <a:p>
-            <a:r>
-              <a:rPr lang="en-US" altLang="ko-KR" dirty="0"/>
-              <a:t>2. </a:t>
-            </a:r>
-            <a:r>
-              <a:rPr lang="ko-KR" altLang="en-US" dirty="0"/>
-              <a:t>소프트웨어 구조에 따라</a:t>
-            </a:r>
-            <a:endParaRPr lang="en-US" altLang="ko-KR" dirty="0"/>
-          </a:p>
-        </p:txBody>
-      </p:sp>
-      <p:cxnSp>
-        <p:nvCxnSpPr>
-          <p:cNvPr id="35" name="직선 연결선 34">
-            <a:extLst>
-              <a:ext uri="{FF2B5EF4-FFF2-40B4-BE49-F238E27FC236}">
-                <a16:creationId xmlns:a16="http://schemas.microsoft.com/office/drawing/2014/main" id="{DF73BCFB-B9BE-43D5-B0FA-D634C9F9E7C4}"/>
-              </a:ext>
-            </a:extLst>
-          </p:cNvPr>
-          <p:cNvCxnSpPr/>
-          <p:nvPr/>
-        </p:nvCxnSpPr>
-        <p:spPr>
-          <a:xfrm>
-            <a:off x="98393" y="581186"/>
-            <a:ext cx="3258105" cy="0"/>
-          </a:xfrm>
-          <a:prstGeom prst="line">
-            <a:avLst/>
-          </a:prstGeom>
-        </p:spPr>
-        <p:style>
-          <a:lnRef idx="1">
-            <a:schemeClr val="accent1"/>
-          </a:lnRef>
-          <a:fillRef idx="0">
-            <a:schemeClr val="accent1"/>
-          </a:fillRef>
-          <a:effectRef idx="0">
-            <a:schemeClr val="accent1"/>
-          </a:effectRef>
-          <a:fontRef idx="minor">
-            <a:schemeClr val="tx1"/>
-          </a:fontRef>
-        </p:style>
-      </p:cxnSp>
-      <p:sp>
-        <p:nvSpPr>
-          <p:cNvPr id="2" name="TextBox 1">
-            <a:extLst>
-              <a:ext uri="{FF2B5EF4-FFF2-40B4-BE49-F238E27FC236}">
-                <a16:creationId xmlns:a16="http://schemas.microsoft.com/office/drawing/2014/main" id="{CC1FC585-30A1-4FCB-B3C8-42C0347FABE0}"/>
-              </a:ext>
-            </a:extLst>
-          </p:cNvPr>
-          <p:cNvSpPr txBox="1"/>
-          <p:nvPr/>
-        </p:nvSpPr>
-        <p:spPr>
-          <a:xfrm>
-            <a:off x="3499474" y="5539228"/>
-            <a:ext cx="669877" cy="646331"/>
-          </a:xfrm>
-          <a:prstGeom prst="rect">
-            <a:avLst/>
-          </a:prstGeom>
-          <a:noFill/>
-        </p:spPr>
-        <p:txBody>
-          <a:bodyPr wrap="square" rtlCol="0">
-            <a:spAutoFit/>
-          </a:bodyPr>
-          <a:lstStyle/>
-          <a:p>
-            <a:r>
-              <a:rPr lang="en-US" altLang="ko-KR" sz="1200" dirty="0">
-                <a:solidFill>
-                  <a:schemeClr val="accent5">
-                    <a:lumMod val="75000"/>
-                  </a:schemeClr>
-                </a:solidFill>
-              </a:rPr>
-              <a:t>Python,</a:t>
-            </a:r>
-          </a:p>
-          <a:p>
-            <a:r>
-              <a:rPr lang="en-US" altLang="ko-KR" sz="1200" dirty="0">
-                <a:solidFill>
-                  <a:schemeClr val="accent5">
-                    <a:lumMod val="75000"/>
-                  </a:schemeClr>
-                </a:solidFill>
-              </a:rPr>
-              <a:t>SQL Query</a:t>
-            </a:r>
-            <a:endParaRPr lang="ko-KR" altLang="en-US" sz="1200" dirty="0">
-              <a:solidFill>
-                <a:schemeClr val="accent5">
-                  <a:lumMod val="75000"/>
-                </a:schemeClr>
-              </a:solidFill>
-            </a:endParaRPr>
-          </a:p>
-        </p:txBody>
-      </p:sp>
-      <p:sp>
-        <p:nvSpPr>
-          <p:cNvPr id="30" name="TextBox 29">
-            <a:extLst>
-              <a:ext uri="{FF2B5EF4-FFF2-40B4-BE49-F238E27FC236}">
-                <a16:creationId xmlns:a16="http://schemas.microsoft.com/office/drawing/2014/main" id="{91AE1C03-B6E7-43DF-958F-5DC053FD3A7B}"/>
-              </a:ext>
-            </a:extLst>
-          </p:cNvPr>
-          <p:cNvSpPr txBox="1"/>
-          <p:nvPr/>
-        </p:nvSpPr>
-        <p:spPr>
-          <a:xfrm>
-            <a:off x="2797206" y="3331203"/>
-            <a:ext cx="1091214" cy="523220"/>
-          </a:xfrm>
-          <a:prstGeom prst="rect">
-            <a:avLst/>
-          </a:prstGeom>
-          <a:noFill/>
-        </p:spPr>
-        <p:txBody>
-          <a:bodyPr wrap="square" rtlCol="0">
-            <a:spAutoFit/>
-          </a:bodyPr>
-          <a:lstStyle/>
-          <a:p>
-            <a:r>
-              <a:rPr lang="en-US" altLang="ko-KR" sz="1400" dirty="0">
-                <a:solidFill>
-                  <a:schemeClr val="accent5">
-                    <a:lumMod val="75000"/>
-                  </a:schemeClr>
-                </a:solidFill>
-              </a:rPr>
-              <a:t>Python,</a:t>
-            </a:r>
-          </a:p>
-          <a:p>
-            <a:r>
-              <a:rPr lang="en-US" altLang="ko-KR" sz="1400" dirty="0">
-                <a:solidFill>
-                  <a:schemeClr val="accent5">
-                    <a:lumMod val="75000"/>
-                  </a:schemeClr>
-                </a:solidFill>
-              </a:rPr>
-              <a:t>SQL Query</a:t>
-            </a:r>
-            <a:endParaRPr lang="ko-KR" altLang="en-US" sz="1400" dirty="0">
-              <a:solidFill>
-                <a:schemeClr val="accent5">
-                  <a:lumMod val="75000"/>
-                </a:schemeClr>
-              </a:solidFill>
-            </a:endParaRPr>
-          </a:p>
-        </p:txBody>
-      </p:sp>
-      <p:sp>
-        <p:nvSpPr>
-          <p:cNvPr id="34" name="TextBox 33">
-            <a:extLst>
-              <a:ext uri="{FF2B5EF4-FFF2-40B4-BE49-F238E27FC236}">
-                <a16:creationId xmlns:a16="http://schemas.microsoft.com/office/drawing/2014/main" id="{82FB7C2D-F8AB-463E-A458-3100C240C5BB}"/>
-              </a:ext>
-            </a:extLst>
-          </p:cNvPr>
-          <p:cNvSpPr txBox="1"/>
-          <p:nvPr/>
-        </p:nvSpPr>
-        <p:spPr>
-          <a:xfrm>
-            <a:off x="5870125" y="5632045"/>
-            <a:ext cx="669877" cy="830997"/>
-          </a:xfrm>
-          <a:prstGeom prst="rect">
-            <a:avLst/>
-          </a:prstGeom>
-          <a:noFill/>
-        </p:spPr>
-        <p:txBody>
-          <a:bodyPr wrap="square" rtlCol="0">
-            <a:spAutoFit/>
-          </a:bodyPr>
-          <a:lstStyle/>
-          <a:p>
-            <a:r>
-              <a:rPr lang="en-US" altLang="ko-KR" sz="1200" dirty="0" err="1">
-                <a:solidFill>
-                  <a:schemeClr val="accent5">
-                    <a:lumMod val="75000"/>
-                  </a:schemeClr>
-                </a:solidFill>
-              </a:rPr>
-              <a:t>Pythonpickle</a:t>
-            </a:r>
-            <a:endParaRPr lang="en-US" altLang="ko-KR" sz="1200" dirty="0">
-              <a:solidFill>
-                <a:schemeClr val="accent5">
-                  <a:lumMod val="75000"/>
-                </a:schemeClr>
-              </a:solidFill>
-            </a:endParaRPr>
-          </a:p>
-          <a:p>
-            <a:r>
-              <a:rPr lang="en-US" altLang="ko-KR" sz="1200" dirty="0">
-                <a:solidFill>
-                  <a:schemeClr val="accent5">
-                    <a:lumMod val="75000"/>
-                  </a:schemeClr>
-                </a:solidFill>
-              </a:rPr>
-              <a:t>File system</a:t>
-            </a:r>
-          </a:p>
-        </p:txBody>
-      </p:sp>
-      <p:sp>
-        <p:nvSpPr>
-          <p:cNvPr id="36" name="TextBox 35">
-            <a:extLst>
-              <a:ext uri="{FF2B5EF4-FFF2-40B4-BE49-F238E27FC236}">
-                <a16:creationId xmlns:a16="http://schemas.microsoft.com/office/drawing/2014/main" id="{8153D64F-A9CA-4FA7-993B-D9652C865869}"/>
-              </a:ext>
-            </a:extLst>
-          </p:cNvPr>
-          <p:cNvSpPr txBox="1"/>
-          <p:nvPr/>
-        </p:nvSpPr>
-        <p:spPr>
-          <a:xfrm>
-            <a:off x="8170476" y="5533947"/>
-            <a:ext cx="669877" cy="646331"/>
-          </a:xfrm>
-          <a:prstGeom prst="rect">
-            <a:avLst/>
-          </a:prstGeom>
-          <a:noFill/>
-        </p:spPr>
-        <p:txBody>
-          <a:bodyPr wrap="square" rtlCol="0">
-            <a:spAutoFit/>
-          </a:bodyPr>
-          <a:lstStyle/>
-          <a:p>
-            <a:r>
-              <a:rPr lang="en-US" altLang="ko-KR" sz="1200" dirty="0">
-                <a:solidFill>
-                  <a:schemeClr val="accent5">
-                    <a:lumMod val="75000"/>
-                  </a:schemeClr>
-                </a:solidFill>
-              </a:rPr>
-              <a:t>Python</a:t>
-            </a:r>
-          </a:p>
-          <a:p>
-            <a:r>
-              <a:rPr lang="en-US" altLang="ko-KR" sz="1200" dirty="0">
-                <a:solidFill>
-                  <a:schemeClr val="accent5">
-                    <a:lumMod val="75000"/>
-                  </a:schemeClr>
-                </a:solidFill>
-              </a:rPr>
-              <a:t>File open</a:t>
-            </a:r>
-          </a:p>
-        </p:txBody>
-      </p:sp>
-      <p:sp>
-        <p:nvSpPr>
-          <p:cNvPr id="37" name="TextBox 36">
-            <a:extLst>
-              <a:ext uri="{FF2B5EF4-FFF2-40B4-BE49-F238E27FC236}">
-                <a16:creationId xmlns:a16="http://schemas.microsoft.com/office/drawing/2014/main" id="{132DB1A9-653B-4BF8-83D9-9A1109A405FF}"/>
-              </a:ext>
-            </a:extLst>
-          </p:cNvPr>
-          <p:cNvSpPr txBox="1"/>
-          <p:nvPr/>
-        </p:nvSpPr>
-        <p:spPr>
-          <a:xfrm>
-            <a:off x="9799261" y="3589855"/>
-            <a:ext cx="669877" cy="646331"/>
-          </a:xfrm>
-          <a:prstGeom prst="rect">
-            <a:avLst/>
-          </a:prstGeom>
-          <a:noFill/>
-        </p:spPr>
-        <p:txBody>
-          <a:bodyPr wrap="square" rtlCol="0">
-            <a:spAutoFit/>
-          </a:bodyPr>
-          <a:lstStyle/>
-          <a:p>
-            <a:r>
-              <a:rPr lang="en-US" altLang="ko-KR" sz="1200" dirty="0">
-                <a:solidFill>
-                  <a:schemeClr val="accent5">
-                    <a:lumMod val="75000"/>
-                  </a:schemeClr>
-                </a:solidFill>
-              </a:rPr>
-              <a:t>Json,</a:t>
-            </a:r>
-          </a:p>
-          <a:p>
-            <a:r>
-              <a:rPr lang="en-US" altLang="ko-KR" sz="1200" dirty="0" err="1">
-                <a:solidFill>
-                  <a:schemeClr val="accent5">
-                    <a:lumMod val="75000"/>
-                  </a:schemeClr>
-                </a:solidFill>
-              </a:rPr>
-              <a:t>NoSQLQuery</a:t>
-            </a:r>
-            <a:endParaRPr lang="en-US" altLang="ko-KR" sz="1200" dirty="0">
-              <a:solidFill>
-                <a:schemeClr val="accent5">
-                  <a:lumMod val="75000"/>
-                </a:schemeClr>
-              </a:solidFill>
-            </a:endParaRPr>
-          </a:p>
-        </p:txBody>
-      </p:sp>
-      <p:sp>
-        <p:nvSpPr>
-          <p:cNvPr id="38" name="TextBox 37">
-            <a:extLst>
-              <a:ext uri="{FF2B5EF4-FFF2-40B4-BE49-F238E27FC236}">
-                <a16:creationId xmlns:a16="http://schemas.microsoft.com/office/drawing/2014/main" id="{277DFB0C-AD8A-43FC-A36B-AE17443EB0E4}"/>
-              </a:ext>
-            </a:extLst>
-          </p:cNvPr>
-          <p:cNvSpPr txBox="1"/>
-          <p:nvPr/>
-        </p:nvSpPr>
-        <p:spPr>
-          <a:xfrm>
-            <a:off x="8216642" y="1622894"/>
-            <a:ext cx="669877" cy="461665"/>
-          </a:xfrm>
-          <a:prstGeom prst="rect">
-            <a:avLst/>
-          </a:prstGeom>
-          <a:noFill/>
-        </p:spPr>
-        <p:txBody>
-          <a:bodyPr wrap="square" rtlCol="0">
-            <a:spAutoFit/>
-          </a:bodyPr>
-          <a:lstStyle/>
-          <a:p>
-            <a:r>
-              <a:rPr lang="en-US" altLang="ko-KR" sz="1200" dirty="0">
-                <a:solidFill>
-                  <a:schemeClr val="accent5">
-                    <a:lumMod val="75000"/>
-                  </a:schemeClr>
-                </a:solidFill>
-              </a:rPr>
-              <a:t>REST API</a:t>
-            </a:r>
-          </a:p>
-        </p:txBody>
-      </p:sp>
-      <p:sp>
-        <p:nvSpPr>
-          <p:cNvPr id="39" name="TextBox 38">
-            <a:extLst>
-              <a:ext uri="{FF2B5EF4-FFF2-40B4-BE49-F238E27FC236}">
-                <a16:creationId xmlns:a16="http://schemas.microsoft.com/office/drawing/2014/main" id="{0F7FA6A3-4FA7-4D63-BEDE-5CE0FBD92CF8}"/>
-              </a:ext>
-            </a:extLst>
-          </p:cNvPr>
-          <p:cNvSpPr txBox="1"/>
-          <p:nvPr/>
-        </p:nvSpPr>
-        <p:spPr>
-          <a:xfrm>
-            <a:off x="6508377" y="1230814"/>
-            <a:ext cx="669877" cy="276999"/>
-          </a:xfrm>
-          <a:prstGeom prst="rect">
-            <a:avLst/>
-          </a:prstGeom>
-          <a:noFill/>
-        </p:spPr>
-        <p:txBody>
-          <a:bodyPr wrap="square" rtlCol="0">
-            <a:spAutoFit/>
-          </a:bodyPr>
-          <a:lstStyle/>
-          <a:p>
-            <a:r>
-              <a:rPr lang="en-US" altLang="ko-KR" sz="1200" dirty="0">
-                <a:solidFill>
-                  <a:schemeClr val="accent5">
-                    <a:lumMod val="75000"/>
-                  </a:schemeClr>
-                </a:solidFill>
-              </a:rPr>
-              <a:t>HTTP</a:t>
-            </a:r>
-          </a:p>
-        </p:txBody>
-      </p:sp>
-      <p:sp>
-        <p:nvSpPr>
-          <p:cNvPr id="40" name="TextBox 39">
-            <a:extLst>
-              <a:ext uri="{FF2B5EF4-FFF2-40B4-BE49-F238E27FC236}">
-                <a16:creationId xmlns:a16="http://schemas.microsoft.com/office/drawing/2014/main" id="{07D8BC62-F171-4CC8-9D0A-268ADFC11F90}"/>
-              </a:ext>
-            </a:extLst>
-          </p:cNvPr>
-          <p:cNvSpPr txBox="1"/>
-          <p:nvPr/>
-        </p:nvSpPr>
-        <p:spPr>
-          <a:xfrm>
-            <a:off x="3650837" y="1013111"/>
-            <a:ext cx="1091214" cy="461665"/>
-          </a:xfrm>
-          <a:prstGeom prst="rect">
-            <a:avLst/>
-          </a:prstGeom>
-          <a:noFill/>
-        </p:spPr>
-        <p:txBody>
-          <a:bodyPr wrap="square" rtlCol="0">
-            <a:spAutoFit/>
-          </a:bodyPr>
-          <a:lstStyle/>
-          <a:p>
-            <a:r>
-              <a:rPr lang="en-US" altLang="ko-KR" sz="1200" dirty="0">
-                <a:solidFill>
-                  <a:schemeClr val="accent5">
-                    <a:lumMod val="75000"/>
-                  </a:schemeClr>
-                </a:solidFill>
-              </a:rPr>
-              <a:t>Twitch API,</a:t>
-            </a:r>
-          </a:p>
-          <a:p>
-            <a:r>
-              <a:rPr lang="en-US" altLang="ko-KR" sz="1200" dirty="0">
-                <a:solidFill>
-                  <a:schemeClr val="accent5">
-                    <a:lumMod val="75000"/>
-                  </a:schemeClr>
-                </a:solidFill>
-              </a:rPr>
-              <a:t>Chatty</a:t>
-            </a:r>
-          </a:p>
-        </p:txBody>
-      </p:sp>
-      <p:sp>
-        <p:nvSpPr>
-          <p:cNvPr id="41" name="순서도: 처리 40">
-            <a:extLst>
-              <a:ext uri="{FF2B5EF4-FFF2-40B4-BE49-F238E27FC236}">
-                <a16:creationId xmlns:a16="http://schemas.microsoft.com/office/drawing/2014/main" id="{EA2403B7-85B6-468D-80E0-55EB61F32F96}"/>
-              </a:ext>
-            </a:extLst>
-          </p:cNvPr>
-          <p:cNvSpPr/>
-          <p:nvPr/>
-        </p:nvSpPr>
-        <p:spPr>
-          <a:xfrm>
-            <a:off x="4314403" y="2902937"/>
-            <a:ext cx="1570375" cy="1121584"/>
-          </a:xfrm>
-          <a:prstGeom prst="flowChartProcess">
-            <a:avLst/>
-          </a:prstGeom>
-          <a:ln/>
-        </p:spPr>
-        <p:style>
-          <a:lnRef idx="1">
-            <a:schemeClr val="accent3"/>
-          </a:lnRef>
-          <a:fillRef idx="2">
-            <a:schemeClr val="accent3"/>
-          </a:fillRef>
-          <a:effectRef idx="1">
-            <a:schemeClr val="accent3"/>
-          </a:effectRef>
-          <a:fontRef idx="minor">
-            <a:schemeClr val="dk1"/>
-          </a:fontRef>
-        </p:style>
-        <p:txBody>
-          <a:bodyPr rtlCol="0" anchor="ctr"/>
-          <a:lstStyle/>
-          <a:p>
-            <a:pPr algn="ctr"/>
-            <a:endParaRPr lang="ko-KR" altLang="en-US" dirty="0"/>
-          </a:p>
-        </p:txBody>
-      </p:sp>
-      <p:sp>
-        <p:nvSpPr>
-          <p:cNvPr id="42" name="TextBox 41">
-            <a:extLst>
-              <a:ext uri="{FF2B5EF4-FFF2-40B4-BE49-F238E27FC236}">
-                <a16:creationId xmlns:a16="http://schemas.microsoft.com/office/drawing/2014/main" id="{D88F05BA-5698-49F1-8C6B-4AD530582A7C}"/>
-              </a:ext>
-            </a:extLst>
-          </p:cNvPr>
-          <p:cNvSpPr txBox="1"/>
-          <p:nvPr/>
-        </p:nvSpPr>
-        <p:spPr>
-          <a:xfrm>
-            <a:off x="4309575" y="3078069"/>
-            <a:ext cx="1575204" cy="738664"/>
-          </a:xfrm>
-          <a:prstGeom prst="rect">
-            <a:avLst/>
-          </a:prstGeom>
-          <a:noFill/>
-        </p:spPr>
-        <p:txBody>
-          <a:bodyPr wrap="square" rtlCol="0">
-            <a:spAutoFit/>
-          </a:bodyPr>
-          <a:lstStyle/>
-          <a:p>
-            <a:r>
-              <a:rPr lang="ko-KR" altLang="en-US" sz="1400" dirty="0"/>
-              <a:t>메타데이터</a:t>
-            </a:r>
-            <a:endParaRPr lang="en-US" altLang="ko-KR" sz="1400" dirty="0"/>
-          </a:p>
-          <a:p>
-            <a:r>
-              <a:rPr lang="ko-KR" altLang="en-US" sz="1400" dirty="0" err="1"/>
-              <a:t>전처리</a:t>
-            </a:r>
-            <a:endParaRPr lang="en-US" altLang="ko-KR" sz="1400" dirty="0"/>
-          </a:p>
-          <a:p>
-            <a:r>
-              <a:rPr lang="ko-KR" altLang="en-US" sz="1400" dirty="0"/>
-              <a:t>시스템</a:t>
-            </a:r>
-            <a:endParaRPr lang="en-US" altLang="ko-KR" sz="1400" dirty="0"/>
-          </a:p>
-        </p:txBody>
-      </p:sp>
-      <p:sp>
-        <p:nvSpPr>
-          <p:cNvPr id="43" name="화살표: 아래쪽 42">
-            <a:extLst>
-              <a:ext uri="{FF2B5EF4-FFF2-40B4-BE49-F238E27FC236}">
-                <a16:creationId xmlns:a16="http://schemas.microsoft.com/office/drawing/2014/main" id="{763086F3-2C38-4D97-A7E8-EC8D350A66D6}"/>
-              </a:ext>
-            </a:extLst>
-          </p:cNvPr>
-          <p:cNvSpPr/>
-          <p:nvPr/>
-        </p:nvSpPr>
-        <p:spPr>
-          <a:xfrm rot="14236012">
-            <a:off x="3746050" y="3762705"/>
-            <a:ext cx="435006" cy="448323"/>
-          </a:xfrm>
-          <a:prstGeom prst="downArrow">
-            <a:avLst/>
-          </a:prstGeom>
-        </p:spPr>
-        <p:style>
-          <a:lnRef idx="3">
-            <a:schemeClr val="lt1"/>
-          </a:lnRef>
-          <a:fillRef idx="1">
-            <a:schemeClr val="accent6"/>
-          </a:fillRef>
-          <a:effectRef idx="1">
-            <a:schemeClr val="accent6"/>
-          </a:effectRef>
-          <a:fontRef idx="minor">
-            <a:schemeClr val="lt1"/>
-          </a:fontRef>
-        </p:style>
-        <p:txBody>
-          <a:bodyPr rtlCol="0" anchor="ctr"/>
-          <a:lstStyle/>
-          <a:p>
-            <a:pPr algn="ctr"/>
-            <a:endParaRPr lang="ko-KR" altLang="en-US"/>
-          </a:p>
-        </p:txBody>
-      </p:sp>
-      <p:sp>
-        <p:nvSpPr>
-          <p:cNvPr id="44" name="TextBox 43">
-            <a:extLst>
-              <a:ext uri="{FF2B5EF4-FFF2-40B4-BE49-F238E27FC236}">
-                <a16:creationId xmlns:a16="http://schemas.microsoft.com/office/drawing/2014/main" id="{DC53ECFB-17BB-4D25-82D7-58E57E55B67D}"/>
-              </a:ext>
-            </a:extLst>
-          </p:cNvPr>
-          <p:cNvSpPr txBox="1"/>
-          <p:nvPr/>
-        </p:nvSpPr>
-        <p:spPr>
-          <a:xfrm>
-            <a:off x="3872810" y="4117363"/>
-            <a:ext cx="669877" cy="600164"/>
-          </a:xfrm>
-          <a:prstGeom prst="rect">
-            <a:avLst/>
-          </a:prstGeom>
-          <a:noFill/>
-        </p:spPr>
-        <p:txBody>
-          <a:bodyPr wrap="square" rtlCol="0">
-            <a:spAutoFit/>
-          </a:bodyPr>
-          <a:lstStyle/>
-          <a:p>
-            <a:r>
-              <a:rPr lang="en-US" altLang="ko-KR" sz="1100" dirty="0">
-                <a:solidFill>
-                  <a:schemeClr val="accent5">
-                    <a:lumMod val="75000"/>
-                  </a:schemeClr>
-                </a:solidFill>
-              </a:rPr>
-              <a:t>Python,</a:t>
-            </a:r>
-          </a:p>
-          <a:p>
-            <a:r>
-              <a:rPr lang="en-US" altLang="ko-KR" sz="1100" dirty="0">
-                <a:solidFill>
-                  <a:schemeClr val="accent5">
-                    <a:lumMod val="75000"/>
-                  </a:schemeClr>
-                </a:solidFill>
-              </a:rPr>
-              <a:t>SQL Query</a:t>
-            </a:r>
-            <a:endParaRPr lang="ko-KR" altLang="en-US" sz="1100" dirty="0">
-              <a:solidFill>
-                <a:schemeClr val="accent5">
-                  <a:lumMod val="75000"/>
-                </a:schemeClr>
-              </a:solidFill>
-            </a:endParaRPr>
-          </a:p>
-        </p:txBody>
-      </p:sp>
-      <p:sp>
-        <p:nvSpPr>
-          <p:cNvPr id="45" name="화살표: 아래쪽 44">
-            <a:extLst>
-              <a:ext uri="{FF2B5EF4-FFF2-40B4-BE49-F238E27FC236}">
-                <a16:creationId xmlns:a16="http://schemas.microsoft.com/office/drawing/2014/main" id="{34938E81-D82C-468D-8CAE-41B1E987079D}"/>
-              </a:ext>
-            </a:extLst>
-          </p:cNvPr>
-          <p:cNvSpPr/>
-          <p:nvPr/>
-        </p:nvSpPr>
-        <p:spPr>
-          <a:xfrm rot="15803666">
-            <a:off x="7125910" y="2142384"/>
-            <a:ext cx="435006" cy="2512945"/>
-          </a:xfrm>
-          <a:prstGeom prst="downArrow">
-            <a:avLst/>
-          </a:prstGeom>
-        </p:spPr>
-        <p:style>
-          <a:lnRef idx="3">
-            <a:schemeClr val="lt1"/>
-          </a:lnRef>
-          <a:fillRef idx="1">
-            <a:schemeClr val="accent6"/>
-          </a:fillRef>
-          <a:effectRef idx="1">
-            <a:schemeClr val="accent6"/>
-          </a:effectRef>
-          <a:fontRef idx="minor">
-            <a:schemeClr val="lt1"/>
-          </a:fontRef>
-        </p:style>
-        <p:txBody>
-          <a:bodyPr rtlCol="0" anchor="ctr"/>
-          <a:lstStyle/>
-          <a:p>
-            <a:pPr algn="ctr"/>
-            <a:endParaRPr lang="ko-KR" altLang="en-US" dirty="0"/>
-          </a:p>
-        </p:txBody>
-      </p:sp>
-      <p:sp>
-        <p:nvSpPr>
-          <p:cNvPr id="46" name="화살표: 아래쪽 45">
-            <a:extLst>
-              <a:ext uri="{FF2B5EF4-FFF2-40B4-BE49-F238E27FC236}">
-                <a16:creationId xmlns:a16="http://schemas.microsoft.com/office/drawing/2014/main" id="{6FBAD97F-D558-40E2-9FB4-860F81931903}"/>
-              </a:ext>
-            </a:extLst>
-          </p:cNvPr>
-          <p:cNvSpPr/>
-          <p:nvPr/>
-        </p:nvSpPr>
-        <p:spPr>
-          <a:xfrm rot="14236012">
-            <a:off x="10769767" y="46744"/>
-            <a:ext cx="435006" cy="448323"/>
-          </a:xfrm>
-          <a:prstGeom prst="downArrow">
-            <a:avLst/>
-          </a:prstGeom>
-        </p:spPr>
-        <p:style>
-          <a:lnRef idx="3">
-            <a:schemeClr val="lt1"/>
-          </a:lnRef>
-          <a:fillRef idx="1">
-            <a:schemeClr val="accent6"/>
-          </a:fillRef>
-          <a:effectRef idx="1">
-            <a:schemeClr val="accent6"/>
-          </a:effectRef>
-          <a:fontRef idx="minor">
-            <a:schemeClr val="lt1"/>
-          </a:fontRef>
-        </p:style>
-        <p:txBody>
-          <a:bodyPr rtlCol="0" anchor="ctr"/>
-          <a:lstStyle/>
-          <a:p>
-            <a:pPr algn="ctr"/>
-            <a:endParaRPr lang="ko-KR" altLang="en-US"/>
-          </a:p>
-        </p:txBody>
-      </p:sp>
-      <p:sp>
-        <p:nvSpPr>
-          <p:cNvPr id="47" name="화살표: 아래쪽 46">
-            <a:extLst>
-              <a:ext uri="{FF2B5EF4-FFF2-40B4-BE49-F238E27FC236}">
-                <a16:creationId xmlns:a16="http://schemas.microsoft.com/office/drawing/2014/main" id="{A17F015E-5734-4EC8-B901-B7E27E9F35A1}"/>
-              </a:ext>
-            </a:extLst>
-          </p:cNvPr>
-          <p:cNvSpPr/>
-          <p:nvPr/>
-        </p:nvSpPr>
-        <p:spPr>
-          <a:xfrm rot="14236012">
-            <a:off x="10769768" y="728431"/>
-            <a:ext cx="435006" cy="448323"/>
-          </a:xfrm>
-          <a:prstGeom prst="downArrow">
-            <a:avLst/>
-          </a:prstGeom>
-        </p:spPr>
-        <p:style>
-          <a:lnRef idx="3">
-            <a:schemeClr val="lt1"/>
-          </a:lnRef>
-          <a:fillRef idx="1">
-            <a:schemeClr val="dk1"/>
-          </a:fillRef>
-          <a:effectRef idx="1">
-            <a:schemeClr val="dk1"/>
-          </a:effectRef>
-          <a:fontRef idx="minor">
-            <a:schemeClr val="lt1"/>
-          </a:fontRef>
-        </p:style>
-        <p:txBody>
-          <a:bodyPr rtlCol="0" anchor="ctr"/>
-          <a:lstStyle/>
-          <a:p>
-            <a:pPr algn="ctr"/>
-            <a:endParaRPr lang="ko-KR" altLang="en-US" dirty="0"/>
-          </a:p>
-        </p:txBody>
-      </p:sp>
-      <p:sp>
-        <p:nvSpPr>
-          <p:cNvPr id="3" name="TextBox 2">
-            <a:extLst>
-              <a:ext uri="{FF2B5EF4-FFF2-40B4-BE49-F238E27FC236}">
-                <a16:creationId xmlns:a16="http://schemas.microsoft.com/office/drawing/2014/main" id="{6F46CE10-A2C1-49FF-853A-139659AE987B}"/>
-              </a:ext>
-            </a:extLst>
-          </p:cNvPr>
-          <p:cNvSpPr txBox="1"/>
-          <p:nvPr/>
-        </p:nvSpPr>
-        <p:spPr>
-          <a:xfrm>
-            <a:off x="11150353" y="40072"/>
-            <a:ext cx="1041647" cy="461665"/>
-          </a:xfrm>
-          <a:prstGeom prst="rect">
-            <a:avLst/>
-          </a:prstGeom>
-          <a:noFill/>
-        </p:spPr>
-        <p:txBody>
-          <a:bodyPr wrap="square" rtlCol="0">
-            <a:spAutoFit/>
-          </a:bodyPr>
-          <a:lstStyle/>
-          <a:p>
-            <a:r>
-              <a:rPr lang="ko-KR" altLang="en-US" sz="1200" dirty="0"/>
-              <a:t>시각화용 </a:t>
-            </a:r>
-            <a:r>
-              <a:rPr lang="en-US" altLang="ko-KR" sz="1200" dirty="0"/>
-              <a:t>Meta data</a:t>
-            </a:r>
-          </a:p>
-        </p:txBody>
-      </p:sp>
-      <p:sp>
-        <p:nvSpPr>
-          <p:cNvPr id="48" name="TextBox 47">
-            <a:extLst>
-              <a:ext uri="{FF2B5EF4-FFF2-40B4-BE49-F238E27FC236}">
-                <a16:creationId xmlns:a16="http://schemas.microsoft.com/office/drawing/2014/main" id="{6FFEFEBC-9704-4D3E-AA19-F5A0453824C7}"/>
-              </a:ext>
-            </a:extLst>
-          </p:cNvPr>
-          <p:cNvSpPr txBox="1"/>
-          <p:nvPr/>
-        </p:nvSpPr>
-        <p:spPr>
-          <a:xfrm>
-            <a:off x="11150352" y="600868"/>
-            <a:ext cx="1041647" cy="830997"/>
-          </a:xfrm>
-          <a:prstGeom prst="rect">
-            <a:avLst/>
-          </a:prstGeom>
-          <a:noFill/>
-        </p:spPr>
-        <p:txBody>
-          <a:bodyPr wrap="square" rtlCol="0">
-            <a:spAutoFit/>
-          </a:bodyPr>
-          <a:lstStyle/>
-          <a:p>
-            <a:r>
-              <a:rPr lang="ko-KR" altLang="en-US" sz="1200" dirty="0"/>
-              <a:t>분석</a:t>
-            </a:r>
-            <a:r>
-              <a:rPr lang="en-US" altLang="ko-KR" sz="1200" dirty="0"/>
-              <a:t> </a:t>
-            </a:r>
-            <a:r>
-              <a:rPr lang="ko-KR" altLang="en-US" sz="1200" dirty="0"/>
-              <a:t>데이터</a:t>
-            </a:r>
-            <a:endParaRPr lang="en-US" altLang="ko-KR" sz="1200" dirty="0"/>
-          </a:p>
-          <a:p>
-            <a:pPr marL="171450" indent="-171450">
-              <a:buFontTx/>
-              <a:buChar char="-"/>
-            </a:pPr>
-            <a:r>
-              <a:rPr lang="ko-KR" altLang="en-US" sz="1200" dirty="0"/>
-              <a:t>채팅</a:t>
-            </a:r>
-            <a:endParaRPr lang="en-US" altLang="ko-KR" sz="1200" dirty="0"/>
-          </a:p>
-          <a:p>
-            <a:pPr marL="171450" indent="-171450">
-              <a:buFontTx/>
-              <a:buChar char="-"/>
-            </a:pPr>
-            <a:r>
-              <a:rPr lang="en-US" altLang="ko-KR" sz="1200" dirty="0"/>
-              <a:t>Stream</a:t>
-            </a:r>
-            <a:r>
-              <a:rPr lang="ko-KR" altLang="en-US" sz="1200" dirty="0"/>
-              <a:t> </a:t>
-            </a:r>
-            <a:r>
-              <a:rPr lang="en-US" altLang="ko-KR" sz="1200" dirty="0"/>
-              <a:t>data</a:t>
-            </a:r>
-            <a:endParaRPr lang="ko-KR" altLang="en-US" sz="1200" dirty="0"/>
-          </a:p>
-        </p:txBody>
-      </p:sp>
-      <p:sp>
-        <p:nvSpPr>
-          <p:cNvPr id="49" name="TextBox 48">
-            <a:extLst>
-              <a:ext uri="{FF2B5EF4-FFF2-40B4-BE49-F238E27FC236}">
-                <a16:creationId xmlns:a16="http://schemas.microsoft.com/office/drawing/2014/main" id="{358B94BC-D98A-469A-84A4-3EBF298AE5F0}"/>
-              </a:ext>
-            </a:extLst>
-          </p:cNvPr>
-          <p:cNvSpPr txBox="1"/>
-          <p:nvPr/>
-        </p:nvSpPr>
-        <p:spPr>
-          <a:xfrm>
-            <a:off x="6944385" y="3589855"/>
-            <a:ext cx="669877" cy="646331"/>
-          </a:xfrm>
-          <a:prstGeom prst="rect">
-            <a:avLst/>
-          </a:prstGeom>
-          <a:noFill/>
-        </p:spPr>
-        <p:txBody>
-          <a:bodyPr wrap="square" rtlCol="0">
-            <a:spAutoFit/>
-          </a:bodyPr>
-          <a:lstStyle/>
-          <a:p>
-            <a:r>
-              <a:rPr lang="en-US" altLang="ko-KR" sz="1200" dirty="0">
-                <a:solidFill>
-                  <a:schemeClr val="accent5">
-                    <a:lumMod val="75000"/>
-                  </a:schemeClr>
-                </a:solidFill>
-              </a:rPr>
-              <a:t>Json,</a:t>
-            </a:r>
-          </a:p>
-          <a:p>
-            <a:r>
-              <a:rPr lang="en-US" altLang="ko-KR" sz="1200" dirty="0" err="1">
-                <a:solidFill>
-                  <a:schemeClr val="accent5">
-                    <a:lumMod val="75000"/>
-                  </a:schemeClr>
-                </a:solidFill>
-              </a:rPr>
-              <a:t>NoSQLQuery</a:t>
-            </a:r>
-            <a:endParaRPr lang="en-US" altLang="ko-KR" sz="1200" dirty="0">
-              <a:solidFill>
-                <a:schemeClr val="accent5">
-                  <a:lumMod val="75000"/>
-                </a:schemeClr>
-              </a:solidFill>
-            </a:endParaRPr>
-          </a:p>
-        </p:txBody>
-      </p:sp>
-    </p:spTree>
-    <p:extLst>
-      <p:ext uri="{BB962C8B-B14F-4D97-AF65-F5344CB8AC3E}">
-        <p14:creationId xmlns:p14="http://schemas.microsoft.com/office/powerpoint/2010/main" val="2494754067"/>
-      </p:ext>
-    </p:extLst>
-  </p:cSld>
-  <p:clrMapOvr>
-    <a:masterClrMapping/>
-  </p:clrMapOvr>
-</p:sld>
-</file>
-
-<file path=ppt/slides/slide6.xml><?xml version="1.0" encoding="utf-8"?>
 <p:sld xmlns:a="http://schemas.openxmlformats.org/drawingml/2006/main" xmlns:r="http://schemas.openxmlformats.org/officeDocument/2006/relationships" xmlns:p="http://schemas.openxmlformats.org/presentationml/2006/main">
   <p:cSld>
     <p:spTree>
@@ -14182,4 +11773,299 @@
     </a:ext>
   </a:extLst>
 </a:theme>
+</file>
+
+<file path=ppt/theme/theme2.xml><?xml version="1.0" encoding="utf-8"?>
+<a:theme xmlns:a="http://schemas.openxmlformats.org/drawingml/2006/main" name="Office 테마">
+  <a:themeElements>
+    <a:clrScheme name="Office">
+      <a:dk1>
+        <a:sysClr val="windowText" lastClr="000000"/>
+      </a:dk1>
+      <a:lt1>
+        <a:sysClr val="window" lastClr="FFFFFF"/>
+      </a:lt1>
+      <a:dk2>
+        <a:srgbClr val="44546A"/>
+      </a:dk2>
+      <a:lt2>
+        <a:srgbClr val="E7E6E6"/>
+      </a:lt2>
+      <a:accent1>
+        <a:srgbClr val="4472C4"/>
+      </a:accent1>
+      <a:accent2>
+        <a:srgbClr val="ED7D31"/>
+      </a:accent2>
+      <a:accent3>
+        <a:srgbClr val="A5A5A5"/>
+      </a:accent3>
+      <a:accent4>
+        <a:srgbClr val="FFC000"/>
+      </a:accent4>
+      <a:accent5>
+        <a:srgbClr val="5B9BD5"/>
+      </a:accent5>
+      <a:accent6>
+        <a:srgbClr val="70AD47"/>
+      </a:accent6>
+      <a:hlink>
+        <a:srgbClr val="0563C1"/>
+      </a:hlink>
+      <a:folHlink>
+        <a:srgbClr val="954F72"/>
+      </a:folHlink>
+    </a:clrScheme>
+    <a:fontScheme name="Office">
+      <a:majorFont>
+        <a:latin typeface="맑은 고딕" panose="020F0302020204030204"/>
+        <a:ea typeface=""/>
+        <a:cs typeface=""/>
+        <a:font script="Jpan" typeface="游ゴシック Light"/>
+        <a:font script="Hang" typeface="맑은 고딕"/>
+        <a:font script="Hans" typeface="等线 Light"/>
+        <a:font script="Hant" typeface="新細明體"/>
+        <a:font script="Arab" typeface="Times New Roman"/>
+        <a:font script="Hebr" typeface="Times New Roman"/>
+        <a:font script="Thai" typeface="Angsana New"/>
+        <a:font script="Ethi" typeface="Nyala"/>
+        <a:font script="Beng" typeface="Vrinda"/>
+        <a:font script="Gujr" typeface="Shruti"/>
+        <a:font script="Khmr" typeface="MoolBoran"/>
+        <a:font script="Knda" typeface="Tunga"/>
+        <a:font script="Guru" typeface="Raavi"/>
+        <a:font script="Cans" typeface="Euphemia"/>
+        <a:font script="Cher" typeface="Plantagenet Cherokee"/>
+        <a:font script="Yiii" typeface="Microsoft Yi Baiti"/>
+        <a:font script="Tibt" typeface="Microsoft Himalaya"/>
+        <a:font script="Thaa" typeface="MV Boli"/>
+        <a:font script="Deva" typeface="Mangal"/>
+        <a:font script="Telu" typeface="Gautami"/>
+        <a:font script="Taml" typeface="Latha"/>
+        <a:font script="Syrc" typeface="Estrangelo Edessa"/>
+        <a:font script="Orya" typeface="Kalinga"/>
+        <a:font script="Mlym" typeface="Kartika"/>
+        <a:font script="Laoo" typeface="DokChampa"/>
+        <a:font script="Sinh" typeface="Iskoola Pota"/>
+        <a:font script="Mong" typeface="Mongolian Baiti"/>
+        <a:font script="Viet" typeface="Times New Roman"/>
+        <a:font script="Uigh" typeface="Microsoft Uighur"/>
+        <a:font script="Geor" typeface="Sylfaen"/>
+        <a:font script="Armn" typeface="Arial"/>
+        <a:font script="Bugi" typeface="Leelawadee UI"/>
+        <a:font script="Bopo" typeface="Microsoft JhengHei"/>
+        <a:font script="Java" typeface="Javanese Text"/>
+        <a:font script="Lisu" typeface="Segoe UI"/>
+        <a:font script="Mymr" typeface="Myanmar Text"/>
+        <a:font script="Nkoo" typeface="Ebrima"/>
+        <a:font script="Olck" typeface="Nirmala UI"/>
+        <a:font script="Osma" typeface="Ebrima"/>
+        <a:font script="Phag" typeface="Phagspa"/>
+        <a:font script="Syrn" typeface="Estrangelo Edessa"/>
+        <a:font script="Syrj" typeface="Estrangelo Edessa"/>
+        <a:font script="Syre" typeface="Estrangelo Edessa"/>
+        <a:font script="Sora" typeface="Nirmala UI"/>
+        <a:font script="Tale" typeface="Microsoft Tai Le"/>
+        <a:font script="Talu" typeface="Microsoft New Tai Lue"/>
+        <a:font script="Tfng" typeface="Ebrima"/>
+      </a:majorFont>
+      <a:minorFont>
+        <a:latin typeface="맑은 고딕" panose="020F0502020204030204"/>
+        <a:ea typeface=""/>
+        <a:cs typeface=""/>
+        <a:font script="Jpan" typeface="游ゴシック"/>
+        <a:font script="Hang" typeface="맑은 고딕"/>
+        <a:font script="Hans" typeface="等线"/>
+        <a:font script="Hant" typeface="新細明體"/>
+        <a:font script="Arab" typeface="Arial"/>
+        <a:font script="Hebr" typeface="Arial"/>
+        <a:font script="Thai" typeface="Cordia New"/>
+        <a:font script="Ethi" typeface="Nyala"/>
+        <a:font script="Beng" typeface="Vrinda"/>
+        <a:font script="Gujr" typeface="Shruti"/>
+        <a:font script="Khmr" typeface="DaunPenh"/>
+        <a:font script="Knda" typeface="Tunga"/>
+        <a:font script="Guru" typeface="Raavi"/>
+        <a:font script="Cans" typeface="Euphemia"/>
+        <a:font script="Cher" typeface="Plantagenet Cherokee"/>
+        <a:font script="Yiii" typeface="Microsoft Yi Baiti"/>
+        <a:font script="Tibt" typeface="Microsoft Himalaya"/>
+        <a:font script="Thaa" typeface="MV Boli"/>
+        <a:font script="Deva" typeface="Mangal"/>
+        <a:font script="Telu" typeface="Gautami"/>
+        <a:font script="Taml" typeface="Latha"/>
+        <a:font script="Syrc" typeface="Estrangelo Edessa"/>
+        <a:font script="Orya" typeface="Kalinga"/>
+        <a:font script="Mlym" typeface="Kartika"/>
+        <a:font script="Laoo" typeface="DokChampa"/>
+        <a:font script="Sinh" typeface="Iskoola Pota"/>
+        <a:font script="Mong" typeface="Mongolian Baiti"/>
+        <a:font script="Viet" typeface="Arial"/>
+        <a:font script="Uigh" typeface="Microsoft Uighur"/>
+        <a:font script="Geor" typeface="Sylfaen"/>
+        <a:font script="Armn" typeface="Arial"/>
+        <a:font script="Bugi" typeface="Leelawadee UI"/>
+        <a:font script="Bopo" typeface="Microsoft JhengHei"/>
+        <a:font script="Java" typeface="Javanese Text"/>
+        <a:font script="Lisu" typeface="Segoe UI"/>
+        <a:font script="Mymr" typeface="Myanmar Text"/>
+        <a:font script="Nkoo" typeface="Ebrima"/>
+        <a:font script="Olck" typeface="Nirmala UI"/>
+        <a:font script="Osma" typeface="Ebrima"/>
+        <a:font script="Phag" typeface="Phagspa"/>
+        <a:font script="Syrn" typeface="Estrangelo Edessa"/>
+        <a:font script="Syrj" typeface="Estrangelo Edessa"/>
+        <a:font script="Syre" typeface="Estrangelo Edessa"/>
+        <a:font script="Sora" typeface="Nirmala UI"/>
+        <a:font script="Tale" typeface="Microsoft Tai Le"/>
+        <a:font script="Talu" typeface="Microsoft New Tai Lue"/>
+        <a:font script="Tfng" typeface="Ebrima"/>
+      </a:minorFont>
+    </a:fontScheme>
+    <a:fmtScheme name="Office">
+      <a:fillStyleLst>
+        <a:solidFill>
+          <a:schemeClr val="phClr"/>
+        </a:solidFill>
+        <a:gradFill rotWithShape="1">
+          <a:gsLst>
+            <a:gs pos="0">
+              <a:schemeClr val="phClr">
+                <a:lumMod val="110000"/>
+                <a:satMod val="105000"/>
+                <a:tint val="67000"/>
+              </a:schemeClr>
+            </a:gs>
+            <a:gs pos="50000">
+              <a:schemeClr val="phClr">
+                <a:lumMod val="105000"/>
+                <a:satMod val="103000"/>
+                <a:tint val="73000"/>
+              </a:schemeClr>
+            </a:gs>
+            <a:gs pos="100000">
+              <a:schemeClr val="phClr">
+                <a:lumMod val="105000"/>
+                <a:satMod val="109000"/>
+                <a:tint val="81000"/>
+              </a:schemeClr>
+            </a:gs>
+          </a:gsLst>
+          <a:lin ang="5400000" scaled="0"/>
+        </a:gradFill>
+        <a:gradFill rotWithShape="1">
+          <a:gsLst>
+            <a:gs pos="0">
+              <a:schemeClr val="phClr">
+                <a:satMod val="103000"/>
+                <a:lumMod val="102000"/>
+                <a:tint val="94000"/>
+              </a:schemeClr>
+            </a:gs>
+            <a:gs pos="50000">
+              <a:schemeClr val="phClr">
+                <a:satMod val="110000"/>
+                <a:lumMod val="100000"/>
+                <a:shade val="100000"/>
+              </a:schemeClr>
+            </a:gs>
+            <a:gs pos="100000">
+              <a:schemeClr val="phClr">
+                <a:lumMod val="99000"/>
+                <a:satMod val="120000"/>
+                <a:shade val="78000"/>
+              </a:schemeClr>
+            </a:gs>
+          </a:gsLst>
+          <a:lin ang="5400000" scaled="0"/>
+        </a:gradFill>
+      </a:fillStyleLst>
+      <a:lnStyleLst>
+        <a:ln w="6350" cap="flat" cmpd="sng" algn="ctr">
+          <a:solidFill>
+            <a:schemeClr val="phClr"/>
+          </a:solidFill>
+          <a:prstDash val="solid"/>
+          <a:miter lim="800000"/>
+        </a:ln>
+        <a:ln w="12700" cap="flat" cmpd="sng" algn="ctr">
+          <a:solidFill>
+            <a:schemeClr val="phClr"/>
+          </a:solidFill>
+          <a:prstDash val="solid"/>
+          <a:miter lim="800000"/>
+        </a:ln>
+        <a:ln w="19050" cap="flat" cmpd="sng" algn="ctr">
+          <a:solidFill>
+            <a:schemeClr val="phClr"/>
+          </a:solidFill>
+          <a:prstDash val="solid"/>
+          <a:miter lim="800000"/>
+        </a:ln>
+      </a:lnStyleLst>
+      <a:effectStyleLst>
+        <a:effectStyle>
+          <a:effectLst/>
+        </a:effectStyle>
+        <a:effectStyle>
+          <a:effectLst/>
+        </a:effectStyle>
+        <a:effectStyle>
+          <a:effectLst>
+            <a:outerShdw blurRad="57150" dist="19050" dir="5400000" algn="ctr" rotWithShape="0">
+              <a:srgbClr val="000000">
+                <a:alpha val="63000"/>
+              </a:srgbClr>
+            </a:outerShdw>
+          </a:effectLst>
+        </a:effectStyle>
+      </a:effectStyleLst>
+      <a:bgFillStyleLst>
+        <a:solidFill>
+          <a:schemeClr val="phClr"/>
+        </a:solidFill>
+        <a:solidFill>
+          <a:schemeClr val="phClr">
+            <a:tint val="95000"/>
+            <a:satMod val="170000"/>
+          </a:schemeClr>
+        </a:solidFill>
+        <a:gradFill rotWithShape="1">
+          <a:gsLst>
+            <a:gs pos="0">
+              <a:schemeClr val="phClr">
+                <a:tint val="93000"/>
+                <a:satMod val="150000"/>
+                <a:shade val="98000"/>
+                <a:lumMod val="102000"/>
+              </a:schemeClr>
+            </a:gs>
+            <a:gs pos="50000">
+              <a:schemeClr val="phClr">
+                <a:tint val="98000"/>
+                <a:satMod val="130000"/>
+                <a:shade val="90000"/>
+                <a:lumMod val="103000"/>
+              </a:schemeClr>
+            </a:gs>
+            <a:gs pos="100000">
+              <a:schemeClr val="phClr">
+                <a:shade val="63000"/>
+                <a:satMod val="120000"/>
+              </a:schemeClr>
+            </a:gs>
+          </a:gsLst>
+          <a:lin ang="5400000" scaled="0"/>
+        </a:gradFill>
+      </a:bgFillStyleLst>
+    </a:fmtScheme>
+  </a:themeElements>
+  <a:objectDefaults/>
+  <a:extraClrSchemeLst/>
+  <a:extLst>
+    <a:ext uri="{05A4C25C-085E-4340-85A3-A5531E510DB2}">
+      <thm15:themeFamily xmlns:thm15="http://schemas.microsoft.com/office/thememl/2012/main" name="Office Theme" id="{62F939B6-93AF-4DB8-9C6B-D6C7DFDC589F}" vid="{4A3C46E8-61CC-4603-A589-7422A47A8E4A}"/>
+    </a:ext>
+  </a:extLst>
+</a:theme>
 </file>
--- a/docs/19_시스템구성도/시스템구성도.pptx
+++ b/docs/19_시스템구성도/시스템구성도.pptx
@@ -5,7 +5,7 @@
     <p:sldMasterId id="2147483648" r:id="rId1"/>
   </p:sldMasterIdLst>
   <p:notesMasterIdLst>
-    <p:notesMasterId r:id="rId7"/>
+    <p:notesMasterId r:id="rId8"/>
   </p:notesMasterIdLst>
   <p:sldIdLst>
     <p:sldId id="256" r:id="rId2"/>
@@ -13,6 +13,7 @@
     <p:sldId id="263" r:id="rId4"/>
     <p:sldId id="261" r:id="rId5"/>
     <p:sldId id="262" r:id="rId6"/>
+    <p:sldId id="264" r:id="rId7"/>
   </p:sldIdLst>
   <p:sldSz cx="12192000" cy="6858000"/>
   <p:notesSz cx="6858000" cy="9144000"/>
@@ -201,7 +202,7 @@
           <a:p>
             <a:fld id="{66A26083-4C73-4DB3-A639-2BE4F374B714}" type="datetimeFigureOut">
               <a:rPr lang="ko-KR" altLang="en-US" smtClean="0"/>
-              <a:t>2019-01-19</a:t>
+              <a:t>2019-01-20</a:t>
             </a:fld>
             <a:endParaRPr lang="ko-KR" altLang="en-US"/>
           </a:p>
@@ -552,6 +553,174 @@
 </p:notes>
 </file>
 
+<file path=ppt/notesSlides/notesSlide2.xml><?xml version="1.0" encoding="utf-8"?>
+<p:notes xmlns:a="http://schemas.openxmlformats.org/drawingml/2006/main" xmlns:r="http://schemas.openxmlformats.org/officeDocument/2006/relationships" xmlns:p="http://schemas.openxmlformats.org/presentationml/2006/main">
+  <p:cSld>
+    <p:spTree>
+      <p:nvGrpSpPr>
+        <p:cNvPr id="1" name=""/>
+        <p:cNvGrpSpPr/>
+        <p:nvPr/>
+      </p:nvGrpSpPr>
+      <p:grpSpPr>
+        <a:xfrm>
+          <a:off x="0" y="0"/>
+          <a:ext cx="0" cy="0"/>
+          <a:chOff x="0" y="0"/>
+          <a:chExt cx="0" cy="0"/>
+        </a:xfrm>
+      </p:grpSpPr>
+      <p:sp>
+        <p:nvSpPr>
+          <p:cNvPr id="2" name="슬라이드 이미지 개체 틀 1"/>
+          <p:cNvSpPr>
+            <a:spLocks noGrp="1" noRot="1" noChangeAspect="1"/>
+          </p:cNvSpPr>
+          <p:nvPr>
+            <p:ph type="sldImg"/>
+          </p:nvPr>
+        </p:nvSpPr>
+        <p:spPr/>
+      </p:sp>
+      <p:sp>
+        <p:nvSpPr>
+          <p:cNvPr id="3" name="슬라이드 노트 개체 틀 2"/>
+          <p:cNvSpPr>
+            <a:spLocks noGrp="1"/>
+          </p:cNvSpPr>
+          <p:nvPr>
+            <p:ph type="body" idx="1"/>
+          </p:nvPr>
+        </p:nvSpPr>
+        <p:spPr/>
+        <p:txBody>
+          <a:bodyPr/>
+          <a:lstStyle/>
+          <a:p>
+            <a:endParaRPr lang="ko-KR" altLang="en-US" dirty="0"/>
+          </a:p>
+        </p:txBody>
+      </p:sp>
+      <p:sp>
+        <p:nvSpPr>
+          <p:cNvPr id="4" name="슬라이드 번호 개체 틀 3"/>
+          <p:cNvSpPr>
+            <a:spLocks noGrp="1"/>
+          </p:cNvSpPr>
+          <p:nvPr>
+            <p:ph type="sldNum" sz="quarter" idx="5"/>
+          </p:nvPr>
+        </p:nvSpPr>
+        <p:spPr/>
+        <p:txBody>
+          <a:bodyPr/>
+          <a:lstStyle/>
+          <a:p>
+            <a:fld id="{DA81260D-32F2-46B3-900A-C10C3A7D41C7}" type="slidenum">
+              <a:rPr lang="ko-KR" altLang="en-US" smtClean="0"/>
+              <a:t>5</a:t>
+            </a:fld>
+            <a:endParaRPr lang="ko-KR" altLang="en-US"/>
+          </a:p>
+        </p:txBody>
+      </p:sp>
+    </p:spTree>
+    <p:extLst>
+      <p:ext uri="{BB962C8B-B14F-4D97-AF65-F5344CB8AC3E}">
+        <p14:creationId xmlns:p14="http://schemas.microsoft.com/office/powerpoint/2010/main" val="3326984784"/>
+      </p:ext>
+    </p:extLst>
+  </p:cSld>
+  <p:clrMapOvr>
+    <a:masterClrMapping/>
+  </p:clrMapOvr>
+</p:notes>
+</file>
+
+<file path=ppt/notesSlides/notesSlide3.xml><?xml version="1.0" encoding="utf-8"?>
+<p:notes xmlns:a="http://schemas.openxmlformats.org/drawingml/2006/main" xmlns:r="http://schemas.openxmlformats.org/officeDocument/2006/relationships" xmlns:p="http://schemas.openxmlformats.org/presentationml/2006/main">
+  <p:cSld>
+    <p:spTree>
+      <p:nvGrpSpPr>
+        <p:cNvPr id="1" name=""/>
+        <p:cNvGrpSpPr/>
+        <p:nvPr/>
+      </p:nvGrpSpPr>
+      <p:grpSpPr>
+        <a:xfrm>
+          <a:off x="0" y="0"/>
+          <a:ext cx="0" cy="0"/>
+          <a:chOff x="0" y="0"/>
+          <a:chExt cx="0" cy="0"/>
+        </a:xfrm>
+      </p:grpSpPr>
+      <p:sp>
+        <p:nvSpPr>
+          <p:cNvPr id="2" name="슬라이드 이미지 개체 틀 1"/>
+          <p:cNvSpPr>
+            <a:spLocks noGrp="1" noRot="1" noChangeAspect="1"/>
+          </p:cNvSpPr>
+          <p:nvPr>
+            <p:ph type="sldImg"/>
+          </p:nvPr>
+        </p:nvSpPr>
+        <p:spPr/>
+      </p:sp>
+      <p:sp>
+        <p:nvSpPr>
+          <p:cNvPr id="3" name="슬라이드 노트 개체 틀 2"/>
+          <p:cNvSpPr>
+            <a:spLocks noGrp="1"/>
+          </p:cNvSpPr>
+          <p:nvPr>
+            <p:ph type="body" idx="1"/>
+          </p:nvPr>
+        </p:nvSpPr>
+        <p:spPr/>
+        <p:txBody>
+          <a:bodyPr/>
+          <a:lstStyle/>
+          <a:p>
+            <a:endParaRPr lang="ko-KR" altLang="en-US" dirty="0"/>
+          </a:p>
+        </p:txBody>
+      </p:sp>
+      <p:sp>
+        <p:nvSpPr>
+          <p:cNvPr id="4" name="슬라이드 번호 개체 틀 3"/>
+          <p:cNvSpPr>
+            <a:spLocks noGrp="1"/>
+          </p:cNvSpPr>
+          <p:nvPr>
+            <p:ph type="sldNum" sz="quarter" idx="5"/>
+          </p:nvPr>
+        </p:nvSpPr>
+        <p:spPr/>
+        <p:txBody>
+          <a:bodyPr/>
+          <a:lstStyle/>
+          <a:p>
+            <a:fld id="{DA81260D-32F2-46B3-900A-C10C3A7D41C7}" type="slidenum">
+              <a:rPr lang="ko-KR" altLang="en-US" smtClean="0"/>
+              <a:t>6</a:t>
+            </a:fld>
+            <a:endParaRPr lang="ko-KR" altLang="en-US"/>
+          </a:p>
+        </p:txBody>
+      </p:sp>
+    </p:spTree>
+    <p:extLst>
+      <p:ext uri="{BB962C8B-B14F-4D97-AF65-F5344CB8AC3E}">
+        <p14:creationId xmlns:p14="http://schemas.microsoft.com/office/powerpoint/2010/main" val="2472736827"/>
+      </p:ext>
+    </p:extLst>
+  </p:cSld>
+  <p:clrMapOvr>
+    <a:masterClrMapping/>
+  </p:clrMapOvr>
+</p:notes>
+</file>
+
 <file path=ppt/slideLayouts/slideLayout1.xml><?xml version="1.0" encoding="utf-8"?>
 <p:sldLayout xmlns:a="http://schemas.openxmlformats.org/drawingml/2006/main" xmlns:r="http://schemas.openxmlformats.org/officeDocument/2006/relationships" xmlns:p="http://schemas.openxmlformats.org/presentationml/2006/main" type="title" preserve="1">
   <p:cSld name="제목 슬라이드">
@@ -699,7 +868,7 @@
           <a:p>
             <a:fld id="{070BE896-19B4-41A3-AD2A-66BCADC2ABD9}" type="datetimeFigureOut">
               <a:rPr lang="ko-KR" altLang="en-US" smtClean="0"/>
-              <a:t>2019-01-19</a:t>
+              <a:t>2019-01-20</a:t>
             </a:fld>
             <a:endParaRPr lang="ko-KR" altLang="en-US"/>
           </a:p>
@@ -897,7 +1066,7 @@
           <a:p>
             <a:fld id="{070BE896-19B4-41A3-AD2A-66BCADC2ABD9}" type="datetimeFigureOut">
               <a:rPr lang="ko-KR" altLang="en-US" smtClean="0"/>
-              <a:t>2019-01-19</a:t>
+              <a:t>2019-01-20</a:t>
             </a:fld>
             <a:endParaRPr lang="ko-KR" altLang="en-US"/>
           </a:p>
@@ -1105,7 +1274,7 @@
           <a:p>
             <a:fld id="{070BE896-19B4-41A3-AD2A-66BCADC2ABD9}" type="datetimeFigureOut">
               <a:rPr lang="ko-KR" altLang="en-US" smtClean="0"/>
-              <a:t>2019-01-19</a:t>
+              <a:t>2019-01-20</a:t>
             </a:fld>
             <a:endParaRPr lang="ko-KR" altLang="en-US"/>
           </a:p>
@@ -1303,7 +1472,7 @@
           <a:p>
             <a:fld id="{070BE896-19B4-41A3-AD2A-66BCADC2ABD9}" type="datetimeFigureOut">
               <a:rPr lang="ko-KR" altLang="en-US" smtClean="0"/>
-              <a:t>2019-01-19</a:t>
+              <a:t>2019-01-20</a:t>
             </a:fld>
             <a:endParaRPr lang="ko-KR" altLang="en-US"/>
           </a:p>
@@ -1578,7 +1747,7 @@
           <a:p>
             <a:fld id="{070BE896-19B4-41A3-AD2A-66BCADC2ABD9}" type="datetimeFigureOut">
               <a:rPr lang="ko-KR" altLang="en-US" smtClean="0"/>
-              <a:t>2019-01-19</a:t>
+              <a:t>2019-01-20</a:t>
             </a:fld>
             <a:endParaRPr lang="ko-KR" altLang="en-US"/>
           </a:p>
@@ -1843,7 +2012,7 @@
           <a:p>
             <a:fld id="{070BE896-19B4-41A3-AD2A-66BCADC2ABD9}" type="datetimeFigureOut">
               <a:rPr lang="ko-KR" altLang="en-US" smtClean="0"/>
-              <a:t>2019-01-19</a:t>
+              <a:t>2019-01-20</a:t>
             </a:fld>
             <a:endParaRPr lang="ko-KR" altLang="en-US"/>
           </a:p>
@@ -2255,7 +2424,7 @@
           <a:p>
             <a:fld id="{070BE896-19B4-41A3-AD2A-66BCADC2ABD9}" type="datetimeFigureOut">
               <a:rPr lang="ko-KR" altLang="en-US" smtClean="0"/>
-              <a:t>2019-01-19</a:t>
+              <a:t>2019-01-20</a:t>
             </a:fld>
             <a:endParaRPr lang="ko-KR" altLang="en-US"/>
           </a:p>
@@ -2396,7 +2565,7 @@
           <a:p>
             <a:fld id="{070BE896-19B4-41A3-AD2A-66BCADC2ABD9}" type="datetimeFigureOut">
               <a:rPr lang="ko-KR" altLang="en-US" smtClean="0"/>
-              <a:t>2019-01-19</a:t>
+              <a:t>2019-01-20</a:t>
             </a:fld>
             <a:endParaRPr lang="ko-KR" altLang="en-US"/>
           </a:p>
@@ -2509,7 +2678,7 @@
           <a:p>
             <a:fld id="{070BE896-19B4-41A3-AD2A-66BCADC2ABD9}" type="datetimeFigureOut">
               <a:rPr lang="ko-KR" altLang="en-US" smtClean="0"/>
-              <a:t>2019-01-19</a:t>
+              <a:t>2019-01-20</a:t>
             </a:fld>
             <a:endParaRPr lang="ko-KR" altLang="en-US"/>
           </a:p>
@@ -2820,7 +2989,7 @@
           <a:p>
             <a:fld id="{070BE896-19B4-41A3-AD2A-66BCADC2ABD9}" type="datetimeFigureOut">
               <a:rPr lang="ko-KR" altLang="en-US" smtClean="0"/>
-              <a:t>2019-01-19</a:t>
+              <a:t>2019-01-20</a:t>
             </a:fld>
             <a:endParaRPr lang="ko-KR" altLang="en-US"/>
           </a:p>
@@ -3108,7 +3277,7 @@
           <a:p>
             <a:fld id="{070BE896-19B4-41A3-AD2A-66BCADC2ABD9}" type="datetimeFigureOut">
               <a:rPr lang="ko-KR" altLang="en-US" smtClean="0"/>
-              <a:t>2019-01-19</a:t>
+              <a:t>2019-01-20</a:t>
             </a:fld>
             <a:endParaRPr lang="ko-KR" altLang="en-US"/>
           </a:p>
@@ -3349,7 +3518,7 @@
           <a:p>
             <a:fld id="{070BE896-19B4-41A3-AD2A-66BCADC2ABD9}" type="datetimeFigureOut">
               <a:rPr lang="ko-KR" altLang="en-US" smtClean="0"/>
-              <a:t>2019-01-19</a:t>
+              <a:t>2019-01-20</a:t>
             </a:fld>
             <a:endParaRPr lang="ko-KR" altLang="en-US"/>
           </a:p>
@@ -5003,7 +5172,7 @@
         <p:spPr>
           <a:xfrm>
             <a:off x="202878" y="180250"/>
-            <a:ext cx="4003019" cy="369332"/>
+            <a:ext cx="4637808" cy="369332"/>
           </a:xfrm>
           <a:prstGeom prst="rect">
             <a:avLst/>
@@ -5015,13 +5184,32 @@
           </a:bodyPr>
           <a:lstStyle/>
           <a:p>
+            <a:pPr marL="342900" indent="-342900">
+              <a:buAutoNum type="arabicPeriod"/>
+            </a:pPr>
             <a:r>
               <a:rPr lang="en-US" altLang="ko-KR" dirty="0"/>
-              <a:t>1. </a:t>
+              <a:t>Data</a:t>
             </a:r>
             <a:r>
               <a:rPr lang="ko-KR" altLang="en-US" dirty="0"/>
-              <a:t>데이터 흐름에 따른 시스템 구성도</a:t>
+              <a:t> </a:t>
+            </a:r>
+            <a:r>
+              <a:rPr lang="en-US" altLang="ko-KR" dirty="0"/>
+              <a:t>Flow</a:t>
+            </a:r>
+            <a:r>
+              <a:rPr lang="ko-KR" altLang="en-US" dirty="0"/>
+              <a:t> </a:t>
+            </a:r>
+            <a:r>
+              <a:rPr lang="en-US" altLang="ko-KR" dirty="0"/>
+              <a:t>Diagram</a:t>
+            </a:r>
+            <a:r>
+              <a:rPr lang="ko-KR" altLang="en-US" dirty="0"/>
+              <a:t> 데이터 흐름 구성도</a:t>
             </a:r>
             <a:endParaRPr lang="en-US" altLang="ko-KR" dirty="0"/>
           </a:p>
@@ -6830,12 +7018,8 @@
           <a:p>
             <a:pPr algn="ctr"/>
             <a:r>
-              <a:rPr lang="en-US" altLang="ko-KR"/>
-              <a:t>Maria </a:t>
-            </a:r>
-            <a:r>
               <a:rPr lang="en-US" altLang="ko-KR" dirty="0"/>
-              <a:t>DB, local file system</a:t>
+              <a:t>Maria DB(ORM), local file system</a:t>
             </a:r>
             <a:endParaRPr lang="ko-KR" altLang="en-US" dirty="0"/>
           </a:p>
@@ -8013,6 +8197,53 @@
           </a:p>
         </p:txBody>
       </p:sp>
+      <p:pic>
+        <p:nvPicPr>
+          <p:cNvPr id="2050" name="Picture 2" descr="sqlalchemy logoì ëí ì´ë¯¸ì§ ê²ìê²°ê³¼">
+            <a:extLst>
+              <a:ext uri="{FF2B5EF4-FFF2-40B4-BE49-F238E27FC236}">
+                <a16:creationId xmlns:a16="http://schemas.microsoft.com/office/drawing/2014/main" id="{CE933A51-1CAA-4999-AD7D-E5B9DD4DD9C2}"/>
+              </a:ext>
+            </a:extLst>
+          </p:cNvPr>
+          <p:cNvPicPr>
+            <a:picLocks noChangeAspect="1" noChangeArrowheads="1"/>
+          </p:cNvPicPr>
+          <p:nvPr/>
+        </p:nvPicPr>
+        <p:blipFill>
+          <a:blip r:embed="rId17">
+            <a:extLst>
+              <a:ext uri="{28A0092B-C50C-407E-A947-70E740481C1C}">
+                <a14:useLocalDpi xmlns:a14="http://schemas.microsoft.com/office/drawing/2010/main" val="0"/>
+              </a:ext>
+            </a:extLst>
+          </a:blip>
+          <a:srcRect/>
+          <a:stretch>
+            <a:fillRect/>
+          </a:stretch>
+        </p:blipFill>
+        <p:spPr bwMode="auto">
+          <a:xfrm>
+            <a:off x="8763071" y="4646620"/>
+            <a:ext cx="1387508" cy="391389"/>
+          </a:xfrm>
+          <a:prstGeom prst="rect">
+            <a:avLst/>
+          </a:prstGeom>
+          <a:noFill/>
+          <a:extLst>
+            <a:ext uri="{909E8E84-426E-40DD-AFC4-6F175D3DCCD1}">
+              <a14:hiddenFill xmlns:a14="http://schemas.microsoft.com/office/drawing/2010/main">
+                <a:solidFill>
+                  <a:srgbClr val="FFFFFF"/>
+                </a:solidFill>
+              </a14:hiddenFill>
+            </a:ext>
+          </a:extLst>
+        </p:spPr>
+      </p:pic>
     </p:spTree>
     <p:extLst>
       <p:ext uri="{BB962C8B-B14F-4D97-AF65-F5344CB8AC3E}">
@@ -8043,53 +8274,6 @@
           <a:chExt cx="0" cy="0"/>
         </a:xfrm>
       </p:grpSpPr>
-      <p:pic>
-        <p:nvPicPr>
-          <p:cNvPr id="2064" name="Picture 16" descr="Drawing of a whale">
-            <a:extLst>
-              <a:ext uri="{FF2B5EF4-FFF2-40B4-BE49-F238E27FC236}">
-                <a16:creationId xmlns:a16="http://schemas.microsoft.com/office/drawing/2014/main" id="{BB9EEBC1-6712-4820-A348-5CBB6099D6B9}"/>
-              </a:ext>
-            </a:extLst>
-          </p:cNvPr>
-          <p:cNvPicPr>
-            <a:picLocks noChangeAspect="1" noChangeArrowheads="1"/>
-          </p:cNvPicPr>
-          <p:nvPr/>
-        </p:nvPicPr>
-        <p:blipFill>
-          <a:blip r:embed="rId2">
-            <a:extLst>
-              <a:ext uri="{28A0092B-C50C-407E-A947-70E740481C1C}">
-                <a14:useLocalDpi xmlns:a14="http://schemas.microsoft.com/office/drawing/2010/main" val="0"/>
-              </a:ext>
-            </a:extLst>
-          </a:blip>
-          <a:srcRect/>
-          <a:stretch>
-            <a:fillRect/>
-          </a:stretch>
-        </p:blipFill>
-        <p:spPr bwMode="auto">
-          <a:xfrm>
-            <a:off x="614736" y="1966805"/>
-            <a:ext cx="8774065" cy="4868846"/>
-          </a:xfrm>
-          <a:prstGeom prst="rect">
-            <a:avLst/>
-          </a:prstGeom>
-          <a:noFill/>
-          <a:extLst>
-            <a:ext uri="{909E8E84-426E-40DD-AFC4-6F175D3DCCD1}">
-              <a14:hiddenFill xmlns:a14="http://schemas.microsoft.com/office/drawing/2010/main">
-                <a:solidFill>
-                  <a:srgbClr val="FFFFFF"/>
-                </a:solidFill>
-              </a14:hiddenFill>
-            </a:ext>
-          </a:extLst>
-        </p:spPr>
-      </p:pic>
       <p:sp>
         <p:nvSpPr>
           <p:cNvPr id="16" name="직사각형 15">
@@ -8105,7 +8289,7 @@
         <p:spPr>
           <a:xfrm>
             <a:off x="202878" y="180250"/>
-            <a:ext cx="3228769" cy="369332"/>
+            <a:ext cx="2997937" cy="369332"/>
           </a:xfrm>
           <a:prstGeom prst="rect">
             <a:avLst/>
@@ -8122,12 +8306,8 @@
               <a:t>2. </a:t>
             </a:r>
             <a:r>
-              <a:rPr lang="ko-KR" altLang="en-US" dirty="0" err="1"/>
-              <a:t>도커</a:t>
-            </a:r>
-            <a:r>
               <a:rPr lang="ko-KR" altLang="en-US" dirty="0"/>
-              <a:t> 컨테이너 구조에 따라</a:t>
+              <a:t>서버 단위 시스템 구성도</a:t>
             </a:r>
             <a:endParaRPr lang="en-US" altLang="ko-KR" dirty="0"/>
           </a:p>
@@ -8173,10 +8353,10 @@
       </p:cxnSp>
       <p:pic>
         <p:nvPicPr>
-          <p:cNvPr id="2052" name="Picture 4" descr="ìë² ìì´ì½ pngì ëí ì´ë¯¸ì§ ê²ìê²°ê³¼">
-            <a:extLst>
-              <a:ext uri="{FF2B5EF4-FFF2-40B4-BE49-F238E27FC236}">
-                <a16:creationId xmlns:a16="http://schemas.microsoft.com/office/drawing/2014/main" id="{8BB7995F-4420-469C-897E-01D20C3105ED}"/>
+          <p:cNvPr id="2058" name="Picture 10" descr="kubernetesì ëí ì´ë¯¸ì§ ê²ìê²°ê³¼">
+            <a:extLst>
+              <a:ext uri="{FF2B5EF4-FFF2-40B4-BE49-F238E27FC236}">
+                <a16:creationId xmlns:a16="http://schemas.microsoft.com/office/drawing/2014/main" id="{32BBE486-A67B-4CE8-B2CE-1CA1665F9973}"/>
               </a:ext>
             </a:extLst>
           </p:cNvPr>
@@ -8186,7 +8366,7 @@
           <p:nvPr/>
         </p:nvPicPr>
         <p:blipFill>
-          <a:blip r:embed="rId3">
+          <a:blip r:embed="rId2">
             <a:extLst>
               <a:ext uri="{28A0092B-C50C-407E-A947-70E740481C1C}">
                 <a14:useLocalDpi xmlns:a14="http://schemas.microsoft.com/office/drawing/2010/main" val="0"/>
@@ -8200,8 +8380,8 @@
         </p:blipFill>
         <p:spPr bwMode="auto">
           <a:xfrm>
-            <a:off x="3954966" y="-664060"/>
-            <a:ext cx="1170984" cy="1804997"/>
+            <a:off x="9229931" y="1683443"/>
+            <a:ext cx="2249010" cy="485821"/>
           </a:xfrm>
           <a:prstGeom prst="rect">
             <a:avLst/>
@@ -8218,59 +8398,944 @@
           </a:extLst>
         </p:spPr>
       </p:pic>
-      <p:pic>
-        <p:nvPicPr>
-          <p:cNvPr id="2058" name="Picture 10" descr="kubernetesì ëí ì´ë¯¸ì§ ê²ìê²°ê³¼">
-            <a:extLst>
-              <a:ext uri="{FF2B5EF4-FFF2-40B4-BE49-F238E27FC236}">
-                <a16:creationId xmlns:a16="http://schemas.microsoft.com/office/drawing/2014/main" id="{32BBE486-A67B-4CE8-B2CE-1CA1665F9973}"/>
-              </a:ext>
-            </a:extLst>
-          </p:cNvPr>
-          <p:cNvPicPr>
-            <a:picLocks noChangeAspect="1" noChangeArrowheads="1"/>
-          </p:cNvPicPr>
+      <p:grpSp>
+        <p:nvGrpSpPr>
+          <p:cNvPr id="2" name="그룹 1">
+            <a:extLst>
+              <a:ext uri="{FF2B5EF4-FFF2-40B4-BE49-F238E27FC236}">
+                <a16:creationId xmlns:a16="http://schemas.microsoft.com/office/drawing/2014/main" id="{8432AD71-7B08-4EB3-BCFC-15DDA668D443}"/>
+              </a:ext>
+            </a:extLst>
+          </p:cNvPr>
+          <p:cNvGrpSpPr/>
           <p:nvPr/>
-        </p:nvPicPr>
-        <p:blipFill>
-          <a:blip r:embed="rId4">
-            <a:extLst>
-              <a:ext uri="{28A0092B-C50C-407E-A947-70E740481C1C}">
-                <a14:useLocalDpi xmlns:a14="http://schemas.microsoft.com/office/drawing/2010/main" val="0"/>
-              </a:ext>
-            </a:extLst>
-          </a:blip>
-          <a:srcRect/>
-          <a:stretch>
-            <a:fillRect/>
-          </a:stretch>
-        </p:blipFill>
-        <p:spPr bwMode="auto">
-          <a:xfrm>
-            <a:off x="8691267" y="174619"/>
-            <a:ext cx="2249010" cy="485821"/>
-          </a:xfrm>
-          <a:prstGeom prst="rect">
-            <a:avLst/>
-          </a:prstGeom>
-          <a:noFill/>
-          <a:extLst>
-            <a:ext uri="{909E8E84-426E-40DD-AFC4-6F175D3DCCD1}">
-              <a14:hiddenFill xmlns:a14="http://schemas.microsoft.com/office/drawing/2010/main">
+        </p:nvGrpSpPr>
+        <p:grpSpPr>
+          <a:xfrm>
+            <a:off x="614736" y="2295525"/>
+            <a:ext cx="7643439" cy="4540125"/>
+            <a:chOff x="614736" y="811407"/>
+            <a:chExt cx="8774065" cy="6024244"/>
+          </a:xfrm>
+        </p:grpSpPr>
+        <p:pic>
+          <p:nvPicPr>
+            <p:cNvPr id="2064" name="Picture 16" descr="Drawing of a whale">
+              <a:extLst>
+                <a:ext uri="{FF2B5EF4-FFF2-40B4-BE49-F238E27FC236}">
+                  <a16:creationId xmlns:a16="http://schemas.microsoft.com/office/drawing/2014/main" id="{BB9EEBC1-6712-4820-A348-5CBB6099D6B9}"/>
+                </a:ext>
+              </a:extLst>
+            </p:cNvPr>
+            <p:cNvPicPr>
+              <a:picLocks noChangeAspect="1" noChangeArrowheads="1"/>
+            </p:cNvPicPr>
+            <p:nvPr/>
+          </p:nvPicPr>
+          <p:blipFill>
+            <a:blip r:embed="rId3">
+              <a:extLst>
+                <a:ext uri="{28A0092B-C50C-407E-A947-70E740481C1C}">
+                  <a14:useLocalDpi xmlns:a14="http://schemas.microsoft.com/office/drawing/2010/main" val="0"/>
+                </a:ext>
+              </a:extLst>
+            </a:blip>
+            <a:srcRect/>
+            <a:stretch>
+              <a:fillRect/>
+            </a:stretch>
+          </p:blipFill>
+          <p:spPr bwMode="auto">
+            <a:xfrm>
+              <a:off x="614736" y="1966805"/>
+              <a:ext cx="8774065" cy="4868846"/>
+            </a:xfrm>
+            <a:prstGeom prst="rect">
+              <a:avLst/>
+            </a:prstGeom>
+            <a:noFill/>
+            <a:extLst>
+              <a:ext uri="{909E8E84-426E-40DD-AFC4-6F175D3DCCD1}">
+                <a14:hiddenFill xmlns:a14="http://schemas.microsoft.com/office/drawing/2010/main">
+                  <a:solidFill>
+                    <a:srgbClr val="FFFFFF"/>
+                  </a:solidFill>
+                </a14:hiddenFill>
+              </a:ext>
+            </a:extLst>
+          </p:spPr>
+        </p:pic>
+        <p:pic>
+          <p:nvPicPr>
+            <p:cNvPr id="71" name="Picture 12" descr="docker container icon pngì ëí ì´ë¯¸ì§ ê²ìê²°ê³¼">
+              <a:extLst>
+                <a:ext uri="{FF2B5EF4-FFF2-40B4-BE49-F238E27FC236}">
+                  <a16:creationId xmlns:a16="http://schemas.microsoft.com/office/drawing/2014/main" id="{C6CC9D87-2FD0-43FA-ACF0-513EAD52B9FA}"/>
+                </a:ext>
+              </a:extLst>
+            </p:cNvPr>
+            <p:cNvPicPr>
+              <a:picLocks noChangeAspect="1" noChangeArrowheads="1"/>
+            </p:cNvPicPr>
+            <p:nvPr/>
+          </p:nvPicPr>
+          <p:blipFill>
+            <a:blip r:embed="rId4">
+              <a:extLst>
+                <a:ext uri="{BEBA8EAE-BF5A-486C-A8C5-ECC9F3942E4B}">
+                  <a14:imgProps xmlns:a14="http://schemas.microsoft.com/office/drawing/2010/main">
+                    <a14:imgLayer r:embed="rId5">
+                      <a14:imgEffect>
+                        <a14:backgroundRemoval t="10000" b="90000" l="3429" r="92000">
+                          <a14:foregroundMark x1="14286" y1="26000" x2="9143" y2="73143"/>
+                          <a14:foregroundMark x1="7429" y1="74286" x2="7429" y2="31714"/>
+                          <a14:foregroundMark x1="8571" y1="28286" x2="5143" y2="72571"/>
+                          <a14:foregroundMark x1="5143" y1="72571" x2="4571" y2="74000"/>
+                          <a14:foregroundMark x1="10000" y1="30286" x2="27714" y2="12571"/>
+                          <a14:foregroundMark x1="27429" y1="14571" x2="90857" y2="19429"/>
+                          <a14:foregroundMark x1="66000" y1="78286" x2="71429" y2="76000"/>
+                          <a14:foregroundMark x1="76286" y1="73143" x2="68571" y2="77429"/>
+                          <a14:foregroundMark x1="88000" y1="18286" x2="91143" y2="18857"/>
+                          <a14:foregroundMark x1="90286" y1="20000" x2="92000" y2="62000"/>
+                          <a14:foregroundMark x1="29143" y1="14571" x2="24286" y2="14857"/>
+                          <a14:foregroundMark x1="7714" y1="28857" x2="5429" y2="75429"/>
+                          <a14:foregroundMark x1="7143" y1="75143" x2="52286" y2="76571"/>
+                          <a14:foregroundMark x1="52286" y1="76571" x2="93714" y2="60286"/>
+                          <a14:foregroundMark x1="93714" y1="60286" x2="85714" y2="16571"/>
+                          <a14:foregroundMark x1="85714" y1="16571" x2="40286" y2="13429"/>
+                          <a14:foregroundMark x1="40286" y1="13429" x2="3429" y2="38857"/>
+                          <a14:foregroundMark x1="3429" y1="38857" x2="5714" y2="76571"/>
+                          <a14:foregroundMark x1="59714" y1="80571" x2="65714" y2="80286"/>
+                          <a14:backgroundMark x1="9143" y1="80571" x2="55143" y2="83143"/>
+                          <a14:backgroundMark x1="78488" y1="75486" x2="90857" y2="71429"/>
+                          <a14:backgroundMark x1="55143" y1="83143" x2="58883" y2="81916"/>
+                        </a14:backgroundRemoval>
+                      </a14:imgEffect>
+                    </a14:imgLayer>
+                  </a14:imgProps>
+                </a:ext>
+                <a:ext uri="{28A0092B-C50C-407E-A947-70E740481C1C}">
+                  <a14:useLocalDpi xmlns:a14="http://schemas.microsoft.com/office/drawing/2010/main" val="0"/>
+                </a:ext>
+              </a:extLst>
+            </a:blip>
+            <a:srcRect/>
+            <a:stretch>
+              <a:fillRect/>
+            </a:stretch>
+          </p:blipFill>
+          <p:spPr bwMode="auto">
+            <a:xfrm>
+              <a:off x="1259305" y="2016405"/>
+              <a:ext cx="2513539" cy="2513539"/>
+            </a:xfrm>
+            <a:prstGeom prst="rect">
+              <a:avLst/>
+            </a:prstGeom>
+            <a:noFill/>
+            <a:extLst>
+              <a:ext uri="{909E8E84-426E-40DD-AFC4-6F175D3DCCD1}">
+                <a14:hiddenFill xmlns:a14="http://schemas.microsoft.com/office/drawing/2010/main">
+                  <a:solidFill>
+                    <a:srgbClr val="FFFFFF"/>
+                  </a:solidFill>
+                </a14:hiddenFill>
+              </a:ext>
+            </a:extLst>
+          </p:spPr>
+        </p:pic>
+        <p:pic>
+          <p:nvPicPr>
+            <p:cNvPr id="70" name="Picture 12" descr="docker container icon pngì ëí ì´ë¯¸ì§ ê²ìê²°ê³¼">
+              <a:extLst>
+                <a:ext uri="{FF2B5EF4-FFF2-40B4-BE49-F238E27FC236}">
+                  <a16:creationId xmlns:a16="http://schemas.microsoft.com/office/drawing/2014/main" id="{BD2855BA-85BE-43BB-8315-DE14BC804388}"/>
+                </a:ext>
+              </a:extLst>
+            </p:cNvPr>
+            <p:cNvPicPr>
+              <a:picLocks noChangeAspect="1" noChangeArrowheads="1"/>
+            </p:cNvPicPr>
+            <p:nvPr/>
+          </p:nvPicPr>
+          <p:blipFill>
+            <a:blip r:embed="rId4">
+              <a:extLst>
+                <a:ext uri="{BEBA8EAE-BF5A-486C-A8C5-ECC9F3942E4B}">
+                  <a14:imgProps xmlns:a14="http://schemas.microsoft.com/office/drawing/2010/main">
+                    <a14:imgLayer r:embed="rId5">
+                      <a14:imgEffect>
+                        <a14:backgroundRemoval t="10000" b="90000" l="3429" r="92000">
+                          <a14:foregroundMark x1="14286" y1="26000" x2="9143" y2="73143"/>
+                          <a14:foregroundMark x1="7429" y1="74286" x2="7429" y2="31714"/>
+                          <a14:foregroundMark x1="8571" y1="28286" x2="5143" y2="72571"/>
+                          <a14:foregroundMark x1="5143" y1="72571" x2="4571" y2="74000"/>
+                          <a14:foregroundMark x1="10000" y1="30286" x2="27714" y2="12571"/>
+                          <a14:foregroundMark x1="27429" y1="14571" x2="90857" y2="19429"/>
+                          <a14:foregroundMark x1="66000" y1="78286" x2="71429" y2="76000"/>
+                          <a14:foregroundMark x1="76286" y1="73143" x2="68571" y2="77429"/>
+                          <a14:foregroundMark x1="88000" y1="18286" x2="91143" y2="18857"/>
+                          <a14:foregroundMark x1="90286" y1="20000" x2="92000" y2="62000"/>
+                          <a14:foregroundMark x1="29143" y1="14571" x2="24286" y2="14857"/>
+                          <a14:foregroundMark x1="7714" y1="28857" x2="5429" y2="75429"/>
+                          <a14:foregroundMark x1="7143" y1="75143" x2="52286" y2="76571"/>
+                          <a14:foregroundMark x1="52286" y1="76571" x2="93714" y2="60286"/>
+                          <a14:foregroundMark x1="93714" y1="60286" x2="85714" y2="16571"/>
+                          <a14:foregroundMark x1="85714" y1="16571" x2="40286" y2="13429"/>
+                          <a14:foregroundMark x1="40286" y1="13429" x2="3429" y2="38857"/>
+                          <a14:foregroundMark x1="3429" y1="38857" x2="5714" y2="76571"/>
+                          <a14:foregroundMark x1="59714" y1="80571" x2="65714" y2="80286"/>
+                          <a14:backgroundMark x1="9143" y1="80571" x2="55143" y2="83143"/>
+                          <a14:backgroundMark x1="78488" y1="75486" x2="90857" y2="71429"/>
+                          <a14:backgroundMark x1="55143" y1="83143" x2="58883" y2="81916"/>
+                        </a14:backgroundRemoval>
+                      </a14:imgEffect>
+                    </a14:imgLayer>
+                  </a14:imgProps>
+                </a:ext>
+                <a:ext uri="{28A0092B-C50C-407E-A947-70E740481C1C}">
+                  <a14:useLocalDpi xmlns:a14="http://schemas.microsoft.com/office/drawing/2010/main" val="0"/>
+                </a:ext>
+              </a:extLst>
+            </a:blip>
+            <a:srcRect/>
+            <a:stretch>
+              <a:fillRect/>
+            </a:stretch>
+          </p:blipFill>
+          <p:spPr bwMode="auto">
+            <a:xfrm>
+              <a:off x="1232205" y="811407"/>
+              <a:ext cx="2513538" cy="2513538"/>
+            </a:xfrm>
+            <a:prstGeom prst="rect">
+              <a:avLst/>
+            </a:prstGeom>
+            <a:noFill/>
+            <a:extLst>
+              <a:ext uri="{909E8E84-426E-40DD-AFC4-6F175D3DCCD1}">
+                <a14:hiddenFill xmlns:a14="http://schemas.microsoft.com/office/drawing/2010/main">
+                  <a:solidFill>
+                    <a:srgbClr val="FFFFFF"/>
+                  </a:solidFill>
+                </a14:hiddenFill>
+              </a:ext>
+            </a:extLst>
+          </p:spPr>
+        </p:pic>
+        <p:pic>
+          <p:nvPicPr>
+            <p:cNvPr id="75" name="Picture 12" descr="docker container icon pngì ëí ì´ë¯¸ì§ ê²ìê²°ê³¼">
+              <a:extLst>
+                <a:ext uri="{FF2B5EF4-FFF2-40B4-BE49-F238E27FC236}">
+                  <a16:creationId xmlns:a16="http://schemas.microsoft.com/office/drawing/2014/main" id="{00B87A18-96AA-4CC9-A214-1F82CF2B7430}"/>
+                </a:ext>
+              </a:extLst>
+            </p:cNvPr>
+            <p:cNvPicPr>
+              <a:picLocks noChangeAspect="1" noChangeArrowheads="1"/>
+            </p:cNvPicPr>
+            <p:nvPr/>
+          </p:nvPicPr>
+          <p:blipFill>
+            <a:blip r:embed="rId4">
+              <a:extLst>
+                <a:ext uri="{BEBA8EAE-BF5A-486C-A8C5-ECC9F3942E4B}">
+                  <a14:imgProps xmlns:a14="http://schemas.microsoft.com/office/drawing/2010/main">
+                    <a14:imgLayer r:embed="rId5">
+                      <a14:imgEffect>
+                        <a14:backgroundRemoval t="10000" b="90000" l="3429" r="92000">
+                          <a14:foregroundMark x1="14286" y1="26000" x2="9143" y2="73143"/>
+                          <a14:foregroundMark x1="7429" y1="74286" x2="7429" y2="31714"/>
+                          <a14:foregroundMark x1="8571" y1="28286" x2="5143" y2="72571"/>
+                          <a14:foregroundMark x1="5143" y1="72571" x2="4571" y2="74000"/>
+                          <a14:foregroundMark x1="10000" y1="30286" x2="27714" y2="12571"/>
+                          <a14:foregroundMark x1="27429" y1="14571" x2="90857" y2="19429"/>
+                          <a14:foregroundMark x1="66000" y1="78286" x2="71429" y2="76000"/>
+                          <a14:foregroundMark x1="76286" y1="73143" x2="68571" y2="77429"/>
+                          <a14:foregroundMark x1="88000" y1="18286" x2="91143" y2="18857"/>
+                          <a14:foregroundMark x1="90286" y1="20000" x2="92000" y2="62000"/>
+                          <a14:foregroundMark x1="29143" y1="14571" x2="24286" y2="14857"/>
+                          <a14:foregroundMark x1="7714" y1="28857" x2="5429" y2="75429"/>
+                          <a14:foregroundMark x1="7143" y1="75143" x2="52286" y2="76571"/>
+                          <a14:foregroundMark x1="52286" y1="76571" x2="93714" y2="60286"/>
+                          <a14:foregroundMark x1="93714" y1="60286" x2="85714" y2="16571"/>
+                          <a14:foregroundMark x1="85714" y1="16571" x2="40286" y2="13429"/>
+                          <a14:foregroundMark x1="40286" y1="13429" x2="3429" y2="38857"/>
+                          <a14:foregroundMark x1="3429" y1="38857" x2="5714" y2="76571"/>
+                          <a14:foregroundMark x1="59714" y1="80571" x2="65714" y2="80286"/>
+                          <a14:backgroundMark x1="9143" y1="80571" x2="55143" y2="83143"/>
+                          <a14:backgroundMark x1="78488" y1="75486" x2="90857" y2="71429"/>
+                          <a14:backgroundMark x1="55143" y1="83143" x2="58883" y2="81916"/>
+                        </a14:backgroundRemoval>
+                      </a14:imgEffect>
+                    </a14:imgLayer>
+                  </a14:imgProps>
+                </a:ext>
+                <a:ext uri="{28A0092B-C50C-407E-A947-70E740481C1C}">
+                  <a14:useLocalDpi xmlns:a14="http://schemas.microsoft.com/office/drawing/2010/main" val="0"/>
+                </a:ext>
+              </a:extLst>
+            </a:blip>
+            <a:srcRect/>
+            <a:stretch>
+              <a:fillRect/>
+            </a:stretch>
+          </p:blipFill>
+          <p:spPr bwMode="auto">
+            <a:xfrm>
+              <a:off x="3097630" y="2130705"/>
+              <a:ext cx="2513539" cy="2513539"/>
+            </a:xfrm>
+            <a:prstGeom prst="rect">
+              <a:avLst/>
+            </a:prstGeom>
+            <a:noFill/>
+            <a:extLst>
+              <a:ext uri="{909E8E84-426E-40DD-AFC4-6F175D3DCCD1}">
+                <a14:hiddenFill xmlns:a14="http://schemas.microsoft.com/office/drawing/2010/main">
+                  <a:solidFill>
+                    <a:srgbClr val="FFFFFF"/>
+                  </a:solidFill>
+                </a14:hiddenFill>
+              </a:ext>
+            </a:extLst>
+          </p:spPr>
+        </p:pic>
+        <p:pic>
+          <p:nvPicPr>
+            <p:cNvPr id="76" name="Picture 12" descr="docker container icon pngì ëí ì´ë¯¸ì§ ê²ìê²°ê³¼">
+              <a:extLst>
+                <a:ext uri="{FF2B5EF4-FFF2-40B4-BE49-F238E27FC236}">
+                  <a16:creationId xmlns:a16="http://schemas.microsoft.com/office/drawing/2014/main" id="{755BDEC6-BDA8-468C-ABF1-102546009A7E}"/>
+                </a:ext>
+              </a:extLst>
+            </p:cNvPr>
+            <p:cNvPicPr>
+              <a:picLocks noChangeAspect="1" noChangeArrowheads="1"/>
+            </p:cNvPicPr>
+            <p:nvPr/>
+          </p:nvPicPr>
+          <p:blipFill>
+            <a:blip r:embed="rId4">
+              <a:extLst>
+                <a:ext uri="{BEBA8EAE-BF5A-486C-A8C5-ECC9F3942E4B}">
+                  <a14:imgProps xmlns:a14="http://schemas.microsoft.com/office/drawing/2010/main">
+                    <a14:imgLayer r:embed="rId5">
+                      <a14:imgEffect>
+                        <a14:backgroundRemoval t="10000" b="90000" l="3429" r="92000">
+                          <a14:foregroundMark x1="14286" y1="26000" x2="9143" y2="73143"/>
+                          <a14:foregroundMark x1="7429" y1="74286" x2="7429" y2="31714"/>
+                          <a14:foregroundMark x1="8571" y1="28286" x2="5143" y2="72571"/>
+                          <a14:foregroundMark x1="5143" y1="72571" x2="4571" y2="74000"/>
+                          <a14:foregroundMark x1="10000" y1="30286" x2="27714" y2="12571"/>
+                          <a14:foregroundMark x1="27429" y1="14571" x2="90857" y2="19429"/>
+                          <a14:foregroundMark x1="66000" y1="78286" x2="71429" y2="76000"/>
+                          <a14:foregroundMark x1="76286" y1="73143" x2="68571" y2="77429"/>
+                          <a14:foregroundMark x1="88000" y1="18286" x2="91143" y2="18857"/>
+                          <a14:foregroundMark x1="90286" y1="20000" x2="92000" y2="62000"/>
+                          <a14:foregroundMark x1="29143" y1="14571" x2="24286" y2="14857"/>
+                          <a14:foregroundMark x1="7714" y1="28857" x2="5429" y2="75429"/>
+                          <a14:foregroundMark x1="7143" y1="75143" x2="52286" y2="76571"/>
+                          <a14:foregroundMark x1="52286" y1="76571" x2="93714" y2="60286"/>
+                          <a14:foregroundMark x1="93714" y1="60286" x2="85714" y2="16571"/>
+                          <a14:foregroundMark x1="85714" y1="16571" x2="40286" y2="13429"/>
+                          <a14:foregroundMark x1="40286" y1="13429" x2="3429" y2="38857"/>
+                          <a14:foregroundMark x1="3429" y1="38857" x2="5714" y2="76571"/>
+                          <a14:foregroundMark x1="59714" y1="80571" x2="65714" y2="80286"/>
+                          <a14:backgroundMark x1="9143" y1="80571" x2="55143" y2="83143"/>
+                          <a14:backgroundMark x1="78488" y1="75486" x2="90857" y2="71429"/>
+                          <a14:backgroundMark x1="55143" y1="83143" x2="58883" y2="81916"/>
+                        </a14:backgroundRemoval>
+                      </a14:imgEffect>
+                    </a14:imgLayer>
+                  </a14:imgProps>
+                </a:ext>
+                <a:ext uri="{28A0092B-C50C-407E-A947-70E740481C1C}">
+                  <a14:useLocalDpi xmlns:a14="http://schemas.microsoft.com/office/drawing/2010/main" val="0"/>
+                </a:ext>
+              </a:extLst>
+            </a:blip>
+            <a:srcRect/>
+            <a:stretch>
+              <a:fillRect/>
+            </a:stretch>
+          </p:blipFill>
+          <p:spPr bwMode="auto">
+            <a:xfrm>
+              <a:off x="3070530" y="925707"/>
+              <a:ext cx="2513538" cy="2513538"/>
+            </a:xfrm>
+            <a:prstGeom prst="rect">
+              <a:avLst/>
+            </a:prstGeom>
+            <a:noFill/>
+            <a:extLst>
+              <a:ext uri="{909E8E84-426E-40DD-AFC4-6F175D3DCCD1}">
+                <a14:hiddenFill xmlns:a14="http://schemas.microsoft.com/office/drawing/2010/main">
+                  <a:solidFill>
+                    <a:srgbClr val="FFFFFF"/>
+                  </a:solidFill>
+                </a14:hiddenFill>
+              </a:ext>
+            </a:extLst>
+          </p:spPr>
+        </p:pic>
+        <p:pic>
+          <p:nvPicPr>
+            <p:cNvPr id="77" name="Picture 12" descr="docker container icon pngì ëí ì´ë¯¸ì§ ê²ìê²°ê³¼">
+              <a:extLst>
+                <a:ext uri="{FF2B5EF4-FFF2-40B4-BE49-F238E27FC236}">
+                  <a16:creationId xmlns:a16="http://schemas.microsoft.com/office/drawing/2014/main" id="{290B7244-3F67-455B-9BE5-D3861292B31F}"/>
+                </a:ext>
+              </a:extLst>
+            </p:cNvPr>
+            <p:cNvPicPr>
+              <a:picLocks noChangeAspect="1" noChangeArrowheads="1"/>
+            </p:cNvPicPr>
+            <p:nvPr/>
+          </p:nvPicPr>
+          <p:blipFill>
+            <a:blip r:embed="rId4">
+              <a:extLst>
+                <a:ext uri="{BEBA8EAE-BF5A-486C-A8C5-ECC9F3942E4B}">
+                  <a14:imgProps xmlns:a14="http://schemas.microsoft.com/office/drawing/2010/main">
+                    <a14:imgLayer r:embed="rId5">
+                      <a14:imgEffect>
+                        <a14:backgroundRemoval t="10000" b="90000" l="3429" r="92000">
+                          <a14:foregroundMark x1="14286" y1="26000" x2="9143" y2="73143"/>
+                          <a14:foregroundMark x1="7429" y1="74286" x2="7429" y2="31714"/>
+                          <a14:foregroundMark x1="8571" y1="28286" x2="5143" y2="72571"/>
+                          <a14:foregroundMark x1="5143" y1="72571" x2="4571" y2="74000"/>
+                          <a14:foregroundMark x1="10000" y1="30286" x2="27714" y2="12571"/>
+                          <a14:foregroundMark x1="27429" y1="14571" x2="90857" y2="19429"/>
+                          <a14:foregroundMark x1="66000" y1="78286" x2="71429" y2="76000"/>
+                          <a14:foregroundMark x1="76286" y1="73143" x2="68571" y2="77429"/>
+                          <a14:foregroundMark x1="88000" y1="18286" x2="91143" y2="18857"/>
+                          <a14:foregroundMark x1="90286" y1="20000" x2="92000" y2="62000"/>
+                          <a14:foregroundMark x1="29143" y1="14571" x2="24286" y2="14857"/>
+                          <a14:foregroundMark x1="7714" y1="28857" x2="5429" y2="75429"/>
+                          <a14:foregroundMark x1="7143" y1="75143" x2="52286" y2="76571"/>
+                          <a14:foregroundMark x1="52286" y1="76571" x2="93714" y2="60286"/>
+                          <a14:foregroundMark x1="93714" y1="60286" x2="85714" y2="16571"/>
+                          <a14:foregroundMark x1="85714" y1="16571" x2="40286" y2="13429"/>
+                          <a14:foregroundMark x1="40286" y1="13429" x2="3429" y2="38857"/>
+                          <a14:foregroundMark x1="3429" y1="38857" x2="5714" y2="76571"/>
+                          <a14:foregroundMark x1="59714" y1="80571" x2="65714" y2="80286"/>
+                          <a14:backgroundMark x1="9143" y1="80571" x2="55143" y2="83143"/>
+                          <a14:backgroundMark x1="78488" y1="75486" x2="90857" y2="71429"/>
+                          <a14:backgroundMark x1="55143" y1="83143" x2="58883" y2="81916"/>
+                        </a14:backgroundRemoval>
+                      </a14:imgEffect>
+                    </a14:imgLayer>
+                  </a14:imgProps>
+                </a:ext>
+                <a:ext uri="{28A0092B-C50C-407E-A947-70E740481C1C}">
+                  <a14:useLocalDpi xmlns:a14="http://schemas.microsoft.com/office/drawing/2010/main" val="0"/>
+                </a:ext>
+              </a:extLst>
+            </a:blip>
+            <a:srcRect/>
+            <a:stretch>
+              <a:fillRect/>
+            </a:stretch>
+          </p:blipFill>
+          <p:spPr bwMode="auto">
+            <a:xfrm>
+              <a:off x="4883007" y="2254621"/>
+              <a:ext cx="2513539" cy="2513539"/>
+            </a:xfrm>
+            <a:prstGeom prst="rect">
+              <a:avLst/>
+            </a:prstGeom>
+            <a:noFill/>
+            <a:extLst>
+              <a:ext uri="{909E8E84-426E-40DD-AFC4-6F175D3DCCD1}">
+                <a14:hiddenFill xmlns:a14="http://schemas.microsoft.com/office/drawing/2010/main">
+                  <a:solidFill>
+                    <a:srgbClr val="FFFFFF"/>
+                  </a:solidFill>
+                </a14:hiddenFill>
+              </a:ext>
+            </a:extLst>
+          </p:spPr>
+        </p:pic>
+        <p:pic>
+          <p:nvPicPr>
+            <p:cNvPr id="78" name="Picture 12" descr="docker container icon pngì ëí ì´ë¯¸ì§ ê²ìê²°ê³¼">
+              <a:extLst>
+                <a:ext uri="{FF2B5EF4-FFF2-40B4-BE49-F238E27FC236}">
+                  <a16:creationId xmlns:a16="http://schemas.microsoft.com/office/drawing/2014/main" id="{3419CFDD-AFDB-48C4-B029-A7FBEE492B62}"/>
+                </a:ext>
+              </a:extLst>
+            </p:cNvPr>
+            <p:cNvPicPr>
+              <a:picLocks noChangeAspect="1" noChangeArrowheads="1"/>
+            </p:cNvPicPr>
+            <p:nvPr/>
+          </p:nvPicPr>
+          <p:blipFill>
+            <a:blip r:embed="rId4">
+              <a:extLst>
+                <a:ext uri="{BEBA8EAE-BF5A-486C-A8C5-ECC9F3942E4B}">
+                  <a14:imgProps xmlns:a14="http://schemas.microsoft.com/office/drawing/2010/main">
+                    <a14:imgLayer r:embed="rId5">
+                      <a14:imgEffect>
+                        <a14:backgroundRemoval t="10000" b="90000" l="3429" r="92000">
+                          <a14:foregroundMark x1="14286" y1="26000" x2="9143" y2="73143"/>
+                          <a14:foregroundMark x1="7429" y1="74286" x2="7429" y2="31714"/>
+                          <a14:foregroundMark x1="8571" y1="28286" x2="5143" y2="72571"/>
+                          <a14:foregroundMark x1="5143" y1="72571" x2="4571" y2="74000"/>
+                          <a14:foregroundMark x1="10000" y1="30286" x2="27714" y2="12571"/>
+                          <a14:foregroundMark x1="27429" y1="14571" x2="90857" y2="19429"/>
+                          <a14:foregroundMark x1="66000" y1="78286" x2="71429" y2="76000"/>
+                          <a14:foregroundMark x1="76286" y1="73143" x2="68571" y2="77429"/>
+                          <a14:foregroundMark x1="88000" y1="18286" x2="91143" y2="18857"/>
+                          <a14:foregroundMark x1="90286" y1="20000" x2="92000" y2="62000"/>
+                          <a14:foregroundMark x1="29143" y1="14571" x2="24286" y2="14857"/>
+                          <a14:foregroundMark x1="7714" y1="28857" x2="5429" y2="75429"/>
+                          <a14:foregroundMark x1="7143" y1="75143" x2="52286" y2="76571"/>
+                          <a14:foregroundMark x1="52286" y1="76571" x2="93714" y2="60286"/>
+                          <a14:foregroundMark x1="93714" y1="60286" x2="85714" y2="16571"/>
+                          <a14:foregroundMark x1="85714" y1="16571" x2="40286" y2="13429"/>
+                          <a14:foregroundMark x1="40286" y1="13429" x2="3429" y2="38857"/>
+                          <a14:foregroundMark x1="3429" y1="38857" x2="5714" y2="76571"/>
+                          <a14:foregroundMark x1="59714" y1="80571" x2="65714" y2="80286"/>
+                          <a14:backgroundMark x1="9143" y1="80571" x2="55143" y2="83143"/>
+                          <a14:backgroundMark x1="78488" y1="75486" x2="90857" y2="71429"/>
+                          <a14:backgroundMark x1="55143" y1="83143" x2="58883" y2="81916"/>
+                        </a14:backgroundRemoval>
+                      </a14:imgEffect>
+                    </a14:imgLayer>
+                  </a14:imgProps>
+                </a:ext>
+                <a:ext uri="{28A0092B-C50C-407E-A947-70E740481C1C}">
+                  <a14:useLocalDpi xmlns:a14="http://schemas.microsoft.com/office/drawing/2010/main" val="0"/>
+                </a:ext>
+              </a:extLst>
+            </a:blip>
+            <a:srcRect/>
+            <a:stretch>
+              <a:fillRect/>
+            </a:stretch>
+          </p:blipFill>
+          <p:spPr bwMode="auto">
+            <a:xfrm>
+              <a:off x="4855907" y="1049623"/>
+              <a:ext cx="2513538" cy="2513538"/>
+            </a:xfrm>
+            <a:prstGeom prst="rect">
+              <a:avLst/>
+            </a:prstGeom>
+            <a:noFill/>
+            <a:extLst>
+              <a:ext uri="{909E8E84-426E-40DD-AFC4-6F175D3DCCD1}">
+                <a14:hiddenFill xmlns:a14="http://schemas.microsoft.com/office/drawing/2010/main">
+                  <a:solidFill>
+                    <a:srgbClr val="FFFFFF"/>
+                  </a:solidFill>
+                </a14:hiddenFill>
+              </a:ext>
+            </a:extLst>
+          </p:spPr>
+        </p:pic>
+        <p:pic>
+          <p:nvPicPr>
+            <p:cNvPr id="81" name="Picture 5">
+              <a:extLst>
+                <a:ext uri="{FF2B5EF4-FFF2-40B4-BE49-F238E27FC236}">
+                  <a16:creationId xmlns:a16="http://schemas.microsoft.com/office/drawing/2014/main" id="{51AEE046-08A0-4969-8028-4AD99C8B86E1}"/>
+                </a:ext>
+              </a:extLst>
+            </p:cNvPr>
+            <p:cNvPicPr>
+              <a:picLocks noChangeAspect="1" noChangeArrowheads="1"/>
+            </p:cNvPicPr>
+            <p:nvPr/>
+          </p:nvPicPr>
+          <p:blipFill rotWithShape="1">
+            <a:blip r:embed="rId6">
+              <a:clrChange>
+                <a:clrFrom>
+                  <a:srgbClr val="FFFFFF"/>
+                </a:clrFrom>
+                <a:clrTo>
+                  <a:srgbClr val="FFFFFF">
+                    <a:alpha val="0"/>
+                  </a:srgbClr>
+                </a:clrTo>
+              </a:clrChange>
+              <a:extLst>
+                <a:ext uri="{28A0092B-C50C-407E-A947-70E740481C1C}">
+                  <a14:useLocalDpi xmlns:a14="http://schemas.microsoft.com/office/drawing/2010/main" val="0"/>
+                </a:ext>
+              </a:extLst>
+            </a:blip>
+            <a:srcRect l="17358" t="1190" r="18741" b="8589"/>
+            <a:stretch/>
+          </p:blipFill>
+          <p:spPr bwMode="auto">
+            <a:xfrm>
+              <a:off x="2747507" y="3779491"/>
+              <a:ext cx="2391865" cy="2615869"/>
+            </a:xfrm>
+            <a:prstGeom prst="rect">
+              <a:avLst/>
+            </a:prstGeom>
+            <a:noFill/>
+            <a:ln>
+              <a:noFill/>
+            </a:ln>
+            <a:extLst>
+              <a:ext uri="{909E8E84-426E-40DD-AFC4-6F175D3DCCD1}">
+                <a14:hiddenFill xmlns:a14="http://schemas.microsoft.com/office/drawing/2010/main">
+                  <a:solidFill>
+                    <a:schemeClr val="accent1"/>
+                  </a:solidFill>
+                </a14:hiddenFill>
+              </a:ext>
+              <a:ext uri="{91240B29-F687-4F45-9708-019B960494DF}">
+                <a14:hiddenLine xmlns:a14="http://schemas.microsoft.com/office/drawing/2010/main" w="9525">
+                  <a:solidFill>
+                    <a:schemeClr val="tx1"/>
+                  </a:solidFill>
+                  <a:miter lim="800000"/>
+                  <a:headEnd/>
+                  <a:tailEnd/>
+                </a14:hiddenLine>
+              </a:ext>
+            </a:extLst>
+          </p:spPr>
+        </p:pic>
+        <p:sp>
+          <p:nvSpPr>
+            <p:cNvPr id="6" name="TextBox 5">
+              <a:extLst>
+                <a:ext uri="{FF2B5EF4-FFF2-40B4-BE49-F238E27FC236}">
+                  <a16:creationId xmlns:a16="http://schemas.microsoft.com/office/drawing/2014/main" id="{F0D1998D-5BB7-4CFB-ACAB-A667C9771A0B}"/>
+                </a:ext>
+              </a:extLst>
+            </p:cNvPr>
+            <p:cNvSpPr txBox="1"/>
+            <p:nvPr/>
+          </p:nvSpPr>
+          <p:spPr>
+            <a:xfrm>
+              <a:off x="5070145" y="3195504"/>
+              <a:ext cx="1517461" cy="857610"/>
+            </a:xfrm>
+            <a:prstGeom prst="rect">
+              <a:avLst/>
+            </a:prstGeom>
+            <a:noFill/>
+          </p:spPr>
+          <p:txBody>
+            <a:bodyPr wrap="square" rtlCol="0">
+              <a:spAutoFit/>
+            </a:bodyPr>
+            <a:lstStyle/>
+            <a:p>
+              <a:pPr algn="ctr"/>
+              <a:r>
+                <a:rPr lang="ko-KR" altLang="en-US" dirty="0">
+                  <a:solidFill>
+                    <a:schemeClr val="bg1"/>
+                  </a:solidFill>
+                </a:rPr>
+                <a:t>데이터</a:t>
+              </a:r>
+              <a:endParaRPr lang="en-US" altLang="ko-KR" dirty="0">
                 <a:solidFill>
-                  <a:srgbClr val="FFFFFF"/>
+                  <a:schemeClr val="bg1"/>
                 </a:solidFill>
-              </a14:hiddenFill>
-            </a:ext>
-          </a:extLst>
-        </p:spPr>
-      </p:pic>
-      <p:sp>
-        <p:nvSpPr>
-          <p:cNvPr id="56" name="순서도: 처리 55">
-            <a:extLst>
-              <a:ext uri="{FF2B5EF4-FFF2-40B4-BE49-F238E27FC236}">
-                <a16:creationId xmlns:a16="http://schemas.microsoft.com/office/drawing/2014/main" id="{359E20C4-86FD-4DFB-8F33-0DDD1E721E01}"/>
+              </a:endParaRPr>
+            </a:p>
+            <a:p>
+              <a:pPr algn="ctr"/>
+              <a:r>
+                <a:rPr lang="ko-KR" altLang="en-US" dirty="0">
+                  <a:solidFill>
+                    <a:schemeClr val="bg1"/>
+                  </a:solidFill>
+                </a:rPr>
+                <a:t>통합 서버</a:t>
+              </a:r>
+            </a:p>
+          </p:txBody>
+        </p:sp>
+        <p:sp>
+          <p:nvSpPr>
+            <p:cNvPr id="84" name="TextBox 83">
+              <a:extLst>
+                <a:ext uri="{FF2B5EF4-FFF2-40B4-BE49-F238E27FC236}">
+                  <a16:creationId xmlns:a16="http://schemas.microsoft.com/office/drawing/2014/main" id="{A75B0086-F932-4AFC-9C44-86E315685957}"/>
+                </a:ext>
+              </a:extLst>
+            </p:cNvPr>
+            <p:cNvSpPr txBox="1"/>
+            <p:nvPr/>
+          </p:nvSpPr>
+          <p:spPr>
+            <a:xfrm>
+              <a:off x="1359459" y="2978389"/>
+              <a:ext cx="1517461" cy="775932"/>
+            </a:xfrm>
+            <a:prstGeom prst="rect">
+              <a:avLst/>
+            </a:prstGeom>
+            <a:noFill/>
+          </p:spPr>
+          <p:txBody>
+            <a:bodyPr wrap="square" rtlCol="0">
+              <a:spAutoFit/>
+            </a:bodyPr>
+            <a:lstStyle/>
+            <a:p>
+              <a:pPr algn="ctr"/>
+              <a:r>
+                <a:rPr lang="en-US" altLang="ko-KR" sz="1600" dirty="0">
+                  <a:solidFill>
+                    <a:schemeClr val="bg1"/>
+                  </a:solidFill>
+                </a:rPr>
+                <a:t>1</a:t>
+              </a:r>
+              <a:r>
+                <a:rPr lang="ko-KR" altLang="en-US" sz="1600" dirty="0">
+                  <a:solidFill>
+                    <a:schemeClr val="bg1"/>
+                  </a:solidFill>
+                </a:rPr>
+                <a:t>차 전처리서버</a:t>
+              </a:r>
+            </a:p>
+          </p:txBody>
+        </p:sp>
+        <p:sp>
+          <p:nvSpPr>
+            <p:cNvPr id="85" name="TextBox 84">
+              <a:extLst>
+                <a:ext uri="{FF2B5EF4-FFF2-40B4-BE49-F238E27FC236}">
+                  <a16:creationId xmlns:a16="http://schemas.microsoft.com/office/drawing/2014/main" id="{73225285-C3F9-4272-BC0B-99BAFDC7B02F}"/>
+                </a:ext>
+              </a:extLst>
+            </p:cNvPr>
+            <p:cNvSpPr txBox="1"/>
+            <p:nvPr/>
+          </p:nvSpPr>
+          <p:spPr>
+            <a:xfrm>
+              <a:off x="3216392" y="2149261"/>
+              <a:ext cx="1517461" cy="490063"/>
+            </a:xfrm>
+            <a:prstGeom prst="rect">
+              <a:avLst/>
+            </a:prstGeom>
+            <a:noFill/>
+          </p:spPr>
+          <p:txBody>
+            <a:bodyPr wrap="square" rtlCol="0">
+              <a:spAutoFit/>
+            </a:bodyPr>
+            <a:lstStyle/>
+            <a:p>
+              <a:pPr algn="ctr"/>
+              <a:r>
+                <a:rPr lang="ko-KR" altLang="en-US">
+                  <a:solidFill>
+                    <a:schemeClr val="bg1"/>
+                  </a:solidFill>
+                </a:rPr>
+                <a:t>웹 서버</a:t>
+              </a:r>
+              <a:endParaRPr lang="ko-KR" altLang="en-US" dirty="0">
+                <a:solidFill>
+                  <a:schemeClr val="bg1"/>
+                </a:solidFill>
+              </a:endParaRPr>
+            </a:p>
+          </p:txBody>
+        </p:sp>
+        <p:sp>
+          <p:nvSpPr>
+            <p:cNvPr id="86" name="TextBox 85">
+              <a:extLst>
+                <a:ext uri="{FF2B5EF4-FFF2-40B4-BE49-F238E27FC236}">
+                  <a16:creationId xmlns:a16="http://schemas.microsoft.com/office/drawing/2014/main" id="{C4E0026A-691E-472B-A8DC-19F7E03A7F71}"/>
+                </a:ext>
+              </a:extLst>
+            </p:cNvPr>
+            <p:cNvSpPr txBox="1"/>
+            <p:nvPr/>
+          </p:nvSpPr>
+          <p:spPr>
+            <a:xfrm>
+              <a:off x="3228351" y="3038941"/>
+              <a:ext cx="1517461" cy="775932"/>
+            </a:xfrm>
+            <a:prstGeom prst="rect">
+              <a:avLst/>
+            </a:prstGeom>
+            <a:noFill/>
+          </p:spPr>
+          <p:txBody>
+            <a:bodyPr wrap="square" rtlCol="0">
+              <a:spAutoFit/>
+            </a:bodyPr>
+            <a:lstStyle/>
+            <a:p>
+              <a:pPr algn="ctr"/>
+              <a:r>
+                <a:rPr lang="en-US" altLang="ko-KR" sz="1600" dirty="0">
+                  <a:solidFill>
+                    <a:schemeClr val="bg1"/>
+                  </a:solidFill>
+                </a:rPr>
+                <a:t>2</a:t>
+              </a:r>
+              <a:r>
+                <a:rPr lang="ko-KR" altLang="en-US" sz="1600" dirty="0">
+                  <a:solidFill>
+                    <a:schemeClr val="bg1"/>
+                  </a:solidFill>
+                </a:rPr>
+                <a:t>차 </a:t>
+              </a:r>
+              <a:r>
+                <a:rPr lang="ko-KR" altLang="en-US" sz="1600" dirty="0" err="1">
+                  <a:solidFill>
+                    <a:schemeClr val="bg1"/>
+                  </a:solidFill>
+                </a:rPr>
+                <a:t>전처리</a:t>
+              </a:r>
+              <a:endParaRPr lang="en-US" altLang="ko-KR" sz="1600" dirty="0">
+                <a:solidFill>
+                  <a:schemeClr val="bg1"/>
+                </a:solidFill>
+              </a:endParaRPr>
+            </a:p>
+            <a:p>
+              <a:pPr algn="ctr"/>
+              <a:r>
+                <a:rPr lang="ko-KR" altLang="en-US" sz="1600" dirty="0">
+                  <a:solidFill>
+                    <a:schemeClr val="bg1"/>
+                  </a:solidFill>
+                </a:rPr>
+                <a:t>서버</a:t>
+              </a:r>
+            </a:p>
+          </p:txBody>
+        </p:sp>
+        <p:sp>
+          <p:nvSpPr>
+            <p:cNvPr id="87" name="TextBox 86">
+              <a:extLst>
+                <a:ext uri="{FF2B5EF4-FFF2-40B4-BE49-F238E27FC236}">
+                  <a16:creationId xmlns:a16="http://schemas.microsoft.com/office/drawing/2014/main" id="{F1F18520-0195-49B7-897D-8983D6AED362}"/>
+                </a:ext>
+              </a:extLst>
+            </p:cNvPr>
+            <p:cNvSpPr txBox="1"/>
+            <p:nvPr/>
+          </p:nvSpPr>
+          <p:spPr>
+            <a:xfrm>
+              <a:off x="5001769" y="2130705"/>
+              <a:ext cx="1606165" cy="775932"/>
+            </a:xfrm>
+            <a:prstGeom prst="rect">
+              <a:avLst/>
+            </a:prstGeom>
+            <a:noFill/>
+          </p:spPr>
+          <p:txBody>
+            <a:bodyPr wrap="square" rtlCol="0">
+              <a:spAutoFit/>
+            </a:bodyPr>
+            <a:lstStyle/>
+            <a:p>
+              <a:pPr algn="ctr"/>
+              <a:r>
+                <a:rPr lang="ko-KR" altLang="en-US" sz="1600" dirty="0" err="1">
+                  <a:solidFill>
+                    <a:schemeClr val="bg1"/>
+                  </a:solidFill>
+                </a:rPr>
+                <a:t>통합데이터호스팅서버</a:t>
+              </a:r>
+              <a:endParaRPr lang="ko-KR" altLang="en-US" sz="1600" dirty="0">
+                <a:solidFill>
+                  <a:schemeClr val="bg1"/>
+                </a:solidFill>
+              </a:endParaRPr>
+            </a:p>
+          </p:txBody>
+        </p:sp>
+        <p:sp>
+          <p:nvSpPr>
+            <p:cNvPr id="88" name="TextBox 87">
+              <a:extLst>
+                <a:ext uri="{FF2B5EF4-FFF2-40B4-BE49-F238E27FC236}">
+                  <a16:creationId xmlns:a16="http://schemas.microsoft.com/office/drawing/2014/main" id="{42492ED9-A642-4FA2-9D0D-CD8B191C127E}"/>
+                </a:ext>
+              </a:extLst>
+            </p:cNvPr>
+            <p:cNvSpPr txBox="1"/>
+            <p:nvPr/>
+          </p:nvSpPr>
+          <p:spPr>
+            <a:xfrm>
+              <a:off x="1359458" y="1773390"/>
+              <a:ext cx="1517461" cy="857610"/>
+            </a:xfrm>
+            <a:prstGeom prst="rect">
+              <a:avLst/>
+            </a:prstGeom>
+            <a:noFill/>
+          </p:spPr>
+          <p:txBody>
+            <a:bodyPr wrap="square" rtlCol="0">
+              <a:spAutoFit/>
+            </a:bodyPr>
+            <a:lstStyle/>
+            <a:p>
+              <a:pPr algn="ctr"/>
+              <a:r>
+                <a:rPr lang="ko-KR" altLang="en-US" dirty="0">
+                  <a:solidFill>
+                    <a:schemeClr val="bg1"/>
+                  </a:solidFill>
+                </a:rPr>
+                <a:t>수집기</a:t>
+              </a:r>
+              <a:endParaRPr lang="en-US" altLang="ko-KR" dirty="0">
+                <a:solidFill>
+                  <a:schemeClr val="bg1"/>
+                </a:solidFill>
+              </a:endParaRPr>
+            </a:p>
+            <a:p>
+              <a:pPr algn="ctr"/>
+              <a:r>
+                <a:rPr lang="ko-KR" altLang="en-US" dirty="0">
+                  <a:solidFill>
+                    <a:schemeClr val="bg1"/>
+                  </a:solidFill>
+                </a:rPr>
+                <a:t>서버</a:t>
+              </a:r>
+            </a:p>
+          </p:txBody>
+        </p:sp>
+      </p:grpSp>
+      <p:sp>
+        <p:nvSpPr>
+          <p:cNvPr id="25" name="순서도: 처리 24">
+            <a:extLst>
+              <a:ext uri="{FF2B5EF4-FFF2-40B4-BE49-F238E27FC236}">
+                <a16:creationId xmlns:a16="http://schemas.microsoft.com/office/drawing/2014/main" id="{ABD6BA31-0FD2-4626-A9BC-D9F558A0215E}"/>
               </a:ext>
             </a:extLst>
           </p:cNvPr>
@@ -8279,7 +9344,7 @@
         </p:nvSpPr>
         <p:spPr>
           <a:xfrm>
-            <a:off x="8683269" y="823347"/>
+            <a:off x="8138857" y="2809870"/>
             <a:ext cx="3340084" cy="821287"/>
           </a:xfrm>
           <a:prstGeom prst="flowChartProcess">
@@ -8320,6 +9385,613 @@
               <a:t>향후 </a:t>
             </a:r>
             <a:r>
+              <a:rPr lang="en-US" altLang="ko-KR" dirty="0"/>
+              <a:t>Sqoop</a:t>
+            </a:r>
+            <a:r>
+              <a:rPr lang="ko-KR" altLang="en-US" dirty="0"/>
+              <a:t>을 활용한</a:t>
+            </a:r>
+            <a:endParaRPr lang="en-US" altLang="ko-KR" dirty="0"/>
+          </a:p>
+          <a:p>
+            <a:pPr algn="ctr"/>
+            <a:r>
+              <a:rPr lang="en-US" altLang="ko-KR" dirty="0" err="1"/>
+              <a:t>hadoop</a:t>
+            </a:r>
+            <a:r>
+              <a:rPr lang="ko-KR" altLang="en-US" dirty="0"/>
+              <a:t> 생태계 구축</a:t>
+            </a:r>
+          </a:p>
+        </p:txBody>
+      </p:sp>
+      <p:sp>
+        <p:nvSpPr>
+          <p:cNvPr id="26" name="순서도: 처리 25">
+            <a:extLst>
+              <a:ext uri="{FF2B5EF4-FFF2-40B4-BE49-F238E27FC236}">
+                <a16:creationId xmlns:a16="http://schemas.microsoft.com/office/drawing/2014/main" id="{8CB5263B-BF6F-44C8-9179-0761B43A5C14}"/>
+              </a:ext>
+            </a:extLst>
+          </p:cNvPr>
+          <p:cNvSpPr/>
+          <p:nvPr/>
+        </p:nvSpPr>
+        <p:spPr>
+          <a:xfrm>
+            <a:off x="8138857" y="4792549"/>
+            <a:ext cx="3340084" cy="821287"/>
+          </a:xfrm>
+          <a:prstGeom prst="flowChartProcess">
+            <a:avLst/>
+          </a:prstGeom>
+          <a:noFill/>
+          <a:ln w="9525" cap="flat" cmpd="sng" algn="ctr">
+            <a:solidFill>
+              <a:schemeClr val="accent1"/>
+            </a:solidFill>
+            <a:prstDash val="solid"/>
+            <a:round/>
+            <a:headEnd type="none" w="med" len="med"/>
+            <a:tailEnd type="none" w="med" len="med"/>
+          </a:ln>
+        </p:spPr>
+        <p:style>
+          <a:lnRef idx="0">
+            <a:scrgbClr r="0" g="0" b="0"/>
+          </a:lnRef>
+          <a:fillRef idx="0">
+            <a:scrgbClr r="0" g="0" b="0"/>
+          </a:fillRef>
+          <a:effectRef idx="0">
+            <a:scrgbClr r="0" g="0" b="0"/>
+          </a:effectRef>
+          <a:fontRef idx="minor">
+            <a:schemeClr val="accent1"/>
+          </a:fontRef>
+        </p:style>
+        <p:txBody>
+          <a:bodyPr rtlCol="0" anchor="ctr"/>
+          <a:lstStyle/>
+          <a:p>
+            <a:pPr algn="ctr"/>
+            <a:r>
+              <a:rPr lang="ko-KR" altLang="en-US" dirty="0"/>
+              <a:t>향후 </a:t>
+            </a:r>
+            <a:r>
+              <a:rPr lang="en-US" altLang="ko-KR" dirty="0"/>
+              <a:t>Spark</a:t>
+            </a:r>
+            <a:r>
+              <a:rPr lang="ko-KR" altLang="en-US" dirty="0"/>
+              <a:t>를 활용한</a:t>
+            </a:r>
+            <a:endParaRPr lang="en-US" altLang="ko-KR" dirty="0"/>
+          </a:p>
+          <a:p>
+            <a:pPr algn="ctr"/>
+            <a:r>
+              <a:rPr lang="ko-KR" altLang="en-US" dirty="0"/>
+              <a:t>분산처리</a:t>
+            </a:r>
+            <a:r>
+              <a:rPr lang="en-US" altLang="ko-KR" dirty="0"/>
+              <a:t> </a:t>
+            </a:r>
+            <a:r>
+              <a:rPr lang="ko-KR" altLang="en-US" dirty="0"/>
+              <a:t>분석 시스템 계획 중</a:t>
+            </a:r>
+            <a:endParaRPr lang="en-US" altLang="ko-KR" dirty="0"/>
+          </a:p>
+        </p:txBody>
+      </p:sp>
+      <p:grpSp>
+        <p:nvGrpSpPr>
+          <p:cNvPr id="33" name="그룹 32">
+            <a:extLst>
+              <a:ext uri="{FF2B5EF4-FFF2-40B4-BE49-F238E27FC236}">
+                <a16:creationId xmlns:a16="http://schemas.microsoft.com/office/drawing/2014/main" id="{4B72D83D-BE46-4DC3-BE0C-A691BDE413B8}"/>
+              </a:ext>
+            </a:extLst>
+          </p:cNvPr>
+          <p:cNvGrpSpPr/>
+          <p:nvPr/>
+        </p:nvGrpSpPr>
+        <p:grpSpPr>
+          <a:xfrm>
+            <a:off x="2831031" y="1428085"/>
+            <a:ext cx="1966123" cy="1915596"/>
+            <a:chOff x="1259305" y="2016405"/>
+            <a:chExt cx="2513539" cy="2513539"/>
+          </a:xfrm>
+        </p:grpSpPr>
+        <p:pic>
+          <p:nvPicPr>
+            <p:cNvPr id="34" name="Picture 12" descr="docker container icon pngì ëí ì´ë¯¸ì§ ê²ìê²°ê³¼">
+              <a:extLst>
+                <a:ext uri="{FF2B5EF4-FFF2-40B4-BE49-F238E27FC236}">
+                  <a16:creationId xmlns:a16="http://schemas.microsoft.com/office/drawing/2014/main" id="{298A9464-1BCD-4123-94B1-5EA487A9E2D4}"/>
+                </a:ext>
+              </a:extLst>
+            </p:cNvPr>
+            <p:cNvPicPr>
+              <a:picLocks noChangeAspect="1" noChangeArrowheads="1"/>
+            </p:cNvPicPr>
+            <p:nvPr/>
+          </p:nvPicPr>
+          <p:blipFill>
+            <a:blip r:embed="rId4">
+              <a:extLst>
+                <a:ext uri="{BEBA8EAE-BF5A-486C-A8C5-ECC9F3942E4B}">
+                  <a14:imgProps xmlns:a14="http://schemas.microsoft.com/office/drawing/2010/main">
+                    <a14:imgLayer r:embed="rId5">
+                      <a14:imgEffect>
+                        <a14:backgroundRemoval t="10000" b="90000" l="3429" r="92000">
+                          <a14:foregroundMark x1="14286" y1="26000" x2="9143" y2="73143"/>
+                          <a14:foregroundMark x1="7429" y1="74286" x2="7429" y2="31714"/>
+                          <a14:foregroundMark x1="8571" y1="28286" x2="5143" y2="72571"/>
+                          <a14:foregroundMark x1="5143" y1="72571" x2="4571" y2="74000"/>
+                          <a14:foregroundMark x1="10000" y1="30286" x2="27714" y2="12571"/>
+                          <a14:foregroundMark x1="27429" y1="14571" x2="90857" y2="19429"/>
+                          <a14:foregroundMark x1="66000" y1="78286" x2="71429" y2="76000"/>
+                          <a14:foregroundMark x1="76286" y1="73143" x2="68571" y2="77429"/>
+                          <a14:foregroundMark x1="88000" y1="18286" x2="91143" y2="18857"/>
+                          <a14:foregroundMark x1="90286" y1="20000" x2="92000" y2="62000"/>
+                          <a14:foregroundMark x1="29143" y1="14571" x2="24286" y2="14857"/>
+                          <a14:foregroundMark x1="7714" y1="28857" x2="5429" y2="75429"/>
+                          <a14:foregroundMark x1="7143" y1="75143" x2="52286" y2="76571"/>
+                          <a14:foregroundMark x1="52286" y1="76571" x2="93714" y2="60286"/>
+                          <a14:foregroundMark x1="93714" y1="60286" x2="85714" y2="16571"/>
+                          <a14:foregroundMark x1="85714" y1="16571" x2="40286" y2="13429"/>
+                          <a14:foregroundMark x1="40286" y1="13429" x2="3429" y2="38857"/>
+                          <a14:foregroundMark x1="3429" y1="38857" x2="5714" y2="76571"/>
+                          <a14:foregroundMark x1="59714" y1="80571" x2="65714" y2="80286"/>
+                          <a14:backgroundMark x1="9143" y1="80571" x2="55143" y2="83143"/>
+                          <a14:backgroundMark x1="78488" y1="75486" x2="90857" y2="71429"/>
+                          <a14:backgroundMark x1="55143" y1="83143" x2="58883" y2="81916"/>
+                        </a14:backgroundRemoval>
+                      </a14:imgEffect>
+                    </a14:imgLayer>
+                  </a14:imgProps>
+                </a:ext>
+                <a:ext uri="{28A0092B-C50C-407E-A947-70E740481C1C}">
+                  <a14:useLocalDpi xmlns:a14="http://schemas.microsoft.com/office/drawing/2010/main" val="0"/>
+                </a:ext>
+              </a:extLst>
+            </a:blip>
+            <a:srcRect/>
+            <a:stretch>
+              <a:fillRect/>
+            </a:stretch>
+          </p:blipFill>
+          <p:spPr bwMode="auto">
+            <a:xfrm>
+              <a:off x="1259305" y="2016405"/>
+              <a:ext cx="2513539" cy="2513539"/>
+            </a:xfrm>
+            <a:prstGeom prst="rect">
+              <a:avLst/>
+            </a:prstGeom>
+            <a:noFill/>
+            <a:extLst>
+              <a:ext uri="{909E8E84-426E-40DD-AFC4-6F175D3DCCD1}">
+                <a14:hiddenFill xmlns:a14="http://schemas.microsoft.com/office/drawing/2010/main">
+                  <a:solidFill>
+                    <a:srgbClr val="FFFFFF"/>
+                  </a:solidFill>
+                </a14:hiddenFill>
+              </a:ext>
+            </a:extLst>
+          </p:spPr>
+        </p:pic>
+        <p:sp>
+          <p:nvSpPr>
+            <p:cNvPr id="36" name="TextBox 35">
+              <a:extLst>
+                <a:ext uri="{FF2B5EF4-FFF2-40B4-BE49-F238E27FC236}">
+                  <a16:creationId xmlns:a16="http://schemas.microsoft.com/office/drawing/2014/main" id="{80C739BA-94A6-40D4-9544-B9A56992F978}"/>
+                </a:ext>
+              </a:extLst>
+            </p:cNvPr>
+            <p:cNvSpPr txBox="1"/>
+            <p:nvPr/>
+          </p:nvSpPr>
+          <p:spPr>
+            <a:xfrm>
+              <a:off x="1359459" y="2978389"/>
+              <a:ext cx="1517461" cy="686540"/>
+            </a:xfrm>
+            <a:prstGeom prst="rect">
+              <a:avLst/>
+            </a:prstGeom>
+            <a:noFill/>
+          </p:spPr>
+          <p:txBody>
+            <a:bodyPr wrap="square" rtlCol="0">
+              <a:spAutoFit/>
+            </a:bodyPr>
+            <a:lstStyle/>
+            <a:p>
+              <a:pPr algn="ctr"/>
+              <a:r>
+                <a:rPr lang="ko-KR" altLang="en-US" sz="1400" dirty="0">
+                  <a:solidFill>
+                    <a:schemeClr val="bg1"/>
+                  </a:solidFill>
+                </a:rPr>
+                <a:t>메타 데이터 </a:t>
+              </a:r>
+              <a:r>
+                <a:rPr lang="ko-KR" altLang="en-US" sz="1400" dirty="0" err="1">
+                  <a:solidFill>
+                    <a:schemeClr val="bg1"/>
+                  </a:solidFill>
+                </a:rPr>
+                <a:t>전처리</a:t>
+              </a:r>
+              <a:r>
+                <a:rPr lang="ko-KR" altLang="en-US" sz="1400" dirty="0">
+                  <a:solidFill>
+                    <a:schemeClr val="bg1"/>
+                  </a:solidFill>
+                </a:rPr>
+                <a:t> 서버</a:t>
+              </a:r>
+            </a:p>
+          </p:txBody>
+        </p:sp>
+      </p:grpSp>
+      <p:grpSp>
+        <p:nvGrpSpPr>
+          <p:cNvPr id="28" name="그룹 27">
+            <a:extLst>
+              <a:ext uri="{FF2B5EF4-FFF2-40B4-BE49-F238E27FC236}">
+                <a16:creationId xmlns:a16="http://schemas.microsoft.com/office/drawing/2014/main" id="{366851ED-2800-4A9B-9BD8-D51FB2657C4A}"/>
+              </a:ext>
+            </a:extLst>
+          </p:cNvPr>
+          <p:cNvGrpSpPr/>
+          <p:nvPr/>
+        </p:nvGrpSpPr>
+        <p:grpSpPr>
+          <a:xfrm>
+            <a:off x="4446095" y="1178752"/>
+            <a:ext cx="1966122" cy="2233546"/>
+            <a:chOff x="4463737" y="4121146"/>
+            <a:chExt cx="1966122" cy="2233546"/>
+          </a:xfrm>
+        </p:grpSpPr>
+        <p:grpSp>
+          <p:nvGrpSpPr>
+            <p:cNvPr id="29" name="그룹 28">
+              <a:extLst>
+                <a:ext uri="{FF2B5EF4-FFF2-40B4-BE49-F238E27FC236}">
+                  <a16:creationId xmlns:a16="http://schemas.microsoft.com/office/drawing/2014/main" id="{94FA2536-12DC-458E-8BC7-F53494D3D51B}"/>
+                </a:ext>
+              </a:extLst>
+            </p:cNvPr>
+            <p:cNvGrpSpPr/>
+            <p:nvPr/>
+          </p:nvGrpSpPr>
+          <p:grpSpPr>
+            <a:xfrm>
+              <a:off x="4463737" y="4439097"/>
+              <a:ext cx="1966122" cy="1915595"/>
+              <a:chOff x="4855906" y="1049623"/>
+              <a:chExt cx="2513538" cy="2513538"/>
+            </a:xfrm>
+          </p:grpSpPr>
+          <p:pic>
+            <p:nvPicPr>
+              <p:cNvPr id="31" name="Picture 12" descr="docker container icon pngì ëí ì´ë¯¸ì§ ê²ìê²°ê³¼">
+                <a:extLst>
+                  <a:ext uri="{FF2B5EF4-FFF2-40B4-BE49-F238E27FC236}">
+                    <a16:creationId xmlns:a16="http://schemas.microsoft.com/office/drawing/2014/main" id="{B56978DA-E3FC-4C22-A8FF-51366B25BB7A}"/>
+                  </a:ext>
+                </a:extLst>
+              </p:cNvPr>
+              <p:cNvPicPr>
+                <a:picLocks noChangeAspect="1" noChangeArrowheads="1"/>
+              </p:cNvPicPr>
+              <p:nvPr/>
+            </p:nvPicPr>
+            <p:blipFill>
+              <a:blip r:embed="rId4">
+                <a:extLst>
+                  <a:ext uri="{BEBA8EAE-BF5A-486C-A8C5-ECC9F3942E4B}">
+                    <a14:imgProps xmlns:a14="http://schemas.microsoft.com/office/drawing/2010/main">
+                      <a14:imgLayer r:embed="rId5">
+                        <a14:imgEffect>
+                          <a14:backgroundRemoval t="10000" b="90000" l="3429" r="92000">
+                            <a14:foregroundMark x1="14286" y1="26000" x2="9143" y2="73143"/>
+                            <a14:foregroundMark x1="7429" y1="74286" x2="7429" y2="31714"/>
+                            <a14:foregroundMark x1="8571" y1="28286" x2="5143" y2="72571"/>
+                            <a14:foregroundMark x1="5143" y1="72571" x2="4571" y2="74000"/>
+                            <a14:foregroundMark x1="10000" y1="30286" x2="27714" y2="12571"/>
+                            <a14:foregroundMark x1="27429" y1="14571" x2="90857" y2="19429"/>
+                            <a14:foregroundMark x1="66000" y1="78286" x2="71429" y2="76000"/>
+                            <a14:foregroundMark x1="76286" y1="73143" x2="68571" y2="77429"/>
+                            <a14:foregroundMark x1="88000" y1="18286" x2="91143" y2="18857"/>
+                            <a14:foregroundMark x1="90286" y1="20000" x2="92000" y2="62000"/>
+                            <a14:foregroundMark x1="29143" y1="14571" x2="24286" y2="14857"/>
+                            <a14:foregroundMark x1="7714" y1="28857" x2="5429" y2="75429"/>
+                            <a14:foregroundMark x1="7143" y1="75143" x2="52286" y2="76571"/>
+                            <a14:foregroundMark x1="52286" y1="76571" x2="93714" y2="60286"/>
+                            <a14:foregroundMark x1="93714" y1="60286" x2="85714" y2="16571"/>
+                            <a14:foregroundMark x1="85714" y1="16571" x2="40286" y2="13429"/>
+                            <a14:foregroundMark x1="40286" y1="13429" x2="3429" y2="38857"/>
+                            <a14:foregroundMark x1="3429" y1="38857" x2="5714" y2="76571"/>
+                            <a14:foregroundMark x1="59714" y1="80571" x2="65714" y2="80286"/>
+                            <a14:backgroundMark x1="9143" y1="80571" x2="55143" y2="83143"/>
+                            <a14:backgroundMark x1="78488" y1="75486" x2="90857" y2="71429"/>
+                            <a14:backgroundMark x1="55143" y1="83143" x2="58883" y2="81916"/>
+                          </a14:backgroundRemoval>
+                        </a14:imgEffect>
+                      </a14:imgLayer>
+                    </a14:imgProps>
+                  </a:ext>
+                  <a:ext uri="{28A0092B-C50C-407E-A947-70E740481C1C}">
+                    <a14:useLocalDpi xmlns:a14="http://schemas.microsoft.com/office/drawing/2010/main" val="0"/>
+                  </a:ext>
+                </a:extLst>
+              </a:blip>
+              <a:srcRect/>
+              <a:stretch>
+                <a:fillRect/>
+              </a:stretch>
+            </p:blipFill>
+            <p:spPr bwMode="auto">
+              <a:xfrm>
+                <a:off x="4855906" y="1049623"/>
+                <a:ext cx="2513538" cy="2513538"/>
+              </a:xfrm>
+              <a:prstGeom prst="rect">
+                <a:avLst/>
+              </a:prstGeom>
+              <a:noFill/>
+              <a:extLst>
+                <a:ext uri="{909E8E84-426E-40DD-AFC4-6F175D3DCCD1}">
+                  <a14:hiddenFill xmlns:a14="http://schemas.microsoft.com/office/drawing/2010/main">
+                    <a:solidFill>
+                      <a:srgbClr val="FFFFFF"/>
+                    </a:solidFill>
+                  </a14:hiddenFill>
+                </a:ext>
+              </a:extLst>
+            </p:spPr>
+          </p:pic>
+          <p:sp>
+            <p:nvSpPr>
+              <p:cNvPr id="32" name="TextBox 31">
+                <a:extLst>
+                  <a:ext uri="{FF2B5EF4-FFF2-40B4-BE49-F238E27FC236}">
+                    <a16:creationId xmlns:a16="http://schemas.microsoft.com/office/drawing/2014/main" id="{1889469E-4AEC-41DE-978B-F0A78D676DA6}"/>
+                  </a:ext>
+                </a:extLst>
+              </p:cNvPr>
+              <p:cNvSpPr txBox="1"/>
+              <p:nvPr/>
+            </p:nvSpPr>
+            <p:spPr>
+              <a:xfrm>
+                <a:off x="5001769" y="2070630"/>
+                <a:ext cx="1606165" cy="686540"/>
+              </a:xfrm>
+              <a:prstGeom prst="rect">
+                <a:avLst/>
+              </a:prstGeom>
+              <a:noFill/>
+            </p:spPr>
+            <p:txBody>
+              <a:bodyPr wrap="square" rtlCol="0">
+                <a:spAutoFit/>
+              </a:bodyPr>
+              <a:lstStyle/>
+              <a:p>
+                <a:pPr algn="ctr"/>
+                <a:r>
+                  <a:rPr lang="en-US" altLang="ko-KR" sz="1400" dirty="0">
+                    <a:solidFill>
+                      <a:schemeClr val="bg1"/>
+                    </a:solidFill>
+                  </a:rPr>
+                  <a:t>2</a:t>
+                </a:r>
+                <a:r>
+                  <a:rPr lang="ko-KR" altLang="en-US" sz="1400" dirty="0">
+                    <a:solidFill>
+                      <a:schemeClr val="bg1"/>
+                    </a:solidFill>
+                  </a:rPr>
+                  <a:t>차</a:t>
+                </a:r>
+                <a:endParaRPr lang="en-US" altLang="ko-KR" sz="1400" dirty="0">
+                  <a:solidFill>
+                    <a:schemeClr val="bg1"/>
+                  </a:solidFill>
+                </a:endParaRPr>
+              </a:p>
+              <a:p>
+                <a:pPr algn="ctr"/>
+                <a:r>
+                  <a:rPr lang="ko-KR" altLang="en-US" sz="1400" dirty="0">
+                    <a:solidFill>
+                      <a:schemeClr val="bg1"/>
+                    </a:solidFill>
+                  </a:rPr>
+                  <a:t>데이터베이스</a:t>
+                </a:r>
+              </a:p>
+            </p:txBody>
+          </p:sp>
+        </p:grpSp>
+        <p:pic>
+          <p:nvPicPr>
+            <p:cNvPr id="30" name="Picture 12" descr="ë°ì´í° ë² ì´ì¤ ìì´ì½ pngì ëí ì´ë¯¸ì§ ê²ìê²°ê³¼">
+              <a:extLst>
+                <a:ext uri="{FF2B5EF4-FFF2-40B4-BE49-F238E27FC236}">
+                  <a16:creationId xmlns:a16="http://schemas.microsoft.com/office/drawing/2014/main" id="{F8564725-FE5F-408D-99A6-C7417549F77E}"/>
+                </a:ext>
+              </a:extLst>
+            </p:cNvPr>
+            <p:cNvPicPr>
+              <a:picLocks noChangeAspect="1" noChangeArrowheads="1"/>
+            </p:cNvPicPr>
+            <p:nvPr/>
+          </p:nvPicPr>
+          <p:blipFill>
+            <a:blip r:embed="rId7">
+              <a:extLst>
+                <a:ext uri="{BEBA8EAE-BF5A-486C-A8C5-ECC9F3942E4B}">
+                  <a14:imgProps xmlns:a14="http://schemas.microsoft.com/office/drawing/2010/main">
+                    <a14:imgLayer r:embed="rId8">
+                      <a14:imgEffect>
+                        <a14:backgroundRemoval t="4889" b="93778" l="7556" r="90667">
+                          <a14:foregroundMark x1="10667" y1="16000" x2="24756" y2="85644"/>
+                          <a14:foregroundMark x1="78944" y1="81796" x2="94222" y2="65778"/>
+                          <a14:foregroundMark x1="94222" y1="65778" x2="80444" y2="28889"/>
+                          <a14:foregroundMark x1="80444" y1="28889" x2="50222" y2="4889"/>
+                          <a14:foregroundMark x1="50222" y1="4889" x2="21333" y2="20000"/>
+                          <a14:foregroundMark x1="25333" y1="29333" x2="16000" y2="53778"/>
+                          <a14:foregroundMark x1="32444" y1="30222" x2="28889" y2="52000"/>
+                          <a14:foregroundMark x1="49778" y1="27556" x2="23111" y2="70222"/>
+                          <a14:foregroundMark x1="51556" y1="30222" x2="29333" y2="72000"/>
+                          <a14:foregroundMark x1="29333" y1="72000" x2="40000" y2="63556"/>
+                          <a14:foregroundMark x1="66667" y1="31556" x2="50222" y2="69333"/>
+                          <a14:foregroundMark x1="50222" y1="69333" x2="54222" y2="67111"/>
+                          <a14:foregroundMark x1="69778" y1="38667" x2="52000" y2="73778"/>
+                          <a14:foregroundMark x1="52000" y1="73778" x2="60000" y2="56000"/>
+                          <a14:foregroundMark x1="64444" y1="41778" x2="74222" y2="71556"/>
+                          <a14:foregroundMark x1="83556" y1="24444" x2="85333" y2="66222"/>
+                          <a14:foregroundMark x1="81778" y1="24444" x2="87556" y2="59111"/>
+                          <a14:foregroundMark x1="84444" y1="24889" x2="87556" y2="54667"/>
+                          <a14:foregroundMark x1="82667" y1="38667" x2="85373" y2="82348"/>
+                          <a14:foregroundMark x1="89333" y1="56444" x2="75370" y2="84029"/>
+                          <a14:foregroundMark x1="50170" y1="89643" x2="11111" y2="73333"/>
+                          <a14:foregroundMark x1="14667" y1="32000" x2="17778" y2="72000"/>
+                          <a14:foregroundMark x1="8000" y1="38667" x2="19111" y2="68000"/>
+                          <a14:foregroundMark x1="9778" y1="54222" x2="16444" y2="73333"/>
+                          <a14:foregroundMark x1="11111" y1="48889" x2="9333" y2="68000"/>
+                          <a14:foregroundMark x1="7556" y1="30222" x2="14667" y2="60889"/>
+                          <a14:foregroundMark x1="14222" y1="31111" x2="20444" y2="71556"/>
+                          <a14:foregroundMark x1="20444" y1="71556" x2="23111" y2="70222"/>
+                          <a14:foregroundMark x1="14667" y1="19556" x2="14222" y2="58667"/>
+                          <a14:foregroundMark x1="14222" y1="58667" x2="19111" y2="59556"/>
+                          <a14:foregroundMark x1="49778" y1="31556" x2="57778" y2="76889"/>
+                          <a14:foregroundMark x1="57778" y1="76889" x2="61778" y2="74667"/>
+                          <a14:foregroundMark x1="69778" y1="59556" x2="58222" y2="84444"/>
+                          <a14:foregroundMark x1="24889" y1="71111" x2="50667" y2="66667"/>
+                          <a14:foregroundMark x1="30667" y1="75111" x2="64889" y2="70222"/>
+                          <a14:foregroundMark x1="39111" y1="78667" x2="60000" y2="76444"/>
+                          <a14:foregroundMark x1="49333" y1="78222" x2="67111" y2="80000"/>
+                          <a14:foregroundMark x1="45778" y1="83556" x2="67111" y2="78667"/>
+                          <a14:foregroundMark x1="34635" y1="88310" x2="37778" y2="88889"/>
+                          <a14:foregroundMark x1="20000" y1="85333" x2="58222" y2="92000"/>
+                          <a14:foregroundMark x1="58222" y1="92000" x2="63111" y2="94222"/>
+                          <a14:foregroundMark x1="13333" y1="20889" x2="10667" y2="19556"/>
+                          <a14:foregroundMark x1="37778" y1="24444" x2="67111" y2="31556"/>
+                          <a14:foregroundMark x1="90667" y1="79111" x2="69333" y2="91111"/>
+                          <a14:backgroundMark x1="89333" y1="90667" x2="87977" y2="89039"/>
+                          <a14:backgroundMark x1="83622" y1="91489" x2="79111" y2="96000"/>
+                          <a14:backgroundMark x1="72535" y1="94499" x2="64444" y2="99556"/>
+                          <a14:backgroundMark x1="47722" y1="97084" x2="41778" y2="98222"/>
+                          <a14:backgroundMark x1="32000" y1="99556" x2="17333" y2="92889"/>
+                          <a14:backgroundMark x1="26222" y1="95556" x2="41778" y2="97333"/>
+                        </a14:backgroundRemoval>
+                      </a14:imgEffect>
+                    </a14:imgLayer>
+                  </a14:imgProps>
+                </a:ext>
+                <a:ext uri="{28A0092B-C50C-407E-A947-70E740481C1C}">
+                  <a14:useLocalDpi xmlns:a14="http://schemas.microsoft.com/office/drawing/2010/main" val="0"/>
+                </a:ext>
+              </a:extLst>
+            </a:blip>
+            <a:srcRect/>
+            <a:stretch>
+              <a:fillRect/>
+            </a:stretch>
+          </p:blipFill>
+          <p:spPr bwMode="auto">
+            <a:xfrm>
+              <a:off x="4979516" y="4121146"/>
+              <a:ext cx="987221" cy="987221"/>
+            </a:xfrm>
+            <a:prstGeom prst="rect">
+              <a:avLst/>
+            </a:prstGeom>
+            <a:noFill/>
+            <a:extLst>
+              <a:ext uri="{909E8E84-426E-40DD-AFC4-6F175D3DCCD1}">
+                <a14:hiddenFill xmlns:a14="http://schemas.microsoft.com/office/drawing/2010/main">
+                  <a:solidFill>
+                    <a:srgbClr val="FFFFFF"/>
+                  </a:solidFill>
+                </a14:hiddenFill>
+              </a:ext>
+            </a:extLst>
+          </p:spPr>
+        </p:pic>
+      </p:grpSp>
+      <p:sp>
+        <p:nvSpPr>
+          <p:cNvPr id="37" name="순서도: 처리 36">
+            <a:extLst>
+              <a:ext uri="{FF2B5EF4-FFF2-40B4-BE49-F238E27FC236}">
+                <a16:creationId xmlns:a16="http://schemas.microsoft.com/office/drawing/2014/main" id="{A3898ED6-8F41-4D1C-8BB6-C6125D7FD2CB}"/>
+              </a:ext>
+            </a:extLst>
+          </p:cNvPr>
+          <p:cNvSpPr/>
+          <p:nvPr/>
+        </p:nvSpPr>
+        <p:spPr>
+          <a:xfrm>
+            <a:off x="8138857" y="826466"/>
+            <a:ext cx="3340084" cy="821287"/>
+          </a:xfrm>
+          <a:prstGeom prst="flowChartProcess">
+            <a:avLst/>
+          </a:prstGeom>
+          <a:noFill/>
+          <a:ln w="9525" cap="flat" cmpd="sng" algn="ctr">
+            <a:solidFill>
+              <a:schemeClr val="accent1"/>
+            </a:solidFill>
+            <a:prstDash val="solid"/>
+            <a:round/>
+            <a:headEnd type="none" w="med" len="med"/>
+            <a:tailEnd type="none" w="med" len="med"/>
+          </a:ln>
+        </p:spPr>
+        <p:style>
+          <a:lnRef idx="0">
+            <a:scrgbClr r="0" g="0" b="0"/>
+          </a:lnRef>
+          <a:fillRef idx="0">
+            <a:scrgbClr r="0" g="0" b="0"/>
+          </a:fillRef>
+          <a:effectRef idx="0">
+            <a:scrgbClr r="0" g="0" b="0"/>
+          </a:effectRef>
+          <a:fontRef idx="minor">
+            <a:schemeClr val="accent1"/>
+          </a:fontRef>
+        </p:style>
+        <p:txBody>
+          <a:bodyPr rtlCol="0" anchor="ctr"/>
+          <a:lstStyle/>
+          <a:p>
+            <a:pPr algn="ctr"/>
+            <a:r>
+              <a:rPr lang="ko-KR" altLang="en-US" dirty="0"/>
+              <a:t>향후 </a:t>
+            </a:r>
+            <a:r>
               <a:rPr lang="en-US" altLang="ko-KR" dirty="0" err="1"/>
               <a:t>kubernetes</a:t>
             </a:r>
@@ -8333,22 +10005,17 @@
             </a:r>
             <a:r>
               <a:rPr lang="ko-KR" altLang="en-US" dirty="0"/>
-              <a:t>운영 </a:t>
-            </a:r>
-            <a:r>
-              <a:rPr lang="ko-KR" altLang="en-US" dirty="0" err="1"/>
-              <a:t>계획중</a:t>
-            </a:r>
-            <a:endParaRPr lang="ko-KR" altLang="en-US" dirty="0"/>
+              <a:t>운영 계획 중</a:t>
+            </a:r>
           </a:p>
         </p:txBody>
       </p:sp>
       <p:pic>
         <p:nvPicPr>
-          <p:cNvPr id="57" name="Picture 4" descr="ìë² ìì´ì½ pngì ëí ì´ë¯¸ì§ ê²ìê²°ê³¼">
-            <a:extLst>
-              <a:ext uri="{FF2B5EF4-FFF2-40B4-BE49-F238E27FC236}">
-                <a16:creationId xmlns:a16="http://schemas.microsoft.com/office/drawing/2014/main" id="{73707B4D-BCD8-41DD-928B-F253994AAFF3}"/>
+          <p:cNvPr id="3074" name="Picture 2" descr="sqoop logo pngì ëí ì´ë¯¸ì§ ê²ìê²°ê³¼">
+            <a:extLst>
+              <a:ext uri="{FF2B5EF4-FFF2-40B4-BE49-F238E27FC236}">
+                <a16:creationId xmlns:a16="http://schemas.microsoft.com/office/drawing/2014/main" id="{19D8F6DC-3EBA-4BAA-A042-CDC39FAE1D36}"/>
               </a:ext>
             </a:extLst>
           </p:cNvPr>
@@ -8358,7 +10025,7 @@
           <p:nvPr/>
         </p:nvPicPr>
         <p:blipFill>
-          <a:blip r:embed="rId3">
+          <a:blip r:embed="rId9">
             <a:extLst>
               <a:ext uri="{28A0092B-C50C-407E-A947-70E740481C1C}">
                 <a14:useLocalDpi xmlns:a14="http://schemas.microsoft.com/office/drawing/2010/main" val="0"/>
@@ -8372,8 +10039,8 @@
         </p:blipFill>
         <p:spPr bwMode="auto">
           <a:xfrm>
-            <a:off x="5282562" y="-642074"/>
-            <a:ext cx="1170984" cy="1804997"/>
+            <a:off x="9782069" y="3666847"/>
+            <a:ext cx="1696872" cy="449406"/>
           </a:xfrm>
           <a:prstGeom prst="rect">
             <a:avLst/>
@@ -8390,12 +10057,63 @@
           </a:extLst>
         </p:spPr>
       </p:pic>
+      <p:sp>
+        <p:nvSpPr>
+          <p:cNvPr id="3" name="TextBox 2">
+            <a:extLst>
+              <a:ext uri="{FF2B5EF4-FFF2-40B4-BE49-F238E27FC236}">
+                <a16:creationId xmlns:a16="http://schemas.microsoft.com/office/drawing/2014/main" id="{A44983DE-1BA4-4A0F-A054-BBAFE470D0D9}"/>
+              </a:ext>
+            </a:extLst>
+          </p:cNvPr>
+          <p:cNvSpPr txBox="1"/>
+          <p:nvPr/>
+        </p:nvSpPr>
+        <p:spPr>
+          <a:xfrm>
+            <a:off x="9110883" y="4143903"/>
+            <a:ext cx="2487376" cy="230832"/>
+          </a:xfrm>
+          <a:prstGeom prst="rect">
+            <a:avLst/>
+          </a:prstGeom>
+          <a:noFill/>
+        </p:spPr>
+        <p:txBody>
+          <a:bodyPr wrap="square" rtlCol="0">
+            <a:spAutoFit/>
+          </a:bodyPr>
+          <a:lstStyle/>
+          <a:p>
+            <a:r>
+              <a:rPr lang="en-US" altLang="ko-KR" sz="900" dirty="0"/>
+              <a:t>Sqoop : RDMBS</a:t>
+            </a:r>
+            <a:r>
+              <a:rPr lang="ko-KR" altLang="en-US" sz="900" dirty="0"/>
+              <a:t> 데이터 </a:t>
+            </a:r>
+            <a:r>
+              <a:rPr lang="en-US" altLang="ko-KR" sz="900" dirty="0"/>
+              <a:t>-&gt; </a:t>
+            </a:r>
+            <a:r>
+              <a:rPr lang="ko-KR" altLang="en-US" sz="900" dirty="0" err="1"/>
+              <a:t>하둡데이터</a:t>
+            </a:r>
+            <a:r>
+              <a:rPr lang="ko-KR" altLang="en-US" sz="900" dirty="0"/>
+              <a:t> 변환</a:t>
+            </a:r>
+          </a:p>
+        </p:txBody>
+      </p:sp>
       <p:pic>
         <p:nvPicPr>
-          <p:cNvPr id="71" name="Picture 12" descr="docker container icon pngì ëí ì´ë¯¸ì§ ê²ìê²°ê³¼">
-            <a:extLst>
-              <a:ext uri="{FF2B5EF4-FFF2-40B4-BE49-F238E27FC236}">
-                <a16:creationId xmlns:a16="http://schemas.microsoft.com/office/drawing/2014/main" id="{C6CC9D87-2FD0-43FA-ACF0-513EAD52B9FA}"/>
+          <p:cNvPr id="3076" name="Picture 4" descr="apache sparkì ëí ì´ë¯¸ì§ ê²ìê²°ê³¼">
+            <a:extLst>
+              <a:ext uri="{FF2B5EF4-FFF2-40B4-BE49-F238E27FC236}">
+                <a16:creationId xmlns:a16="http://schemas.microsoft.com/office/drawing/2014/main" id="{9B1F775B-50C0-49B1-953A-3750EC97502B}"/>
               </a:ext>
             </a:extLst>
           </p:cNvPr>
@@ -8405,40 +10123,8 @@
           <p:nvPr/>
         </p:nvPicPr>
         <p:blipFill>
-          <a:blip r:embed="rId5">
-            <a:extLst>
-              <a:ext uri="{BEBA8EAE-BF5A-486C-A8C5-ECC9F3942E4B}">
-                <a14:imgProps xmlns:a14="http://schemas.microsoft.com/office/drawing/2010/main">
-                  <a14:imgLayer r:embed="rId6">
-                    <a14:imgEffect>
-                      <a14:backgroundRemoval t="10000" b="90000" l="3429" r="92000">
-                        <a14:foregroundMark x1="14286" y1="26000" x2="9143" y2="73143"/>
-                        <a14:foregroundMark x1="7429" y1="74286" x2="7429" y2="31714"/>
-                        <a14:foregroundMark x1="8571" y1="28286" x2="5143" y2="72571"/>
-                        <a14:foregroundMark x1="5143" y1="72571" x2="4571" y2="74000"/>
-                        <a14:foregroundMark x1="10000" y1="30286" x2="27714" y2="12571"/>
-                        <a14:foregroundMark x1="27429" y1="14571" x2="90857" y2="19429"/>
-                        <a14:foregroundMark x1="66000" y1="78286" x2="71429" y2="76000"/>
-                        <a14:foregroundMark x1="76286" y1="73143" x2="68571" y2="77429"/>
-                        <a14:foregroundMark x1="88000" y1="18286" x2="91143" y2="18857"/>
-                        <a14:foregroundMark x1="90286" y1="20000" x2="92000" y2="62000"/>
-                        <a14:foregroundMark x1="29143" y1="14571" x2="24286" y2="14857"/>
-                        <a14:foregroundMark x1="7714" y1="28857" x2="5429" y2="75429"/>
-                        <a14:foregroundMark x1="7143" y1="75143" x2="52286" y2="76571"/>
-                        <a14:foregroundMark x1="52286" y1="76571" x2="93714" y2="60286"/>
-                        <a14:foregroundMark x1="93714" y1="60286" x2="85714" y2="16571"/>
-                        <a14:foregroundMark x1="85714" y1="16571" x2="40286" y2="13429"/>
-                        <a14:foregroundMark x1="40286" y1="13429" x2="3429" y2="38857"/>
-                        <a14:foregroundMark x1="3429" y1="38857" x2="5714" y2="76571"/>
-                        <a14:foregroundMark x1="59714" y1="80571" x2="65714" y2="80286"/>
-                        <a14:backgroundMark x1="9143" y1="80571" x2="55143" y2="83143"/>
-                        <a14:backgroundMark x1="78488" y1="75486" x2="90857" y2="71429"/>
-                        <a14:backgroundMark x1="55143" y1="83143" x2="58883" y2="81916"/>
-                      </a14:backgroundRemoval>
-                    </a14:imgEffect>
-                  </a14:imgLayer>
-                </a14:imgProps>
-              </a:ext>
+          <a:blip r:embed="rId10">
+            <a:extLst>
               <a:ext uri="{28A0092B-C50C-407E-A947-70E740481C1C}">
                 <a14:useLocalDpi xmlns:a14="http://schemas.microsoft.com/office/drawing/2010/main" val="0"/>
               </a:ext>
@@ -8451,8 +10137,8 @@
         </p:blipFill>
         <p:spPr bwMode="auto">
           <a:xfrm>
-            <a:off x="1259305" y="2016405"/>
-            <a:ext cx="2513539" cy="2513539"/>
+            <a:off x="10365843" y="5736002"/>
+            <a:ext cx="1113098" cy="591064"/>
           </a:xfrm>
           <a:prstGeom prst="rect">
             <a:avLst/>
@@ -8469,791 +10155,6 @@
           </a:extLst>
         </p:spPr>
       </p:pic>
-      <p:pic>
-        <p:nvPicPr>
-          <p:cNvPr id="70" name="Picture 12" descr="docker container icon pngì ëí ì´ë¯¸ì§ ê²ìê²°ê³¼">
-            <a:extLst>
-              <a:ext uri="{FF2B5EF4-FFF2-40B4-BE49-F238E27FC236}">
-                <a16:creationId xmlns:a16="http://schemas.microsoft.com/office/drawing/2014/main" id="{BD2855BA-85BE-43BB-8315-DE14BC804388}"/>
-              </a:ext>
-            </a:extLst>
-          </p:cNvPr>
-          <p:cNvPicPr>
-            <a:picLocks noChangeAspect="1" noChangeArrowheads="1"/>
-          </p:cNvPicPr>
-          <p:nvPr/>
-        </p:nvPicPr>
-        <p:blipFill>
-          <a:blip r:embed="rId5">
-            <a:extLst>
-              <a:ext uri="{BEBA8EAE-BF5A-486C-A8C5-ECC9F3942E4B}">
-                <a14:imgProps xmlns:a14="http://schemas.microsoft.com/office/drawing/2010/main">
-                  <a14:imgLayer r:embed="rId6">
-                    <a14:imgEffect>
-                      <a14:backgroundRemoval t="10000" b="90000" l="3429" r="92000">
-                        <a14:foregroundMark x1="14286" y1="26000" x2="9143" y2="73143"/>
-                        <a14:foregroundMark x1="7429" y1="74286" x2="7429" y2="31714"/>
-                        <a14:foregroundMark x1="8571" y1="28286" x2="5143" y2="72571"/>
-                        <a14:foregroundMark x1="5143" y1="72571" x2="4571" y2="74000"/>
-                        <a14:foregroundMark x1="10000" y1="30286" x2="27714" y2="12571"/>
-                        <a14:foregroundMark x1="27429" y1="14571" x2="90857" y2="19429"/>
-                        <a14:foregroundMark x1="66000" y1="78286" x2="71429" y2="76000"/>
-                        <a14:foregroundMark x1="76286" y1="73143" x2="68571" y2="77429"/>
-                        <a14:foregroundMark x1="88000" y1="18286" x2="91143" y2="18857"/>
-                        <a14:foregroundMark x1="90286" y1="20000" x2="92000" y2="62000"/>
-                        <a14:foregroundMark x1="29143" y1="14571" x2="24286" y2="14857"/>
-                        <a14:foregroundMark x1="7714" y1="28857" x2="5429" y2="75429"/>
-                        <a14:foregroundMark x1="7143" y1="75143" x2="52286" y2="76571"/>
-                        <a14:foregroundMark x1="52286" y1="76571" x2="93714" y2="60286"/>
-                        <a14:foregroundMark x1="93714" y1="60286" x2="85714" y2="16571"/>
-                        <a14:foregroundMark x1="85714" y1="16571" x2="40286" y2="13429"/>
-                        <a14:foregroundMark x1="40286" y1="13429" x2="3429" y2="38857"/>
-                        <a14:foregroundMark x1="3429" y1="38857" x2="5714" y2="76571"/>
-                        <a14:foregroundMark x1="59714" y1="80571" x2="65714" y2="80286"/>
-                        <a14:backgroundMark x1="9143" y1="80571" x2="55143" y2="83143"/>
-                        <a14:backgroundMark x1="78488" y1="75486" x2="90857" y2="71429"/>
-                        <a14:backgroundMark x1="55143" y1="83143" x2="58883" y2="81916"/>
-                      </a14:backgroundRemoval>
-                    </a14:imgEffect>
-                  </a14:imgLayer>
-                </a14:imgProps>
-              </a:ext>
-              <a:ext uri="{28A0092B-C50C-407E-A947-70E740481C1C}">
-                <a14:useLocalDpi xmlns:a14="http://schemas.microsoft.com/office/drawing/2010/main" val="0"/>
-              </a:ext>
-            </a:extLst>
-          </a:blip>
-          <a:srcRect/>
-          <a:stretch>
-            <a:fillRect/>
-          </a:stretch>
-        </p:blipFill>
-        <p:spPr bwMode="auto">
-          <a:xfrm>
-            <a:off x="1232205" y="811407"/>
-            <a:ext cx="2513538" cy="2513538"/>
-          </a:xfrm>
-          <a:prstGeom prst="rect">
-            <a:avLst/>
-          </a:prstGeom>
-          <a:noFill/>
-          <a:extLst>
-            <a:ext uri="{909E8E84-426E-40DD-AFC4-6F175D3DCCD1}">
-              <a14:hiddenFill xmlns:a14="http://schemas.microsoft.com/office/drawing/2010/main">
-                <a:solidFill>
-                  <a:srgbClr val="FFFFFF"/>
-                </a:solidFill>
-              </a14:hiddenFill>
-            </a:ext>
-          </a:extLst>
-        </p:spPr>
-      </p:pic>
-      <p:pic>
-        <p:nvPicPr>
-          <p:cNvPr id="75" name="Picture 12" descr="docker container icon pngì ëí ì´ë¯¸ì§ ê²ìê²°ê³¼">
-            <a:extLst>
-              <a:ext uri="{FF2B5EF4-FFF2-40B4-BE49-F238E27FC236}">
-                <a16:creationId xmlns:a16="http://schemas.microsoft.com/office/drawing/2014/main" id="{00B87A18-96AA-4CC9-A214-1F82CF2B7430}"/>
-              </a:ext>
-            </a:extLst>
-          </p:cNvPr>
-          <p:cNvPicPr>
-            <a:picLocks noChangeAspect="1" noChangeArrowheads="1"/>
-          </p:cNvPicPr>
-          <p:nvPr/>
-        </p:nvPicPr>
-        <p:blipFill>
-          <a:blip r:embed="rId5">
-            <a:extLst>
-              <a:ext uri="{BEBA8EAE-BF5A-486C-A8C5-ECC9F3942E4B}">
-                <a14:imgProps xmlns:a14="http://schemas.microsoft.com/office/drawing/2010/main">
-                  <a14:imgLayer r:embed="rId6">
-                    <a14:imgEffect>
-                      <a14:backgroundRemoval t="10000" b="90000" l="3429" r="92000">
-                        <a14:foregroundMark x1="14286" y1="26000" x2="9143" y2="73143"/>
-                        <a14:foregroundMark x1="7429" y1="74286" x2="7429" y2="31714"/>
-                        <a14:foregroundMark x1="8571" y1="28286" x2="5143" y2="72571"/>
-                        <a14:foregroundMark x1="5143" y1="72571" x2="4571" y2="74000"/>
-                        <a14:foregroundMark x1="10000" y1="30286" x2="27714" y2="12571"/>
-                        <a14:foregroundMark x1="27429" y1="14571" x2="90857" y2="19429"/>
-                        <a14:foregroundMark x1="66000" y1="78286" x2="71429" y2="76000"/>
-                        <a14:foregroundMark x1="76286" y1="73143" x2="68571" y2="77429"/>
-                        <a14:foregroundMark x1="88000" y1="18286" x2="91143" y2="18857"/>
-                        <a14:foregroundMark x1="90286" y1="20000" x2="92000" y2="62000"/>
-                        <a14:foregroundMark x1="29143" y1="14571" x2="24286" y2="14857"/>
-                        <a14:foregroundMark x1="7714" y1="28857" x2="5429" y2="75429"/>
-                        <a14:foregroundMark x1="7143" y1="75143" x2="52286" y2="76571"/>
-                        <a14:foregroundMark x1="52286" y1="76571" x2="93714" y2="60286"/>
-                        <a14:foregroundMark x1="93714" y1="60286" x2="85714" y2="16571"/>
-                        <a14:foregroundMark x1="85714" y1="16571" x2="40286" y2="13429"/>
-                        <a14:foregroundMark x1="40286" y1="13429" x2="3429" y2="38857"/>
-                        <a14:foregroundMark x1="3429" y1="38857" x2="5714" y2="76571"/>
-                        <a14:foregroundMark x1="59714" y1="80571" x2="65714" y2="80286"/>
-                        <a14:backgroundMark x1="9143" y1="80571" x2="55143" y2="83143"/>
-                        <a14:backgroundMark x1="78488" y1="75486" x2="90857" y2="71429"/>
-                        <a14:backgroundMark x1="55143" y1="83143" x2="58883" y2="81916"/>
-                      </a14:backgroundRemoval>
-                    </a14:imgEffect>
-                  </a14:imgLayer>
-                </a14:imgProps>
-              </a:ext>
-              <a:ext uri="{28A0092B-C50C-407E-A947-70E740481C1C}">
-                <a14:useLocalDpi xmlns:a14="http://schemas.microsoft.com/office/drawing/2010/main" val="0"/>
-              </a:ext>
-            </a:extLst>
-          </a:blip>
-          <a:srcRect/>
-          <a:stretch>
-            <a:fillRect/>
-          </a:stretch>
-        </p:blipFill>
-        <p:spPr bwMode="auto">
-          <a:xfrm>
-            <a:off x="3097630" y="2130705"/>
-            <a:ext cx="2513539" cy="2513539"/>
-          </a:xfrm>
-          <a:prstGeom prst="rect">
-            <a:avLst/>
-          </a:prstGeom>
-          <a:noFill/>
-          <a:extLst>
-            <a:ext uri="{909E8E84-426E-40DD-AFC4-6F175D3DCCD1}">
-              <a14:hiddenFill xmlns:a14="http://schemas.microsoft.com/office/drawing/2010/main">
-                <a:solidFill>
-                  <a:srgbClr val="FFFFFF"/>
-                </a:solidFill>
-              </a14:hiddenFill>
-            </a:ext>
-          </a:extLst>
-        </p:spPr>
-      </p:pic>
-      <p:pic>
-        <p:nvPicPr>
-          <p:cNvPr id="76" name="Picture 12" descr="docker container icon pngì ëí ì´ë¯¸ì§ ê²ìê²°ê³¼">
-            <a:extLst>
-              <a:ext uri="{FF2B5EF4-FFF2-40B4-BE49-F238E27FC236}">
-                <a16:creationId xmlns:a16="http://schemas.microsoft.com/office/drawing/2014/main" id="{755BDEC6-BDA8-468C-ABF1-102546009A7E}"/>
-              </a:ext>
-            </a:extLst>
-          </p:cNvPr>
-          <p:cNvPicPr>
-            <a:picLocks noChangeAspect="1" noChangeArrowheads="1"/>
-          </p:cNvPicPr>
-          <p:nvPr/>
-        </p:nvPicPr>
-        <p:blipFill>
-          <a:blip r:embed="rId5">
-            <a:extLst>
-              <a:ext uri="{BEBA8EAE-BF5A-486C-A8C5-ECC9F3942E4B}">
-                <a14:imgProps xmlns:a14="http://schemas.microsoft.com/office/drawing/2010/main">
-                  <a14:imgLayer r:embed="rId6">
-                    <a14:imgEffect>
-                      <a14:backgroundRemoval t="10000" b="90000" l="3429" r="92000">
-                        <a14:foregroundMark x1="14286" y1="26000" x2="9143" y2="73143"/>
-                        <a14:foregroundMark x1="7429" y1="74286" x2="7429" y2="31714"/>
-                        <a14:foregroundMark x1="8571" y1="28286" x2="5143" y2="72571"/>
-                        <a14:foregroundMark x1="5143" y1="72571" x2="4571" y2="74000"/>
-                        <a14:foregroundMark x1="10000" y1="30286" x2="27714" y2="12571"/>
-                        <a14:foregroundMark x1="27429" y1="14571" x2="90857" y2="19429"/>
-                        <a14:foregroundMark x1="66000" y1="78286" x2="71429" y2="76000"/>
-                        <a14:foregroundMark x1="76286" y1="73143" x2="68571" y2="77429"/>
-                        <a14:foregroundMark x1="88000" y1="18286" x2="91143" y2="18857"/>
-                        <a14:foregroundMark x1="90286" y1="20000" x2="92000" y2="62000"/>
-                        <a14:foregroundMark x1="29143" y1="14571" x2="24286" y2="14857"/>
-                        <a14:foregroundMark x1="7714" y1="28857" x2="5429" y2="75429"/>
-                        <a14:foregroundMark x1="7143" y1="75143" x2="52286" y2="76571"/>
-                        <a14:foregroundMark x1="52286" y1="76571" x2="93714" y2="60286"/>
-                        <a14:foregroundMark x1="93714" y1="60286" x2="85714" y2="16571"/>
-                        <a14:foregroundMark x1="85714" y1="16571" x2="40286" y2="13429"/>
-                        <a14:foregroundMark x1="40286" y1="13429" x2="3429" y2="38857"/>
-                        <a14:foregroundMark x1="3429" y1="38857" x2="5714" y2="76571"/>
-                        <a14:foregroundMark x1="59714" y1="80571" x2="65714" y2="80286"/>
-                        <a14:backgroundMark x1="9143" y1="80571" x2="55143" y2="83143"/>
-                        <a14:backgroundMark x1="78488" y1="75486" x2="90857" y2="71429"/>
-                        <a14:backgroundMark x1="55143" y1="83143" x2="58883" y2="81916"/>
-                      </a14:backgroundRemoval>
-                    </a14:imgEffect>
-                  </a14:imgLayer>
-                </a14:imgProps>
-              </a:ext>
-              <a:ext uri="{28A0092B-C50C-407E-A947-70E740481C1C}">
-                <a14:useLocalDpi xmlns:a14="http://schemas.microsoft.com/office/drawing/2010/main" val="0"/>
-              </a:ext>
-            </a:extLst>
-          </a:blip>
-          <a:srcRect/>
-          <a:stretch>
-            <a:fillRect/>
-          </a:stretch>
-        </p:blipFill>
-        <p:spPr bwMode="auto">
-          <a:xfrm>
-            <a:off x="3070530" y="925707"/>
-            <a:ext cx="2513538" cy="2513538"/>
-          </a:xfrm>
-          <a:prstGeom prst="rect">
-            <a:avLst/>
-          </a:prstGeom>
-          <a:noFill/>
-          <a:extLst>
-            <a:ext uri="{909E8E84-426E-40DD-AFC4-6F175D3DCCD1}">
-              <a14:hiddenFill xmlns:a14="http://schemas.microsoft.com/office/drawing/2010/main">
-                <a:solidFill>
-                  <a:srgbClr val="FFFFFF"/>
-                </a:solidFill>
-              </a14:hiddenFill>
-            </a:ext>
-          </a:extLst>
-        </p:spPr>
-      </p:pic>
-      <p:pic>
-        <p:nvPicPr>
-          <p:cNvPr id="77" name="Picture 12" descr="docker container icon pngì ëí ì´ë¯¸ì§ ê²ìê²°ê³¼">
-            <a:extLst>
-              <a:ext uri="{FF2B5EF4-FFF2-40B4-BE49-F238E27FC236}">
-                <a16:creationId xmlns:a16="http://schemas.microsoft.com/office/drawing/2014/main" id="{290B7244-3F67-455B-9BE5-D3861292B31F}"/>
-              </a:ext>
-            </a:extLst>
-          </p:cNvPr>
-          <p:cNvPicPr>
-            <a:picLocks noChangeAspect="1" noChangeArrowheads="1"/>
-          </p:cNvPicPr>
-          <p:nvPr/>
-        </p:nvPicPr>
-        <p:blipFill>
-          <a:blip r:embed="rId5">
-            <a:extLst>
-              <a:ext uri="{BEBA8EAE-BF5A-486C-A8C5-ECC9F3942E4B}">
-                <a14:imgProps xmlns:a14="http://schemas.microsoft.com/office/drawing/2010/main">
-                  <a14:imgLayer r:embed="rId6">
-                    <a14:imgEffect>
-                      <a14:backgroundRemoval t="10000" b="90000" l="3429" r="92000">
-                        <a14:foregroundMark x1="14286" y1="26000" x2="9143" y2="73143"/>
-                        <a14:foregroundMark x1="7429" y1="74286" x2="7429" y2="31714"/>
-                        <a14:foregroundMark x1="8571" y1="28286" x2="5143" y2="72571"/>
-                        <a14:foregroundMark x1="5143" y1="72571" x2="4571" y2="74000"/>
-                        <a14:foregroundMark x1="10000" y1="30286" x2="27714" y2="12571"/>
-                        <a14:foregroundMark x1="27429" y1="14571" x2="90857" y2="19429"/>
-                        <a14:foregroundMark x1="66000" y1="78286" x2="71429" y2="76000"/>
-                        <a14:foregroundMark x1="76286" y1="73143" x2="68571" y2="77429"/>
-                        <a14:foregroundMark x1="88000" y1="18286" x2="91143" y2="18857"/>
-                        <a14:foregroundMark x1="90286" y1="20000" x2="92000" y2="62000"/>
-                        <a14:foregroundMark x1="29143" y1="14571" x2="24286" y2="14857"/>
-                        <a14:foregroundMark x1="7714" y1="28857" x2="5429" y2="75429"/>
-                        <a14:foregroundMark x1="7143" y1="75143" x2="52286" y2="76571"/>
-                        <a14:foregroundMark x1="52286" y1="76571" x2="93714" y2="60286"/>
-                        <a14:foregroundMark x1="93714" y1="60286" x2="85714" y2="16571"/>
-                        <a14:foregroundMark x1="85714" y1="16571" x2="40286" y2="13429"/>
-                        <a14:foregroundMark x1="40286" y1="13429" x2="3429" y2="38857"/>
-                        <a14:foregroundMark x1="3429" y1="38857" x2="5714" y2="76571"/>
-                        <a14:foregroundMark x1="59714" y1="80571" x2="65714" y2="80286"/>
-                        <a14:backgroundMark x1="9143" y1="80571" x2="55143" y2="83143"/>
-                        <a14:backgroundMark x1="78488" y1="75486" x2="90857" y2="71429"/>
-                        <a14:backgroundMark x1="55143" y1="83143" x2="58883" y2="81916"/>
-                      </a14:backgroundRemoval>
-                    </a14:imgEffect>
-                  </a14:imgLayer>
-                </a14:imgProps>
-              </a:ext>
-              <a:ext uri="{28A0092B-C50C-407E-A947-70E740481C1C}">
-                <a14:useLocalDpi xmlns:a14="http://schemas.microsoft.com/office/drawing/2010/main" val="0"/>
-              </a:ext>
-            </a:extLst>
-          </a:blip>
-          <a:srcRect/>
-          <a:stretch>
-            <a:fillRect/>
-          </a:stretch>
-        </p:blipFill>
-        <p:spPr bwMode="auto">
-          <a:xfrm>
-            <a:off x="4883007" y="2254621"/>
-            <a:ext cx="2513539" cy="2513539"/>
-          </a:xfrm>
-          <a:prstGeom prst="rect">
-            <a:avLst/>
-          </a:prstGeom>
-          <a:noFill/>
-          <a:extLst>
-            <a:ext uri="{909E8E84-426E-40DD-AFC4-6F175D3DCCD1}">
-              <a14:hiddenFill xmlns:a14="http://schemas.microsoft.com/office/drawing/2010/main">
-                <a:solidFill>
-                  <a:srgbClr val="FFFFFF"/>
-                </a:solidFill>
-              </a14:hiddenFill>
-            </a:ext>
-          </a:extLst>
-        </p:spPr>
-      </p:pic>
-      <p:pic>
-        <p:nvPicPr>
-          <p:cNvPr id="78" name="Picture 12" descr="docker container icon pngì ëí ì´ë¯¸ì§ ê²ìê²°ê³¼">
-            <a:extLst>
-              <a:ext uri="{FF2B5EF4-FFF2-40B4-BE49-F238E27FC236}">
-                <a16:creationId xmlns:a16="http://schemas.microsoft.com/office/drawing/2014/main" id="{3419CFDD-AFDB-48C4-B029-A7FBEE492B62}"/>
-              </a:ext>
-            </a:extLst>
-          </p:cNvPr>
-          <p:cNvPicPr>
-            <a:picLocks noChangeAspect="1" noChangeArrowheads="1"/>
-          </p:cNvPicPr>
-          <p:nvPr/>
-        </p:nvPicPr>
-        <p:blipFill>
-          <a:blip r:embed="rId5">
-            <a:extLst>
-              <a:ext uri="{BEBA8EAE-BF5A-486C-A8C5-ECC9F3942E4B}">
-                <a14:imgProps xmlns:a14="http://schemas.microsoft.com/office/drawing/2010/main">
-                  <a14:imgLayer r:embed="rId6">
-                    <a14:imgEffect>
-                      <a14:backgroundRemoval t="10000" b="90000" l="3429" r="92000">
-                        <a14:foregroundMark x1="14286" y1="26000" x2="9143" y2="73143"/>
-                        <a14:foregroundMark x1="7429" y1="74286" x2="7429" y2="31714"/>
-                        <a14:foregroundMark x1="8571" y1="28286" x2="5143" y2="72571"/>
-                        <a14:foregroundMark x1="5143" y1="72571" x2="4571" y2="74000"/>
-                        <a14:foregroundMark x1="10000" y1="30286" x2="27714" y2="12571"/>
-                        <a14:foregroundMark x1="27429" y1="14571" x2="90857" y2="19429"/>
-                        <a14:foregroundMark x1="66000" y1="78286" x2="71429" y2="76000"/>
-                        <a14:foregroundMark x1="76286" y1="73143" x2="68571" y2="77429"/>
-                        <a14:foregroundMark x1="88000" y1="18286" x2="91143" y2="18857"/>
-                        <a14:foregroundMark x1="90286" y1="20000" x2="92000" y2="62000"/>
-                        <a14:foregroundMark x1="29143" y1="14571" x2="24286" y2="14857"/>
-                        <a14:foregroundMark x1="7714" y1="28857" x2="5429" y2="75429"/>
-                        <a14:foregroundMark x1="7143" y1="75143" x2="52286" y2="76571"/>
-                        <a14:foregroundMark x1="52286" y1="76571" x2="93714" y2="60286"/>
-                        <a14:foregroundMark x1="93714" y1="60286" x2="85714" y2="16571"/>
-                        <a14:foregroundMark x1="85714" y1="16571" x2="40286" y2="13429"/>
-                        <a14:foregroundMark x1="40286" y1="13429" x2="3429" y2="38857"/>
-                        <a14:foregroundMark x1="3429" y1="38857" x2="5714" y2="76571"/>
-                        <a14:foregroundMark x1="59714" y1="80571" x2="65714" y2="80286"/>
-                        <a14:backgroundMark x1="9143" y1="80571" x2="55143" y2="83143"/>
-                        <a14:backgroundMark x1="78488" y1="75486" x2="90857" y2="71429"/>
-                        <a14:backgroundMark x1="55143" y1="83143" x2="58883" y2="81916"/>
-                      </a14:backgroundRemoval>
-                    </a14:imgEffect>
-                  </a14:imgLayer>
-                </a14:imgProps>
-              </a:ext>
-              <a:ext uri="{28A0092B-C50C-407E-A947-70E740481C1C}">
-                <a14:useLocalDpi xmlns:a14="http://schemas.microsoft.com/office/drawing/2010/main" val="0"/>
-              </a:ext>
-            </a:extLst>
-          </a:blip>
-          <a:srcRect/>
-          <a:stretch>
-            <a:fillRect/>
-          </a:stretch>
-        </p:blipFill>
-        <p:spPr bwMode="auto">
-          <a:xfrm>
-            <a:off x="4855907" y="1049623"/>
-            <a:ext cx="2513538" cy="2513538"/>
-          </a:xfrm>
-          <a:prstGeom prst="rect">
-            <a:avLst/>
-          </a:prstGeom>
-          <a:noFill/>
-          <a:extLst>
-            <a:ext uri="{909E8E84-426E-40DD-AFC4-6F175D3DCCD1}">
-              <a14:hiddenFill xmlns:a14="http://schemas.microsoft.com/office/drawing/2010/main">
-                <a:solidFill>
-                  <a:srgbClr val="FFFFFF"/>
-                </a:solidFill>
-              </a14:hiddenFill>
-            </a:ext>
-          </a:extLst>
-        </p:spPr>
-      </p:pic>
-      <p:pic>
-        <p:nvPicPr>
-          <p:cNvPr id="81" name="Picture 5">
-            <a:extLst>
-              <a:ext uri="{FF2B5EF4-FFF2-40B4-BE49-F238E27FC236}">
-                <a16:creationId xmlns:a16="http://schemas.microsoft.com/office/drawing/2014/main" id="{51AEE046-08A0-4969-8028-4AD99C8B86E1}"/>
-              </a:ext>
-            </a:extLst>
-          </p:cNvPr>
-          <p:cNvPicPr>
-            <a:picLocks noChangeAspect="1" noChangeArrowheads="1"/>
-          </p:cNvPicPr>
-          <p:nvPr/>
-        </p:nvPicPr>
-        <p:blipFill rotWithShape="1">
-          <a:blip r:embed="rId7">
-            <a:clrChange>
-              <a:clrFrom>
-                <a:srgbClr val="FFFFFF"/>
-              </a:clrFrom>
-              <a:clrTo>
-                <a:srgbClr val="FFFFFF">
-                  <a:alpha val="0"/>
-                </a:srgbClr>
-              </a:clrTo>
-            </a:clrChange>
-            <a:extLst>
-              <a:ext uri="{28A0092B-C50C-407E-A947-70E740481C1C}">
-                <a14:useLocalDpi xmlns:a14="http://schemas.microsoft.com/office/drawing/2010/main" val="0"/>
-              </a:ext>
-            </a:extLst>
-          </a:blip>
-          <a:srcRect l="17358" t="1190" r="18741" b="8589"/>
-          <a:stretch/>
-        </p:blipFill>
-        <p:spPr bwMode="auto">
-          <a:xfrm>
-            <a:off x="2747507" y="3779491"/>
-            <a:ext cx="2391865" cy="2615869"/>
-          </a:xfrm>
-          <a:prstGeom prst="rect">
-            <a:avLst/>
-          </a:prstGeom>
-          <a:noFill/>
-          <a:ln>
-            <a:noFill/>
-          </a:ln>
-          <a:extLst>
-            <a:ext uri="{909E8E84-426E-40DD-AFC4-6F175D3DCCD1}">
-              <a14:hiddenFill xmlns:a14="http://schemas.microsoft.com/office/drawing/2010/main">
-                <a:solidFill>
-                  <a:schemeClr val="accent1"/>
-                </a:solidFill>
-              </a14:hiddenFill>
-            </a:ext>
-            <a:ext uri="{91240B29-F687-4F45-9708-019B960494DF}">
-              <a14:hiddenLine xmlns:a14="http://schemas.microsoft.com/office/drawing/2010/main" w="9525">
-                <a:solidFill>
-                  <a:schemeClr val="tx1"/>
-                </a:solidFill>
-                <a:miter lim="800000"/>
-                <a:headEnd/>
-                <a:tailEnd/>
-              </a14:hiddenLine>
-            </a:ext>
-          </a:extLst>
-        </p:spPr>
-      </p:pic>
-      <p:sp>
-        <p:nvSpPr>
-          <p:cNvPr id="6" name="TextBox 5">
-            <a:extLst>
-              <a:ext uri="{FF2B5EF4-FFF2-40B4-BE49-F238E27FC236}">
-                <a16:creationId xmlns:a16="http://schemas.microsoft.com/office/drawing/2014/main" id="{F0D1998D-5BB7-4CFB-ACAB-A667C9771A0B}"/>
-              </a:ext>
-            </a:extLst>
-          </p:cNvPr>
-          <p:cNvSpPr txBox="1"/>
-          <p:nvPr/>
-        </p:nvSpPr>
-        <p:spPr>
-          <a:xfrm>
-            <a:off x="5070145" y="3195503"/>
-            <a:ext cx="1517461" cy="830997"/>
-          </a:xfrm>
-          <a:prstGeom prst="rect">
-            <a:avLst/>
-          </a:prstGeom>
-          <a:noFill/>
-        </p:spPr>
-        <p:txBody>
-          <a:bodyPr wrap="square" rtlCol="0">
-            <a:spAutoFit/>
-          </a:bodyPr>
-          <a:lstStyle/>
-          <a:p>
-            <a:pPr algn="ctr"/>
-            <a:r>
-              <a:rPr lang="ko-KR" altLang="en-US" sz="2400" dirty="0">
-                <a:solidFill>
-                  <a:schemeClr val="bg1"/>
-                </a:solidFill>
-              </a:rPr>
-              <a:t>데이터</a:t>
-            </a:r>
-            <a:endParaRPr lang="en-US" altLang="ko-KR" sz="2400" dirty="0">
-              <a:solidFill>
-                <a:schemeClr val="bg1"/>
-              </a:solidFill>
-            </a:endParaRPr>
-          </a:p>
-          <a:p>
-            <a:pPr algn="ctr"/>
-            <a:r>
-              <a:rPr lang="ko-KR" altLang="en-US" sz="2400" dirty="0">
-                <a:solidFill>
-                  <a:schemeClr val="bg1"/>
-                </a:solidFill>
-              </a:rPr>
-              <a:t>통합 서버</a:t>
-            </a:r>
-          </a:p>
-        </p:txBody>
-      </p:sp>
-      <p:sp>
-        <p:nvSpPr>
-          <p:cNvPr id="84" name="TextBox 83">
-            <a:extLst>
-              <a:ext uri="{FF2B5EF4-FFF2-40B4-BE49-F238E27FC236}">
-                <a16:creationId xmlns:a16="http://schemas.microsoft.com/office/drawing/2014/main" id="{A75B0086-F932-4AFC-9C44-86E315685957}"/>
-              </a:ext>
-            </a:extLst>
-          </p:cNvPr>
-          <p:cNvSpPr txBox="1"/>
-          <p:nvPr/>
-        </p:nvSpPr>
-        <p:spPr>
-          <a:xfrm>
-            <a:off x="1359459" y="2978389"/>
-            <a:ext cx="1517461" cy="707886"/>
-          </a:xfrm>
-          <a:prstGeom prst="rect">
-            <a:avLst/>
-          </a:prstGeom>
-          <a:noFill/>
-        </p:spPr>
-        <p:txBody>
-          <a:bodyPr wrap="square" rtlCol="0">
-            <a:spAutoFit/>
-          </a:bodyPr>
-          <a:lstStyle/>
-          <a:p>
-            <a:pPr algn="ctr"/>
-            <a:r>
-              <a:rPr lang="en-US" altLang="ko-KR" sz="2000" dirty="0">
-                <a:solidFill>
-                  <a:schemeClr val="bg1"/>
-                </a:solidFill>
-              </a:rPr>
-              <a:t>1</a:t>
-            </a:r>
-            <a:r>
-              <a:rPr lang="ko-KR" altLang="en-US" sz="2000" dirty="0">
-                <a:solidFill>
-                  <a:schemeClr val="bg1"/>
-                </a:solidFill>
-              </a:rPr>
-              <a:t>차 전처리서버</a:t>
-            </a:r>
-          </a:p>
-        </p:txBody>
-      </p:sp>
-      <p:sp>
-        <p:nvSpPr>
-          <p:cNvPr id="85" name="TextBox 84">
-            <a:extLst>
-              <a:ext uri="{FF2B5EF4-FFF2-40B4-BE49-F238E27FC236}">
-                <a16:creationId xmlns:a16="http://schemas.microsoft.com/office/drawing/2014/main" id="{73225285-C3F9-4272-BC0B-99BAFDC7B02F}"/>
-              </a:ext>
-            </a:extLst>
-          </p:cNvPr>
-          <p:cNvSpPr txBox="1"/>
-          <p:nvPr/>
-        </p:nvSpPr>
-        <p:spPr>
-          <a:xfrm>
-            <a:off x="3216392" y="2149261"/>
-            <a:ext cx="1517461" cy="461665"/>
-          </a:xfrm>
-          <a:prstGeom prst="rect">
-            <a:avLst/>
-          </a:prstGeom>
-          <a:noFill/>
-        </p:spPr>
-        <p:txBody>
-          <a:bodyPr wrap="square" rtlCol="0">
-            <a:spAutoFit/>
-          </a:bodyPr>
-          <a:lstStyle/>
-          <a:p>
-            <a:pPr algn="ctr"/>
-            <a:r>
-              <a:rPr lang="ko-KR" altLang="en-US" sz="2400">
-                <a:solidFill>
-                  <a:schemeClr val="bg1"/>
-                </a:solidFill>
-              </a:rPr>
-              <a:t>웹 서버</a:t>
-            </a:r>
-            <a:endParaRPr lang="ko-KR" altLang="en-US" sz="2400" dirty="0">
-              <a:solidFill>
-                <a:schemeClr val="bg1"/>
-              </a:solidFill>
-            </a:endParaRPr>
-          </a:p>
-        </p:txBody>
-      </p:sp>
-      <p:sp>
-        <p:nvSpPr>
-          <p:cNvPr id="86" name="TextBox 85">
-            <a:extLst>
-              <a:ext uri="{FF2B5EF4-FFF2-40B4-BE49-F238E27FC236}">
-                <a16:creationId xmlns:a16="http://schemas.microsoft.com/office/drawing/2014/main" id="{C4E0026A-691E-472B-A8DC-19F7E03A7F71}"/>
-              </a:ext>
-            </a:extLst>
-          </p:cNvPr>
-          <p:cNvSpPr txBox="1"/>
-          <p:nvPr/>
-        </p:nvSpPr>
-        <p:spPr>
-          <a:xfrm>
-            <a:off x="3228352" y="3038941"/>
-            <a:ext cx="1517461" cy="707886"/>
-          </a:xfrm>
-          <a:prstGeom prst="rect">
-            <a:avLst/>
-          </a:prstGeom>
-          <a:noFill/>
-        </p:spPr>
-        <p:txBody>
-          <a:bodyPr wrap="square" rtlCol="0">
-            <a:spAutoFit/>
-          </a:bodyPr>
-          <a:lstStyle/>
-          <a:p>
-            <a:pPr algn="ctr"/>
-            <a:r>
-              <a:rPr lang="en-US" altLang="ko-KR" sz="2000" dirty="0">
-                <a:solidFill>
-                  <a:schemeClr val="bg1"/>
-                </a:solidFill>
-              </a:rPr>
-              <a:t>2</a:t>
-            </a:r>
-            <a:r>
-              <a:rPr lang="ko-KR" altLang="en-US" sz="2000" dirty="0">
-                <a:solidFill>
-                  <a:schemeClr val="bg1"/>
-                </a:solidFill>
-              </a:rPr>
-              <a:t>차 </a:t>
-            </a:r>
-            <a:r>
-              <a:rPr lang="ko-KR" altLang="en-US" sz="2000" dirty="0" err="1">
-                <a:solidFill>
-                  <a:schemeClr val="bg1"/>
-                </a:solidFill>
-              </a:rPr>
-              <a:t>전처리</a:t>
-            </a:r>
-            <a:endParaRPr lang="en-US" altLang="ko-KR" sz="2000" dirty="0">
-              <a:solidFill>
-                <a:schemeClr val="bg1"/>
-              </a:solidFill>
-            </a:endParaRPr>
-          </a:p>
-          <a:p>
-            <a:pPr algn="ctr"/>
-            <a:r>
-              <a:rPr lang="ko-KR" altLang="en-US" sz="2000" dirty="0">
-                <a:solidFill>
-                  <a:schemeClr val="bg1"/>
-                </a:solidFill>
-              </a:rPr>
-              <a:t>서버</a:t>
-            </a:r>
-          </a:p>
-        </p:txBody>
-      </p:sp>
-      <p:sp>
-        <p:nvSpPr>
-          <p:cNvPr id="87" name="TextBox 86">
-            <a:extLst>
-              <a:ext uri="{FF2B5EF4-FFF2-40B4-BE49-F238E27FC236}">
-                <a16:creationId xmlns:a16="http://schemas.microsoft.com/office/drawing/2014/main" id="{F1F18520-0195-49B7-897D-8983D6AED362}"/>
-              </a:ext>
-            </a:extLst>
-          </p:cNvPr>
-          <p:cNvSpPr txBox="1"/>
-          <p:nvPr/>
-        </p:nvSpPr>
-        <p:spPr>
-          <a:xfrm>
-            <a:off x="5001769" y="2130705"/>
-            <a:ext cx="1606165" cy="707886"/>
-          </a:xfrm>
-          <a:prstGeom prst="rect">
-            <a:avLst/>
-          </a:prstGeom>
-          <a:noFill/>
-        </p:spPr>
-        <p:txBody>
-          <a:bodyPr wrap="square" rtlCol="0">
-            <a:spAutoFit/>
-          </a:bodyPr>
-          <a:lstStyle/>
-          <a:p>
-            <a:pPr algn="ctr"/>
-            <a:r>
-              <a:rPr lang="ko-KR" altLang="en-US" sz="2000" dirty="0" err="1">
-                <a:solidFill>
-                  <a:schemeClr val="bg1"/>
-                </a:solidFill>
-              </a:rPr>
-              <a:t>통합데이터호스팅서버</a:t>
-            </a:r>
-            <a:endParaRPr lang="ko-KR" altLang="en-US" sz="2000" dirty="0">
-              <a:solidFill>
-                <a:schemeClr val="bg1"/>
-              </a:solidFill>
-            </a:endParaRPr>
-          </a:p>
-        </p:txBody>
-      </p:sp>
-      <p:sp>
-        <p:nvSpPr>
-          <p:cNvPr id="88" name="TextBox 87">
-            <a:extLst>
-              <a:ext uri="{FF2B5EF4-FFF2-40B4-BE49-F238E27FC236}">
-                <a16:creationId xmlns:a16="http://schemas.microsoft.com/office/drawing/2014/main" id="{42492ED9-A642-4FA2-9D0D-CD8B191C127E}"/>
-              </a:ext>
-            </a:extLst>
-          </p:cNvPr>
-          <p:cNvSpPr txBox="1"/>
-          <p:nvPr/>
-        </p:nvSpPr>
-        <p:spPr>
-          <a:xfrm>
-            <a:off x="1359458" y="1773390"/>
-            <a:ext cx="1517461" cy="830997"/>
-          </a:xfrm>
-          <a:prstGeom prst="rect">
-            <a:avLst/>
-          </a:prstGeom>
-          <a:noFill/>
-        </p:spPr>
-        <p:txBody>
-          <a:bodyPr wrap="square" rtlCol="0">
-            <a:spAutoFit/>
-          </a:bodyPr>
-          <a:lstStyle/>
-          <a:p>
-            <a:pPr algn="ctr"/>
-            <a:r>
-              <a:rPr lang="ko-KR" altLang="en-US" sz="2400" dirty="0">
-                <a:solidFill>
-                  <a:schemeClr val="bg1"/>
-                </a:solidFill>
-              </a:rPr>
-              <a:t>수집기</a:t>
-            </a:r>
-            <a:endParaRPr lang="en-US" altLang="ko-KR" sz="2400" dirty="0">
-              <a:solidFill>
-                <a:schemeClr val="bg1"/>
-              </a:solidFill>
-            </a:endParaRPr>
-          </a:p>
-          <a:p>
-            <a:pPr algn="ctr"/>
-            <a:r>
-              <a:rPr lang="ko-KR" altLang="en-US" sz="2400" dirty="0">
-                <a:solidFill>
-                  <a:schemeClr val="bg1"/>
-                </a:solidFill>
-              </a:rPr>
-              <a:t>서버</a:t>
-            </a:r>
-          </a:p>
-        </p:txBody>
-      </p:sp>
     </p:spTree>
     <p:extLst>
       <p:ext uri="{BB962C8B-B14F-4D97-AF65-F5344CB8AC3E}">
@@ -9284,57 +10185,168 @@
           <a:chExt cx="0" cy="0"/>
         </a:xfrm>
       </p:grpSpPr>
-      <p:sp>
-        <p:nvSpPr>
-          <p:cNvPr id="8" name="순서도: 처리 7">
-            <a:extLst>
-              <a:ext uri="{FF2B5EF4-FFF2-40B4-BE49-F238E27FC236}">
-                <a16:creationId xmlns:a16="http://schemas.microsoft.com/office/drawing/2014/main" id="{D1F93629-A9C5-4668-BA0E-D311CB46C77E}"/>
-              </a:ext>
-            </a:extLst>
-          </p:cNvPr>
-          <p:cNvSpPr/>
+      <p:grpSp>
+        <p:nvGrpSpPr>
+          <p:cNvPr id="82" name="그룹 81">
+            <a:extLst>
+              <a:ext uri="{FF2B5EF4-FFF2-40B4-BE49-F238E27FC236}">
+                <a16:creationId xmlns:a16="http://schemas.microsoft.com/office/drawing/2014/main" id="{AB488F8E-D3EC-4512-A87B-49601CF78E19}"/>
+              </a:ext>
+            </a:extLst>
+          </p:cNvPr>
+          <p:cNvGrpSpPr/>
           <p:nvPr/>
-        </p:nvSpPr>
-        <p:spPr>
-          <a:xfrm>
-            <a:off x="1737604" y="1388133"/>
-            <a:ext cx="1775534" cy="1855434"/>
-          </a:xfrm>
-          <a:prstGeom prst="flowChartProcess">
-            <a:avLst/>
-          </a:prstGeom>
-          <a:ln/>
-        </p:spPr>
-        <p:style>
-          <a:lnRef idx="1">
-            <a:schemeClr val="accent3"/>
-          </a:lnRef>
-          <a:fillRef idx="2">
-            <a:schemeClr val="accent3"/>
-          </a:fillRef>
-          <a:effectRef idx="1">
-            <a:schemeClr val="accent3"/>
-          </a:effectRef>
-          <a:fontRef idx="minor">
-            <a:schemeClr val="dk1"/>
-          </a:fontRef>
-        </p:style>
-        <p:txBody>
-          <a:bodyPr rtlCol="0" anchor="ctr"/>
-          <a:lstStyle/>
-          <a:p>
-            <a:pPr algn="ctr"/>
-            <a:endParaRPr lang="ko-KR" altLang="en-US" dirty="0"/>
-          </a:p>
-        </p:txBody>
-      </p:sp>
+        </p:nvGrpSpPr>
+        <p:grpSpPr>
+          <a:xfrm>
+            <a:off x="5706303" y="2600952"/>
+            <a:ext cx="1966123" cy="1915596"/>
+            <a:chOff x="1259305" y="2016405"/>
+            <a:chExt cx="2513539" cy="2513539"/>
+          </a:xfrm>
+        </p:grpSpPr>
+        <p:pic>
+          <p:nvPicPr>
+            <p:cNvPr id="83" name="Picture 12" descr="docker container icon pngì ëí ì´ë¯¸ì§ ê²ìê²°ê³¼">
+              <a:extLst>
+                <a:ext uri="{FF2B5EF4-FFF2-40B4-BE49-F238E27FC236}">
+                  <a16:creationId xmlns:a16="http://schemas.microsoft.com/office/drawing/2014/main" id="{F4406B70-0BBD-4616-A648-FD4034E6DB45}"/>
+                </a:ext>
+              </a:extLst>
+            </p:cNvPr>
+            <p:cNvPicPr>
+              <a:picLocks noChangeAspect="1" noChangeArrowheads="1"/>
+            </p:cNvPicPr>
+            <p:nvPr/>
+          </p:nvPicPr>
+          <p:blipFill>
+            <a:blip r:embed="rId3">
+              <a:extLst>
+                <a:ext uri="{BEBA8EAE-BF5A-486C-A8C5-ECC9F3942E4B}">
+                  <a14:imgProps xmlns:a14="http://schemas.microsoft.com/office/drawing/2010/main">
+                    <a14:imgLayer r:embed="rId4">
+                      <a14:imgEffect>
+                        <a14:backgroundRemoval t="10000" b="90000" l="3429" r="92000">
+                          <a14:foregroundMark x1="14286" y1="26000" x2="9143" y2="73143"/>
+                          <a14:foregroundMark x1="7429" y1="74286" x2="7429" y2="31714"/>
+                          <a14:foregroundMark x1="8571" y1="28286" x2="5143" y2="72571"/>
+                          <a14:foregroundMark x1="5143" y1="72571" x2="4571" y2="74000"/>
+                          <a14:foregroundMark x1="10000" y1="30286" x2="27714" y2="12571"/>
+                          <a14:foregroundMark x1="27429" y1="14571" x2="90857" y2="19429"/>
+                          <a14:foregroundMark x1="66000" y1="78286" x2="71429" y2="76000"/>
+                          <a14:foregroundMark x1="76286" y1="73143" x2="68571" y2="77429"/>
+                          <a14:foregroundMark x1="88000" y1="18286" x2="91143" y2="18857"/>
+                          <a14:foregroundMark x1="90286" y1="20000" x2="92000" y2="62000"/>
+                          <a14:foregroundMark x1="29143" y1="14571" x2="24286" y2="14857"/>
+                          <a14:foregroundMark x1="7714" y1="28857" x2="5429" y2="75429"/>
+                          <a14:foregroundMark x1="7143" y1="75143" x2="52286" y2="76571"/>
+                          <a14:foregroundMark x1="52286" y1="76571" x2="93714" y2="60286"/>
+                          <a14:foregroundMark x1="93714" y1="60286" x2="85714" y2="16571"/>
+                          <a14:foregroundMark x1="85714" y1="16571" x2="40286" y2="13429"/>
+                          <a14:foregroundMark x1="40286" y1="13429" x2="3429" y2="38857"/>
+                          <a14:foregroundMark x1="3429" y1="38857" x2="5714" y2="76571"/>
+                          <a14:foregroundMark x1="59714" y1="80571" x2="65714" y2="80286"/>
+                          <a14:backgroundMark x1="9143" y1="80571" x2="55143" y2="83143"/>
+                          <a14:backgroundMark x1="78488" y1="75486" x2="90857" y2="71429"/>
+                          <a14:backgroundMark x1="55143" y1="83143" x2="58883" y2="81916"/>
+                        </a14:backgroundRemoval>
+                      </a14:imgEffect>
+                    </a14:imgLayer>
+                  </a14:imgProps>
+                </a:ext>
+                <a:ext uri="{28A0092B-C50C-407E-A947-70E740481C1C}">
+                  <a14:useLocalDpi xmlns:a14="http://schemas.microsoft.com/office/drawing/2010/main" val="0"/>
+                </a:ext>
+              </a:extLst>
+            </a:blip>
+            <a:srcRect/>
+            <a:stretch>
+              <a:fillRect/>
+            </a:stretch>
+          </p:blipFill>
+          <p:spPr bwMode="auto">
+            <a:xfrm>
+              <a:off x="1259305" y="2016405"/>
+              <a:ext cx="2513539" cy="2513539"/>
+            </a:xfrm>
+            <a:prstGeom prst="rect">
+              <a:avLst/>
+            </a:prstGeom>
+            <a:noFill/>
+            <a:extLst>
+              <a:ext uri="{909E8E84-426E-40DD-AFC4-6F175D3DCCD1}">
+                <a14:hiddenFill xmlns:a14="http://schemas.microsoft.com/office/drawing/2010/main">
+                  <a:solidFill>
+                    <a:srgbClr val="FFFFFF"/>
+                  </a:solidFill>
+                </a14:hiddenFill>
+              </a:ext>
+            </a:extLst>
+          </p:spPr>
+        </p:pic>
+        <p:sp>
+          <p:nvSpPr>
+            <p:cNvPr id="84" name="TextBox 83">
+              <a:extLst>
+                <a:ext uri="{FF2B5EF4-FFF2-40B4-BE49-F238E27FC236}">
+                  <a16:creationId xmlns:a16="http://schemas.microsoft.com/office/drawing/2014/main" id="{4A530C78-5FA2-4573-BE1C-C58C95BB703B}"/>
+                </a:ext>
+              </a:extLst>
+            </p:cNvPr>
+            <p:cNvSpPr txBox="1"/>
+            <p:nvPr/>
+          </p:nvSpPr>
+          <p:spPr>
+            <a:xfrm>
+              <a:off x="1359459" y="2978389"/>
+              <a:ext cx="1517461" cy="686540"/>
+            </a:xfrm>
+            <a:prstGeom prst="rect">
+              <a:avLst/>
+            </a:prstGeom>
+            <a:noFill/>
+          </p:spPr>
+          <p:txBody>
+            <a:bodyPr wrap="square" rtlCol="0">
+              <a:spAutoFit/>
+            </a:bodyPr>
+            <a:lstStyle/>
+            <a:p>
+              <a:pPr algn="ctr"/>
+              <a:r>
+                <a:rPr lang="ko-KR" altLang="en-US" sz="1400" dirty="0">
+                  <a:solidFill>
+                    <a:schemeClr val="bg1"/>
+                  </a:solidFill>
+                </a:rPr>
+                <a:t>메타 데이터 </a:t>
+              </a:r>
+              <a:r>
+                <a:rPr lang="ko-KR" altLang="en-US" sz="1400" dirty="0" err="1">
+                  <a:solidFill>
+                    <a:schemeClr val="bg1"/>
+                  </a:solidFill>
+                </a:rPr>
+                <a:t>전처리</a:t>
+              </a:r>
+              <a:r>
+                <a:rPr lang="ko-KR" altLang="en-US" sz="1400" dirty="0">
+                  <a:solidFill>
+                    <a:schemeClr val="bg1"/>
+                  </a:solidFill>
+                </a:rPr>
+                <a:t> 서버</a:t>
+              </a:r>
+            </a:p>
+          </p:txBody>
+        </p:sp>
+      </p:grpSp>
       <p:pic>
         <p:nvPicPr>
-          <p:cNvPr id="1026" name="Picture 2" descr="í¸ìì¹ì ëí ì´ë¯¸ì§ ê²ìê²°ê³¼">
-            <a:extLst>
-              <a:ext uri="{FF2B5EF4-FFF2-40B4-BE49-F238E27FC236}">
-                <a16:creationId xmlns:a16="http://schemas.microsoft.com/office/drawing/2014/main" id="{0CF2EE97-92C1-4E6F-BF0D-AB612461053A}"/>
+          <p:cNvPr id="1048" name="Picture 24" descr="broadcast logo pngì ëí ì´ë¯¸ì§ ê²ìê²°ê³¼">
+            <a:extLst>
+              <a:ext uri="{FF2B5EF4-FFF2-40B4-BE49-F238E27FC236}">
+                <a16:creationId xmlns:a16="http://schemas.microsoft.com/office/drawing/2014/main" id="{C261EDE5-F83E-4F39-A784-21DA28D591AD}"/>
               </a:ext>
             </a:extLst>
           </p:cNvPr>
@@ -9344,7 +10356,14 @@
           <p:nvPr/>
         </p:nvPicPr>
         <p:blipFill>
-          <a:blip r:embed="rId2">
+          <a:blip r:embed="rId5">
+            <a:duotone>
+              <a:schemeClr val="bg2">
+                <a:shade val="45000"/>
+                <a:satMod val="135000"/>
+              </a:schemeClr>
+              <a:prstClr val="white"/>
+            </a:duotone>
             <a:extLst>
               <a:ext uri="{28A0092B-C50C-407E-A947-70E740481C1C}">
                 <a14:useLocalDpi xmlns:a14="http://schemas.microsoft.com/office/drawing/2010/main" val="0"/>
@@ -9358,8 +10377,8 @@
         </p:blipFill>
         <p:spPr bwMode="auto">
           <a:xfrm>
-            <a:off x="4391012" y="231508"/>
-            <a:ext cx="1570375" cy="931842"/>
+            <a:off x="162908" y="740110"/>
+            <a:ext cx="1736624" cy="1810630"/>
           </a:xfrm>
           <a:prstGeom prst="rect">
             <a:avLst/>
@@ -9376,108 +10395,168 @@
           </a:extLst>
         </p:spPr>
       </p:pic>
-      <p:sp>
-        <p:nvSpPr>
-          <p:cNvPr id="9" name="TextBox 8">
-            <a:extLst>
-              <a:ext uri="{FF2B5EF4-FFF2-40B4-BE49-F238E27FC236}">
-                <a16:creationId xmlns:a16="http://schemas.microsoft.com/office/drawing/2014/main" id="{A5894C39-C20F-4152-A926-BDCDEBC9EFDC}"/>
-              </a:ext>
-            </a:extLst>
-          </p:cNvPr>
-          <p:cNvSpPr txBox="1"/>
+      <p:grpSp>
+        <p:nvGrpSpPr>
+          <p:cNvPr id="7" name="그룹 6">
+            <a:extLst>
+              <a:ext uri="{FF2B5EF4-FFF2-40B4-BE49-F238E27FC236}">
+                <a16:creationId xmlns:a16="http://schemas.microsoft.com/office/drawing/2014/main" id="{30C30A50-6A8F-436A-913D-7B8D2D26813F}"/>
+              </a:ext>
+            </a:extLst>
+          </p:cNvPr>
+          <p:cNvGrpSpPr/>
           <p:nvPr/>
-        </p:nvSpPr>
-        <p:spPr>
-          <a:xfrm>
-            <a:off x="4469939" y="1196799"/>
-            <a:ext cx="1491448" cy="646331"/>
-          </a:xfrm>
-          <a:prstGeom prst="rect">
-            <a:avLst/>
-          </a:prstGeom>
-          <a:noFill/>
-        </p:spPr>
-        <p:txBody>
-          <a:bodyPr wrap="square" rtlCol="0">
-            <a:spAutoFit/>
-          </a:bodyPr>
-          <a:lstStyle/>
-          <a:p>
-            <a:r>
-              <a:rPr lang="ko-KR" altLang="en-US" dirty="0"/>
-              <a:t>스트리밍</a:t>
-            </a:r>
-            <a:endParaRPr lang="en-US" altLang="ko-KR" dirty="0"/>
-          </a:p>
-          <a:p>
-            <a:r>
-              <a:rPr lang="ko-KR" altLang="en-US" dirty="0"/>
-              <a:t>데이터 발생</a:t>
-            </a:r>
-          </a:p>
-        </p:txBody>
-      </p:sp>
-      <p:sp>
-        <p:nvSpPr>
-          <p:cNvPr id="11" name="TextBox 10">
-            <a:extLst>
-              <a:ext uri="{FF2B5EF4-FFF2-40B4-BE49-F238E27FC236}">
-                <a16:creationId xmlns:a16="http://schemas.microsoft.com/office/drawing/2014/main" id="{DE1422A8-457D-4418-A6EB-734F26006B6E}"/>
-              </a:ext>
-            </a:extLst>
-          </p:cNvPr>
-          <p:cNvSpPr txBox="1"/>
-          <p:nvPr/>
-        </p:nvSpPr>
-        <p:spPr>
-          <a:xfrm>
-            <a:off x="1714942" y="1835315"/>
-            <a:ext cx="1993003" cy="984885"/>
-          </a:xfrm>
-          <a:prstGeom prst="rect">
-            <a:avLst/>
-          </a:prstGeom>
-          <a:noFill/>
-        </p:spPr>
-        <p:txBody>
-          <a:bodyPr wrap="square" rtlCol="0">
-            <a:spAutoFit/>
-          </a:bodyPr>
-          <a:lstStyle/>
-          <a:p>
-            <a:r>
-              <a:rPr lang="ko-KR" altLang="en-US" sz="1600" dirty="0"/>
-              <a:t>데이터수집 시스템</a:t>
-            </a:r>
-            <a:endParaRPr lang="en-US" altLang="ko-KR" dirty="0"/>
-          </a:p>
-          <a:p>
-            <a:r>
-              <a:rPr lang="en-US" altLang="ko-KR" sz="1400" dirty="0"/>
-              <a:t>(Chatty,</a:t>
-            </a:r>
-          </a:p>
-          <a:p>
-            <a:r>
-              <a:rPr lang="en-US" altLang="ko-KR" sz="1400" dirty="0"/>
-              <a:t>Twitch </a:t>
-            </a:r>
-          </a:p>
-          <a:p>
-            <a:r>
-              <a:rPr lang="en-US" altLang="ko-KR" sz="1400" dirty="0"/>
-              <a:t>API request)</a:t>
-            </a:r>
-          </a:p>
-        </p:txBody>
-      </p:sp>
-      <p:sp>
-        <p:nvSpPr>
-          <p:cNvPr id="12" name="순서도: 처리 11">
-            <a:extLst>
-              <a:ext uri="{FF2B5EF4-FFF2-40B4-BE49-F238E27FC236}">
-                <a16:creationId xmlns:a16="http://schemas.microsoft.com/office/drawing/2014/main" id="{E406DE63-494F-40F7-AC6B-A4F15927CF2D}"/>
+        </p:nvGrpSpPr>
+        <p:grpSpPr>
+          <a:xfrm>
+            <a:off x="8210718" y="2587645"/>
+            <a:ext cx="1966123" cy="1915596"/>
+            <a:chOff x="3097630" y="2130705"/>
+            <a:chExt cx="2513539" cy="2513539"/>
+          </a:xfrm>
+        </p:grpSpPr>
+        <p:pic>
+          <p:nvPicPr>
+            <p:cNvPr id="52" name="Picture 12" descr="docker container icon pngì ëí ì´ë¯¸ì§ ê²ìê²°ê³¼">
+              <a:extLst>
+                <a:ext uri="{FF2B5EF4-FFF2-40B4-BE49-F238E27FC236}">
+                  <a16:creationId xmlns:a16="http://schemas.microsoft.com/office/drawing/2014/main" id="{ECE5B398-06CB-4FF0-ADE5-E6ED3A155DA0}"/>
+                </a:ext>
+              </a:extLst>
+            </p:cNvPr>
+            <p:cNvPicPr>
+              <a:picLocks noChangeAspect="1" noChangeArrowheads="1"/>
+            </p:cNvPicPr>
+            <p:nvPr/>
+          </p:nvPicPr>
+          <p:blipFill>
+            <a:blip r:embed="rId3">
+              <a:extLst>
+                <a:ext uri="{BEBA8EAE-BF5A-486C-A8C5-ECC9F3942E4B}">
+                  <a14:imgProps xmlns:a14="http://schemas.microsoft.com/office/drawing/2010/main">
+                    <a14:imgLayer r:embed="rId4">
+                      <a14:imgEffect>
+                        <a14:backgroundRemoval t="10000" b="90000" l="3429" r="92000">
+                          <a14:foregroundMark x1="14286" y1="26000" x2="9143" y2="73143"/>
+                          <a14:foregroundMark x1="7429" y1="74286" x2="7429" y2="31714"/>
+                          <a14:foregroundMark x1="8571" y1="28286" x2="5143" y2="72571"/>
+                          <a14:foregroundMark x1="5143" y1="72571" x2="4571" y2="74000"/>
+                          <a14:foregroundMark x1="10000" y1="30286" x2="27714" y2="12571"/>
+                          <a14:foregroundMark x1="27429" y1="14571" x2="90857" y2="19429"/>
+                          <a14:foregroundMark x1="66000" y1="78286" x2="71429" y2="76000"/>
+                          <a14:foregroundMark x1="76286" y1="73143" x2="68571" y2="77429"/>
+                          <a14:foregroundMark x1="88000" y1="18286" x2="91143" y2="18857"/>
+                          <a14:foregroundMark x1="90286" y1="20000" x2="92000" y2="62000"/>
+                          <a14:foregroundMark x1="29143" y1="14571" x2="24286" y2="14857"/>
+                          <a14:foregroundMark x1="7714" y1="28857" x2="5429" y2="75429"/>
+                          <a14:foregroundMark x1="7143" y1="75143" x2="52286" y2="76571"/>
+                          <a14:foregroundMark x1="52286" y1="76571" x2="93714" y2="60286"/>
+                          <a14:foregroundMark x1="93714" y1="60286" x2="85714" y2="16571"/>
+                          <a14:foregroundMark x1="85714" y1="16571" x2="40286" y2="13429"/>
+                          <a14:foregroundMark x1="40286" y1="13429" x2="3429" y2="38857"/>
+                          <a14:foregroundMark x1="3429" y1="38857" x2="5714" y2="76571"/>
+                          <a14:foregroundMark x1="59714" y1="80571" x2="65714" y2="80286"/>
+                          <a14:backgroundMark x1="9143" y1="80571" x2="55143" y2="83143"/>
+                          <a14:backgroundMark x1="78488" y1="75486" x2="90857" y2="71429"/>
+                          <a14:backgroundMark x1="55143" y1="83143" x2="58883" y2="81916"/>
+                        </a14:backgroundRemoval>
+                      </a14:imgEffect>
+                    </a14:imgLayer>
+                  </a14:imgProps>
+                </a:ext>
+                <a:ext uri="{28A0092B-C50C-407E-A947-70E740481C1C}">
+                  <a14:useLocalDpi xmlns:a14="http://schemas.microsoft.com/office/drawing/2010/main" val="0"/>
+                </a:ext>
+              </a:extLst>
+            </a:blip>
+            <a:srcRect/>
+            <a:stretch>
+              <a:fillRect/>
+            </a:stretch>
+          </p:blipFill>
+          <p:spPr bwMode="auto">
+            <a:xfrm>
+              <a:off x="3097630" y="2130705"/>
+              <a:ext cx="2513539" cy="2513539"/>
+            </a:xfrm>
+            <a:prstGeom prst="rect">
+              <a:avLst/>
+            </a:prstGeom>
+            <a:noFill/>
+            <a:extLst>
+              <a:ext uri="{909E8E84-426E-40DD-AFC4-6F175D3DCCD1}">
+                <a14:hiddenFill xmlns:a14="http://schemas.microsoft.com/office/drawing/2010/main">
+                  <a:solidFill>
+                    <a:srgbClr val="FFFFFF"/>
+                  </a:solidFill>
+                </a14:hiddenFill>
+              </a:ext>
+            </a:extLst>
+          </p:spPr>
+        </p:pic>
+        <p:sp>
+          <p:nvSpPr>
+            <p:cNvPr id="59" name="TextBox 58">
+              <a:extLst>
+                <a:ext uri="{FF2B5EF4-FFF2-40B4-BE49-F238E27FC236}">
+                  <a16:creationId xmlns:a16="http://schemas.microsoft.com/office/drawing/2014/main" id="{26EA4D8D-2578-4012-9124-B400B590A66E}"/>
+                </a:ext>
+              </a:extLst>
+            </p:cNvPr>
+            <p:cNvSpPr txBox="1"/>
+            <p:nvPr/>
+          </p:nvSpPr>
+          <p:spPr>
+            <a:xfrm>
+              <a:off x="3228351" y="3038941"/>
+              <a:ext cx="1517461" cy="767309"/>
+            </a:xfrm>
+            <a:prstGeom prst="rect">
+              <a:avLst/>
+            </a:prstGeom>
+            <a:noFill/>
+          </p:spPr>
+          <p:txBody>
+            <a:bodyPr wrap="square" rtlCol="0">
+              <a:spAutoFit/>
+            </a:bodyPr>
+            <a:lstStyle/>
+            <a:p>
+              <a:pPr algn="ctr"/>
+              <a:r>
+                <a:rPr lang="ko-KR" altLang="en-US" sz="1600" dirty="0">
+                  <a:solidFill>
+                    <a:schemeClr val="bg1"/>
+                  </a:solidFill>
+                </a:rPr>
+                <a:t>데이터</a:t>
+              </a:r>
+              <a:endParaRPr lang="en-US" altLang="ko-KR" sz="1600" dirty="0">
+                <a:solidFill>
+                  <a:schemeClr val="bg1"/>
+                </a:solidFill>
+              </a:endParaRPr>
+            </a:p>
+            <a:p>
+              <a:pPr algn="ctr"/>
+              <a:r>
+                <a:rPr lang="ko-KR" altLang="en-US" sz="1600" dirty="0">
+                  <a:solidFill>
+                    <a:schemeClr val="bg1"/>
+                  </a:solidFill>
+                </a:rPr>
+                <a:t>분석 서버</a:t>
+              </a:r>
+            </a:p>
+          </p:txBody>
+        </p:sp>
+      </p:grpSp>
+      <p:sp>
+        <p:nvSpPr>
+          <p:cNvPr id="16" name="직사각형 15">
+            <a:extLst>
+              <a:ext uri="{FF2B5EF4-FFF2-40B4-BE49-F238E27FC236}">
+                <a16:creationId xmlns:a16="http://schemas.microsoft.com/office/drawing/2014/main" id="{3422E850-8580-445E-BDC2-0026F49B394D}"/>
               </a:ext>
             </a:extLst>
           </p:cNvPr>
@@ -9486,996 +10565,8 @@
         </p:nvSpPr>
         <p:spPr>
           <a:xfrm>
-            <a:off x="4264149" y="5027228"/>
-            <a:ext cx="1570375" cy="1158331"/>
-          </a:xfrm>
-          <a:prstGeom prst="flowChartProcess">
-            <a:avLst/>
-          </a:prstGeom>
-          <a:ln/>
-        </p:spPr>
-        <p:style>
-          <a:lnRef idx="1">
-            <a:schemeClr val="accent3"/>
-          </a:lnRef>
-          <a:fillRef idx="2">
-            <a:schemeClr val="accent3"/>
-          </a:fillRef>
-          <a:effectRef idx="1">
-            <a:schemeClr val="accent3"/>
-          </a:effectRef>
-          <a:fontRef idx="minor">
-            <a:schemeClr val="dk1"/>
-          </a:fontRef>
-        </p:style>
-        <p:txBody>
-          <a:bodyPr rtlCol="0" anchor="ctr"/>
-          <a:lstStyle/>
-          <a:p>
-            <a:pPr algn="ctr"/>
-            <a:endParaRPr lang="ko-KR" altLang="en-US" dirty="0"/>
-          </a:p>
-        </p:txBody>
-      </p:sp>
-      <p:sp>
-        <p:nvSpPr>
-          <p:cNvPr id="10" name="순서도: 자기 디스크 9">
-            <a:extLst>
-              <a:ext uri="{FF2B5EF4-FFF2-40B4-BE49-F238E27FC236}">
-                <a16:creationId xmlns:a16="http://schemas.microsoft.com/office/drawing/2014/main" id="{0F900185-E95C-4A89-9096-B7882CC682C6}"/>
-              </a:ext>
-            </a:extLst>
-          </p:cNvPr>
-          <p:cNvSpPr/>
-          <p:nvPr/>
-        </p:nvSpPr>
-        <p:spPr>
-          <a:xfrm>
-            <a:off x="1727446" y="3877323"/>
-            <a:ext cx="1775534" cy="2130641"/>
-          </a:xfrm>
-          <a:prstGeom prst="flowChartMagneticDisk">
-            <a:avLst/>
-          </a:prstGeom>
-        </p:spPr>
-        <p:style>
-          <a:lnRef idx="3">
-            <a:schemeClr val="lt1"/>
-          </a:lnRef>
-          <a:fillRef idx="1">
-            <a:schemeClr val="accent3"/>
-          </a:fillRef>
-          <a:effectRef idx="1">
-            <a:schemeClr val="accent3"/>
-          </a:effectRef>
-          <a:fontRef idx="minor">
-            <a:schemeClr val="lt1"/>
-          </a:fontRef>
-        </p:style>
-        <p:txBody>
-          <a:bodyPr rtlCol="0" anchor="ctr"/>
-          <a:lstStyle/>
-          <a:p>
-            <a:pPr algn="ctr"/>
-            <a:endParaRPr lang="ko-KR" altLang="en-US"/>
-          </a:p>
-        </p:txBody>
-      </p:sp>
-      <p:sp>
-        <p:nvSpPr>
-          <p:cNvPr id="15" name="TextBox 14">
-            <a:extLst>
-              <a:ext uri="{FF2B5EF4-FFF2-40B4-BE49-F238E27FC236}">
-                <a16:creationId xmlns:a16="http://schemas.microsoft.com/office/drawing/2014/main" id="{40386C45-3AC1-4B1D-B4C6-B685061B1AC0}"/>
-              </a:ext>
-            </a:extLst>
-          </p:cNvPr>
-          <p:cNvSpPr txBox="1"/>
-          <p:nvPr/>
-        </p:nvSpPr>
-        <p:spPr>
-          <a:xfrm>
-            <a:off x="1777014" y="4684269"/>
-            <a:ext cx="1775534" cy="861774"/>
-          </a:xfrm>
-          <a:prstGeom prst="rect">
-            <a:avLst/>
-          </a:prstGeom>
-          <a:noFill/>
-        </p:spPr>
-        <p:txBody>
-          <a:bodyPr wrap="square" rtlCol="0">
-            <a:spAutoFit/>
-          </a:bodyPr>
-          <a:lstStyle/>
-          <a:p>
-            <a:r>
-              <a:rPr lang="en-US" altLang="ko-KR" dirty="0"/>
-              <a:t>Low</a:t>
-            </a:r>
-            <a:r>
-              <a:rPr lang="ko-KR" altLang="en-US" dirty="0"/>
-              <a:t> </a:t>
-            </a:r>
-            <a:r>
-              <a:rPr lang="en-US" altLang="ko-KR" dirty="0"/>
-              <a:t>Data</a:t>
-            </a:r>
-          </a:p>
-          <a:p>
-            <a:r>
-              <a:rPr lang="en-US" altLang="ko-KR" dirty="0"/>
-              <a:t>Database</a:t>
-            </a:r>
-          </a:p>
-          <a:p>
-            <a:r>
-              <a:rPr lang="en-US" altLang="ko-KR" sz="1400" dirty="0"/>
-              <a:t>(</a:t>
-            </a:r>
-            <a:r>
-              <a:rPr lang="en-US" altLang="ko-KR" sz="1400" dirty="0" err="1"/>
-              <a:t>RDMBS_MariaDB</a:t>
-            </a:r>
-            <a:r>
-              <a:rPr lang="en-US" altLang="ko-KR" sz="1400" dirty="0"/>
-              <a:t>)</a:t>
-            </a:r>
-          </a:p>
-        </p:txBody>
-      </p:sp>
-      <p:sp>
-        <p:nvSpPr>
-          <p:cNvPr id="14" name="화살표: 아래쪽 13">
-            <a:extLst>
-              <a:ext uri="{FF2B5EF4-FFF2-40B4-BE49-F238E27FC236}">
-                <a16:creationId xmlns:a16="http://schemas.microsoft.com/office/drawing/2014/main" id="{4B205031-7BDC-43CC-A368-F56532618B23}"/>
-              </a:ext>
-            </a:extLst>
-          </p:cNvPr>
-          <p:cNvSpPr/>
-          <p:nvPr/>
-        </p:nvSpPr>
-        <p:spPr>
-          <a:xfrm>
-            <a:off x="2397710" y="3356741"/>
-            <a:ext cx="435006" cy="448323"/>
-          </a:xfrm>
-          <a:prstGeom prst="downArrow">
-            <a:avLst/>
-          </a:prstGeom>
-        </p:spPr>
-        <p:style>
-          <a:lnRef idx="3">
-            <a:schemeClr val="lt1"/>
-          </a:lnRef>
-          <a:fillRef idx="1">
-            <a:schemeClr val="dk1"/>
-          </a:fillRef>
-          <a:effectRef idx="1">
-            <a:schemeClr val="dk1"/>
-          </a:effectRef>
-          <a:fontRef idx="minor">
-            <a:schemeClr val="lt1"/>
-          </a:fontRef>
-        </p:style>
-        <p:txBody>
-          <a:bodyPr rtlCol="0" anchor="ctr"/>
-          <a:lstStyle/>
-          <a:p>
-            <a:pPr algn="ctr"/>
-            <a:endParaRPr lang="ko-KR" altLang="en-US"/>
-          </a:p>
-        </p:txBody>
-      </p:sp>
-      <p:sp>
-        <p:nvSpPr>
-          <p:cNvPr id="17" name="화살표: 아래쪽 16">
-            <a:extLst>
-              <a:ext uri="{FF2B5EF4-FFF2-40B4-BE49-F238E27FC236}">
-                <a16:creationId xmlns:a16="http://schemas.microsoft.com/office/drawing/2014/main" id="{751821A0-236B-4A62-B641-742825FFF526}"/>
-              </a:ext>
-            </a:extLst>
-          </p:cNvPr>
-          <p:cNvSpPr/>
-          <p:nvPr/>
-        </p:nvSpPr>
-        <p:spPr>
-          <a:xfrm rot="3371226">
-            <a:off x="3866225" y="1554941"/>
-            <a:ext cx="435006" cy="448323"/>
-          </a:xfrm>
-          <a:prstGeom prst="downArrow">
-            <a:avLst/>
-          </a:prstGeom>
-        </p:spPr>
-        <p:style>
-          <a:lnRef idx="3">
-            <a:schemeClr val="lt1"/>
-          </a:lnRef>
-          <a:fillRef idx="1">
-            <a:schemeClr val="dk1"/>
-          </a:fillRef>
-          <a:effectRef idx="1">
-            <a:schemeClr val="dk1"/>
-          </a:effectRef>
-          <a:fontRef idx="minor">
-            <a:schemeClr val="lt1"/>
-          </a:fontRef>
-        </p:style>
-        <p:txBody>
-          <a:bodyPr rtlCol="0" anchor="ctr"/>
-          <a:lstStyle/>
-          <a:p>
-            <a:pPr algn="ctr"/>
-            <a:endParaRPr lang="ko-KR" altLang="en-US"/>
-          </a:p>
-        </p:txBody>
-      </p:sp>
-      <p:sp>
-        <p:nvSpPr>
-          <p:cNvPr id="18" name="화살표: 아래쪽 17">
-            <a:extLst>
-              <a:ext uri="{FF2B5EF4-FFF2-40B4-BE49-F238E27FC236}">
-                <a16:creationId xmlns:a16="http://schemas.microsoft.com/office/drawing/2014/main" id="{AF229895-AEFC-4A8A-84FA-C3B2B191AD83}"/>
-              </a:ext>
-            </a:extLst>
-          </p:cNvPr>
-          <p:cNvSpPr/>
-          <p:nvPr/>
-        </p:nvSpPr>
-        <p:spPr>
-          <a:xfrm rot="16200000">
-            <a:off x="3684510" y="5104378"/>
-            <a:ext cx="435006" cy="448323"/>
-          </a:xfrm>
-          <a:prstGeom prst="downArrow">
-            <a:avLst/>
-          </a:prstGeom>
-        </p:spPr>
-        <p:style>
-          <a:lnRef idx="3">
-            <a:schemeClr val="lt1"/>
-          </a:lnRef>
-          <a:fillRef idx="1">
-            <a:schemeClr val="dk1"/>
-          </a:fillRef>
-          <a:effectRef idx="1">
-            <a:schemeClr val="dk1"/>
-          </a:effectRef>
-          <a:fontRef idx="minor">
-            <a:schemeClr val="lt1"/>
-          </a:fontRef>
-        </p:style>
-        <p:txBody>
-          <a:bodyPr rtlCol="0" anchor="ctr"/>
-          <a:lstStyle/>
-          <a:p>
-            <a:pPr algn="ctr"/>
-            <a:endParaRPr lang="ko-KR" altLang="en-US"/>
-          </a:p>
-        </p:txBody>
-      </p:sp>
-      <p:sp>
-        <p:nvSpPr>
-          <p:cNvPr id="19" name="TextBox 18">
-            <a:extLst>
-              <a:ext uri="{FF2B5EF4-FFF2-40B4-BE49-F238E27FC236}">
-                <a16:creationId xmlns:a16="http://schemas.microsoft.com/office/drawing/2014/main" id="{78250E31-E356-407D-9F9E-7D13B5CCDA6B}"/>
-              </a:ext>
-            </a:extLst>
-          </p:cNvPr>
-          <p:cNvSpPr txBox="1"/>
-          <p:nvPr/>
-        </p:nvSpPr>
-        <p:spPr>
-          <a:xfrm>
-            <a:off x="4259321" y="5187493"/>
-            <a:ext cx="1575204" cy="892552"/>
-          </a:xfrm>
-          <a:prstGeom prst="rect">
-            <a:avLst/>
-          </a:prstGeom>
-          <a:noFill/>
-        </p:spPr>
-        <p:txBody>
-          <a:bodyPr wrap="square" rtlCol="0">
-            <a:spAutoFit/>
-          </a:bodyPr>
-          <a:lstStyle/>
-          <a:p>
-            <a:r>
-              <a:rPr lang="ko-KR" altLang="en-US" sz="1600" dirty="0" err="1"/>
-              <a:t>전처리</a:t>
-            </a:r>
-            <a:r>
-              <a:rPr lang="ko-KR" altLang="en-US" sz="1600" dirty="0"/>
-              <a:t> 시스템</a:t>
-            </a:r>
-            <a:endParaRPr lang="en-US" altLang="ko-KR" sz="1600" dirty="0"/>
-          </a:p>
-          <a:p>
-            <a:r>
-              <a:rPr lang="en-US" altLang="ko-KR" sz="1200" dirty="0"/>
-              <a:t>(</a:t>
-            </a:r>
-            <a:r>
-              <a:rPr lang="ko-KR" altLang="en-US" sz="1200" dirty="0"/>
-              <a:t>형태소 분석기</a:t>
-            </a:r>
-            <a:r>
-              <a:rPr lang="en-US" altLang="ko-KR" sz="1200" dirty="0"/>
-              <a:t>,</a:t>
-            </a:r>
-          </a:p>
-          <a:p>
-            <a:r>
-              <a:rPr lang="en-US" altLang="ko-KR" sz="1200" dirty="0"/>
-              <a:t>Pandas</a:t>
-            </a:r>
-          </a:p>
-          <a:p>
-            <a:r>
-              <a:rPr lang="ko-KR" altLang="en-US" sz="1200" dirty="0"/>
-              <a:t>데이터 프레임</a:t>
-            </a:r>
-            <a:r>
-              <a:rPr lang="en-US" altLang="ko-KR" sz="1200" dirty="0"/>
-              <a:t>)</a:t>
-            </a:r>
-            <a:endParaRPr lang="en-US" altLang="ko-KR" sz="1400" dirty="0"/>
-          </a:p>
-        </p:txBody>
-      </p:sp>
-      <p:sp>
-        <p:nvSpPr>
-          <p:cNvPr id="20" name="순서도: 자기 디스크 19">
-            <a:extLst>
-              <a:ext uri="{FF2B5EF4-FFF2-40B4-BE49-F238E27FC236}">
-                <a16:creationId xmlns:a16="http://schemas.microsoft.com/office/drawing/2014/main" id="{77FA884B-18F1-4FF7-81E9-4538231BA8D8}"/>
-              </a:ext>
-            </a:extLst>
-          </p:cNvPr>
-          <p:cNvSpPr/>
-          <p:nvPr/>
-        </p:nvSpPr>
-        <p:spPr>
-          <a:xfrm>
-            <a:off x="6525326" y="4731648"/>
-            <a:ext cx="1570375" cy="1590550"/>
-          </a:xfrm>
-          <a:prstGeom prst="flowChartMagneticDisk">
-            <a:avLst/>
-          </a:prstGeom>
-        </p:spPr>
-        <p:style>
-          <a:lnRef idx="3">
-            <a:schemeClr val="lt1"/>
-          </a:lnRef>
-          <a:fillRef idx="1">
-            <a:schemeClr val="accent3"/>
-          </a:fillRef>
-          <a:effectRef idx="1">
-            <a:schemeClr val="accent3"/>
-          </a:effectRef>
-          <a:fontRef idx="minor">
-            <a:schemeClr val="lt1"/>
-          </a:fontRef>
-        </p:style>
-        <p:txBody>
-          <a:bodyPr rtlCol="0" anchor="ctr"/>
-          <a:lstStyle/>
-          <a:p>
-            <a:pPr algn="ctr"/>
-            <a:endParaRPr lang="ko-KR" altLang="en-US" dirty="0"/>
-          </a:p>
-        </p:txBody>
-      </p:sp>
-      <p:sp>
-        <p:nvSpPr>
-          <p:cNvPr id="21" name="TextBox 20">
-            <a:extLst>
-              <a:ext uri="{FF2B5EF4-FFF2-40B4-BE49-F238E27FC236}">
-                <a16:creationId xmlns:a16="http://schemas.microsoft.com/office/drawing/2014/main" id="{83F4AD10-CC05-4880-BC29-746B366061E8}"/>
-              </a:ext>
-            </a:extLst>
-          </p:cNvPr>
-          <p:cNvSpPr txBox="1"/>
-          <p:nvPr/>
-        </p:nvSpPr>
-        <p:spPr>
-          <a:xfrm>
-            <a:off x="6570066" y="5109986"/>
-            <a:ext cx="1570375" cy="1200329"/>
-          </a:xfrm>
-          <a:prstGeom prst="rect">
-            <a:avLst/>
-          </a:prstGeom>
-          <a:noFill/>
-        </p:spPr>
-        <p:txBody>
-          <a:bodyPr wrap="square" rtlCol="0">
-            <a:spAutoFit/>
-          </a:bodyPr>
-          <a:lstStyle/>
-          <a:p>
-            <a:r>
-              <a:rPr lang="en-US" altLang="ko-KR" dirty="0"/>
-              <a:t>Pre-processed Database</a:t>
-            </a:r>
-          </a:p>
-          <a:p>
-            <a:r>
-              <a:rPr lang="en-US" altLang="ko-KR" sz="1600" dirty="0"/>
-              <a:t>(file)</a:t>
-            </a:r>
-            <a:endParaRPr lang="en-US" altLang="ko-KR" dirty="0"/>
-          </a:p>
-        </p:txBody>
-      </p:sp>
-      <p:sp>
-        <p:nvSpPr>
-          <p:cNvPr id="22" name="화살표: 아래쪽 21">
-            <a:extLst>
-              <a:ext uri="{FF2B5EF4-FFF2-40B4-BE49-F238E27FC236}">
-                <a16:creationId xmlns:a16="http://schemas.microsoft.com/office/drawing/2014/main" id="{19140C2A-4A3C-49B8-87EB-A2A67F98781F}"/>
-              </a:ext>
-            </a:extLst>
-          </p:cNvPr>
-          <p:cNvSpPr/>
-          <p:nvPr/>
-        </p:nvSpPr>
-        <p:spPr>
-          <a:xfrm rot="16200000">
-            <a:off x="5990917" y="5190380"/>
-            <a:ext cx="435006" cy="448323"/>
-          </a:xfrm>
-          <a:prstGeom prst="downArrow">
-            <a:avLst/>
-          </a:prstGeom>
-        </p:spPr>
-        <p:style>
-          <a:lnRef idx="3">
-            <a:schemeClr val="lt1"/>
-          </a:lnRef>
-          <a:fillRef idx="1">
-            <a:schemeClr val="dk1"/>
-          </a:fillRef>
-          <a:effectRef idx="1">
-            <a:schemeClr val="dk1"/>
-          </a:effectRef>
-          <a:fontRef idx="minor">
-            <a:schemeClr val="lt1"/>
-          </a:fontRef>
-        </p:style>
-        <p:txBody>
-          <a:bodyPr rtlCol="0" anchor="ctr"/>
-          <a:lstStyle/>
-          <a:p>
-            <a:pPr algn="ctr"/>
-            <a:endParaRPr lang="ko-KR" altLang="en-US"/>
-          </a:p>
-        </p:txBody>
-      </p:sp>
-      <p:sp>
-        <p:nvSpPr>
-          <p:cNvPr id="23" name="순서도: 처리 22">
-            <a:extLst>
-              <a:ext uri="{FF2B5EF4-FFF2-40B4-BE49-F238E27FC236}">
-                <a16:creationId xmlns:a16="http://schemas.microsoft.com/office/drawing/2014/main" id="{895917F6-341E-45B0-944D-936D9CDC090E}"/>
-              </a:ext>
-            </a:extLst>
-          </p:cNvPr>
-          <p:cNvSpPr/>
-          <p:nvPr/>
-        </p:nvSpPr>
-        <p:spPr>
-          <a:xfrm>
-            <a:off x="8791023" y="4456340"/>
-            <a:ext cx="1570375" cy="1845882"/>
-          </a:xfrm>
-          <a:prstGeom prst="flowChartProcess">
-            <a:avLst/>
-          </a:prstGeom>
-          <a:ln/>
-        </p:spPr>
-        <p:style>
-          <a:lnRef idx="1">
-            <a:schemeClr val="accent3"/>
-          </a:lnRef>
-          <a:fillRef idx="2">
-            <a:schemeClr val="accent3"/>
-          </a:fillRef>
-          <a:effectRef idx="1">
-            <a:schemeClr val="accent3"/>
-          </a:effectRef>
-          <a:fontRef idx="minor">
-            <a:schemeClr val="dk1"/>
-          </a:fontRef>
-        </p:style>
-        <p:txBody>
-          <a:bodyPr rtlCol="0" anchor="ctr"/>
-          <a:lstStyle/>
-          <a:p>
-            <a:pPr algn="ctr"/>
-            <a:endParaRPr lang="ko-KR" altLang="en-US" dirty="0"/>
-          </a:p>
-        </p:txBody>
-      </p:sp>
-      <p:sp>
-        <p:nvSpPr>
-          <p:cNvPr id="24" name="화살표: 아래쪽 23">
-            <a:extLst>
-              <a:ext uri="{FF2B5EF4-FFF2-40B4-BE49-F238E27FC236}">
-                <a16:creationId xmlns:a16="http://schemas.microsoft.com/office/drawing/2014/main" id="{E01A83EB-2854-4602-B157-83853CC5BF4A}"/>
-              </a:ext>
-            </a:extLst>
-          </p:cNvPr>
-          <p:cNvSpPr/>
-          <p:nvPr/>
-        </p:nvSpPr>
-        <p:spPr>
-          <a:xfrm rot="16200000">
-            <a:off x="8259878" y="5104920"/>
-            <a:ext cx="435006" cy="448323"/>
-          </a:xfrm>
-          <a:prstGeom prst="downArrow">
-            <a:avLst/>
-          </a:prstGeom>
-        </p:spPr>
-        <p:style>
-          <a:lnRef idx="3">
-            <a:schemeClr val="lt1"/>
-          </a:lnRef>
-          <a:fillRef idx="1">
-            <a:schemeClr val="dk1"/>
-          </a:fillRef>
-          <a:effectRef idx="1">
-            <a:schemeClr val="dk1"/>
-          </a:effectRef>
-          <a:fontRef idx="minor">
-            <a:schemeClr val="lt1"/>
-          </a:fontRef>
-        </p:style>
-        <p:txBody>
-          <a:bodyPr rtlCol="0" anchor="ctr"/>
-          <a:lstStyle/>
-          <a:p>
-            <a:pPr algn="ctr"/>
-            <a:endParaRPr lang="ko-KR" altLang="en-US"/>
-          </a:p>
-        </p:txBody>
-      </p:sp>
-      <p:sp>
-        <p:nvSpPr>
-          <p:cNvPr id="25" name="TextBox 24">
-            <a:extLst>
-              <a:ext uri="{FF2B5EF4-FFF2-40B4-BE49-F238E27FC236}">
-                <a16:creationId xmlns:a16="http://schemas.microsoft.com/office/drawing/2014/main" id="{F14AB434-34A2-42FB-917A-C7F4B6FC3B21}"/>
-              </a:ext>
-            </a:extLst>
-          </p:cNvPr>
-          <p:cNvSpPr txBox="1"/>
-          <p:nvPr/>
-        </p:nvSpPr>
-        <p:spPr>
-          <a:xfrm>
-            <a:off x="8791023" y="5025472"/>
-            <a:ext cx="1570375" cy="923330"/>
-          </a:xfrm>
-          <a:prstGeom prst="rect">
-            <a:avLst/>
-          </a:prstGeom>
-          <a:noFill/>
-        </p:spPr>
-        <p:txBody>
-          <a:bodyPr wrap="square" rtlCol="0">
-            <a:spAutoFit/>
-          </a:bodyPr>
-          <a:lstStyle/>
-          <a:p>
-            <a:r>
-              <a:rPr lang="ko-KR" altLang="en-US" sz="2000" dirty="0" err="1"/>
-              <a:t>편집점</a:t>
-            </a:r>
-            <a:r>
-              <a:rPr lang="ko-KR" altLang="en-US" sz="2000" dirty="0"/>
-              <a:t> 분석</a:t>
-            </a:r>
-            <a:endParaRPr lang="en-US" altLang="ko-KR" sz="2000" dirty="0"/>
-          </a:p>
-          <a:p>
-            <a:r>
-              <a:rPr lang="ko-KR" altLang="en-US" sz="2000" dirty="0"/>
-              <a:t>시스템</a:t>
-            </a:r>
-            <a:endParaRPr lang="en-US" altLang="ko-KR" sz="2000" dirty="0"/>
-          </a:p>
-          <a:p>
-            <a:r>
-              <a:rPr lang="en-US" altLang="ko-KR" sz="1200" dirty="0"/>
-              <a:t>(</a:t>
-            </a:r>
-            <a:r>
-              <a:rPr lang="en-US" altLang="ko-KR" sz="1200" dirty="0" err="1"/>
-              <a:t>sklearn</a:t>
-            </a:r>
-            <a:r>
-              <a:rPr lang="en-US" altLang="ko-KR" sz="1200" dirty="0"/>
-              <a:t>, pandas)</a:t>
-            </a:r>
-            <a:endParaRPr lang="en-US" altLang="ko-KR" sz="1400" dirty="0"/>
-          </a:p>
-        </p:txBody>
-      </p:sp>
-      <p:sp>
-        <p:nvSpPr>
-          <p:cNvPr id="26" name="순서도: 자기 디스크 25">
-            <a:extLst>
-              <a:ext uri="{FF2B5EF4-FFF2-40B4-BE49-F238E27FC236}">
-                <a16:creationId xmlns:a16="http://schemas.microsoft.com/office/drawing/2014/main" id="{1D0894D5-7DF6-4C6D-8F43-B14A7CE2F18A}"/>
-              </a:ext>
-            </a:extLst>
-          </p:cNvPr>
-          <p:cNvSpPr/>
-          <p:nvPr/>
-        </p:nvSpPr>
-        <p:spPr>
-          <a:xfrm>
-            <a:off x="8771479" y="1964780"/>
-            <a:ext cx="1570375" cy="1590550"/>
-          </a:xfrm>
-          <a:prstGeom prst="flowChartMagneticDisk">
-            <a:avLst/>
-          </a:prstGeom>
-        </p:spPr>
-        <p:style>
-          <a:lnRef idx="3">
-            <a:schemeClr val="lt1"/>
-          </a:lnRef>
-          <a:fillRef idx="1">
-            <a:schemeClr val="accent3"/>
-          </a:fillRef>
-          <a:effectRef idx="1">
-            <a:schemeClr val="accent3"/>
-          </a:effectRef>
-          <a:fontRef idx="minor">
-            <a:schemeClr val="lt1"/>
-          </a:fontRef>
-        </p:style>
-        <p:txBody>
-          <a:bodyPr rtlCol="0" anchor="ctr"/>
-          <a:lstStyle/>
-          <a:p>
-            <a:pPr algn="ctr"/>
-            <a:endParaRPr lang="ko-KR" altLang="en-US"/>
-          </a:p>
-        </p:txBody>
-      </p:sp>
-      <p:sp>
-        <p:nvSpPr>
-          <p:cNvPr id="27" name="TextBox 26">
-            <a:extLst>
-              <a:ext uri="{FF2B5EF4-FFF2-40B4-BE49-F238E27FC236}">
-                <a16:creationId xmlns:a16="http://schemas.microsoft.com/office/drawing/2014/main" id="{EFAA18CD-6BB7-4CF8-ACF9-AB948F42425B}"/>
-              </a:ext>
-            </a:extLst>
-          </p:cNvPr>
-          <p:cNvSpPr txBox="1"/>
-          <p:nvPr/>
-        </p:nvSpPr>
-        <p:spPr>
-          <a:xfrm>
-            <a:off x="8942963" y="2499234"/>
-            <a:ext cx="1221969" cy="892552"/>
-          </a:xfrm>
-          <a:prstGeom prst="rect">
-            <a:avLst/>
-          </a:prstGeom>
-          <a:noFill/>
-        </p:spPr>
-        <p:txBody>
-          <a:bodyPr wrap="square" rtlCol="0">
-            <a:spAutoFit/>
-          </a:bodyPr>
-          <a:lstStyle/>
-          <a:p>
-            <a:r>
-              <a:rPr lang="en-US" altLang="ko-KR" dirty="0" err="1"/>
-              <a:t>Analized</a:t>
-            </a:r>
-            <a:endParaRPr lang="en-US" altLang="ko-KR" dirty="0"/>
-          </a:p>
-          <a:p>
-            <a:r>
-              <a:rPr lang="en-US" altLang="ko-KR" dirty="0"/>
-              <a:t>Database</a:t>
-            </a:r>
-          </a:p>
-          <a:p>
-            <a:r>
-              <a:rPr lang="en-US" altLang="ko-KR" sz="1600" dirty="0"/>
-              <a:t>(file)</a:t>
-            </a:r>
-            <a:endParaRPr lang="en-US" altLang="ko-KR" dirty="0"/>
-          </a:p>
-        </p:txBody>
-      </p:sp>
-      <p:sp>
-        <p:nvSpPr>
-          <p:cNvPr id="28" name="화살표: 아래쪽 27">
-            <a:extLst>
-              <a:ext uri="{FF2B5EF4-FFF2-40B4-BE49-F238E27FC236}">
-                <a16:creationId xmlns:a16="http://schemas.microsoft.com/office/drawing/2014/main" id="{97E752E8-AB8C-4D64-BA0B-15B4479927A9}"/>
-              </a:ext>
-            </a:extLst>
-          </p:cNvPr>
-          <p:cNvSpPr/>
-          <p:nvPr/>
-        </p:nvSpPr>
-        <p:spPr>
-          <a:xfrm rot="10800000">
-            <a:off x="9343747" y="3719389"/>
-            <a:ext cx="435006" cy="448323"/>
-          </a:xfrm>
-          <a:prstGeom prst="downArrow">
-            <a:avLst/>
-          </a:prstGeom>
-        </p:spPr>
-        <p:style>
-          <a:lnRef idx="3">
-            <a:schemeClr val="lt1"/>
-          </a:lnRef>
-          <a:fillRef idx="1">
-            <a:schemeClr val="dk1"/>
-          </a:fillRef>
-          <a:effectRef idx="1">
-            <a:schemeClr val="dk1"/>
-          </a:effectRef>
-          <a:fontRef idx="minor">
-            <a:schemeClr val="lt1"/>
-          </a:fontRef>
-        </p:style>
-        <p:txBody>
-          <a:bodyPr rtlCol="0" anchor="ctr"/>
-          <a:lstStyle/>
-          <a:p>
-            <a:pPr algn="ctr"/>
-            <a:endParaRPr lang="ko-KR" altLang="en-US"/>
-          </a:p>
-        </p:txBody>
-      </p:sp>
-      <p:sp>
-        <p:nvSpPr>
-          <p:cNvPr id="29" name="순서도: 처리 28">
-            <a:extLst>
-              <a:ext uri="{FF2B5EF4-FFF2-40B4-BE49-F238E27FC236}">
-                <a16:creationId xmlns:a16="http://schemas.microsoft.com/office/drawing/2014/main" id="{9E7D8332-A71B-4AE2-8A17-180958CA02E2}"/>
-              </a:ext>
-            </a:extLst>
-          </p:cNvPr>
-          <p:cNvSpPr/>
-          <p:nvPr/>
-        </p:nvSpPr>
-        <p:spPr>
-          <a:xfrm>
-            <a:off x="6553117" y="1798562"/>
-            <a:ext cx="1570375" cy="984885"/>
-          </a:xfrm>
-          <a:prstGeom prst="flowChartProcess">
-            <a:avLst/>
-          </a:prstGeom>
-          <a:ln/>
-        </p:spPr>
-        <p:style>
-          <a:lnRef idx="1">
-            <a:schemeClr val="accent3"/>
-          </a:lnRef>
-          <a:fillRef idx="2">
-            <a:schemeClr val="accent3"/>
-          </a:fillRef>
-          <a:effectRef idx="1">
-            <a:schemeClr val="accent3"/>
-          </a:effectRef>
-          <a:fontRef idx="minor">
-            <a:schemeClr val="dk1"/>
-          </a:fontRef>
-        </p:style>
-        <p:txBody>
-          <a:bodyPr rtlCol="0" anchor="ctr"/>
-          <a:lstStyle/>
-          <a:p>
-            <a:pPr algn="ctr"/>
-            <a:endParaRPr lang="ko-KR" altLang="en-US" dirty="0"/>
-          </a:p>
-        </p:txBody>
-      </p:sp>
-      <p:sp>
-        <p:nvSpPr>
-          <p:cNvPr id="31" name="TextBox 30">
-            <a:extLst>
-              <a:ext uri="{FF2B5EF4-FFF2-40B4-BE49-F238E27FC236}">
-                <a16:creationId xmlns:a16="http://schemas.microsoft.com/office/drawing/2014/main" id="{3693725E-AD92-4601-87CB-84305DC07637}"/>
-              </a:ext>
-            </a:extLst>
-          </p:cNvPr>
-          <p:cNvSpPr txBox="1"/>
-          <p:nvPr/>
-        </p:nvSpPr>
-        <p:spPr>
-          <a:xfrm>
-            <a:off x="6591254" y="2143063"/>
-            <a:ext cx="1554608" cy="400110"/>
-          </a:xfrm>
-          <a:prstGeom prst="rect">
-            <a:avLst/>
-          </a:prstGeom>
-          <a:noFill/>
-        </p:spPr>
-        <p:txBody>
-          <a:bodyPr wrap="square" rtlCol="0">
-            <a:spAutoFit/>
-          </a:bodyPr>
-          <a:lstStyle/>
-          <a:p>
-            <a:r>
-              <a:rPr lang="en-US" altLang="ko-KR" sz="2000" dirty="0"/>
-              <a:t>Web server</a:t>
-            </a:r>
-          </a:p>
-        </p:txBody>
-      </p:sp>
-      <p:sp>
-        <p:nvSpPr>
-          <p:cNvPr id="32" name="화살표: 아래쪽 31">
-            <a:extLst>
-              <a:ext uri="{FF2B5EF4-FFF2-40B4-BE49-F238E27FC236}">
-                <a16:creationId xmlns:a16="http://schemas.microsoft.com/office/drawing/2014/main" id="{A5020E18-50FC-4EA7-BC7B-1B6C3FED9EA0}"/>
-              </a:ext>
-            </a:extLst>
-          </p:cNvPr>
-          <p:cNvSpPr/>
-          <p:nvPr/>
-        </p:nvSpPr>
-        <p:spPr>
-          <a:xfrm rot="6073866">
-            <a:off x="8229982" y="2168042"/>
-            <a:ext cx="435006" cy="448323"/>
-          </a:xfrm>
-          <a:prstGeom prst="downArrow">
-            <a:avLst/>
-          </a:prstGeom>
-        </p:spPr>
-        <p:style>
-          <a:lnRef idx="3">
-            <a:schemeClr val="lt1"/>
-          </a:lnRef>
-          <a:fillRef idx="1">
-            <a:schemeClr val="dk1"/>
-          </a:fillRef>
-          <a:effectRef idx="1">
-            <a:schemeClr val="dk1"/>
-          </a:effectRef>
-          <a:fontRef idx="minor">
-            <a:schemeClr val="lt1"/>
-          </a:fontRef>
-        </p:style>
-        <p:txBody>
-          <a:bodyPr rtlCol="0" anchor="ctr"/>
-          <a:lstStyle/>
-          <a:p>
-            <a:pPr algn="ctr"/>
-            <a:endParaRPr lang="ko-KR" altLang="en-US"/>
-          </a:p>
-        </p:txBody>
-      </p:sp>
-      <p:sp>
-        <p:nvSpPr>
-          <p:cNvPr id="33" name="화살표: 아래쪽 32">
-            <a:extLst>
-              <a:ext uri="{FF2B5EF4-FFF2-40B4-BE49-F238E27FC236}">
-                <a16:creationId xmlns:a16="http://schemas.microsoft.com/office/drawing/2014/main" id="{0AAEDD56-882A-4206-BF0A-C6EE2EE67A5D}"/>
-              </a:ext>
-            </a:extLst>
-          </p:cNvPr>
-          <p:cNvSpPr/>
-          <p:nvPr/>
-        </p:nvSpPr>
-        <p:spPr>
-          <a:xfrm rot="10800000">
-            <a:off x="7076061" y="1145153"/>
-            <a:ext cx="435006" cy="448323"/>
-          </a:xfrm>
-          <a:prstGeom prst="downArrow">
-            <a:avLst/>
-          </a:prstGeom>
-        </p:spPr>
-        <p:style>
-          <a:lnRef idx="3">
-            <a:schemeClr val="lt1"/>
-          </a:lnRef>
-          <a:fillRef idx="1">
-            <a:schemeClr val="dk1"/>
-          </a:fillRef>
-          <a:effectRef idx="1">
-            <a:schemeClr val="dk1"/>
-          </a:effectRef>
-          <a:fontRef idx="minor">
-            <a:schemeClr val="lt1"/>
-          </a:fontRef>
-        </p:style>
-        <p:txBody>
-          <a:bodyPr rtlCol="0" anchor="ctr"/>
-          <a:lstStyle/>
-          <a:p>
-            <a:pPr algn="ctr"/>
-            <a:endParaRPr lang="ko-KR" altLang="en-US"/>
-          </a:p>
-        </p:txBody>
-      </p:sp>
-      <p:pic>
-        <p:nvPicPr>
-          <p:cNvPr id="1028" name="Picture 4" descr="clientì ëí ì´ë¯¸ì§ ê²ìê²°ê³¼">
-            <a:extLst>
-              <a:ext uri="{FF2B5EF4-FFF2-40B4-BE49-F238E27FC236}">
-                <a16:creationId xmlns:a16="http://schemas.microsoft.com/office/drawing/2014/main" id="{8BF7ADDE-5CF4-49E9-AA57-49C6BF2AB45B}"/>
-              </a:ext>
-            </a:extLst>
-          </p:cNvPr>
-          <p:cNvPicPr>
-            <a:picLocks noChangeAspect="1" noChangeArrowheads="1"/>
-          </p:cNvPicPr>
-          <p:nvPr/>
-        </p:nvPicPr>
-        <p:blipFill>
-          <a:blip r:embed="rId3">
-            <a:extLst>
-              <a:ext uri="{28A0092B-C50C-407E-A947-70E740481C1C}">
-                <a14:useLocalDpi xmlns:a14="http://schemas.microsoft.com/office/drawing/2010/main" val="0"/>
-              </a:ext>
-            </a:extLst>
-          </a:blip>
-          <a:srcRect/>
-          <a:stretch>
-            <a:fillRect/>
-          </a:stretch>
-        </p:blipFill>
-        <p:spPr bwMode="auto">
-          <a:xfrm>
-            <a:off x="6790341" y="345466"/>
-            <a:ext cx="943188" cy="787804"/>
-          </a:xfrm>
-          <a:prstGeom prst="rect">
-            <a:avLst/>
-          </a:prstGeom>
-          <a:noFill/>
-          <a:extLst>
-            <a:ext uri="{909E8E84-426E-40DD-AFC4-6F175D3DCCD1}">
-              <a14:hiddenFill xmlns:a14="http://schemas.microsoft.com/office/drawing/2010/main">
-                <a:solidFill>
-                  <a:srgbClr val="FFFFFF"/>
-                </a:solidFill>
-              </a14:hiddenFill>
-            </a:ext>
-          </a:extLst>
-        </p:spPr>
-      </p:pic>
-      <p:sp>
-        <p:nvSpPr>
-          <p:cNvPr id="16" name="직사각형 15">
-            <a:extLst>
-              <a:ext uri="{FF2B5EF4-FFF2-40B4-BE49-F238E27FC236}">
-                <a16:creationId xmlns:a16="http://schemas.microsoft.com/office/drawing/2014/main" id="{3422E850-8580-445E-BDC2-0026F49B394D}"/>
-              </a:ext>
-            </a:extLst>
-          </p:cNvPr>
-          <p:cNvSpPr/>
-          <p:nvPr/>
-        </p:nvSpPr>
-        <p:spPr>
-          <a:xfrm>
             <a:off x="202878" y="180250"/>
-            <a:ext cx="2685351" cy="369332"/>
+            <a:ext cx="4062331" cy="369332"/>
           </a:xfrm>
           <a:prstGeom prst="rect">
             <a:avLst/>
@@ -10493,7 +10584,23 @@
             </a:r>
             <a:r>
               <a:rPr lang="ko-KR" altLang="en-US" dirty="0"/>
-              <a:t>비즈니스 모델에 따라</a:t>
+              <a:t>하드웨어</a:t>
+            </a:r>
+            <a:r>
+              <a:rPr lang="en-US" altLang="ko-KR" dirty="0"/>
+              <a:t>(</a:t>
+            </a:r>
+            <a:r>
+              <a:rPr lang="ko-KR" altLang="en-US" dirty="0"/>
+              <a:t>서버</a:t>
+            </a:r>
+            <a:r>
+              <a:rPr lang="en-US" altLang="ko-KR" dirty="0"/>
+              <a:t>) </a:t>
+            </a:r>
+            <a:r>
+              <a:rPr lang="ko-KR" altLang="en-US" dirty="0"/>
+              <a:t>단위 시스템 구성도</a:t>
             </a:r>
             <a:endParaRPr lang="en-US" altLang="ko-KR" dirty="0"/>
           </a:p>
@@ -10535,27 +10642,703 @@
           </a:fontRef>
         </p:style>
       </p:cxnSp>
-      <p:sp>
-        <p:nvSpPr>
-          <p:cNvPr id="2" name="TextBox 1">
-            <a:extLst>
-              <a:ext uri="{FF2B5EF4-FFF2-40B4-BE49-F238E27FC236}">
-                <a16:creationId xmlns:a16="http://schemas.microsoft.com/office/drawing/2014/main" id="{CC1FC585-30A1-4FCB-B3C8-42C0347FABE0}"/>
-              </a:ext>
-            </a:extLst>
-          </p:cNvPr>
-          <p:cNvSpPr txBox="1"/>
+      <p:grpSp>
+        <p:nvGrpSpPr>
+          <p:cNvPr id="4" name="그룹 3">
+            <a:extLst>
+              <a:ext uri="{FF2B5EF4-FFF2-40B4-BE49-F238E27FC236}">
+                <a16:creationId xmlns:a16="http://schemas.microsoft.com/office/drawing/2014/main" id="{6F14172E-A313-4AA4-9FCC-2F92B11F5192}"/>
+              </a:ext>
+            </a:extLst>
+          </p:cNvPr>
+          <p:cNvGrpSpPr/>
           <p:nvPr/>
-        </p:nvSpPr>
-        <p:spPr>
-          <a:xfrm>
-            <a:off x="3499474" y="5539228"/>
-            <a:ext cx="669877" cy="646331"/>
+        </p:nvGrpSpPr>
+        <p:grpSpPr>
+          <a:xfrm>
+            <a:off x="6853020" y="4533144"/>
+            <a:ext cx="1966123" cy="1915596"/>
+            <a:chOff x="4883007" y="2254621"/>
+            <a:chExt cx="2513539" cy="2513539"/>
+          </a:xfrm>
+        </p:grpSpPr>
+        <p:pic>
+          <p:nvPicPr>
+            <p:cNvPr id="54" name="Picture 12" descr="docker container icon pngì ëí ì´ë¯¸ì§ ê²ìê²°ê³¼">
+              <a:extLst>
+                <a:ext uri="{FF2B5EF4-FFF2-40B4-BE49-F238E27FC236}">
+                  <a16:creationId xmlns:a16="http://schemas.microsoft.com/office/drawing/2014/main" id="{1DE73E52-B40A-400E-BA37-23FD6F02CDCB}"/>
+                </a:ext>
+              </a:extLst>
+            </p:cNvPr>
+            <p:cNvPicPr>
+              <a:picLocks noChangeAspect="1" noChangeArrowheads="1"/>
+            </p:cNvPicPr>
+            <p:nvPr/>
+          </p:nvPicPr>
+          <p:blipFill>
+            <a:blip r:embed="rId3">
+              <a:extLst>
+                <a:ext uri="{BEBA8EAE-BF5A-486C-A8C5-ECC9F3942E4B}">
+                  <a14:imgProps xmlns:a14="http://schemas.microsoft.com/office/drawing/2010/main">
+                    <a14:imgLayer r:embed="rId4">
+                      <a14:imgEffect>
+                        <a14:backgroundRemoval t="10000" b="90000" l="3429" r="92000">
+                          <a14:foregroundMark x1="14286" y1="26000" x2="9143" y2="73143"/>
+                          <a14:foregroundMark x1="7429" y1="74286" x2="7429" y2="31714"/>
+                          <a14:foregroundMark x1="8571" y1="28286" x2="5143" y2="72571"/>
+                          <a14:foregroundMark x1="5143" y1="72571" x2="4571" y2="74000"/>
+                          <a14:foregroundMark x1="10000" y1="30286" x2="27714" y2="12571"/>
+                          <a14:foregroundMark x1="27429" y1="14571" x2="90857" y2="19429"/>
+                          <a14:foregroundMark x1="66000" y1="78286" x2="71429" y2="76000"/>
+                          <a14:foregroundMark x1="76286" y1="73143" x2="68571" y2="77429"/>
+                          <a14:foregroundMark x1="88000" y1="18286" x2="91143" y2="18857"/>
+                          <a14:foregroundMark x1="90286" y1="20000" x2="92000" y2="62000"/>
+                          <a14:foregroundMark x1="29143" y1="14571" x2="24286" y2="14857"/>
+                          <a14:foregroundMark x1="7714" y1="28857" x2="5429" y2="75429"/>
+                          <a14:foregroundMark x1="7143" y1="75143" x2="52286" y2="76571"/>
+                          <a14:foregroundMark x1="52286" y1="76571" x2="93714" y2="60286"/>
+                          <a14:foregroundMark x1="93714" y1="60286" x2="85714" y2="16571"/>
+                          <a14:foregroundMark x1="85714" y1="16571" x2="40286" y2="13429"/>
+                          <a14:foregroundMark x1="40286" y1="13429" x2="3429" y2="38857"/>
+                          <a14:foregroundMark x1="3429" y1="38857" x2="5714" y2="76571"/>
+                          <a14:foregroundMark x1="59714" y1="80571" x2="65714" y2="80286"/>
+                          <a14:backgroundMark x1="9143" y1="80571" x2="55143" y2="83143"/>
+                          <a14:backgroundMark x1="78488" y1="75486" x2="90857" y2="71429"/>
+                          <a14:backgroundMark x1="55143" y1="83143" x2="58883" y2="81916"/>
+                        </a14:backgroundRemoval>
+                      </a14:imgEffect>
+                    </a14:imgLayer>
+                  </a14:imgProps>
+                </a:ext>
+                <a:ext uri="{28A0092B-C50C-407E-A947-70E740481C1C}">
+                  <a14:useLocalDpi xmlns:a14="http://schemas.microsoft.com/office/drawing/2010/main" val="0"/>
+                </a:ext>
+              </a:extLst>
+            </a:blip>
+            <a:srcRect/>
+            <a:stretch>
+              <a:fillRect/>
+            </a:stretch>
+          </p:blipFill>
+          <p:spPr bwMode="auto">
+            <a:xfrm>
+              <a:off x="4883007" y="2254621"/>
+              <a:ext cx="2513539" cy="2513539"/>
+            </a:xfrm>
+            <a:prstGeom prst="rect">
+              <a:avLst/>
+            </a:prstGeom>
+            <a:noFill/>
+            <a:extLst>
+              <a:ext uri="{909E8E84-426E-40DD-AFC4-6F175D3DCCD1}">
+                <a14:hiddenFill xmlns:a14="http://schemas.microsoft.com/office/drawing/2010/main">
+                  <a:solidFill>
+                    <a:srgbClr val="FFFFFF"/>
+                  </a:solidFill>
+                </a14:hiddenFill>
+              </a:ext>
+            </a:extLst>
+          </p:spPr>
+        </p:pic>
+        <p:sp>
+          <p:nvSpPr>
+            <p:cNvPr id="56" name="TextBox 55">
+              <a:extLst>
+                <a:ext uri="{FF2B5EF4-FFF2-40B4-BE49-F238E27FC236}">
+                  <a16:creationId xmlns:a16="http://schemas.microsoft.com/office/drawing/2014/main" id="{18E3DC87-A591-43C6-88E6-890BF40F0BD9}"/>
+                </a:ext>
+              </a:extLst>
+            </p:cNvPr>
+            <p:cNvSpPr txBox="1"/>
+            <p:nvPr/>
+          </p:nvSpPr>
+          <p:spPr>
+            <a:xfrm>
+              <a:off x="5070145" y="3195503"/>
+              <a:ext cx="1517461" cy="848080"/>
+            </a:xfrm>
+            <a:prstGeom prst="rect">
+              <a:avLst/>
+            </a:prstGeom>
+            <a:noFill/>
+          </p:spPr>
+          <p:txBody>
+            <a:bodyPr wrap="square" rtlCol="0">
+              <a:spAutoFit/>
+            </a:bodyPr>
+            <a:lstStyle/>
+            <a:p>
+              <a:pPr algn="ctr"/>
+              <a:r>
+                <a:rPr lang="ko-KR" altLang="en-US" dirty="0">
+                  <a:solidFill>
+                    <a:schemeClr val="bg1"/>
+                  </a:solidFill>
+                </a:rPr>
+                <a:t>데이터</a:t>
+              </a:r>
+              <a:endParaRPr lang="en-US" altLang="ko-KR" dirty="0">
+                <a:solidFill>
+                  <a:schemeClr val="bg1"/>
+                </a:solidFill>
+              </a:endParaRPr>
+            </a:p>
+            <a:p>
+              <a:pPr algn="ctr"/>
+              <a:r>
+                <a:rPr lang="ko-KR" altLang="en-US" dirty="0">
+                  <a:solidFill>
+                    <a:schemeClr val="bg1"/>
+                  </a:solidFill>
+                </a:rPr>
+                <a:t>통합 서버</a:t>
+              </a:r>
+            </a:p>
+          </p:txBody>
+        </p:sp>
+      </p:grpSp>
+      <p:grpSp>
+        <p:nvGrpSpPr>
+          <p:cNvPr id="63" name="그룹 62">
+            <a:extLst>
+              <a:ext uri="{FF2B5EF4-FFF2-40B4-BE49-F238E27FC236}">
+                <a16:creationId xmlns:a16="http://schemas.microsoft.com/office/drawing/2014/main" id="{6E8334C3-40FC-4AEA-A682-CFFD6D28D36F}"/>
+              </a:ext>
+            </a:extLst>
+          </p:cNvPr>
+          <p:cNvGrpSpPr/>
+          <p:nvPr/>
+        </p:nvGrpSpPr>
+        <p:grpSpPr>
+          <a:xfrm>
+            <a:off x="8197741" y="642146"/>
+            <a:ext cx="1966123" cy="1915596"/>
+            <a:chOff x="1259305" y="2016405"/>
+            <a:chExt cx="2513539" cy="2513539"/>
+          </a:xfrm>
+        </p:grpSpPr>
+        <p:pic>
+          <p:nvPicPr>
+            <p:cNvPr id="50" name="Picture 12" descr="docker container icon pngì ëí ì´ë¯¸ì§ ê²ìê²°ê³¼">
+              <a:extLst>
+                <a:ext uri="{FF2B5EF4-FFF2-40B4-BE49-F238E27FC236}">
+                  <a16:creationId xmlns:a16="http://schemas.microsoft.com/office/drawing/2014/main" id="{D47CB4FD-6566-4F39-AB18-652AFB44F5E1}"/>
+                </a:ext>
+              </a:extLst>
+            </p:cNvPr>
+            <p:cNvPicPr>
+              <a:picLocks noChangeAspect="1" noChangeArrowheads="1"/>
+            </p:cNvPicPr>
+            <p:nvPr/>
+          </p:nvPicPr>
+          <p:blipFill>
+            <a:blip r:embed="rId3">
+              <a:extLst>
+                <a:ext uri="{BEBA8EAE-BF5A-486C-A8C5-ECC9F3942E4B}">
+                  <a14:imgProps xmlns:a14="http://schemas.microsoft.com/office/drawing/2010/main">
+                    <a14:imgLayer r:embed="rId4">
+                      <a14:imgEffect>
+                        <a14:backgroundRemoval t="10000" b="90000" l="3429" r="92000">
+                          <a14:foregroundMark x1="14286" y1="26000" x2="9143" y2="73143"/>
+                          <a14:foregroundMark x1="7429" y1="74286" x2="7429" y2="31714"/>
+                          <a14:foregroundMark x1="8571" y1="28286" x2="5143" y2="72571"/>
+                          <a14:foregroundMark x1="5143" y1="72571" x2="4571" y2="74000"/>
+                          <a14:foregroundMark x1="10000" y1="30286" x2="27714" y2="12571"/>
+                          <a14:foregroundMark x1="27429" y1="14571" x2="90857" y2="19429"/>
+                          <a14:foregroundMark x1="66000" y1="78286" x2="71429" y2="76000"/>
+                          <a14:foregroundMark x1="76286" y1="73143" x2="68571" y2="77429"/>
+                          <a14:foregroundMark x1="88000" y1="18286" x2="91143" y2="18857"/>
+                          <a14:foregroundMark x1="90286" y1="20000" x2="92000" y2="62000"/>
+                          <a14:foregroundMark x1="29143" y1="14571" x2="24286" y2="14857"/>
+                          <a14:foregroundMark x1="7714" y1="28857" x2="5429" y2="75429"/>
+                          <a14:foregroundMark x1="7143" y1="75143" x2="52286" y2="76571"/>
+                          <a14:foregroundMark x1="52286" y1="76571" x2="93714" y2="60286"/>
+                          <a14:foregroundMark x1="93714" y1="60286" x2="85714" y2="16571"/>
+                          <a14:foregroundMark x1="85714" y1="16571" x2="40286" y2="13429"/>
+                          <a14:foregroundMark x1="40286" y1="13429" x2="3429" y2="38857"/>
+                          <a14:foregroundMark x1="3429" y1="38857" x2="5714" y2="76571"/>
+                          <a14:foregroundMark x1="59714" y1="80571" x2="65714" y2="80286"/>
+                          <a14:backgroundMark x1="9143" y1="80571" x2="55143" y2="83143"/>
+                          <a14:backgroundMark x1="78488" y1="75486" x2="90857" y2="71429"/>
+                          <a14:backgroundMark x1="55143" y1="83143" x2="58883" y2="81916"/>
+                        </a14:backgroundRemoval>
+                      </a14:imgEffect>
+                    </a14:imgLayer>
+                  </a14:imgProps>
+                </a:ext>
+                <a:ext uri="{28A0092B-C50C-407E-A947-70E740481C1C}">
+                  <a14:useLocalDpi xmlns:a14="http://schemas.microsoft.com/office/drawing/2010/main" val="0"/>
+                </a:ext>
+              </a:extLst>
+            </a:blip>
+            <a:srcRect/>
+            <a:stretch>
+              <a:fillRect/>
+            </a:stretch>
+          </p:blipFill>
+          <p:spPr bwMode="auto">
+            <a:xfrm>
+              <a:off x="1259305" y="2016405"/>
+              <a:ext cx="2513539" cy="2513539"/>
+            </a:xfrm>
+            <a:prstGeom prst="rect">
+              <a:avLst/>
+            </a:prstGeom>
+            <a:noFill/>
+            <a:extLst>
+              <a:ext uri="{909E8E84-426E-40DD-AFC4-6F175D3DCCD1}">
+                <a14:hiddenFill xmlns:a14="http://schemas.microsoft.com/office/drawing/2010/main">
+                  <a:solidFill>
+                    <a:srgbClr val="FFFFFF"/>
+                  </a:solidFill>
+                </a14:hiddenFill>
+              </a:ext>
+            </a:extLst>
+          </p:spPr>
+        </p:pic>
+        <p:sp>
+          <p:nvSpPr>
+            <p:cNvPr id="57" name="TextBox 56">
+              <a:extLst>
+                <a:ext uri="{FF2B5EF4-FFF2-40B4-BE49-F238E27FC236}">
+                  <a16:creationId xmlns:a16="http://schemas.microsoft.com/office/drawing/2014/main" id="{899D5F06-0131-4949-80FA-6160FE323C12}"/>
+                </a:ext>
+              </a:extLst>
+            </p:cNvPr>
+            <p:cNvSpPr txBox="1"/>
+            <p:nvPr/>
+          </p:nvSpPr>
+          <p:spPr>
+            <a:xfrm>
+              <a:off x="1359459" y="2978389"/>
+              <a:ext cx="1517461" cy="686540"/>
+            </a:xfrm>
+            <a:prstGeom prst="rect">
+              <a:avLst/>
+            </a:prstGeom>
+            <a:noFill/>
+          </p:spPr>
+          <p:txBody>
+            <a:bodyPr wrap="square" rtlCol="0">
+              <a:spAutoFit/>
+            </a:bodyPr>
+            <a:lstStyle/>
+            <a:p>
+              <a:pPr algn="ctr"/>
+              <a:r>
+                <a:rPr lang="ko-KR" altLang="en-US" sz="1400" dirty="0">
+                  <a:solidFill>
+                    <a:schemeClr val="bg1"/>
+                  </a:solidFill>
+                </a:rPr>
+                <a:t>분석 데이터 </a:t>
+              </a:r>
+              <a:r>
+                <a:rPr lang="ko-KR" altLang="en-US" sz="1400" dirty="0" err="1">
+                  <a:solidFill>
+                    <a:schemeClr val="bg1"/>
+                  </a:solidFill>
+                </a:rPr>
+                <a:t>전처리</a:t>
+              </a:r>
+              <a:r>
+                <a:rPr lang="ko-KR" altLang="en-US" sz="1400" dirty="0">
+                  <a:solidFill>
+                    <a:schemeClr val="bg1"/>
+                  </a:solidFill>
+                </a:rPr>
+                <a:t> 서버</a:t>
+              </a:r>
+            </a:p>
+          </p:txBody>
+        </p:sp>
+      </p:grpSp>
+      <p:grpSp>
+        <p:nvGrpSpPr>
+          <p:cNvPr id="13" name="그룹 12">
+            <a:extLst>
+              <a:ext uri="{FF2B5EF4-FFF2-40B4-BE49-F238E27FC236}">
+                <a16:creationId xmlns:a16="http://schemas.microsoft.com/office/drawing/2014/main" id="{AD386095-4FA5-439D-BE27-C4BC1BA365C7}"/>
+              </a:ext>
+            </a:extLst>
+          </p:cNvPr>
+          <p:cNvGrpSpPr/>
+          <p:nvPr/>
+        </p:nvGrpSpPr>
+        <p:grpSpPr>
+          <a:xfrm>
+            <a:off x="2510137" y="2734501"/>
+            <a:ext cx="1966122" cy="1915595"/>
+            <a:chOff x="3070530" y="925707"/>
+            <a:chExt cx="2513538" cy="2513538"/>
+          </a:xfrm>
+        </p:grpSpPr>
+        <p:pic>
+          <p:nvPicPr>
+            <p:cNvPr id="53" name="Picture 12" descr="docker container icon pngì ëí ì´ë¯¸ì§ ê²ìê²°ê³¼">
+              <a:extLst>
+                <a:ext uri="{FF2B5EF4-FFF2-40B4-BE49-F238E27FC236}">
+                  <a16:creationId xmlns:a16="http://schemas.microsoft.com/office/drawing/2014/main" id="{F688AE89-C01B-483E-9DE1-C984AF48106D}"/>
+                </a:ext>
+              </a:extLst>
+            </p:cNvPr>
+            <p:cNvPicPr>
+              <a:picLocks noChangeAspect="1" noChangeArrowheads="1"/>
+            </p:cNvPicPr>
+            <p:nvPr/>
+          </p:nvPicPr>
+          <p:blipFill>
+            <a:blip r:embed="rId3">
+              <a:extLst>
+                <a:ext uri="{BEBA8EAE-BF5A-486C-A8C5-ECC9F3942E4B}">
+                  <a14:imgProps xmlns:a14="http://schemas.microsoft.com/office/drawing/2010/main">
+                    <a14:imgLayer r:embed="rId4">
+                      <a14:imgEffect>
+                        <a14:backgroundRemoval t="10000" b="90000" l="3429" r="92000">
+                          <a14:foregroundMark x1="14286" y1="26000" x2="9143" y2="73143"/>
+                          <a14:foregroundMark x1="7429" y1="74286" x2="7429" y2="31714"/>
+                          <a14:foregroundMark x1="8571" y1="28286" x2="5143" y2="72571"/>
+                          <a14:foregroundMark x1="5143" y1="72571" x2="4571" y2="74000"/>
+                          <a14:foregroundMark x1="10000" y1="30286" x2="27714" y2="12571"/>
+                          <a14:foregroundMark x1="27429" y1="14571" x2="90857" y2="19429"/>
+                          <a14:foregroundMark x1="66000" y1="78286" x2="71429" y2="76000"/>
+                          <a14:foregroundMark x1="76286" y1="73143" x2="68571" y2="77429"/>
+                          <a14:foregroundMark x1="88000" y1="18286" x2="91143" y2="18857"/>
+                          <a14:foregroundMark x1="90286" y1="20000" x2="92000" y2="62000"/>
+                          <a14:foregroundMark x1="29143" y1="14571" x2="24286" y2="14857"/>
+                          <a14:foregroundMark x1="7714" y1="28857" x2="5429" y2="75429"/>
+                          <a14:foregroundMark x1="7143" y1="75143" x2="52286" y2="76571"/>
+                          <a14:foregroundMark x1="52286" y1="76571" x2="93714" y2="60286"/>
+                          <a14:foregroundMark x1="93714" y1="60286" x2="85714" y2="16571"/>
+                          <a14:foregroundMark x1="85714" y1="16571" x2="40286" y2="13429"/>
+                          <a14:foregroundMark x1="40286" y1="13429" x2="3429" y2="38857"/>
+                          <a14:foregroundMark x1="3429" y1="38857" x2="5714" y2="76571"/>
+                          <a14:foregroundMark x1="59714" y1="80571" x2="65714" y2="80286"/>
+                          <a14:backgroundMark x1="9143" y1="80571" x2="55143" y2="83143"/>
+                          <a14:backgroundMark x1="78488" y1="75486" x2="90857" y2="71429"/>
+                          <a14:backgroundMark x1="55143" y1="83143" x2="58883" y2="81916"/>
+                        </a14:backgroundRemoval>
+                      </a14:imgEffect>
+                    </a14:imgLayer>
+                  </a14:imgProps>
+                </a:ext>
+                <a:ext uri="{28A0092B-C50C-407E-A947-70E740481C1C}">
+                  <a14:useLocalDpi xmlns:a14="http://schemas.microsoft.com/office/drawing/2010/main" val="0"/>
+                </a:ext>
+              </a:extLst>
+            </a:blip>
+            <a:srcRect/>
+            <a:stretch>
+              <a:fillRect/>
+            </a:stretch>
+          </p:blipFill>
+          <p:spPr bwMode="auto">
+            <a:xfrm>
+              <a:off x="3070530" y="925707"/>
+              <a:ext cx="2513538" cy="2513538"/>
+            </a:xfrm>
+            <a:prstGeom prst="rect">
+              <a:avLst/>
+            </a:prstGeom>
+            <a:noFill/>
+            <a:extLst>
+              <a:ext uri="{909E8E84-426E-40DD-AFC4-6F175D3DCCD1}">
+                <a14:hiddenFill xmlns:a14="http://schemas.microsoft.com/office/drawing/2010/main">
+                  <a:solidFill>
+                    <a:srgbClr val="FFFFFF"/>
+                  </a:solidFill>
+                </a14:hiddenFill>
+              </a:ext>
+            </a:extLst>
+          </p:spPr>
+        </p:pic>
+        <p:sp>
+          <p:nvSpPr>
+            <p:cNvPr id="58" name="TextBox 57">
+              <a:extLst>
+                <a:ext uri="{FF2B5EF4-FFF2-40B4-BE49-F238E27FC236}">
+                  <a16:creationId xmlns:a16="http://schemas.microsoft.com/office/drawing/2014/main" id="{56E2AB24-38BE-44BB-810F-CF0C4BAD7ADD}"/>
+                </a:ext>
+              </a:extLst>
+            </p:cNvPr>
+            <p:cNvSpPr txBox="1"/>
+            <p:nvPr/>
+          </p:nvSpPr>
+          <p:spPr>
+            <a:xfrm>
+              <a:off x="3213450" y="1988531"/>
+              <a:ext cx="1517461" cy="848080"/>
+            </a:xfrm>
+            <a:prstGeom prst="rect">
+              <a:avLst/>
+            </a:prstGeom>
+            <a:noFill/>
+          </p:spPr>
+          <p:txBody>
+            <a:bodyPr wrap="square" rtlCol="0">
+              <a:spAutoFit/>
+            </a:bodyPr>
+            <a:lstStyle/>
+            <a:p>
+              <a:pPr algn="ctr"/>
+              <a:r>
+                <a:rPr lang="ko-KR" altLang="en-US" dirty="0">
+                  <a:solidFill>
+                    <a:schemeClr val="bg1"/>
+                  </a:solidFill>
+                </a:rPr>
+                <a:t>웹 서버</a:t>
+              </a:r>
+              <a:endParaRPr lang="en-US" altLang="ko-KR" dirty="0">
+                <a:solidFill>
+                  <a:schemeClr val="bg1"/>
+                </a:solidFill>
+              </a:endParaRPr>
+            </a:p>
+            <a:p>
+              <a:pPr algn="ctr"/>
+              <a:r>
+                <a:rPr lang="en-US" altLang="ko-KR" dirty="0">
+                  <a:solidFill>
+                    <a:schemeClr val="bg1"/>
+                  </a:solidFill>
+                </a:rPr>
+                <a:t>UI</a:t>
+              </a:r>
+              <a:endParaRPr lang="ko-KR" altLang="en-US" dirty="0">
+                <a:solidFill>
+                  <a:schemeClr val="bg1"/>
+                </a:solidFill>
+              </a:endParaRPr>
+            </a:p>
+          </p:txBody>
+        </p:sp>
+      </p:grpSp>
+      <p:grpSp>
+        <p:nvGrpSpPr>
+          <p:cNvPr id="62" name="그룹 61">
+            <a:extLst>
+              <a:ext uri="{FF2B5EF4-FFF2-40B4-BE49-F238E27FC236}">
+                <a16:creationId xmlns:a16="http://schemas.microsoft.com/office/drawing/2014/main" id="{B567639B-616D-4A55-9558-C547EF5BCB76}"/>
+              </a:ext>
+            </a:extLst>
+          </p:cNvPr>
+          <p:cNvGrpSpPr/>
+          <p:nvPr/>
+        </p:nvGrpSpPr>
+        <p:grpSpPr>
+          <a:xfrm>
+            <a:off x="3158611" y="753309"/>
+            <a:ext cx="1966122" cy="1915595"/>
+            <a:chOff x="1232205" y="811407"/>
+            <a:chExt cx="2513538" cy="2513538"/>
+          </a:xfrm>
+        </p:grpSpPr>
+        <p:pic>
+          <p:nvPicPr>
+            <p:cNvPr id="51" name="Picture 12" descr="docker container icon pngì ëí ì´ë¯¸ì§ ê²ìê²°ê³¼">
+              <a:extLst>
+                <a:ext uri="{FF2B5EF4-FFF2-40B4-BE49-F238E27FC236}">
+                  <a16:creationId xmlns:a16="http://schemas.microsoft.com/office/drawing/2014/main" id="{CB04EB68-5215-4F45-A874-B14C3FAEBA11}"/>
+                </a:ext>
+              </a:extLst>
+            </p:cNvPr>
+            <p:cNvPicPr>
+              <a:picLocks noChangeAspect="1" noChangeArrowheads="1"/>
+            </p:cNvPicPr>
+            <p:nvPr/>
+          </p:nvPicPr>
+          <p:blipFill>
+            <a:blip r:embed="rId3">
+              <a:extLst>
+                <a:ext uri="{BEBA8EAE-BF5A-486C-A8C5-ECC9F3942E4B}">
+                  <a14:imgProps xmlns:a14="http://schemas.microsoft.com/office/drawing/2010/main">
+                    <a14:imgLayer r:embed="rId4">
+                      <a14:imgEffect>
+                        <a14:backgroundRemoval t="10000" b="90000" l="3429" r="92000">
+                          <a14:foregroundMark x1="14286" y1="26000" x2="9143" y2="73143"/>
+                          <a14:foregroundMark x1="7429" y1="74286" x2="7429" y2="31714"/>
+                          <a14:foregroundMark x1="8571" y1="28286" x2="5143" y2="72571"/>
+                          <a14:foregroundMark x1="5143" y1="72571" x2="4571" y2="74000"/>
+                          <a14:foregroundMark x1="10000" y1="30286" x2="27714" y2="12571"/>
+                          <a14:foregroundMark x1="27429" y1="14571" x2="90857" y2="19429"/>
+                          <a14:foregroundMark x1="66000" y1="78286" x2="71429" y2="76000"/>
+                          <a14:foregroundMark x1="76286" y1="73143" x2="68571" y2="77429"/>
+                          <a14:foregroundMark x1="88000" y1="18286" x2="91143" y2="18857"/>
+                          <a14:foregroundMark x1="90286" y1="20000" x2="92000" y2="62000"/>
+                          <a14:foregroundMark x1="29143" y1="14571" x2="24286" y2="14857"/>
+                          <a14:foregroundMark x1="7714" y1="28857" x2="5429" y2="75429"/>
+                          <a14:foregroundMark x1="7143" y1="75143" x2="52286" y2="76571"/>
+                          <a14:foregroundMark x1="52286" y1="76571" x2="93714" y2="60286"/>
+                          <a14:foregroundMark x1="93714" y1="60286" x2="85714" y2="16571"/>
+                          <a14:foregroundMark x1="85714" y1="16571" x2="40286" y2="13429"/>
+                          <a14:foregroundMark x1="40286" y1="13429" x2="3429" y2="38857"/>
+                          <a14:foregroundMark x1="3429" y1="38857" x2="5714" y2="76571"/>
+                          <a14:foregroundMark x1="59714" y1="80571" x2="65714" y2="80286"/>
+                          <a14:backgroundMark x1="9143" y1="80571" x2="55143" y2="83143"/>
+                          <a14:backgroundMark x1="78488" y1="75486" x2="90857" y2="71429"/>
+                          <a14:backgroundMark x1="55143" y1="83143" x2="58883" y2="81916"/>
+                        </a14:backgroundRemoval>
+                      </a14:imgEffect>
+                    </a14:imgLayer>
+                  </a14:imgProps>
+                </a:ext>
+                <a:ext uri="{28A0092B-C50C-407E-A947-70E740481C1C}">
+                  <a14:useLocalDpi xmlns:a14="http://schemas.microsoft.com/office/drawing/2010/main" val="0"/>
+                </a:ext>
+              </a:extLst>
+            </a:blip>
+            <a:srcRect/>
+            <a:stretch>
+              <a:fillRect/>
+            </a:stretch>
+          </p:blipFill>
+          <p:spPr bwMode="auto">
+            <a:xfrm>
+              <a:off x="1232205" y="811407"/>
+              <a:ext cx="2513538" cy="2513538"/>
+            </a:xfrm>
+            <a:prstGeom prst="rect">
+              <a:avLst/>
+            </a:prstGeom>
+            <a:noFill/>
+            <a:extLst>
+              <a:ext uri="{909E8E84-426E-40DD-AFC4-6F175D3DCCD1}">
+                <a14:hiddenFill xmlns:a14="http://schemas.microsoft.com/office/drawing/2010/main">
+                  <a:solidFill>
+                    <a:srgbClr val="FFFFFF"/>
+                  </a:solidFill>
+                </a14:hiddenFill>
+              </a:ext>
+            </a:extLst>
+          </p:spPr>
+        </p:pic>
+        <p:sp>
+          <p:nvSpPr>
+            <p:cNvPr id="61" name="TextBox 60">
+              <a:extLst>
+                <a:ext uri="{FF2B5EF4-FFF2-40B4-BE49-F238E27FC236}">
+                  <a16:creationId xmlns:a16="http://schemas.microsoft.com/office/drawing/2014/main" id="{D8F96090-7332-445D-A7FD-1A3666963C01}"/>
+                </a:ext>
+              </a:extLst>
+            </p:cNvPr>
+            <p:cNvSpPr txBox="1"/>
+            <p:nvPr/>
+          </p:nvSpPr>
+          <p:spPr>
+            <a:xfrm>
+              <a:off x="1359458" y="1773390"/>
+              <a:ext cx="1517461" cy="848080"/>
+            </a:xfrm>
+            <a:prstGeom prst="rect">
+              <a:avLst/>
+            </a:prstGeom>
+            <a:noFill/>
+          </p:spPr>
+          <p:txBody>
+            <a:bodyPr wrap="square" rtlCol="0">
+              <a:spAutoFit/>
+            </a:bodyPr>
+            <a:lstStyle/>
+            <a:p>
+              <a:pPr algn="ctr"/>
+              <a:r>
+                <a:rPr lang="ko-KR" altLang="en-US" dirty="0">
+                  <a:solidFill>
+                    <a:schemeClr val="bg1"/>
+                  </a:solidFill>
+                </a:rPr>
+                <a:t>수집기</a:t>
+              </a:r>
+              <a:endParaRPr lang="en-US" altLang="ko-KR" dirty="0">
+                <a:solidFill>
+                  <a:schemeClr val="bg1"/>
+                </a:solidFill>
+              </a:endParaRPr>
+            </a:p>
+            <a:p>
+              <a:pPr algn="ctr"/>
+              <a:r>
+                <a:rPr lang="ko-KR" altLang="en-US" dirty="0">
+                  <a:solidFill>
+                    <a:schemeClr val="bg1"/>
+                  </a:solidFill>
+                </a:rPr>
+                <a:t>서버</a:t>
+              </a:r>
+            </a:p>
+          </p:txBody>
+        </p:sp>
+      </p:grpSp>
+      <p:pic>
+        <p:nvPicPr>
+          <p:cNvPr id="64" name="Picture 2" descr="ì íë¸ ë¡ê³  pngì ëí ì´ë¯¸ì§ ê²ìê²°ê³¼">
+            <a:extLst>
+              <a:ext uri="{FF2B5EF4-FFF2-40B4-BE49-F238E27FC236}">
+                <a16:creationId xmlns:a16="http://schemas.microsoft.com/office/drawing/2014/main" id="{CD7F2F97-E571-4CDB-B892-8D03E5F34D65}"/>
+              </a:ext>
+            </a:extLst>
+          </p:cNvPr>
+          <p:cNvPicPr>
+            <a:picLocks noChangeAspect="1" noChangeArrowheads="1"/>
+          </p:cNvPicPr>
+          <p:nvPr/>
+        </p:nvPicPr>
+        <p:blipFill>
+          <a:blip r:embed="rId6">
+            <a:extLst>
+              <a:ext uri="{28A0092B-C50C-407E-A947-70E740481C1C}">
+                <a14:useLocalDpi xmlns:a14="http://schemas.microsoft.com/office/drawing/2010/main" val="0"/>
+              </a:ext>
+            </a:extLst>
+          </a:blip>
+          <a:srcRect/>
+          <a:stretch>
+            <a:fillRect/>
+          </a:stretch>
+        </p:blipFill>
+        <p:spPr bwMode="auto">
+          <a:xfrm>
+            <a:off x="956597" y="1611165"/>
+            <a:ext cx="1119058" cy="696335"/>
           </a:xfrm>
           <a:prstGeom prst="rect">
             <a:avLst/>
           </a:prstGeom>
           <a:noFill/>
+          <a:extLst>
+            <a:ext uri="{909E8E84-426E-40DD-AFC4-6F175D3DCCD1}">
+              <a14:hiddenFill xmlns:a14="http://schemas.microsoft.com/office/drawing/2010/main">
+                <a:solidFill>
+                  <a:srgbClr val="FFFFFF"/>
+                </a:solidFill>
+              </a14:hiddenFill>
+            </a:ext>
+          </a:extLst>
+        </p:spPr>
+      </p:pic>
+      <p:sp>
+        <p:nvSpPr>
+          <p:cNvPr id="71" name="TextBox 70">
+            <a:extLst>
+              <a:ext uri="{FF2B5EF4-FFF2-40B4-BE49-F238E27FC236}">
+                <a16:creationId xmlns:a16="http://schemas.microsoft.com/office/drawing/2014/main" id="{39C70C55-11AF-4A9B-A932-450F09AFDAA4}"/>
+              </a:ext>
+            </a:extLst>
+          </p:cNvPr>
+          <p:cNvSpPr txBox="1"/>
+          <p:nvPr/>
+        </p:nvSpPr>
+        <p:spPr>
+          <a:xfrm>
+            <a:off x="2256038" y="1082998"/>
+            <a:ext cx="676684" cy="307777"/>
+          </a:xfrm>
+          <a:prstGeom prst="rect">
+            <a:avLst/>
+          </a:prstGeom>
+          <a:noFill/>
         </p:spPr>
         <p:txBody>
           <a:bodyPr wrap="square" rtlCol="0">
@@ -10564,43 +11347,19 @@
           <a:lstStyle/>
           <a:p>
             <a:r>
-              <a:rPr lang="en-US" altLang="ko-KR" sz="1200" dirty="0">
-                <a:solidFill>
-                  <a:schemeClr val="accent5">
-                    <a:lumMod val="75000"/>
-                  </a:schemeClr>
-                </a:solidFill>
-              </a:rPr>
-              <a:t>Python,</a:t>
-            </a:r>
-          </a:p>
-          <a:p>
-            <a:r>
-              <a:rPr lang="en-US" altLang="ko-KR" sz="1200" dirty="0">
-                <a:solidFill>
-                  <a:schemeClr val="accent5">
-                    <a:lumMod val="75000"/>
-                  </a:schemeClr>
-                </a:solidFill>
-              </a:rPr>
-              <a:t>SQL Query</a:t>
-            </a:r>
-            <a:endParaRPr lang="ko-KR" altLang="en-US" sz="1200" dirty="0">
-              <a:solidFill>
-                <a:schemeClr val="accent5">
-                  <a:lumMod val="75000"/>
-                </a:schemeClr>
-              </a:solidFill>
-            </a:endParaRPr>
-          </a:p>
-        </p:txBody>
-      </p:sp>
-      <p:sp>
-        <p:nvSpPr>
-          <p:cNvPr id="30" name="TextBox 29">
-            <a:extLst>
-              <a:ext uri="{FF2B5EF4-FFF2-40B4-BE49-F238E27FC236}">
-                <a16:creationId xmlns:a16="http://schemas.microsoft.com/office/drawing/2014/main" id="{91AE1C03-B6E7-43DF-958F-5DC053FD3A7B}"/>
+              <a:rPr lang="en-US" altLang="ko-KR" sz="1400" dirty="0"/>
+              <a:t>API</a:t>
+            </a:r>
+            <a:endParaRPr lang="ko-KR" altLang="en-US" sz="1400" dirty="0"/>
+          </a:p>
+        </p:txBody>
+      </p:sp>
+      <p:sp>
+        <p:nvSpPr>
+          <p:cNvPr id="74" name="TextBox 73">
+            <a:extLst>
+              <a:ext uri="{FF2B5EF4-FFF2-40B4-BE49-F238E27FC236}">
+                <a16:creationId xmlns:a16="http://schemas.microsoft.com/office/drawing/2014/main" id="{E6E5EADE-0C18-4CBB-8486-B75CBE6CEE6A}"/>
               </a:ext>
             </a:extLst>
           </p:cNvPr>
@@ -10609,8 +11368,8 @@
         </p:nvSpPr>
         <p:spPr>
           <a:xfrm>
-            <a:off x="2797206" y="3331203"/>
-            <a:ext cx="1091214" cy="523220"/>
+            <a:off x="2144244" y="1826229"/>
+            <a:ext cx="900272" cy="276999"/>
           </a:xfrm>
           <a:prstGeom prst="rect">
             <a:avLst/>
@@ -10624,58 +11383,209 @@
           <a:lstStyle/>
           <a:p>
             <a:r>
-              <a:rPr lang="en-US" altLang="ko-KR" sz="1400" dirty="0">
-                <a:solidFill>
-                  <a:schemeClr val="accent5">
-                    <a:lumMod val="75000"/>
-                  </a:schemeClr>
-                </a:solidFill>
-              </a:rPr>
-              <a:t>Python,</a:t>
-            </a:r>
-          </a:p>
-          <a:p>
-            <a:r>
-              <a:rPr lang="en-US" altLang="ko-KR" sz="1400" dirty="0">
-                <a:solidFill>
-                  <a:schemeClr val="accent5">
-                    <a:lumMod val="75000"/>
-                  </a:schemeClr>
-                </a:solidFill>
-              </a:rPr>
-              <a:t>SQL Query</a:t>
-            </a:r>
-            <a:endParaRPr lang="ko-KR" altLang="en-US" sz="1400" dirty="0">
-              <a:solidFill>
-                <a:schemeClr val="accent5">
-                  <a:lumMod val="75000"/>
-                </a:schemeClr>
-              </a:solidFill>
-            </a:endParaRPr>
-          </a:p>
-        </p:txBody>
-      </p:sp>
-      <p:sp>
-        <p:nvSpPr>
-          <p:cNvPr id="34" name="TextBox 33">
-            <a:extLst>
-              <a:ext uri="{FF2B5EF4-FFF2-40B4-BE49-F238E27FC236}">
-                <a16:creationId xmlns:a16="http://schemas.microsoft.com/office/drawing/2014/main" id="{82FB7C2D-F8AB-463E-A458-3100C240C5BB}"/>
-              </a:ext>
-            </a:extLst>
-          </p:cNvPr>
-          <p:cNvSpPr txBox="1"/>
+              <a:rPr lang="en-US" altLang="ko-KR" sz="1200" dirty="0"/>
+              <a:t>Crawling</a:t>
+            </a:r>
+            <a:endParaRPr lang="ko-KR" altLang="en-US" sz="1200" dirty="0"/>
+          </a:p>
+        </p:txBody>
+      </p:sp>
+      <p:pic>
+        <p:nvPicPr>
+          <p:cNvPr id="1034" name="Picture 10" descr="íì´í pngì ëí ì´ë¯¸ì§ ê²ìê²°ê³¼">
+            <a:extLst>
+              <a:ext uri="{FF2B5EF4-FFF2-40B4-BE49-F238E27FC236}">
+                <a16:creationId xmlns:a16="http://schemas.microsoft.com/office/drawing/2014/main" id="{AE5D231A-8997-4142-AB45-05898466F774}"/>
+              </a:ext>
+            </a:extLst>
+          </p:cNvPr>
+          <p:cNvPicPr>
+            <a:picLocks noChangeAspect="1" noChangeArrowheads="1"/>
+          </p:cNvPicPr>
           <p:nvPr/>
-        </p:nvSpPr>
-        <p:spPr>
-          <a:xfrm>
-            <a:off x="5870125" y="5632045"/>
-            <a:ext cx="669877" cy="830997"/>
+        </p:nvPicPr>
+        <p:blipFill>
+          <a:blip r:embed="rId7">
+            <a:extLst>
+              <a:ext uri="{BEBA8EAE-BF5A-486C-A8C5-ECC9F3942E4B}">
+                <a14:imgProps xmlns:a14="http://schemas.microsoft.com/office/drawing/2010/main">
+                  <a14:imgLayer r:embed="rId8">
+                    <a14:imgEffect>
+                      <a14:backgroundRemoval t="104" b="99060" l="4615" r="92462">
+                        <a14:foregroundMark x1="51231" y1="87565" x2="92462" y2="88401"/>
+                        <a14:foregroundMark x1="84769" y1="89969" x2="53077" y2="89133"/>
+                        <a14:foregroundMark x1="50000" y1="88401" x2="91231" y2="87565"/>
+                        <a14:foregroundMark x1="82462" y1="94357" x2="61231" y2="99164"/>
+                        <a14:foregroundMark x1="56000" y1="90387" x2="63538" y2="92372"/>
+                        <a14:foregroundMark x1="20000" y1="16823" x2="4769" y2="19645"/>
+                        <a14:foregroundMark x1="18308" y1="14420" x2="44154" y2="104"/>
+                      </a14:backgroundRemoval>
+                    </a14:imgEffect>
+                  </a14:imgLayer>
+                </a14:imgProps>
+              </a:ext>
+              <a:ext uri="{28A0092B-C50C-407E-A947-70E740481C1C}">
+                <a14:useLocalDpi xmlns:a14="http://schemas.microsoft.com/office/drawing/2010/main" val="0"/>
+              </a:ext>
+            </a:extLst>
+          </a:blip>
+          <a:srcRect/>
+          <a:stretch>
+            <a:fillRect/>
+          </a:stretch>
+        </p:blipFill>
+        <p:spPr bwMode="auto">
+          <a:xfrm rot="5400000">
+            <a:off x="2286972" y="1295193"/>
+            <a:ext cx="404675" cy="595840"/>
           </a:xfrm>
           <a:prstGeom prst="rect">
             <a:avLst/>
           </a:prstGeom>
           <a:noFill/>
+          <a:extLst>
+            <a:ext uri="{909E8E84-426E-40DD-AFC4-6F175D3DCCD1}">
+              <a14:hiddenFill xmlns:a14="http://schemas.microsoft.com/office/drawing/2010/main">
+                <a:solidFill>
+                  <a:srgbClr val="FFFFFF"/>
+                </a:solidFill>
+              </a14:hiddenFill>
+            </a:ext>
+          </a:extLst>
+        </p:spPr>
+      </p:pic>
+      <p:pic>
+        <p:nvPicPr>
+          <p:cNvPr id="1036" name="Picture 12" descr="ë°ì´í° ë² ì´ì¤ ìì´ì½ pngì ëí ì´ë¯¸ì§ ê²ìê²°ê³¼">
+            <a:extLst>
+              <a:ext uri="{FF2B5EF4-FFF2-40B4-BE49-F238E27FC236}">
+                <a16:creationId xmlns:a16="http://schemas.microsoft.com/office/drawing/2014/main" id="{FDBA63A2-F4D9-4F86-8BB6-FAB5419CBDDD}"/>
+              </a:ext>
+            </a:extLst>
+          </p:cNvPr>
+          <p:cNvPicPr>
+            <a:picLocks noChangeAspect="1" noChangeArrowheads="1"/>
+          </p:cNvPicPr>
+          <p:nvPr/>
+        </p:nvPicPr>
+        <p:blipFill>
+          <a:blip r:embed="rId9">
+            <a:extLst>
+              <a:ext uri="{28A0092B-C50C-407E-A947-70E740481C1C}">
+                <a14:useLocalDpi xmlns:a14="http://schemas.microsoft.com/office/drawing/2010/main" val="0"/>
+              </a:ext>
+            </a:extLst>
+          </a:blip>
+          <a:srcRect/>
+          <a:stretch>
+            <a:fillRect/>
+          </a:stretch>
+        </p:blipFill>
+        <p:spPr bwMode="auto">
+          <a:xfrm>
+            <a:off x="5962077" y="991045"/>
+            <a:ext cx="1276923" cy="1276923"/>
+          </a:xfrm>
+          <a:prstGeom prst="rect">
+            <a:avLst/>
+          </a:prstGeom>
+          <a:noFill/>
+          <a:extLst>
+            <a:ext uri="{909E8E84-426E-40DD-AFC4-6F175D3DCCD1}">
+              <a14:hiddenFill xmlns:a14="http://schemas.microsoft.com/office/drawing/2010/main">
+                <a:solidFill>
+                  <a:srgbClr val="FFFFFF"/>
+                </a:solidFill>
+              </a14:hiddenFill>
+            </a:ext>
+          </a:extLst>
+        </p:spPr>
+      </p:pic>
+      <p:pic>
+        <p:nvPicPr>
+          <p:cNvPr id="78" name="Picture 10" descr="íì´í pngì ëí ì´ë¯¸ì§ ê²ìê²°ê³¼">
+            <a:extLst>
+              <a:ext uri="{FF2B5EF4-FFF2-40B4-BE49-F238E27FC236}">
+                <a16:creationId xmlns:a16="http://schemas.microsoft.com/office/drawing/2014/main" id="{9571127C-AFE1-4D85-840A-6993641E4284}"/>
+              </a:ext>
+            </a:extLst>
+          </p:cNvPr>
+          <p:cNvPicPr>
+            <a:picLocks noChangeAspect="1" noChangeArrowheads="1"/>
+          </p:cNvPicPr>
+          <p:nvPr/>
+        </p:nvPicPr>
+        <p:blipFill>
+          <a:blip r:embed="rId7">
+            <a:extLst>
+              <a:ext uri="{BEBA8EAE-BF5A-486C-A8C5-ECC9F3942E4B}">
+                <a14:imgProps xmlns:a14="http://schemas.microsoft.com/office/drawing/2010/main">
+                  <a14:imgLayer r:embed="rId8">
+                    <a14:imgEffect>
+                      <a14:backgroundRemoval t="104" b="99060" l="4615" r="92462">
+                        <a14:foregroundMark x1="51231" y1="87565" x2="92462" y2="88401"/>
+                        <a14:foregroundMark x1="84769" y1="89969" x2="53077" y2="89133"/>
+                        <a14:foregroundMark x1="50000" y1="88401" x2="91231" y2="87565"/>
+                        <a14:foregroundMark x1="82462" y1="94357" x2="61231" y2="99164"/>
+                        <a14:foregroundMark x1="56000" y1="90387" x2="63538" y2="92372"/>
+                        <a14:foregroundMark x1="20000" y1="16823" x2="4769" y2="19645"/>
+                        <a14:foregroundMark x1="18308" y1="14420" x2="44154" y2="104"/>
+                      </a14:backgroundRemoval>
+                    </a14:imgEffect>
+                  </a14:imgLayer>
+                </a14:imgProps>
+              </a:ext>
+              <a:ext uri="{28A0092B-C50C-407E-A947-70E740481C1C}">
+                <a14:useLocalDpi xmlns:a14="http://schemas.microsoft.com/office/drawing/2010/main" val="0"/>
+              </a:ext>
+            </a:extLst>
+          </a:blip>
+          <a:srcRect/>
+          <a:stretch>
+            <a:fillRect/>
+          </a:stretch>
+        </p:blipFill>
+        <p:spPr bwMode="auto">
+          <a:xfrm rot="5400000">
+            <a:off x="5342913" y="1288299"/>
+            <a:ext cx="404675" cy="595840"/>
+          </a:xfrm>
+          <a:prstGeom prst="rect">
+            <a:avLst/>
+          </a:prstGeom>
+          <a:noFill/>
+          <a:extLst>
+            <a:ext uri="{909E8E84-426E-40DD-AFC4-6F175D3DCCD1}">
+              <a14:hiddenFill xmlns:a14="http://schemas.microsoft.com/office/drawing/2010/main">
+                <a:solidFill>
+                  <a:srgbClr val="FFFFFF"/>
+                </a:solidFill>
+              </a14:hiddenFill>
+            </a:ext>
+          </a:extLst>
+        </p:spPr>
+      </p:pic>
+      <p:sp>
+        <p:nvSpPr>
+          <p:cNvPr id="68" name="TextBox 67">
+            <a:extLst>
+              <a:ext uri="{FF2B5EF4-FFF2-40B4-BE49-F238E27FC236}">
+                <a16:creationId xmlns:a16="http://schemas.microsoft.com/office/drawing/2014/main" id="{25D17263-191F-4096-8A50-645977B59641}"/>
+              </a:ext>
+            </a:extLst>
+          </p:cNvPr>
+          <p:cNvSpPr txBox="1"/>
+          <p:nvPr/>
+        </p:nvSpPr>
+        <p:spPr>
+          <a:xfrm>
+            <a:off x="6217280" y="991045"/>
+            <a:ext cx="796824" cy="523220"/>
+          </a:xfrm>
+          <a:prstGeom prst="rect">
+            <a:avLst/>
+          </a:prstGeom>
+          <a:noFill/>
         </p:spPr>
         <p:txBody>
           <a:bodyPr wrap="square" rtlCol="0">
@@ -10684,58 +11594,1328 @@
           <a:lstStyle/>
           <a:p>
             <a:r>
-              <a:rPr lang="en-US" altLang="ko-KR" sz="1200" dirty="0" err="1">
+              <a:rPr lang="ko-KR" altLang="en-US" sz="1400" dirty="0">
                 <a:solidFill>
-                  <a:schemeClr val="accent5">
-                    <a:lumMod val="75000"/>
-                  </a:schemeClr>
+                  <a:schemeClr val="bg1"/>
                 </a:solidFill>
               </a:rPr>
-              <a:t>Pythonpickle</a:t>
-            </a:r>
-            <a:endParaRPr lang="en-US" altLang="ko-KR" sz="1200" dirty="0">
-              <a:solidFill>
-                <a:schemeClr val="accent5">
-                  <a:lumMod val="75000"/>
-                </a:schemeClr>
-              </a:solidFill>
-            </a:endParaRPr>
-          </a:p>
-          <a:p>
-            <a:r>
-              <a:rPr lang="en-US" altLang="ko-KR" sz="1200" dirty="0">
-                <a:solidFill>
-                  <a:schemeClr val="accent5">
-                    <a:lumMod val="75000"/>
-                  </a:schemeClr>
-                </a:solidFill>
-              </a:rPr>
-              <a:t>File system</a:t>
-            </a:r>
-          </a:p>
-        </p:txBody>
-      </p:sp>
-      <p:sp>
-        <p:nvSpPr>
-          <p:cNvPr id="36" name="TextBox 35">
-            <a:extLst>
-              <a:ext uri="{FF2B5EF4-FFF2-40B4-BE49-F238E27FC236}">
-                <a16:creationId xmlns:a16="http://schemas.microsoft.com/office/drawing/2014/main" id="{8153D64F-A9CA-4FA7-993B-D9652C865869}"/>
-              </a:ext>
-            </a:extLst>
-          </p:cNvPr>
-          <p:cNvSpPr txBox="1"/>
+              <a:t>데이터 베이스</a:t>
+            </a:r>
+          </a:p>
+        </p:txBody>
+      </p:sp>
+      <p:pic>
+        <p:nvPicPr>
+          <p:cNvPr id="80" name="Picture 10" descr="íì´í pngì ëí ì´ë¯¸ì§ ê²ìê²°ê³¼">
+            <a:extLst>
+              <a:ext uri="{FF2B5EF4-FFF2-40B4-BE49-F238E27FC236}">
+                <a16:creationId xmlns:a16="http://schemas.microsoft.com/office/drawing/2014/main" id="{1BA85951-181A-4447-A3A1-891791FEDBF2}"/>
+              </a:ext>
+            </a:extLst>
+          </p:cNvPr>
+          <p:cNvPicPr>
+            <a:picLocks noChangeAspect="1" noChangeArrowheads="1"/>
+          </p:cNvPicPr>
           <p:nvPr/>
-        </p:nvSpPr>
-        <p:spPr>
-          <a:xfrm>
-            <a:off x="8170476" y="5533947"/>
-            <a:ext cx="669877" cy="646331"/>
+        </p:nvPicPr>
+        <p:blipFill>
+          <a:blip r:embed="rId7">
+            <a:extLst>
+              <a:ext uri="{BEBA8EAE-BF5A-486C-A8C5-ECC9F3942E4B}">
+                <a14:imgProps xmlns:a14="http://schemas.microsoft.com/office/drawing/2010/main">
+                  <a14:imgLayer r:embed="rId8">
+                    <a14:imgEffect>
+                      <a14:backgroundRemoval t="104" b="99060" l="4615" r="92462">
+                        <a14:foregroundMark x1="51231" y1="87565" x2="92462" y2="88401"/>
+                        <a14:foregroundMark x1="84769" y1="89969" x2="53077" y2="89133"/>
+                        <a14:foregroundMark x1="50000" y1="88401" x2="91231" y2="87565"/>
+                        <a14:foregroundMark x1="82462" y1="94357" x2="61231" y2="99164"/>
+                        <a14:foregroundMark x1="56000" y1="90387" x2="63538" y2="92372"/>
+                        <a14:foregroundMark x1="20000" y1="16823" x2="4769" y2="19645"/>
+                        <a14:foregroundMark x1="18308" y1="14420" x2="44154" y2="104"/>
+                      </a14:backgroundRemoval>
+                    </a14:imgEffect>
+                  </a14:imgLayer>
+                </a14:imgProps>
+              </a:ext>
+              <a:ext uri="{28A0092B-C50C-407E-A947-70E740481C1C}">
+                <a14:useLocalDpi xmlns:a14="http://schemas.microsoft.com/office/drawing/2010/main" val="0"/>
+              </a:ext>
+            </a:extLst>
+          </a:blip>
+          <a:srcRect/>
+          <a:stretch>
+            <a:fillRect/>
+          </a:stretch>
+        </p:blipFill>
+        <p:spPr bwMode="auto">
+          <a:xfrm rot="5400000">
+            <a:off x="7467280" y="1256273"/>
+            <a:ext cx="404675" cy="595840"/>
           </a:xfrm>
           <a:prstGeom prst="rect">
             <a:avLst/>
           </a:prstGeom>
           <a:noFill/>
+          <a:extLst>
+            <a:ext uri="{909E8E84-426E-40DD-AFC4-6F175D3DCCD1}">
+              <a14:hiddenFill xmlns:a14="http://schemas.microsoft.com/office/drawing/2010/main">
+                <a:solidFill>
+                  <a:srgbClr val="FFFFFF"/>
+                </a:solidFill>
+              </a14:hiddenFill>
+            </a:ext>
+          </a:extLst>
+        </p:spPr>
+      </p:pic>
+      <p:pic>
+        <p:nvPicPr>
+          <p:cNvPr id="81" name="Picture 10" descr="íì´í pngì ëí ì´ë¯¸ì§ ê²ìê²°ê³¼">
+            <a:extLst>
+              <a:ext uri="{FF2B5EF4-FFF2-40B4-BE49-F238E27FC236}">
+                <a16:creationId xmlns:a16="http://schemas.microsoft.com/office/drawing/2014/main" id="{B7C97C3F-4075-4267-BB99-B6471FD6894C}"/>
+              </a:ext>
+            </a:extLst>
+          </p:cNvPr>
+          <p:cNvPicPr>
+            <a:picLocks noChangeAspect="1" noChangeArrowheads="1"/>
+          </p:cNvPicPr>
+          <p:nvPr/>
+        </p:nvPicPr>
+        <p:blipFill>
+          <a:blip r:embed="rId7">
+            <a:duotone>
+              <a:schemeClr val="accent6">
+                <a:shade val="45000"/>
+                <a:satMod val="135000"/>
+              </a:schemeClr>
+              <a:prstClr val="white"/>
+            </a:duotone>
+            <a:extLst>
+              <a:ext uri="{BEBA8EAE-BF5A-486C-A8C5-ECC9F3942E4B}">
+                <a14:imgProps xmlns:a14="http://schemas.microsoft.com/office/drawing/2010/main">
+                  <a14:imgLayer r:embed="rId8">
+                    <a14:imgEffect>
+                      <a14:backgroundRemoval t="104" b="99060" l="4615" r="92462">
+                        <a14:foregroundMark x1="51231" y1="87565" x2="92462" y2="88401"/>
+                        <a14:foregroundMark x1="84769" y1="89969" x2="53077" y2="89133"/>
+                        <a14:foregroundMark x1="50000" y1="88401" x2="91231" y2="87565"/>
+                        <a14:foregroundMark x1="82462" y1="94357" x2="61231" y2="99164"/>
+                        <a14:foregroundMark x1="56000" y1="90387" x2="63538" y2="92372"/>
+                        <a14:foregroundMark x1="20000" y1="16823" x2="4769" y2="19645"/>
+                        <a14:foregroundMark x1="18308" y1="14420" x2="44154" y2="104"/>
+                      </a14:backgroundRemoval>
+                    </a14:imgEffect>
+                  </a14:imgLayer>
+                </a14:imgProps>
+              </a:ext>
+              <a:ext uri="{28A0092B-C50C-407E-A947-70E740481C1C}">
+                <a14:useLocalDpi xmlns:a14="http://schemas.microsoft.com/office/drawing/2010/main" val="0"/>
+              </a:ext>
+            </a:extLst>
+          </a:blip>
+          <a:srcRect/>
+          <a:stretch>
+            <a:fillRect/>
+          </a:stretch>
+        </p:blipFill>
+        <p:spPr bwMode="auto">
+          <a:xfrm rot="9458342" flipH="1">
+            <a:off x="6413354" y="2413261"/>
+            <a:ext cx="404676" cy="595841"/>
+          </a:xfrm>
+          <a:prstGeom prst="rect">
+            <a:avLst/>
+          </a:prstGeom>
+          <a:noFill/>
+          <a:extLst>
+            <a:ext uri="{909E8E84-426E-40DD-AFC4-6F175D3DCCD1}">
+              <a14:hiddenFill xmlns:a14="http://schemas.microsoft.com/office/drawing/2010/main">
+                <a:solidFill>
+                  <a:srgbClr val="FFFFFF"/>
+                </a:solidFill>
+              </a14:hiddenFill>
+            </a:ext>
+          </a:extLst>
+        </p:spPr>
+      </p:pic>
+      <p:grpSp>
+        <p:nvGrpSpPr>
+          <p:cNvPr id="76" name="그룹 75">
+            <a:extLst>
+              <a:ext uri="{FF2B5EF4-FFF2-40B4-BE49-F238E27FC236}">
+                <a16:creationId xmlns:a16="http://schemas.microsoft.com/office/drawing/2014/main" id="{A478385D-F046-4F3B-8009-20523FE0592B}"/>
+              </a:ext>
+            </a:extLst>
+          </p:cNvPr>
+          <p:cNvGrpSpPr/>
+          <p:nvPr/>
+        </p:nvGrpSpPr>
+        <p:grpSpPr>
+          <a:xfrm>
+            <a:off x="140052" y="3345835"/>
+            <a:ext cx="1782335" cy="1943712"/>
+            <a:chOff x="162908" y="4296152"/>
+            <a:chExt cx="1782335" cy="1943712"/>
+          </a:xfrm>
+        </p:grpSpPr>
+        <p:grpSp>
+          <p:nvGrpSpPr>
+            <p:cNvPr id="75" name="그룹 74">
+              <a:extLst>
+                <a:ext uri="{FF2B5EF4-FFF2-40B4-BE49-F238E27FC236}">
+                  <a16:creationId xmlns:a16="http://schemas.microsoft.com/office/drawing/2014/main" id="{5F8EB686-3612-408A-AC6F-67B47D627EE2}"/>
+                </a:ext>
+              </a:extLst>
+            </p:cNvPr>
+            <p:cNvGrpSpPr/>
+            <p:nvPr/>
+          </p:nvGrpSpPr>
+          <p:grpSpPr>
+            <a:xfrm>
+              <a:off x="162908" y="4296152"/>
+              <a:ext cx="1736623" cy="1943712"/>
+              <a:chOff x="162908" y="4296152"/>
+              <a:chExt cx="1736623" cy="1943712"/>
+            </a:xfrm>
+          </p:grpSpPr>
+          <p:pic>
+            <p:nvPicPr>
+              <p:cNvPr id="1046" name="Picture 22" descr="client pngì ëí ì´ë¯¸ì§ ê²ìê²°ê³¼">
+                <a:extLst>
+                  <a:ext uri="{FF2B5EF4-FFF2-40B4-BE49-F238E27FC236}">
+                    <a16:creationId xmlns:a16="http://schemas.microsoft.com/office/drawing/2014/main" id="{7622D009-9158-43F4-9738-08E7F2225E23}"/>
+                  </a:ext>
+                </a:extLst>
+              </p:cNvPr>
+              <p:cNvPicPr>
+                <a:picLocks noChangeAspect="1" noChangeArrowheads="1"/>
+              </p:cNvPicPr>
+              <p:nvPr/>
+            </p:nvPicPr>
+            <p:blipFill>
+              <a:blip r:embed="rId10">
+                <a:duotone>
+                  <a:schemeClr val="accent5">
+                    <a:shade val="45000"/>
+                    <a:satMod val="135000"/>
+                  </a:schemeClr>
+                  <a:prstClr val="white"/>
+                </a:duotone>
+                <a:extLst>
+                  <a:ext uri="{28A0092B-C50C-407E-A947-70E740481C1C}">
+                    <a14:useLocalDpi xmlns:a14="http://schemas.microsoft.com/office/drawing/2010/main" val="0"/>
+                  </a:ext>
+                </a:extLst>
+              </a:blip>
+              <a:srcRect/>
+              <a:stretch>
+                <a:fillRect/>
+              </a:stretch>
+            </p:blipFill>
+            <p:spPr bwMode="auto">
+              <a:xfrm>
+                <a:off x="162908" y="4503241"/>
+                <a:ext cx="1736623" cy="1736623"/>
+              </a:xfrm>
+              <a:prstGeom prst="rect">
+                <a:avLst/>
+              </a:prstGeom>
+              <a:noFill/>
+              <a:extLst>
+                <a:ext uri="{909E8E84-426E-40DD-AFC4-6F175D3DCCD1}">
+                  <a14:hiddenFill xmlns:a14="http://schemas.microsoft.com/office/drawing/2010/main">
+                    <a:solidFill>
+                      <a:srgbClr val="FFFFFF"/>
+                    </a:solidFill>
+                  </a14:hiddenFill>
+                </a:ext>
+              </a:extLst>
+            </p:spPr>
+          </p:pic>
+          <p:pic>
+            <p:nvPicPr>
+              <p:cNvPr id="89" name="Picture 2" descr="í¸ìì¹ì ëí ì´ë¯¸ì§ ê²ìê²°ê³¼">
+                <a:extLst>
+                  <a:ext uri="{FF2B5EF4-FFF2-40B4-BE49-F238E27FC236}">
+                    <a16:creationId xmlns:a16="http://schemas.microsoft.com/office/drawing/2014/main" id="{03CD7F47-ECAF-4980-8EB8-07DBA8713D81}"/>
+                  </a:ext>
+                </a:extLst>
+              </p:cNvPr>
+              <p:cNvPicPr>
+                <a:picLocks noChangeAspect="1" noChangeArrowheads="1"/>
+              </p:cNvPicPr>
+              <p:nvPr/>
+            </p:nvPicPr>
+            <p:blipFill>
+              <a:blip r:embed="rId11">
+                <a:extLst>
+                  <a:ext uri="{BEBA8EAE-BF5A-486C-A8C5-ECC9F3942E4B}">
+                    <a14:imgProps xmlns:a14="http://schemas.microsoft.com/office/drawing/2010/main">
+                      <a14:imgLayer r:embed="rId12">
+                        <a14:imgEffect>
+                          <a14:backgroundRemoval t="10000" b="90000" l="10000" r="90000"/>
+                        </a14:imgEffect>
+                      </a14:imgLayer>
+                    </a14:imgProps>
+                  </a:ext>
+                  <a:ext uri="{28A0092B-C50C-407E-A947-70E740481C1C}">
+                    <a14:useLocalDpi xmlns:a14="http://schemas.microsoft.com/office/drawing/2010/main" val="0"/>
+                  </a:ext>
+                </a:extLst>
+              </a:blip>
+              <a:srcRect/>
+              <a:stretch>
+                <a:fillRect/>
+              </a:stretch>
+            </p:blipFill>
+            <p:spPr bwMode="auto">
+              <a:xfrm>
+                <a:off x="484216" y="4296152"/>
+                <a:ext cx="1094006" cy="649170"/>
+              </a:xfrm>
+              <a:prstGeom prst="rect">
+                <a:avLst/>
+              </a:prstGeom>
+              <a:noFill/>
+              <a:extLst>
+                <a:ext uri="{909E8E84-426E-40DD-AFC4-6F175D3DCCD1}">
+                  <a14:hiddenFill xmlns:a14="http://schemas.microsoft.com/office/drawing/2010/main">
+                    <a:solidFill>
+                      <a:srgbClr val="FFFFFF"/>
+                    </a:solidFill>
+                  </a14:hiddenFill>
+                </a:ext>
+              </a:extLst>
+            </p:spPr>
+          </p:pic>
+          <p:pic>
+            <p:nvPicPr>
+              <p:cNvPr id="90" name="Picture 2" descr="ì íë¸ ë¡ê³  pngì ëí ì´ë¯¸ì§ ê²ìê²°ê³¼">
+                <a:extLst>
+                  <a:ext uri="{FF2B5EF4-FFF2-40B4-BE49-F238E27FC236}">
+                    <a16:creationId xmlns:a16="http://schemas.microsoft.com/office/drawing/2014/main" id="{43EBCE2E-679E-4215-A345-4668705063A7}"/>
+                  </a:ext>
+                </a:extLst>
+              </p:cNvPr>
+              <p:cNvPicPr>
+                <a:picLocks noChangeAspect="1" noChangeArrowheads="1"/>
+              </p:cNvPicPr>
+              <p:nvPr/>
+            </p:nvPicPr>
+            <p:blipFill>
+              <a:blip r:embed="rId6">
+                <a:extLst>
+                  <a:ext uri="{28A0092B-C50C-407E-A947-70E740481C1C}">
+                    <a14:useLocalDpi xmlns:a14="http://schemas.microsoft.com/office/drawing/2010/main" val="0"/>
+                  </a:ext>
+                </a:extLst>
+              </a:blip>
+              <a:srcRect/>
+              <a:stretch>
+                <a:fillRect/>
+              </a:stretch>
+            </p:blipFill>
+            <p:spPr bwMode="auto">
+              <a:xfrm>
+                <a:off x="372410" y="5041757"/>
+                <a:ext cx="1197747" cy="745299"/>
+              </a:xfrm>
+              <a:prstGeom prst="rect">
+                <a:avLst/>
+              </a:prstGeom>
+              <a:noFill/>
+              <a:extLst>
+                <a:ext uri="{909E8E84-426E-40DD-AFC4-6F175D3DCCD1}">
+                  <a14:hiddenFill xmlns:a14="http://schemas.microsoft.com/office/drawing/2010/main">
+                    <a:solidFill>
+                      <a:srgbClr val="FFFFFF"/>
+                    </a:solidFill>
+                  </a14:hiddenFill>
+                </a:ext>
+              </a:extLst>
+            </p:spPr>
+          </p:pic>
+        </p:grpSp>
+        <p:pic>
+          <p:nvPicPr>
+            <p:cNvPr id="91" name="Picture 6" descr="ìíë¦¬ì¹´tv ë¡ê³  pngì ëí ì´ë¯¸ì§ ê²ìê²°ê³¼">
+              <a:extLst>
+                <a:ext uri="{FF2B5EF4-FFF2-40B4-BE49-F238E27FC236}">
+                  <a16:creationId xmlns:a16="http://schemas.microsoft.com/office/drawing/2014/main" id="{137C09EC-89EA-41B4-AAA4-0B6006084E09}"/>
+                </a:ext>
+              </a:extLst>
+            </p:cNvPr>
+            <p:cNvPicPr>
+              <a:picLocks noChangeAspect="1" noChangeArrowheads="1"/>
+            </p:cNvPicPr>
+            <p:nvPr/>
+          </p:nvPicPr>
+          <p:blipFill>
+            <a:blip r:embed="rId13">
+              <a:extLst>
+                <a:ext uri="{BEBA8EAE-BF5A-486C-A8C5-ECC9F3942E4B}">
+                  <a14:imgProps xmlns:a14="http://schemas.microsoft.com/office/drawing/2010/main">
+                    <a14:imgLayer r:embed="rId14">
+                      <a14:imgEffect>
+                        <a14:backgroundRemoval t="8989" b="92135" l="1379" r="97241">
+                          <a14:foregroundMark x1="6207" y1="67416" x2="34943" y2="78652"/>
+                          <a14:foregroundMark x1="34943" y1="78652" x2="63448" y2="51685"/>
+                          <a14:foregroundMark x1="63448" y1="51685" x2="90805" y2="53933"/>
+                          <a14:foregroundMark x1="90805" y1="53933" x2="91034" y2="56180"/>
+                          <a14:foregroundMark x1="7126" y1="49438" x2="7586" y2="56180"/>
+                          <a14:foregroundMark x1="5517" y1="48315" x2="1839" y2="47191"/>
+                          <a14:foregroundMark x1="84828" y1="39326" x2="91724" y2="92135"/>
+                          <a14:foregroundMark x1="95862" y1="41573" x2="97241" y2="82022"/>
+                          <a14:foregroundMark x1="91264" y1="33708" x2="91210" y2="33503"/>
+                          <a14:foregroundMark x1="92414" y1="53933" x2="90319" y2="39478"/>
+                          <a14:foregroundMark x1="92644" y1="42697" x2="91288" y2="32979"/>
+                          <a14:foregroundMark x1="89195" y1="21348" x2="95632" y2="20225"/>
+                          <a14:foregroundMark x1="90575" y1="30337" x2="89425" y2="23596"/>
+                          <a14:foregroundMark x1="90345" y1="22472" x2="88046" y2="21348"/>
+                          <a14:backgroundMark x1="87185" y1="14319" x2="86207" y2="19101"/>
+                          <a14:backgroundMark x1="89572" y1="16162" x2="89779" y2="16768"/>
+                          <a14:backgroundMark x1="97471" y1="11236" x2="96363" y2="14486"/>
+                          <a14:backgroundMark x1="96552" y1="14607" x2="96241" y2="15443"/>
+                        </a14:backgroundRemoval>
+                      </a14:imgEffect>
+                    </a14:imgLayer>
+                  </a14:imgProps>
+                </a:ext>
+                <a:ext uri="{28A0092B-C50C-407E-A947-70E740481C1C}">
+                  <a14:useLocalDpi xmlns:a14="http://schemas.microsoft.com/office/drawing/2010/main" val="0"/>
+                </a:ext>
+              </a:extLst>
+            </a:blip>
+            <a:srcRect/>
+            <a:stretch>
+              <a:fillRect/>
+            </a:stretch>
+          </p:blipFill>
+          <p:spPr bwMode="auto">
+            <a:xfrm>
+              <a:off x="183024" y="5789640"/>
+              <a:ext cx="1762219" cy="360546"/>
+            </a:xfrm>
+            <a:prstGeom prst="rect">
+              <a:avLst/>
+            </a:prstGeom>
+            <a:noFill/>
+            <a:extLst>
+              <a:ext uri="{909E8E84-426E-40DD-AFC4-6F175D3DCCD1}">
+                <a14:hiddenFill xmlns:a14="http://schemas.microsoft.com/office/drawing/2010/main">
+                  <a:solidFill>
+                    <a:srgbClr val="FFFFFF"/>
+                  </a:solidFill>
+                </a14:hiddenFill>
+              </a:ext>
+            </a:extLst>
+          </p:spPr>
+        </p:pic>
+      </p:grpSp>
+      <p:pic>
+        <p:nvPicPr>
+          <p:cNvPr id="94" name="Picture 2" descr="í¸ìì¹ì ëí ì´ë¯¸ì§ ê²ìê²°ê³¼">
+            <a:extLst>
+              <a:ext uri="{FF2B5EF4-FFF2-40B4-BE49-F238E27FC236}">
+                <a16:creationId xmlns:a16="http://schemas.microsoft.com/office/drawing/2014/main" id="{2BFAA4E6-D230-493B-B619-EFFB2FC5A09E}"/>
+              </a:ext>
+            </a:extLst>
+          </p:cNvPr>
+          <p:cNvPicPr>
+            <a:picLocks noChangeAspect="1" noChangeArrowheads="1"/>
+          </p:cNvPicPr>
+          <p:nvPr/>
+        </p:nvPicPr>
+        <p:blipFill>
+          <a:blip r:embed="rId11">
+            <a:extLst>
+              <a:ext uri="{BEBA8EAE-BF5A-486C-A8C5-ECC9F3942E4B}">
+                <a14:imgProps xmlns:a14="http://schemas.microsoft.com/office/drawing/2010/main">
+                  <a14:imgLayer r:embed="rId12">
+                    <a14:imgEffect>
+                      <a14:backgroundRemoval t="10000" b="90000" l="10000" r="90000"/>
+                    </a14:imgEffect>
+                  </a14:imgLayer>
+                </a14:imgProps>
+              </a:ext>
+              <a:ext uri="{28A0092B-C50C-407E-A947-70E740481C1C}">
+                <a14:useLocalDpi xmlns:a14="http://schemas.microsoft.com/office/drawing/2010/main" val="0"/>
+              </a:ext>
+            </a:extLst>
+          </a:blip>
+          <a:srcRect/>
+          <a:stretch>
+            <a:fillRect/>
+          </a:stretch>
+        </p:blipFill>
+        <p:spPr bwMode="auto">
+          <a:xfrm>
+            <a:off x="122363" y="1539173"/>
+            <a:ext cx="1022132" cy="606521"/>
+          </a:xfrm>
+          <a:prstGeom prst="rect">
+            <a:avLst/>
+          </a:prstGeom>
+          <a:noFill/>
+          <a:extLst>
+            <a:ext uri="{909E8E84-426E-40DD-AFC4-6F175D3DCCD1}">
+              <a14:hiddenFill xmlns:a14="http://schemas.microsoft.com/office/drawing/2010/main">
+                <a:solidFill>
+                  <a:srgbClr val="FFFFFF"/>
+                </a:solidFill>
+              </a14:hiddenFill>
+            </a:ext>
+          </a:extLst>
+        </p:spPr>
+      </p:pic>
+      <p:pic>
+        <p:nvPicPr>
+          <p:cNvPr id="95" name="Picture 6" descr="ìíë¦¬ì¹´tv ë¡ê³  pngì ëí ì´ë¯¸ì§ ê²ìê²°ê³¼">
+            <a:extLst>
+              <a:ext uri="{FF2B5EF4-FFF2-40B4-BE49-F238E27FC236}">
+                <a16:creationId xmlns:a16="http://schemas.microsoft.com/office/drawing/2014/main" id="{2862768E-601C-4F1E-8B44-00AA23C42BC5}"/>
+              </a:ext>
+            </a:extLst>
+          </p:cNvPr>
+          <p:cNvPicPr>
+            <a:picLocks noChangeAspect="1" noChangeArrowheads="1"/>
+          </p:cNvPicPr>
+          <p:nvPr/>
+        </p:nvPicPr>
+        <p:blipFill>
+          <a:blip r:embed="rId13">
+            <a:extLst>
+              <a:ext uri="{BEBA8EAE-BF5A-486C-A8C5-ECC9F3942E4B}">
+                <a14:imgProps xmlns:a14="http://schemas.microsoft.com/office/drawing/2010/main">
+                  <a14:imgLayer r:embed="rId14">
+                    <a14:imgEffect>
+                      <a14:backgroundRemoval t="8989" b="92135" l="1379" r="97241">
+                        <a14:foregroundMark x1="6207" y1="67416" x2="34943" y2="78652"/>
+                        <a14:foregroundMark x1="34943" y1="78652" x2="63448" y2="51685"/>
+                        <a14:foregroundMark x1="63448" y1="51685" x2="90805" y2="53933"/>
+                        <a14:foregroundMark x1="90805" y1="53933" x2="91034" y2="56180"/>
+                        <a14:foregroundMark x1="7126" y1="49438" x2="7586" y2="56180"/>
+                        <a14:foregroundMark x1="5517" y1="48315" x2="1839" y2="47191"/>
+                        <a14:foregroundMark x1="84828" y1="39326" x2="91724" y2="92135"/>
+                        <a14:foregroundMark x1="95862" y1="41573" x2="97241" y2="82022"/>
+                        <a14:foregroundMark x1="91264" y1="33708" x2="91210" y2="33503"/>
+                        <a14:foregroundMark x1="92414" y1="53933" x2="90319" y2="39478"/>
+                        <a14:foregroundMark x1="92644" y1="42697" x2="91288" y2="32979"/>
+                        <a14:foregroundMark x1="89195" y1="21348" x2="95632" y2="20225"/>
+                        <a14:foregroundMark x1="90575" y1="30337" x2="89425" y2="23596"/>
+                        <a14:foregroundMark x1="90345" y1="22472" x2="88046" y2="21348"/>
+                        <a14:backgroundMark x1="87185" y1="14319" x2="86207" y2="19101"/>
+                        <a14:backgroundMark x1="89572" y1="16162" x2="89779" y2="16768"/>
+                        <a14:backgroundMark x1="97471" y1="11236" x2="96363" y2="14486"/>
+                        <a14:backgroundMark x1="96552" y1="14607" x2="96241" y2="15443"/>
+                      </a14:backgroundRemoval>
+                    </a14:imgEffect>
+                  </a14:imgLayer>
+                </a14:imgProps>
+              </a:ext>
+              <a:ext uri="{28A0092B-C50C-407E-A947-70E740481C1C}">
+                <a14:useLocalDpi xmlns:a14="http://schemas.microsoft.com/office/drawing/2010/main" val="0"/>
+              </a:ext>
+            </a:extLst>
+          </a:blip>
+          <a:srcRect/>
+          <a:stretch>
+            <a:fillRect/>
+          </a:stretch>
+        </p:blipFill>
+        <p:spPr bwMode="auto">
+          <a:xfrm>
+            <a:off x="793509" y="2234401"/>
+            <a:ext cx="1119058" cy="336859"/>
+          </a:xfrm>
+          <a:prstGeom prst="rect">
+            <a:avLst/>
+          </a:prstGeom>
+          <a:noFill/>
+          <a:extLst>
+            <a:ext uri="{909E8E84-426E-40DD-AFC4-6F175D3DCCD1}">
+              <a14:hiddenFill xmlns:a14="http://schemas.microsoft.com/office/drawing/2010/main">
+                <a:solidFill>
+                  <a:srgbClr val="FFFFFF"/>
+                </a:solidFill>
+              </a14:hiddenFill>
+            </a:ext>
+          </a:extLst>
+        </p:spPr>
+      </p:pic>
+      <p:grpSp>
+        <p:nvGrpSpPr>
+          <p:cNvPr id="70" name="그룹 69">
+            <a:extLst>
+              <a:ext uri="{FF2B5EF4-FFF2-40B4-BE49-F238E27FC236}">
+                <a16:creationId xmlns:a16="http://schemas.microsoft.com/office/drawing/2014/main" id="{603ECB83-CF38-4C69-93D8-5CAFC099D783}"/>
+              </a:ext>
+            </a:extLst>
+          </p:cNvPr>
+          <p:cNvGrpSpPr/>
+          <p:nvPr/>
+        </p:nvGrpSpPr>
+        <p:grpSpPr>
+          <a:xfrm>
+            <a:off x="3998430" y="4177963"/>
+            <a:ext cx="1966122" cy="2301959"/>
+            <a:chOff x="4463737" y="4052733"/>
+            <a:chExt cx="1966122" cy="2301959"/>
+          </a:xfrm>
+        </p:grpSpPr>
+        <p:grpSp>
+          <p:nvGrpSpPr>
+            <p:cNvPr id="5" name="그룹 4">
+              <a:extLst>
+                <a:ext uri="{FF2B5EF4-FFF2-40B4-BE49-F238E27FC236}">
+                  <a16:creationId xmlns:a16="http://schemas.microsoft.com/office/drawing/2014/main" id="{D6E0DBC5-1646-4845-81C7-577C9210CE85}"/>
+                </a:ext>
+              </a:extLst>
+            </p:cNvPr>
+            <p:cNvGrpSpPr/>
+            <p:nvPr/>
+          </p:nvGrpSpPr>
+          <p:grpSpPr>
+            <a:xfrm>
+              <a:off x="4463737" y="4439097"/>
+              <a:ext cx="1966122" cy="1915595"/>
+              <a:chOff x="4855907" y="1049623"/>
+              <a:chExt cx="2513538" cy="2513538"/>
+            </a:xfrm>
+          </p:grpSpPr>
+          <p:pic>
+            <p:nvPicPr>
+              <p:cNvPr id="55" name="Picture 12" descr="docker container icon pngì ëí ì´ë¯¸ì§ ê²ìê²°ê³¼">
+                <a:extLst>
+                  <a:ext uri="{FF2B5EF4-FFF2-40B4-BE49-F238E27FC236}">
+                    <a16:creationId xmlns:a16="http://schemas.microsoft.com/office/drawing/2014/main" id="{38A2179B-1F16-42E4-BEF9-AB53ADCDF94F}"/>
+                  </a:ext>
+                </a:extLst>
+              </p:cNvPr>
+              <p:cNvPicPr>
+                <a:picLocks noChangeAspect="1" noChangeArrowheads="1"/>
+              </p:cNvPicPr>
+              <p:nvPr/>
+            </p:nvPicPr>
+            <p:blipFill>
+              <a:blip r:embed="rId3">
+                <a:extLst>
+                  <a:ext uri="{BEBA8EAE-BF5A-486C-A8C5-ECC9F3942E4B}">
+                    <a14:imgProps xmlns:a14="http://schemas.microsoft.com/office/drawing/2010/main">
+                      <a14:imgLayer r:embed="rId4">
+                        <a14:imgEffect>
+                          <a14:backgroundRemoval t="10000" b="90000" l="3429" r="92000">
+                            <a14:foregroundMark x1="14286" y1="26000" x2="9143" y2="73143"/>
+                            <a14:foregroundMark x1="7429" y1="74286" x2="7429" y2="31714"/>
+                            <a14:foregroundMark x1="8571" y1="28286" x2="5143" y2="72571"/>
+                            <a14:foregroundMark x1="5143" y1="72571" x2="4571" y2="74000"/>
+                            <a14:foregroundMark x1="10000" y1="30286" x2="27714" y2="12571"/>
+                            <a14:foregroundMark x1="27429" y1="14571" x2="90857" y2="19429"/>
+                            <a14:foregroundMark x1="66000" y1="78286" x2="71429" y2="76000"/>
+                            <a14:foregroundMark x1="76286" y1="73143" x2="68571" y2="77429"/>
+                            <a14:foregroundMark x1="88000" y1="18286" x2="91143" y2="18857"/>
+                            <a14:foregroundMark x1="90286" y1="20000" x2="92000" y2="62000"/>
+                            <a14:foregroundMark x1="29143" y1="14571" x2="24286" y2="14857"/>
+                            <a14:foregroundMark x1="7714" y1="28857" x2="5429" y2="75429"/>
+                            <a14:foregroundMark x1="7143" y1="75143" x2="52286" y2="76571"/>
+                            <a14:foregroundMark x1="52286" y1="76571" x2="93714" y2="60286"/>
+                            <a14:foregroundMark x1="93714" y1="60286" x2="85714" y2="16571"/>
+                            <a14:foregroundMark x1="85714" y1="16571" x2="40286" y2="13429"/>
+                            <a14:foregroundMark x1="40286" y1="13429" x2="3429" y2="38857"/>
+                            <a14:foregroundMark x1="3429" y1="38857" x2="5714" y2="76571"/>
+                            <a14:foregroundMark x1="59714" y1="80571" x2="65714" y2="80286"/>
+                            <a14:backgroundMark x1="9143" y1="80571" x2="55143" y2="83143"/>
+                            <a14:backgroundMark x1="78488" y1="75486" x2="90857" y2="71429"/>
+                            <a14:backgroundMark x1="55143" y1="83143" x2="58883" y2="81916"/>
+                          </a14:backgroundRemoval>
+                        </a14:imgEffect>
+                      </a14:imgLayer>
+                    </a14:imgProps>
+                  </a:ext>
+                  <a:ext uri="{28A0092B-C50C-407E-A947-70E740481C1C}">
+                    <a14:useLocalDpi xmlns:a14="http://schemas.microsoft.com/office/drawing/2010/main" val="0"/>
+                  </a:ext>
+                </a:extLst>
+              </a:blip>
+              <a:srcRect/>
+              <a:stretch>
+                <a:fillRect/>
+              </a:stretch>
+            </p:blipFill>
+            <p:spPr bwMode="auto">
+              <a:xfrm>
+                <a:off x="4855907" y="1049623"/>
+                <a:ext cx="2513538" cy="2513538"/>
+              </a:xfrm>
+              <a:prstGeom prst="rect">
+                <a:avLst/>
+              </a:prstGeom>
+              <a:noFill/>
+              <a:extLst>
+                <a:ext uri="{909E8E84-426E-40DD-AFC4-6F175D3DCCD1}">
+                  <a14:hiddenFill xmlns:a14="http://schemas.microsoft.com/office/drawing/2010/main">
+                    <a:solidFill>
+                      <a:srgbClr val="FFFFFF"/>
+                    </a:solidFill>
+                  </a14:hiddenFill>
+                </a:ext>
+              </a:extLst>
+            </p:spPr>
+          </p:pic>
+          <p:sp>
+            <p:nvSpPr>
+              <p:cNvPr id="60" name="TextBox 59">
+                <a:extLst>
+                  <a:ext uri="{FF2B5EF4-FFF2-40B4-BE49-F238E27FC236}">
+                    <a16:creationId xmlns:a16="http://schemas.microsoft.com/office/drawing/2014/main" id="{617142EA-DC0B-43FA-BF68-58F4B454EE05}"/>
+                  </a:ext>
+                </a:extLst>
+              </p:cNvPr>
+              <p:cNvSpPr txBox="1"/>
+              <p:nvPr/>
+            </p:nvSpPr>
+            <p:spPr>
+              <a:xfrm>
+                <a:off x="5001769" y="2070630"/>
+                <a:ext cx="1606165" cy="686540"/>
+              </a:xfrm>
+              <a:prstGeom prst="rect">
+                <a:avLst/>
+              </a:prstGeom>
+              <a:noFill/>
+            </p:spPr>
+            <p:txBody>
+              <a:bodyPr wrap="square" rtlCol="0">
+                <a:spAutoFit/>
+              </a:bodyPr>
+              <a:lstStyle/>
+              <a:p>
+                <a:pPr algn="ctr"/>
+                <a:r>
+                  <a:rPr lang="en-US" altLang="ko-KR" sz="1400" dirty="0">
+                    <a:solidFill>
+                      <a:schemeClr val="bg1"/>
+                    </a:solidFill>
+                  </a:rPr>
+                  <a:t>2</a:t>
+                </a:r>
+                <a:r>
+                  <a:rPr lang="ko-KR" altLang="en-US" sz="1400" dirty="0">
+                    <a:solidFill>
+                      <a:schemeClr val="bg1"/>
+                    </a:solidFill>
+                  </a:rPr>
+                  <a:t>차</a:t>
+                </a:r>
+                <a:endParaRPr lang="en-US" altLang="ko-KR" sz="1400" dirty="0">
+                  <a:solidFill>
+                    <a:schemeClr val="bg1"/>
+                  </a:solidFill>
+                </a:endParaRPr>
+              </a:p>
+              <a:p>
+                <a:pPr algn="ctr"/>
+                <a:r>
+                  <a:rPr lang="ko-KR" altLang="en-US" sz="1400" dirty="0">
+                    <a:solidFill>
+                      <a:schemeClr val="bg1"/>
+                    </a:solidFill>
+                  </a:rPr>
+                  <a:t>데이터베이스</a:t>
+                </a:r>
+              </a:p>
+            </p:txBody>
+          </p:sp>
+        </p:grpSp>
+        <p:pic>
+          <p:nvPicPr>
+            <p:cNvPr id="96" name="Picture 12" descr="ë°ì´í° ë² ì´ì¤ ìì´ì½ pngì ëí ì´ë¯¸ì§ ê²ìê²°ê³¼">
+              <a:extLst>
+                <a:ext uri="{FF2B5EF4-FFF2-40B4-BE49-F238E27FC236}">
+                  <a16:creationId xmlns:a16="http://schemas.microsoft.com/office/drawing/2014/main" id="{0B56D621-6B5C-4C65-B1F6-D0CAC9837F96}"/>
+                </a:ext>
+              </a:extLst>
+            </p:cNvPr>
+            <p:cNvPicPr>
+              <a:picLocks noChangeAspect="1" noChangeArrowheads="1"/>
+            </p:cNvPicPr>
+            <p:nvPr/>
+          </p:nvPicPr>
+          <p:blipFill>
+            <a:blip r:embed="rId15">
+              <a:extLst>
+                <a:ext uri="{BEBA8EAE-BF5A-486C-A8C5-ECC9F3942E4B}">
+                  <a14:imgProps xmlns:a14="http://schemas.microsoft.com/office/drawing/2010/main">
+                    <a14:imgLayer r:embed="rId16">
+                      <a14:imgEffect>
+                        <a14:backgroundRemoval t="4889" b="93778" l="7556" r="90667">
+                          <a14:foregroundMark x1="10667" y1="16000" x2="24756" y2="85644"/>
+                          <a14:foregroundMark x1="78944" y1="81796" x2="94222" y2="65778"/>
+                          <a14:foregroundMark x1="94222" y1="65778" x2="80444" y2="28889"/>
+                          <a14:foregroundMark x1="80444" y1="28889" x2="50222" y2="4889"/>
+                          <a14:foregroundMark x1="50222" y1="4889" x2="21333" y2="20000"/>
+                          <a14:foregroundMark x1="25333" y1="29333" x2="16000" y2="53778"/>
+                          <a14:foregroundMark x1="32444" y1="30222" x2="28889" y2="52000"/>
+                          <a14:foregroundMark x1="49778" y1="27556" x2="23111" y2="70222"/>
+                          <a14:foregroundMark x1="51556" y1="30222" x2="29333" y2="72000"/>
+                          <a14:foregroundMark x1="29333" y1="72000" x2="40000" y2="63556"/>
+                          <a14:foregroundMark x1="66667" y1="31556" x2="50222" y2="69333"/>
+                          <a14:foregroundMark x1="50222" y1="69333" x2="54222" y2="67111"/>
+                          <a14:foregroundMark x1="69778" y1="38667" x2="52000" y2="73778"/>
+                          <a14:foregroundMark x1="52000" y1="73778" x2="60000" y2="56000"/>
+                          <a14:foregroundMark x1="64444" y1="41778" x2="74222" y2="71556"/>
+                          <a14:foregroundMark x1="83556" y1="24444" x2="85333" y2="66222"/>
+                          <a14:foregroundMark x1="81778" y1="24444" x2="87556" y2="59111"/>
+                          <a14:foregroundMark x1="84444" y1="24889" x2="87556" y2="54667"/>
+                          <a14:foregroundMark x1="82667" y1="38667" x2="85373" y2="82348"/>
+                          <a14:foregroundMark x1="89333" y1="56444" x2="75370" y2="84029"/>
+                          <a14:foregroundMark x1="50170" y1="89643" x2="11111" y2="73333"/>
+                          <a14:foregroundMark x1="14667" y1="32000" x2="17778" y2="72000"/>
+                          <a14:foregroundMark x1="8000" y1="38667" x2="19111" y2="68000"/>
+                          <a14:foregroundMark x1="9778" y1="54222" x2="16444" y2="73333"/>
+                          <a14:foregroundMark x1="11111" y1="48889" x2="9333" y2="68000"/>
+                          <a14:foregroundMark x1="7556" y1="30222" x2="14667" y2="60889"/>
+                          <a14:foregroundMark x1="14222" y1="31111" x2="20444" y2="71556"/>
+                          <a14:foregroundMark x1="20444" y1="71556" x2="23111" y2="70222"/>
+                          <a14:foregroundMark x1="14667" y1="19556" x2="14222" y2="58667"/>
+                          <a14:foregroundMark x1="14222" y1="58667" x2="19111" y2="59556"/>
+                          <a14:foregroundMark x1="49778" y1="31556" x2="57778" y2="76889"/>
+                          <a14:foregroundMark x1="57778" y1="76889" x2="61778" y2="74667"/>
+                          <a14:foregroundMark x1="69778" y1="59556" x2="58222" y2="84444"/>
+                          <a14:foregroundMark x1="24889" y1="71111" x2="50667" y2="66667"/>
+                          <a14:foregroundMark x1="30667" y1="75111" x2="64889" y2="70222"/>
+                          <a14:foregroundMark x1="39111" y1="78667" x2="60000" y2="76444"/>
+                          <a14:foregroundMark x1="49333" y1="78222" x2="67111" y2="80000"/>
+                          <a14:foregroundMark x1="45778" y1="83556" x2="67111" y2="78667"/>
+                          <a14:foregroundMark x1="34635" y1="88310" x2="37778" y2="88889"/>
+                          <a14:foregroundMark x1="20000" y1="85333" x2="58222" y2="92000"/>
+                          <a14:foregroundMark x1="58222" y1="92000" x2="63111" y2="94222"/>
+                          <a14:foregroundMark x1="13333" y1="20889" x2="10667" y2="19556"/>
+                          <a14:foregroundMark x1="37778" y1="24444" x2="67111" y2="31556"/>
+                          <a14:foregroundMark x1="90667" y1="79111" x2="69333" y2="91111"/>
+                          <a14:backgroundMark x1="89333" y1="90667" x2="87977" y2="89039"/>
+                          <a14:backgroundMark x1="83622" y1="91489" x2="79111" y2="96000"/>
+                          <a14:backgroundMark x1="72535" y1="94499" x2="64444" y2="99556"/>
+                          <a14:backgroundMark x1="47722" y1="97084" x2="41778" y2="98222"/>
+                          <a14:backgroundMark x1="32000" y1="99556" x2="17333" y2="92889"/>
+                          <a14:backgroundMark x1="26222" y1="95556" x2="41778" y2="97333"/>
+                        </a14:backgroundRemoval>
+                      </a14:imgEffect>
+                    </a14:imgLayer>
+                  </a14:imgProps>
+                </a:ext>
+                <a:ext uri="{28A0092B-C50C-407E-A947-70E740481C1C}">
+                  <a14:useLocalDpi xmlns:a14="http://schemas.microsoft.com/office/drawing/2010/main" val="0"/>
+                </a:ext>
+              </a:extLst>
+            </a:blip>
+            <a:srcRect/>
+            <a:stretch>
+              <a:fillRect/>
+            </a:stretch>
+          </p:blipFill>
+          <p:spPr bwMode="auto">
+            <a:xfrm>
+              <a:off x="4846974" y="4052733"/>
+              <a:ext cx="987221" cy="987221"/>
+            </a:xfrm>
+            <a:prstGeom prst="rect">
+              <a:avLst/>
+            </a:prstGeom>
+            <a:noFill/>
+            <a:extLst>
+              <a:ext uri="{909E8E84-426E-40DD-AFC4-6F175D3DCCD1}">
+                <a14:hiddenFill xmlns:a14="http://schemas.microsoft.com/office/drawing/2010/main">
+                  <a:solidFill>
+                    <a:srgbClr val="FFFFFF"/>
+                  </a:solidFill>
+                </a14:hiddenFill>
+              </a:ext>
+            </a:extLst>
+          </p:spPr>
+        </p:pic>
+      </p:grpSp>
+      <p:pic>
+        <p:nvPicPr>
+          <p:cNvPr id="97" name="Picture 10" descr="íì´í pngì ëí ì´ë¯¸ì§ ê²ìê²°ê³¼">
+            <a:extLst>
+              <a:ext uri="{FF2B5EF4-FFF2-40B4-BE49-F238E27FC236}">
+                <a16:creationId xmlns:a16="http://schemas.microsoft.com/office/drawing/2014/main" id="{9592C071-B6A6-4B02-B36A-EABD948A6A4C}"/>
+              </a:ext>
+            </a:extLst>
+          </p:cNvPr>
+          <p:cNvPicPr>
+            <a:picLocks noChangeAspect="1" noChangeArrowheads="1"/>
+          </p:cNvPicPr>
+          <p:nvPr/>
+        </p:nvPicPr>
+        <p:blipFill>
+          <a:blip r:embed="rId7">
+            <a:extLst>
+              <a:ext uri="{BEBA8EAE-BF5A-486C-A8C5-ECC9F3942E4B}">
+                <a14:imgProps xmlns:a14="http://schemas.microsoft.com/office/drawing/2010/main">
+                  <a14:imgLayer r:embed="rId8">
+                    <a14:imgEffect>
+                      <a14:backgroundRemoval t="104" b="99060" l="4615" r="92462">
+                        <a14:foregroundMark x1="51231" y1="87565" x2="92462" y2="88401"/>
+                        <a14:foregroundMark x1="84769" y1="89969" x2="53077" y2="89133"/>
+                        <a14:foregroundMark x1="50000" y1="88401" x2="91231" y2="87565"/>
+                        <a14:foregroundMark x1="82462" y1="94357" x2="61231" y2="99164"/>
+                        <a14:foregroundMark x1="56000" y1="90387" x2="63538" y2="92372"/>
+                        <a14:foregroundMark x1="20000" y1="16823" x2="4769" y2="19645"/>
+                        <a14:foregroundMark x1="18308" y1="14420" x2="44154" y2="104"/>
+                      </a14:backgroundRemoval>
+                    </a14:imgEffect>
+                  </a14:imgLayer>
+                </a14:imgProps>
+              </a:ext>
+              <a:ext uri="{28A0092B-C50C-407E-A947-70E740481C1C}">
+                <a14:useLocalDpi xmlns:a14="http://schemas.microsoft.com/office/drawing/2010/main" val="0"/>
+              </a:ext>
+            </a:extLst>
+          </a:blip>
+          <a:srcRect/>
+          <a:stretch>
+            <a:fillRect/>
+          </a:stretch>
+        </p:blipFill>
+        <p:spPr bwMode="auto">
+          <a:xfrm rot="10800000">
+            <a:off x="8991441" y="2234401"/>
+            <a:ext cx="404675" cy="595840"/>
+          </a:xfrm>
+          <a:prstGeom prst="rect">
+            <a:avLst/>
+          </a:prstGeom>
+          <a:noFill/>
+          <a:extLst>
+            <a:ext uri="{909E8E84-426E-40DD-AFC4-6F175D3DCCD1}">
+              <a14:hiddenFill xmlns:a14="http://schemas.microsoft.com/office/drawing/2010/main">
+                <a:solidFill>
+                  <a:srgbClr val="FFFFFF"/>
+                </a:solidFill>
+              </a14:hiddenFill>
+            </a:ext>
+          </a:extLst>
+        </p:spPr>
+      </p:pic>
+      <p:pic>
+        <p:nvPicPr>
+          <p:cNvPr id="98" name="Picture 10" descr="íì´í pngì ëí ì´ë¯¸ì§ ê²ìê²°ê³¼">
+            <a:extLst>
+              <a:ext uri="{FF2B5EF4-FFF2-40B4-BE49-F238E27FC236}">
+                <a16:creationId xmlns:a16="http://schemas.microsoft.com/office/drawing/2014/main" id="{A9A8C5A7-5F4C-419E-A7B2-6F7A2A720EC1}"/>
+              </a:ext>
+            </a:extLst>
+          </p:cNvPr>
+          <p:cNvPicPr>
+            <a:picLocks noChangeAspect="1" noChangeArrowheads="1"/>
+          </p:cNvPicPr>
+          <p:nvPr/>
+        </p:nvPicPr>
+        <p:blipFill>
+          <a:blip r:embed="rId7">
+            <a:extLst>
+              <a:ext uri="{BEBA8EAE-BF5A-486C-A8C5-ECC9F3942E4B}">
+                <a14:imgProps xmlns:a14="http://schemas.microsoft.com/office/drawing/2010/main">
+                  <a14:imgLayer r:embed="rId8">
+                    <a14:imgEffect>
+                      <a14:backgroundRemoval t="104" b="99060" l="4615" r="92462">
+                        <a14:foregroundMark x1="51231" y1="87565" x2="92462" y2="88401"/>
+                        <a14:foregroundMark x1="84769" y1="89969" x2="53077" y2="89133"/>
+                        <a14:foregroundMark x1="50000" y1="88401" x2="91231" y2="87565"/>
+                        <a14:foregroundMark x1="82462" y1="94357" x2="61231" y2="99164"/>
+                        <a14:foregroundMark x1="56000" y1="90387" x2="63538" y2="92372"/>
+                        <a14:foregroundMark x1="20000" y1="16823" x2="4769" y2="19645"/>
+                        <a14:foregroundMark x1="18308" y1="14420" x2="44154" y2="104"/>
+                      </a14:backgroundRemoval>
+                    </a14:imgEffect>
+                  </a14:imgLayer>
+                </a14:imgProps>
+              </a:ext>
+              <a:ext uri="{28A0092B-C50C-407E-A947-70E740481C1C}">
+                <a14:useLocalDpi xmlns:a14="http://schemas.microsoft.com/office/drawing/2010/main" val="0"/>
+              </a:ext>
+            </a:extLst>
+          </a:blip>
+          <a:srcRect/>
+          <a:stretch>
+            <a:fillRect/>
+          </a:stretch>
+        </p:blipFill>
+        <p:spPr bwMode="auto">
+          <a:xfrm rot="13830522">
+            <a:off x="8721582" y="4258855"/>
+            <a:ext cx="404675" cy="595840"/>
+          </a:xfrm>
+          <a:prstGeom prst="rect">
+            <a:avLst/>
+          </a:prstGeom>
+          <a:noFill/>
+          <a:extLst>
+            <a:ext uri="{909E8E84-426E-40DD-AFC4-6F175D3DCCD1}">
+              <a14:hiddenFill xmlns:a14="http://schemas.microsoft.com/office/drawing/2010/main">
+                <a:solidFill>
+                  <a:srgbClr val="FFFFFF"/>
+                </a:solidFill>
+              </a14:hiddenFill>
+            </a:ext>
+          </a:extLst>
+        </p:spPr>
+      </p:pic>
+      <p:pic>
+        <p:nvPicPr>
+          <p:cNvPr id="99" name="Picture 10" descr="íì´í pngì ëí ì´ë¯¸ì§ ê²ìê²°ê³¼">
+            <a:extLst>
+              <a:ext uri="{FF2B5EF4-FFF2-40B4-BE49-F238E27FC236}">
+                <a16:creationId xmlns:a16="http://schemas.microsoft.com/office/drawing/2014/main" id="{6BA69C75-3767-46A9-B485-8B0BE9BBA48F}"/>
+              </a:ext>
+            </a:extLst>
+          </p:cNvPr>
+          <p:cNvPicPr>
+            <a:picLocks noChangeAspect="1" noChangeArrowheads="1"/>
+          </p:cNvPicPr>
+          <p:nvPr/>
+        </p:nvPicPr>
+        <p:blipFill>
+          <a:blip r:embed="rId7">
+            <a:duotone>
+              <a:schemeClr val="accent6">
+                <a:shade val="45000"/>
+                <a:satMod val="135000"/>
+              </a:schemeClr>
+              <a:prstClr val="white"/>
+            </a:duotone>
+            <a:extLst>
+              <a:ext uri="{BEBA8EAE-BF5A-486C-A8C5-ECC9F3942E4B}">
+                <a14:imgProps xmlns:a14="http://schemas.microsoft.com/office/drawing/2010/main">
+                  <a14:imgLayer r:embed="rId8">
+                    <a14:imgEffect>
+                      <a14:backgroundRemoval t="104" b="99060" l="4615" r="92462">
+                        <a14:foregroundMark x1="51231" y1="87565" x2="92462" y2="88401"/>
+                        <a14:foregroundMark x1="84769" y1="89969" x2="53077" y2="89133"/>
+                        <a14:foregroundMark x1="50000" y1="88401" x2="91231" y2="87565"/>
+                        <a14:foregroundMark x1="82462" y1="94357" x2="61231" y2="99164"/>
+                        <a14:foregroundMark x1="56000" y1="90387" x2="63538" y2="92372"/>
+                        <a14:foregroundMark x1="20000" y1="16823" x2="4769" y2="19645"/>
+                        <a14:foregroundMark x1="18308" y1="14420" x2="44154" y2="104"/>
+                      </a14:backgroundRemoval>
+                    </a14:imgEffect>
+                  </a14:imgLayer>
+                </a14:imgProps>
+              </a:ext>
+              <a:ext uri="{28A0092B-C50C-407E-A947-70E740481C1C}">
+                <a14:useLocalDpi xmlns:a14="http://schemas.microsoft.com/office/drawing/2010/main" val="0"/>
+              </a:ext>
+            </a:extLst>
+          </a:blip>
+          <a:srcRect/>
+          <a:stretch>
+            <a:fillRect/>
+          </a:stretch>
+        </p:blipFill>
+        <p:spPr bwMode="auto">
+          <a:xfrm rot="8645904" flipH="1">
+            <a:off x="6731174" y="4205321"/>
+            <a:ext cx="404676" cy="595841"/>
+          </a:xfrm>
+          <a:prstGeom prst="rect">
+            <a:avLst/>
+          </a:prstGeom>
+          <a:noFill/>
+          <a:extLst>
+            <a:ext uri="{909E8E84-426E-40DD-AFC4-6F175D3DCCD1}">
+              <a14:hiddenFill xmlns:a14="http://schemas.microsoft.com/office/drawing/2010/main">
+                <a:solidFill>
+                  <a:srgbClr val="FFFFFF"/>
+                </a:solidFill>
+              </a14:hiddenFill>
+            </a:ext>
+          </a:extLst>
+        </p:spPr>
+      </p:pic>
+      <p:pic>
+        <p:nvPicPr>
+          <p:cNvPr id="103" name="Picture 10" descr="íì´í pngì ëí ì´ë¯¸ì§ ê²ìê²°ê³¼">
+            <a:extLst>
+              <a:ext uri="{FF2B5EF4-FFF2-40B4-BE49-F238E27FC236}">
+                <a16:creationId xmlns:a16="http://schemas.microsoft.com/office/drawing/2014/main" id="{D7F2B059-BDF1-4805-B64D-B75D73A6FE94}"/>
+              </a:ext>
+            </a:extLst>
+          </p:cNvPr>
+          <p:cNvPicPr>
+            <a:picLocks noChangeAspect="1" noChangeArrowheads="1"/>
+          </p:cNvPicPr>
+          <p:nvPr/>
+        </p:nvPicPr>
+        <p:blipFill>
+          <a:blip r:embed="rId7">
+            <a:biLevel thresh="25000"/>
+            <a:extLst>
+              <a:ext uri="{BEBA8EAE-BF5A-486C-A8C5-ECC9F3942E4B}">
+                <a14:imgProps xmlns:a14="http://schemas.microsoft.com/office/drawing/2010/main">
+                  <a14:imgLayer r:embed="rId8">
+                    <a14:imgEffect>
+                      <a14:backgroundRemoval t="104" b="99060" l="4615" r="92462">
+                        <a14:foregroundMark x1="51231" y1="87565" x2="92462" y2="88401"/>
+                        <a14:foregroundMark x1="84769" y1="89969" x2="53077" y2="89133"/>
+                        <a14:foregroundMark x1="50000" y1="88401" x2="91231" y2="87565"/>
+                        <a14:foregroundMark x1="82462" y1="94357" x2="61231" y2="99164"/>
+                        <a14:foregroundMark x1="56000" y1="90387" x2="63538" y2="92372"/>
+                        <a14:foregroundMark x1="20000" y1="16823" x2="4769" y2="19645"/>
+                        <a14:foregroundMark x1="18308" y1="14420" x2="44154" y2="104"/>
+                      </a14:backgroundRemoval>
+                    </a14:imgEffect>
+                  </a14:imgLayer>
+                </a14:imgProps>
+              </a:ext>
+              <a:ext uri="{28A0092B-C50C-407E-A947-70E740481C1C}">
+                <a14:useLocalDpi xmlns:a14="http://schemas.microsoft.com/office/drawing/2010/main" val="0"/>
+              </a:ext>
+            </a:extLst>
+          </a:blip>
+          <a:srcRect/>
+          <a:stretch>
+            <a:fillRect/>
+          </a:stretch>
+        </p:blipFill>
+        <p:spPr bwMode="auto">
+          <a:xfrm rot="17090867">
+            <a:off x="6168985" y="5369008"/>
+            <a:ext cx="404675" cy="595840"/>
+          </a:xfrm>
+          <a:prstGeom prst="rect">
+            <a:avLst/>
+          </a:prstGeom>
+          <a:noFill/>
+          <a:extLst>
+            <a:ext uri="{909E8E84-426E-40DD-AFC4-6F175D3DCCD1}">
+              <a14:hiddenFill xmlns:a14="http://schemas.microsoft.com/office/drawing/2010/main">
+                <a:solidFill>
+                  <a:srgbClr val="FFFFFF"/>
+                </a:solidFill>
+              </a14:hiddenFill>
+            </a:ext>
+          </a:extLst>
+        </p:spPr>
+      </p:pic>
+      <p:pic>
+        <p:nvPicPr>
+          <p:cNvPr id="104" name="Picture 10" descr="íì´í pngì ëí ì´ë¯¸ì§ ê²ìê²°ê³¼">
+            <a:extLst>
+              <a:ext uri="{FF2B5EF4-FFF2-40B4-BE49-F238E27FC236}">
+                <a16:creationId xmlns:a16="http://schemas.microsoft.com/office/drawing/2014/main" id="{A9A79B05-6EE2-4F8F-8CE1-F1BFF528BE26}"/>
+              </a:ext>
+            </a:extLst>
+          </p:cNvPr>
+          <p:cNvPicPr>
+            <a:picLocks noChangeAspect="1" noChangeArrowheads="1"/>
+          </p:cNvPicPr>
+          <p:nvPr/>
+        </p:nvPicPr>
+        <p:blipFill>
+          <a:blip r:embed="rId7">
+            <a:biLevel thresh="25000"/>
+            <a:extLst>
+              <a:ext uri="{BEBA8EAE-BF5A-486C-A8C5-ECC9F3942E4B}">
+                <a14:imgProps xmlns:a14="http://schemas.microsoft.com/office/drawing/2010/main">
+                  <a14:imgLayer r:embed="rId8">
+                    <a14:imgEffect>
+                      <a14:backgroundRemoval t="104" b="99060" l="4615" r="92462">
+                        <a14:foregroundMark x1="51231" y1="87565" x2="92462" y2="88401"/>
+                        <a14:foregroundMark x1="84769" y1="89969" x2="53077" y2="89133"/>
+                        <a14:foregroundMark x1="50000" y1="88401" x2="91231" y2="87565"/>
+                        <a14:foregroundMark x1="82462" y1="94357" x2="61231" y2="99164"/>
+                        <a14:foregroundMark x1="56000" y1="90387" x2="63538" y2="92372"/>
+                        <a14:foregroundMark x1="20000" y1="16823" x2="4769" y2="19645"/>
+                        <a14:foregroundMark x1="18308" y1="14420" x2="44154" y2="104"/>
+                      </a14:backgroundRemoval>
+                    </a14:imgEffect>
+                  </a14:imgLayer>
+                </a14:imgProps>
+              </a:ext>
+              <a:ext uri="{28A0092B-C50C-407E-A947-70E740481C1C}">
+                <a14:useLocalDpi xmlns:a14="http://schemas.microsoft.com/office/drawing/2010/main" val="0"/>
+              </a:ext>
+            </a:extLst>
+          </a:blip>
+          <a:srcRect/>
+          <a:stretch>
+            <a:fillRect/>
+          </a:stretch>
+        </p:blipFill>
+        <p:spPr bwMode="auto">
+          <a:xfrm rot="17090867">
+            <a:off x="2059871" y="4191945"/>
+            <a:ext cx="404675" cy="595840"/>
+          </a:xfrm>
+          <a:prstGeom prst="rect">
+            <a:avLst/>
+          </a:prstGeom>
+          <a:noFill/>
+          <a:extLst>
+            <a:ext uri="{909E8E84-426E-40DD-AFC4-6F175D3DCCD1}">
+              <a14:hiddenFill xmlns:a14="http://schemas.microsoft.com/office/drawing/2010/main">
+                <a:solidFill>
+                  <a:srgbClr val="FFFFFF"/>
+                </a:solidFill>
+              </a14:hiddenFill>
+            </a:ext>
+          </a:extLst>
+        </p:spPr>
+      </p:pic>
+      <p:pic>
+        <p:nvPicPr>
+          <p:cNvPr id="105" name="Picture 10" descr="íì´í pngì ëí ì´ë¯¸ì§ ê²ìê²°ê³¼">
+            <a:extLst>
+              <a:ext uri="{FF2B5EF4-FFF2-40B4-BE49-F238E27FC236}">
+                <a16:creationId xmlns:a16="http://schemas.microsoft.com/office/drawing/2014/main" id="{31D5689A-728A-4F2E-A1A4-5810AEBDF830}"/>
+              </a:ext>
+            </a:extLst>
+          </p:cNvPr>
+          <p:cNvPicPr>
+            <a:picLocks noChangeAspect="1" noChangeArrowheads="1"/>
+          </p:cNvPicPr>
+          <p:nvPr/>
+        </p:nvPicPr>
+        <p:blipFill>
+          <a:blip r:embed="rId7">
+            <a:biLevel thresh="25000"/>
+            <a:extLst>
+              <a:ext uri="{BEBA8EAE-BF5A-486C-A8C5-ECC9F3942E4B}">
+                <a14:imgProps xmlns:a14="http://schemas.microsoft.com/office/drawing/2010/main">
+                  <a14:imgLayer r:embed="rId8">
+                    <a14:imgEffect>
+                      <a14:backgroundRemoval t="104" b="99060" l="4615" r="92462">
+                        <a14:foregroundMark x1="51231" y1="87565" x2="92462" y2="88401"/>
+                        <a14:foregroundMark x1="84769" y1="89969" x2="53077" y2="89133"/>
+                        <a14:foregroundMark x1="50000" y1="88401" x2="91231" y2="87565"/>
+                        <a14:foregroundMark x1="82462" y1="94357" x2="61231" y2="99164"/>
+                        <a14:foregroundMark x1="56000" y1="90387" x2="63538" y2="92372"/>
+                        <a14:foregroundMark x1="20000" y1="16823" x2="4769" y2="19645"/>
+                        <a14:foregroundMark x1="18308" y1="14420" x2="44154" y2="104"/>
+                      </a14:backgroundRemoval>
+                    </a14:imgEffect>
+                  </a14:imgLayer>
+                </a14:imgProps>
+              </a:ext>
+              <a:ext uri="{28A0092B-C50C-407E-A947-70E740481C1C}">
+                <a14:useLocalDpi xmlns:a14="http://schemas.microsoft.com/office/drawing/2010/main" val="0"/>
+              </a:ext>
+            </a:extLst>
+          </a:blip>
+          <a:srcRect/>
+          <a:stretch>
+            <a:fillRect/>
+          </a:stretch>
+        </p:blipFill>
+        <p:spPr bwMode="auto">
+          <a:xfrm rot="5400000">
+            <a:off x="1891319" y="3484461"/>
+            <a:ext cx="404675" cy="595840"/>
+          </a:xfrm>
+          <a:prstGeom prst="rect">
+            <a:avLst/>
+          </a:prstGeom>
+          <a:noFill/>
+          <a:extLst>
+            <a:ext uri="{909E8E84-426E-40DD-AFC4-6F175D3DCCD1}">
+              <a14:hiddenFill xmlns:a14="http://schemas.microsoft.com/office/drawing/2010/main">
+                <a:solidFill>
+                  <a:srgbClr val="FFFFFF"/>
+                </a:solidFill>
+              </a14:hiddenFill>
+            </a:ext>
+          </a:extLst>
+        </p:spPr>
+      </p:pic>
+      <p:pic>
+        <p:nvPicPr>
+          <p:cNvPr id="107" name="Picture 10" descr="íì´í pngì ëí ì´ë¯¸ì§ ê²ìê²°ê³¼">
+            <a:extLst>
+              <a:ext uri="{FF2B5EF4-FFF2-40B4-BE49-F238E27FC236}">
+                <a16:creationId xmlns:a16="http://schemas.microsoft.com/office/drawing/2014/main" id="{D09AA263-72C2-44CA-8119-22FF95AF661A}"/>
+              </a:ext>
+            </a:extLst>
+          </p:cNvPr>
+          <p:cNvPicPr>
+            <a:picLocks noChangeAspect="1" noChangeArrowheads="1"/>
+          </p:cNvPicPr>
+          <p:nvPr/>
+        </p:nvPicPr>
+        <p:blipFill>
+          <a:blip r:embed="rId7">
+            <a:biLevel thresh="25000"/>
+            <a:extLst>
+              <a:ext uri="{BEBA8EAE-BF5A-486C-A8C5-ECC9F3942E4B}">
+                <a14:imgProps xmlns:a14="http://schemas.microsoft.com/office/drawing/2010/main">
+                  <a14:imgLayer r:embed="rId8">
+                    <a14:imgEffect>
+                      <a14:backgroundRemoval t="104" b="99060" l="4615" r="92462">
+                        <a14:foregroundMark x1="51231" y1="87565" x2="92462" y2="88401"/>
+                        <a14:foregroundMark x1="84769" y1="89969" x2="53077" y2="89133"/>
+                        <a14:foregroundMark x1="50000" y1="88401" x2="91231" y2="87565"/>
+                        <a14:foregroundMark x1="82462" y1="94357" x2="61231" y2="99164"/>
+                        <a14:foregroundMark x1="56000" y1="90387" x2="63538" y2="92372"/>
+                        <a14:foregroundMark x1="20000" y1="16823" x2="4769" y2="19645"/>
+                        <a14:foregroundMark x1="18308" y1="14420" x2="44154" y2="104"/>
+                      </a14:backgroundRemoval>
+                    </a14:imgEffect>
+                  </a14:imgLayer>
+                </a14:imgProps>
+              </a:ext>
+              <a:ext uri="{28A0092B-C50C-407E-A947-70E740481C1C}">
+                <a14:useLocalDpi xmlns:a14="http://schemas.microsoft.com/office/drawing/2010/main" val="0"/>
+              </a:ext>
+            </a:extLst>
+          </a:blip>
+          <a:srcRect/>
+          <a:stretch>
+            <a:fillRect/>
+          </a:stretch>
+        </p:blipFill>
+        <p:spPr bwMode="auto">
+          <a:xfrm rot="17090867" flipH="1">
+            <a:off x="4581438" y="3438048"/>
+            <a:ext cx="405523" cy="597088"/>
+          </a:xfrm>
+          <a:prstGeom prst="rect">
+            <a:avLst/>
+          </a:prstGeom>
+          <a:noFill/>
+          <a:extLst>
+            <a:ext uri="{909E8E84-426E-40DD-AFC4-6F175D3DCCD1}">
+              <a14:hiddenFill xmlns:a14="http://schemas.microsoft.com/office/drawing/2010/main">
+                <a:solidFill>
+                  <a:srgbClr val="FFFFFF"/>
+                </a:solidFill>
+              </a14:hiddenFill>
+            </a:ext>
+          </a:extLst>
+        </p:spPr>
+      </p:pic>
+      <p:sp>
+        <p:nvSpPr>
+          <p:cNvPr id="108" name="TextBox 107">
+            <a:extLst>
+              <a:ext uri="{FF2B5EF4-FFF2-40B4-BE49-F238E27FC236}">
+                <a16:creationId xmlns:a16="http://schemas.microsoft.com/office/drawing/2014/main" id="{10902A2C-7869-43E9-92F3-C0B93230404B}"/>
+              </a:ext>
+            </a:extLst>
+          </p:cNvPr>
+          <p:cNvSpPr txBox="1"/>
+          <p:nvPr/>
+        </p:nvSpPr>
+        <p:spPr>
+          <a:xfrm>
+            <a:off x="5138759" y="975656"/>
+            <a:ext cx="900272" cy="276999"/>
+          </a:xfrm>
+          <a:prstGeom prst="rect">
+            <a:avLst/>
+          </a:prstGeom>
+          <a:noFill/>
         </p:spPr>
         <p:txBody>
           <a:bodyPr wrap="square" rtlCol="0">
@@ -10744,231 +12924,132 @@
           <a:lstStyle/>
           <a:p>
             <a:r>
-              <a:rPr lang="en-US" altLang="ko-KR" sz="1200" dirty="0">
-                <a:solidFill>
-                  <a:schemeClr val="accent5">
-                    <a:lumMod val="75000"/>
-                  </a:schemeClr>
-                </a:solidFill>
-              </a:rPr>
-              <a:t>Python</a:t>
-            </a:r>
-          </a:p>
-          <a:p>
-            <a:r>
-              <a:rPr lang="en-US" altLang="ko-KR" sz="1200" dirty="0">
-                <a:solidFill>
-                  <a:schemeClr val="accent5">
-                    <a:lumMod val="75000"/>
-                  </a:schemeClr>
-                </a:solidFill>
-              </a:rPr>
-              <a:t>File open</a:t>
-            </a:r>
-          </a:p>
-        </p:txBody>
-      </p:sp>
-      <p:sp>
-        <p:nvSpPr>
-          <p:cNvPr id="37" name="TextBox 36">
-            <a:extLst>
-              <a:ext uri="{FF2B5EF4-FFF2-40B4-BE49-F238E27FC236}">
-                <a16:creationId xmlns:a16="http://schemas.microsoft.com/office/drawing/2014/main" id="{132DB1A9-653B-4BF8-83D9-9A1109A405FF}"/>
-              </a:ext>
-            </a:extLst>
-          </p:cNvPr>
-          <p:cNvSpPr txBox="1"/>
+              <a:rPr lang="en-US" altLang="ko-KR" sz="1200" dirty="0"/>
+              <a:t>Crawling</a:t>
+            </a:r>
+            <a:endParaRPr lang="ko-KR" altLang="en-US" sz="1200" dirty="0"/>
+          </a:p>
+        </p:txBody>
+      </p:sp>
+    </p:spTree>
+    <p:extLst>
+      <p:ext uri="{BB962C8B-B14F-4D97-AF65-F5344CB8AC3E}">
+        <p14:creationId xmlns:p14="http://schemas.microsoft.com/office/powerpoint/2010/main" val="936693043"/>
+      </p:ext>
+    </p:extLst>
+  </p:cSld>
+  <p:clrMapOvr>
+    <a:masterClrMapping/>
+  </p:clrMapOvr>
+</p:sld>
+</file>
+
+<file path=ppt/slides/slide6.xml><?xml version="1.0" encoding="utf-8"?>
+<p:sld xmlns:a="http://schemas.openxmlformats.org/drawingml/2006/main" xmlns:r="http://schemas.openxmlformats.org/officeDocument/2006/relationships" xmlns:p="http://schemas.openxmlformats.org/presentationml/2006/main">
+  <p:cSld>
+    <p:spTree>
+      <p:nvGrpSpPr>
+        <p:cNvPr id="1" name=""/>
+        <p:cNvGrpSpPr/>
+        <p:nvPr/>
+      </p:nvGrpSpPr>
+      <p:grpSpPr>
+        <a:xfrm>
+          <a:off x="0" y="0"/>
+          <a:ext cx="0" cy="0"/>
+          <a:chOff x="0" y="0"/>
+          <a:chExt cx="0" cy="0"/>
+        </a:xfrm>
+      </p:grpSpPr>
+      <p:sp>
+        <p:nvSpPr>
+          <p:cNvPr id="16" name="직사각형 15">
+            <a:extLst>
+              <a:ext uri="{FF2B5EF4-FFF2-40B4-BE49-F238E27FC236}">
+                <a16:creationId xmlns:a16="http://schemas.microsoft.com/office/drawing/2014/main" id="{3422E850-8580-445E-BDC2-0026F49B394D}"/>
+              </a:ext>
+            </a:extLst>
+          </p:cNvPr>
+          <p:cNvSpPr/>
           <p:nvPr/>
         </p:nvSpPr>
         <p:spPr>
           <a:xfrm>
-            <a:off x="9799261" y="3589855"/>
-            <a:ext cx="669877" cy="646331"/>
+            <a:off x="202878" y="180250"/>
+            <a:ext cx="2656496" cy="369332"/>
           </a:xfrm>
           <a:prstGeom prst="rect">
             <a:avLst/>
           </a:prstGeom>
-          <a:noFill/>
-        </p:spPr>
-        <p:txBody>
-          <a:bodyPr wrap="square" rtlCol="0">
+        </p:spPr>
+        <p:txBody>
+          <a:bodyPr wrap="none">
             <a:spAutoFit/>
           </a:bodyPr>
           <a:lstStyle/>
           <a:p>
             <a:r>
-              <a:rPr lang="en-US" altLang="ko-KR" sz="1200" dirty="0">
-                <a:solidFill>
-                  <a:schemeClr val="accent5">
-                    <a:lumMod val="75000"/>
-                  </a:schemeClr>
-                </a:solidFill>
-              </a:rPr>
-              <a:t>Json,</a:t>
-            </a:r>
-          </a:p>
-          <a:p>
-            <a:r>
-              <a:rPr lang="en-US" altLang="ko-KR" sz="1200" dirty="0" err="1">
-                <a:solidFill>
-                  <a:schemeClr val="accent5">
-                    <a:lumMod val="75000"/>
-                  </a:schemeClr>
-                </a:solidFill>
-              </a:rPr>
-              <a:t>NoSQLQuery</a:t>
-            </a:r>
-            <a:endParaRPr lang="en-US" altLang="ko-KR" sz="1200" dirty="0">
-              <a:solidFill>
-                <a:schemeClr val="accent5">
-                  <a:lumMod val="75000"/>
-                </a:schemeClr>
-              </a:solidFill>
-            </a:endParaRPr>
-          </a:p>
-        </p:txBody>
-      </p:sp>
-      <p:sp>
-        <p:nvSpPr>
-          <p:cNvPr id="38" name="TextBox 37">
-            <a:extLst>
-              <a:ext uri="{FF2B5EF4-FFF2-40B4-BE49-F238E27FC236}">
-                <a16:creationId xmlns:a16="http://schemas.microsoft.com/office/drawing/2014/main" id="{277DFB0C-AD8A-43FC-A36B-AE17443EB0E4}"/>
-              </a:ext>
-            </a:extLst>
-          </p:cNvPr>
-          <p:cNvSpPr txBox="1"/>
+              <a:rPr lang="ko-KR" altLang="en-US" dirty="0" err="1"/>
+              <a:t>편집점</a:t>
+            </a:r>
+            <a:r>
+              <a:rPr lang="ko-KR" altLang="en-US" dirty="0"/>
+              <a:t> </a:t>
+            </a:r>
+            <a:r>
+              <a:rPr lang="ko-KR" altLang="en-US" dirty="0" err="1"/>
+              <a:t>알고리듬</a:t>
+            </a:r>
+            <a:r>
+              <a:rPr lang="ko-KR" altLang="en-US" dirty="0"/>
+              <a:t> 순서도</a:t>
+            </a:r>
+            <a:endParaRPr lang="en-US" altLang="ko-KR" dirty="0"/>
+          </a:p>
+        </p:txBody>
+      </p:sp>
+      <p:cxnSp>
+        <p:nvCxnSpPr>
+          <p:cNvPr id="65" name="직선 연결선 64">
+            <a:extLst>
+              <a:ext uri="{FF2B5EF4-FFF2-40B4-BE49-F238E27FC236}">
+                <a16:creationId xmlns:a16="http://schemas.microsoft.com/office/drawing/2014/main" id="{DC6E505B-D778-47A3-A2ED-A394647759E7}"/>
+              </a:ext>
+            </a:extLst>
+          </p:cNvPr>
+          <p:cNvCxnSpPr/>
           <p:nvPr/>
-        </p:nvSpPr>
+        </p:nvCxnSpPr>
         <p:spPr>
           <a:xfrm>
-            <a:off x="8216642" y="1622894"/>
-            <a:ext cx="669877" cy="461665"/>
-          </a:xfrm>
-          <a:prstGeom prst="rect">
+            <a:off x="98393" y="581186"/>
+            <a:ext cx="3258105" cy="0"/>
+          </a:xfrm>
+          <a:prstGeom prst="line">
             <a:avLst/>
           </a:prstGeom>
-          <a:noFill/>
-        </p:spPr>
-        <p:txBody>
-          <a:bodyPr wrap="square" rtlCol="0">
-            <a:spAutoFit/>
-          </a:bodyPr>
-          <a:lstStyle/>
-          <a:p>
-            <a:r>
-              <a:rPr lang="en-US" altLang="ko-KR" sz="1200" dirty="0">
-                <a:solidFill>
-                  <a:schemeClr val="accent5">
-                    <a:lumMod val="75000"/>
-                  </a:schemeClr>
-                </a:solidFill>
-              </a:rPr>
-              <a:t>REST API</a:t>
-            </a:r>
-          </a:p>
-        </p:txBody>
-      </p:sp>
-      <p:sp>
-        <p:nvSpPr>
-          <p:cNvPr id="39" name="TextBox 38">
-            <a:extLst>
-              <a:ext uri="{FF2B5EF4-FFF2-40B4-BE49-F238E27FC236}">
-                <a16:creationId xmlns:a16="http://schemas.microsoft.com/office/drawing/2014/main" id="{0F7FA6A3-4FA7-4D63-BEDE-5CE0FBD92CF8}"/>
-              </a:ext>
-            </a:extLst>
-          </p:cNvPr>
-          <p:cNvSpPr txBox="1"/>
-          <p:nvPr/>
-        </p:nvSpPr>
-        <p:spPr>
-          <a:xfrm>
-            <a:off x="6508377" y="1230814"/>
-            <a:ext cx="669877" cy="276999"/>
-          </a:xfrm>
-          <a:prstGeom prst="rect">
-            <a:avLst/>
-          </a:prstGeom>
-          <a:noFill/>
-        </p:spPr>
-        <p:txBody>
-          <a:bodyPr wrap="square" rtlCol="0">
-            <a:spAutoFit/>
-          </a:bodyPr>
-          <a:lstStyle/>
-          <a:p>
-            <a:r>
-              <a:rPr lang="en-US" altLang="ko-KR" sz="1200" dirty="0">
-                <a:solidFill>
-                  <a:schemeClr val="accent5">
-                    <a:lumMod val="75000"/>
-                  </a:schemeClr>
-                </a:solidFill>
-              </a:rPr>
-              <a:t>HTTP</a:t>
-            </a:r>
-          </a:p>
-        </p:txBody>
-      </p:sp>
-      <p:sp>
-        <p:nvSpPr>
-          <p:cNvPr id="40" name="TextBox 39">
-            <a:extLst>
-              <a:ext uri="{FF2B5EF4-FFF2-40B4-BE49-F238E27FC236}">
-                <a16:creationId xmlns:a16="http://schemas.microsoft.com/office/drawing/2014/main" id="{07D8BC62-F171-4CC8-9D0A-268ADFC11F90}"/>
-              </a:ext>
-            </a:extLst>
-          </p:cNvPr>
-          <p:cNvSpPr txBox="1"/>
-          <p:nvPr/>
-        </p:nvSpPr>
-        <p:spPr>
-          <a:xfrm>
-            <a:off x="3650837" y="1013111"/>
-            <a:ext cx="1091214" cy="461665"/>
-          </a:xfrm>
-          <a:prstGeom prst="rect">
-            <a:avLst/>
-          </a:prstGeom>
-          <a:noFill/>
-        </p:spPr>
-        <p:txBody>
-          <a:bodyPr wrap="square" rtlCol="0">
-            <a:spAutoFit/>
-          </a:bodyPr>
-          <a:lstStyle/>
-          <a:p>
-            <a:r>
-              <a:rPr lang="en-US" altLang="ko-KR" sz="1200" dirty="0">
-                <a:solidFill>
-                  <a:schemeClr val="accent5">
-                    <a:lumMod val="75000"/>
-                  </a:schemeClr>
-                </a:solidFill>
-              </a:rPr>
-              <a:t>Twitch API,</a:t>
-            </a:r>
-          </a:p>
-          <a:p>
-            <a:r>
-              <a:rPr lang="en-US" altLang="ko-KR" sz="1200" dirty="0">
-                <a:solidFill>
-                  <a:schemeClr val="accent5">
-                    <a:lumMod val="75000"/>
-                  </a:schemeClr>
-                </a:solidFill>
-              </a:rPr>
-              <a:t>Chatty</a:t>
-            </a:r>
-          </a:p>
-        </p:txBody>
-      </p:sp>
-      <p:sp>
-        <p:nvSpPr>
-          <p:cNvPr id="41" name="순서도: 처리 40">
-            <a:extLst>
-              <a:ext uri="{FF2B5EF4-FFF2-40B4-BE49-F238E27FC236}">
-                <a16:creationId xmlns:a16="http://schemas.microsoft.com/office/drawing/2014/main" id="{EA2403B7-85B6-468D-80E0-55EB61F32F96}"/>
+        </p:spPr>
+        <p:style>
+          <a:lnRef idx="1">
+            <a:schemeClr val="accent1"/>
+          </a:lnRef>
+          <a:fillRef idx="0">
+            <a:schemeClr val="accent1"/>
+          </a:fillRef>
+          <a:effectRef idx="0">
+            <a:schemeClr val="accent1"/>
+          </a:effectRef>
+          <a:fontRef idx="minor">
+            <a:schemeClr val="tx1"/>
+          </a:fontRef>
+        </p:style>
+      </p:cxnSp>
+      <p:sp>
+        <p:nvSpPr>
+          <p:cNvPr id="2" name="순서도: 처리 1">
+            <a:extLst>
+              <a:ext uri="{FF2B5EF4-FFF2-40B4-BE49-F238E27FC236}">
+                <a16:creationId xmlns:a16="http://schemas.microsoft.com/office/drawing/2014/main" id="{07C55D18-7DFB-4BBE-BED2-86B7783A2CCA}"/>
               </a:ext>
             </a:extLst>
           </p:cNvPr>
@@ -10977,117 +13058,24 @@
         </p:nvSpPr>
         <p:spPr>
           <a:xfrm>
-            <a:off x="4314403" y="2902937"/>
-            <a:ext cx="1570375" cy="1121584"/>
+            <a:off x="3356498" y="2124091"/>
+            <a:ext cx="1800224" cy="723868"/>
           </a:xfrm>
           <a:prstGeom prst="flowChartProcess">
             <a:avLst/>
           </a:prstGeom>
-          <a:ln/>
         </p:spPr>
         <p:style>
-          <a:lnRef idx="1">
-            <a:schemeClr val="accent3"/>
-          </a:lnRef>
-          <a:fillRef idx="2">
-            <a:schemeClr val="accent3"/>
-          </a:fillRef>
-          <a:effectRef idx="1">
-            <a:schemeClr val="accent3"/>
-          </a:effectRef>
-          <a:fontRef idx="minor">
-            <a:schemeClr val="dk1"/>
-          </a:fontRef>
-        </p:style>
-        <p:txBody>
-          <a:bodyPr rtlCol="0" anchor="ctr"/>
-          <a:lstStyle/>
-          <a:p>
-            <a:pPr algn="ctr"/>
-            <a:endParaRPr lang="ko-KR" altLang="en-US" dirty="0"/>
-          </a:p>
-        </p:txBody>
-      </p:sp>
-      <p:sp>
-        <p:nvSpPr>
-          <p:cNvPr id="42" name="TextBox 41">
-            <a:extLst>
-              <a:ext uri="{FF2B5EF4-FFF2-40B4-BE49-F238E27FC236}">
-                <a16:creationId xmlns:a16="http://schemas.microsoft.com/office/drawing/2014/main" id="{D88F05BA-5698-49F1-8C6B-4AD530582A7C}"/>
-              </a:ext>
-            </a:extLst>
-          </p:cNvPr>
-          <p:cNvSpPr txBox="1"/>
-          <p:nvPr/>
-        </p:nvSpPr>
-        <p:spPr>
-          <a:xfrm>
-            <a:off x="4309575" y="3078069"/>
-            <a:ext cx="1575204" cy="738664"/>
-          </a:xfrm>
-          <a:prstGeom prst="rect">
-            <a:avLst/>
-          </a:prstGeom>
-          <a:noFill/>
-        </p:spPr>
-        <p:txBody>
-          <a:bodyPr wrap="square" rtlCol="0">
-            <a:spAutoFit/>
-          </a:bodyPr>
-          <a:lstStyle/>
-          <a:p>
-            <a:r>
-              <a:rPr lang="ko-KR" altLang="en-US" sz="1400" dirty="0"/>
-              <a:t>메타데이터</a:t>
-            </a:r>
-            <a:endParaRPr lang="en-US" altLang="ko-KR" sz="1400" dirty="0"/>
-          </a:p>
-          <a:p>
-            <a:r>
-              <a:rPr lang="ko-KR" altLang="en-US" sz="1400" dirty="0" err="1"/>
-              <a:t>전처리</a:t>
-            </a:r>
-            <a:endParaRPr lang="en-US" altLang="ko-KR" sz="1400" dirty="0"/>
-          </a:p>
-          <a:p>
-            <a:r>
-              <a:rPr lang="ko-KR" altLang="en-US" sz="1400" dirty="0"/>
-              <a:t>시스템</a:t>
-            </a:r>
-            <a:endParaRPr lang="en-US" altLang="ko-KR" sz="1400" dirty="0"/>
-          </a:p>
-        </p:txBody>
-      </p:sp>
-      <p:sp>
-        <p:nvSpPr>
-          <p:cNvPr id="43" name="화살표: 아래쪽 42">
-            <a:extLst>
-              <a:ext uri="{FF2B5EF4-FFF2-40B4-BE49-F238E27FC236}">
-                <a16:creationId xmlns:a16="http://schemas.microsoft.com/office/drawing/2014/main" id="{763086F3-2C38-4D97-A7E8-EC8D350A66D6}"/>
-              </a:ext>
-            </a:extLst>
-          </p:cNvPr>
-          <p:cNvSpPr/>
-          <p:nvPr/>
-        </p:nvSpPr>
-        <p:spPr>
-          <a:xfrm rot="14236012">
-            <a:off x="3746050" y="3762705"/>
-            <a:ext cx="435006" cy="448323"/>
-          </a:xfrm>
-          <a:prstGeom prst="downArrow">
-            <a:avLst/>
-          </a:prstGeom>
-        </p:spPr>
-        <p:style>
-          <a:lnRef idx="3">
-            <a:schemeClr val="lt1"/>
+          <a:lnRef idx="2">
+            <a:schemeClr val="accent1">
+              <a:shade val="50000"/>
+            </a:schemeClr>
           </a:lnRef>
           <a:fillRef idx="1">
-            <a:schemeClr val="accent6"/>
+            <a:schemeClr val="accent1"/>
           </a:fillRef>
-          <a:effectRef idx="1">
-            <a:schemeClr val="accent6"/>
+          <a:effectRef idx="0">
+            <a:schemeClr val="accent1"/>
           </a:effectRef>
           <a:fontRef idx="minor">
             <a:schemeClr val="lt1"/>
@@ -11098,100 +13086,45 @@
           <a:lstStyle/>
           <a:p>
             <a:pPr algn="ctr"/>
-            <a:endParaRPr lang="ko-KR" altLang="en-US"/>
-          </a:p>
-        </p:txBody>
-      </p:sp>
-      <p:sp>
-        <p:nvSpPr>
-          <p:cNvPr id="44" name="TextBox 43">
-            <a:extLst>
-              <a:ext uri="{FF2B5EF4-FFF2-40B4-BE49-F238E27FC236}">
-                <a16:creationId xmlns:a16="http://schemas.microsoft.com/office/drawing/2014/main" id="{DC53ECFB-17BB-4D25-82D7-58E57E55B67D}"/>
-              </a:ext>
-            </a:extLst>
-          </p:cNvPr>
-          <p:cNvSpPr txBox="1"/>
+            <a:r>
+              <a:rPr lang="ko-KR" altLang="en-US" dirty="0"/>
+              <a:t>데이터 수집</a:t>
+            </a:r>
+          </a:p>
+        </p:txBody>
+      </p:sp>
+      <p:sp>
+        <p:nvSpPr>
+          <p:cNvPr id="3" name="순서도: 대체 처리 2">
+            <a:extLst>
+              <a:ext uri="{FF2B5EF4-FFF2-40B4-BE49-F238E27FC236}">
+                <a16:creationId xmlns:a16="http://schemas.microsoft.com/office/drawing/2014/main" id="{17E4F07A-C46C-441B-81E4-90F967049962}"/>
+              </a:ext>
+            </a:extLst>
+          </p:cNvPr>
+          <p:cNvSpPr/>
           <p:nvPr/>
         </p:nvSpPr>
         <p:spPr>
           <a:xfrm>
-            <a:off x="3872810" y="4117363"/>
-            <a:ext cx="669877" cy="600164"/>
-          </a:xfrm>
-          <a:prstGeom prst="rect">
+            <a:off x="628650" y="940107"/>
+            <a:ext cx="1800225" cy="583888"/>
+          </a:xfrm>
+          <a:prstGeom prst="flowChartAlternateProcess">
             <a:avLst/>
           </a:prstGeom>
-          <a:noFill/>
-        </p:spPr>
-        <p:txBody>
-          <a:bodyPr wrap="square" rtlCol="0">
-            <a:spAutoFit/>
-          </a:bodyPr>
-          <a:lstStyle/>
-          <a:p>
-            <a:r>
-              <a:rPr lang="en-US" altLang="ko-KR" sz="1100" dirty="0">
-                <a:solidFill>
-                  <a:schemeClr val="accent5">
-                    <a:lumMod val="75000"/>
-                  </a:schemeClr>
-                </a:solidFill>
-              </a:rPr>
-              <a:t>Python,</a:t>
-            </a:r>
-          </a:p>
-          <a:p>
-            <a:r>
-              <a:rPr lang="en-US" altLang="ko-KR" sz="1100" dirty="0">
-                <a:solidFill>
-                  <a:schemeClr val="accent5">
-                    <a:lumMod val="75000"/>
-                  </a:schemeClr>
-                </a:solidFill>
-              </a:rPr>
-              <a:t>SQL Query</a:t>
-            </a:r>
-            <a:endParaRPr lang="ko-KR" altLang="en-US" sz="1100" dirty="0">
-              <a:solidFill>
-                <a:schemeClr val="accent5">
-                  <a:lumMod val="75000"/>
-                </a:schemeClr>
-              </a:solidFill>
-            </a:endParaRPr>
-          </a:p>
-        </p:txBody>
-      </p:sp>
-      <p:sp>
-        <p:nvSpPr>
-          <p:cNvPr id="45" name="화살표: 아래쪽 44">
-            <a:extLst>
-              <a:ext uri="{FF2B5EF4-FFF2-40B4-BE49-F238E27FC236}">
-                <a16:creationId xmlns:a16="http://schemas.microsoft.com/office/drawing/2014/main" id="{34938E81-D82C-468D-8CAE-41B1E987079D}"/>
-              </a:ext>
-            </a:extLst>
-          </p:cNvPr>
-          <p:cNvSpPr/>
-          <p:nvPr/>
-        </p:nvSpPr>
-        <p:spPr>
-          <a:xfrm rot="15803666">
-            <a:off x="7125910" y="2142384"/>
-            <a:ext cx="435006" cy="2512945"/>
-          </a:xfrm>
-          <a:prstGeom prst="downArrow">
-            <a:avLst/>
-          </a:prstGeom>
         </p:spPr>
         <p:style>
-          <a:lnRef idx="3">
-            <a:schemeClr val="lt1"/>
+          <a:lnRef idx="2">
+            <a:schemeClr val="accent1">
+              <a:shade val="50000"/>
+            </a:schemeClr>
           </a:lnRef>
           <a:fillRef idx="1">
-            <a:schemeClr val="accent6"/>
+            <a:schemeClr val="accent1"/>
           </a:fillRef>
-          <a:effectRef idx="1">
-            <a:schemeClr val="accent6"/>
+          <a:effectRef idx="0">
+            <a:schemeClr val="accent1"/>
           </a:effectRef>
           <a:fontRef idx="minor">
             <a:schemeClr val="lt1"/>
@@ -11202,16 +13135,19 @@
           <a:lstStyle/>
           <a:p>
             <a:pPr algn="ctr"/>
-            <a:endParaRPr lang="ko-KR" altLang="en-US" dirty="0"/>
-          </a:p>
-        </p:txBody>
-      </p:sp>
-      <p:sp>
-        <p:nvSpPr>
-          <p:cNvPr id="46" name="화살표: 아래쪽 45">
-            <a:extLst>
-              <a:ext uri="{FF2B5EF4-FFF2-40B4-BE49-F238E27FC236}">
-                <a16:creationId xmlns:a16="http://schemas.microsoft.com/office/drawing/2014/main" id="{6FBAD97F-D558-40E2-9FB4-860F81931903}"/>
+            <a:r>
+              <a:rPr lang="ko-KR" altLang="en-US" dirty="0"/>
+              <a:t>시작</a:t>
+            </a:r>
+          </a:p>
+        </p:txBody>
+      </p:sp>
+      <p:sp>
+        <p:nvSpPr>
+          <p:cNvPr id="6" name="순서도: 판단 5">
+            <a:extLst>
+              <a:ext uri="{FF2B5EF4-FFF2-40B4-BE49-F238E27FC236}">
+                <a16:creationId xmlns:a16="http://schemas.microsoft.com/office/drawing/2014/main" id="{C67E4C66-170C-4888-A366-BFC4BB446492}"/>
               </a:ext>
             </a:extLst>
           </p:cNvPr>
@@ -11219,23 +13155,25 @@
           <p:nvPr/>
         </p:nvSpPr>
         <p:spPr>
-          <a:xfrm rot="14236012">
-            <a:off x="10769767" y="46744"/>
-            <a:ext cx="435006" cy="448323"/>
-          </a:xfrm>
-          <a:prstGeom prst="downArrow">
+          <a:xfrm>
+            <a:off x="628650" y="2009775"/>
+            <a:ext cx="1800225" cy="952500"/>
+          </a:xfrm>
+          <a:prstGeom prst="flowChartDecision">
             <a:avLst/>
           </a:prstGeom>
         </p:spPr>
         <p:style>
-          <a:lnRef idx="3">
-            <a:schemeClr val="lt1"/>
+          <a:lnRef idx="2">
+            <a:schemeClr val="accent1">
+              <a:shade val="50000"/>
+            </a:schemeClr>
           </a:lnRef>
           <a:fillRef idx="1">
-            <a:schemeClr val="accent6"/>
+            <a:schemeClr val="accent1"/>
           </a:fillRef>
-          <a:effectRef idx="1">
-            <a:schemeClr val="accent6"/>
+          <a:effectRef idx="0">
+            <a:schemeClr val="accent1"/>
           </a:effectRef>
           <a:fontRef idx="minor">
             <a:schemeClr val="lt1"/>
@@ -11246,16 +13184,143 @@
           <a:lstStyle/>
           <a:p>
             <a:pPr algn="ctr"/>
-            <a:endParaRPr lang="ko-KR" altLang="en-US"/>
-          </a:p>
-        </p:txBody>
-      </p:sp>
-      <p:sp>
-        <p:nvSpPr>
-          <p:cNvPr id="47" name="화살표: 아래쪽 46">
-            <a:extLst>
-              <a:ext uri="{FF2B5EF4-FFF2-40B4-BE49-F238E27FC236}">
-                <a16:creationId xmlns:a16="http://schemas.microsoft.com/office/drawing/2014/main" id="{A17F015E-5734-4EC8-B901-B7E27E9F35A1}"/>
+            <a:r>
+              <a:rPr lang="ko-KR" altLang="en-US" sz="1400" dirty="0"/>
+              <a:t>스트리밍 발생</a:t>
+            </a:r>
+          </a:p>
+        </p:txBody>
+      </p:sp>
+      <p:cxnSp>
+        <p:nvCxnSpPr>
+          <p:cNvPr id="9" name="직선 화살표 연결선 8">
+            <a:extLst>
+              <a:ext uri="{FF2B5EF4-FFF2-40B4-BE49-F238E27FC236}">
+                <a16:creationId xmlns:a16="http://schemas.microsoft.com/office/drawing/2014/main" id="{07550C06-BBDA-4F76-8976-80BF8B7E4207}"/>
+              </a:ext>
+            </a:extLst>
+          </p:cNvPr>
+          <p:cNvCxnSpPr>
+            <a:stCxn id="6" idx="2"/>
+          </p:cNvCxnSpPr>
+          <p:nvPr/>
+        </p:nvCxnSpPr>
+        <p:spPr>
+          <a:xfrm flipH="1">
+            <a:off x="1528762" y="2962275"/>
+            <a:ext cx="1" cy="638304"/>
+          </a:xfrm>
+          <a:prstGeom prst="straightConnector1">
+            <a:avLst/>
+          </a:prstGeom>
+          <a:ln>
+            <a:tailEnd type="triangle"/>
+          </a:ln>
+        </p:spPr>
+        <p:style>
+          <a:lnRef idx="1">
+            <a:schemeClr val="accent1"/>
+          </a:lnRef>
+          <a:fillRef idx="0">
+            <a:schemeClr val="accent1"/>
+          </a:fillRef>
+          <a:effectRef idx="0">
+            <a:schemeClr val="accent1"/>
+          </a:effectRef>
+          <a:fontRef idx="minor">
+            <a:schemeClr val="tx1"/>
+          </a:fontRef>
+        </p:style>
+      </p:cxnSp>
+      <p:cxnSp>
+        <p:nvCxnSpPr>
+          <p:cNvPr id="66" name="직선 화살표 연결선 65">
+            <a:extLst>
+              <a:ext uri="{FF2B5EF4-FFF2-40B4-BE49-F238E27FC236}">
+                <a16:creationId xmlns:a16="http://schemas.microsoft.com/office/drawing/2014/main" id="{FCE157DD-B75C-461E-960E-28CB89258989}"/>
+              </a:ext>
+            </a:extLst>
+          </p:cNvPr>
+          <p:cNvCxnSpPr>
+            <a:cxnSpLocks/>
+            <a:endCxn id="2" idx="1"/>
+          </p:cNvCxnSpPr>
+          <p:nvPr/>
+        </p:nvCxnSpPr>
+        <p:spPr>
+          <a:xfrm>
+            <a:off x="2428876" y="2486025"/>
+            <a:ext cx="927622" cy="0"/>
+          </a:xfrm>
+          <a:prstGeom prst="straightConnector1">
+            <a:avLst/>
+          </a:prstGeom>
+          <a:ln>
+            <a:tailEnd type="triangle"/>
+          </a:ln>
+        </p:spPr>
+        <p:style>
+          <a:lnRef idx="1">
+            <a:schemeClr val="accent1"/>
+          </a:lnRef>
+          <a:fillRef idx="0">
+            <a:schemeClr val="accent1"/>
+          </a:fillRef>
+          <a:effectRef idx="0">
+            <a:schemeClr val="accent1"/>
+          </a:effectRef>
+          <a:fontRef idx="minor">
+            <a:schemeClr val="tx1"/>
+          </a:fontRef>
+        </p:style>
+      </p:cxnSp>
+      <p:cxnSp>
+        <p:nvCxnSpPr>
+          <p:cNvPr id="67" name="직선 화살표 연결선 66">
+            <a:extLst>
+              <a:ext uri="{FF2B5EF4-FFF2-40B4-BE49-F238E27FC236}">
+                <a16:creationId xmlns:a16="http://schemas.microsoft.com/office/drawing/2014/main" id="{7D87D679-D842-493B-AB38-CD949E6DD1ED}"/>
+              </a:ext>
+            </a:extLst>
+          </p:cNvPr>
+          <p:cNvCxnSpPr>
+            <a:cxnSpLocks/>
+          </p:cNvCxnSpPr>
+          <p:nvPr/>
+        </p:nvCxnSpPr>
+        <p:spPr>
+          <a:xfrm>
+            <a:off x="5156722" y="2466975"/>
+            <a:ext cx="816768" cy="0"/>
+          </a:xfrm>
+          <a:prstGeom prst="straightConnector1">
+            <a:avLst/>
+          </a:prstGeom>
+          <a:ln>
+            <a:tailEnd type="triangle"/>
+          </a:ln>
+        </p:spPr>
+        <p:style>
+          <a:lnRef idx="1">
+            <a:schemeClr val="accent1"/>
+          </a:lnRef>
+          <a:fillRef idx="0">
+            <a:schemeClr val="accent1"/>
+          </a:fillRef>
+          <a:effectRef idx="0">
+            <a:schemeClr val="accent1"/>
+          </a:effectRef>
+          <a:fontRef idx="minor">
+            <a:schemeClr val="tx1"/>
+          </a:fontRef>
+        </p:style>
+      </p:cxnSp>
+      <p:sp>
+        <p:nvSpPr>
+          <p:cNvPr id="69" name="순서도: 처리 68">
+            <a:extLst>
+              <a:ext uri="{FF2B5EF4-FFF2-40B4-BE49-F238E27FC236}">
+                <a16:creationId xmlns:a16="http://schemas.microsoft.com/office/drawing/2014/main" id="{68015374-1B07-4A68-9A1F-450D0903F926}"/>
               </a:ext>
             </a:extLst>
           </p:cNvPr>
@@ -11263,23 +13328,25 @@
           <p:nvPr/>
         </p:nvSpPr>
         <p:spPr>
-          <a:xfrm rot="14236012">
-            <a:off x="10769768" y="728431"/>
-            <a:ext cx="435006" cy="448323"/>
-          </a:xfrm>
-          <a:prstGeom prst="downArrow">
+          <a:xfrm>
+            <a:off x="628650" y="3600579"/>
+            <a:ext cx="1800224" cy="723868"/>
+          </a:xfrm>
+          <a:prstGeom prst="flowChartProcess">
             <a:avLst/>
           </a:prstGeom>
         </p:spPr>
         <p:style>
-          <a:lnRef idx="3">
-            <a:schemeClr val="lt1"/>
+          <a:lnRef idx="2">
+            <a:schemeClr val="accent1">
+              <a:shade val="50000"/>
+            </a:schemeClr>
           </a:lnRef>
           <a:fillRef idx="1">
-            <a:schemeClr val="dk1"/>
+            <a:schemeClr val="accent1"/>
           </a:fillRef>
-          <a:effectRef idx="1">
-            <a:schemeClr val="dk1"/>
+          <a:effectRef idx="0">
+            <a:schemeClr val="accent1"/>
           </a:effectRef>
           <a:fontRef idx="minor">
             <a:schemeClr val="lt1"/>
@@ -11290,16 +13357,19 @@
           <a:lstStyle/>
           <a:p>
             <a:pPr algn="ctr"/>
-            <a:endParaRPr lang="ko-KR" altLang="en-US" dirty="0"/>
-          </a:p>
-        </p:txBody>
-      </p:sp>
-      <p:sp>
-        <p:nvSpPr>
-          <p:cNvPr id="3" name="TextBox 2">
-            <a:extLst>
-              <a:ext uri="{FF2B5EF4-FFF2-40B4-BE49-F238E27FC236}">
-                <a16:creationId xmlns:a16="http://schemas.microsoft.com/office/drawing/2014/main" id="{6F46CE10-A2C1-49FF-853A-139659AE987B}"/>
+            <a:r>
+              <a:rPr lang="ko-KR" altLang="en-US" dirty="0"/>
+              <a:t>방송시작까지 기다린다</a:t>
+            </a:r>
+          </a:p>
+        </p:txBody>
+      </p:sp>
+      <p:sp>
+        <p:nvSpPr>
+          <p:cNvPr id="14" name="TextBox 13">
+            <a:extLst>
+              <a:ext uri="{FF2B5EF4-FFF2-40B4-BE49-F238E27FC236}">
+                <a16:creationId xmlns:a16="http://schemas.microsoft.com/office/drawing/2014/main" id="{646C7DFF-8773-4F49-B6E1-16286FFE2F3C}"/>
               </a:ext>
             </a:extLst>
           </p:cNvPr>
@@ -11308,8 +13378,8 @@
         </p:nvSpPr>
         <p:spPr>
           <a:xfrm>
-            <a:off x="11150353" y="40072"/>
-            <a:ext cx="1041647" cy="461665"/>
+            <a:off x="2539730" y="2165442"/>
+            <a:ext cx="447675" cy="253916"/>
           </a:xfrm>
           <a:prstGeom prst="rect">
             <a:avLst/>
@@ -11323,22 +13393,19 @@
           <a:lstStyle/>
           <a:p>
             <a:r>
-              <a:rPr lang="ko-KR" altLang="en-US" sz="1200" dirty="0"/>
-              <a:t>시각화용 </a:t>
-            </a:r>
-            <a:r>
-              <a:rPr lang="en-US" altLang="ko-KR" sz="1200" dirty="0"/>
-              <a:t>Meta data</a:t>
-            </a:r>
-          </a:p>
-        </p:txBody>
-      </p:sp>
-      <p:sp>
-        <p:nvSpPr>
-          <p:cNvPr id="48" name="TextBox 47">
-            <a:extLst>
-              <a:ext uri="{FF2B5EF4-FFF2-40B4-BE49-F238E27FC236}">
-                <a16:creationId xmlns:a16="http://schemas.microsoft.com/office/drawing/2014/main" id="{6FFEFEBC-9704-4D3E-AA19-F5A0453824C7}"/>
+              <a:rPr lang="en-US" altLang="ko-KR" sz="1050" dirty="0"/>
+              <a:t>yes</a:t>
+            </a:r>
+            <a:endParaRPr lang="ko-KR" altLang="en-US" sz="1050" dirty="0"/>
+          </a:p>
+        </p:txBody>
+      </p:sp>
+      <p:sp>
+        <p:nvSpPr>
+          <p:cNvPr id="72" name="TextBox 71">
+            <a:extLst>
+              <a:ext uri="{FF2B5EF4-FFF2-40B4-BE49-F238E27FC236}">
+                <a16:creationId xmlns:a16="http://schemas.microsoft.com/office/drawing/2014/main" id="{4DFDD105-41D6-49B7-BCC6-29501B05640D}"/>
               </a:ext>
             </a:extLst>
           </p:cNvPr>
@@ -11347,8 +13414,8 @@
         </p:nvSpPr>
         <p:spPr>
           <a:xfrm>
-            <a:off x="11150352" y="600868"/>
-            <a:ext cx="1041647" cy="830997"/>
+            <a:off x="1531143" y="3070293"/>
+            <a:ext cx="447675" cy="253916"/>
           </a:xfrm>
           <a:prstGeom prst="rect">
             <a:avLst/>
@@ -11362,115 +13429,17 @@
           <a:lstStyle/>
           <a:p>
             <a:r>
-              <a:rPr lang="ko-KR" altLang="en-US" sz="1200" dirty="0"/>
-              <a:t>분석</a:t>
-            </a:r>
-            <a:r>
-              <a:rPr lang="en-US" altLang="ko-KR" sz="1200" dirty="0"/>
-              <a:t> </a:t>
-            </a:r>
-            <a:r>
-              <a:rPr lang="ko-KR" altLang="en-US" sz="1200" dirty="0"/>
-              <a:t>데이터</a:t>
-            </a:r>
-            <a:endParaRPr lang="en-US" altLang="ko-KR" sz="1200" dirty="0"/>
-          </a:p>
-          <a:p>
-            <a:pPr marL="171450" indent="-171450">
-              <a:buFontTx/>
-              <a:buChar char="-"/>
-            </a:pPr>
-            <a:r>
-              <a:rPr lang="ko-KR" altLang="en-US" sz="1200" dirty="0"/>
-              <a:t>채팅</a:t>
-            </a:r>
-            <a:endParaRPr lang="en-US" altLang="ko-KR" sz="1200" dirty="0"/>
-          </a:p>
-          <a:p>
-            <a:pPr marL="171450" indent="-171450">
-              <a:buFontTx/>
-              <a:buChar char="-"/>
-            </a:pPr>
-            <a:r>
-              <a:rPr lang="en-US" altLang="ko-KR" sz="1200" dirty="0"/>
-              <a:t>Stream</a:t>
-            </a:r>
-            <a:r>
-              <a:rPr lang="ko-KR" altLang="en-US" sz="1200" dirty="0"/>
-              <a:t> </a:t>
-            </a:r>
-            <a:r>
-              <a:rPr lang="en-US" altLang="ko-KR" sz="1200" dirty="0"/>
-              <a:t>data</a:t>
-            </a:r>
-            <a:endParaRPr lang="ko-KR" altLang="en-US" sz="1200" dirty="0"/>
-          </a:p>
-        </p:txBody>
-      </p:sp>
-      <p:sp>
-        <p:nvSpPr>
-          <p:cNvPr id="49" name="TextBox 48">
-            <a:extLst>
-              <a:ext uri="{FF2B5EF4-FFF2-40B4-BE49-F238E27FC236}">
-                <a16:creationId xmlns:a16="http://schemas.microsoft.com/office/drawing/2014/main" id="{358B94BC-D98A-469A-84A4-3EBF298AE5F0}"/>
-              </a:ext>
-            </a:extLst>
-          </p:cNvPr>
-          <p:cNvSpPr txBox="1"/>
-          <p:nvPr/>
-        </p:nvSpPr>
-        <p:spPr>
-          <a:xfrm>
-            <a:off x="6944385" y="3589855"/>
-            <a:ext cx="669877" cy="646331"/>
-          </a:xfrm>
-          <a:prstGeom prst="rect">
-            <a:avLst/>
-          </a:prstGeom>
-          <a:noFill/>
-        </p:spPr>
-        <p:txBody>
-          <a:bodyPr wrap="square" rtlCol="0">
-            <a:spAutoFit/>
-          </a:bodyPr>
-          <a:lstStyle/>
-          <a:p>
-            <a:r>
-              <a:rPr lang="en-US" altLang="ko-KR" sz="1200" dirty="0">
-                <a:solidFill>
-                  <a:schemeClr val="accent5">
-                    <a:lumMod val="75000"/>
-                  </a:schemeClr>
-                </a:solidFill>
-              </a:rPr>
-              <a:t>Json,</a:t>
-            </a:r>
-          </a:p>
-          <a:p>
-            <a:r>
-              <a:rPr lang="en-US" altLang="ko-KR" sz="1200" dirty="0" err="1">
-                <a:solidFill>
-                  <a:schemeClr val="accent5">
-                    <a:lumMod val="75000"/>
-                  </a:schemeClr>
-                </a:solidFill>
-              </a:rPr>
-              <a:t>NoSQLQuery</a:t>
-            </a:r>
-            <a:endParaRPr lang="en-US" altLang="ko-KR" sz="1200" dirty="0">
-              <a:solidFill>
-                <a:schemeClr val="accent5">
-                  <a:lumMod val="75000"/>
-                </a:schemeClr>
-              </a:solidFill>
-            </a:endParaRPr>
+              <a:rPr lang="en-US" altLang="ko-KR" sz="1050" dirty="0"/>
+              <a:t>no</a:t>
+            </a:r>
+            <a:endParaRPr lang="ko-KR" altLang="en-US" sz="1050" dirty="0"/>
           </a:p>
         </p:txBody>
       </p:sp>
     </p:spTree>
     <p:extLst>
       <p:ext uri="{BB962C8B-B14F-4D97-AF65-F5344CB8AC3E}">
-        <p14:creationId xmlns:p14="http://schemas.microsoft.com/office/powerpoint/2010/main" val="936693043"/>
+        <p14:creationId xmlns:p14="http://schemas.microsoft.com/office/powerpoint/2010/main" val="2817598717"/>
       </p:ext>
     </p:extLst>
   </p:cSld>
